--- a/gulp.pptx
+++ b/gulp.pptx
@@ -6,27 +6,34 @@
     <p:sldMasterId id="2147483671" r:id="rId2"/>
   </p:sldMasterIdLst>
   <p:notesMasterIdLst>
-    <p:notesMasterId r:id="rId21"/>
+    <p:notesMasterId r:id="rId28"/>
   </p:notesMasterIdLst>
   <p:sldIdLst>
     <p:sldId id="275" r:id="rId3"/>
-    <p:sldId id="282" r:id="rId4"/>
-    <p:sldId id="287" r:id="rId5"/>
-    <p:sldId id="311" r:id="rId6"/>
-    <p:sldId id="303" r:id="rId7"/>
-    <p:sldId id="305" r:id="rId8"/>
-    <p:sldId id="304" r:id="rId9"/>
-    <p:sldId id="290" r:id="rId10"/>
-    <p:sldId id="306" r:id="rId11"/>
-    <p:sldId id="289" r:id="rId12"/>
-    <p:sldId id="294" r:id="rId13"/>
-    <p:sldId id="295" r:id="rId14"/>
-    <p:sldId id="309" r:id="rId15"/>
-    <p:sldId id="288" r:id="rId16"/>
-    <p:sldId id="307" r:id="rId17"/>
-    <p:sldId id="310" r:id="rId18"/>
-    <p:sldId id="308" r:id="rId19"/>
-    <p:sldId id="299" r:id="rId20"/>
+    <p:sldId id="312" r:id="rId4"/>
+    <p:sldId id="313" r:id="rId5"/>
+    <p:sldId id="314" r:id="rId6"/>
+    <p:sldId id="315" r:id="rId7"/>
+    <p:sldId id="316" r:id="rId8"/>
+    <p:sldId id="287" r:id="rId9"/>
+    <p:sldId id="282" r:id="rId10"/>
+    <p:sldId id="317" r:id="rId11"/>
+    <p:sldId id="318" r:id="rId12"/>
+    <p:sldId id="311" r:id="rId13"/>
+    <p:sldId id="303" r:id="rId14"/>
+    <p:sldId id="305" r:id="rId15"/>
+    <p:sldId id="304" r:id="rId16"/>
+    <p:sldId id="290" r:id="rId17"/>
+    <p:sldId id="306" r:id="rId18"/>
+    <p:sldId id="289" r:id="rId19"/>
+    <p:sldId id="294" r:id="rId20"/>
+    <p:sldId id="295" r:id="rId21"/>
+    <p:sldId id="309" r:id="rId22"/>
+    <p:sldId id="288" r:id="rId23"/>
+    <p:sldId id="307" r:id="rId24"/>
+    <p:sldId id="310" r:id="rId25"/>
+    <p:sldId id="308" r:id="rId26"/>
+    <p:sldId id="299" r:id="rId27"/>
   </p:sldIdLst>
   <p:sldSz cx="9144000" cy="5143500" type="screen16x9"/>
   <p:notesSz cx="6858000" cy="9144000"/>
@@ -353,7 +360,7 @@
                 <a:cs typeface="Calibri" pitchFamily="34" charset="0"/>
               </a:rPr>
               <a:pPr algn="r"/>
-              <a:t>2018/12/23</a:t>
+              <a:t>2018/12/24</a:t>
             </a:fld>
             <a:endParaRPr lang="zh-CN" altLang="en-US" sz="1200">
               <a:latin typeface="Calibri" pitchFamily="34" charset="0"/>
@@ -854,7 +861,7 @@
                 <a:cs typeface="Calibri" pitchFamily="34" charset="0"/>
               </a:rPr>
               <a:pPr algn="r"/>
-              <a:t>2</a:t>
+              <a:t>7</a:t>
             </a:fld>
             <a:endParaRPr lang="zh-CN" altLang="en-US" sz="1200">
               <a:latin typeface="Calibri" pitchFamily="34" charset="0"/>
@@ -867,7 +874,7 @@
     </p:spTree>
     <p:extLst>
       <p:ext uri="{BB962C8B-B14F-4D97-AF65-F5344CB8AC3E}">
-        <p14:creationId xmlns:p14="http://schemas.microsoft.com/office/powerpoint/2010/main" val="2314481465"/>
+        <p14:creationId xmlns:p14="http://schemas.microsoft.com/office/powerpoint/2010/main" val="4266277725"/>
       </p:ext>
     </p:extLst>
   </p:cSld>
@@ -969,7 +976,7 @@
                 <a:cs typeface="Calibri" pitchFamily="34" charset="0"/>
               </a:rPr>
               <a:pPr algn="r"/>
-              <a:t>11</a:t>
+              <a:t>16</a:t>
             </a:fld>
             <a:endParaRPr lang="zh-CN" altLang="en-US" sz="1200">
               <a:latin typeface="Calibri" pitchFamily="34" charset="0"/>
@@ -982,7 +989,7 @@
     </p:spTree>
     <p:extLst>
       <p:ext uri="{BB962C8B-B14F-4D97-AF65-F5344CB8AC3E}">
-        <p14:creationId xmlns:p14="http://schemas.microsoft.com/office/powerpoint/2010/main" val="2699777339"/>
+        <p14:creationId xmlns:p14="http://schemas.microsoft.com/office/powerpoint/2010/main" val="4102032470"/>
       </p:ext>
     </p:extLst>
   </p:cSld>
@@ -1084,7 +1091,7 @@
                 <a:cs typeface="Calibri" pitchFamily="34" charset="0"/>
               </a:rPr>
               <a:pPr algn="r"/>
-              <a:t>12</a:t>
+              <a:t>17</a:t>
             </a:fld>
             <a:endParaRPr lang="zh-CN" altLang="en-US" sz="1200">
               <a:latin typeface="Calibri" pitchFamily="34" charset="0"/>
@@ -1097,7 +1104,7 @@
     </p:spTree>
     <p:extLst>
       <p:ext uri="{BB962C8B-B14F-4D97-AF65-F5344CB8AC3E}">
-        <p14:creationId xmlns:p14="http://schemas.microsoft.com/office/powerpoint/2010/main" val="3534578428"/>
+        <p14:creationId xmlns:p14="http://schemas.microsoft.com/office/powerpoint/2010/main" val="535865467"/>
       </p:ext>
     </p:extLst>
   </p:cSld>
@@ -1199,7 +1206,7 @@
                 <a:cs typeface="Calibri" pitchFamily="34" charset="0"/>
               </a:rPr>
               <a:pPr algn="r"/>
-              <a:t>13</a:t>
+              <a:t>18</a:t>
             </a:fld>
             <a:endParaRPr lang="zh-CN" altLang="en-US" sz="1200">
               <a:latin typeface="Calibri" pitchFamily="34" charset="0"/>
@@ -1212,7 +1219,7 @@
     </p:spTree>
     <p:extLst>
       <p:ext uri="{BB962C8B-B14F-4D97-AF65-F5344CB8AC3E}">
-        <p14:creationId xmlns:p14="http://schemas.microsoft.com/office/powerpoint/2010/main" val="1237013260"/>
+        <p14:creationId xmlns:p14="http://schemas.microsoft.com/office/powerpoint/2010/main" val="2699777339"/>
       </p:ext>
     </p:extLst>
   </p:cSld>
@@ -1314,7 +1321,7 @@
                 <a:cs typeface="Calibri" pitchFamily="34" charset="0"/>
               </a:rPr>
               <a:pPr algn="r"/>
-              <a:t>14</a:t>
+              <a:t>19</a:t>
             </a:fld>
             <a:endParaRPr lang="zh-CN" altLang="en-US" sz="1200">
               <a:latin typeface="Calibri" pitchFamily="34" charset="0"/>
@@ -1327,7 +1334,7 @@
     </p:spTree>
     <p:extLst>
       <p:ext uri="{BB962C8B-B14F-4D97-AF65-F5344CB8AC3E}">
-        <p14:creationId xmlns:p14="http://schemas.microsoft.com/office/powerpoint/2010/main" val="4206527865"/>
+        <p14:creationId xmlns:p14="http://schemas.microsoft.com/office/powerpoint/2010/main" val="3534578428"/>
       </p:ext>
     </p:extLst>
   </p:cSld>
@@ -1429,7 +1436,7 @@
                 <a:cs typeface="Calibri" pitchFamily="34" charset="0"/>
               </a:rPr>
               <a:pPr algn="r"/>
-              <a:t>15</a:t>
+              <a:t>20</a:t>
             </a:fld>
             <a:endParaRPr lang="zh-CN" altLang="en-US" sz="1200">
               <a:latin typeface="Calibri" pitchFamily="34" charset="0"/>
@@ -1442,7 +1449,7 @@
     </p:spTree>
     <p:extLst>
       <p:ext uri="{BB962C8B-B14F-4D97-AF65-F5344CB8AC3E}">
-        <p14:creationId xmlns:p14="http://schemas.microsoft.com/office/powerpoint/2010/main" val="637098908"/>
+        <p14:creationId xmlns:p14="http://schemas.microsoft.com/office/powerpoint/2010/main" val="1237013260"/>
       </p:ext>
     </p:extLst>
   </p:cSld>
@@ -1544,7 +1551,7 @@
                 <a:cs typeface="Calibri" pitchFamily="34" charset="0"/>
               </a:rPr>
               <a:pPr algn="r"/>
-              <a:t>16</a:t>
+              <a:t>21</a:t>
             </a:fld>
             <a:endParaRPr lang="zh-CN" altLang="en-US" sz="1200">
               <a:latin typeface="Calibri" pitchFamily="34" charset="0"/>
@@ -1557,7 +1564,7 @@
     </p:spTree>
     <p:extLst>
       <p:ext uri="{BB962C8B-B14F-4D97-AF65-F5344CB8AC3E}">
-        <p14:creationId xmlns:p14="http://schemas.microsoft.com/office/powerpoint/2010/main" val="1504933540"/>
+        <p14:creationId xmlns:p14="http://schemas.microsoft.com/office/powerpoint/2010/main" val="4206527865"/>
       </p:ext>
     </p:extLst>
   </p:cSld>
@@ -1659,7 +1666,7 @@
                 <a:cs typeface="Calibri" pitchFamily="34" charset="0"/>
               </a:rPr>
               <a:pPr algn="r"/>
-              <a:t>17</a:t>
+              <a:t>22</a:t>
             </a:fld>
             <a:endParaRPr lang="zh-CN" altLang="en-US" sz="1200">
               <a:latin typeface="Calibri" pitchFamily="34" charset="0"/>
@@ -1672,7 +1679,7 @@
     </p:spTree>
     <p:extLst>
       <p:ext uri="{BB962C8B-B14F-4D97-AF65-F5344CB8AC3E}">
-        <p14:creationId xmlns:p14="http://schemas.microsoft.com/office/powerpoint/2010/main" val="1802842484"/>
+        <p14:creationId xmlns:p14="http://schemas.microsoft.com/office/powerpoint/2010/main" val="637098908"/>
       </p:ext>
     </p:extLst>
   </p:cSld>
@@ -1774,7 +1781,237 @@
                 <a:cs typeface="Calibri" pitchFamily="34" charset="0"/>
               </a:rPr>
               <a:pPr algn="r"/>
-              <a:t>18</a:t>
+              <a:t>23</a:t>
+            </a:fld>
+            <a:endParaRPr lang="zh-CN" altLang="en-US" sz="1200">
+              <a:latin typeface="Calibri" pitchFamily="34" charset="0"/>
+              <a:ea typeface="宋体" pitchFamily="2" charset="-122"/>
+              <a:cs typeface="Calibri" pitchFamily="34" charset="0"/>
+            </a:endParaRPr>
+          </a:p>
+        </p:txBody>
+      </p:sp>
+    </p:spTree>
+    <p:extLst>
+      <p:ext uri="{BB962C8B-B14F-4D97-AF65-F5344CB8AC3E}">
+        <p14:creationId xmlns:p14="http://schemas.microsoft.com/office/powerpoint/2010/main" val="1504933540"/>
+      </p:ext>
+    </p:extLst>
+  </p:cSld>
+  <p:clrMapOvr>
+    <a:masterClrMapping/>
+  </p:clrMapOvr>
+</p:notes>
+</file>
+
+<file path=ppt/notesSlides/notesSlide18.xml><?xml version="1.0" encoding="utf-8"?>
+<p:notes xmlns:a="http://schemas.openxmlformats.org/drawingml/2006/main" xmlns:r="http://schemas.openxmlformats.org/officeDocument/2006/relationships" xmlns:p="http://schemas.openxmlformats.org/presentationml/2006/main">
+  <p:cSld>
+    <p:spTree>
+      <p:nvGrpSpPr>
+        <p:cNvPr id="1" name=""/>
+        <p:cNvGrpSpPr/>
+        <p:nvPr/>
+      </p:nvGrpSpPr>
+      <p:grpSpPr>
+        <a:xfrm>
+          <a:off x="0" y="0"/>
+          <a:ext cx="0" cy="0"/>
+          <a:chOff x="0" y="0"/>
+          <a:chExt cx="0" cy="0"/>
+        </a:xfrm>
+      </p:grpSpPr>
+      <p:sp>
+        <p:nvSpPr>
+          <p:cNvPr id="2" name="文本框"/>
+          <p:cNvSpPr>
+            <a:spLocks noGrp="1" noRot="1" noChangeAspect="1"/>
+          </p:cNvSpPr>
+          <p:nvPr>
+            <p:ph type="sldImg"/>
+          </p:nvPr>
+        </p:nvSpPr>
+        <p:spPr/>
+      </p:sp>
+      <p:sp>
+        <p:nvSpPr>
+          <p:cNvPr id="3" name="文本框"/>
+          <p:cNvSpPr>
+            <a:spLocks noGrp="1"/>
+          </p:cNvSpPr>
+          <p:nvPr>
+            <p:ph type="body" idx="1"/>
+          </p:nvPr>
+        </p:nvSpPr>
+        <p:spPr/>
+        <p:txBody>
+          <a:bodyPr/>
+          <a:lstStyle/>
+          <a:p>
+            <a:endParaRPr lang="zh-CN" altLang="en-US"/>
+          </a:p>
+        </p:txBody>
+      </p:sp>
+      <p:sp>
+        <p:nvSpPr>
+          <p:cNvPr id="9" name="文本框"/>
+          <p:cNvSpPr>
+            <a:spLocks noGrp="1"/>
+          </p:cNvSpPr>
+          <p:nvPr>
+            <p:ph type="sldNum" idx="5"/>
+          </p:nvPr>
+        </p:nvSpPr>
+        <p:spPr>
+          <a:xfrm>
+            <a:off x="3884613" y="8685213"/>
+            <a:ext cx="2971800" cy="457200"/>
+          </a:xfrm>
+          <a:prstGeom prst="rect">
+            <a:avLst/>
+          </a:prstGeom>
+          <a:noFill/>
+          <a:ln w="9525" cap="flat" cmpd="sng">
+            <a:noFill/>
+            <a:prstDash val="solid"/>
+            <a:round/>
+          </a:ln>
+        </p:spPr>
+        <p:txBody>
+          <a:bodyPr vert="horz" wrap="square" lIns="91440" tIns="45720" rIns="91440" bIns="45720" anchor="b" anchorCtr="0">
+            <a:prstTxWarp prst="textNoShape">
+              <a:avLst/>
+            </a:prstTxWarp>
+          </a:bodyPr>
+          <a:lstStyle/>
+          <a:p>
+            <a:pPr algn="r"/>
+            <a:fld id="{CAD2D6BD-DE1B-4B5F-8B41-2702339687B9}" type="slidenum">
+              <a:rPr lang="en-US" altLang="zh-CN" sz="1800" u="none" strike="noStrike" kern="1200" cap="none" spc="0" baseline="0">
+                <a:solidFill>
+                  <a:schemeClr val="tx1"/>
+                </a:solidFill>
+                <a:latin typeface="Calibri" pitchFamily="34" charset="0"/>
+                <a:ea typeface="宋体" pitchFamily="2" charset="-122"/>
+                <a:cs typeface="Calibri" pitchFamily="34" charset="0"/>
+              </a:rPr>
+              <a:pPr algn="r"/>
+              <a:t>24</a:t>
+            </a:fld>
+            <a:endParaRPr lang="zh-CN" altLang="en-US" sz="1200">
+              <a:latin typeface="Calibri" pitchFamily="34" charset="0"/>
+              <a:ea typeface="宋体" pitchFamily="2" charset="-122"/>
+              <a:cs typeface="Calibri" pitchFamily="34" charset="0"/>
+            </a:endParaRPr>
+          </a:p>
+        </p:txBody>
+      </p:sp>
+    </p:spTree>
+    <p:extLst>
+      <p:ext uri="{BB962C8B-B14F-4D97-AF65-F5344CB8AC3E}">
+        <p14:creationId xmlns:p14="http://schemas.microsoft.com/office/powerpoint/2010/main" val="1802842484"/>
+      </p:ext>
+    </p:extLst>
+  </p:cSld>
+  <p:clrMapOvr>
+    <a:masterClrMapping/>
+  </p:clrMapOvr>
+</p:notes>
+</file>
+
+<file path=ppt/notesSlides/notesSlide19.xml><?xml version="1.0" encoding="utf-8"?>
+<p:notes xmlns:a="http://schemas.openxmlformats.org/drawingml/2006/main" xmlns:r="http://schemas.openxmlformats.org/officeDocument/2006/relationships" xmlns:p="http://schemas.openxmlformats.org/presentationml/2006/main">
+  <p:cSld>
+    <p:spTree>
+      <p:nvGrpSpPr>
+        <p:cNvPr id="1" name=""/>
+        <p:cNvGrpSpPr/>
+        <p:nvPr/>
+      </p:nvGrpSpPr>
+      <p:grpSpPr>
+        <a:xfrm>
+          <a:off x="0" y="0"/>
+          <a:ext cx="0" cy="0"/>
+          <a:chOff x="0" y="0"/>
+          <a:chExt cx="0" cy="0"/>
+        </a:xfrm>
+      </p:grpSpPr>
+      <p:sp>
+        <p:nvSpPr>
+          <p:cNvPr id="2" name="文本框"/>
+          <p:cNvSpPr>
+            <a:spLocks noGrp="1" noRot="1" noChangeAspect="1"/>
+          </p:cNvSpPr>
+          <p:nvPr>
+            <p:ph type="sldImg"/>
+          </p:nvPr>
+        </p:nvSpPr>
+        <p:spPr/>
+      </p:sp>
+      <p:sp>
+        <p:nvSpPr>
+          <p:cNvPr id="3" name="文本框"/>
+          <p:cNvSpPr>
+            <a:spLocks noGrp="1"/>
+          </p:cNvSpPr>
+          <p:nvPr>
+            <p:ph type="body" idx="1"/>
+          </p:nvPr>
+        </p:nvSpPr>
+        <p:spPr/>
+        <p:txBody>
+          <a:bodyPr/>
+          <a:lstStyle/>
+          <a:p>
+            <a:endParaRPr lang="zh-CN" altLang="en-US"/>
+          </a:p>
+        </p:txBody>
+      </p:sp>
+      <p:sp>
+        <p:nvSpPr>
+          <p:cNvPr id="9" name="文本框"/>
+          <p:cNvSpPr>
+            <a:spLocks noGrp="1"/>
+          </p:cNvSpPr>
+          <p:nvPr>
+            <p:ph type="sldNum" idx="5"/>
+          </p:nvPr>
+        </p:nvSpPr>
+        <p:spPr>
+          <a:xfrm>
+            <a:off x="3884613" y="8685213"/>
+            <a:ext cx="2971800" cy="457200"/>
+          </a:xfrm>
+          <a:prstGeom prst="rect">
+            <a:avLst/>
+          </a:prstGeom>
+          <a:noFill/>
+          <a:ln w="9525" cap="flat" cmpd="sng">
+            <a:noFill/>
+            <a:prstDash val="solid"/>
+            <a:round/>
+          </a:ln>
+        </p:spPr>
+        <p:txBody>
+          <a:bodyPr vert="horz" wrap="square" lIns="91440" tIns="45720" rIns="91440" bIns="45720" anchor="b" anchorCtr="0">
+            <a:prstTxWarp prst="textNoShape">
+              <a:avLst/>
+            </a:prstTxWarp>
+          </a:bodyPr>
+          <a:lstStyle/>
+          <a:p>
+            <a:pPr algn="r"/>
+            <a:fld id="{CAD2D6BD-DE1B-4B5F-8B41-2702339687B9}" type="slidenum">
+              <a:rPr lang="en-US" altLang="zh-CN" sz="1800" u="none" strike="noStrike" kern="1200" cap="none" spc="0" baseline="0">
+                <a:solidFill>
+                  <a:schemeClr val="tx1"/>
+                </a:solidFill>
+                <a:latin typeface="Calibri" pitchFamily="34" charset="0"/>
+                <a:ea typeface="宋体" pitchFamily="2" charset="-122"/>
+                <a:cs typeface="Calibri" pitchFamily="34" charset="0"/>
+              </a:rPr>
+              <a:pPr algn="r"/>
+              <a:t>25</a:t>
             </a:fld>
             <a:endParaRPr lang="zh-CN" altLang="en-US" sz="1200">
               <a:latin typeface="Calibri" pitchFamily="34" charset="0"/>
@@ -1889,7 +2126,7 @@
                 <a:cs typeface="Calibri" pitchFamily="34" charset="0"/>
               </a:rPr>
               <a:pPr algn="r"/>
-              <a:t>3</a:t>
+              <a:t>8</a:t>
             </a:fld>
             <a:endParaRPr lang="zh-CN" altLang="en-US" sz="1200">
               <a:latin typeface="Calibri" pitchFamily="34" charset="0"/>
@@ -1902,7 +2139,7 @@
     </p:spTree>
     <p:extLst>
       <p:ext uri="{BB962C8B-B14F-4D97-AF65-F5344CB8AC3E}">
-        <p14:creationId xmlns:p14="http://schemas.microsoft.com/office/powerpoint/2010/main" val="4266277725"/>
+        <p14:creationId xmlns:p14="http://schemas.microsoft.com/office/powerpoint/2010/main" val="2314481465"/>
       </p:ext>
     </p:extLst>
   </p:cSld>
@@ -2004,7 +2241,7 @@
                 <a:cs typeface="Calibri" pitchFamily="34" charset="0"/>
               </a:rPr>
               <a:pPr algn="r"/>
-              <a:t>4</a:t>
+              <a:t>9</a:t>
             </a:fld>
             <a:endParaRPr lang="zh-CN" altLang="en-US" sz="1200">
               <a:latin typeface="Calibri" pitchFamily="34" charset="0"/>
@@ -2017,7 +2254,7 @@
     </p:spTree>
     <p:extLst>
       <p:ext uri="{BB962C8B-B14F-4D97-AF65-F5344CB8AC3E}">
-        <p14:creationId xmlns:p14="http://schemas.microsoft.com/office/powerpoint/2010/main" val="1487460822"/>
+        <p14:creationId xmlns:p14="http://schemas.microsoft.com/office/powerpoint/2010/main" val="2689120767"/>
       </p:ext>
     </p:extLst>
   </p:cSld>
@@ -2119,7 +2356,7 @@
                 <a:cs typeface="Calibri" pitchFamily="34" charset="0"/>
               </a:rPr>
               <a:pPr algn="r"/>
-              <a:t>5</a:t>
+              <a:t>10</a:t>
             </a:fld>
             <a:endParaRPr lang="zh-CN" altLang="en-US" sz="1200">
               <a:latin typeface="Calibri" pitchFamily="34" charset="0"/>
@@ -2132,7 +2369,7 @@
     </p:spTree>
     <p:extLst>
       <p:ext uri="{BB962C8B-B14F-4D97-AF65-F5344CB8AC3E}">
-        <p14:creationId xmlns:p14="http://schemas.microsoft.com/office/powerpoint/2010/main" val="1706206576"/>
+        <p14:creationId xmlns:p14="http://schemas.microsoft.com/office/powerpoint/2010/main" val="4025010367"/>
       </p:ext>
     </p:extLst>
   </p:cSld>
@@ -2234,7 +2471,7 @@
                 <a:cs typeface="Calibri" pitchFamily="34" charset="0"/>
               </a:rPr>
               <a:pPr algn="r"/>
-              <a:t>6</a:t>
+              <a:t>11</a:t>
             </a:fld>
             <a:endParaRPr lang="zh-CN" altLang="en-US" sz="1200">
               <a:latin typeface="Calibri" pitchFamily="34" charset="0"/>
@@ -2247,7 +2484,7 @@
     </p:spTree>
     <p:extLst>
       <p:ext uri="{BB962C8B-B14F-4D97-AF65-F5344CB8AC3E}">
-        <p14:creationId xmlns:p14="http://schemas.microsoft.com/office/powerpoint/2010/main" val="2345351426"/>
+        <p14:creationId xmlns:p14="http://schemas.microsoft.com/office/powerpoint/2010/main" val="1487460822"/>
       </p:ext>
     </p:extLst>
   </p:cSld>
@@ -2349,7 +2586,7 @@
                 <a:cs typeface="Calibri" pitchFamily="34" charset="0"/>
               </a:rPr>
               <a:pPr algn="r"/>
-              <a:t>7</a:t>
+              <a:t>12</a:t>
             </a:fld>
             <a:endParaRPr lang="zh-CN" altLang="en-US" sz="1200">
               <a:latin typeface="Calibri" pitchFamily="34" charset="0"/>
@@ -2362,7 +2599,7 @@
     </p:spTree>
     <p:extLst>
       <p:ext uri="{BB962C8B-B14F-4D97-AF65-F5344CB8AC3E}">
-        <p14:creationId xmlns:p14="http://schemas.microsoft.com/office/powerpoint/2010/main" val="3856234142"/>
+        <p14:creationId xmlns:p14="http://schemas.microsoft.com/office/powerpoint/2010/main" val="1706206576"/>
       </p:ext>
     </p:extLst>
   </p:cSld>
@@ -2464,7 +2701,7 @@
                 <a:cs typeface="Calibri" pitchFamily="34" charset="0"/>
               </a:rPr>
               <a:pPr algn="r"/>
-              <a:t>8</a:t>
+              <a:t>13</a:t>
             </a:fld>
             <a:endParaRPr lang="zh-CN" altLang="en-US" sz="1200">
               <a:latin typeface="Calibri" pitchFamily="34" charset="0"/>
@@ -2477,7 +2714,7 @@
     </p:spTree>
     <p:extLst>
       <p:ext uri="{BB962C8B-B14F-4D97-AF65-F5344CB8AC3E}">
-        <p14:creationId xmlns:p14="http://schemas.microsoft.com/office/powerpoint/2010/main" val="778475574"/>
+        <p14:creationId xmlns:p14="http://schemas.microsoft.com/office/powerpoint/2010/main" val="2345351426"/>
       </p:ext>
     </p:extLst>
   </p:cSld>
@@ -2579,7 +2816,7 @@
                 <a:cs typeface="Calibri" pitchFamily="34" charset="0"/>
               </a:rPr>
               <a:pPr algn="r"/>
-              <a:t>9</a:t>
+              <a:t>14</a:t>
             </a:fld>
             <a:endParaRPr lang="zh-CN" altLang="en-US" sz="1200">
               <a:latin typeface="Calibri" pitchFamily="34" charset="0"/>
@@ -2592,7 +2829,7 @@
     </p:spTree>
     <p:extLst>
       <p:ext uri="{BB962C8B-B14F-4D97-AF65-F5344CB8AC3E}">
-        <p14:creationId xmlns:p14="http://schemas.microsoft.com/office/powerpoint/2010/main" val="4102032470"/>
+        <p14:creationId xmlns:p14="http://schemas.microsoft.com/office/powerpoint/2010/main" val="3856234142"/>
       </p:ext>
     </p:extLst>
   </p:cSld>
@@ -2694,7 +2931,7 @@
                 <a:cs typeface="Calibri" pitchFamily="34" charset="0"/>
               </a:rPr>
               <a:pPr algn="r"/>
-              <a:t>10</a:t>
+              <a:t>15</a:t>
             </a:fld>
             <a:endParaRPr lang="zh-CN" altLang="en-US" sz="1200">
               <a:latin typeface="Calibri" pitchFamily="34" charset="0"/>
@@ -2707,7 +2944,7 @@
     </p:spTree>
     <p:extLst>
       <p:ext uri="{BB962C8B-B14F-4D97-AF65-F5344CB8AC3E}">
-        <p14:creationId xmlns:p14="http://schemas.microsoft.com/office/powerpoint/2010/main" val="535865467"/>
+        <p14:creationId xmlns:p14="http://schemas.microsoft.com/office/powerpoint/2010/main" val="778475574"/>
       </p:ext>
     </p:extLst>
   </p:cSld>
@@ -2843,7 +3080,7 @@
             <a:fld id="{72514870-5082-4025-BC8A-5E070B8EB77D}" type="datetimeFigureOut">
               <a:rPr lang="zh-CN" altLang="en-US" smtClean="0"/>
               <a:pPr/>
-              <a:t>2018/12/23</a:t>
+              <a:t>2018/12/24</a:t>
             </a:fld>
             <a:endParaRPr lang="zh-CN" altLang="en-US"/>
           </a:p>
@@ -3013,7 +3250,7 @@
             <a:fld id="{72514870-5082-4025-BC8A-5E070B8EB77D}" type="datetimeFigureOut">
               <a:rPr lang="zh-CN" altLang="en-US" smtClean="0"/>
               <a:pPr/>
-              <a:t>2018/12/23</a:t>
+              <a:t>2018/12/24</a:t>
             </a:fld>
             <a:endParaRPr lang="zh-CN" altLang="en-US"/>
           </a:p>
@@ -3193,7 +3430,7 @@
             <a:fld id="{72514870-5082-4025-BC8A-5E070B8EB77D}" type="datetimeFigureOut">
               <a:rPr lang="zh-CN" altLang="en-US" smtClean="0"/>
               <a:pPr/>
-              <a:t>2018/12/23</a:t>
+              <a:t>2018/12/24</a:t>
             </a:fld>
             <a:endParaRPr lang="zh-CN" altLang="en-US"/>
           </a:p>
@@ -3381,7 +3618,7 @@
             <a:fld id="{72514870-5082-4025-BC8A-5E070B8EB77D}" type="datetimeFigureOut">
               <a:rPr lang="zh-CN" altLang="en-US" smtClean="0"/>
               <a:pPr/>
-              <a:t>2018/12/23</a:t>
+              <a:t>2018/12/24</a:t>
             </a:fld>
             <a:endParaRPr lang="zh-CN" altLang="en-US"/>
           </a:p>
@@ -3551,7 +3788,7 @@
             <a:fld id="{72514870-5082-4025-BC8A-5E070B8EB77D}" type="datetimeFigureOut">
               <a:rPr lang="zh-CN" altLang="en-US" smtClean="0"/>
               <a:pPr/>
-              <a:t>2018/12/23</a:t>
+              <a:t>2018/12/24</a:t>
             </a:fld>
             <a:endParaRPr lang="zh-CN" altLang="en-US"/>
           </a:p>
@@ -3744,7 +3981,7 @@
             <a:fld id="{72514870-5082-4025-BC8A-5E070B8EB77D}" type="datetimeFigureOut">
               <a:rPr lang="zh-CN" altLang="en-US" smtClean="0"/>
               <a:pPr/>
-              <a:t>2018/12/23</a:t>
+              <a:t>2018/12/24</a:t>
             </a:fld>
             <a:endParaRPr lang="zh-CN" altLang="en-US"/>
           </a:p>
@@ -4031,7 +4268,7 @@
             <a:fld id="{72514870-5082-4025-BC8A-5E070B8EB77D}" type="datetimeFigureOut">
               <a:rPr lang="zh-CN" altLang="en-US" smtClean="0"/>
               <a:pPr/>
-              <a:t>2018/12/23</a:t>
+              <a:t>2018/12/24</a:t>
             </a:fld>
             <a:endParaRPr lang="zh-CN" altLang="en-US"/>
           </a:p>
@@ -4452,7 +4689,7 @@
             <a:fld id="{72514870-5082-4025-BC8A-5E070B8EB77D}" type="datetimeFigureOut">
               <a:rPr lang="zh-CN" altLang="en-US" smtClean="0"/>
               <a:pPr/>
-              <a:t>2018/12/23</a:t>
+              <a:t>2018/12/24</a:t>
             </a:fld>
             <a:endParaRPr lang="zh-CN" altLang="en-US"/>
           </a:p>
@@ -4571,7 +4808,7 @@
             <a:fld id="{72514870-5082-4025-BC8A-5E070B8EB77D}" type="datetimeFigureOut">
               <a:rPr lang="zh-CN" altLang="en-US" smtClean="0"/>
               <a:pPr/>
-              <a:t>2018/12/23</a:t>
+              <a:t>2018/12/24</a:t>
             </a:fld>
             <a:endParaRPr lang="zh-CN" altLang="en-US"/>
           </a:p>
@@ -4668,7 +4905,7 @@
             <a:fld id="{72514870-5082-4025-BC8A-5E070B8EB77D}" type="datetimeFigureOut">
               <a:rPr lang="zh-CN" altLang="en-US" smtClean="0"/>
               <a:pPr/>
-              <a:t>2018/12/23</a:t>
+              <a:t>2018/12/24</a:t>
             </a:fld>
             <a:endParaRPr lang="zh-CN" altLang="en-US"/>
           </a:p>
@@ -4981,7 +5218,7 @@
             <a:fld id="{72514870-5082-4025-BC8A-5E070B8EB77D}" type="datetimeFigureOut">
               <a:rPr lang="zh-CN" altLang="en-US" smtClean="0"/>
               <a:pPr/>
-              <a:t>2018/12/23</a:t>
+              <a:t>2018/12/24</a:t>
             </a:fld>
             <a:endParaRPr lang="zh-CN" altLang="en-US"/>
           </a:p>
@@ -5151,7 +5388,7 @@
             <a:fld id="{72514870-5082-4025-BC8A-5E070B8EB77D}" type="datetimeFigureOut">
               <a:rPr lang="zh-CN" altLang="en-US" smtClean="0"/>
               <a:pPr/>
-              <a:t>2018/12/23</a:t>
+              <a:t>2018/12/24</a:t>
             </a:fld>
             <a:endParaRPr lang="zh-CN" altLang="en-US"/>
           </a:p>
@@ -5405,7 +5642,7 @@
             <a:fld id="{72514870-5082-4025-BC8A-5E070B8EB77D}" type="datetimeFigureOut">
               <a:rPr lang="zh-CN" altLang="en-US" smtClean="0"/>
               <a:pPr/>
-              <a:t>2018/12/23</a:t>
+              <a:t>2018/12/24</a:t>
             </a:fld>
             <a:endParaRPr lang="zh-CN" altLang="en-US"/>
           </a:p>
@@ -5575,7 +5812,7 @@
             <a:fld id="{72514870-5082-4025-BC8A-5E070B8EB77D}" type="datetimeFigureOut">
               <a:rPr lang="zh-CN" altLang="en-US" smtClean="0"/>
               <a:pPr/>
-              <a:t>2018/12/23</a:t>
+              <a:t>2018/12/24</a:t>
             </a:fld>
             <a:endParaRPr lang="zh-CN" altLang="en-US"/>
           </a:p>
@@ -5755,7 +5992,7 @@
             <a:fld id="{72514870-5082-4025-BC8A-5E070B8EB77D}" type="datetimeFigureOut">
               <a:rPr lang="zh-CN" altLang="en-US" smtClean="0"/>
               <a:pPr/>
-              <a:t>2018/12/23</a:t>
+              <a:t>2018/12/24</a:t>
             </a:fld>
             <a:endParaRPr lang="zh-CN" altLang="en-US"/>
           </a:p>
@@ -5948,7 +6185,7 @@
             <a:fld id="{72514870-5082-4025-BC8A-5E070B8EB77D}" type="datetimeFigureOut">
               <a:rPr lang="zh-CN" altLang="en-US" smtClean="0"/>
               <a:pPr/>
-              <a:t>2018/12/23</a:t>
+              <a:t>2018/12/24</a:t>
             </a:fld>
             <a:endParaRPr lang="zh-CN" altLang="en-US"/>
           </a:p>
@@ -6235,7 +6472,7 @@
             <a:fld id="{72514870-5082-4025-BC8A-5E070B8EB77D}" type="datetimeFigureOut">
               <a:rPr lang="zh-CN" altLang="en-US" smtClean="0"/>
               <a:pPr/>
-              <a:t>2018/12/23</a:t>
+              <a:t>2018/12/24</a:t>
             </a:fld>
             <a:endParaRPr lang="zh-CN" altLang="en-US"/>
           </a:p>
@@ -6656,7 +6893,7 @@
             <a:fld id="{72514870-5082-4025-BC8A-5E070B8EB77D}" type="datetimeFigureOut">
               <a:rPr lang="zh-CN" altLang="en-US" smtClean="0"/>
               <a:pPr/>
-              <a:t>2018/12/23</a:t>
+              <a:t>2018/12/24</a:t>
             </a:fld>
             <a:endParaRPr lang="zh-CN" altLang="en-US"/>
           </a:p>
@@ -6775,7 +7012,7 @@
             <a:fld id="{72514870-5082-4025-BC8A-5E070B8EB77D}" type="datetimeFigureOut">
               <a:rPr lang="zh-CN" altLang="en-US" smtClean="0"/>
               <a:pPr/>
-              <a:t>2018/12/23</a:t>
+              <a:t>2018/12/24</a:t>
             </a:fld>
             <a:endParaRPr lang="zh-CN" altLang="en-US"/>
           </a:p>
@@ -6872,7 +7109,7 @@
             <a:fld id="{72514870-5082-4025-BC8A-5E070B8EB77D}" type="datetimeFigureOut">
               <a:rPr lang="zh-CN" altLang="en-US" smtClean="0"/>
               <a:pPr/>
-              <a:t>2018/12/23</a:t>
+              <a:t>2018/12/24</a:t>
             </a:fld>
             <a:endParaRPr lang="zh-CN" altLang="en-US"/>
           </a:p>
@@ -7149,7 +7386,7 @@
             <a:fld id="{72514870-5082-4025-BC8A-5E070B8EB77D}" type="datetimeFigureOut">
               <a:rPr lang="zh-CN" altLang="en-US" smtClean="0"/>
               <a:pPr/>
-              <a:t>2018/12/23</a:t>
+              <a:t>2018/12/24</a:t>
             </a:fld>
             <a:endParaRPr lang="zh-CN" altLang="en-US"/>
           </a:p>
@@ -7403,7 +7640,7 @@
             <a:fld id="{72514870-5082-4025-BC8A-5E070B8EB77D}" type="datetimeFigureOut">
               <a:rPr lang="zh-CN" altLang="en-US" smtClean="0"/>
               <a:pPr/>
-              <a:t>2018/12/23</a:t>
+              <a:t>2018/12/24</a:t>
             </a:fld>
             <a:endParaRPr lang="zh-CN" altLang="en-US"/>
           </a:p>
@@ -8362,6 +8599,2319 @@
           <a:chExt cx="0" cy="0"/>
         </a:xfrm>
       </p:grpSpPr>
+      <p:pic>
+        <p:nvPicPr>
+          <p:cNvPr id="4" name="图片 3">
+            <a:extLst>
+              <a:ext uri="{FF2B5EF4-FFF2-40B4-BE49-F238E27FC236}">
+                <a16:creationId xmlns:a16="http://schemas.microsoft.com/office/drawing/2014/main" id="{78AE8FDD-953E-495C-A15E-3AE75180DCA5}"/>
+              </a:ext>
+            </a:extLst>
+          </p:cNvPr>
+          <p:cNvPicPr>
+            <a:picLocks noChangeAspect="1"/>
+          </p:cNvPicPr>
+          <p:nvPr/>
+        </p:nvPicPr>
+        <p:blipFill>
+          <a:blip r:embed="rId3"/>
+          <a:stretch>
+            <a:fillRect/>
+          </a:stretch>
+        </p:blipFill>
+        <p:spPr>
+          <a:xfrm>
+            <a:off x="107504" y="1059582"/>
+            <a:ext cx="4990476" cy="2552381"/>
+          </a:xfrm>
+          <a:prstGeom prst="rect">
+            <a:avLst/>
+          </a:prstGeom>
+        </p:spPr>
+      </p:pic>
+      <p:pic>
+        <p:nvPicPr>
+          <p:cNvPr id="6" name="图片 5">
+            <a:extLst>
+              <a:ext uri="{FF2B5EF4-FFF2-40B4-BE49-F238E27FC236}">
+                <a16:creationId xmlns:a16="http://schemas.microsoft.com/office/drawing/2014/main" id="{34AA6CE3-BD6E-4591-9F1C-0FF88A7FAEBB}"/>
+              </a:ext>
+            </a:extLst>
+          </p:cNvPr>
+          <p:cNvPicPr>
+            <a:picLocks noChangeAspect="1"/>
+          </p:cNvPicPr>
+          <p:nvPr/>
+        </p:nvPicPr>
+        <p:blipFill>
+          <a:blip r:embed="rId4"/>
+          <a:stretch>
+            <a:fillRect/>
+          </a:stretch>
+        </p:blipFill>
+        <p:spPr>
+          <a:xfrm>
+            <a:off x="5196697" y="428893"/>
+            <a:ext cx="3923809" cy="4285714"/>
+          </a:xfrm>
+          <a:prstGeom prst="rect">
+            <a:avLst/>
+          </a:prstGeom>
+        </p:spPr>
+      </p:pic>
+    </p:spTree>
+    <p:extLst>
+      <p:ext uri="{BB962C8B-B14F-4D97-AF65-F5344CB8AC3E}">
+        <p14:creationId xmlns:p14="http://schemas.microsoft.com/office/powerpoint/2010/main" val="3593913593"/>
+      </p:ext>
+    </p:extLst>
+  </p:cSld>
+  <p:clrMapOvr>
+    <a:masterClrMapping/>
+  </p:clrMapOvr>
+</p:sld>
+</file>
+
+<file path=ppt/slides/slide11.xml><?xml version="1.0" encoding="utf-8"?>
+<p:sld xmlns:a="http://schemas.openxmlformats.org/drawingml/2006/main" xmlns:r="http://schemas.openxmlformats.org/officeDocument/2006/relationships" xmlns:p="http://schemas.openxmlformats.org/presentationml/2006/main">
+  <p:cSld>
+    <p:spTree>
+      <p:nvGrpSpPr>
+        <p:cNvPr id="1" name=""/>
+        <p:cNvGrpSpPr/>
+        <p:nvPr/>
+      </p:nvGrpSpPr>
+      <p:grpSpPr>
+        <a:xfrm>
+          <a:off x="0" y="0"/>
+          <a:ext cx="0" cy="0"/>
+          <a:chOff x="0" y="0"/>
+          <a:chExt cx="0" cy="0"/>
+        </a:xfrm>
+      </p:grpSpPr>
+      <p:sp>
+        <p:nvSpPr>
+          <p:cNvPr id="14" name="矩形"/>
+          <p:cNvSpPr>
+            <a:spLocks/>
+          </p:cNvSpPr>
+          <p:nvPr/>
+        </p:nvSpPr>
+        <p:spPr>
+          <a:xfrm>
+            <a:off x="578721" y="1119764"/>
+            <a:ext cx="8565279" cy="2246769"/>
+          </a:xfrm>
+          <a:prstGeom prst="rect">
+            <a:avLst/>
+          </a:prstGeom>
+          <a:noFill/>
+          <a:ln w="9525" cap="flat" cmpd="sng">
+            <a:noFill/>
+            <a:prstDash val="solid"/>
+            <a:miter/>
+          </a:ln>
+        </p:spPr>
+        <p:txBody>
+          <a:bodyPr vert="horz" wrap="square" lIns="91440" tIns="45720" rIns="91440" bIns="45720" anchor="ctr" anchorCtr="0">
+            <a:prstTxWarp prst="textNoShape">
+              <a:avLst/>
+            </a:prstTxWarp>
+            <a:spAutoFit/>
+          </a:bodyPr>
+          <a:lstStyle/>
+          <a:p>
+            <a:pPr>
+              <a:lnSpc>
+                <a:spcPct val="150000"/>
+              </a:lnSpc>
+            </a:pPr>
+            <a:r>
+              <a:rPr lang="en-US" altLang="zh-CN" sz="1600" dirty="0">
+                <a:latin typeface="微软雅黑" panose="020B0503020204020204" pitchFamily="34" charset="-122"/>
+                <a:ea typeface="微软雅黑" panose="020B0503020204020204" pitchFamily="34" charset="-122"/>
+              </a:rPr>
+              <a:t>1</a:t>
+            </a:r>
+            <a:r>
+              <a:rPr lang="zh-CN" altLang="en-US" sz="1600" dirty="0">
+                <a:latin typeface="微软雅黑" panose="020B0503020204020204" pitchFamily="34" charset="-122"/>
+                <a:ea typeface="微软雅黑" panose="020B0503020204020204" pitchFamily="34" charset="-122"/>
+              </a:rPr>
+              <a:t>、全局安装</a:t>
+            </a:r>
+            <a:endParaRPr lang="en-US" altLang="zh-CN" sz="1600" dirty="0">
+              <a:latin typeface="微软雅黑" panose="020B0503020204020204" pitchFamily="34" charset="-122"/>
+              <a:ea typeface="微软雅黑" panose="020B0503020204020204" pitchFamily="34" charset="-122"/>
+            </a:endParaRPr>
+          </a:p>
+          <a:p>
+            <a:pPr>
+              <a:lnSpc>
+                <a:spcPct val="150000"/>
+              </a:lnSpc>
+            </a:pPr>
+            <a:r>
+              <a:rPr lang="en-US" altLang="zh-CN" sz="1600" dirty="0">
+                <a:latin typeface="微软雅黑" panose="020B0503020204020204" pitchFamily="34" charset="-122"/>
+                <a:ea typeface="微软雅黑" panose="020B0503020204020204" pitchFamily="34" charset="-122"/>
+              </a:rPr>
+              <a:t>$</a:t>
+            </a:r>
+            <a:r>
+              <a:rPr lang="zh-CN" altLang="en-US" sz="1600" dirty="0">
+                <a:latin typeface="微软雅黑" panose="020B0503020204020204" pitchFamily="34" charset="-122"/>
+                <a:ea typeface="微软雅黑" panose="020B0503020204020204" pitchFamily="34" charset="-122"/>
+              </a:rPr>
+              <a:t> </a:t>
+            </a:r>
+            <a:r>
+              <a:rPr lang="en-US" altLang="zh-CN" sz="1600" dirty="0" err="1">
+                <a:latin typeface="微软雅黑" panose="020B0503020204020204" pitchFamily="34" charset="-122"/>
+                <a:ea typeface="微软雅黑" panose="020B0503020204020204" pitchFamily="34" charset="-122"/>
+              </a:rPr>
+              <a:t>npm</a:t>
+            </a:r>
+            <a:r>
+              <a:rPr lang="en-US" altLang="zh-CN" sz="1600" dirty="0">
+                <a:latin typeface="微软雅黑" panose="020B0503020204020204" pitchFamily="34" charset="-122"/>
+                <a:ea typeface="微软雅黑" panose="020B0503020204020204" pitchFamily="34" charset="-122"/>
+              </a:rPr>
+              <a:t> install –global gulp</a:t>
+            </a:r>
+          </a:p>
+          <a:p>
+            <a:pPr>
+              <a:lnSpc>
+                <a:spcPct val="150000"/>
+              </a:lnSpc>
+            </a:pPr>
+            <a:r>
+              <a:rPr lang="zh-CN" altLang="en-US" sz="1600" dirty="0">
+                <a:latin typeface="微软雅黑" panose="020B0503020204020204" pitchFamily="34" charset="-122"/>
+                <a:ea typeface="微软雅黑" panose="020B0503020204020204" pitchFamily="34" charset="-122"/>
+              </a:rPr>
+              <a:t>测试命令： </a:t>
+            </a:r>
+            <a:r>
+              <a:rPr lang="en-US" altLang="zh-CN" sz="1600" dirty="0">
+                <a:latin typeface="微软雅黑" panose="020B0503020204020204" pitchFamily="34" charset="-122"/>
+                <a:ea typeface="微软雅黑" panose="020B0503020204020204" pitchFamily="34" charset="-122"/>
+              </a:rPr>
+              <a:t>gulp –v</a:t>
+            </a:r>
+          </a:p>
+          <a:p>
+            <a:pPr>
+              <a:lnSpc>
+                <a:spcPct val="150000"/>
+              </a:lnSpc>
+            </a:pPr>
+            <a:endParaRPr lang="en-US" altLang="zh-CN" sz="1600" dirty="0">
+              <a:latin typeface="微软雅黑" panose="020B0503020204020204" pitchFamily="34" charset="-122"/>
+              <a:ea typeface="微软雅黑" panose="020B0503020204020204" pitchFamily="34" charset="-122"/>
+            </a:endParaRPr>
+          </a:p>
+          <a:p>
+            <a:pPr>
+              <a:lnSpc>
+                <a:spcPct val="150000"/>
+              </a:lnSpc>
+            </a:pPr>
+            <a:r>
+              <a:rPr lang="en-US" altLang="zh-CN" sz="1600" dirty="0">
+                <a:latin typeface="微软雅黑" panose="020B0503020204020204" pitchFamily="34" charset="-122"/>
+                <a:ea typeface="微软雅黑" panose="020B0503020204020204" pitchFamily="34" charset="-122"/>
+              </a:rPr>
+              <a:t> </a:t>
+            </a:r>
+            <a:endParaRPr lang="zh-CN" altLang="zh-CN" sz="1600" dirty="0">
+              <a:latin typeface="微软雅黑" panose="020B0503020204020204" pitchFamily="34" charset="-122"/>
+              <a:ea typeface="微软雅黑" panose="020B0503020204020204" pitchFamily="34" charset="-122"/>
+            </a:endParaRPr>
+          </a:p>
+          <a:p>
+            <a:pPr marL="800100" lvl="1" indent="-342900">
+              <a:buFont typeface="Wingdings" panose="05000000000000000000" pitchFamily="2" charset="2"/>
+              <a:buChar char="u"/>
+            </a:pPr>
+            <a:endParaRPr lang="zh-CN" altLang="en-US" sz="2000" u="none" strike="noStrike" kern="1200" cap="none" spc="0" baseline="0" dirty="0">
+              <a:solidFill>
+                <a:srgbClr val="212121"/>
+              </a:solidFill>
+              <a:latin typeface="微软雅黑" charset="0"/>
+              <a:ea typeface="微软雅黑" charset="0"/>
+              <a:cs typeface="微软雅黑" charset="0"/>
+              <a:sym typeface="Calibri" pitchFamily="34" charset="0"/>
+            </a:endParaRPr>
+          </a:p>
+        </p:txBody>
+      </p:sp>
+      <p:sp>
+        <p:nvSpPr>
+          <p:cNvPr id="17" name="矩形"/>
+          <p:cNvSpPr>
+            <a:spLocks/>
+          </p:cNvSpPr>
+          <p:nvPr/>
+        </p:nvSpPr>
+        <p:spPr>
+          <a:xfrm>
+            <a:off x="3347864" y="319837"/>
+            <a:ext cx="1983235" cy="830997"/>
+          </a:xfrm>
+          <a:prstGeom prst="rect">
+            <a:avLst/>
+          </a:prstGeom>
+          <a:noFill/>
+          <a:ln w="9525" cap="flat" cmpd="sng">
+            <a:noFill/>
+            <a:prstDash val="solid"/>
+            <a:miter/>
+          </a:ln>
+        </p:spPr>
+        <p:txBody>
+          <a:bodyPr vert="horz" wrap="none" lIns="91440" tIns="45720" rIns="91440" bIns="45720" anchor="t" anchorCtr="0">
+            <a:prstTxWarp prst="textNoShape">
+              <a:avLst/>
+            </a:prstTxWarp>
+            <a:spAutoFit/>
+          </a:bodyPr>
+          <a:lstStyle/>
+          <a:p>
+            <a:r>
+              <a:rPr lang="en-US" altLang="zh-CN" sz="3000" b="1" kern="0" dirty="0">
+                <a:solidFill>
+                  <a:srgbClr val="C9394A"/>
+                </a:solidFill>
+                <a:latin typeface="微软雅黑" charset="0"/>
+                <a:ea typeface="微软雅黑" charset="0"/>
+              </a:rPr>
+              <a:t>Gulp </a:t>
+            </a:r>
+            <a:r>
+              <a:rPr lang="zh-CN" altLang="en-US" sz="3000" b="1" kern="0" dirty="0">
+                <a:solidFill>
+                  <a:srgbClr val="C9394A"/>
+                </a:solidFill>
+                <a:latin typeface="微软雅黑" charset="0"/>
+                <a:ea typeface="微软雅黑" charset="0"/>
+              </a:rPr>
+              <a:t>安装</a:t>
+            </a:r>
+          </a:p>
+          <a:p>
+            <a:endParaRPr lang="zh-CN" altLang="en-US" u="none" strike="noStrike" kern="1200" cap="none" spc="0" baseline="0" dirty="0">
+              <a:solidFill>
+                <a:schemeClr val="tx1"/>
+              </a:solidFill>
+              <a:latin typeface="Calibri" pitchFamily="34" charset="0"/>
+              <a:ea typeface="宋体" pitchFamily="2" charset="-122"/>
+              <a:cs typeface="微软雅黑" charset="0"/>
+            </a:endParaRPr>
+          </a:p>
+        </p:txBody>
+      </p:sp>
+    </p:spTree>
+    <p:extLst>
+      <p:ext uri="{BB962C8B-B14F-4D97-AF65-F5344CB8AC3E}">
+        <p14:creationId xmlns:p14="http://schemas.microsoft.com/office/powerpoint/2010/main" val="2017470411"/>
+      </p:ext>
+    </p:extLst>
+  </p:cSld>
+  <p:clrMapOvr>
+    <a:masterClrMapping/>
+  </p:clrMapOvr>
+  <p:timing>
+    <p:tnLst>
+      <p:par>
+        <p:cTn id="1" dur="indefinite" restart="never" nodeType="tmRoot">
+          <p:childTnLst>
+            <p:seq concurrent="1" nextAc="seek">
+              <p:cTn id="2" dur="indefinite" nodeType="mainSeq">
+                <p:childTnLst>
+                  <p:par>
+                    <p:cTn id="3" fill="hold">
+                      <p:stCondLst>
+                        <p:cond delay="indefinite"/>
+                      </p:stCondLst>
+                      <p:childTnLst>
+                        <p:par>
+                          <p:cTn id="4" fill="hold">
+                            <p:stCondLst>
+                              <p:cond delay="0"/>
+                            </p:stCondLst>
+                            <p:childTnLst>
+                              <p:par>
+                                <p:cTn id="5" presetID="2" presetClass="entr" presetSubtype="4" fill="hold" grpId="0" nodeType="clickEffect">
+                                  <p:stCondLst>
+                                    <p:cond delay="0"/>
+                                  </p:stCondLst>
+                                  <p:childTnLst>
+                                    <p:set>
+                                      <p:cBhvr>
+                                        <p:cTn id="6" dur="1" fill="hold">
+                                          <p:stCondLst>
+                                            <p:cond delay="0"/>
+                                          </p:stCondLst>
+                                        </p:cTn>
+                                        <p:tgtEl>
+                                          <p:spTgt spid="14"/>
+                                        </p:tgtEl>
+                                        <p:attrNameLst>
+                                          <p:attrName>style.visibility</p:attrName>
+                                        </p:attrNameLst>
+                                      </p:cBhvr>
+                                      <p:to>
+                                        <p:strVal val="visible"/>
+                                      </p:to>
+                                    </p:set>
+                                    <p:anim calcmode="lin" valueType="num">
+                                      <p:cBhvr additive="base">
+                                        <p:cTn id="7" dur="500" fill="hold"/>
+                                        <p:tgtEl>
+                                          <p:spTgt spid="14"/>
+                                        </p:tgtEl>
+                                        <p:attrNameLst>
+                                          <p:attrName>ppt_x</p:attrName>
+                                        </p:attrNameLst>
+                                      </p:cBhvr>
+                                      <p:tavLst>
+                                        <p:tav tm="0">
+                                          <p:val>
+                                            <p:strVal val="#ppt_x"/>
+                                          </p:val>
+                                        </p:tav>
+                                        <p:tav tm="100000">
+                                          <p:val>
+                                            <p:strVal val="#ppt_x"/>
+                                          </p:val>
+                                        </p:tav>
+                                      </p:tavLst>
+                                    </p:anim>
+                                    <p:anim calcmode="lin" valueType="num">
+                                      <p:cBhvr additive="base">
+                                        <p:cTn id="8" dur="500" fill="hold"/>
+                                        <p:tgtEl>
+                                          <p:spTgt spid="14"/>
+                                        </p:tgtEl>
+                                        <p:attrNameLst>
+                                          <p:attrName>ppt_y</p:attrName>
+                                        </p:attrNameLst>
+                                      </p:cBhvr>
+                                      <p:tavLst>
+                                        <p:tav tm="0">
+                                          <p:val>
+                                            <p:strVal val="1+#ppt_h/2"/>
+                                          </p:val>
+                                        </p:tav>
+                                        <p:tav tm="100000">
+                                          <p:val>
+                                            <p:strVal val="#ppt_y"/>
+                                          </p:val>
+                                        </p:tav>
+                                      </p:tavLst>
+                                    </p:anim>
+                                  </p:childTnLst>
+                                </p:cTn>
+                              </p:par>
+                            </p:childTnLst>
+                          </p:cTn>
+                        </p:par>
+                      </p:childTnLst>
+                    </p:cTn>
+                  </p:par>
+                </p:childTnLst>
+              </p:cTn>
+              <p:prevCondLst>
+                <p:cond evt="onPrev" delay="0">
+                  <p:tgtEl>
+                    <p:sldTgt/>
+                  </p:tgtEl>
+                </p:cond>
+              </p:prevCondLst>
+              <p:nextCondLst>
+                <p:cond evt="onNext" delay="0">
+                  <p:tgtEl>
+                    <p:sldTgt/>
+                  </p:tgtEl>
+                </p:cond>
+              </p:nextCondLst>
+            </p:seq>
+          </p:childTnLst>
+        </p:cTn>
+      </p:par>
+    </p:tnLst>
+    <p:bldLst>
+      <p:bldP spid="14" grpId="0"/>
+    </p:bldLst>
+  </p:timing>
+</p:sld>
+</file>
+
+<file path=ppt/slides/slide12.xml><?xml version="1.0" encoding="utf-8"?>
+<p:sld xmlns:a="http://schemas.openxmlformats.org/drawingml/2006/main" xmlns:r="http://schemas.openxmlformats.org/officeDocument/2006/relationships" xmlns:p="http://schemas.openxmlformats.org/presentationml/2006/main">
+  <p:cSld>
+    <p:spTree>
+      <p:nvGrpSpPr>
+        <p:cNvPr id="1" name=""/>
+        <p:cNvGrpSpPr/>
+        <p:nvPr/>
+      </p:nvGrpSpPr>
+      <p:grpSpPr>
+        <a:xfrm>
+          <a:off x="0" y="0"/>
+          <a:ext cx="0" cy="0"/>
+          <a:chOff x="0" y="0"/>
+          <a:chExt cx="0" cy="0"/>
+        </a:xfrm>
+      </p:grpSpPr>
+      <p:sp>
+        <p:nvSpPr>
+          <p:cNvPr id="15" name="矩形"/>
+          <p:cNvSpPr>
+            <a:spLocks/>
+          </p:cNvSpPr>
+          <p:nvPr/>
+        </p:nvSpPr>
+        <p:spPr>
+          <a:xfrm>
+            <a:off x="289360" y="659474"/>
+            <a:ext cx="8565279" cy="338554"/>
+          </a:xfrm>
+          <a:prstGeom prst="rect">
+            <a:avLst/>
+          </a:prstGeom>
+          <a:noFill/>
+          <a:ln w="9525" cap="flat" cmpd="sng">
+            <a:noFill/>
+            <a:prstDash val="solid"/>
+            <a:miter/>
+          </a:ln>
+        </p:spPr>
+        <p:txBody>
+          <a:bodyPr vert="horz" wrap="square" lIns="91440" tIns="45720" rIns="91440" bIns="45720" anchor="ctr" anchorCtr="0">
+            <a:prstTxWarp prst="textNoShape">
+              <a:avLst/>
+            </a:prstTxWarp>
+            <a:spAutoFit/>
+          </a:bodyPr>
+          <a:lstStyle/>
+          <a:p>
+            <a:pPr marL="800100" lvl="1" indent="-342900">
+              <a:buFont typeface="Wingdings" panose="05000000000000000000" pitchFamily="2" charset="2"/>
+              <a:buChar char="u"/>
+            </a:pPr>
+            <a:r>
+              <a:rPr lang="zh-CN" altLang="zh-CN" sz="1600" dirty="0">
+                <a:latin typeface="微软雅黑" panose="020B0503020204020204" pitchFamily="34" charset="-122"/>
+                <a:ea typeface="微软雅黑" panose="020B0503020204020204" pitchFamily="34" charset="-122"/>
+              </a:rPr>
+              <a:t>第一件事情，就是注册账号。</a:t>
+            </a:r>
+            <a:endParaRPr lang="zh-CN" altLang="en-US" sz="1600" u="none" strike="noStrike" kern="1200" cap="none" spc="0" baseline="0" dirty="0">
+              <a:solidFill>
+                <a:srgbClr val="212121"/>
+              </a:solidFill>
+              <a:latin typeface="微软雅黑" panose="020B0503020204020204" pitchFamily="34" charset="-122"/>
+              <a:ea typeface="微软雅黑" panose="020B0503020204020204" pitchFamily="34" charset="-122"/>
+              <a:cs typeface="微软雅黑" charset="0"/>
+            </a:endParaRPr>
+          </a:p>
+        </p:txBody>
+      </p:sp>
+      <p:sp>
+        <p:nvSpPr>
+          <p:cNvPr id="16" name="矩形"/>
+          <p:cNvSpPr>
+            <a:spLocks/>
+          </p:cNvSpPr>
+          <p:nvPr/>
+        </p:nvSpPr>
+        <p:spPr>
+          <a:xfrm>
+            <a:off x="542891" y="3437586"/>
+            <a:ext cx="8565279" cy="707886"/>
+          </a:xfrm>
+          <a:prstGeom prst="rect">
+            <a:avLst/>
+          </a:prstGeom>
+          <a:noFill/>
+          <a:ln w="9525" cap="flat" cmpd="sng">
+            <a:noFill/>
+            <a:prstDash val="solid"/>
+            <a:miter/>
+          </a:ln>
+        </p:spPr>
+        <p:txBody>
+          <a:bodyPr vert="horz" wrap="square" lIns="91440" tIns="45720" rIns="91440" bIns="45720" anchor="ctr" anchorCtr="0">
+            <a:prstTxWarp prst="textNoShape">
+              <a:avLst/>
+            </a:prstTxWarp>
+            <a:spAutoFit/>
+          </a:bodyPr>
+          <a:lstStyle/>
+          <a:p>
+            <a:pPr lvl="1" algn="l">
+              <a:lnSpc>
+                <a:spcPct val="100000"/>
+              </a:lnSpc>
+              <a:spcBef>
+                <a:spcPts val="0"/>
+              </a:spcBef>
+              <a:spcAft>
+                <a:spcPts val="0"/>
+              </a:spcAft>
+            </a:pPr>
+            <a:r>
+              <a:rPr lang="en-US" altLang="zh-CN" sz="2000" u="none" strike="noStrike" kern="1200" cap="none" spc="0" baseline="0" dirty="0">
+                <a:solidFill>
+                  <a:srgbClr val="C9394A"/>
+                </a:solidFill>
+                <a:latin typeface="微软雅黑" charset="0"/>
+                <a:ea typeface="微软雅黑" charset="0"/>
+                <a:cs typeface="微软雅黑" charset="0"/>
+                <a:sym typeface="Calibri" pitchFamily="34" charset="0"/>
+              </a:rPr>
+              <a:t>	</a:t>
+            </a:r>
+            <a:endParaRPr lang="en-US" altLang="zh-CN" sz="2000" dirty="0">
+              <a:solidFill>
+                <a:srgbClr val="C9394A"/>
+              </a:solidFill>
+              <a:latin typeface="微软雅黑" charset="0"/>
+              <a:ea typeface="微软雅黑" charset="0"/>
+              <a:cs typeface="微软雅黑" charset="0"/>
+              <a:sym typeface="Calibri" pitchFamily="34" charset="0"/>
+            </a:endParaRPr>
+          </a:p>
+          <a:p>
+            <a:pPr lvl="1" algn="l">
+              <a:lnSpc>
+                <a:spcPct val="100000"/>
+              </a:lnSpc>
+              <a:spcBef>
+                <a:spcPts val="0"/>
+              </a:spcBef>
+              <a:spcAft>
+                <a:spcPts val="0"/>
+              </a:spcAft>
+            </a:pPr>
+            <a:r>
+              <a:rPr lang="en-US" altLang="zh-CN" sz="2000" u="none" strike="noStrike" kern="1200" cap="none" spc="0" baseline="0" dirty="0">
+                <a:solidFill>
+                  <a:srgbClr val="C9394A"/>
+                </a:solidFill>
+                <a:latin typeface="微软雅黑" charset="0"/>
+                <a:ea typeface="微软雅黑" charset="0"/>
+                <a:cs typeface="微软雅黑" charset="0"/>
+                <a:sym typeface="Calibri" pitchFamily="34" charset="0"/>
+              </a:rPr>
+              <a:t>	</a:t>
+            </a:r>
+            <a:endParaRPr lang="zh-CN" altLang="en-US" sz="2000" u="none" strike="noStrike" kern="1200" cap="none" spc="0" baseline="0" dirty="0">
+              <a:solidFill>
+                <a:srgbClr val="C9394A"/>
+              </a:solidFill>
+              <a:latin typeface="微软雅黑" charset="0"/>
+              <a:ea typeface="微软雅黑" charset="0"/>
+              <a:cs typeface="微软雅黑" charset="0"/>
+              <a:sym typeface="Calibri" pitchFamily="34" charset="0"/>
+            </a:endParaRPr>
+          </a:p>
+        </p:txBody>
+      </p:sp>
+      <p:pic>
+        <p:nvPicPr>
+          <p:cNvPr id="2" name="图片 1">
+            <a:extLst>
+              <a:ext uri="{FF2B5EF4-FFF2-40B4-BE49-F238E27FC236}">
+                <a16:creationId xmlns:a16="http://schemas.microsoft.com/office/drawing/2014/main" id="{2CD8FCAF-3527-4C89-93F7-7FD6CEF3A600}"/>
+              </a:ext>
+            </a:extLst>
+          </p:cNvPr>
+          <p:cNvPicPr>
+            <a:picLocks noChangeAspect="1"/>
+          </p:cNvPicPr>
+          <p:nvPr/>
+        </p:nvPicPr>
+        <p:blipFill>
+          <a:blip r:embed="rId3"/>
+          <a:stretch>
+            <a:fillRect/>
+          </a:stretch>
+        </p:blipFill>
+        <p:spPr>
+          <a:xfrm>
+            <a:off x="1403648" y="1131590"/>
+            <a:ext cx="5400600" cy="3575127"/>
+          </a:xfrm>
+          <a:prstGeom prst="rect">
+            <a:avLst/>
+          </a:prstGeom>
+        </p:spPr>
+      </p:pic>
+    </p:spTree>
+    <p:extLst>
+      <p:ext uri="{BB962C8B-B14F-4D97-AF65-F5344CB8AC3E}">
+        <p14:creationId xmlns:p14="http://schemas.microsoft.com/office/powerpoint/2010/main" val="1300199824"/>
+      </p:ext>
+    </p:extLst>
+  </p:cSld>
+  <p:clrMapOvr>
+    <a:masterClrMapping/>
+  </p:clrMapOvr>
+  <p:timing>
+    <p:tnLst>
+      <p:par>
+        <p:cTn id="1" dur="indefinite" restart="never" nodeType="tmRoot">
+          <p:childTnLst>
+            <p:seq concurrent="1" nextAc="seek">
+              <p:cTn id="2" dur="indefinite" nodeType="mainSeq">
+                <p:childTnLst>
+                  <p:par>
+                    <p:cTn id="3" fill="hold">
+                      <p:stCondLst>
+                        <p:cond delay="indefinite"/>
+                      </p:stCondLst>
+                      <p:childTnLst>
+                        <p:par>
+                          <p:cTn id="4" fill="hold">
+                            <p:stCondLst>
+                              <p:cond delay="0"/>
+                            </p:stCondLst>
+                            <p:childTnLst>
+                              <p:par>
+                                <p:cTn id="5" presetID="2" presetClass="entr" presetSubtype="4" fill="hold" grpId="0" nodeType="clickEffect">
+                                  <p:stCondLst>
+                                    <p:cond delay="0"/>
+                                  </p:stCondLst>
+                                  <p:childTnLst>
+                                    <p:set>
+                                      <p:cBhvr>
+                                        <p:cTn id="6" dur="1" fill="hold">
+                                          <p:stCondLst>
+                                            <p:cond delay="0"/>
+                                          </p:stCondLst>
+                                        </p:cTn>
+                                        <p:tgtEl>
+                                          <p:spTgt spid="15"/>
+                                        </p:tgtEl>
+                                        <p:attrNameLst>
+                                          <p:attrName>style.visibility</p:attrName>
+                                        </p:attrNameLst>
+                                      </p:cBhvr>
+                                      <p:to>
+                                        <p:strVal val="visible"/>
+                                      </p:to>
+                                    </p:set>
+                                    <p:anim calcmode="lin" valueType="num">
+                                      <p:cBhvr additive="base">
+                                        <p:cTn id="7" dur="500" fill="hold"/>
+                                        <p:tgtEl>
+                                          <p:spTgt spid="15"/>
+                                        </p:tgtEl>
+                                        <p:attrNameLst>
+                                          <p:attrName>ppt_x</p:attrName>
+                                        </p:attrNameLst>
+                                      </p:cBhvr>
+                                      <p:tavLst>
+                                        <p:tav tm="0">
+                                          <p:val>
+                                            <p:strVal val="#ppt_x"/>
+                                          </p:val>
+                                        </p:tav>
+                                        <p:tav tm="100000">
+                                          <p:val>
+                                            <p:strVal val="#ppt_x"/>
+                                          </p:val>
+                                        </p:tav>
+                                      </p:tavLst>
+                                    </p:anim>
+                                    <p:anim calcmode="lin" valueType="num">
+                                      <p:cBhvr additive="base">
+                                        <p:cTn id="8" dur="500" fill="hold"/>
+                                        <p:tgtEl>
+                                          <p:spTgt spid="15"/>
+                                        </p:tgtEl>
+                                        <p:attrNameLst>
+                                          <p:attrName>ppt_y</p:attrName>
+                                        </p:attrNameLst>
+                                      </p:cBhvr>
+                                      <p:tavLst>
+                                        <p:tav tm="0">
+                                          <p:val>
+                                            <p:strVal val="1+#ppt_h/2"/>
+                                          </p:val>
+                                        </p:tav>
+                                        <p:tav tm="100000">
+                                          <p:val>
+                                            <p:strVal val="#ppt_y"/>
+                                          </p:val>
+                                        </p:tav>
+                                      </p:tavLst>
+                                    </p:anim>
+                                  </p:childTnLst>
+                                </p:cTn>
+                              </p:par>
+                            </p:childTnLst>
+                          </p:cTn>
+                        </p:par>
+                      </p:childTnLst>
+                    </p:cTn>
+                  </p:par>
+                  <p:par>
+                    <p:cTn id="9" fill="hold">
+                      <p:stCondLst>
+                        <p:cond delay="indefinite"/>
+                      </p:stCondLst>
+                      <p:childTnLst>
+                        <p:par>
+                          <p:cTn id="10" fill="hold">
+                            <p:stCondLst>
+                              <p:cond delay="0"/>
+                            </p:stCondLst>
+                            <p:childTnLst>
+                              <p:par>
+                                <p:cTn id="11" presetID="2" presetClass="entr" presetSubtype="4" fill="hold" grpId="0" nodeType="clickEffect">
+                                  <p:stCondLst>
+                                    <p:cond delay="0"/>
+                                  </p:stCondLst>
+                                  <p:childTnLst>
+                                    <p:set>
+                                      <p:cBhvr>
+                                        <p:cTn id="12" dur="1" fill="hold">
+                                          <p:stCondLst>
+                                            <p:cond delay="0"/>
+                                          </p:stCondLst>
+                                        </p:cTn>
+                                        <p:tgtEl>
+                                          <p:spTgt spid="16"/>
+                                        </p:tgtEl>
+                                        <p:attrNameLst>
+                                          <p:attrName>style.visibility</p:attrName>
+                                        </p:attrNameLst>
+                                      </p:cBhvr>
+                                      <p:to>
+                                        <p:strVal val="visible"/>
+                                      </p:to>
+                                    </p:set>
+                                    <p:anim calcmode="lin" valueType="num">
+                                      <p:cBhvr additive="base">
+                                        <p:cTn id="13" dur="500" fill="hold"/>
+                                        <p:tgtEl>
+                                          <p:spTgt spid="16"/>
+                                        </p:tgtEl>
+                                        <p:attrNameLst>
+                                          <p:attrName>ppt_x</p:attrName>
+                                        </p:attrNameLst>
+                                      </p:cBhvr>
+                                      <p:tavLst>
+                                        <p:tav tm="0">
+                                          <p:val>
+                                            <p:strVal val="#ppt_x"/>
+                                          </p:val>
+                                        </p:tav>
+                                        <p:tav tm="100000">
+                                          <p:val>
+                                            <p:strVal val="#ppt_x"/>
+                                          </p:val>
+                                        </p:tav>
+                                      </p:tavLst>
+                                    </p:anim>
+                                    <p:anim calcmode="lin" valueType="num">
+                                      <p:cBhvr additive="base">
+                                        <p:cTn id="14" dur="500" fill="hold"/>
+                                        <p:tgtEl>
+                                          <p:spTgt spid="16"/>
+                                        </p:tgtEl>
+                                        <p:attrNameLst>
+                                          <p:attrName>ppt_y</p:attrName>
+                                        </p:attrNameLst>
+                                      </p:cBhvr>
+                                      <p:tavLst>
+                                        <p:tav tm="0">
+                                          <p:val>
+                                            <p:strVal val="1+#ppt_h/2"/>
+                                          </p:val>
+                                        </p:tav>
+                                        <p:tav tm="100000">
+                                          <p:val>
+                                            <p:strVal val="#ppt_y"/>
+                                          </p:val>
+                                        </p:tav>
+                                      </p:tavLst>
+                                    </p:anim>
+                                  </p:childTnLst>
+                                </p:cTn>
+                              </p:par>
+                            </p:childTnLst>
+                          </p:cTn>
+                        </p:par>
+                      </p:childTnLst>
+                    </p:cTn>
+                  </p:par>
+                </p:childTnLst>
+              </p:cTn>
+              <p:prevCondLst>
+                <p:cond evt="onPrev" delay="0">
+                  <p:tgtEl>
+                    <p:sldTgt/>
+                  </p:tgtEl>
+                </p:cond>
+              </p:prevCondLst>
+              <p:nextCondLst>
+                <p:cond evt="onNext" delay="0">
+                  <p:tgtEl>
+                    <p:sldTgt/>
+                  </p:tgtEl>
+                </p:cond>
+              </p:nextCondLst>
+            </p:seq>
+          </p:childTnLst>
+        </p:cTn>
+      </p:par>
+    </p:tnLst>
+    <p:bldLst>
+      <p:bldP spid="15" grpId="0"/>
+      <p:bldP spid="16" grpId="0"/>
+    </p:bldLst>
+  </p:timing>
+</p:sld>
+</file>
+
+<file path=ppt/slides/slide13.xml><?xml version="1.0" encoding="utf-8"?>
+<p:sld xmlns:a="http://schemas.openxmlformats.org/drawingml/2006/main" xmlns:r="http://schemas.openxmlformats.org/officeDocument/2006/relationships" xmlns:p="http://schemas.openxmlformats.org/presentationml/2006/main">
+  <p:cSld>
+    <p:spTree>
+      <p:nvGrpSpPr>
+        <p:cNvPr id="1" name=""/>
+        <p:cNvGrpSpPr/>
+        <p:nvPr/>
+      </p:nvGrpSpPr>
+      <p:grpSpPr>
+        <a:xfrm>
+          <a:off x="0" y="0"/>
+          <a:ext cx="0" cy="0"/>
+          <a:chOff x="0" y="0"/>
+          <a:chExt cx="0" cy="0"/>
+        </a:xfrm>
+      </p:grpSpPr>
+      <p:sp>
+        <p:nvSpPr>
+          <p:cNvPr id="15" name="矩形"/>
+          <p:cNvSpPr>
+            <a:spLocks/>
+          </p:cNvSpPr>
+          <p:nvPr/>
+        </p:nvSpPr>
+        <p:spPr>
+          <a:xfrm>
+            <a:off x="289360" y="621168"/>
+            <a:ext cx="8565279" cy="338554"/>
+          </a:xfrm>
+          <a:prstGeom prst="rect">
+            <a:avLst/>
+          </a:prstGeom>
+          <a:noFill/>
+          <a:ln w="9525" cap="flat" cmpd="sng">
+            <a:noFill/>
+            <a:prstDash val="solid"/>
+            <a:miter/>
+          </a:ln>
+        </p:spPr>
+        <p:txBody>
+          <a:bodyPr vert="horz" wrap="square" lIns="91440" tIns="45720" rIns="91440" bIns="45720" anchor="ctr" anchorCtr="0">
+            <a:prstTxWarp prst="textNoShape">
+              <a:avLst/>
+            </a:prstTxWarp>
+            <a:spAutoFit/>
+          </a:bodyPr>
+          <a:lstStyle/>
+          <a:p>
+            <a:pPr marL="800100" lvl="1" indent="-342900">
+              <a:buFont typeface="Wingdings" panose="05000000000000000000" pitchFamily="2" charset="2"/>
+              <a:buChar char="u"/>
+            </a:pPr>
+            <a:r>
+              <a:rPr lang="zh-CN" altLang="zh-CN" sz="1600" dirty="0">
+                <a:latin typeface="微软雅黑" panose="020B0503020204020204" pitchFamily="34" charset="-122"/>
+                <a:ea typeface="微软雅黑" panose="020B0503020204020204" pitchFamily="34" charset="-122"/>
+              </a:rPr>
+              <a:t>创建版本库</a:t>
+            </a:r>
+          </a:p>
+        </p:txBody>
+      </p:sp>
+      <p:sp>
+        <p:nvSpPr>
+          <p:cNvPr id="16" name="矩形"/>
+          <p:cNvSpPr>
+            <a:spLocks/>
+          </p:cNvSpPr>
+          <p:nvPr/>
+        </p:nvSpPr>
+        <p:spPr>
+          <a:xfrm>
+            <a:off x="542891" y="3437586"/>
+            <a:ext cx="8565279" cy="707886"/>
+          </a:xfrm>
+          <a:prstGeom prst="rect">
+            <a:avLst/>
+          </a:prstGeom>
+          <a:noFill/>
+          <a:ln w="9525" cap="flat" cmpd="sng">
+            <a:noFill/>
+            <a:prstDash val="solid"/>
+            <a:miter/>
+          </a:ln>
+        </p:spPr>
+        <p:txBody>
+          <a:bodyPr vert="horz" wrap="square" lIns="91440" tIns="45720" rIns="91440" bIns="45720" anchor="ctr" anchorCtr="0">
+            <a:prstTxWarp prst="textNoShape">
+              <a:avLst/>
+            </a:prstTxWarp>
+            <a:spAutoFit/>
+          </a:bodyPr>
+          <a:lstStyle/>
+          <a:p>
+            <a:pPr lvl="1" algn="l">
+              <a:lnSpc>
+                <a:spcPct val="100000"/>
+              </a:lnSpc>
+              <a:spcBef>
+                <a:spcPts val="0"/>
+              </a:spcBef>
+              <a:spcAft>
+                <a:spcPts val="0"/>
+              </a:spcAft>
+            </a:pPr>
+            <a:r>
+              <a:rPr lang="en-US" altLang="zh-CN" sz="2000" u="none" strike="noStrike" kern="1200" cap="none" spc="0" baseline="0" dirty="0">
+                <a:solidFill>
+                  <a:srgbClr val="C9394A"/>
+                </a:solidFill>
+                <a:latin typeface="微软雅黑" charset="0"/>
+                <a:ea typeface="微软雅黑" charset="0"/>
+                <a:cs typeface="微软雅黑" charset="0"/>
+                <a:sym typeface="Calibri" pitchFamily="34" charset="0"/>
+              </a:rPr>
+              <a:t>	</a:t>
+            </a:r>
+            <a:endParaRPr lang="en-US" altLang="zh-CN" sz="2000" dirty="0">
+              <a:solidFill>
+                <a:srgbClr val="C9394A"/>
+              </a:solidFill>
+              <a:latin typeface="微软雅黑" charset="0"/>
+              <a:ea typeface="微软雅黑" charset="0"/>
+              <a:cs typeface="微软雅黑" charset="0"/>
+              <a:sym typeface="Calibri" pitchFamily="34" charset="0"/>
+            </a:endParaRPr>
+          </a:p>
+          <a:p>
+            <a:pPr lvl="1" algn="l">
+              <a:lnSpc>
+                <a:spcPct val="100000"/>
+              </a:lnSpc>
+              <a:spcBef>
+                <a:spcPts val="0"/>
+              </a:spcBef>
+              <a:spcAft>
+                <a:spcPts val="0"/>
+              </a:spcAft>
+            </a:pPr>
+            <a:r>
+              <a:rPr lang="en-US" altLang="zh-CN" sz="2000" u="none" strike="noStrike" kern="1200" cap="none" spc="0" baseline="0" dirty="0">
+                <a:solidFill>
+                  <a:srgbClr val="C9394A"/>
+                </a:solidFill>
+                <a:latin typeface="微软雅黑" charset="0"/>
+                <a:ea typeface="微软雅黑" charset="0"/>
+                <a:cs typeface="微软雅黑" charset="0"/>
+                <a:sym typeface="Calibri" pitchFamily="34" charset="0"/>
+              </a:rPr>
+              <a:t>	</a:t>
+            </a:r>
+            <a:endParaRPr lang="zh-CN" altLang="en-US" sz="2000" u="none" strike="noStrike" kern="1200" cap="none" spc="0" baseline="0" dirty="0">
+              <a:solidFill>
+                <a:srgbClr val="C9394A"/>
+              </a:solidFill>
+              <a:latin typeface="微软雅黑" charset="0"/>
+              <a:ea typeface="微软雅黑" charset="0"/>
+              <a:cs typeface="微软雅黑" charset="0"/>
+              <a:sym typeface="Calibri" pitchFamily="34" charset="0"/>
+            </a:endParaRPr>
+          </a:p>
+        </p:txBody>
+      </p:sp>
+      <p:pic>
+        <p:nvPicPr>
+          <p:cNvPr id="4" name="图片 3">
+            <a:extLst>
+              <a:ext uri="{FF2B5EF4-FFF2-40B4-BE49-F238E27FC236}">
+                <a16:creationId xmlns:a16="http://schemas.microsoft.com/office/drawing/2014/main" id="{3B0D3E17-592D-4E0A-B315-3A9590A83975}"/>
+              </a:ext>
+            </a:extLst>
+          </p:cNvPr>
+          <p:cNvPicPr>
+            <a:picLocks noChangeAspect="1"/>
+          </p:cNvPicPr>
+          <p:nvPr/>
+        </p:nvPicPr>
+        <p:blipFill>
+          <a:blip r:embed="rId3"/>
+          <a:stretch>
+            <a:fillRect/>
+          </a:stretch>
+        </p:blipFill>
+        <p:spPr>
+          <a:xfrm>
+            <a:off x="1234452" y="998028"/>
+            <a:ext cx="6675094" cy="4069160"/>
+          </a:xfrm>
+          <a:prstGeom prst="rect">
+            <a:avLst/>
+          </a:prstGeom>
+        </p:spPr>
+      </p:pic>
+    </p:spTree>
+    <p:extLst>
+      <p:ext uri="{BB962C8B-B14F-4D97-AF65-F5344CB8AC3E}">
+        <p14:creationId xmlns:p14="http://schemas.microsoft.com/office/powerpoint/2010/main" val="294992110"/>
+      </p:ext>
+    </p:extLst>
+  </p:cSld>
+  <p:clrMapOvr>
+    <a:masterClrMapping/>
+  </p:clrMapOvr>
+  <p:timing>
+    <p:tnLst>
+      <p:par>
+        <p:cTn id="1" dur="indefinite" restart="never" nodeType="tmRoot">
+          <p:childTnLst>
+            <p:seq concurrent="1" nextAc="seek">
+              <p:cTn id="2" dur="indefinite" nodeType="mainSeq">
+                <p:childTnLst>
+                  <p:par>
+                    <p:cTn id="3" fill="hold">
+                      <p:stCondLst>
+                        <p:cond delay="indefinite"/>
+                      </p:stCondLst>
+                      <p:childTnLst>
+                        <p:par>
+                          <p:cTn id="4" fill="hold">
+                            <p:stCondLst>
+                              <p:cond delay="0"/>
+                            </p:stCondLst>
+                            <p:childTnLst>
+                              <p:par>
+                                <p:cTn id="5" presetID="2" presetClass="entr" presetSubtype="4" fill="hold" grpId="0" nodeType="clickEffect">
+                                  <p:stCondLst>
+                                    <p:cond delay="0"/>
+                                  </p:stCondLst>
+                                  <p:childTnLst>
+                                    <p:set>
+                                      <p:cBhvr>
+                                        <p:cTn id="6" dur="1" fill="hold">
+                                          <p:stCondLst>
+                                            <p:cond delay="0"/>
+                                          </p:stCondLst>
+                                        </p:cTn>
+                                        <p:tgtEl>
+                                          <p:spTgt spid="15"/>
+                                        </p:tgtEl>
+                                        <p:attrNameLst>
+                                          <p:attrName>style.visibility</p:attrName>
+                                        </p:attrNameLst>
+                                      </p:cBhvr>
+                                      <p:to>
+                                        <p:strVal val="visible"/>
+                                      </p:to>
+                                    </p:set>
+                                    <p:anim calcmode="lin" valueType="num">
+                                      <p:cBhvr additive="base">
+                                        <p:cTn id="7" dur="500" fill="hold"/>
+                                        <p:tgtEl>
+                                          <p:spTgt spid="15"/>
+                                        </p:tgtEl>
+                                        <p:attrNameLst>
+                                          <p:attrName>ppt_x</p:attrName>
+                                        </p:attrNameLst>
+                                      </p:cBhvr>
+                                      <p:tavLst>
+                                        <p:tav tm="0">
+                                          <p:val>
+                                            <p:strVal val="#ppt_x"/>
+                                          </p:val>
+                                        </p:tav>
+                                        <p:tav tm="100000">
+                                          <p:val>
+                                            <p:strVal val="#ppt_x"/>
+                                          </p:val>
+                                        </p:tav>
+                                      </p:tavLst>
+                                    </p:anim>
+                                    <p:anim calcmode="lin" valueType="num">
+                                      <p:cBhvr additive="base">
+                                        <p:cTn id="8" dur="500" fill="hold"/>
+                                        <p:tgtEl>
+                                          <p:spTgt spid="15"/>
+                                        </p:tgtEl>
+                                        <p:attrNameLst>
+                                          <p:attrName>ppt_y</p:attrName>
+                                        </p:attrNameLst>
+                                      </p:cBhvr>
+                                      <p:tavLst>
+                                        <p:tav tm="0">
+                                          <p:val>
+                                            <p:strVal val="1+#ppt_h/2"/>
+                                          </p:val>
+                                        </p:tav>
+                                        <p:tav tm="100000">
+                                          <p:val>
+                                            <p:strVal val="#ppt_y"/>
+                                          </p:val>
+                                        </p:tav>
+                                      </p:tavLst>
+                                    </p:anim>
+                                  </p:childTnLst>
+                                </p:cTn>
+                              </p:par>
+                            </p:childTnLst>
+                          </p:cTn>
+                        </p:par>
+                      </p:childTnLst>
+                    </p:cTn>
+                  </p:par>
+                  <p:par>
+                    <p:cTn id="9" fill="hold">
+                      <p:stCondLst>
+                        <p:cond delay="indefinite"/>
+                      </p:stCondLst>
+                      <p:childTnLst>
+                        <p:par>
+                          <p:cTn id="10" fill="hold">
+                            <p:stCondLst>
+                              <p:cond delay="0"/>
+                            </p:stCondLst>
+                            <p:childTnLst>
+                              <p:par>
+                                <p:cTn id="11" presetID="2" presetClass="entr" presetSubtype="4" fill="hold" grpId="0" nodeType="clickEffect">
+                                  <p:stCondLst>
+                                    <p:cond delay="0"/>
+                                  </p:stCondLst>
+                                  <p:childTnLst>
+                                    <p:set>
+                                      <p:cBhvr>
+                                        <p:cTn id="12" dur="1" fill="hold">
+                                          <p:stCondLst>
+                                            <p:cond delay="0"/>
+                                          </p:stCondLst>
+                                        </p:cTn>
+                                        <p:tgtEl>
+                                          <p:spTgt spid="16"/>
+                                        </p:tgtEl>
+                                        <p:attrNameLst>
+                                          <p:attrName>style.visibility</p:attrName>
+                                        </p:attrNameLst>
+                                      </p:cBhvr>
+                                      <p:to>
+                                        <p:strVal val="visible"/>
+                                      </p:to>
+                                    </p:set>
+                                    <p:anim calcmode="lin" valueType="num">
+                                      <p:cBhvr additive="base">
+                                        <p:cTn id="13" dur="500" fill="hold"/>
+                                        <p:tgtEl>
+                                          <p:spTgt spid="16"/>
+                                        </p:tgtEl>
+                                        <p:attrNameLst>
+                                          <p:attrName>ppt_x</p:attrName>
+                                        </p:attrNameLst>
+                                      </p:cBhvr>
+                                      <p:tavLst>
+                                        <p:tav tm="0">
+                                          <p:val>
+                                            <p:strVal val="#ppt_x"/>
+                                          </p:val>
+                                        </p:tav>
+                                        <p:tav tm="100000">
+                                          <p:val>
+                                            <p:strVal val="#ppt_x"/>
+                                          </p:val>
+                                        </p:tav>
+                                      </p:tavLst>
+                                    </p:anim>
+                                    <p:anim calcmode="lin" valueType="num">
+                                      <p:cBhvr additive="base">
+                                        <p:cTn id="14" dur="500" fill="hold"/>
+                                        <p:tgtEl>
+                                          <p:spTgt spid="16"/>
+                                        </p:tgtEl>
+                                        <p:attrNameLst>
+                                          <p:attrName>ppt_y</p:attrName>
+                                        </p:attrNameLst>
+                                      </p:cBhvr>
+                                      <p:tavLst>
+                                        <p:tav tm="0">
+                                          <p:val>
+                                            <p:strVal val="1+#ppt_h/2"/>
+                                          </p:val>
+                                        </p:tav>
+                                        <p:tav tm="100000">
+                                          <p:val>
+                                            <p:strVal val="#ppt_y"/>
+                                          </p:val>
+                                        </p:tav>
+                                      </p:tavLst>
+                                    </p:anim>
+                                  </p:childTnLst>
+                                </p:cTn>
+                              </p:par>
+                            </p:childTnLst>
+                          </p:cTn>
+                        </p:par>
+                      </p:childTnLst>
+                    </p:cTn>
+                  </p:par>
+                </p:childTnLst>
+              </p:cTn>
+              <p:prevCondLst>
+                <p:cond evt="onPrev" delay="0">
+                  <p:tgtEl>
+                    <p:sldTgt/>
+                  </p:tgtEl>
+                </p:cond>
+              </p:prevCondLst>
+              <p:nextCondLst>
+                <p:cond evt="onNext" delay="0">
+                  <p:tgtEl>
+                    <p:sldTgt/>
+                  </p:tgtEl>
+                </p:cond>
+              </p:nextCondLst>
+            </p:seq>
+          </p:childTnLst>
+        </p:cTn>
+      </p:par>
+    </p:tnLst>
+    <p:bldLst>
+      <p:bldP spid="15" grpId="0"/>
+      <p:bldP spid="16" grpId="0"/>
+    </p:bldLst>
+  </p:timing>
+</p:sld>
+</file>
+
+<file path=ppt/slides/slide14.xml><?xml version="1.0" encoding="utf-8"?>
+<p:sld xmlns:a="http://schemas.openxmlformats.org/drawingml/2006/main" xmlns:r="http://schemas.openxmlformats.org/officeDocument/2006/relationships" xmlns:p="http://schemas.openxmlformats.org/presentationml/2006/main">
+  <p:cSld>
+    <p:spTree>
+      <p:nvGrpSpPr>
+        <p:cNvPr id="1" name=""/>
+        <p:cNvGrpSpPr/>
+        <p:nvPr/>
+      </p:nvGrpSpPr>
+      <p:grpSpPr>
+        <a:xfrm>
+          <a:off x="0" y="0"/>
+          <a:ext cx="0" cy="0"/>
+          <a:chOff x="0" y="0"/>
+          <a:chExt cx="0" cy="0"/>
+        </a:xfrm>
+      </p:grpSpPr>
+      <p:sp>
+        <p:nvSpPr>
+          <p:cNvPr id="14" name="矩形"/>
+          <p:cNvSpPr>
+            <a:spLocks/>
+          </p:cNvSpPr>
+          <p:nvPr/>
+        </p:nvSpPr>
+        <p:spPr>
+          <a:xfrm>
+            <a:off x="1022894" y="2371695"/>
+            <a:ext cx="8565279" cy="400110"/>
+          </a:xfrm>
+          <a:prstGeom prst="rect">
+            <a:avLst/>
+          </a:prstGeom>
+          <a:noFill/>
+          <a:ln w="9525" cap="flat" cmpd="sng">
+            <a:noFill/>
+            <a:prstDash val="solid"/>
+            <a:miter/>
+          </a:ln>
+        </p:spPr>
+        <p:txBody>
+          <a:bodyPr vert="horz" wrap="square" lIns="91440" tIns="45720" rIns="91440" bIns="45720" anchor="ctr" anchorCtr="0">
+            <a:prstTxWarp prst="textNoShape">
+              <a:avLst/>
+            </a:prstTxWarp>
+            <a:spAutoFit/>
+          </a:bodyPr>
+          <a:lstStyle/>
+          <a:p>
+            <a:pPr marL="800100" lvl="1" indent="-342900">
+              <a:buFont typeface="Wingdings" panose="05000000000000000000" pitchFamily="2" charset="2"/>
+              <a:buChar char="u"/>
+            </a:pPr>
+            <a:r>
+              <a:rPr lang="en-US" altLang="zh-CN" sz="2000" dirty="0" err="1">
+                <a:solidFill>
+                  <a:srgbClr val="212121"/>
+                </a:solidFill>
+                <a:latin typeface="微软雅黑" charset="0"/>
+                <a:ea typeface="微软雅黑" charset="0"/>
+                <a:cs typeface="微软雅黑" charset="0"/>
+                <a:sym typeface="Calibri" pitchFamily="34" charset="0"/>
+              </a:rPr>
+              <a:t>github</a:t>
+            </a:r>
+            <a:r>
+              <a:rPr lang="zh-CN" altLang="en-US" sz="2000" dirty="0">
+                <a:solidFill>
+                  <a:srgbClr val="212121"/>
+                </a:solidFill>
+                <a:latin typeface="微软雅黑" charset="0"/>
+                <a:ea typeface="微软雅黑" charset="0"/>
+                <a:cs typeface="微软雅黑" charset="0"/>
+                <a:sym typeface="Calibri" pitchFamily="34" charset="0"/>
+              </a:rPr>
+              <a:t>支持两种加密传输协议：</a:t>
+            </a:r>
+            <a:r>
+              <a:rPr lang="en-US" altLang="zh-CN" sz="2000" dirty="0" err="1">
+                <a:solidFill>
+                  <a:srgbClr val="212121"/>
+                </a:solidFill>
+                <a:latin typeface="微软雅黑" charset="0"/>
+                <a:ea typeface="微软雅黑" charset="0"/>
+                <a:cs typeface="微软雅黑" charset="0"/>
+                <a:sym typeface="Calibri" pitchFamily="34" charset="0"/>
+              </a:rPr>
+              <a:t>ssh</a:t>
+            </a:r>
+            <a:r>
+              <a:rPr lang="en-US" altLang="zh-CN" sz="2000" dirty="0">
+                <a:solidFill>
+                  <a:srgbClr val="212121"/>
+                </a:solidFill>
+                <a:latin typeface="微软雅黑" charset="0"/>
+                <a:ea typeface="微软雅黑" charset="0"/>
+                <a:cs typeface="微软雅黑" charset="0"/>
+                <a:sym typeface="Calibri" pitchFamily="34" charset="0"/>
+              </a:rPr>
+              <a:t>   https</a:t>
+            </a:r>
+            <a:endParaRPr lang="zh-CN" altLang="en-US" sz="2000" u="none" strike="noStrike" kern="1200" cap="none" spc="0" baseline="0" dirty="0">
+              <a:solidFill>
+                <a:srgbClr val="212121"/>
+              </a:solidFill>
+              <a:latin typeface="微软雅黑" charset="0"/>
+              <a:ea typeface="微软雅黑" charset="0"/>
+              <a:cs typeface="微软雅黑" charset="0"/>
+              <a:sym typeface="Calibri" pitchFamily="34" charset="0"/>
+            </a:endParaRPr>
+          </a:p>
+        </p:txBody>
+      </p:sp>
+      <p:sp>
+        <p:nvSpPr>
+          <p:cNvPr id="16" name="矩形"/>
+          <p:cNvSpPr>
+            <a:spLocks/>
+          </p:cNvSpPr>
+          <p:nvPr/>
+        </p:nvSpPr>
+        <p:spPr>
+          <a:xfrm>
+            <a:off x="542891" y="3437586"/>
+            <a:ext cx="8565279" cy="707886"/>
+          </a:xfrm>
+          <a:prstGeom prst="rect">
+            <a:avLst/>
+          </a:prstGeom>
+          <a:noFill/>
+          <a:ln w="9525" cap="flat" cmpd="sng">
+            <a:noFill/>
+            <a:prstDash val="solid"/>
+            <a:miter/>
+          </a:ln>
+        </p:spPr>
+        <p:txBody>
+          <a:bodyPr vert="horz" wrap="square" lIns="91440" tIns="45720" rIns="91440" bIns="45720" anchor="ctr" anchorCtr="0">
+            <a:prstTxWarp prst="textNoShape">
+              <a:avLst/>
+            </a:prstTxWarp>
+            <a:spAutoFit/>
+          </a:bodyPr>
+          <a:lstStyle/>
+          <a:p>
+            <a:pPr lvl="1" algn="l">
+              <a:lnSpc>
+                <a:spcPct val="100000"/>
+              </a:lnSpc>
+              <a:spcBef>
+                <a:spcPts val="0"/>
+              </a:spcBef>
+              <a:spcAft>
+                <a:spcPts val="0"/>
+              </a:spcAft>
+            </a:pPr>
+            <a:r>
+              <a:rPr lang="en-US" altLang="zh-CN" sz="2000" u="none" strike="noStrike" kern="1200" cap="none" spc="0" baseline="0" dirty="0">
+                <a:solidFill>
+                  <a:srgbClr val="C9394A"/>
+                </a:solidFill>
+                <a:latin typeface="微软雅黑" charset="0"/>
+                <a:ea typeface="微软雅黑" charset="0"/>
+                <a:cs typeface="微软雅黑" charset="0"/>
+                <a:sym typeface="Calibri" pitchFamily="34" charset="0"/>
+              </a:rPr>
+              <a:t>	</a:t>
+            </a:r>
+            <a:endParaRPr lang="en-US" altLang="zh-CN" sz="2000" dirty="0">
+              <a:solidFill>
+                <a:srgbClr val="C9394A"/>
+              </a:solidFill>
+              <a:latin typeface="微软雅黑" charset="0"/>
+              <a:ea typeface="微软雅黑" charset="0"/>
+              <a:cs typeface="微软雅黑" charset="0"/>
+              <a:sym typeface="Calibri" pitchFamily="34" charset="0"/>
+            </a:endParaRPr>
+          </a:p>
+          <a:p>
+            <a:pPr lvl="1" algn="l">
+              <a:lnSpc>
+                <a:spcPct val="100000"/>
+              </a:lnSpc>
+              <a:spcBef>
+                <a:spcPts val="0"/>
+              </a:spcBef>
+              <a:spcAft>
+                <a:spcPts val="0"/>
+              </a:spcAft>
+            </a:pPr>
+            <a:r>
+              <a:rPr lang="en-US" altLang="zh-CN" sz="2000" u="none" strike="noStrike" kern="1200" cap="none" spc="0" baseline="0" dirty="0">
+                <a:solidFill>
+                  <a:srgbClr val="C9394A"/>
+                </a:solidFill>
+                <a:latin typeface="微软雅黑" charset="0"/>
+                <a:ea typeface="微软雅黑" charset="0"/>
+                <a:cs typeface="微软雅黑" charset="0"/>
+                <a:sym typeface="Calibri" pitchFamily="34" charset="0"/>
+              </a:rPr>
+              <a:t>	</a:t>
+            </a:r>
+            <a:endParaRPr lang="zh-CN" altLang="en-US" sz="2000" u="none" strike="noStrike" kern="1200" cap="none" spc="0" baseline="0" dirty="0">
+              <a:solidFill>
+                <a:srgbClr val="C9394A"/>
+              </a:solidFill>
+              <a:latin typeface="微软雅黑" charset="0"/>
+              <a:ea typeface="微软雅黑" charset="0"/>
+              <a:cs typeface="微软雅黑" charset="0"/>
+              <a:sym typeface="Calibri" pitchFamily="34" charset="0"/>
+            </a:endParaRPr>
+          </a:p>
+        </p:txBody>
+      </p:sp>
+      <p:sp>
+        <p:nvSpPr>
+          <p:cNvPr id="17" name="矩形"/>
+          <p:cNvSpPr>
+            <a:spLocks/>
+          </p:cNvSpPr>
+          <p:nvPr/>
+        </p:nvSpPr>
+        <p:spPr>
+          <a:xfrm>
+            <a:off x="3838466" y="444030"/>
+            <a:ext cx="1467068" cy="553998"/>
+          </a:xfrm>
+          <a:prstGeom prst="rect">
+            <a:avLst/>
+          </a:prstGeom>
+          <a:noFill/>
+          <a:ln w="9525" cap="flat" cmpd="sng">
+            <a:noFill/>
+            <a:prstDash val="solid"/>
+            <a:miter/>
+          </a:ln>
+        </p:spPr>
+        <p:txBody>
+          <a:bodyPr vert="horz" wrap="none" lIns="91440" tIns="45720" rIns="91440" bIns="45720" anchor="t" anchorCtr="0">
+            <a:prstTxWarp prst="textNoShape">
+              <a:avLst/>
+            </a:prstTxWarp>
+            <a:spAutoFit/>
+          </a:bodyPr>
+          <a:lstStyle/>
+          <a:p>
+            <a:r>
+              <a:rPr lang="en-US" altLang="zh-CN" sz="3000" b="1" kern="0" dirty="0" err="1">
+                <a:solidFill>
+                  <a:srgbClr val="C9394A"/>
+                </a:solidFill>
+                <a:latin typeface="微软雅黑" charset="0"/>
+                <a:ea typeface="微软雅黑" charset="0"/>
+                <a:cs typeface="微软雅黑" charset="0"/>
+                <a:sym typeface="Calibri" pitchFamily="34" charset="0"/>
+              </a:rPr>
+              <a:t>github</a:t>
+            </a:r>
+            <a:endParaRPr lang="zh-CN" altLang="en-US" u="none" strike="noStrike" kern="1200" cap="none" spc="0" baseline="0" dirty="0">
+              <a:solidFill>
+                <a:schemeClr val="tx1"/>
+              </a:solidFill>
+              <a:latin typeface="Calibri" pitchFamily="34" charset="0"/>
+              <a:ea typeface="宋体" pitchFamily="2" charset="-122"/>
+              <a:cs typeface="微软雅黑" charset="0"/>
+            </a:endParaRPr>
+          </a:p>
+        </p:txBody>
+      </p:sp>
+    </p:spTree>
+    <p:extLst>
+      <p:ext uri="{BB962C8B-B14F-4D97-AF65-F5344CB8AC3E}">
+        <p14:creationId xmlns:p14="http://schemas.microsoft.com/office/powerpoint/2010/main" val="1536290570"/>
+      </p:ext>
+    </p:extLst>
+  </p:cSld>
+  <p:clrMapOvr>
+    <a:masterClrMapping/>
+  </p:clrMapOvr>
+  <p:timing>
+    <p:tnLst>
+      <p:par>
+        <p:cTn id="1" dur="indefinite" restart="never" nodeType="tmRoot">
+          <p:childTnLst>
+            <p:seq concurrent="1" nextAc="seek">
+              <p:cTn id="2" dur="indefinite" nodeType="mainSeq">
+                <p:childTnLst>
+                  <p:par>
+                    <p:cTn id="3" fill="hold">
+                      <p:stCondLst>
+                        <p:cond delay="indefinite"/>
+                      </p:stCondLst>
+                      <p:childTnLst>
+                        <p:par>
+                          <p:cTn id="4" fill="hold">
+                            <p:stCondLst>
+                              <p:cond delay="0"/>
+                            </p:stCondLst>
+                            <p:childTnLst>
+                              <p:par>
+                                <p:cTn id="5" presetID="2" presetClass="entr" presetSubtype="4" fill="hold" grpId="0" nodeType="clickEffect">
+                                  <p:stCondLst>
+                                    <p:cond delay="0"/>
+                                  </p:stCondLst>
+                                  <p:childTnLst>
+                                    <p:set>
+                                      <p:cBhvr>
+                                        <p:cTn id="6" dur="1" fill="hold">
+                                          <p:stCondLst>
+                                            <p:cond delay="0"/>
+                                          </p:stCondLst>
+                                        </p:cTn>
+                                        <p:tgtEl>
+                                          <p:spTgt spid="14"/>
+                                        </p:tgtEl>
+                                        <p:attrNameLst>
+                                          <p:attrName>style.visibility</p:attrName>
+                                        </p:attrNameLst>
+                                      </p:cBhvr>
+                                      <p:to>
+                                        <p:strVal val="visible"/>
+                                      </p:to>
+                                    </p:set>
+                                    <p:anim calcmode="lin" valueType="num">
+                                      <p:cBhvr additive="base">
+                                        <p:cTn id="7" dur="500" fill="hold"/>
+                                        <p:tgtEl>
+                                          <p:spTgt spid="14"/>
+                                        </p:tgtEl>
+                                        <p:attrNameLst>
+                                          <p:attrName>ppt_x</p:attrName>
+                                        </p:attrNameLst>
+                                      </p:cBhvr>
+                                      <p:tavLst>
+                                        <p:tav tm="0">
+                                          <p:val>
+                                            <p:strVal val="#ppt_x"/>
+                                          </p:val>
+                                        </p:tav>
+                                        <p:tav tm="100000">
+                                          <p:val>
+                                            <p:strVal val="#ppt_x"/>
+                                          </p:val>
+                                        </p:tav>
+                                      </p:tavLst>
+                                    </p:anim>
+                                    <p:anim calcmode="lin" valueType="num">
+                                      <p:cBhvr additive="base">
+                                        <p:cTn id="8" dur="500" fill="hold"/>
+                                        <p:tgtEl>
+                                          <p:spTgt spid="14"/>
+                                        </p:tgtEl>
+                                        <p:attrNameLst>
+                                          <p:attrName>ppt_y</p:attrName>
+                                        </p:attrNameLst>
+                                      </p:cBhvr>
+                                      <p:tavLst>
+                                        <p:tav tm="0">
+                                          <p:val>
+                                            <p:strVal val="1+#ppt_h/2"/>
+                                          </p:val>
+                                        </p:tav>
+                                        <p:tav tm="100000">
+                                          <p:val>
+                                            <p:strVal val="#ppt_y"/>
+                                          </p:val>
+                                        </p:tav>
+                                      </p:tavLst>
+                                    </p:anim>
+                                  </p:childTnLst>
+                                </p:cTn>
+                              </p:par>
+                            </p:childTnLst>
+                          </p:cTn>
+                        </p:par>
+                      </p:childTnLst>
+                    </p:cTn>
+                  </p:par>
+                  <p:par>
+                    <p:cTn id="9" fill="hold">
+                      <p:stCondLst>
+                        <p:cond delay="indefinite"/>
+                      </p:stCondLst>
+                      <p:childTnLst>
+                        <p:par>
+                          <p:cTn id="10" fill="hold">
+                            <p:stCondLst>
+                              <p:cond delay="0"/>
+                            </p:stCondLst>
+                            <p:childTnLst>
+                              <p:par>
+                                <p:cTn id="11" presetID="2" presetClass="entr" presetSubtype="4" fill="hold" grpId="0" nodeType="clickEffect">
+                                  <p:stCondLst>
+                                    <p:cond delay="0"/>
+                                  </p:stCondLst>
+                                  <p:childTnLst>
+                                    <p:set>
+                                      <p:cBhvr>
+                                        <p:cTn id="12" dur="1" fill="hold">
+                                          <p:stCondLst>
+                                            <p:cond delay="0"/>
+                                          </p:stCondLst>
+                                        </p:cTn>
+                                        <p:tgtEl>
+                                          <p:spTgt spid="16"/>
+                                        </p:tgtEl>
+                                        <p:attrNameLst>
+                                          <p:attrName>style.visibility</p:attrName>
+                                        </p:attrNameLst>
+                                      </p:cBhvr>
+                                      <p:to>
+                                        <p:strVal val="visible"/>
+                                      </p:to>
+                                    </p:set>
+                                    <p:anim calcmode="lin" valueType="num">
+                                      <p:cBhvr additive="base">
+                                        <p:cTn id="13" dur="500" fill="hold"/>
+                                        <p:tgtEl>
+                                          <p:spTgt spid="16"/>
+                                        </p:tgtEl>
+                                        <p:attrNameLst>
+                                          <p:attrName>ppt_x</p:attrName>
+                                        </p:attrNameLst>
+                                      </p:cBhvr>
+                                      <p:tavLst>
+                                        <p:tav tm="0">
+                                          <p:val>
+                                            <p:strVal val="#ppt_x"/>
+                                          </p:val>
+                                        </p:tav>
+                                        <p:tav tm="100000">
+                                          <p:val>
+                                            <p:strVal val="#ppt_x"/>
+                                          </p:val>
+                                        </p:tav>
+                                      </p:tavLst>
+                                    </p:anim>
+                                    <p:anim calcmode="lin" valueType="num">
+                                      <p:cBhvr additive="base">
+                                        <p:cTn id="14" dur="500" fill="hold"/>
+                                        <p:tgtEl>
+                                          <p:spTgt spid="16"/>
+                                        </p:tgtEl>
+                                        <p:attrNameLst>
+                                          <p:attrName>ppt_y</p:attrName>
+                                        </p:attrNameLst>
+                                      </p:cBhvr>
+                                      <p:tavLst>
+                                        <p:tav tm="0">
+                                          <p:val>
+                                            <p:strVal val="1+#ppt_h/2"/>
+                                          </p:val>
+                                        </p:tav>
+                                        <p:tav tm="100000">
+                                          <p:val>
+                                            <p:strVal val="#ppt_y"/>
+                                          </p:val>
+                                        </p:tav>
+                                      </p:tavLst>
+                                    </p:anim>
+                                  </p:childTnLst>
+                                </p:cTn>
+                              </p:par>
+                            </p:childTnLst>
+                          </p:cTn>
+                        </p:par>
+                      </p:childTnLst>
+                    </p:cTn>
+                  </p:par>
+                </p:childTnLst>
+              </p:cTn>
+              <p:prevCondLst>
+                <p:cond evt="onPrev" delay="0">
+                  <p:tgtEl>
+                    <p:sldTgt/>
+                  </p:tgtEl>
+                </p:cond>
+              </p:prevCondLst>
+              <p:nextCondLst>
+                <p:cond evt="onNext" delay="0">
+                  <p:tgtEl>
+                    <p:sldTgt/>
+                  </p:tgtEl>
+                </p:cond>
+              </p:nextCondLst>
+            </p:seq>
+          </p:childTnLst>
+        </p:cTn>
+      </p:par>
+    </p:tnLst>
+    <p:bldLst>
+      <p:bldP spid="14" grpId="0"/>
+      <p:bldP spid="16" grpId="0"/>
+    </p:bldLst>
+  </p:timing>
+</p:sld>
+</file>
+
+<file path=ppt/slides/slide15.xml><?xml version="1.0" encoding="utf-8"?>
+<p:sld xmlns:a="http://schemas.openxmlformats.org/drawingml/2006/main" xmlns:r="http://schemas.openxmlformats.org/officeDocument/2006/relationships" xmlns:p="http://schemas.openxmlformats.org/presentationml/2006/main">
+  <p:cSld>
+    <p:spTree>
+      <p:nvGrpSpPr>
+        <p:cNvPr id="1" name=""/>
+        <p:cNvGrpSpPr/>
+        <p:nvPr/>
+      </p:nvGrpSpPr>
+      <p:grpSpPr>
+        <a:xfrm>
+          <a:off x="0" y="0"/>
+          <a:ext cx="0" cy="0"/>
+          <a:chOff x="0" y="0"/>
+          <a:chExt cx="0" cy="0"/>
+        </a:xfrm>
+      </p:grpSpPr>
+      <p:sp>
+        <p:nvSpPr>
+          <p:cNvPr id="17" name="矩形"/>
+          <p:cNvSpPr>
+            <a:spLocks/>
+          </p:cNvSpPr>
+          <p:nvPr/>
+        </p:nvSpPr>
+        <p:spPr>
+          <a:xfrm>
+            <a:off x="2938379" y="483518"/>
+            <a:ext cx="3031599" cy="553998"/>
+          </a:xfrm>
+          <a:prstGeom prst="rect">
+            <a:avLst/>
+          </a:prstGeom>
+          <a:noFill/>
+          <a:ln w="9525" cap="flat" cmpd="sng">
+            <a:noFill/>
+            <a:prstDash val="solid"/>
+            <a:miter/>
+          </a:ln>
+        </p:spPr>
+        <p:txBody>
+          <a:bodyPr vert="horz" wrap="none" lIns="91440" tIns="45720" rIns="91440" bIns="45720" anchor="t" anchorCtr="0">
+            <a:prstTxWarp prst="textNoShape">
+              <a:avLst/>
+            </a:prstTxWarp>
+            <a:spAutoFit/>
+          </a:bodyPr>
+          <a:lstStyle/>
+          <a:p>
+            <a:r>
+              <a:rPr lang="en-US" altLang="zh-CN" sz="3000" b="1" kern="0" dirty="0" err="1">
+                <a:solidFill>
+                  <a:srgbClr val="C9394A"/>
+                </a:solidFill>
+                <a:latin typeface="微软雅黑" charset="0"/>
+                <a:ea typeface="微软雅黑" charset="0"/>
+                <a:cs typeface="微软雅黑" charset="0"/>
+                <a:sym typeface="Calibri" pitchFamily="34" charset="0"/>
+              </a:rPr>
+              <a:t>github-ssh</a:t>
+            </a:r>
+            <a:r>
+              <a:rPr lang="zh-CN" altLang="en-US" sz="3000" b="1" kern="0" dirty="0">
+                <a:solidFill>
+                  <a:srgbClr val="C9394A"/>
+                </a:solidFill>
+                <a:latin typeface="微软雅黑" charset="0"/>
+                <a:ea typeface="微软雅黑" charset="0"/>
+                <a:cs typeface="微软雅黑" charset="0"/>
+                <a:sym typeface="Calibri" pitchFamily="34" charset="0"/>
+              </a:rPr>
+              <a:t>协议</a:t>
+            </a:r>
+            <a:endParaRPr lang="zh-CN" altLang="en-US" u="none" strike="noStrike" kern="1200" cap="none" spc="0" baseline="0" dirty="0">
+              <a:solidFill>
+                <a:schemeClr val="tx1"/>
+              </a:solidFill>
+              <a:latin typeface="Calibri" pitchFamily="34" charset="0"/>
+              <a:ea typeface="宋体" pitchFamily="2" charset="-122"/>
+              <a:cs typeface="微软雅黑" charset="0"/>
+            </a:endParaRPr>
+          </a:p>
+        </p:txBody>
+      </p:sp>
+      <p:sp>
+        <p:nvSpPr>
+          <p:cNvPr id="8" name="矩形">
+            <a:extLst>
+              <a:ext uri="{FF2B5EF4-FFF2-40B4-BE49-F238E27FC236}">
+                <a16:creationId xmlns:a16="http://schemas.microsoft.com/office/drawing/2014/main" id="{DD861988-578A-41C1-818C-669E02578C63}"/>
+              </a:ext>
+            </a:extLst>
+          </p:cNvPr>
+          <p:cNvSpPr>
+            <a:spLocks/>
+          </p:cNvSpPr>
+          <p:nvPr/>
+        </p:nvSpPr>
+        <p:spPr>
+          <a:xfrm>
+            <a:off x="289360" y="1275606"/>
+            <a:ext cx="8565279" cy="400110"/>
+          </a:xfrm>
+          <a:prstGeom prst="rect">
+            <a:avLst/>
+          </a:prstGeom>
+          <a:noFill/>
+          <a:ln w="9525" cap="flat" cmpd="sng">
+            <a:noFill/>
+            <a:prstDash val="solid"/>
+            <a:miter/>
+          </a:ln>
+        </p:spPr>
+        <p:txBody>
+          <a:bodyPr vert="horz" wrap="square" lIns="91440" tIns="45720" rIns="91440" bIns="45720" anchor="ctr" anchorCtr="0">
+            <a:prstTxWarp prst="textNoShape">
+              <a:avLst/>
+            </a:prstTxWarp>
+            <a:spAutoFit/>
+          </a:bodyPr>
+          <a:lstStyle/>
+          <a:p>
+            <a:pPr marL="800100" lvl="1" indent="-342900">
+              <a:buFont typeface="Wingdings" panose="05000000000000000000" pitchFamily="2" charset="2"/>
+              <a:buChar char="u"/>
+            </a:pPr>
+            <a:r>
+              <a:rPr lang="en-US" altLang="zh-CN" sz="2000" u="none" strike="noStrike" kern="1200" cap="none" spc="0" baseline="0" dirty="0" err="1">
+                <a:solidFill>
+                  <a:srgbClr val="212121"/>
+                </a:solidFill>
+                <a:latin typeface="微软雅黑" charset="0"/>
+                <a:ea typeface="微软雅黑" charset="0"/>
+                <a:cs typeface="微软雅黑" charset="0"/>
+                <a:sym typeface="Calibri" pitchFamily="34" charset="0"/>
+              </a:rPr>
+              <a:t>ssh</a:t>
+            </a:r>
+            <a:r>
+              <a:rPr lang="zh-CN" altLang="en-US" sz="2000" u="none" strike="noStrike" kern="1200" cap="none" spc="0" baseline="0" dirty="0">
+                <a:solidFill>
+                  <a:srgbClr val="212121"/>
+                </a:solidFill>
+                <a:latin typeface="微软雅黑" charset="0"/>
+                <a:ea typeface="微软雅黑" charset="0"/>
+                <a:cs typeface="微软雅黑" charset="0"/>
+                <a:sym typeface="Calibri" pitchFamily="34" charset="0"/>
+              </a:rPr>
+              <a:t>协议提交代码时需要配置公钥和秘钥</a:t>
+            </a:r>
+          </a:p>
+        </p:txBody>
+      </p:sp>
+      <p:pic>
+        <p:nvPicPr>
+          <p:cNvPr id="3" name="图片 2">
+            <a:extLst>
+              <a:ext uri="{FF2B5EF4-FFF2-40B4-BE49-F238E27FC236}">
+                <a16:creationId xmlns:a16="http://schemas.microsoft.com/office/drawing/2014/main" id="{93B649A4-A7BB-4F54-AAC0-CE8032600649}"/>
+              </a:ext>
+            </a:extLst>
+          </p:cNvPr>
+          <p:cNvPicPr>
+            <a:picLocks noChangeAspect="1"/>
+          </p:cNvPicPr>
+          <p:nvPr/>
+        </p:nvPicPr>
+        <p:blipFill>
+          <a:blip r:embed="rId3"/>
+          <a:stretch>
+            <a:fillRect/>
+          </a:stretch>
+        </p:blipFill>
+        <p:spPr>
+          <a:xfrm>
+            <a:off x="1649416" y="1830847"/>
+            <a:ext cx="5609524" cy="2800000"/>
+          </a:xfrm>
+          <a:prstGeom prst="rect">
+            <a:avLst/>
+          </a:prstGeom>
+        </p:spPr>
+      </p:pic>
+    </p:spTree>
+    <p:extLst>
+      <p:ext uri="{BB962C8B-B14F-4D97-AF65-F5344CB8AC3E}">
+        <p14:creationId xmlns:p14="http://schemas.microsoft.com/office/powerpoint/2010/main" val="858489594"/>
+      </p:ext>
+    </p:extLst>
+  </p:cSld>
+  <p:clrMapOvr>
+    <a:masterClrMapping/>
+  </p:clrMapOvr>
+  <p:timing>
+    <p:tnLst>
+      <p:par>
+        <p:cTn id="1" dur="indefinite" restart="never" nodeType="tmRoot">
+          <p:childTnLst>
+            <p:seq concurrent="1" nextAc="seek">
+              <p:cTn id="2" dur="indefinite" nodeType="mainSeq">
+                <p:childTnLst>
+                  <p:par>
+                    <p:cTn id="3" fill="hold">
+                      <p:stCondLst>
+                        <p:cond delay="indefinite"/>
+                      </p:stCondLst>
+                      <p:childTnLst>
+                        <p:par>
+                          <p:cTn id="4" fill="hold">
+                            <p:stCondLst>
+                              <p:cond delay="0"/>
+                            </p:stCondLst>
+                            <p:childTnLst>
+                              <p:par>
+                                <p:cTn id="5" presetID="2" presetClass="entr" presetSubtype="4" fill="hold" grpId="0" nodeType="clickEffect">
+                                  <p:stCondLst>
+                                    <p:cond delay="0"/>
+                                  </p:stCondLst>
+                                  <p:childTnLst>
+                                    <p:set>
+                                      <p:cBhvr>
+                                        <p:cTn id="6" dur="1" fill="hold">
+                                          <p:stCondLst>
+                                            <p:cond delay="0"/>
+                                          </p:stCondLst>
+                                        </p:cTn>
+                                        <p:tgtEl>
+                                          <p:spTgt spid="8"/>
+                                        </p:tgtEl>
+                                        <p:attrNameLst>
+                                          <p:attrName>style.visibility</p:attrName>
+                                        </p:attrNameLst>
+                                      </p:cBhvr>
+                                      <p:to>
+                                        <p:strVal val="visible"/>
+                                      </p:to>
+                                    </p:set>
+                                    <p:anim calcmode="lin" valueType="num">
+                                      <p:cBhvr additive="base">
+                                        <p:cTn id="7" dur="500" fill="hold"/>
+                                        <p:tgtEl>
+                                          <p:spTgt spid="8"/>
+                                        </p:tgtEl>
+                                        <p:attrNameLst>
+                                          <p:attrName>ppt_x</p:attrName>
+                                        </p:attrNameLst>
+                                      </p:cBhvr>
+                                      <p:tavLst>
+                                        <p:tav tm="0">
+                                          <p:val>
+                                            <p:strVal val="#ppt_x"/>
+                                          </p:val>
+                                        </p:tav>
+                                        <p:tav tm="100000">
+                                          <p:val>
+                                            <p:strVal val="#ppt_x"/>
+                                          </p:val>
+                                        </p:tav>
+                                      </p:tavLst>
+                                    </p:anim>
+                                    <p:anim calcmode="lin" valueType="num">
+                                      <p:cBhvr additive="base">
+                                        <p:cTn id="8" dur="500" fill="hold"/>
+                                        <p:tgtEl>
+                                          <p:spTgt spid="8"/>
+                                        </p:tgtEl>
+                                        <p:attrNameLst>
+                                          <p:attrName>ppt_y</p:attrName>
+                                        </p:attrNameLst>
+                                      </p:cBhvr>
+                                      <p:tavLst>
+                                        <p:tav tm="0">
+                                          <p:val>
+                                            <p:strVal val="1+#ppt_h/2"/>
+                                          </p:val>
+                                        </p:tav>
+                                        <p:tav tm="100000">
+                                          <p:val>
+                                            <p:strVal val="#ppt_y"/>
+                                          </p:val>
+                                        </p:tav>
+                                      </p:tavLst>
+                                    </p:anim>
+                                  </p:childTnLst>
+                                </p:cTn>
+                              </p:par>
+                            </p:childTnLst>
+                          </p:cTn>
+                        </p:par>
+                      </p:childTnLst>
+                    </p:cTn>
+                  </p:par>
+                </p:childTnLst>
+              </p:cTn>
+              <p:prevCondLst>
+                <p:cond evt="onPrev" delay="0">
+                  <p:tgtEl>
+                    <p:sldTgt/>
+                  </p:tgtEl>
+                </p:cond>
+              </p:prevCondLst>
+              <p:nextCondLst>
+                <p:cond evt="onNext" delay="0">
+                  <p:tgtEl>
+                    <p:sldTgt/>
+                  </p:tgtEl>
+                </p:cond>
+              </p:nextCondLst>
+            </p:seq>
+          </p:childTnLst>
+        </p:cTn>
+      </p:par>
+    </p:tnLst>
+    <p:bldLst>
+      <p:bldP spid="8" grpId="0"/>
+    </p:bldLst>
+  </p:timing>
+</p:sld>
+</file>
+
+<file path=ppt/slides/slide16.xml><?xml version="1.0" encoding="utf-8"?>
+<p:sld xmlns:a="http://schemas.openxmlformats.org/drawingml/2006/main" xmlns:r="http://schemas.openxmlformats.org/officeDocument/2006/relationships" xmlns:p="http://schemas.openxmlformats.org/presentationml/2006/main">
+  <p:cSld>
+    <p:spTree>
+      <p:nvGrpSpPr>
+        <p:cNvPr id="1" name=""/>
+        <p:cNvGrpSpPr/>
+        <p:nvPr/>
+      </p:nvGrpSpPr>
+      <p:grpSpPr>
+        <a:xfrm>
+          <a:off x="0" y="0"/>
+          <a:ext cx="0" cy="0"/>
+          <a:chOff x="0" y="0"/>
+          <a:chExt cx="0" cy="0"/>
+        </a:xfrm>
+      </p:grpSpPr>
+      <p:sp>
+        <p:nvSpPr>
+          <p:cNvPr id="17" name="矩形"/>
+          <p:cNvSpPr>
+            <a:spLocks/>
+          </p:cNvSpPr>
+          <p:nvPr/>
+        </p:nvSpPr>
+        <p:spPr>
+          <a:xfrm>
+            <a:off x="2987824" y="334683"/>
+            <a:ext cx="2877711" cy="553998"/>
+          </a:xfrm>
+          <a:prstGeom prst="rect">
+            <a:avLst/>
+          </a:prstGeom>
+          <a:noFill/>
+          <a:ln w="9525" cap="flat" cmpd="sng">
+            <a:noFill/>
+            <a:prstDash val="solid"/>
+            <a:miter/>
+          </a:ln>
+        </p:spPr>
+        <p:txBody>
+          <a:bodyPr vert="horz" wrap="none" lIns="91440" tIns="45720" rIns="91440" bIns="45720" anchor="t" anchorCtr="0">
+            <a:prstTxWarp prst="textNoShape">
+              <a:avLst/>
+            </a:prstTxWarp>
+            <a:spAutoFit/>
+          </a:bodyPr>
+          <a:lstStyle/>
+          <a:p>
+            <a:r>
+              <a:rPr lang="zh-CN" altLang="en-US" sz="3000" b="1" kern="0" dirty="0">
+                <a:solidFill>
+                  <a:srgbClr val="C9394A"/>
+                </a:solidFill>
+                <a:latin typeface="微软雅黑" charset="0"/>
+                <a:ea typeface="微软雅黑" charset="0"/>
+                <a:sym typeface="Calibri" pitchFamily="34" charset="0"/>
+              </a:rPr>
+              <a:t>配置公钥和秘钥</a:t>
+            </a:r>
+            <a:endParaRPr lang="zh-CN" altLang="en-US" u="none" strike="noStrike" kern="1200" cap="none" spc="0" baseline="0" dirty="0">
+              <a:solidFill>
+                <a:schemeClr val="tx1"/>
+              </a:solidFill>
+              <a:latin typeface="Calibri" pitchFamily="34" charset="0"/>
+              <a:ea typeface="宋体" pitchFamily="2" charset="-122"/>
+              <a:cs typeface="微软雅黑" charset="0"/>
+            </a:endParaRPr>
+          </a:p>
+        </p:txBody>
+      </p:sp>
+      <p:pic>
+        <p:nvPicPr>
+          <p:cNvPr id="2" name="图片 1">
+            <a:extLst>
+              <a:ext uri="{FF2B5EF4-FFF2-40B4-BE49-F238E27FC236}">
+                <a16:creationId xmlns:a16="http://schemas.microsoft.com/office/drawing/2014/main" id="{FF257798-0542-433F-A2EE-F0F429AA8876}"/>
+              </a:ext>
+            </a:extLst>
+          </p:cNvPr>
+          <p:cNvPicPr>
+            <a:picLocks noChangeAspect="1"/>
+          </p:cNvPicPr>
+          <p:nvPr/>
+        </p:nvPicPr>
+        <p:blipFill>
+          <a:blip r:embed="rId3"/>
+          <a:stretch>
+            <a:fillRect/>
+          </a:stretch>
+        </p:blipFill>
+        <p:spPr>
+          <a:xfrm>
+            <a:off x="251521" y="987575"/>
+            <a:ext cx="1296144" cy="2031152"/>
+          </a:xfrm>
+          <a:prstGeom prst="rect">
+            <a:avLst/>
+          </a:prstGeom>
+        </p:spPr>
+      </p:pic>
+      <p:pic>
+        <p:nvPicPr>
+          <p:cNvPr id="6" name="图片 5">
+            <a:extLst>
+              <a:ext uri="{FF2B5EF4-FFF2-40B4-BE49-F238E27FC236}">
+                <a16:creationId xmlns:a16="http://schemas.microsoft.com/office/drawing/2014/main" id="{3A6AF597-ACDE-4098-924C-9713E61C6520}"/>
+              </a:ext>
+            </a:extLst>
+          </p:cNvPr>
+          <p:cNvPicPr>
+            <a:picLocks noChangeAspect="1"/>
+          </p:cNvPicPr>
+          <p:nvPr/>
+        </p:nvPicPr>
+        <p:blipFill>
+          <a:blip r:embed="rId4"/>
+          <a:stretch>
+            <a:fillRect/>
+          </a:stretch>
+        </p:blipFill>
+        <p:spPr>
+          <a:xfrm>
+            <a:off x="5508104" y="2787774"/>
+            <a:ext cx="3263517" cy="2181966"/>
+          </a:xfrm>
+          <a:prstGeom prst="rect">
+            <a:avLst/>
+          </a:prstGeom>
+        </p:spPr>
+      </p:pic>
+      <p:pic>
+        <p:nvPicPr>
+          <p:cNvPr id="3" name="图片 2">
+            <a:extLst>
+              <a:ext uri="{FF2B5EF4-FFF2-40B4-BE49-F238E27FC236}">
+                <a16:creationId xmlns:a16="http://schemas.microsoft.com/office/drawing/2014/main" id="{79807997-AE4D-46B5-86F8-8D051F6A4F57}"/>
+              </a:ext>
+            </a:extLst>
+          </p:cNvPr>
+          <p:cNvPicPr>
+            <a:picLocks noChangeAspect="1"/>
+          </p:cNvPicPr>
+          <p:nvPr/>
+        </p:nvPicPr>
+        <p:blipFill>
+          <a:blip r:embed="rId5"/>
+          <a:stretch>
+            <a:fillRect/>
+          </a:stretch>
+        </p:blipFill>
+        <p:spPr>
+          <a:xfrm>
+            <a:off x="1547665" y="987575"/>
+            <a:ext cx="6382703" cy="2031152"/>
+          </a:xfrm>
+          <a:prstGeom prst="rect">
+            <a:avLst/>
+          </a:prstGeom>
+        </p:spPr>
+      </p:pic>
+    </p:spTree>
+    <p:extLst>
+      <p:ext uri="{BB962C8B-B14F-4D97-AF65-F5344CB8AC3E}">
+        <p14:creationId xmlns:p14="http://schemas.microsoft.com/office/powerpoint/2010/main" val="2159600292"/>
+      </p:ext>
+    </p:extLst>
+  </p:cSld>
+  <p:clrMapOvr>
+    <a:masterClrMapping/>
+  </p:clrMapOvr>
+</p:sld>
+</file>
+
+<file path=ppt/slides/slide17.xml><?xml version="1.0" encoding="utf-8"?>
+<p:sld xmlns:a="http://schemas.openxmlformats.org/drawingml/2006/main" xmlns:r="http://schemas.openxmlformats.org/officeDocument/2006/relationships" xmlns:p="http://schemas.openxmlformats.org/presentationml/2006/main">
+  <p:cSld>
+    <p:spTree>
+      <p:nvGrpSpPr>
+        <p:cNvPr id="1" name=""/>
+        <p:cNvGrpSpPr/>
+        <p:nvPr/>
+      </p:nvGrpSpPr>
+      <p:grpSpPr>
+        <a:xfrm>
+          <a:off x="0" y="0"/>
+          <a:ext cx="0" cy="0"/>
+          <a:chOff x="0" y="0"/>
+          <a:chExt cx="0" cy="0"/>
+        </a:xfrm>
+      </p:grpSpPr>
       <p:sp>
         <p:nvSpPr>
           <p:cNvPr id="17" name="矩形"/>
@@ -8677,7 +11227,7 @@
 </p:sld>
 </file>
 
-<file path=ppt/slides/slide11.xml><?xml version="1.0" encoding="utf-8"?>
+<file path=ppt/slides/slide18.xml><?xml version="1.0" encoding="utf-8"?>
 <p:sld xmlns:a="http://schemas.openxmlformats.org/drawingml/2006/main" xmlns:r="http://schemas.openxmlformats.org/officeDocument/2006/relationships" xmlns:p="http://schemas.openxmlformats.org/presentationml/2006/main">
   <p:cSld>
     <p:spTree>
@@ -9034,7 +11584,7 @@
 </p:sld>
 </file>
 
-<file path=ppt/slides/slide12.xml><?xml version="1.0" encoding="utf-8"?>
+<file path=ppt/slides/slide19.xml><?xml version="1.0" encoding="utf-8"?>
 <p:sld xmlns:a="http://schemas.openxmlformats.org/drawingml/2006/main" xmlns:r="http://schemas.openxmlformats.org/officeDocument/2006/relationships" xmlns:p="http://schemas.openxmlformats.org/presentationml/2006/main">
   <p:cSld>
     <p:spTree>
@@ -9454,7 +12004,7 @@
 </p:sld>
 </file>
 
-<file path=ppt/slides/slide13.xml><?xml version="1.0" encoding="utf-8"?>
+<file path=ppt/slides/slide2.xml><?xml version="1.0" encoding="utf-8"?>
 <p:sld xmlns:a="http://schemas.openxmlformats.org/drawingml/2006/main" xmlns:r="http://schemas.openxmlformats.org/officeDocument/2006/relationships" xmlns:p="http://schemas.openxmlformats.org/presentationml/2006/main">
   <p:cSld>
     <p:spTree>
@@ -9473,6 +12023,300 @@
       </p:grpSpPr>
       <p:sp>
         <p:nvSpPr>
+          <p:cNvPr id="2" name="矩形"/>
+          <p:cNvSpPr>
+            <a:spLocks/>
+          </p:cNvSpPr>
+          <p:nvPr/>
+        </p:nvSpPr>
+        <p:spPr>
+          <a:xfrm>
+            <a:off x="3059832" y="142106"/>
+            <a:ext cx="3262432" cy="830997"/>
+          </a:xfrm>
+          <a:prstGeom prst="rect">
+            <a:avLst/>
+          </a:prstGeom>
+          <a:noFill/>
+          <a:ln w="9525" cap="flat" cmpd="sng">
+            <a:noFill/>
+            <a:prstDash val="solid"/>
+            <a:miter/>
+          </a:ln>
+        </p:spPr>
+        <p:txBody>
+          <a:bodyPr vert="horz" wrap="none" lIns="91440" tIns="45720" rIns="91440" bIns="45720" anchor="t" anchorCtr="0">
+            <a:prstTxWarp prst="textNoShape">
+              <a:avLst/>
+            </a:prstTxWarp>
+            <a:spAutoFit/>
+          </a:bodyPr>
+          <a:lstStyle/>
+          <a:p>
+            <a:pPr algn="ctr"/>
+            <a:r>
+              <a:rPr lang="zh-CN" altLang="zh-CN" sz="3000" b="1" kern="0" dirty="0">
+                <a:solidFill>
+                  <a:srgbClr val="C9394A"/>
+                </a:solidFill>
+                <a:latin typeface="微软雅黑" charset="0"/>
+                <a:ea typeface="微软雅黑" charset="0"/>
+              </a:rPr>
+              <a:t>什么是自动化构建</a:t>
+            </a:r>
+          </a:p>
+          <a:p>
+            <a:pPr algn="ctr"/>
+            <a:endParaRPr lang="zh-CN" altLang="en-US" u="none" strike="noStrike" kern="1200" cap="none" spc="0" baseline="0" dirty="0">
+              <a:solidFill>
+                <a:schemeClr val="tx1"/>
+              </a:solidFill>
+              <a:latin typeface="Calibri" pitchFamily="34" charset="0"/>
+              <a:ea typeface="宋体" pitchFamily="2" charset="-122"/>
+              <a:cs typeface="微软雅黑" charset="0"/>
+            </a:endParaRPr>
+          </a:p>
+        </p:txBody>
+      </p:sp>
+      <p:sp>
+        <p:nvSpPr>
+          <p:cNvPr id="4" name="矩形 3">
+            <a:extLst>
+              <a:ext uri="{FF2B5EF4-FFF2-40B4-BE49-F238E27FC236}">
+                <a16:creationId xmlns:a16="http://schemas.microsoft.com/office/drawing/2014/main" id="{FF5D7532-CC57-4204-8FE6-3CC51288568E}"/>
+              </a:ext>
+            </a:extLst>
+          </p:cNvPr>
+          <p:cNvSpPr/>
+          <p:nvPr/>
+        </p:nvSpPr>
+        <p:spPr>
+          <a:xfrm>
+            <a:off x="899592" y="896790"/>
+            <a:ext cx="7200800" cy="1705403"/>
+          </a:xfrm>
+          <a:prstGeom prst="rect">
+            <a:avLst/>
+          </a:prstGeom>
+        </p:spPr>
+        <p:txBody>
+          <a:bodyPr wrap="square">
+            <a:spAutoFit/>
+          </a:bodyPr>
+          <a:lstStyle/>
+          <a:p>
+            <a:pPr algn="just">
+              <a:lnSpc>
+                <a:spcPct val="150000"/>
+              </a:lnSpc>
+            </a:pPr>
+            <a:r>
+              <a:rPr lang="zh-CN" altLang="zh-CN" kern="100" dirty="0">
+                <a:latin typeface="微软雅黑" panose="020B0503020204020204" pitchFamily="34" charset="-122"/>
+                <a:ea typeface="微软雅黑" panose="020B0503020204020204" pitchFamily="34" charset="-122"/>
+                <a:cs typeface="Times New Roman" panose="02020603050405020304" pitchFamily="18" charset="0"/>
+              </a:rPr>
+              <a:t>从前端的角度来讲，如何</a:t>
+            </a:r>
+            <a:r>
+              <a:rPr lang="zh-CN" altLang="zh-CN" b="1" kern="100" dirty="0">
+                <a:solidFill>
+                  <a:srgbClr val="FF0000"/>
+                </a:solidFill>
+                <a:latin typeface="微软雅黑" panose="020B0503020204020204" pitchFamily="34" charset="-122"/>
+                <a:ea typeface="微软雅黑" panose="020B0503020204020204" pitchFamily="34" charset="-122"/>
+                <a:cs typeface="Times New Roman" panose="02020603050405020304" pitchFamily="18" charset="0"/>
+              </a:rPr>
+              <a:t>优化网站</a:t>
+            </a:r>
+            <a:r>
+              <a:rPr lang="zh-CN" altLang="zh-CN" kern="100" dirty="0">
+                <a:latin typeface="微软雅黑" panose="020B0503020204020204" pitchFamily="34" charset="-122"/>
+                <a:ea typeface="微软雅黑" panose="020B0503020204020204" pitchFamily="34" charset="-122"/>
+                <a:cs typeface="Times New Roman" panose="02020603050405020304" pitchFamily="18" charset="0"/>
+              </a:rPr>
+              <a:t>，提升</a:t>
+            </a:r>
+            <a:r>
+              <a:rPr lang="zh-CN" altLang="zh-CN" b="1" kern="100" dirty="0">
+                <a:solidFill>
+                  <a:srgbClr val="FF0000"/>
+                </a:solidFill>
+                <a:latin typeface="微软雅黑" panose="020B0503020204020204" pitchFamily="34" charset="-122"/>
+                <a:ea typeface="微软雅黑" panose="020B0503020204020204" pitchFamily="34" charset="-122"/>
+                <a:cs typeface="Times New Roman" panose="02020603050405020304" pitchFamily="18" charset="0"/>
+              </a:rPr>
+              <a:t>网站性能</a:t>
+            </a:r>
+            <a:r>
+              <a:rPr lang="en-US" altLang="zh-CN" kern="100" dirty="0">
+                <a:latin typeface="微软雅黑" panose="020B0503020204020204" pitchFamily="34" charset="-122"/>
+                <a:ea typeface="微软雅黑" panose="020B0503020204020204" pitchFamily="34" charset="-122"/>
+                <a:cs typeface="Times New Roman" panose="02020603050405020304" pitchFamily="18" charset="0"/>
+              </a:rPr>
+              <a:t>?</a:t>
+            </a:r>
+            <a:endParaRPr lang="zh-CN" altLang="zh-CN" kern="100" dirty="0">
+              <a:latin typeface="微软雅黑" panose="020B0503020204020204" pitchFamily="34" charset="-122"/>
+              <a:ea typeface="微软雅黑" panose="020B0503020204020204" pitchFamily="34" charset="-122"/>
+              <a:cs typeface="Times New Roman" panose="02020603050405020304" pitchFamily="18" charset="0"/>
+            </a:endParaRPr>
+          </a:p>
+          <a:p>
+            <a:pPr algn="just">
+              <a:lnSpc>
+                <a:spcPct val="150000"/>
+              </a:lnSpc>
+            </a:pPr>
+            <a:r>
+              <a:rPr lang="zh-CN" altLang="zh-CN" kern="100" dirty="0">
+                <a:latin typeface="微软雅黑" panose="020B0503020204020204" pitchFamily="34" charset="-122"/>
+                <a:ea typeface="微软雅黑" panose="020B0503020204020204" pitchFamily="34" charset="-122"/>
+                <a:cs typeface="Times New Roman" panose="02020603050405020304" pitchFamily="18" charset="0"/>
+              </a:rPr>
+              <a:t>浏览器端</a:t>
+            </a:r>
+            <a:r>
+              <a:rPr lang="en-US" altLang="zh-CN" kern="100" dirty="0">
+                <a:latin typeface="微软雅黑" panose="020B0503020204020204" pitchFamily="34" charset="-122"/>
+                <a:ea typeface="微软雅黑" panose="020B0503020204020204" pitchFamily="34" charset="-122"/>
+                <a:cs typeface="Times New Roman" panose="02020603050405020304" pitchFamily="18" charset="0"/>
+              </a:rPr>
+              <a:t> &lt;---&gt; </a:t>
+            </a:r>
+            <a:r>
+              <a:rPr lang="zh-CN" altLang="zh-CN" kern="100" dirty="0">
+                <a:latin typeface="微软雅黑" panose="020B0503020204020204" pitchFamily="34" charset="-122"/>
+                <a:ea typeface="微软雅黑" panose="020B0503020204020204" pitchFamily="34" charset="-122"/>
+                <a:cs typeface="Times New Roman" panose="02020603050405020304" pitchFamily="18" charset="0"/>
+              </a:rPr>
+              <a:t>服务器端</a:t>
+            </a:r>
+            <a:endParaRPr lang="en-US" altLang="zh-CN" kern="100" dirty="0">
+              <a:latin typeface="微软雅黑" panose="020B0503020204020204" pitchFamily="34" charset="-122"/>
+              <a:ea typeface="微软雅黑" panose="020B0503020204020204" pitchFamily="34" charset="-122"/>
+              <a:cs typeface="Times New Roman" panose="02020603050405020304" pitchFamily="18" charset="0"/>
+            </a:endParaRPr>
+          </a:p>
+          <a:p>
+            <a:pPr algn="just">
+              <a:lnSpc>
+                <a:spcPct val="150000"/>
+              </a:lnSpc>
+            </a:pPr>
+            <a:r>
+              <a:rPr lang="zh-CN" altLang="zh-CN" kern="100" dirty="0">
+                <a:cs typeface="Times New Roman" panose="02020603050405020304" pitchFamily="18" charset="0"/>
+              </a:rPr>
+              <a:t>网站完成之后，上传到服务器，供普通用户浏览使用。</a:t>
+            </a:r>
+          </a:p>
+          <a:p>
+            <a:pPr algn="just">
+              <a:lnSpc>
+                <a:spcPct val="150000"/>
+              </a:lnSpc>
+            </a:pPr>
+            <a:endParaRPr lang="zh-CN" altLang="zh-CN" kern="100" dirty="0">
+              <a:latin typeface="微软雅黑" panose="020B0503020204020204" pitchFamily="34" charset="-122"/>
+              <a:ea typeface="微软雅黑" panose="020B0503020204020204" pitchFamily="34" charset="-122"/>
+              <a:cs typeface="Times New Roman" panose="02020603050405020304" pitchFamily="18" charset="0"/>
+            </a:endParaRPr>
+          </a:p>
+        </p:txBody>
+      </p:sp>
+      <p:pic>
+        <p:nvPicPr>
+          <p:cNvPr id="2050" name="图片 1">
+            <a:extLst>
+              <a:ext uri="{FF2B5EF4-FFF2-40B4-BE49-F238E27FC236}">
+                <a16:creationId xmlns:a16="http://schemas.microsoft.com/office/drawing/2014/main" id="{B31614B1-44E6-47DF-99BC-575F3AFAC52F}"/>
+              </a:ext>
+            </a:extLst>
+          </p:cNvPr>
+          <p:cNvPicPr>
+            <a:picLocks noChangeAspect="1" noChangeArrowheads="1"/>
+          </p:cNvPicPr>
+          <p:nvPr/>
+        </p:nvPicPr>
+        <p:blipFill>
+          <a:blip r:embed="rId2">
+            <a:extLst>
+              <a:ext uri="{28A0092B-C50C-407E-A947-70E740481C1C}">
+                <a14:useLocalDpi xmlns:a14="http://schemas.microsoft.com/office/drawing/2010/main" val="0"/>
+              </a:ext>
+            </a:extLst>
+          </a:blip>
+          <a:srcRect/>
+          <a:stretch>
+            <a:fillRect/>
+          </a:stretch>
+        </p:blipFill>
+        <p:spPr bwMode="auto">
+          <a:xfrm>
+            <a:off x="1835696" y="2281705"/>
+            <a:ext cx="4835277" cy="2693066"/>
+          </a:xfrm>
+          <a:prstGeom prst="rect">
+            <a:avLst/>
+          </a:prstGeom>
+          <a:noFill/>
+          <a:ln>
+            <a:noFill/>
+          </a:ln>
+          <a:extLst>
+            <a:ext uri="{909E8E84-426E-40DD-AFC4-6F175D3DCCD1}">
+              <a14:hiddenFill xmlns:a14="http://schemas.microsoft.com/office/drawing/2010/main">
+                <a:solidFill>
+                  <a:srgbClr val="FFFFFF"/>
+                </a:solidFill>
+              </a14:hiddenFill>
+            </a:ext>
+            <a:ext uri="{91240B29-F687-4F45-9708-019B960494DF}">
+              <a14:hiddenLine xmlns:a14="http://schemas.microsoft.com/office/drawing/2010/main" w="9525">
+                <a:solidFill>
+                  <a:srgbClr val="000000"/>
+                </a:solidFill>
+                <a:miter lim="800000"/>
+                <a:headEnd/>
+                <a:tailEnd/>
+              </a14:hiddenLine>
+            </a:ext>
+          </a:extLst>
+        </p:spPr>
+      </p:pic>
+    </p:spTree>
+    <p:extLst>
+      <p:ext uri="{BB962C8B-B14F-4D97-AF65-F5344CB8AC3E}">
+        <p14:creationId xmlns:p14="http://schemas.microsoft.com/office/powerpoint/2010/main" val="133780698"/>
+      </p:ext>
+    </p:extLst>
+  </p:cSld>
+  <p:clrMapOvr>
+    <a:masterClrMapping/>
+  </p:clrMapOvr>
+</p:sld>
+</file>
+
+<file path=ppt/slides/slide20.xml><?xml version="1.0" encoding="utf-8"?>
+<p:sld xmlns:a="http://schemas.openxmlformats.org/drawingml/2006/main" xmlns:r="http://schemas.openxmlformats.org/officeDocument/2006/relationships" xmlns:p="http://schemas.openxmlformats.org/presentationml/2006/main">
+  <p:cSld>
+    <p:spTree>
+      <p:nvGrpSpPr>
+        <p:cNvPr id="1" name=""/>
+        <p:cNvGrpSpPr/>
+        <p:nvPr/>
+      </p:nvGrpSpPr>
+      <p:grpSpPr>
+        <a:xfrm>
+          <a:off x="0" y="0"/>
+          <a:ext cx="0" cy="0"/>
+          <a:chOff x="0" y="0"/>
+          <a:chExt cx="0" cy="0"/>
+        </a:xfrm>
+      </p:grpSpPr>
+      <p:sp>
+        <p:nvSpPr>
           <p:cNvPr id="17" name="矩形"/>
           <p:cNvSpPr>
             <a:spLocks/>
@@ -9554,7 +12398,7 @@
           <a:graphicData uri="http://schemas.openxmlformats.org/presentationml/2006/ole">
             <mc:AlternateContent xmlns:mc="http://schemas.openxmlformats.org/markup-compatibility/2006">
               <mc:Choice xmlns:v="urn:schemas-microsoft-com:vml" Requires="v">
-                <p:oleObj spid="_x0000_s1050" r:id="rId4" imgW="5590440" imgH="4561560" progId="">
+                <p:oleObj spid="_x0000_s1063" r:id="rId4" imgW="5590440" imgH="4561560" progId="">
                   <p:embed/>
                 </p:oleObj>
               </mc:Choice>
@@ -9608,7 +12452,7 @@
 </p:sld>
 </file>
 
-<file path=ppt/slides/slide14.xml><?xml version="1.0" encoding="utf-8"?>
+<file path=ppt/slides/slide21.xml><?xml version="1.0" encoding="utf-8"?>
 <p:sld xmlns:a="http://schemas.openxmlformats.org/drawingml/2006/main" xmlns:r="http://schemas.openxmlformats.org/officeDocument/2006/relationships" xmlns:p="http://schemas.openxmlformats.org/presentationml/2006/main">
   <p:cSld>
     <p:spTree>
@@ -10071,7 +12915,7 @@
 </p:sld>
 </file>
 
-<file path=ppt/slides/slide15.xml><?xml version="1.0" encoding="utf-8"?>
+<file path=ppt/slides/slide22.xml><?xml version="1.0" encoding="utf-8"?>
 <p:sld xmlns:a="http://schemas.openxmlformats.org/drawingml/2006/main" xmlns:r="http://schemas.openxmlformats.org/officeDocument/2006/relationships" xmlns:p="http://schemas.openxmlformats.org/presentationml/2006/main">
   <p:cSld>
     <p:spTree>
@@ -10403,7 +13247,7 @@
 </p:sld>
 </file>
 
-<file path=ppt/slides/slide16.xml><?xml version="1.0" encoding="utf-8"?>
+<file path=ppt/slides/slide23.xml><?xml version="1.0" encoding="utf-8"?>
 <p:sld xmlns:a="http://schemas.openxmlformats.org/drawingml/2006/main" xmlns:r="http://schemas.openxmlformats.org/officeDocument/2006/relationships" xmlns:p="http://schemas.openxmlformats.org/presentationml/2006/main">
   <p:cSld>
     <p:spTree>
@@ -10996,7 +13840,7 @@
 </p:sld>
 </file>
 
-<file path=ppt/slides/slide17.xml><?xml version="1.0" encoding="utf-8"?>
+<file path=ppt/slides/slide24.xml><?xml version="1.0" encoding="utf-8"?>
 <p:sld xmlns:a="http://schemas.openxmlformats.org/drawingml/2006/main" xmlns:r="http://schemas.openxmlformats.org/officeDocument/2006/relationships" xmlns:p="http://schemas.openxmlformats.org/presentationml/2006/main">
   <p:cSld>
     <p:spTree>
@@ -11271,7 +14115,7 @@
 </p:sld>
 </file>
 
-<file path=ppt/slides/slide18.xml><?xml version="1.0" encoding="utf-8"?>
+<file path=ppt/slides/slide25.xml><?xml version="1.0" encoding="utf-8"?>
 <p:sld xmlns:a="http://schemas.openxmlformats.org/drawingml/2006/main" xmlns:r="http://schemas.openxmlformats.org/officeDocument/2006/relationships" xmlns:p="http://schemas.openxmlformats.org/presentationml/2006/main">
   <p:cSld>
     <p:spTree>
@@ -11509,102 +14353,6 @@
 </p:sld>
 </file>
 
-<file path=ppt/slides/slide2.xml><?xml version="1.0" encoding="utf-8"?>
-<p:sld xmlns:a="http://schemas.openxmlformats.org/drawingml/2006/main" xmlns:r="http://schemas.openxmlformats.org/officeDocument/2006/relationships" xmlns:p="http://schemas.openxmlformats.org/presentationml/2006/main">
-  <p:cSld>
-    <p:spTree>
-      <p:nvGrpSpPr>
-        <p:cNvPr id="1" name=""/>
-        <p:cNvGrpSpPr/>
-        <p:nvPr/>
-      </p:nvGrpSpPr>
-      <p:grpSpPr>
-        <a:xfrm>
-          <a:off x="0" y="0"/>
-          <a:ext cx="0" cy="0"/>
-          <a:chOff x="0" y="0"/>
-          <a:chExt cx="0" cy="0"/>
-        </a:xfrm>
-      </p:grpSpPr>
-      <p:sp>
-        <p:nvSpPr>
-          <p:cNvPr id="2" name="文本框 1">
-            <a:extLst>
-              <a:ext uri="{FF2B5EF4-FFF2-40B4-BE49-F238E27FC236}">
-                <a16:creationId xmlns:a16="http://schemas.microsoft.com/office/drawing/2014/main" id="{89F9A4B2-786D-4CB5-9436-889B73E9BDD2}"/>
-              </a:ext>
-            </a:extLst>
-          </p:cNvPr>
-          <p:cNvSpPr txBox="1"/>
-          <p:nvPr/>
-        </p:nvSpPr>
-        <p:spPr>
-          <a:xfrm>
-            <a:off x="3158631" y="4656042"/>
-            <a:ext cx="2826736" cy="369332"/>
-          </a:xfrm>
-          <a:prstGeom prst="rect">
-            <a:avLst/>
-          </a:prstGeom>
-          <a:noFill/>
-        </p:spPr>
-        <p:txBody>
-          <a:bodyPr wrap="none" rtlCol="0">
-            <a:spAutoFit/>
-          </a:bodyPr>
-          <a:lstStyle/>
-          <a:p>
-            <a:r>
-              <a:rPr lang="en-US" altLang="zh-CN" u="sng" dirty="0"/>
-              <a:t>https://www.gulpjs.com.cn/</a:t>
-            </a:r>
-            <a:endParaRPr lang="zh-CN" altLang="en-US" dirty="0"/>
-          </a:p>
-        </p:txBody>
-      </p:sp>
-      <p:pic>
-        <p:nvPicPr>
-          <p:cNvPr id="4" name="图片 3">
-            <a:extLst>
-              <a:ext uri="{FF2B5EF4-FFF2-40B4-BE49-F238E27FC236}">
-                <a16:creationId xmlns:a16="http://schemas.microsoft.com/office/drawing/2014/main" id="{E1E9DC01-E726-45CF-AB1B-BF4A7B976CB2}"/>
-              </a:ext>
-            </a:extLst>
-          </p:cNvPr>
-          <p:cNvPicPr>
-            <a:picLocks noChangeAspect="1"/>
-          </p:cNvPicPr>
-          <p:nvPr/>
-        </p:nvPicPr>
-        <p:blipFill>
-          <a:blip r:embed="rId3"/>
-          <a:stretch>
-            <a:fillRect/>
-          </a:stretch>
-        </p:blipFill>
-        <p:spPr>
-          <a:xfrm>
-            <a:off x="1150887" y="527680"/>
-            <a:ext cx="6842225" cy="4128362"/>
-          </a:xfrm>
-          <a:prstGeom prst="rect">
-            <a:avLst/>
-          </a:prstGeom>
-        </p:spPr>
-      </p:pic>
-    </p:spTree>
-    <p:extLst>
-      <p:ext uri="{BB962C8B-B14F-4D97-AF65-F5344CB8AC3E}">
-        <p14:creationId xmlns:p14="http://schemas.microsoft.com/office/powerpoint/2010/main" val="461634485"/>
-      </p:ext>
-    </p:extLst>
-  </p:cSld>
-  <p:clrMapOvr>
-    <a:masterClrMapping/>
-  </p:clrMapOvr>
-</p:sld>
-</file>
-
 <file path=ppt/slides/slide3.xml><?xml version="1.0" encoding="utf-8"?>
 <p:sld xmlns:a="http://schemas.openxmlformats.org/drawingml/2006/main" xmlns:r="http://schemas.openxmlformats.org/officeDocument/2006/relationships" xmlns:p="http://schemas.openxmlformats.org/presentationml/2006/main">
   <p:cSld>
@@ -11624,16 +14372,1649 @@
       </p:grpSpPr>
       <p:sp>
         <p:nvSpPr>
-          <p:cNvPr id="14" name="矩形"/>
-          <p:cNvSpPr>
-            <a:spLocks/>
-          </p:cNvSpPr>
+          <p:cNvPr id="3" name="Rectangle 2">
+            <a:extLst>
+              <a:ext uri="{FF2B5EF4-FFF2-40B4-BE49-F238E27FC236}">
+                <a16:creationId xmlns:a16="http://schemas.microsoft.com/office/drawing/2014/main" id="{2FFFDA52-204B-4DCF-ABA4-FF3DDB5533BE}"/>
+              </a:ext>
+            </a:extLst>
+          </p:cNvPr>
+          <p:cNvSpPr>
+            <a:spLocks noChangeArrowheads="1"/>
+          </p:cNvSpPr>
+          <p:nvPr/>
+        </p:nvSpPr>
+        <p:spPr bwMode="auto">
+          <a:xfrm>
+            <a:off x="1228321" y="687069"/>
+            <a:ext cx="5416868" cy="2831544"/>
+          </a:xfrm>
+          <a:prstGeom prst="rect">
+            <a:avLst/>
+          </a:prstGeom>
+          <a:noFill/>
+          <a:ln>
+            <a:noFill/>
+          </a:ln>
+          <a:effectLst/>
+          <a:extLst>
+            <a:ext uri="{909E8E84-426E-40DD-AFC4-6F175D3DCCD1}">
+              <a14:hiddenFill xmlns:a14="http://schemas.microsoft.com/office/drawing/2010/main">
+                <a:solidFill>
+                  <a:schemeClr val="accent1"/>
+                </a:solidFill>
+              </a14:hiddenFill>
+            </a:ext>
+            <a:ext uri="{91240B29-F687-4F45-9708-019B960494DF}">
+              <a14:hiddenLine xmlns:a14="http://schemas.microsoft.com/office/drawing/2010/main" w="9525">
+                <a:solidFill>
+                  <a:schemeClr val="tx1"/>
+                </a:solidFill>
+                <a:miter lim="800000"/>
+                <a:headEnd/>
+                <a:tailEnd/>
+              </a14:hiddenLine>
+            </a:ext>
+            <a:ext uri="{AF507438-7753-43E0-B8FC-AC1667EBCBE1}">
+              <a14:hiddenEffects xmlns:a14="http://schemas.microsoft.com/office/drawing/2010/main">
+                <a:effectLst>
+                  <a:outerShdw dist="35921" dir="2700000" algn="ctr" rotWithShape="0">
+                    <a:schemeClr val="bg2"/>
+                  </a:outerShdw>
+                </a:effectLst>
+              </a14:hiddenEffects>
+            </a:ext>
+          </a:extLst>
+        </p:spPr>
+        <p:txBody>
+          <a:bodyPr vert="horz" wrap="none" lIns="91440" tIns="45720" rIns="91440" bIns="45720" numCol="1" anchor="ctr" anchorCtr="0" compatLnSpc="1">
+            <a:prstTxWarp prst="textNoShape">
+              <a:avLst/>
+            </a:prstTxWarp>
+            <a:spAutoFit/>
+          </a:bodyPr>
+          <a:lstStyle/>
+          <a:p>
+            <a:pPr marL="0" marR="0" lvl="0" indent="0" algn="l" defTabSz="914400" rtl="0" eaLnBrk="0" fontAlgn="base" latinLnBrk="0" hangingPunct="0">
+              <a:lnSpc>
+                <a:spcPct val="150000"/>
+              </a:lnSpc>
+              <a:spcBef>
+                <a:spcPct val="0"/>
+              </a:spcBef>
+              <a:spcAft>
+                <a:spcPct val="0"/>
+              </a:spcAft>
+              <a:buClrTx/>
+              <a:buSzTx/>
+              <a:buFontTx/>
+              <a:buNone/>
+              <a:tabLst/>
+            </a:pPr>
+            <a:r>
+              <a:rPr kumimoji="0" lang="zh-CN" altLang="zh-CN" sz="1600" b="1" i="0" u="none" strike="noStrike" cap="none" normalizeH="0" baseline="0" dirty="0">
+                <a:ln>
+                  <a:noFill/>
+                </a:ln>
+                <a:solidFill>
+                  <a:schemeClr val="tx1"/>
+                </a:solidFill>
+                <a:effectLst/>
+                <a:latin typeface="微软雅黑" panose="020B0503020204020204" pitchFamily="34" charset="-122"/>
+                <a:ea typeface="微软雅黑" panose="020B0503020204020204" pitchFamily="34" charset="-122"/>
+                <a:cs typeface="Calibri" panose="020F0502020204030204" pitchFamily="34" charset="0"/>
+              </a:rPr>
+              <a:t>针对第一点</a:t>
+            </a:r>
+            <a:r>
+              <a:rPr kumimoji="0" lang="zh-CN" altLang="zh-CN" sz="1600" b="0" i="0" u="none" strike="noStrike" cap="none" normalizeH="0" baseline="0" dirty="0">
+                <a:ln>
+                  <a:noFill/>
+                </a:ln>
+                <a:solidFill>
+                  <a:schemeClr val="tx1"/>
+                </a:solidFill>
+                <a:effectLst/>
+                <a:latin typeface="微软雅黑" panose="020B0503020204020204" pitchFamily="34" charset="-122"/>
+                <a:ea typeface="微软雅黑" panose="020B0503020204020204" pitchFamily="34" charset="-122"/>
+                <a:cs typeface="Calibri" panose="020F0502020204030204" pitchFamily="34" charset="0"/>
+              </a:rPr>
+              <a:t>：</a:t>
+            </a:r>
+            <a:endParaRPr kumimoji="0" lang="en-US" altLang="zh-CN" sz="1600" b="0" i="0" u="none" strike="noStrike" cap="none" normalizeH="0" baseline="0" dirty="0">
+              <a:ln>
+                <a:noFill/>
+              </a:ln>
+              <a:solidFill>
+                <a:schemeClr val="tx1"/>
+              </a:solidFill>
+              <a:effectLst/>
+              <a:latin typeface="微软雅黑" panose="020B0503020204020204" pitchFamily="34" charset="-122"/>
+              <a:ea typeface="微软雅黑" panose="020B0503020204020204" pitchFamily="34" charset="-122"/>
+              <a:cs typeface="Calibri" panose="020F0502020204030204" pitchFamily="34" charset="0"/>
+            </a:endParaRPr>
+          </a:p>
+          <a:p>
+            <a:pPr marL="0" marR="0" lvl="0" indent="0" algn="l" defTabSz="914400" rtl="0" eaLnBrk="0" fontAlgn="base" latinLnBrk="0" hangingPunct="0">
+              <a:lnSpc>
+                <a:spcPct val="150000"/>
+              </a:lnSpc>
+              <a:spcBef>
+                <a:spcPct val="0"/>
+              </a:spcBef>
+              <a:spcAft>
+                <a:spcPct val="0"/>
+              </a:spcAft>
+              <a:buClrTx/>
+              <a:buSzTx/>
+              <a:buFontTx/>
+              <a:buNone/>
+              <a:tabLst/>
+            </a:pPr>
+            <a:endParaRPr kumimoji="0" lang="zh-CN" altLang="zh-CN" sz="1600" b="0" i="0" u="none" strike="noStrike" cap="none" normalizeH="0" baseline="0" dirty="0">
+              <a:ln>
+                <a:noFill/>
+              </a:ln>
+              <a:solidFill>
+                <a:schemeClr val="tx1"/>
+              </a:solidFill>
+              <a:effectLst/>
+              <a:latin typeface="微软雅黑" panose="020B0503020204020204" pitchFamily="34" charset="-122"/>
+              <a:ea typeface="微软雅黑" panose="020B0503020204020204" pitchFamily="34" charset="-122"/>
+            </a:endParaRPr>
+          </a:p>
+          <a:p>
+            <a:pPr marL="0" marR="0" lvl="0" indent="0" algn="l" defTabSz="914400" rtl="0" eaLnBrk="0" fontAlgn="base" latinLnBrk="0" hangingPunct="0">
+              <a:spcBef>
+                <a:spcPct val="0"/>
+              </a:spcBef>
+              <a:spcAft>
+                <a:spcPct val="0"/>
+              </a:spcAft>
+              <a:buClrTx/>
+              <a:buSzTx/>
+              <a:buFontTx/>
+              <a:buNone/>
+              <a:tabLst/>
+            </a:pPr>
+            <a:r>
+              <a:rPr kumimoji="0" lang="zh-CN" altLang="zh-CN" sz="1600" b="0" i="0" u="none" strike="noStrike" cap="none" normalizeH="0" baseline="0" dirty="0">
+                <a:ln>
+                  <a:noFill/>
+                </a:ln>
+                <a:solidFill>
+                  <a:schemeClr val="tx1"/>
+                </a:solidFill>
+                <a:effectLst/>
+                <a:latin typeface="宋体" panose="02010600030101010101" pitchFamily="2" charset="-122"/>
+                <a:cs typeface="Calibri" panose="020F0502020204030204" pitchFamily="34" charset="0"/>
+              </a:rPr>
+              <a:t>我们需要做的就是 尽量的减少每一个文件的容量的大小。</a:t>
+            </a:r>
+            <a:endParaRPr kumimoji="0" lang="zh-CN" altLang="zh-CN" sz="1600" b="0" i="0" u="none" strike="noStrike" cap="none" normalizeH="0" baseline="0" dirty="0">
+              <a:ln>
+                <a:noFill/>
+              </a:ln>
+              <a:solidFill>
+                <a:schemeClr val="tx1"/>
+              </a:solidFill>
+              <a:effectLst/>
+              <a:latin typeface="宋体" panose="02010600030101010101" pitchFamily="2" charset="-122"/>
+            </a:endParaRPr>
+          </a:p>
+          <a:p>
+            <a:pPr marL="0" marR="0" lvl="0" indent="0" algn="l" defTabSz="914400" rtl="0" eaLnBrk="0" fontAlgn="base" latinLnBrk="0" hangingPunct="0">
+              <a:spcBef>
+                <a:spcPct val="0"/>
+              </a:spcBef>
+              <a:spcAft>
+                <a:spcPct val="0"/>
+              </a:spcAft>
+              <a:buClrTx/>
+              <a:buSzTx/>
+              <a:buFontTx/>
+              <a:buNone/>
+              <a:tabLst/>
+            </a:pPr>
+            <a:r>
+              <a:rPr kumimoji="0" lang="zh-CN" altLang="zh-CN" sz="1600" b="0" i="0" u="none" strike="noStrike" cap="none" normalizeH="0" baseline="0" dirty="0">
+                <a:ln>
+                  <a:noFill/>
+                </a:ln>
+                <a:solidFill>
+                  <a:schemeClr val="tx1"/>
+                </a:solidFill>
+                <a:effectLst/>
+                <a:latin typeface="宋体" panose="02010600030101010101" pitchFamily="2" charset="-122"/>
+                <a:cs typeface="Calibri" panose="020F0502020204030204" pitchFamily="34" charset="0"/>
+              </a:rPr>
+              <a:t>如何减少呢？</a:t>
+            </a:r>
+            <a:endParaRPr kumimoji="0" lang="zh-CN" altLang="zh-CN" sz="1600" b="0" i="0" u="none" strike="noStrike" cap="none" normalizeH="0" baseline="0" dirty="0">
+              <a:ln>
+                <a:noFill/>
+              </a:ln>
+              <a:solidFill>
+                <a:schemeClr val="tx1"/>
+              </a:solidFill>
+              <a:effectLst/>
+              <a:latin typeface="宋体" panose="02010600030101010101" pitchFamily="2" charset="-122"/>
+            </a:endParaRPr>
+          </a:p>
+          <a:p>
+            <a:pPr marL="0" marR="0" lvl="0" indent="0" algn="l" defTabSz="914400" rtl="0" eaLnBrk="0" fontAlgn="base" latinLnBrk="0" hangingPunct="0">
+              <a:spcBef>
+                <a:spcPct val="0"/>
+              </a:spcBef>
+              <a:spcAft>
+                <a:spcPct val="0"/>
+              </a:spcAft>
+              <a:buClrTx/>
+              <a:buSzTx/>
+              <a:buFontTx/>
+              <a:buNone/>
+              <a:tabLst/>
+            </a:pPr>
+            <a:r>
+              <a:rPr kumimoji="0" lang="en-US" altLang="zh-CN" sz="1600" b="0" i="0" u="none" strike="noStrike" cap="none" normalizeH="0" baseline="0" dirty="0">
+                <a:ln>
+                  <a:noFill/>
+                </a:ln>
+                <a:solidFill>
+                  <a:schemeClr val="tx1"/>
+                </a:solidFill>
+                <a:effectLst/>
+                <a:latin typeface="宋体" panose="02010600030101010101" pitchFamily="2" charset="-122"/>
+                <a:cs typeface="Calibri" panose="020F0502020204030204" pitchFamily="34" charset="0"/>
+              </a:rPr>
+              <a:t>HTML</a:t>
+            </a:r>
+            <a:r>
+              <a:rPr kumimoji="0" lang="zh-CN" altLang="en-US" sz="1600" b="0" i="0" u="none" strike="noStrike" cap="none" normalizeH="0" baseline="0" dirty="0">
+                <a:ln>
+                  <a:noFill/>
+                </a:ln>
+                <a:solidFill>
+                  <a:schemeClr val="tx1"/>
+                </a:solidFill>
+                <a:effectLst/>
+                <a:latin typeface="宋体" panose="02010600030101010101" pitchFamily="2" charset="-122"/>
+                <a:cs typeface="Calibri" panose="020F0502020204030204" pitchFamily="34" charset="0"/>
+              </a:rPr>
+              <a:t>：站在结构的层面</a:t>
+            </a:r>
+            <a:endParaRPr kumimoji="0" lang="zh-CN" altLang="en-US" sz="1600" b="0" i="0" u="none" strike="noStrike" cap="none" normalizeH="0" baseline="0" dirty="0">
+              <a:ln>
+                <a:noFill/>
+              </a:ln>
+              <a:solidFill>
+                <a:schemeClr val="tx1"/>
+              </a:solidFill>
+              <a:effectLst/>
+              <a:latin typeface="宋体" panose="02010600030101010101" pitchFamily="2" charset="-122"/>
+            </a:endParaRPr>
+          </a:p>
+          <a:p>
+            <a:pPr marL="0" marR="0" lvl="0" indent="0" algn="l" defTabSz="914400" rtl="0" eaLnBrk="0" fontAlgn="base" latinLnBrk="0" hangingPunct="0">
+              <a:spcBef>
+                <a:spcPct val="0"/>
+              </a:spcBef>
+              <a:spcAft>
+                <a:spcPct val="0"/>
+              </a:spcAft>
+              <a:buClrTx/>
+              <a:buSzTx/>
+              <a:buFontTx/>
+              <a:buNone/>
+              <a:tabLst/>
+            </a:pPr>
+            <a:r>
+              <a:rPr kumimoji="0" lang="en-US" altLang="zh-CN" sz="1600" b="0" i="0" u="none" strike="noStrike" cap="none" normalizeH="0" baseline="0" dirty="0">
+                <a:ln>
+                  <a:noFill/>
+                </a:ln>
+                <a:solidFill>
+                  <a:schemeClr val="tx1"/>
+                </a:solidFill>
+                <a:effectLst/>
+                <a:latin typeface="宋体" panose="02010600030101010101" pitchFamily="2" charset="-122"/>
+                <a:cs typeface="Calibri" panose="020F0502020204030204" pitchFamily="34" charset="0"/>
+              </a:rPr>
+              <a:t>CSS</a:t>
+            </a:r>
+            <a:r>
+              <a:rPr kumimoji="0" lang="zh-CN" altLang="en-US" sz="1600" b="0" i="0" u="none" strike="noStrike" cap="none" normalizeH="0" baseline="0" dirty="0">
+                <a:ln>
+                  <a:noFill/>
+                </a:ln>
+                <a:solidFill>
+                  <a:schemeClr val="tx1"/>
+                </a:solidFill>
+                <a:effectLst/>
+                <a:latin typeface="宋体" panose="02010600030101010101" pitchFamily="2" charset="-122"/>
+                <a:cs typeface="Calibri" panose="020F0502020204030204" pitchFamily="34" charset="0"/>
+              </a:rPr>
+              <a:t>：压缩</a:t>
+            </a:r>
+            <a:endParaRPr kumimoji="0" lang="zh-CN" altLang="en-US" sz="1600" b="0" i="0" u="none" strike="noStrike" cap="none" normalizeH="0" baseline="0" dirty="0">
+              <a:ln>
+                <a:noFill/>
+              </a:ln>
+              <a:solidFill>
+                <a:schemeClr val="tx1"/>
+              </a:solidFill>
+              <a:effectLst/>
+              <a:latin typeface="宋体" panose="02010600030101010101" pitchFamily="2" charset="-122"/>
+            </a:endParaRPr>
+          </a:p>
+          <a:p>
+            <a:pPr marL="0" marR="0" lvl="0" indent="0" algn="l" defTabSz="914400" rtl="0" eaLnBrk="0" fontAlgn="base" latinLnBrk="0" hangingPunct="0">
+              <a:spcBef>
+                <a:spcPct val="0"/>
+              </a:spcBef>
+              <a:spcAft>
+                <a:spcPct val="0"/>
+              </a:spcAft>
+              <a:buClrTx/>
+              <a:buSzTx/>
+              <a:buFontTx/>
+              <a:buNone/>
+              <a:tabLst/>
+            </a:pPr>
+            <a:r>
+              <a:rPr kumimoji="0" lang="en-US" altLang="zh-CN" sz="1600" b="0" i="0" u="none" strike="noStrike" cap="none" normalizeH="0" baseline="0" dirty="0">
+                <a:ln>
+                  <a:noFill/>
+                </a:ln>
+                <a:solidFill>
+                  <a:schemeClr val="tx1"/>
+                </a:solidFill>
+                <a:effectLst/>
+                <a:latin typeface="宋体" panose="02010600030101010101" pitchFamily="2" charset="-122"/>
+                <a:cs typeface="Calibri" panose="020F0502020204030204" pitchFamily="34" charset="0"/>
+              </a:rPr>
+              <a:t>Js</a:t>
+            </a:r>
+            <a:r>
+              <a:rPr kumimoji="0" lang="zh-CN" altLang="en-US" sz="1600" b="0" i="0" u="none" strike="noStrike" cap="none" normalizeH="0" baseline="0" dirty="0">
+                <a:ln>
+                  <a:noFill/>
+                </a:ln>
+                <a:solidFill>
+                  <a:schemeClr val="tx1"/>
+                </a:solidFill>
+                <a:effectLst/>
+                <a:latin typeface="宋体" panose="02010600030101010101" pitchFamily="2" charset="-122"/>
+                <a:cs typeface="Calibri" panose="020F0502020204030204" pitchFamily="34" charset="0"/>
+              </a:rPr>
+              <a:t>：压缩</a:t>
+            </a:r>
+            <a:endParaRPr kumimoji="0" lang="zh-CN" altLang="en-US" sz="1600" b="0" i="0" u="none" strike="noStrike" cap="none" normalizeH="0" baseline="0" dirty="0">
+              <a:ln>
+                <a:noFill/>
+              </a:ln>
+              <a:solidFill>
+                <a:schemeClr val="tx1"/>
+              </a:solidFill>
+              <a:effectLst/>
+              <a:latin typeface="宋体" panose="02010600030101010101" pitchFamily="2" charset="-122"/>
+            </a:endParaRPr>
+          </a:p>
+          <a:p>
+            <a:pPr marL="0" marR="0" lvl="0" indent="0" algn="l" defTabSz="914400" rtl="0" eaLnBrk="0" fontAlgn="base" latinLnBrk="0" hangingPunct="0">
+              <a:spcBef>
+                <a:spcPct val="0"/>
+              </a:spcBef>
+              <a:spcAft>
+                <a:spcPct val="0"/>
+              </a:spcAft>
+              <a:buClrTx/>
+              <a:buSzTx/>
+              <a:buFontTx/>
+              <a:buNone/>
+              <a:tabLst/>
+            </a:pPr>
+            <a:r>
+              <a:rPr kumimoji="0" lang="zh-CN" altLang="en-US" sz="1600" b="0" i="0" u="none" strike="noStrike" cap="none" normalizeH="0" baseline="0" dirty="0">
+                <a:ln>
+                  <a:noFill/>
+                </a:ln>
+                <a:solidFill>
+                  <a:schemeClr val="tx1"/>
+                </a:solidFill>
+                <a:effectLst/>
+                <a:latin typeface="宋体" panose="02010600030101010101" pitchFamily="2" charset="-122"/>
+                <a:cs typeface="Calibri" panose="020F0502020204030204" pitchFamily="34" charset="0"/>
+              </a:rPr>
+              <a:t>图片：无损压缩</a:t>
+            </a:r>
+            <a:endParaRPr kumimoji="0" lang="zh-CN" altLang="en-US" sz="1600" b="0" i="0" u="none" strike="noStrike" cap="none" normalizeH="0" baseline="0" dirty="0">
+              <a:ln>
+                <a:noFill/>
+              </a:ln>
+              <a:solidFill>
+                <a:schemeClr val="tx1"/>
+              </a:solidFill>
+              <a:effectLst/>
+              <a:latin typeface="宋体" panose="02010600030101010101" pitchFamily="2" charset="-122"/>
+            </a:endParaRPr>
+          </a:p>
+          <a:p>
+            <a:pPr marL="0" marR="0" lvl="0" indent="0" algn="l" defTabSz="914400" rtl="0" eaLnBrk="0" fontAlgn="base" latinLnBrk="0" hangingPunct="0">
+              <a:spcBef>
+                <a:spcPct val="0"/>
+              </a:spcBef>
+              <a:spcAft>
+                <a:spcPct val="0"/>
+              </a:spcAft>
+              <a:buClrTx/>
+              <a:buSzTx/>
+              <a:buFontTx/>
+              <a:buNone/>
+              <a:tabLst/>
+            </a:pPr>
+            <a:r>
+              <a:rPr kumimoji="0" lang="zh-CN" altLang="en-US" sz="1600" b="0" i="0" u="none" strike="noStrike" cap="none" normalizeH="0" baseline="0" dirty="0">
+                <a:ln>
+                  <a:noFill/>
+                </a:ln>
+                <a:solidFill>
+                  <a:schemeClr val="tx1"/>
+                </a:solidFill>
+                <a:effectLst/>
+                <a:latin typeface="宋体" panose="02010600030101010101" pitchFamily="2" charset="-122"/>
+                <a:cs typeface="Calibri" panose="020F0502020204030204" pitchFamily="34" charset="0"/>
+              </a:rPr>
+              <a:t>如：</a:t>
+            </a:r>
+            <a:endParaRPr kumimoji="0" lang="zh-CN" altLang="en-US" sz="1600" b="0" i="0" u="none" strike="noStrike" cap="none" normalizeH="0" baseline="0" dirty="0">
+              <a:ln>
+                <a:noFill/>
+              </a:ln>
+              <a:solidFill>
+                <a:schemeClr val="tx1"/>
+              </a:solidFill>
+              <a:effectLst/>
+              <a:latin typeface="宋体" panose="02010600030101010101" pitchFamily="2" charset="-122"/>
+            </a:endParaRPr>
+          </a:p>
+          <a:p>
+            <a:pPr marL="0" marR="0" lvl="0" indent="0" algn="l" defTabSz="914400" rtl="0" eaLnBrk="0" fontAlgn="base" latinLnBrk="0" hangingPunct="0">
+              <a:lnSpc>
+                <a:spcPct val="100000"/>
+              </a:lnSpc>
+              <a:spcBef>
+                <a:spcPct val="0"/>
+              </a:spcBef>
+              <a:spcAft>
+                <a:spcPct val="0"/>
+              </a:spcAft>
+              <a:buClrTx/>
+              <a:buSzTx/>
+              <a:buFontTx/>
+              <a:buNone/>
+              <a:tabLst/>
+            </a:pPr>
+            <a:endParaRPr kumimoji="0" lang="zh-CN" altLang="en-US" sz="1800" b="0" i="0" u="none" strike="noStrike" cap="none" normalizeH="0" baseline="0" dirty="0">
+              <a:ln>
+                <a:noFill/>
+              </a:ln>
+              <a:solidFill>
+                <a:schemeClr val="tx1"/>
+              </a:solidFill>
+              <a:effectLst/>
+              <a:latin typeface="Arial" panose="020B0604020202020204" pitchFamily="34" charset="0"/>
+            </a:endParaRPr>
+          </a:p>
+        </p:txBody>
+      </p:sp>
+      <p:pic>
+        <p:nvPicPr>
+          <p:cNvPr id="3073" name="图片 2">
+            <a:extLst>
+              <a:ext uri="{FF2B5EF4-FFF2-40B4-BE49-F238E27FC236}">
+                <a16:creationId xmlns:a16="http://schemas.microsoft.com/office/drawing/2014/main" id="{1039922B-E790-47F2-9110-0AB855CC3598}"/>
+              </a:ext>
+            </a:extLst>
+          </p:cNvPr>
+          <p:cNvPicPr>
+            <a:picLocks noChangeAspect="1" noChangeArrowheads="1"/>
+          </p:cNvPicPr>
+          <p:nvPr/>
+        </p:nvPicPr>
+        <p:blipFill>
+          <a:blip r:embed="rId2">
+            <a:extLst>
+              <a:ext uri="{28A0092B-C50C-407E-A947-70E740481C1C}">
+                <a14:useLocalDpi xmlns:a14="http://schemas.microsoft.com/office/drawing/2010/main" val="0"/>
+              </a:ext>
+            </a:extLst>
+          </a:blip>
+          <a:srcRect/>
+          <a:stretch>
+            <a:fillRect/>
+          </a:stretch>
+        </p:blipFill>
+        <p:spPr bwMode="auto">
+          <a:xfrm>
+            <a:off x="1228321" y="3651870"/>
+            <a:ext cx="6892648" cy="610741"/>
+          </a:xfrm>
+          <a:prstGeom prst="rect">
+            <a:avLst/>
+          </a:prstGeom>
+          <a:noFill/>
+          <a:extLst>
+            <a:ext uri="{909E8E84-426E-40DD-AFC4-6F175D3DCCD1}">
+              <a14:hiddenFill xmlns:a14="http://schemas.microsoft.com/office/drawing/2010/main">
+                <a:solidFill>
+                  <a:srgbClr val="FFFFFF"/>
+                </a:solidFill>
+              </a14:hiddenFill>
+            </a:ext>
+          </a:extLst>
+        </p:spPr>
+      </p:pic>
+    </p:spTree>
+    <p:extLst>
+      <p:ext uri="{BB962C8B-B14F-4D97-AF65-F5344CB8AC3E}">
+        <p14:creationId xmlns:p14="http://schemas.microsoft.com/office/powerpoint/2010/main" val="461986376"/>
+      </p:ext>
+    </p:extLst>
+  </p:cSld>
+  <p:clrMapOvr>
+    <a:masterClrMapping/>
+  </p:clrMapOvr>
+</p:sld>
+</file>
+
+<file path=ppt/slides/slide4.xml><?xml version="1.0" encoding="utf-8"?>
+<p:sld xmlns:a="http://schemas.openxmlformats.org/drawingml/2006/main" xmlns:r="http://schemas.openxmlformats.org/officeDocument/2006/relationships" xmlns:p="http://schemas.openxmlformats.org/presentationml/2006/main">
+  <p:cSld>
+    <p:spTree>
+      <p:nvGrpSpPr>
+        <p:cNvPr id="1" name=""/>
+        <p:cNvGrpSpPr/>
+        <p:nvPr/>
+      </p:nvGrpSpPr>
+      <p:grpSpPr>
+        <a:xfrm>
+          <a:off x="0" y="0"/>
+          <a:ext cx="0" cy="0"/>
+          <a:chOff x="0" y="0"/>
+          <a:chExt cx="0" cy="0"/>
+        </a:xfrm>
+      </p:grpSpPr>
+      <p:sp>
+        <p:nvSpPr>
+          <p:cNvPr id="2" name="Rectangle 2">
+            <a:extLst>
+              <a:ext uri="{FF2B5EF4-FFF2-40B4-BE49-F238E27FC236}">
+                <a16:creationId xmlns:a16="http://schemas.microsoft.com/office/drawing/2014/main" id="{32F8D147-EAA9-446D-B0E6-444CC317C1E7}"/>
+              </a:ext>
+            </a:extLst>
+          </p:cNvPr>
+          <p:cNvSpPr>
+            <a:spLocks noChangeArrowheads="1"/>
+          </p:cNvSpPr>
+          <p:nvPr/>
+        </p:nvSpPr>
+        <p:spPr bwMode="auto">
+          <a:xfrm>
+            <a:off x="1377887" y="626262"/>
+            <a:ext cx="2442143" cy="892552"/>
+          </a:xfrm>
+          <a:prstGeom prst="rect">
+            <a:avLst/>
+          </a:prstGeom>
+          <a:noFill/>
+          <a:ln>
+            <a:noFill/>
+          </a:ln>
+          <a:effectLst/>
+          <a:extLst>
+            <a:ext uri="{909E8E84-426E-40DD-AFC4-6F175D3DCCD1}">
+              <a14:hiddenFill xmlns:a14="http://schemas.microsoft.com/office/drawing/2010/main">
+                <a:solidFill>
+                  <a:schemeClr val="accent1"/>
+                </a:solidFill>
+              </a14:hiddenFill>
+            </a:ext>
+            <a:ext uri="{91240B29-F687-4F45-9708-019B960494DF}">
+              <a14:hiddenLine xmlns:a14="http://schemas.microsoft.com/office/drawing/2010/main" w="9525">
+                <a:solidFill>
+                  <a:schemeClr val="tx1"/>
+                </a:solidFill>
+                <a:miter lim="800000"/>
+                <a:headEnd/>
+                <a:tailEnd/>
+              </a14:hiddenLine>
+            </a:ext>
+            <a:ext uri="{AF507438-7753-43E0-B8FC-AC1667EBCBE1}">
+              <a14:hiddenEffects xmlns:a14="http://schemas.microsoft.com/office/drawing/2010/main">
+                <a:effectLst>
+                  <a:outerShdw dist="35921" dir="2700000" algn="ctr" rotWithShape="0">
+                    <a:schemeClr val="bg2"/>
+                  </a:outerShdw>
+                </a:effectLst>
+              </a14:hiddenEffects>
+            </a:ext>
+          </a:extLst>
+        </p:spPr>
+        <p:txBody>
+          <a:bodyPr vert="horz" wrap="none" lIns="91440" tIns="45720" rIns="91440" bIns="45720" numCol="1" anchor="ctr" anchorCtr="0" compatLnSpc="1">
+            <a:prstTxWarp prst="textNoShape">
+              <a:avLst/>
+            </a:prstTxWarp>
+            <a:spAutoFit/>
+          </a:bodyPr>
+          <a:lstStyle/>
+          <a:p>
+            <a:pPr marL="0" marR="0" lvl="0" indent="0" algn="l" defTabSz="914400" rtl="0" eaLnBrk="0" fontAlgn="base" latinLnBrk="0" hangingPunct="0">
+              <a:spcBef>
+                <a:spcPct val="0"/>
+              </a:spcBef>
+              <a:spcAft>
+                <a:spcPct val="0"/>
+              </a:spcAft>
+              <a:buClrTx/>
+              <a:buSzTx/>
+              <a:buFontTx/>
+              <a:buNone/>
+              <a:tabLst/>
+            </a:pPr>
+            <a:r>
+              <a:rPr kumimoji="0" lang="zh-CN" altLang="zh-CN" b="1" i="0" u="none" strike="noStrike" cap="none" normalizeH="0" baseline="0" dirty="0">
+                <a:ln>
+                  <a:noFill/>
+                </a:ln>
+                <a:solidFill>
+                  <a:schemeClr val="tx1"/>
+                </a:solidFill>
+                <a:effectLst/>
+                <a:latin typeface="微软雅黑" panose="020B0503020204020204" pitchFamily="34" charset="-122"/>
+                <a:ea typeface="微软雅黑" panose="020B0503020204020204" pitchFamily="34" charset="-122"/>
+                <a:cs typeface="Calibri" panose="020F0502020204030204" pitchFamily="34" charset="0"/>
+              </a:rPr>
+              <a:t>针对第二点：</a:t>
+            </a:r>
+            <a:endParaRPr kumimoji="0" lang="en-US" altLang="zh-CN" b="1" i="0" u="none" strike="noStrike" cap="none" normalizeH="0" baseline="0" dirty="0">
+              <a:ln>
+                <a:noFill/>
+              </a:ln>
+              <a:solidFill>
+                <a:schemeClr val="tx1"/>
+              </a:solidFill>
+              <a:effectLst/>
+              <a:latin typeface="微软雅黑" panose="020B0503020204020204" pitchFamily="34" charset="-122"/>
+              <a:ea typeface="微软雅黑" panose="020B0503020204020204" pitchFamily="34" charset="-122"/>
+              <a:cs typeface="Calibri" panose="020F0502020204030204" pitchFamily="34" charset="0"/>
+            </a:endParaRPr>
+          </a:p>
+          <a:p>
+            <a:pPr marL="0" marR="0" lvl="0" indent="0" algn="l" defTabSz="914400" rtl="0" eaLnBrk="0" fontAlgn="base" latinLnBrk="0" hangingPunct="0">
+              <a:spcBef>
+                <a:spcPct val="0"/>
+              </a:spcBef>
+              <a:spcAft>
+                <a:spcPct val="0"/>
+              </a:spcAft>
+              <a:buClrTx/>
+              <a:buSzTx/>
+              <a:buFontTx/>
+              <a:buNone/>
+              <a:tabLst/>
+            </a:pPr>
+            <a:endParaRPr kumimoji="0" lang="zh-CN" altLang="zh-CN" b="1" i="0" u="none" strike="noStrike" cap="none" normalizeH="0" baseline="0" dirty="0">
+              <a:ln>
+                <a:noFill/>
+              </a:ln>
+              <a:solidFill>
+                <a:schemeClr val="tx1"/>
+              </a:solidFill>
+              <a:effectLst/>
+              <a:latin typeface="微软雅黑" panose="020B0503020204020204" pitchFamily="34" charset="-122"/>
+              <a:ea typeface="微软雅黑" panose="020B0503020204020204" pitchFamily="34" charset="-122"/>
+            </a:endParaRPr>
+          </a:p>
+          <a:p>
+            <a:pPr marL="0" marR="0" lvl="0" indent="0" algn="l" defTabSz="914400" rtl="0" eaLnBrk="0" fontAlgn="base" latinLnBrk="0" hangingPunct="0">
+              <a:spcBef>
+                <a:spcPct val="0"/>
+              </a:spcBef>
+              <a:spcAft>
+                <a:spcPct val="0"/>
+              </a:spcAft>
+              <a:buClrTx/>
+              <a:buSzTx/>
+              <a:buFontTx/>
+              <a:buNone/>
+              <a:tabLst/>
+            </a:pPr>
+            <a:r>
+              <a:rPr kumimoji="0" lang="zh-CN" altLang="zh-CN" sz="1600" b="0" i="0" u="none" strike="noStrike" cap="none" normalizeH="0" baseline="0" dirty="0">
+                <a:ln>
+                  <a:noFill/>
+                </a:ln>
+                <a:solidFill>
+                  <a:schemeClr val="tx1"/>
+                </a:solidFill>
+                <a:effectLst/>
+                <a:latin typeface="Calibri" panose="020F0502020204030204" pitchFamily="34" charset="0"/>
+                <a:ea typeface="宋体" panose="02010600030101010101" pitchFamily="2" charset="-122"/>
+                <a:cs typeface="Calibri" panose="020F0502020204030204" pitchFamily="34" charset="0"/>
+              </a:rPr>
+              <a:t>尽量减少 </a:t>
+            </a:r>
+            <a:r>
+              <a:rPr kumimoji="0" lang="en-US" altLang="zh-CN" sz="1600" b="1" i="0" u="none" strike="noStrike" cap="none" normalizeH="0" baseline="0" dirty="0">
+                <a:ln>
+                  <a:noFill/>
+                </a:ln>
+                <a:solidFill>
+                  <a:schemeClr val="tx1"/>
+                </a:solidFill>
+                <a:effectLst/>
+                <a:latin typeface="Calibri" panose="020F0502020204030204" pitchFamily="34" charset="0"/>
+                <a:ea typeface="宋体" panose="02010600030101010101" pitchFamily="2" charset="-122"/>
+                <a:cs typeface="Calibri" panose="020F0502020204030204" pitchFamily="34" charset="0"/>
+              </a:rPr>
+              <a:t>http</a:t>
+            </a:r>
+            <a:r>
+              <a:rPr kumimoji="0" lang="zh-CN" altLang="en-US" sz="1600" b="1" i="0" u="none" strike="noStrike" cap="none" normalizeH="0" baseline="0" dirty="0">
+                <a:ln>
+                  <a:noFill/>
+                </a:ln>
+                <a:solidFill>
+                  <a:schemeClr val="tx1"/>
+                </a:solidFill>
+                <a:effectLst/>
+                <a:latin typeface="Calibri" panose="020F0502020204030204" pitchFamily="34" charset="0"/>
+                <a:ea typeface="宋体" panose="02010600030101010101" pitchFamily="2" charset="-122"/>
+                <a:cs typeface="Calibri" panose="020F0502020204030204" pitchFamily="34" charset="0"/>
+              </a:rPr>
+              <a:t>请求次数</a:t>
+            </a:r>
+            <a:r>
+              <a:rPr kumimoji="0" lang="zh-CN" altLang="en-US" sz="1600" b="0" i="0" u="none" strike="noStrike" cap="none" normalizeH="0" baseline="0" dirty="0">
+                <a:ln>
+                  <a:noFill/>
+                </a:ln>
+                <a:solidFill>
+                  <a:schemeClr val="tx1"/>
+                </a:solidFill>
+                <a:effectLst/>
+                <a:latin typeface="Calibri" panose="020F0502020204030204" pitchFamily="34" charset="0"/>
+                <a:ea typeface="宋体" panose="02010600030101010101" pitchFamily="2" charset="-122"/>
+                <a:cs typeface="Calibri" panose="020F0502020204030204" pitchFamily="34" charset="0"/>
+              </a:rPr>
+              <a:t>。</a:t>
+            </a:r>
+            <a:endParaRPr kumimoji="0" lang="en-US" altLang="zh-CN" sz="1800" b="0" i="0" u="none" strike="noStrike" cap="none" normalizeH="0" baseline="0" dirty="0">
+              <a:ln>
+                <a:noFill/>
+              </a:ln>
+              <a:solidFill>
+                <a:schemeClr val="tx1"/>
+              </a:solidFill>
+              <a:effectLst/>
+              <a:latin typeface="Arial" panose="020B0604020202020204" pitchFamily="34" charset="0"/>
+            </a:endParaRPr>
+          </a:p>
+        </p:txBody>
+      </p:sp>
+      <p:pic>
+        <p:nvPicPr>
+          <p:cNvPr id="4097" name="图片 3">
+            <a:extLst>
+              <a:ext uri="{FF2B5EF4-FFF2-40B4-BE49-F238E27FC236}">
+                <a16:creationId xmlns:a16="http://schemas.microsoft.com/office/drawing/2014/main" id="{BA916A7C-8DAB-4520-918F-94D83A74400E}"/>
+              </a:ext>
+            </a:extLst>
+          </p:cNvPr>
+          <p:cNvPicPr>
+            <a:picLocks noChangeAspect="1" noChangeArrowheads="1"/>
+          </p:cNvPicPr>
+          <p:nvPr/>
+        </p:nvPicPr>
+        <p:blipFill>
+          <a:blip r:embed="rId2">
+            <a:extLst>
+              <a:ext uri="{28A0092B-C50C-407E-A947-70E740481C1C}">
+                <a14:useLocalDpi xmlns:a14="http://schemas.microsoft.com/office/drawing/2010/main" val="0"/>
+              </a:ext>
+            </a:extLst>
+          </a:blip>
+          <a:srcRect/>
+          <a:stretch>
+            <a:fillRect/>
+          </a:stretch>
+        </p:blipFill>
+        <p:spPr bwMode="auto">
+          <a:xfrm>
+            <a:off x="1487015" y="1603935"/>
+            <a:ext cx="5893297" cy="1651828"/>
+          </a:xfrm>
+          <a:prstGeom prst="rect">
+            <a:avLst/>
+          </a:prstGeom>
+          <a:noFill/>
+          <a:extLst>
+            <a:ext uri="{909E8E84-426E-40DD-AFC4-6F175D3DCCD1}">
+              <a14:hiddenFill xmlns:a14="http://schemas.microsoft.com/office/drawing/2010/main">
+                <a:solidFill>
+                  <a:srgbClr val="FFFFFF"/>
+                </a:solidFill>
+              </a14:hiddenFill>
+            </a:ext>
+          </a:extLst>
+        </p:spPr>
+      </p:pic>
+      <p:sp>
+        <p:nvSpPr>
+          <p:cNvPr id="4" name="Rectangle 3">
+            <a:extLst>
+              <a:ext uri="{FF2B5EF4-FFF2-40B4-BE49-F238E27FC236}">
+                <a16:creationId xmlns:a16="http://schemas.microsoft.com/office/drawing/2014/main" id="{0FA7E90B-D793-40E0-9628-F30AC136C727}"/>
+              </a:ext>
+            </a:extLst>
+          </p:cNvPr>
+          <p:cNvSpPr>
+            <a:spLocks noChangeArrowheads="1"/>
+          </p:cNvSpPr>
+          <p:nvPr/>
+        </p:nvSpPr>
+        <p:spPr bwMode="auto">
+          <a:xfrm>
+            <a:off x="1367678" y="3486948"/>
+            <a:ext cx="6696744" cy="1323439"/>
+          </a:xfrm>
+          <a:prstGeom prst="rect">
+            <a:avLst/>
+          </a:prstGeom>
+          <a:noFill/>
+          <a:ln>
+            <a:noFill/>
+          </a:ln>
+          <a:effectLst/>
+          <a:extLst>
+            <a:ext uri="{909E8E84-426E-40DD-AFC4-6F175D3DCCD1}">
+              <a14:hiddenFill xmlns:a14="http://schemas.microsoft.com/office/drawing/2010/main">
+                <a:solidFill>
+                  <a:schemeClr val="accent1"/>
+                </a:solidFill>
+              </a14:hiddenFill>
+            </a:ext>
+            <a:ext uri="{91240B29-F687-4F45-9708-019B960494DF}">
+              <a14:hiddenLine xmlns:a14="http://schemas.microsoft.com/office/drawing/2010/main" w="9525">
+                <a:solidFill>
+                  <a:schemeClr val="tx1"/>
+                </a:solidFill>
+                <a:miter lim="800000"/>
+                <a:headEnd/>
+                <a:tailEnd/>
+              </a14:hiddenLine>
+            </a:ext>
+            <a:ext uri="{AF507438-7753-43E0-B8FC-AC1667EBCBE1}">
+              <a14:hiddenEffects xmlns:a14="http://schemas.microsoft.com/office/drawing/2010/main">
+                <a:effectLst>
+                  <a:outerShdw dist="35921" dir="2700000" algn="ctr" rotWithShape="0">
+                    <a:schemeClr val="bg2"/>
+                  </a:outerShdw>
+                </a:effectLst>
+              </a14:hiddenEffects>
+            </a:ext>
+          </a:extLst>
+        </p:spPr>
+        <p:txBody>
+          <a:bodyPr vert="horz" wrap="square" lIns="91440" tIns="45720" rIns="91440" bIns="45720" numCol="1" anchor="ctr" anchorCtr="0" compatLnSpc="1">
+            <a:prstTxWarp prst="textNoShape">
+              <a:avLst/>
+            </a:prstTxWarp>
+            <a:spAutoFit/>
+          </a:bodyPr>
+          <a:lstStyle/>
+          <a:p>
+            <a:pPr marL="0" marR="0" lvl="0" indent="0" algn="l" defTabSz="914400" rtl="0" eaLnBrk="0" fontAlgn="base" latinLnBrk="0" hangingPunct="0">
+              <a:lnSpc>
+                <a:spcPct val="100000"/>
+              </a:lnSpc>
+              <a:spcBef>
+                <a:spcPct val="0"/>
+              </a:spcBef>
+              <a:spcAft>
+                <a:spcPct val="0"/>
+              </a:spcAft>
+              <a:buClrTx/>
+              <a:buSzTx/>
+              <a:buFontTx/>
+              <a:buNone/>
+              <a:tabLst/>
+            </a:pPr>
+            <a:r>
+              <a:rPr kumimoji="0" lang="zh-CN" altLang="zh-CN" sz="1600" b="0" i="0" u="none" strike="noStrike" cap="none" normalizeH="0" baseline="0" dirty="0">
+                <a:ln>
+                  <a:noFill/>
+                </a:ln>
+                <a:effectLst/>
+                <a:latin typeface="宋体" panose="02010600030101010101" pitchFamily="2" charset="-122"/>
+                <a:cs typeface="Arial" panose="020B0604020202020204" pitchFamily="34" charset="0"/>
+              </a:rPr>
+              <a:t>具体来说，就是合并。</a:t>
+            </a:r>
+          </a:p>
+          <a:p>
+            <a:pPr marL="0" marR="0" lvl="0" indent="0" algn="l" defTabSz="914400" rtl="0" eaLnBrk="0" fontAlgn="base" latinLnBrk="0" hangingPunct="0">
+              <a:lnSpc>
+                <a:spcPct val="100000"/>
+              </a:lnSpc>
+              <a:spcBef>
+                <a:spcPct val="0"/>
+              </a:spcBef>
+              <a:spcAft>
+                <a:spcPct val="0"/>
+              </a:spcAft>
+              <a:buClrTx/>
+              <a:buSzTx/>
+              <a:buFontTx/>
+              <a:buNone/>
+              <a:tabLst/>
+            </a:pPr>
+            <a:r>
+              <a:rPr kumimoji="0" lang="en-US" altLang="zh-CN" sz="1600" b="0" i="0" u="none" strike="noStrike" cap="none" normalizeH="0" baseline="0" dirty="0" err="1">
+                <a:ln>
+                  <a:noFill/>
+                </a:ln>
+                <a:effectLst/>
+                <a:latin typeface="宋体" panose="02010600030101010101" pitchFamily="2" charset="-122"/>
+                <a:cs typeface="Arial" panose="020B0604020202020204" pitchFamily="34" charset="0"/>
+              </a:rPr>
+              <a:t>Css</a:t>
+            </a:r>
+            <a:r>
+              <a:rPr kumimoji="0" lang="zh-CN" altLang="en-US" sz="1600" b="0" i="0" u="none" strike="noStrike" cap="none" normalizeH="0" baseline="0" dirty="0">
+                <a:ln>
+                  <a:noFill/>
+                </a:ln>
+                <a:effectLst/>
+                <a:latin typeface="宋体" panose="02010600030101010101" pitchFamily="2" charset="-122"/>
+                <a:cs typeface="Arial" panose="020B0604020202020204" pitchFamily="34" charset="0"/>
+              </a:rPr>
+              <a:t>文件，可以合并的就合并</a:t>
+            </a:r>
+            <a:r>
+              <a:rPr lang="zh-CN" altLang="en-US" sz="1600" dirty="0">
+                <a:latin typeface="宋体" panose="02010600030101010101" pitchFamily="2" charset="-122"/>
+                <a:cs typeface="Arial" panose="020B0604020202020204" pitchFamily="34" charset="0"/>
+              </a:rPr>
+              <a:t>。</a:t>
+            </a:r>
+            <a:endParaRPr kumimoji="0" lang="en-US" altLang="zh-CN" sz="1600" b="0" i="0" u="none" strike="noStrike" cap="none" normalizeH="0" baseline="0" dirty="0">
+              <a:ln>
+                <a:noFill/>
+              </a:ln>
+              <a:effectLst/>
+              <a:latin typeface="宋体" panose="02010600030101010101" pitchFamily="2" charset="-122"/>
+              <a:cs typeface="Arial" panose="020B0604020202020204" pitchFamily="34" charset="0"/>
+            </a:endParaRPr>
+          </a:p>
+          <a:p>
+            <a:pPr marL="0" marR="0" lvl="0" indent="0" algn="l" defTabSz="914400" rtl="0" eaLnBrk="0" fontAlgn="base" latinLnBrk="0" hangingPunct="0">
+              <a:lnSpc>
+                <a:spcPct val="100000"/>
+              </a:lnSpc>
+              <a:spcBef>
+                <a:spcPct val="0"/>
+              </a:spcBef>
+              <a:spcAft>
+                <a:spcPct val="0"/>
+              </a:spcAft>
+              <a:buClrTx/>
+              <a:buSzTx/>
+              <a:buFontTx/>
+              <a:buNone/>
+              <a:tabLst/>
+            </a:pPr>
+            <a:r>
+              <a:rPr kumimoji="0" lang="en-US" altLang="zh-CN" sz="1600" b="0" i="0" u="none" strike="noStrike" cap="none" normalizeH="0" baseline="0" dirty="0">
+                <a:ln>
+                  <a:noFill/>
+                </a:ln>
+                <a:effectLst/>
+                <a:latin typeface="宋体" panose="02010600030101010101" pitchFamily="2" charset="-122"/>
+                <a:cs typeface="Arial" panose="020B0604020202020204" pitchFamily="34" charset="0"/>
+              </a:rPr>
+              <a:t>Js</a:t>
+            </a:r>
+            <a:r>
+              <a:rPr kumimoji="0" lang="zh-CN" altLang="en-US" sz="1600" b="0" i="0" u="none" strike="noStrike" cap="none" normalizeH="0" baseline="0" dirty="0">
+                <a:ln>
+                  <a:noFill/>
+                </a:ln>
+                <a:effectLst/>
+                <a:latin typeface="宋体" panose="02010600030101010101" pitchFamily="2" charset="-122"/>
+                <a:cs typeface="Arial" panose="020B0604020202020204" pitchFamily="34" charset="0"/>
+              </a:rPr>
+              <a:t>文件，可以合并的都合并。 </a:t>
+            </a:r>
+            <a:endParaRPr kumimoji="0" lang="en-US" altLang="zh-CN" sz="1600" b="0" i="0" u="none" strike="noStrike" cap="none" normalizeH="0" baseline="0" dirty="0">
+              <a:ln>
+                <a:noFill/>
+              </a:ln>
+              <a:effectLst/>
+              <a:latin typeface="宋体" panose="02010600030101010101" pitchFamily="2" charset="-122"/>
+              <a:cs typeface="Arial" panose="020B0604020202020204" pitchFamily="34" charset="0"/>
+            </a:endParaRPr>
+          </a:p>
+          <a:p>
+            <a:pPr marL="0" marR="0" lvl="0" indent="0" algn="l" defTabSz="914400" rtl="0" eaLnBrk="0" fontAlgn="base" latinLnBrk="0" hangingPunct="0">
+              <a:lnSpc>
+                <a:spcPct val="100000"/>
+              </a:lnSpc>
+              <a:spcBef>
+                <a:spcPct val="0"/>
+              </a:spcBef>
+              <a:spcAft>
+                <a:spcPct val="0"/>
+              </a:spcAft>
+              <a:buClrTx/>
+              <a:buSzTx/>
+              <a:buFontTx/>
+              <a:buNone/>
+              <a:tabLst/>
+            </a:pPr>
+            <a:r>
+              <a:rPr kumimoji="0" lang="zh-CN" altLang="en-US" sz="1600" b="0" i="0" u="none" strike="noStrike" cap="none" normalizeH="0" baseline="0" dirty="0">
+                <a:ln>
+                  <a:noFill/>
+                </a:ln>
+                <a:effectLst/>
+                <a:latin typeface="宋体" panose="02010600030101010101" pitchFamily="2" charset="-122"/>
+                <a:cs typeface="Arial" panose="020B0604020202020204" pitchFamily="34" charset="0"/>
+              </a:rPr>
+              <a:t>背景图片，合并，使用雪碧图 </a:t>
+            </a:r>
+            <a:r>
+              <a:rPr kumimoji="0" lang="en-US" altLang="zh-CN" sz="1600" b="0" i="0" u="none" strike="noStrike" cap="none" normalizeH="0" baseline="0" dirty="0">
+                <a:ln>
+                  <a:noFill/>
+                </a:ln>
+                <a:effectLst/>
+                <a:latin typeface="宋体" panose="02010600030101010101" pitchFamily="2" charset="-122"/>
+                <a:cs typeface="Arial" panose="020B0604020202020204" pitchFamily="34" charset="0"/>
+              </a:rPr>
+              <a:t>sprite</a:t>
+            </a:r>
+            <a:r>
+              <a:rPr kumimoji="0" lang="zh-CN" altLang="en-US" sz="1600" b="0" i="0" u="none" strike="noStrike" cap="none" normalizeH="0" baseline="0" dirty="0">
+                <a:ln>
+                  <a:noFill/>
+                </a:ln>
+                <a:effectLst/>
+                <a:latin typeface="宋体" panose="02010600030101010101" pitchFamily="2" charset="-122"/>
+                <a:cs typeface="Arial" panose="020B0604020202020204" pitchFamily="34" charset="0"/>
+              </a:rPr>
+              <a:t>。</a:t>
+            </a:r>
+            <a:endParaRPr kumimoji="0" lang="en-US" altLang="zh-CN" sz="1600" b="0" i="0" u="none" strike="noStrike" cap="none" normalizeH="0" baseline="0" dirty="0">
+              <a:ln>
+                <a:noFill/>
+              </a:ln>
+              <a:effectLst/>
+              <a:latin typeface="宋体" panose="02010600030101010101" pitchFamily="2" charset="-122"/>
+              <a:cs typeface="Arial" panose="020B0604020202020204" pitchFamily="34" charset="0"/>
+            </a:endParaRPr>
+          </a:p>
+          <a:p>
+            <a:pPr lvl="0" algn="just"/>
+            <a:r>
+              <a:rPr lang="zh-CN" altLang="zh-CN" sz="1600" kern="100" dirty="0">
+                <a:cs typeface="Times New Roman" panose="02020603050405020304" pitchFamily="18" charset="0"/>
+              </a:rPr>
+              <a:t>前景图片，滚动加载</a:t>
+            </a:r>
+            <a:r>
+              <a:rPr lang="zh-CN" altLang="en-US" sz="1600" kern="100" dirty="0">
+                <a:cs typeface="Times New Roman" panose="02020603050405020304" pitchFamily="18" charset="0"/>
+              </a:rPr>
+              <a:t>、</a:t>
+            </a:r>
+            <a:r>
+              <a:rPr lang="zh-CN" altLang="zh-CN" sz="1600" kern="100" dirty="0">
+                <a:cs typeface="Times New Roman" panose="02020603050405020304" pitchFamily="18" charset="0"/>
+              </a:rPr>
+              <a:t>延迟加载</a:t>
+            </a:r>
+            <a:r>
+              <a:rPr lang="zh-CN" altLang="en-US" sz="1600" kern="100" dirty="0">
+                <a:cs typeface="Times New Roman" panose="02020603050405020304" pitchFamily="18" charset="0"/>
+              </a:rPr>
+              <a:t>。</a:t>
+            </a:r>
+            <a:endParaRPr kumimoji="0" lang="zh-CN" altLang="en-US" sz="1600" b="0" i="0" u="none" strike="noStrike" cap="none" normalizeH="0" baseline="0" dirty="0">
+              <a:ln>
+                <a:noFill/>
+              </a:ln>
+              <a:effectLst/>
+              <a:latin typeface="宋体" panose="02010600030101010101" pitchFamily="2" charset="-122"/>
+              <a:cs typeface="Arial" panose="020B0604020202020204" pitchFamily="34" charset="0"/>
+            </a:endParaRPr>
+          </a:p>
+        </p:txBody>
+      </p:sp>
+    </p:spTree>
+    <p:extLst>
+      <p:ext uri="{BB962C8B-B14F-4D97-AF65-F5344CB8AC3E}">
+        <p14:creationId xmlns:p14="http://schemas.microsoft.com/office/powerpoint/2010/main" val="2033207634"/>
+      </p:ext>
+    </p:extLst>
+  </p:cSld>
+  <p:clrMapOvr>
+    <a:masterClrMapping/>
+  </p:clrMapOvr>
+</p:sld>
+</file>
+
+<file path=ppt/slides/slide5.xml><?xml version="1.0" encoding="utf-8"?>
+<p:sld xmlns:a="http://schemas.openxmlformats.org/drawingml/2006/main" xmlns:r="http://schemas.openxmlformats.org/officeDocument/2006/relationships" xmlns:p="http://schemas.openxmlformats.org/presentationml/2006/main">
+  <p:cSld>
+    <p:spTree>
+      <p:nvGrpSpPr>
+        <p:cNvPr id="1" name=""/>
+        <p:cNvGrpSpPr/>
+        <p:nvPr/>
+      </p:nvGrpSpPr>
+      <p:grpSpPr>
+        <a:xfrm>
+          <a:off x="0" y="0"/>
+          <a:ext cx="0" cy="0"/>
+          <a:chOff x="0" y="0"/>
+          <a:chExt cx="0" cy="0"/>
+        </a:xfrm>
+      </p:grpSpPr>
+      <p:sp>
+        <p:nvSpPr>
+          <p:cNvPr id="3" name="矩形 2">
+            <a:extLst>
+              <a:ext uri="{FF2B5EF4-FFF2-40B4-BE49-F238E27FC236}">
+                <a16:creationId xmlns:a16="http://schemas.microsoft.com/office/drawing/2014/main" id="{B6D20817-503B-4F2B-BD02-02B82F8513C6}"/>
+              </a:ext>
+            </a:extLst>
+          </p:cNvPr>
+          <p:cNvSpPr/>
           <p:nvPr/>
         </p:nvSpPr>
         <p:spPr>
           <a:xfrm>
-            <a:off x="368332" y="2496259"/>
-            <a:ext cx="8565279" cy="1508105"/>
+            <a:off x="935088" y="987574"/>
+            <a:ext cx="8208912" cy="2520370"/>
+          </a:xfrm>
+          <a:prstGeom prst="rect">
+            <a:avLst/>
+          </a:prstGeom>
+        </p:spPr>
+        <p:txBody>
+          <a:bodyPr wrap="square">
+            <a:spAutoFit/>
+          </a:bodyPr>
+          <a:lstStyle/>
+          <a:p>
+            <a:pPr algn="just">
+              <a:lnSpc>
+                <a:spcPct val="150000"/>
+              </a:lnSpc>
+            </a:pPr>
+            <a:r>
+              <a:rPr lang="zh-CN" altLang="zh-CN" b="1" kern="100" dirty="0">
+                <a:latin typeface="宋体" panose="02010600030101010101" pitchFamily="2" charset="-122"/>
+                <a:cs typeface="Times New Roman" panose="02020603050405020304" pitchFamily="18" charset="0"/>
+              </a:rPr>
+              <a:t>使用专业的工具，可以做到随时编辑，随时压缩合并。</a:t>
+            </a:r>
+            <a:endParaRPr lang="en-US" altLang="zh-CN" b="1" kern="100" dirty="0">
+              <a:latin typeface="宋体" panose="02010600030101010101" pitchFamily="2" charset="-122"/>
+              <a:cs typeface="Times New Roman" panose="02020603050405020304" pitchFamily="18" charset="0"/>
+            </a:endParaRPr>
+          </a:p>
+          <a:p>
+            <a:pPr algn="just">
+              <a:lnSpc>
+                <a:spcPct val="150000"/>
+              </a:lnSpc>
+            </a:pPr>
+            <a:endParaRPr lang="en-US" altLang="zh-CN" b="1" kern="100" dirty="0">
+              <a:latin typeface="宋体" panose="02010600030101010101" pitchFamily="2" charset="-122"/>
+              <a:cs typeface="Times New Roman" panose="02020603050405020304" pitchFamily="18" charset="0"/>
+            </a:endParaRPr>
+          </a:p>
+          <a:p>
+            <a:pPr marL="285750" indent="-285750" algn="just">
+              <a:lnSpc>
+                <a:spcPct val="150000"/>
+              </a:lnSpc>
+              <a:buFont typeface="Arial" panose="020B0604020202020204" pitchFamily="34" charset="0"/>
+              <a:buChar char="•"/>
+            </a:pPr>
+            <a:r>
+              <a:rPr lang="en-US" altLang="zh-CN" b="1" kern="100" dirty="0">
+                <a:solidFill>
+                  <a:srgbClr val="FF0000"/>
+                </a:solidFill>
+                <a:latin typeface="宋体" panose="02010600030101010101" pitchFamily="2" charset="-122"/>
+                <a:cs typeface="Times New Roman" panose="02020603050405020304" pitchFamily="18" charset="0"/>
+              </a:rPr>
+              <a:t>gulp </a:t>
+            </a:r>
+            <a:r>
+              <a:rPr lang="zh-CN" altLang="zh-CN" b="1" kern="100" dirty="0">
+                <a:solidFill>
+                  <a:srgbClr val="FF0000"/>
+                </a:solidFill>
+                <a:latin typeface="宋体" panose="02010600030101010101" pitchFamily="2" charset="-122"/>
+                <a:cs typeface="Times New Roman" panose="02020603050405020304" pitchFamily="18" charset="0"/>
+              </a:rPr>
+              <a:t>（目前最流行的前端自动构建化工具，插件机制非常强大）</a:t>
+            </a:r>
+            <a:endParaRPr lang="zh-CN" altLang="zh-CN" kern="100" dirty="0">
+              <a:latin typeface="宋体" panose="02010600030101010101" pitchFamily="2" charset="-122"/>
+              <a:cs typeface="Times New Roman" panose="02020603050405020304" pitchFamily="18" charset="0"/>
+            </a:endParaRPr>
+          </a:p>
+          <a:p>
+            <a:pPr marL="285750" lvl="0" indent="-285750" algn="just">
+              <a:lnSpc>
+                <a:spcPct val="150000"/>
+              </a:lnSpc>
+              <a:buFont typeface="Arial" panose="020B0604020202020204" pitchFamily="34" charset="0"/>
+              <a:buChar char="•"/>
+            </a:pPr>
+            <a:r>
+              <a:rPr lang="en-US" altLang="zh-CN" kern="100" dirty="0">
+                <a:latin typeface="宋体" panose="02010600030101010101" pitchFamily="2" charset="-122"/>
+                <a:cs typeface="Times New Roman" panose="02020603050405020304" pitchFamily="18" charset="0"/>
+              </a:rPr>
+              <a:t>bower</a:t>
+            </a:r>
+            <a:r>
+              <a:rPr lang="zh-CN" altLang="zh-CN" kern="100" dirty="0">
+                <a:latin typeface="宋体" panose="02010600030101010101" pitchFamily="2" charset="-122"/>
+                <a:cs typeface="Times New Roman" panose="02020603050405020304" pitchFamily="18" charset="0"/>
+              </a:rPr>
+              <a:t>（比较简单，主要用来安装文件或库，并解决依赖的问题）</a:t>
+            </a:r>
+          </a:p>
+          <a:p>
+            <a:pPr marL="285750" lvl="0" indent="-285750" algn="just">
+              <a:lnSpc>
+                <a:spcPct val="150000"/>
+              </a:lnSpc>
+              <a:buFont typeface="Arial" panose="020B0604020202020204" pitchFamily="34" charset="0"/>
+              <a:buChar char="•"/>
+            </a:pPr>
+            <a:r>
+              <a:rPr lang="en-US" altLang="zh-CN" kern="100" dirty="0">
+                <a:latin typeface="宋体" panose="02010600030101010101" pitchFamily="2" charset="-122"/>
+                <a:cs typeface="Times New Roman" panose="02020603050405020304" pitchFamily="18" charset="0"/>
+              </a:rPr>
+              <a:t>grunt </a:t>
+            </a:r>
+            <a:r>
+              <a:rPr lang="zh-CN" altLang="zh-CN" kern="100" dirty="0">
+                <a:latin typeface="宋体" panose="02010600030101010101" pitchFamily="2" charset="-122"/>
+                <a:cs typeface="Times New Roman" panose="02020603050405020304" pitchFamily="18" charset="0"/>
+              </a:rPr>
+              <a:t>（比较复杂，上手难，现在</a:t>
+            </a:r>
+            <a:r>
+              <a:rPr lang="zh-CN" altLang="en-US" kern="100" dirty="0">
+                <a:latin typeface="宋体" panose="02010600030101010101" pitchFamily="2" charset="-122"/>
+                <a:cs typeface="Times New Roman" panose="02020603050405020304" pitchFamily="18" charset="0"/>
+              </a:rPr>
+              <a:t>逐渐</a:t>
+            </a:r>
+            <a:r>
+              <a:rPr lang="zh-CN" altLang="zh-CN" kern="100" dirty="0">
+                <a:latin typeface="宋体" panose="02010600030101010101" pitchFamily="2" charset="-122"/>
+                <a:cs typeface="Times New Roman" panose="02020603050405020304" pitchFamily="18" charset="0"/>
+              </a:rPr>
+              <a:t>被</a:t>
+            </a:r>
+            <a:r>
+              <a:rPr lang="en-US" altLang="zh-CN" kern="100" dirty="0">
+                <a:latin typeface="宋体" panose="02010600030101010101" pitchFamily="2" charset="-122"/>
+                <a:cs typeface="Times New Roman" panose="02020603050405020304" pitchFamily="18" charset="0"/>
+              </a:rPr>
+              <a:t>gulp</a:t>
+            </a:r>
+            <a:r>
+              <a:rPr lang="zh-CN" altLang="zh-CN" kern="100" dirty="0">
+                <a:latin typeface="宋体" panose="02010600030101010101" pitchFamily="2" charset="-122"/>
+                <a:cs typeface="Times New Roman" panose="02020603050405020304" pitchFamily="18" charset="0"/>
+              </a:rPr>
+              <a:t>所取代）</a:t>
+            </a:r>
+          </a:p>
+          <a:p>
+            <a:pPr marL="285750" lvl="0" indent="-285750" algn="just">
+              <a:lnSpc>
+                <a:spcPct val="150000"/>
+              </a:lnSpc>
+              <a:buFont typeface="Arial" panose="020B0604020202020204" pitchFamily="34" charset="0"/>
+              <a:buChar char="•"/>
+            </a:pPr>
+            <a:r>
+              <a:rPr lang="en-US" altLang="zh-CN" kern="100" dirty="0">
+                <a:latin typeface="宋体" panose="02010600030101010101" pitchFamily="2" charset="-122"/>
+                <a:cs typeface="Times New Roman" panose="02020603050405020304" pitchFamily="18" charset="0"/>
+              </a:rPr>
+              <a:t>webpack </a:t>
+            </a:r>
+            <a:r>
+              <a:rPr lang="zh-CN" altLang="zh-CN" kern="100" dirty="0">
+                <a:latin typeface="宋体" panose="02010600030101010101" pitchFamily="2" charset="-122"/>
+                <a:cs typeface="Times New Roman" panose="02020603050405020304" pitchFamily="18" charset="0"/>
+              </a:rPr>
+              <a:t>（和</a:t>
+            </a:r>
+            <a:r>
+              <a:rPr lang="en-US" altLang="zh-CN" kern="100" dirty="0">
+                <a:latin typeface="宋体" panose="02010600030101010101" pitchFamily="2" charset="-122"/>
+                <a:cs typeface="Times New Roman" panose="02020603050405020304" pitchFamily="18" charset="0"/>
+              </a:rPr>
+              <a:t>react/</a:t>
+            </a:r>
+            <a:r>
+              <a:rPr lang="en-US" altLang="zh-CN" kern="100" dirty="0" err="1">
+                <a:latin typeface="宋体" panose="02010600030101010101" pitchFamily="2" charset="-122"/>
+                <a:cs typeface="Times New Roman" panose="02020603050405020304" pitchFamily="18" charset="0"/>
+              </a:rPr>
+              <a:t>vue</a:t>
+            </a:r>
+            <a:r>
+              <a:rPr lang="zh-CN" altLang="zh-CN" kern="100" dirty="0">
+                <a:latin typeface="宋体" panose="02010600030101010101" pitchFamily="2" charset="-122"/>
+                <a:cs typeface="Times New Roman" panose="02020603050405020304" pitchFamily="18" charset="0"/>
+              </a:rPr>
+              <a:t>结合在一起使用）</a:t>
+            </a:r>
+          </a:p>
+        </p:txBody>
+      </p:sp>
+    </p:spTree>
+    <p:extLst>
+      <p:ext uri="{BB962C8B-B14F-4D97-AF65-F5344CB8AC3E}">
+        <p14:creationId xmlns:p14="http://schemas.microsoft.com/office/powerpoint/2010/main" val="605323185"/>
+      </p:ext>
+    </p:extLst>
+  </p:cSld>
+  <p:clrMapOvr>
+    <a:masterClrMapping/>
+  </p:clrMapOvr>
+</p:sld>
+</file>
+
+<file path=ppt/slides/slide6.xml><?xml version="1.0" encoding="utf-8"?>
+<p:sld xmlns:a="http://schemas.openxmlformats.org/drawingml/2006/main" xmlns:r="http://schemas.openxmlformats.org/officeDocument/2006/relationships" xmlns:p="http://schemas.openxmlformats.org/presentationml/2006/main">
+  <p:cSld>
+    <p:spTree>
+      <p:nvGrpSpPr>
+        <p:cNvPr id="1" name=""/>
+        <p:cNvGrpSpPr/>
+        <p:nvPr/>
+      </p:nvGrpSpPr>
+      <p:grpSpPr>
+        <a:xfrm>
+          <a:off x="0" y="0"/>
+          <a:ext cx="0" cy="0"/>
+          <a:chOff x="0" y="0"/>
+          <a:chExt cx="0" cy="0"/>
+        </a:xfrm>
+      </p:grpSpPr>
+      <p:sp>
+        <p:nvSpPr>
+          <p:cNvPr id="3" name="矩形 2">
+            <a:extLst>
+              <a:ext uri="{FF2B5EF4-FFF2-40B4-BE49-F238E27FC236}">
+                <a16:creationId xmlns:a16="http://schemas.microsoft.com/office/drawing/2014/main" id="{DB22D231-DA92-4698-9796-161DF2EDE7BF}"/>
+              </a:ext>
+            </a:extLst>
+          </p:cNvPr>
+          <p:cNvSpPr/>
+          <p:nvPr/>
+        </p:nvSpPr>
+        <p:spPr>
+          <a:xfrm>
+            <a:off x="296652" y="1203598"/>
+            <a:ext cx="8550696" cy="1323439"/>
+          </a:xfrm>
+          <a:prstGeom prst="rect">
+            <a:avLst/>
+          </a:prstGeom>
+        </p:spPr>
+        <p:txBody>
+          <a:bodyPr wrap="square">
+            <a:spAutoFit/>
+          </a:bodyPr>
+          <a:lstStyle/>
+          <a:p>
+            <a:pPr algn="just"/>
+            <a:r>
+              <a:rPr lang="en-US" altLang="zh-CN" sz="1600" kern="100" dirty="0">
+                <a:latin typeface="宋体" panose="02010600030101010101" pitchFamily="2" charset="-122"/>
+                <a:cs typeface="Times New Roman" panose="02020603050405020304" pitchFamily="18" charset="0"/>
+              </a:rPr>
+              <a:t>gulp</a:t>
+            </a:r>
+            <a:r>
+              <a:rPr lang="zh-CN" altLang="zh-CN" sz="1600" kern="100" dirty="0">
+                <a:latin typeface="宋体" panose="02010600030101010101" pitchFamily="2" charset="-122"/>
+                <a:cs typeface="Times New Roman" panose="02020603050405020304" pitchFamily="18" charset="0"/>
+              </a:rPr>
+              <a:t>是基于</a:t>
+            </a:r>
+            <a:r>
+              <a:rPr lang="en-US" altLang="zh-CN" sz="1600" kern="100" dirty="0">
+                <a:latin typeface="宋体" panose="02010600030101010101" pitchFamily="2" charset="-122"/>
+                <a:cs typeface="Times New Roman" panose="02020603050405020304" pitchFamily="18" charset="0"/>
+              </a:rPr>
+              <a:t>Node.js</a:t>
+            </a:r>
+            <a:r>
+              <a:rPr lang="zh-CN" altLang="zh-CN" sz="1600" kern="100" dirty="0">
+                <a:latin typeface="宋体" panose="02010600030101010101" pitchFamily="2" charset="-122"/>
+                <a:cs typeface="Times New Roman" panose="02020603050405020304" pitchFamily="18" charset="0"/>
+              </a:rPr>
+              <a:t>的自动任务运行器。可以自动完成</a:t>
+            </a:r>
+            <a:r>
+              <a:rPr lang="en-US" altLang="zh-CN" sz="1600" kern="100" dirty="0">
+                <a:latin typeface="宋体" panose="02010600030101010101" pitchFamily="2" charset="-122"/>
+                <a:cs typeface="Times New Roman" panose="02020603050405020304" pitchFamily="18" charset="0"/>
+              </a:rPr>
+              <a:t>html</a:t>
+            </a:r>
+            <a:r>
+              <a:rPr lang="zh-CN" altLang="zh-CN" sz="1600" kern="100" dirty="0">
+                <a:latin typeface="宋体" panose="02010600030101010101" pitchFamily="2" charset="-122"/>
+                <a:cs typeface="Times New Roman" panose="02020603050405020304" pitchFamily="18" charset="0"/>
+              </a:rPr>
+              <a:t>、</a:t>
+            </a:r>
+            <a:r>
+              <a:rPr lang="en-US" altLang="zh-CN" sz="1600" kern="100" dirty="0">
+                <a:latin typeface="宋体" panose="02010600030101010101" pitchFamily="2" charset="-122"/>
+                <a:cs typeface="Times New Roman" panose="02020603050405020304" pitchFamily="18" charset="0"/>
+              </a:rPr>
+              <a:t>image</a:t>
+            </a:r>
+            <a:r>
+              <a:rPr lang="zh-CN" altLang="zh-CN" sz="1600" kern="100" dirty="0">
+                <a:latin typeface="宋体" panose="02010600030101010101" pitchFamily="2" charset="-122"/>
+                <a:cs typeface="Times New Roman" panose="02020603050405020304" pitchFamily="18" charset="0"/>
+              </a:rPr>
+              <a:t>、</a:t>
+            </a:r>
+            <a:r>
+              <a:rPr lang="en-US" altLang="zh-CN" sz="1600" kern="100" dirty="0" err="1">
+                <a:latin typeface="宋体" panose="02010600030101010101" pitchFamily="2" charset="-122"/>
+                <a:cs typeface="Times New Roman" panose="02020603050405020304" pitchFamily="18" charset="0"/>
+              </a:rPr>
+              <a:t>css</a:t>
+            </a:r>
+            <a:r>
+              <a:rPr lang="zh-CN" altLang="zh-CN" sz="1600" kern="100" dirty="0">
+                <a:latin typeface="宋体" panose="02010600030101010101" pitchFamily="2" charset="-122"/>
+                <a:cs typeface="Times New Roman" panose="02020603050405020304" pitchFamily="18" charset="0"/>
+              </a:rPr>
+              <a:t>和</a:t>
+            </a:r>
+            <a:r>
+              <a:rPr lang="en-US" altLang="zh-CN" sz="1600" kern="100" dirty="0" err="1">
+                <a:latin typeface="宋体" panose="02010600030101010101" pitchFamily="2" charset="-122"/>
+                <a:cs typeface="Times New Roman" panose="02020603050405020304" pitchFamily="18" charset="0"/>
+              </a:rPr>
+              <a:t>js</a:t>
+            </a:r>
+            <a:r>
+              <a:rPr lang="zh-CN" altLang="zh-CN" sz="1600" kern="100" dirty="0">
+                <a:latin typeface="宋体" panose="02010600030101010101" pitchFamily="2" charset="-122"/>
+                <a:cs typeface="Times New Roman" panose="02020603050405020304" pitchFamily="18" charset="0"/>
+              </a:rPr>
+              <a:t>等文件的检测、检查、合并、压缩、格式化等，并监听文件在改动后重复指定的这些步骤。</a:t>
+            </a:r>
+          </a:p>
+          <a:p>
+            <a:pPr algn="just"/>
+            <a:r>
+              <a:rPr lang="en-US" altLang="zh-CN" sz="1600" kern="100" dirty="0">
+                <a:latin typeface="宋体" panose="02010600030101010101" pitchFamily="2" charset="-122"/>
+                <a:cs typeface="Times New Roman" panose="02020603050405020304" pitchFamily="18" charset="0"/>
+              </a:rPr>
+              <a:t> </a:t>
+            </a:r>
+            <a:endParaRPr lang="zh-CN" altLang="zh-CN" sz="1600" kern="100" dirty="0">
+              <a:latin typeface="宋体" panose="02010600030101010101" pitchFamily="2" charset="-122"/>
+              <a:cs typeface="Times New Roman" panose="02020603050405020304" pitchFamily="18" charset="0"/>
+            </a:endParaRPr>
+          </a:p>
+          <a:p>
+            <a:pPr algn="just"/>
+            <a:r>
+              <a:rPr lang="en-US" altLang="zh-CN" sz="1600" kern="100" dirty="0">
+                <a:latin typeface="宋体" panose="02010600030101010101" pitchFamily="2" charset="-122"/>
+                <a:cs typeface="Times New Roman" panose="02020603050405020304" pitchFamily="18" charset="0"/>
+              </a:rPr>
+              <a:t>gulp </a:t>
+            </a:r>
+            <a:r>
+              <a:rPr lang="zh-CN" altLang="zh-CN" sz="1600" kern="100" dirty="0">
+                <a:latin typeface="宋体" panose="02010600030101010101" pitchFamily="2" charset="-122"/>
+                <a:cs typeface="Times New Roman" panose="02020603050405020304" pitchFamily="18" charset="0"/>
+              </a:rPr>
+              <a:t>和</a:t>
+            </a:r>
+            <a:r>
+              <a:rPr lang="en-US" altLang="zh-CN" sz="1600" kern="100" dirty="0">
+                <a:latin typeface="宋体" panose="02010600030101010101" pitchFamily="2" charset="-122"/>
+                <a:cs typeface="Times New Roman" panose="02020603050405020304" pitchFamily="18" charset="0"/>
+              </a:rPr>
+              <a:t> grunt </a:t>
+            </a:r>
+            <a:r>
+              <a:rPr lang="zh-CN" altLang="zh-CN" sz="1600" kern="100" dirty="0">
+                <a:latin typeface="宋体" panose="02010600030101010101" pitchFamily="2" charset="-122"/>
+                <a:cs typeface="Times New Roman" panose="02020603050405020304" pitchFamily="18" charset="0"/>
+              </a:rPr>
+              <a:t>非常类似，但相比于</a:t>
+            </a:r>
+            <a:r>
+              <a:rPr lang="en-US" altLang="zh-CN" sz="1600" kern="100" dirty="0">
+                <a:latin typeface="宋体" panose="02010600030101010101" pitchFamily="2" charset="-122"/>
+                <a:cs typeface="Times New Roman" panose="02020603050405020304" pitchFamily="18" charset="0"/>
+              </a:rPr>
+              <a:t>grunt</a:t>
+            </a:r>
+            <a:r>
+              <a:rPr lang="zh-CN" altLang="zh-CN" sz="1600" kern="100" dirty="0">
+                <a:latin typeface="宋体" panose="02010600030101010101" pitchFamily="2" charset="-122"/>
+                <a:cs typeface="Times New Roman" panose="02020603050405020304" pitchFamily="18" charset="0"/>
+              </a:rPr>
+              <a:t>的频繁</a:t>
+            </a:r>
+            <a:r>
+              <a:rPr lang="en-US" altLang="zh-CN" sz="1600" kern="100" dirty="0" err="1">
+                <a:latin typeface="宋体" panose="02010600030101010101" pitchFamily="2" charset="-122"/>
+                <a:cs typeface="Times New Roman" panose="02020603050405020304" pitchFamily="18" charset="0"/>
+              </a:rPr>
+              <a:t>io</a:t>
+            </a:r>
+            <a:r>
+              <a:rPr lang="zh-CN" altLang="zh-CN" sz="1600" kern="100" dirty="0">
+                <a:latin typeface="宋体" panose="02010600030101010101" pitchFamily="2" charset="-122"/>
+                <a:cs typeface="Times New Roman" panose="02020603050405020304" pitchFamily="18" charset="0"/>
+              </a:rPr>
+              <a:t>操作，</a:t>
+            </a:r>
+            <a:r>
+              <a:rPr lang="en-US" altLang="zh-CN" sz="1600" kern="100" dirty="0">
+                <a:latin typeface="宋体" panose="02010600030101010101" pitchFamily="2" charset="-122"/>
+                <a:cs typeface="Times New Roman" panose="02020603050405020304" pitchFamily="18" charset="0"/>
+              </a:rPr>
+              <a:t>gulp</a:t>
+            </a:r>
+            <a:r>
+              <a:rPr lang="zh-CN" altLang="zh-CN" sz="1600" kern="100" dirty="0">
+                <a:latin typeface="宋体" panose="02010600030101010101" pitchFamily="2" charset="-122"/>
+                <a:cs typeface="Times New Roman" panose="02020603050405020304" pitchFamily="18" charset="0"/>
+              </a:rPr>
+              <a:t>的流操作，更更快更便捷的完成构建工作。</a:t>
+            </a:r>
+          </a:p>
+        </p:txBody>
+      </p:sp>
+    </p:spTree>
+    <p:extLst>
+      <p:ext uri="{BB962C8B-B14F-4D97-AF65-F5344CB8AC3E}">
+        <p14:creationId xmlns:p14="http://schemas.microsoft.com/office/powerpoint/2010/main" val="959986787"/>
+      </p:ext>
+    </p:extLst>
+  </p:cSld>
+  <p:clrMapOvr>
+    <a:masterClrMapping/>
+  </p:clrMapOvr>
+</p:sld>
+</file>
+
+<file path=ppt/slides/slide7.xml><?xml version="1.0" encoding="utf-8"?>
+<p:sld xmlns:a="http://schemas.openxmlformats.org/drawingml/2006/main" xmlns:r="http://schemas.openxmlformats.org/officeDocument/2006/relationships" xmlns:p="http://schemas.openxmlformats.org/presentationml/2006/main">
+  <p:cSld>
+    <p:spTree>
+      <p:nvGrpSpPr>
+        <p:cNvPr id="1" name=""/>
+        <p:cNvGrpSpPr/>
+        <p:nvPr/>
+      </p:nvGrpSpPr>
+      <p:grpSpPr>
+        <a:xfrm>
+          <a:off x="0" y="0"/>
+          <a:ext cx="0" cy="0"/>
+          <a:chOff x="0" y="0"/>
+          <a:chExt cx="0" cy="0"/>
+        </a:xfrm>
+      </p:grpSpPr>
+      <p:sp>
+        <p:nvSpPr>
+          <p:cNvPr id="14" name="矩形"/>
+          <p:cNvSpPr>
+            <a:spLocks/>
+          </p:cNvSpPr>
+          <p:nvPr/>
+        </p:nvSpPr>
+        <p:spPr>
+          <a:xfrm>
+            <a:off x="467544" y="1241541"/>
+            <a:ext cx="8565279" cy="3477875"/>
           </a:xfrm>
           <a:prstGeom prst="rect">
             <a:avLst/>
@@ -11654,6 +16035,216 @@
           </a:bodyPr>
           <a:lstStyle/>
           <a:p>
+            <a:pPr>
+              <a:lnSpc>
+                <a:spcPct val="150000"/>
+              </a:lnSpc>
+            </a:pPr>
+            <a:r>
+              <a:rPr lang="en-US" altLang="zh-CN" sz="1600" dirty="0">
+                <a:latin typeface="微软雅黑" panose="020B0503020204020204" pitchFamily="34" charset="-122"/>
+                <a:ea typeface="微软雅黑" panose="020B0503020204020204" pitchFamily="34" charset="-122"/>
+              </a:rPr>
+              <a:t>Gulp </a:t>
+            </a:r>
+            <a:r>
+              <a:rPr lang="zh-CN" altLang="en-US" sz="1600" dirty="0">
+                <a:latin typeface="微软雅黑" panose="020B0503020204020204" pitchFamily="34" charset="-122"/>
+                <a:ea typeface="微软雅黑" panose="020B0503020204020204" pitchFamily="34" charset="-122"/>
+              </a:rPr>
+              <a:t>是前端开发过程中一种基于流的代码构建工具，是自动化项目的构建利器。</a:t>
+            </a:r>
+            <a:endParaRPr lang="en-US" altLang="zh-CN" sz="1600" dirty="0">
+              <a:latin typeface="微软雅黑" panose="020B0503020204020204" pitchFamily="34" charset="-122"/>
+              <a:ea typeface="微软雅黑" panose="020B0503020204020204" pitchFamily="34" charset="-122"/>
+            </a:endParaRPr>
+          </a:p>
+          <a:p>
+            <a:pPr>
+              <a:lnSpc>
+                <a:spcPct val="150000"/>
+              </a:lnSpc>
+            </a:pPr>
+            <a:endParaRPr lang="en-US" altLang="zh-CN" sz="1600" dirty="0">
+              <a:latin typeface="微软雅黑" panose="020B0503020204020204" pitchFamily="34" charset="-122"/>
+              <a:ea typeface="微软雅黑" panose="020B0503020204020204" pitchFamily="34" charset="-122"/>
+            </a:endParaRPr>
+          </a:p>
+          <a:p>
+            <a:pPr algn="just"/>
+            <a:r>
+              <a:rPr lang="en-US" altLang="zh-CN" sz="1600" kern="100" dirty="0">
+                <a:latin typeface="宋体" panose="02010600030101010101" pitchFamily="2" charset="-122"/>
+                <a:cs typeface="Times New Roman" panose="02020603050405020304" pitchFamily="18" charset="0"/>
+              </a:rPr>
+              <a:t>gulp</a:t>
+            </a:r>
+            <a:r>
+              <a:rPr lang="zh-CN" altLang="zh-CN" sz="1600" kern="100" dirty="0">
+                <a:latin typeface="宋体" panose="02010600030101010101" pitchFamily="2" charset="-122"/>
+                <a:cs typeface="Times New Roman" panose="02020603050405020304" pitchFamily="18" charset="0"/>
+              </a:rPr>
+              <a:t>是基于</a:t>
+            </a:r>
+            <a:r>
+              <a:rPr lang="en-US" altLang="zh-CN" sz="1600" kern="100" dirty="0">
+                <a:latin typeface="宋体" panose="02010600030101010101" pitchFamily="2" charset="-122"/>
+                <a:cs typeface="Times New Roman" panose="02020603050405020304" pitchFamily="18" charset="0"/>
+              </a:rPr>
+              <a:t>Node.js</a:t>
+            </a:r>
+            <a:r>
+              <a:rPr lang="zh-CN" altLang="zh-CN" sz="1600" kern="100" dirty="0">
+                <a:latin typeface="宋体" panose="02010600030101010101" pitchFamily="2" charset="-122"/>
+                <a:cs typeface="Times New Roman" panose="02020603050405020304" pitchFamily="18" charset="0"/>
+              </a:rPr>
+              <a:t>的自动任务运行器。可以自动完成</a:t>
+            </a:r>
+            <a:r>
+              <a:rPr lang="en-US" altLang="zh-CN" sz="1600" kern="100" dirty="0">
+                <a:latin typeface="宋体" panose="02010600030101010101" pitchFamily="2" charset="-122"/>
+                <a:cs typeface="Times New Roman" panose="02020603050405020304" pitchFamily="18" charset="0"/>
+              </a:rPr>
+              <a:t>html</a:t>
+            </a:r>
+            <a:r>
+              <a:rPr lang="zh-CN" altLang="zh-CN" sz="1600" kern="100" dirty="0">
+                <a:latin typeface="宋体" panose="02010600030101010101" pitchFamily="2" charset="-122"/>
+                <a:cs typeface="Times New Roman" panose="02020603050405020304" pitchFamily="18" charset="0"/>
+              </a:rPr>
+              <a:t>、</a:t>
+            </a:r>
+            <a:r>
+              <a:rPr lang="en-US" altLang="zh-CN" sz="1600" kern="100" dirty="0">
+                <a:latin typeface="宋体" panose="02010600030101010101" pitchFamily="2" charset="-122"/>
+                <a:cs typeface="Times New Roman" panose="02020603050405020304" pitchFamily="18" charset="0"/>
+              </a:rPr>
+              <a:t>image</a:t>
+            </a:r>
+            <a:r>
+              <a:rPr lang="zh-CN" altLang="zh-CN" sz="1600" kern="100" dirty="0">
+                <a:latin typeface="宋体" panose="02010600030101010101" pitchFamily="2" charset="-122"/>
+                <a:cs typeface="Times New Roman" panose="02020603050405020304" pitchFamily="18" charset="0"/>
+              </a:rPr>
+              <a:t>、</a:t>
+            </a:r>
+            <a:r>
+              <a:rPr lang="en-US" altLang="zh-CN" sz="1600" kern="100" dirty="0" err="1">
+                <a:latin typeface="宋体" panose="02010600030101010101" pitchFamily="2" charset="-122"/>
+                <a:cs typeface="Times New Roman" panose="02020603050405020304" pitchFamily="18" charset="0"/>
+              </a:rPr>
+              <a:t>css</a:t>
+            </a:r>
+            <a:r>
+              <a:rPr lang="zh-CN" altLang="zh-CN" sz="1600" kern="100" dirty="0">
+                <a:latin typeface="宋体" panose="02010600030101010101" pitchFamily="2" charset="-122"/>
+                <a:cs typeface="Times New Roman" panose="02020603050405020304" pitchFamily="18" charset="0"/>
+              </a:rPr>
+              <a:t>和</a:t>
+            </a:r>
+            <a:r>
+              <a:rPr lang="en-US" altLang="zh-CN" sz="1600" kern="100" dirty="0" err="1">
+                <a:latin typeface="宋体" panose="02010600030101010101" pitchFamily="2" charset="-122"/>
+                <a:cs typeface="Times New Roman" panose="02020603050405020304" pitchFamily="18" charset="0"/>
+              </a:rPr>
+              <a:t>js</a:t>
+            </a:r>
+            <a:r>
+              <a:rPr lang="zh-CN" altLang="zh-CN" sz="1600" kern="100" dirty="0">
+                <a:latin typeface="宋体" panose="02010600030101010101" pitchFamily="2" charset="-122"/>
+                <a:cs typeface="Times New Roman" panose="02020603050405020304" pitchFamily="18" charset="0"/>
+              </a:rPr>
+              <a:t>等文件的检测、检查、合并、压缩、格式化等，并监听文件在改动后重复指定的这些步骤。</a:t>
+            </a:r>
+          </a:p>
+          <a:p>
+            <a:pPr algn="just"/>
+            <a:r>
+              <a:rPr lang="en-US" altLang="zh-CN" sz="1600" kern="100" dirty="0">
+                <a:latin typeface="宋体" panose="02010600030101010101" pitchFamily="2" charset="-122"/>
+                <a:cs typeface="Times New Roman" panose="02020603050405020304" pitchFamily="18" charset="0"/>
+              </a:rPr>
+              <a:t> </a:t>
+            </a:r>
+            <a:endParaRPr lang="zh-CN" altLang="zh-CN" sz="1600" kern="100" dirty="0">
+              <a:latin typeface="宋体" panose="02010600030101010101" pitchFamily="2" charset="-122"/>
+              <a:cs typeface="Times New Roman" panose="02020603050405020304" pitchFamily="18" charset="0"/>
+            </a:endParaRPr>
+          </a:p>
+          <a:p>
+            <a:pPr algn="just"/>
+            <a:r>
+              <a:rPr lang="en-US" altLang="zh-CN" sz="1600" kern="100" dirty="0">
+                <a:latin typeface="宋体" panose="02010600030101010101" pitchFamily="2" charset="-122"/>
+                <a:cs typeface="Times New Roman" panose="02020603050405020304" pitchFamily="18" charset="0"/>
+              </a:rPr>
+              <a:t>gulp </a:t>
+            </a:r>
+            <a:r>
+              <a:rPr lang="zh-CN" altLang="zh-CN" sz="1600" kern="100" dirty="0">
+                <a:latin typeface="宋体" panose="02010600030101010101" pitchFamily="2" charset="-122"/>
+                <a:cs typeface="Times New Roman" panose="02020603050405020304" pitchFamily="18" charset="0"/>
+              </a:rPr>
+              <a:t>和</a:t>
+            </a:r>
+            <a:r>
+              <a:rPr lang="en-US" altLang="zh-CN" sz="1600" kern="100" dirty="0">
+                <a:latin typeface="宋体" panose="02010600030101010101" pitchFamily="2" charset="-122"/>
+                <a:cs typeface="Times New Roman" panose="02020603050405020304" pitchFamily="18" charset="0"/>
+              </a:rPr>
+              <a:t> grunt </a:t>
+            </a:r>
+            <a:r>
+              <a:rPr lang="zh-CN" altLang="zh-CN" sz="1600" kern="100" dirty="0">
+                <a:latin typeface="宋体" panose="02010600030101010101" pitchFamily="2" charset="-122"/>
+                <a:cs typeface="Times New Roman" panose="02020603050405020304" pitchFamily="18" charset="0"/>
+              </a:rPr>
+              <a:t>非常类似，但相比于</a:t>
+            </a:r>
+            <a:r>
+              <a:rPr lang="en-US" altLang="zh-CN" sz="1600" kern="100" dirty="0">
+                <a:latin typeface="宋体" panose="02010600030101010101" pitchFamily="2" charset="-122"/>
+                <a:cs typeface="Times New Roman" panose="02020603050405020304" pitchFamily="18" charset="0"/>
+              </a:rPr>
+              <a:t>grunt</a:t>
+            </a:r>
+            <a:r>
+              <a:rPr lang="zh-CN" altLang="zh-CN" sz="1600" kern="100" dirty="0">
+                <a:latin typeface="宋体" panose="02010600030101010101" pitchFamily="2" charset="-122"/>
+                <a:cs typeface="Times New Roman" panose="02020603050405020304" pitchFamily="18" charset="0"/>
+              </a:rPr>
+              <a:t>的频繁</a:t>
+            </a:r>
+            <a:r>
+              <a:rPr lang="en-US" altLang="zh-CN" sz="1600" kern="100" dirty="0" err="1">
+                <a:latin typeface="宋体" panose="02010600030101010101" pitchFamily="2" charset="-122"/>
+                <a:cs typeface="Times New Roman" panose="02020603050405020304" pitchFamily="18" charset="0"/>
+              </a:rPr>
+              <a:t>io</a:t>
+            </a:r>
+            <a:r>
+              <a:rPr lang="zh-CN" altLang="zh-CN" sz="1600" kern="100" dirty="0">
+                <a:latin typeface="宋体" panose="02010600030101010101" pitchFamily="2" charset="-122"/>
+                <a:cs typeface="Times New Roman" panose="02020603050405020304" pitchFamily="18" charset="0"/>
+              </a:rPr>
+              <a:t>操作，</a:t>
+            </a:r>
+            <a:r>
+              <a:rPr lang="en-US" altLang="zh-CN" sz="1600" kern="100" dirty="0">
+                <a:latin typeface="宋体" panose="02010600030101010101" pitchFamily="2" charset="-122"/>
+                <a:cs typeface="Times New Roman" panose="02020603050405020304" pitchFamily="18" charset="0"/>
+              </a:rPr>
+              <a:t>gulp</a:t>
+            </a:r>
+            <a:r>
+              <a:rPr lang="zh-CN" altLang="zh-CN" sz="1600" kern="100" dirty="0">
+                <a:latin typeface="宋体" panose="02010600030101010101" pitchFamily="2" charset="-122"/>
+                <a:cs typeface="Times New Roman" panose="02020603050405020304" pitchFamily="18" charset="0"/>
+              </a:rPr>
+              <a:t>的流操作，更更快更便捷的完成构建工作。</a:t>
+            </a:r>
+          </a:p>
+          <a:p>
             <a:pPr marL="285750" indent="-285750">
               <a:lnSpc>
                 <a:spcPct val="150000"/>
@@ -11661,20 +16252,6 @@
               <a:buFont typeface="Arial" panose="020B0604020202020204" pitchFamily="34" charset="0"/>
               <a:buChar char="•"/>
             </a:pPr>
-            <a:r>
-              <a:rPr lang="en-US" altLang="zh-CN" sz="1600" dirty="0">
-                <a:latin typeface="微软雅黑" panose="020B0503020204020204" pitchFamily="34" charset="-122"/>
-                <a:ea typeface="微软雅黑" panose="020B0503020204020204" pitchFamily="34" charset="-122"/>
-              </a:rPr>
-              <a:t>Gulp </a:t>
-            </a:r>
-            <a:r>
-              <a:rPr lang="zh-CN" altLang="en-US" sz="1600" dirty="0">
-                <a:latin typeface="微软雅黑" panose="020B0503020204020204" pitchFamily="34" charset="-122"/>
-                <a:ea typeface="微软雅黑" panose="020B0503020204020204" pitchFamily="34" charset="-122"/>
-              </a:rPr>
-              <a:t>是前端开发过程中一种基于流的代码构建工具，是自动化项目的构建利器。</a:t>
-            </a:r>
             <a:endParaRPr lang="en-US" altLang="zh-CN" sz="1600" dirty="0">
               <a:latin typeface="微软雅黑" panose="020B0503020204020204" pitchFamily="34" charset="-122"/>
               <a:ea typeface="微软雅黑" panose="020B0503020204020204" pitchFamily="34" charset="-122"/>
@@ -11928,1735 +16505,6 @@
 </p:sld>
 </file>
 
-<file path=ppt/slides/slide4.xml><?xml version="1.0" encoding="utf-8"?>
-<p:sld xmlns:a="http://schemas.openxmlformats.org/drawingml/2006/main" xmlns:r="http://schemas.openxmlformats.org/officeDocument/2006/relationships" xmlns:p="http://schemas.openxmlformats.org/presentationml/2006/main">
-  <p:cSld>
-    <p:spTree>
-      <p:nvGrpSpPr>
-        <p:cNvPr id="1" name=""/>
-        <p:cNvGrpSpPr/>
-        <p:nvPr/>
-      </p:nvGrpSpPr>
-      <p:grpSpPr>
-        <a:xfrm>
-          <a:off x="0" y="0"/>
-          <a:ext cx="0" cy="0"/>
-          <a:chOff x="0" y="0"/>
-          <a:chExt cx="0" cy="0"/>
-        </a:xfrm>
-      </p:grpSpPr>
-      <p:sp>
-        <p:nvSpPr>
-          <p:cNvPr id="14" name="矩形"/>
-          <p:cNvSpPr>
-            <a:spLocks/>
-          </p:cNvSpPr>
-          <p:nvPr/>
-        </p:nvSpPr>
-        <p:spPr>
-          <a:xfrm>
-            <a:off x="578721" y="1119764"/>
-            <a:ext cx="8565279" cy="2246769"/>
-          </a:xfrm>
-          <a:prstGeom prst="rect">
-            <a:avLst/>
-          </a:prstGeom>
-          <a:noFill/>
-          <a:ln w="9525" cap="flat" cmpd="sng">
-            <a:noFill/>
-            <a:prstDash val="solid"/>
-            <a:miter/>
-          </a:ln>
-        </p:spPr>
-        <p:txBody>
-          <a:bodyPr vert="horz" wrap="square" lIns="91440" tIns="45720" rIns="91440" bIns="45720" anchor="ctr" anchorCtr="0">
-            <a:prstTxWarp prst="textNoShape">
-              <a:avLst/>
-            </a:prstTxWarp>
-            <a:spAutoFit/>
-          </a:bodyPr>
-          <a:lstStyle/>
-          <a:p>
-            <a:pPr>
-              <a:lnSpc>
-                <a:spcPct val="150000"/>
-              </a:lnSpc>
-            </a:pPr>
-            <a:r>
-              <a:rPr lang="en-US" altLang="zh-CN" sz="1600" dirty="0">
-                <a:latin typeface="微软雅黑" panose="020B0503020204020204" pitchFamily="34" charset="-122"/>
-                <a:ea typeface="微软雅黑" panose="020B0503020204020204" pitchFamily="34" charset="-122"/>
-              </a:rPr>
-              <a:t>1</a:t>
-            </a:r>
-            <a:r>
-              <a:rPr lang="zh-CN" altLang="en-US" sz="1600" dirty="0">
-                <a:latin typeface="微软雅黑" panose="020B0503020204020204" pitchFamily="34" charset="-122"/>
-                <a:ea typeface="微软雅黑" panose="020B0503020204020204" pitchFamily="34" charset="-122"/>
-              </a:rPr>
-              <a:t>、全局安装</a:t>
-            </a:r>
-            <a:endParaRPr lang="en-US" altLang="zh-CN" sz="1600" dirty="0">
-              <a:latin typeface="微软雅黑" panose="020B0503020204020204" pitchFamily="34" charset="-122"/>
-              <a:ea typeface="微软雅黑" panose="020B0503020204020204" pitchFamily="34" charset="-122"/>
-            </a:endParaRPr>
-          </a:p>
-          <a:p>
-            <a:pPr>
-              <a:lnSpc>
-                <a:spcPct val="150000"/>
-              </a:lnSpc>
-            </a:pPr>
-            <a:r>
-              <a:rPr lang="en-US" altLang="zh-CN" sz="1600" dirty="0">
-                <a:latin typeface="微软雅黑" panose="020B0503020204020204" pitchFamily="34" charset="-122"/>
-                <a:ea typeface="微软雅黑" panose="020B0503020204020204" pitchFamily="34" charset="-122"/>
-              </a:rPr>
-              <a:t>$</a:t>
-            </a:r>
-            <a:r>
-              <a:rPr lang="zh-CN" altLang="en-US" sz="1600" dirty="0">
-                <a:latin typeface="微软雅黑" panose="020B0503020204020204" pitchFamily="34" charset="-122"/>
-                <a:ea typeface="微软雅黑" panose="020B0503020204020204" pitchFamily="34" charset="-122"/>
-              </a:rPr>
-              <a:t> </a:t>
-            </a:r>
-            <a:r>
-              <a:rPr lang="en-US" altLang="zh-CN" sz="1600" dirty="0" err="1">
-                <a:latin typeface="微软雅黑" panose="020B0503020204020204" pitchFamily="34" charset="-122"/>
-                <a:ea typeface="微软雅黑" panose="020B0503020204020204" pitchFamily="34" charset="-122"/>
-              </a:rPr>
-              <a:t>npm</a:t>
-            </a:r>
-            <a:r>
-              <a:rPr lang="en-US" altLang="zh-CN" sz="1600" dirty="0">
-                <a:latin typeface="微软雅黑" panose="020B0503020204020204" pitchFamily="34" charset="-122"/>
-                <a:ea typeface="微软雅黑" panose="020B0503020204020204" pitchFamily="34" charset="-122"/>
-              </a:rPr>
-              <a:t> install –global gulp</a:t>
-            </a:r>
-          </a:p>
-          <a:p>
-            <a:pPr>
-              <a:lnSpc>
-                <a:spcPct val="150000"/>
-              </a:lnSpc>
-            </a:pPr>
-            <a:r>
-              <a:rPr lang="zh-CN" altLang="en-US" sz="1600" dirty="0">
-                <a:latin typeface="微软雅黑" panose="020B0503020204020204" pitchFamily="34" charset="-122"/>
-                <a:ea typeface="微软雅黑" panose="020B0503020204020204" pitchFamily="34" charset="-122"/>
-              </a:rPr>
-              <a:t>测试命令： </a:t>
-            </a:r>
-            <a:r>
-              <a:rPr lang="en-US" altLang="zh-CN" sz="1600" dirty="0">
-                <a:latin typeface="微软雅黑" panose="020B0503020204020204" pitchFamily="34" charset="-122"/>
-                <a:ea typeface="微软雅黑" panose="020B0503020204020204" pitchFamily="34" charset="-122"/>
-              </a:rPr>
-              <a:t>gulp –v</a:t>
-            </a:r>
-          </a:p>
-          <a:p>
-            <a:pPr>
-              <a:lnSpc>
-                <a:spcPct val="150000"/>
-              </a:lnSpc>
-            </a:pPr>
-            <a:endParaRPr lang="en-US" altLang="zh-CN" sz="1600" dirty="0">
-              <a:latin typeface="微软雅黑" panose="020B0503020204020204" pitchFamily="34" charset="-122"/>
-              <a:ea typeface="微软雅黑" panose="020B0503020204020204" pitchFamily="34" charset="-122"/>
-            </a:endParaRPr>
-          </a:p>
-          <a:p>
-            <a:pPr>
-              <a:lnSpc>
-                <a:spcPct val="150000"/>
-              </a:lnSpc>
-            </a:pPr>
-            <a:r>
-              <a:rPr lang="en-US" altLang="zh-CN" sz="1600" dirty="0">
-                <a:latin typeface="微软雅黑" panose="020B0503020204020204" pitchFamily="34" charset="-122"/>
-                <a:ea typeface="微软雅黑" panose="020B0503020204020204" pitchFamily="34" charset="-122"/>
-              </a:rPr>
-              <a:t> </a:t>
-            </a:r>
-            <a:endParaRPr lang="zh-CN" altLang="zh-CN" sz="1600" dirty="0">
-              <a:latin typeface="微软雅黑" panose="020B0503020204020204" pitchFamily="34" charset="-122"/>
-              <a:ea typeface="微软雅黑" panose="020B0503020204020204" pitchFamily="34" charset="-122"/>
-            </a:endParaRPr>
-          </a:p>
-          <a:p>
-            <a:pPr marL="800100" lvl="1" indent="-342900">
-              <a:buFont typeface="Wingdings" panose="05000000000000000000" pitchFamily="2" charset="2"/>
-              <a:buChar char="u"/>
-            </a:pPr>
-            <a:endParaRPr lang="zh-CN" altLang="en-US" sz="2000" u="none" strike="noStrike" kern="1200" cap="none" spc="0" baseline="0" dirty="0">
-              <a:solidFill>
-                <a:srgbClr val="212121"/>
-              </a:solidFill>
-              <a:latin typeface="微软雅黑" charset="0"/>
-              <a:ea typeface="微软雅黑" charset="0"/>
-              <a:cs typeface="微软雅黑" charset="0"/>
-              <a:sym typeface="Calibri" pitchFamily="34" charset="0"/>
-            </a:endParaRPr>
-          </a:p>
-        </p:txBody>
-      </p:sp>
-      <p:sp>
-        <p:nvSpPr>
-          <p:cNvPr id="17" name="矩形"/>
-          <p:cNvSpPr>
-            <a:spLocks/>
-          </p:cNvSpPr>
-          <p:nvPr/>
-        </p:nvSpPr>
-        <p:spPr>
-          <a:xfrm>
-            <a:off x="3347864" y="319837"/>
-            <a:ext cx="1983235" cy="830997"/>
-          </a:xfrm>
-          <a:prstGeom prst="rect">
-            <a:avLst/>
-          </a:prstGeom>
-          <a:noFill/>
-          <a:ln w="9525" cap="flat" cmpd="sng">
-            <a:noFill/>
-            <a:prstDash val="solid"/>
-            <a:miter/>
-          </a:ln>
-        </p:spPr>
-        <p:txBody>
-          <a:bodyPr vert="horz" wrap="none" lIns="91440" tIns="45720" rIns="91440" bIns="45720" anchor="t" anchorCtr="0">
-            <a:prstTxWarp prst="textNoShape">
-              <a:avLst/>
-            </a:prstTxWarp>
-            <a:spAutoFit/>
-          </a:bodyPr>
-          <a:lstStyle/>
-          <a:p>
-            <a:r>
-              <a:rPr lang="en-US" altLang="zh-CN" sz="3000" b="1" kern="0" dirty="0">
-                <a:solidFill>
-                  <a:srgbClr val="C9394A"/>
-                </a:solidFill>
-                <a:latin typeface="微软雅黑" charset="0"/>
-                <a:ea typeface="微软雅黑" charset="0"/>
-              </a:rPr>
-              <a:t>Gulp </a:t>
-            </a:r>
-            <a:r>
-              <a:rPr lang="zh-CN" altLang="en-US" sz="3000" b="1" kern="0" dirty="0">
-                <a:solidFill>
-                  <a:srgbClr val="C9394A"/>
-                </a:solidFill>
-                <a:latin typeface="微软雅黑" charset="0"/>
-                <a:ea typeface="微软雅黑" charset="0"/>
-              </a:rPr>
-              <a:t>安装</a:t>
-            </a:r>
-          </a:p>
-          <a:p>
-            <a:endParaRPr lang="zh-CN" altLang="en-US" u="none" strike="noStrike" kern="1200" cap="none" spc="0" baseline="0" dirty="0">
-              <a:solidFill>
-                <a:schemeClr val="tx1"/>
-              </a:solidFill>
-              <a:latin typeface="Calibri" pitchFamily="34" charset="0"/>
-              <a:ea typeface="宋体" pitchFamily="2" charset="-122"/>
-              <a:cs typeface="微软雅黑" charset="0"/>
-            </a:endParaRPr>
-          </a:p>
-        </p:txBody>
-      </p:sp>
-    </p:spTree>
-    <p:extLst>
-      <p:ext uri="{BB962C8B-B14F-4D97-AF65-F5344CB8AC3E}">
-        <p14:creationId xmlns:p14="http://schemas.microsoft.com/office/powerpoint/2010/main" val="2017470411"/>
-      </p:ext>
-    </p:extLst>
-  </p:cSld>
-  <p:clrMapOvr>
-    <a:masterClrMapping/>
-  </p:clrMapOvr>
-  <p:timing>
-    <p:tnLst>
-      <p:par>
-        <p:cTn id="1" dur="indefinite" restart="never" nodeType="tmRoot">
-          <p:childTnLst>
-            <p:seq concurrent="1" nextAc="seek">
-              <p:cTn id="2" dur="indefinite" nodeType="mainSeq">
-                <p:childTnLst>
-                  <p:par>
-                    <p:cTn id="3" fill="hold">
-                      <p:stCondLst>
-                        <p:cond delay="indefinite"/>
-                      </p:stCondLst>
-                      <p:childTnLst>
-                        <p:par>
-                          <p:cTn id="4" fill="hold">
-                            <p:stCondLst>
-                              <p:cond delay="0"/>
-                            </p:stCondLst>
-                            <p:childTnLst>
-                              <p:par>
-                                <p:cTn id="5" presetID="2" presetClass="entr" presetSubtype="4" fill="hold" grpId="0" nodeType="clickEffect">
-                                  <p:stCondLst>
-                                    <p:cond delay="0"/>
-                                  </p:stCondLst>
-                                  <p:childTnLst>
-                                    <p:set>
-                                      <p:cBhvr>
-                                        <p:cTn id="6" dur="1" fill="hold">
-                                          <p:stCondLst>
-                                            <p:cond delay="0"/>
-                                          </p:stCondLst>
-                                        </p:cTn>
-                                        <p:tgtEl>
-                                          <p:spTgt spid="14"/>
-                                        </p:tgtEl>
-                                        <p:attrNameLst>
-                                          <p:attrName>style.visibility</p:attrName>
-                                        </p:attrNameLst>
-                                      </p:cBhvr>
-                                      <p:to>
-                                        <p:strVal val="visible"/>
-                                      </p:to>
-                                    </p:set>
-                                    <p:anim calcmode="lin" valueType="num">
-                                      <p:cBhvr additive="base">
-                                        <p:cTn id="7" dur="500" fill="hold"/>
-                                        <p:tgtEl>
-                                          <p:spTgt spid="14"/>
-                                        </p:tgtEl>
-                                        <p:attrNameLst>
-                                          <p:attrName>ppt_x</p:attrName>
-                                        </p:attrNameLst>
-                                      </p:cBhvr>
-                                      <p:tavLst>
-                                        <p:tav tm="0">
-                                          <p:val>
-                                            <p:strVal val="#ppt_x"/>
-                                          </p:val>
-                                        </p:tav>
-                                        <p:tav tm="100000">
-                                          <p:val>
-                                            <p:strVal val="#ppt_x"/>
-                                          </p:val>
-                                        </p:tav>
-                                      </p:tavLst>
-                                    </p:anim>
-                                    <p:anim calcmode="lin" valueType="num">
-                                      <p:cBhvr additive="base">
-                                        <p:cTn id="8" dur="500" fill="hold"/>
-                                        <p:tgtEl>
-                                          <p:spTgt spid="14"/>
-                                        </p:tgtEl>
-                                        <p:attrNameLst>
-                                          <p:attrName>ppt_y</p:attrName>
-                                        </p:attrNameLst>
-                                      </p:cBhvr>
-                                      <p:tavLst>
-                                        <p:tav tm="0">
-                                          <p:val>
-                                            <p:strVal val="1+#ppt_h/2"/>
-                                          </p:val>
-                                        </p:tav>
-                                        <p:tav tm="100000">
-                                          <p:val>
-                                            <p:strVal val="#ppt_y"/>
-                                          </p:val>
-                                        </p:tav>
-                                      </p:tavLst>
-                                    </p:anim>
-                                  </p:childTnLst>
-                                </p:cTn>
-                              </p:par>
-                            </p:childTnLst>
-                          </p:cTn>
-                        </p:par>
-                      </p:childTnLst>
-                    </p:cTn>
-                  </p:par>
-                </p:childTnLst>
-              </p:cTn>
-              <p:prevCondLst>
-                <p:cond evt="onPrev" delay="0">
-                  <p:tgtEl>
-                    <p:sldTgt/>
-                  </p:tgtEl>
-                </p:cond>
-              </p:prevCondLst>
-              <p:nextCondLst>
-                <p:cond evt="onNext" delay="0">
-                  <p:tgtEl>
-                    <p:sldTgt/>
-                  </p:tgtEl>
-                </p:cond>
-              </p:nextCondLst>
-            </p:seq>
-          </p:childTnLst>
-        </p:cTn>
-      </p:par>
-    </p:tnLst>
-    <p:bldLst>
-      <p:bldP spid="14" grpId="0"/>
-    </p:bldLst>
-  </p:timing>
-</p:sld>
-</file>
-
-<file path=ppt/slides/slide5.xml><?xml version="1.0" encoding="utf-8"?>
-<p:sld xmlns:a="http://schemas.openxmlformats.org/drawingml/2006/main" xmlns:r="http://schemas.openxmlformats.org/officeDocument/2006/relationships" xmlns:p="http://schemas.openxmlformats.org/presentationml/2006/main">
-  <p:cSld>
-    <p:spTree>
-      <p:nvGrpSpPr>
-        <p:cNvPr id="1" name=""/>
-        <p:cNvGrpSpPr/>
-        <p:nvPr/>
-      </p:nvGrpSpPr>
-      <p:grpSpPr>
-        <a:xfrm>
-          <a:off x="0" y="0"/>
-          <a:ext cx="0" cy="0"/>
-          <a:chOff x="0" y="0"/>
-          <a:chExt cx="0" cy="0"/>
-        </a:xfrm>
-      </p:grpSpPr>
-      <p:sp>
-        <p:nvSpPr>
-          <p:cNvPr id="15" name="矩形"/>
-          <p:cNvSpPr>
-            <a:spLocks/>
-          </p:cNvSpPr>
-          <p:nvPr/>
-        </p:nvSpPr>
-        <p:spPr>
-          <a:xfrm>
-            <a:off x="289360" y="659474"/>
-            <a:ext cx="8565279" cy="338554"/>
-          </a:xfrm>
-          <a:prstGeom prst="rect">
-            <a:avLst/>
-          </a:prstGeom>
-          <a:noFill/>
-          <a:ln w="9525" cap="flat" cmpd="sng">
-            <a:noFill/>
-            <a:prstDash val="solid"/>
-            <a:miter/>
-          </a:ln>
-        </p:spPr>
-        <p:txBody>
-          <a:bodyPr vert="horz" wrap="square" lIns="91440" tIns="45720" rIns="91440" bIns="45720" anchor="ctr" anchorCtr="0">
-            <a:prstTxWarp prst="textNoShape">
-              <a:avLst/>
-            </a:prstTxWarp>
-            <a:spAutoFit/>
-          </a:bodyPr>
-          <a:lstStyle/>
-          <a:p>
-            <a:pPr marL="800100" lvl="1" indent="-342900">
-              <a:buFont typeface="Wingdings" panose="05000000000000000000" pitchFamily="2" charset="2"/>
-              <a:buChar char="u"/>
-            </a:pPr>
-            <a:r>
-              <a:rPr lang="zh-CN" altLang="zh-CN" sz="1600" dirty="0">
-                <a:latin typeface="微软雅黑" panose="020B0503020204020204" pitchFamily="34" charset="-122"/>
-                <a:ea typeface="微软雅黑" panose="020B0503020204020204" pitchFamily="34" charset="-122"/>
-              </a:rPr>
-              <a:t>第一件事情，就是注册账号。</a:t>
-            </a:r>
-            <a:endParaRPr lang="zh-CN" altLang="en-US" sz="1600" u="none" strike="noStrike" kern="1200" cap="none" spc="0" baseline="0" dirty="0">
-              <a:solidFill>
-                <a:srgbClr val="212121"/>
-              </a:solidFill>
-              <a:latin typeface="微软雅黑" panose="020B0503020204020204" pitchFamily="34" charset="-122"/>
-              <a:ea typeface="微软雅黑" panose="020B0503020204020204" pitchFamily="34" charset="-122"/>
-              <a:cs typeface="微软雅黑" charset="0"/>
-            </a:endParaRPr>
-          </a:p>
-        </p:txBody>
-      </p:sp>
-      <p:sp>
-        <p:nvSpPr>
-          <p:cNvPr id="16" name="矩形"/>
-          <p:cNvSpPr>
-            <a:spLocks/>
-          </p:cNvSpPr>
-          <p:nvPr/>
-        </p:nvSpPr>
-        <p:spPr>
-          <a:xfrm>
-            <a:off x="542891" y="3437586"/>
-            <a:ext cx="8565279" cy="707886"/>
-          </a:xfrm>
-          <a:prstGeom prst="rect">
-            <a:avLst/>
-          </a:prstGeom>
-          <a:noFill/>
-          <a:ln w="9525" cap="flat" cmpd="sng">
-            <a:noFill/>
-            <a:prstDash val="solid"/>
-            <a:miter/>
-          </a:ln>
-        </p:spPr>
-        <p:txBody>
-          <a:bodyPr vert="horz" wrap="square" lIns="91440" tIns="45720" rIns="91440" bIns="45720" anchor="ctr" anchorCtr="0">
-            <a:prstTxWarp prst="textNoShape">
-              <a:avLst/>
-            </a:prstTxWarp>
-            <a:spAutoFit/>
-          </a:bodyPr>
-          <a:lstStyle/>
-          <a:p>
-            <a:pPr lvl="1" algn="l">
-              <a:lnSpc>
-                <a:spcPct val="100000"/>
-              </a:lnSpc>
-              <a:spcBef>
-                <a:spcPts val="0"/>
-              </a:spcBef>
-              <a:spcAft>
-                <a:spcPts val="0"/>
-              </a:spcAft>
-            </a:pPr>
-            <a:r>
-              <a:rPr lang="en-US" altLang="zh-CN" sz="2000" u="none" strike="noStrike" kern="1200" cap="none" spc="0" baseline="0" dirty="0">
-                <a:solidFill>
-                  <a:srgbClr val="C9394A"/>
-                </a:solidFill>
-                <a:latin typeface="微软雅黑" charset="0"/>
-                <a:ea typeface="微软雅黑" charset="0"/>
-                <a:cs typeface="微软雅黑" charset="0"/>
-                <a:sym typeface="Calibri" pitchFamily="34" charset="0"/>
-              </a:rPr>
-              <a:t>	</a:t>
-            </a:r>
-            <a:endParaRPr lang="en-US" altLang="zh-CN" sz="2000" dirty="0">
-              <a:solidFill>
-                <a:srgbClr val="C9394A"/>
-              </a:solidFill>
-              <a:latin typeface="微软雅黑" charset="0"/>
-              <a:ea typeface="微软雅黑" charset="0"/>
-              <a:cs typeface="微软雅黑" charset="0"/>
-              <a:sym typeface="Calibri" pitchFamily="34" charset="0"/>
-            </a:endParaRPr>
-          </a:p>
-          <a:p>
-            <a:pPr lvl="1" algn="l">
-              <a:lnSpc>
-                <a:spcPct val="100000"/>
-              </a:lnSpc>
-              <a:spcBef>
-                <a:spcPts val="0"/>
-              </a:spcBef>
-              <a:spcAft>
-                <a:spcPts val="0"/>
-              </a:spcAft>
-            </a:pPr>
-            <a:r>
-              <a:rPr lang="en-US" altLang="zh-CN" sz="2000" u="none" strike="noStrike" kern="1200" cap="none" spc="0" baseline="0" dirty="0">
-                <a:solidFill>
-                  <a:srgbClr val="C9394A"/>
-                </a:solidFill>
-                <a:latin typeface="微软雅黑" charset="0"/>
-                <a:ea typeface="微软雅黑" charset="0"/>
-                <a:cs typeface="微软雅黑" charset="0"/>
-                <a:sym typeface="Calibri" pitchFamily="34" charset="0"/>
-              </a:rPr>
-              <a:t>	</a:t>
-            </a:r>
-            <a:endParaRPr lang="zh-CN" altLang="en-US" sz="2000" u="none" strike="noStrike" kern="1200" cap="none" spc="0" baseline="0" dirty="0">
-              <a:solidFill>
-                <a:srgbClr val="C9394A"/>
-              </a:solidFill>
-              <a:latin typeface="微软雅黑" charset="0"/>
-              <a:ea typeface="微软雅黑" charset="0"/>
-              <a:cs typeface="微软雅黑" charset="0"/>
-              <a:sym typeface="Calibri" pitchFamily="34" charset="0"/>
-            </a:endParaRPr>
-          </a:p>
-        </p:txBody>
-      </p:sp>
-      <p:pic>
-        <p:nvPicPr>
-          <p:cNvPr id="2" name="图片 1">
-            <a:extLst>
-              <a:ext uri="{FF2B5EF4-FFF2-40B4-BE49-F238E27FC236}">
-                <a16:creationId xmlns:a16="http://schemas.microsoft.com/office/drawing/2014/main" id="{2CD8FCAF-3527-4C89-93F7-7FD6CEF3A600}"/>
-              </a:ext>
-            </a:extLst>
-          </p:cNvPr>
-          <p:cNvPicPr>
-            <a:picLocks noChangeAspect="1"/>
-          </p:cNvPicPr>
-          <p:nvPr/>
-        </p:nvPicPr>
-        <p:blipFill>
-          <a:blip r:embed="rId3"/>
-          <a:stretch>
-            <a:fillRect/>
-          </a:stretch>
-        </p:blipFill>
-        <p:spPr>
-          <a:xfrm>
-            <a:off x="1403648" y="1131590"/>
-            <a:ext cx="5400600" cy="3575127"/>
-          </a:xfrm>
-          <a:prstGeom prst="rect">
-            <a:avLst/>
-          </a:prstGeom>
-        </p:spPr>
-      </p:pic>
-    </p:spTree>
-    <p:extLst>
-      <p:ext uri="{BB962C8B-B14F-4D97-AF65-F5344CB8AC3E}">
-        <p14:creationId xmlns:p14="http://schemas.microsoft.com/office/powerpoint/2010/main" val="1300199824"/>
-      </p:ext>
-    </p:extLst>
-  </p:cSld>
-  <p:clrMapOvr>
-    <a:masterClrMapping/>
-  </p:clrMapOvr>
-  <p:timing>
-    <p:tnLst>
-      <p:par>
-        <p:cTn id="1" dur="indefinite" restart="never" nodeType="tmRoot">
-          <p:childTnLst>
-            <p:seq concurrent="1" nextAc="seek">
-              <p:cTn id="2" dur="indefinite" nodeType="mainSeq">
-                <p:childTnLst>
-                  <p:par>
-                    <p:cTn id="3" fill="hold">
-                      <p:stCondLst>
-                        <p:cond delay="indefinite"/>
-                      </p:stCondLst>
-                      <p:childTnLst>
-                        <p:par>
-                          <p:cTn id="4" fill="hold">
-                            <p:stCondLst>
-                              <p:cond delay="0"/>
-                            </p:stCondLst>
-                            <p:childTnLst>
-                              <p:par>
-                                <p:cTn id="5" presetID="2" presetClass="entr" presetSubtype="4" fill="hold" grpId="0" nodeType="clickEffect">
-                                  <p:stCondLst>
-                                    <p:cond delay="0"/>
-                                  </p:stCondLst>
-                                  <p:childTnLst>
-                                    <p:set>
-                                      <p:cBhvr>
-                                        <p:cTn id="6" dur="1" fill="hold">
-                                          <p:stCondLst>
-                                            <p:cond delay="0"/>
-                                          </p:stCondLst>
-                                        </p:cTn>
-                                        <p:tgtEl>
-                                          <p:spTgt spid="15"/>
-                                        </p:tgtEl>
-                                        <p:attrNameLst>
-                                          <p:attrName>style.visibility</p:attrName>
-                                        </p:attrNameLst>
-                                      </p:cBhvr>
-                                      <p:to>
-                                        <p:strVal val="visible"/>
-                                      </p:to>
-                                    </p:set>
-                                    <p:anim calcmode="lin" valueType="num">
-                                      <p:cBhvr additive="base">
-                                        <p:cTn id="7" dur="500" fill="hold"/>
-                                        <p:tgtEl>
-                                          <p:spTgt spid="15"/>
-                                        </p:tgtEl>
-                                        <p:attrNameLst>
-                                          <p:attrName>ppt_x</p:attrName>
-                                        </p:attrNameLst>
-                                      </p:cBhvr>
-                                      <p:tavLst>
-                                        <p:tav tm="0">
-                                          <p:val>
-                                            <p:strVal val="#ppt_x"/>
-                                          </p:val>
-                                        </p:tav>
-                                        <p:tav tm="100000">
-                                          <p:val>
-                                            <p:strVal val="#ppt_x"/>
-                                          </p:val>
-                                        </p:tav>
-                                      </p:tavLst>
-                                    </p:anim>
-                                    <p:anim calcmode="lin" valueType="num">
-                                      <p:cBhvr additive="base">
-                                        <p:cTn id="8" dur="500" fill="hold"/>
-                                        <p:tgtEl>
-                                          <p:spTgt spid="15"/>
-                                        </p:tgtEl>
-                                        <p:attrNameLst>
-                                          <p:attrName>ppt_y</p:attrName>
-                                        </p:attrNameLst>
-                                      </p:cBhvr>
-                                      <p:tavLst>
-                                        <p:tav tm="0">
-                                          <p:val>
-                                            <p:strVal val="1+#ppt_h/2"/>
-                                          </p:val>
-                                        </p:tav>
-                                        <p:tav tm="100000">
-                                          <p:val>
-                                            <p:strVal val="#ppt_y"/>
-                                          </p:val>
-                                        </p:tav>
-                                      </p:tavLst>
-                                    </p:anim>
-                                  </p:childTnLst>
-                                </p:cTn>
-                              </p:par>
-                            </p:childTnLst>
-                          </p:cTn>
-                        </p:par>
-                      </p:childTnLst>
-                    </p:cTn>
-                  </p:par>
-                  <p:par>
-                    <p:cTn id="9" fill="hold">
-                      <p:stCondLst>
-                        <p:cond delay="indefinite"/>
-                      </p:stCondLst>
-                      <p:childTnLst>
-                        <p:par>
-                          <p:cTn id="10" fill="hold">
-                            <p:stCondLst>
-                              <p:cond delay="0"/>
-                            </p:stCondLst>
-                            <p:childTnLst>
-                              <p:par>
-                                <p:cTn id="11" presetID="2" presetClass="entr" presetSubtype="4" fill="hold" grpId="0" nodeType="clickEffect">
-                                  <p:stCondLst>
-                                    <p:cond delay="0"/>
-                                  </p:stCondLst>
-                                  <p:childTnLst>
-                                    <p:set>
-                                      <p:cBhvr>
-                                        <p:cTn id="12" dur="1" fill="hold">
-                                          <p:stCondLst>
-                                            <p:cond delay="0"/>
-                                          </p:stCondLst>
-                                        </p:cTn>
-                                        <p:tgtEl>
-                                          <p:spTgt spid="16"/>
-                                        </p:tgtEl>
-                                        <p:attrNameLst>
-                                          <p:attrName>style.visibility</p:attrName>
-                                        </p:attrNameLst>
-                                      </p:cBhvr>
-                                      <p:to>
-                                        <p:strVal val="visible"/>
-                                      </p:to>
-                                    </p:set>
-                                    <p:anim calcmode="lin" valueType="num">
-                                      <p:cBhvr additive="base">
-                                        <p:cTn id="13" dur="500" fill="hold"/>
-                                        <p:tgtEl>
-                                          <p:spTgt spid="16"/>
-                                        </p:tgtEl>
-                                        <p:attrNameLst>
-                                          <p:attrName>ppt_x</p:attrName>
-                                        </p:attrNameLst>
-                                      </p:cBhvr>
-                                      <p:tavLst>
-                                        <p:tav tm="0">
-                                          <p:val>
-                                            <p:strVal val="#ppt_x"/>
-                                          </p:val>
-                                        </p:tav>
-                                        <p:tav tm="100000">
-                                          <p:val>
-                                            <p:strVal val="#ppt_x"/>
-                                          </p:val>
-                                        </p:tav>
-                                      </p:tavLst>
-                                    </p:anim>
-                                    <p:anim calcmode="lin" valueType="num">
-                                      <p:cBhvr additive="base">
-                                        <p:cTn id="14" dur="500" fill="hold"/>
-                                        <p:tgtEl>
-                                          <p:spTgt spid="16"/>
-                                        </p:tgtEl>
-                                        <p:attrNameLst>
-                                          <p:attrName>ppt_y</p:attrName>
-                                        </p:attrNameLst>
-                                      </p:cBhvr>
-                                      <p:tavLst>
-                                        <p:tav tm="0">
-                                          <p:val>
-                                            <p:strVal val="1+#ppt_h/2"/>
-                                          </p:val>
-                                        </p:tav>
-                                        <p:tav tm="100000">
-                                          <p:val>
-                                            <p:strVal val="#ppt_y"/>
-                                          </p:val>
-                                        </p:tav>
-                                      </p:tavLst>
-                                    </p:anim>
-                                  </p:childTnLst>
-                                </p:cTn>
-                              </p:par>
-                            </p:childTnLst>
-                          </p:cTn>
-                        </p:par>
-                      </p:childTnLst>
-                    </p:cTn>
-                  </p:par>
-                </p:childTnLst>
-              </p:cTn>
-              <p:prevCondLst>
-                <p:cond evt="onPrev" delay="0">
-                  <p:tgtEl>
-                    <p:sldTgt/>
-                  </p:tgtEl>
-                </p:cond>
-              </p:prevCondLst>
-              <p:nextCondLst>
-                <p:cond evt="onNext" delay="0">
-                  <p:tgtEl>
-                    <p:sldTgt/>
-                  </p:tgtEl>
-                </p:cond>
-              </p:nextCondLst>
-            </p:seq>
-          </p:childTnLst>
-        </p:cTn>
-      </p:par>
-    </p:tnLst>
-    <p:bldLst>
-      <p:bldP spid="15" grpId="0"/>
-      <p:bldP spid="16" grpId="0"/>
-    </p:bldLst>
-  </p:timing>
-</p:sld>
-</file>
-
-<file path=ppt/slides/slide6.xml><?xml version="1.0" encoding="utf-8"?>
-<p:sld xmlns:a="http://schemas.openxmlformats.org/drawingml/2006/main" xmlns:r="http://schemas.openxmlformats.org/officeDocument/2006/relationships" xmlns:p="http://schemas.openxmlformats.org/presentationml/2006/main">
-  <p:cSld>
-    <p:spTree>
-      <p:nvGrpSpPr>
-        <p:cNvPr id="1" name=""/>
-        <p:cNvGrpSpPr/>
-        <p:nvPr/>
-      </p:nvGrpSpPr>
-      <p:grpSpPr>
-        <a:xfrm>
-          <a:off x="0" y="0"/>
-          <a:ext cx="0" cy="0"/>
-          <a:chOff x="0" y="0"/>
-          <a:chExt cx="0" cy="0"/>
-        </a:xfrm>
-      </p:grpSpPr>
-      <p:sp>
-        <p:nvSpPr>
-          <p:cNvPr id="15" name="矩形"/>
-          <p:cNvSpPr>
-            <a:spLocks/>
-          </p:cNvSpPr>
-          <p:nvPr/>
-        </p:nvSpPr>
-        <p:spPr>
-          <a:xfrm>
-            <a:off x="289360" y="621168"/>
-            <a:ext cx="8565279" cy="338554"/>
-          </a:xfrm>
-          <a:prstGeom prst="rect">
-            <a:avLst/>
-          </a:prstGeom>
-          <a:noFill/>
-          <a:ln w="9525" cap="flat" cmpd="sng">
-            <a:noFill/>
-            <a:prstDash val="solid"/>
-            <a:miter/>
-          </a:ln>
-        </p:spPr>
-        <p:txBody>
-          <a:bodyPr vert="horz" wrap="square" lIns="91440" tIns="45720" rIns="91440" bIns="45720" anchor="ctr" anchorCtr="0">
-            <a:prstTxWarp prst="textNoShape">
-              <a:avLst/>
-            </a:prstTxWarp>
-            <a:spAutoFit/>
-          </a:bodyPr>
-          <a:lstStyle/>
-          <a:p>
-            <a:pPr marL="800100" lvl="1" indent="-342900">
-              <a:buFont typeface="Wingdings" panose="05000000000000000000" pitchFamily="2" charset="2"/>
-              <a:buChar char="u"/>
-            </a:pPr>
-            <a:r>
-              <a:rPr lang="zh-CN" altLang="zh-CN" sz="1600" dirty="0">
-                <a:latin typeface="微软雅黑" panose="020B0503020204020204" pitchFamily="34" charset="-122"/>
-                <a:ea typeface="微软雅黑" panose="020B0503020204020204" pitchFamily="34" charset="-122"/>
-              </a:rPr>
-              <a:t>创建版本库</a:t>
-            </a:r>
-          </a:p>
-        </p:txBody>
-      </p:sp>
-      <p:sp>
-        <p:nvSpPr>
-          <p:cNvPr id="16" name="矩形"/>
-          <p:cNvSpPr>
-            <a:spLocks/>
-          </p:cNvSpPr>
-          <p:nvPr/>
-        </p:nvSpPr>
-        <p:spPr>
-          <a:xfrm>
-            <a:off x="542891" y="3437586"/>
-            <a:ext cx="8565279" cy="707886"/>
-          </a:xfrm>
-          <a:prstGeom prst="rect">
-            <a:avLst/>
-          </a:prstGeom>
-          <a:noFill/>
-          <a:ln w="9525" cap="flat" cmpd="sng">
-            <a:noFill/>
-            <a:prstDash val="solid"/>
-            <a:miter/>
-          </a:ln>
-        </p:spPr>
-        <p:txBody>
-          <a:bodyPr vert="horz" wrap="square" lIns="91440" tIns="45720" rIns="91440" bIns="45720" anchor="ctr" anchorCtr="0">
-            <a:prstTxWarp prst="textNoShape">
-              <a:avLst/>
-            </a:prstTxWarp>
-            <a:spAutoFit/>
-          </a:bodyPr>
-          <a:lstStyle/>
-          <a:p>
-            <a:pPr lvl="1" algn="l">
-              <a:lnSpc>
-                <a:spcPct val="100000"/>
-              </a:lnSpc>
-              <a:spcBef>
-                <a:spcPts val="0"/>
-              </a:spcBef>
-              <a:spcAft>
-                <a:spcPts val="0"/>
-              </a:spcAft>
-            </a:pPr>
-            <a:r>
-              <a:rPr lang="en-US" altLang="zh-CN" sz="2000" u="none" strike="noStrike" kern="1200" cap="none" spc="0" baseline="0" dirty="0">
-                <a:solidFill>
-                  <a:srgbClr val="C9394A"/>
-                </a:solidFill>
-                <a:latin typeface="微软雅黑" charset="0"/>
-                <a:ea typeface="微软雅黑" charset="0"/>
-                <a:cs typeface="微软雅黑" charset="0"/>
-                <a:sym typeface="Calibri" pitchFamily="34" charset="0"/>
-              </a:rPr>
-              <a:t>	</a:t>
-            </a:r>
-            <a:endParaRPr lang="en-US" altLang="zh-CN" sz="2000" dirty="0">
-              <a:solidFill>
-                <a:srgbClr val="C9394A"/>
-              </a:solidFill>
-              <a:latin typeface="微软雅黑" charset="0"/>
-              <a:ea typeface="微软雅黑" charset="0"/>
-              <a:cs typeface="微软雅黑" charset="0"/>
-              <a:sym typeface="Calibri" pitchFamily="34" charset="0"/>
-            </a:endParaRPr>
-          </a:p>
-          <a:p>
-            <a:pPr lvl="1" algn="l">
-              <a:lnSpc>
-                <a:spcPct val="100000"/>
-              </a:lnSpc>
-              <a:spcBef>
-                <a:spcPts val="0"/>
-              </a:spcBef>
-              <a:spcAft>
-                <a:spcPts val="0"/>
-              </a:spcAft>
-            </a:pPr>
-            <a:r>
-              <a:rPr lang="en-US" altLang="zh-CN" sz="2000" u="none" strike="noStrike" kern="1200" cap="none" spc="0" baseline="0" dirty="0">
-                <a:solidFill>
-                  <a:srgbClr val="C9394A"/>
-                </a:solidFill>
-                <a:latin typeface="微软雅黑" charset="0"/>
-                <a:ea typeface="微软雅黑" charset="0"/>
-                <a:cs typeface="微软雅黑" charset="0"/>
-                <a:sym typeface="Calibri" pitchFamily="34" charset="0"/>
-              </a:rPr>
-              <a:t>	</a:t>
-            </a:r>
-            <a:endParaRPr lang="zh-CN" altLang="en-US" sz="2000" u="none" strike="noStrike" kern="1200" cap="none" spc="0" baseline="0" dirty="0">
-              <a:solidFill>
-                <a:srgbClr val="C9394A"/>
-              </a:solidFill>
-              <a:latin typeface="微软雅黑" charset="0"/>
-              <a:ea typeface="微软雅黑" charset="0"/>
-              <a:cs typeface="微软雅黑" charset="0"/>
-              <a:sym typeface="Calibri" pitchFamily="34" charset="0"/>
-            </a:endParaRPr>
-          </a:p>
-        </p:txBody>
-      </p:sp>
-      <p:pic>
-        <p:nvPicPr>
-          <p:cNvPr id="4" name="图片 3">
-            <a:extLst>
-              <a:ext uri="{FF2B5EF4-FFF2-40B4-BE49-F238E27FC236}">
-                <a16:creationId xmlns:a16="http://schemas.microsoft.com/office/drawing/2014/main" id="{3B0D3E17-592D-4E0A-B315-3A9590A83975}"/>
-              </a:ext>
-            </a:extLst>
-          </p:cNvPr>
-          <p:cNvPicPr>
-            <a:picLocks noChangeAspect="1"/>
-          </p:cNvPicPr>
-          <p:nvPr/>
-        </p:nvPicPr>
-        <p:blipFill>
-          <a:blip r:embed="rId3"/>
-          <a:stretch>
-            <a:fillRect/>
-          </a:stretch>
-        </p:blipFill>
-        <p:spPr>
-          <a:xfrm>
-            <a:off x="1234452" y="998028"/>
-            <a:ext cx="6675094" cy="4069160"/>
-          </a:xfrm>
-          <a:prstGeom prst="rect">
-            <a:avLst/>
-          </a:prstGeom>
-        </p:spPr>
-      </p:pic>
-    </p:spTree>
-    <p:extLst>
-      <p:ext uri="{BB962C8B-B14F-4D97-AF65-F5344CB8AC3E}">
-        <p14:creationId xmlns:p14="http://schemas.microsoft.com/office/powerpoint/2010/main" val="294992110"/>
-      </p:ext>
-    </p:extLst>
-  </p:cSld>
-  <p:clrMapOvr>
-    <a:masterClrMapping/>
-  </p:clrMapOvr>
-  <p:timing>
-    <p:tnLst>
-      <p:par>
-        <p:cTn id="1" dur="indefinite" restart="never" nodeType="tmRoot">
-          <p:childTnLst>
-            <p:seq concurrent="1" nextAc="seek">
-              <p:cTn id="2" dur="indefinite" nodeType="mainSeq">
-                <p:childTnLst>
-                  <p:par>
-                    <p:cTn id="3" fill="hold">
-                      <p:stCondLst>
-                        <p:cond delay="indefinite"/>
-                      </p:stCondLst>
-                      <p:childTnLst>
-                        <p:par>
-                          <p:cTn id="4" fill="hold">
-                            <p:stCondLst>
-                              <p:cond delay="0"/>
-                            </p:stCondLst>
-                            <p:childTnLst>
-                              <p:par>
-                                <p:cTn id="5" presetID="2" presetClass="entr" presetSubtype="4" fill="hold" grpId="0" nodeType="clickEffect">
-                                  <p:stCondLst>
-                                    <p:cond delay="0"/>
-                                  </p:stCondLst>
-                                  <p:childTnLst>
-                                    <p:set>
-                                      <p:cBhvr>
-                                        <p:cTn id="6" dur="1" fill="hold">
-                                          <p:stCondLst>
-                                            <p:cond delay="0"/>
-                                          </p:stCondLst>
-                                        </p:cTn>
-                                        <p:tgtEl>
-                                          <p:spTgt spid="15"/>
-                                        </p:tgtEl>
-                                        <p:attrNameLst>
-                                          <p:attrName>style.visibility</p:attrName>
-                                        </p:attrNameLst>
-                                      </p:cBhvr>
-                                      <p:to>
-                                        <p:strVal val="visible"/>
-                                      </p:to>
-                                    </p:set>
-                                    <p:anim calcmode="lin" valueType="num">
-                                      <p:cBhvr additive="base">
-                                        <p:cTn id="7" dur="500" fill="hold"/>
-                                        <p:tgtEl>
-                                          <p:spTgt spid="15"/>
-                                        </p:tgtEl>
-                                        <p:attrNameLst>
-                                          <p:attrName>ppt_x</p:attrName>
-                                        </p:attrNameLst>
-                                      </p:cBhvr>
-                                      <p:tavLst>
-                                        <p:tav tm="0">
-                                          <p:val>
-                                            <p:strVal val="#ppt_x"/>
-                                          </p:val>
-                                        </p:tav>
-                                        <p:tav tm="100000">
-                                          <p:val>
-                                            <p:strVal val="#ppt_x"/>
-                                          </p:val>
-                                        </p:tav>
-                                      </p:tavLst>
-                                    </p:anim>
-                                    <p:anim calcmode="lin" valueType="num">
-                                      <p:cBhvr additive="base">
-                                        <p:cTn id="8" dur="500" fill="hold"/>
-                                        <p:tgtEl>
-                                          <p:spTgt spid="15"/>
-                                        </p:tgtEl>
-                                        <p:attrNameLst>
-                                          <p:attrName>ppt_y</p:attrName>
-                                        </p:attrNameLst>
-                                      </p:cBhvr>
-                                      <p:tavLst>
-                                        <p:tav tm="0">
-                                          <p:val>
-                                            <p:strVal val="1+#ppt_h/2"/>
-                                          </p:val>
-                                        </p:tav>
-                                        <p:tav tm="100000">
-                                          <p:val>
-                                            <p:strVal val="#ppt_y"/>
-                                          </p:val>
-                                        </p:tav>
-                                      </p:tavLst>
-                                    </p:anim>
-                                  </p:childTnLst>
-                                </p:cTn>
-                              </p:par>
-                            </p:childTnLst>
-                          </p:cTn>
-                        </p:par>
-                      </p:childTnLst>
-                    </p:cTn>
-                  </p:par>
-                  <p:par>
-                    <p:cTn id="9" fill="hold">
-                      <p:stCondLst>
-                        <p:cond delay="indefinite"/>
-                      </p:stCondLst>
-                      <p:childTnLst>
-                        <p:par>
-                          <p:cTn id="10" fill="hold">
-                            <p:stCondLst>
-                              <p:cond delay="0"/>
-                            </p:stCondLst>
-                            <p:childTnLst>
-                              <p:par>
-                                <p:cTn id="11" presetID="2" presetClass="entr" presetSubtype="4" fill="hold" grpId="0" nodeType="clickEffect">
-                                  <p:stCondLst>
-                                    <p:cond delay="0"/>
-                                  </p:stCondLst>
-                                  <p:childTnLst>
-                                    <p:set>
-                                      <p:cBhvr>
-                                        <p:cTn id="12" dur="1" fill="hold">
-                                          <p:stCondLst>
-                                            <p:cond delay="0"/>
-                                          </p:stCondLst>
-                                        </p:cTn>
-                                        <p:tgtEl>
-                                          <p:spTgt spid="16"/>
-                                        </p:tgtEl>
-                                        <p:attrNameLst>
-                                          <p:attrName>style.visibility</p:attrName>
-                                        </p:attrNameLst>
-                                      </p:cBhvr>
-                                      <p:to>
-                                        <p:strVal val="visible"/>
-                                      </p:to>
-                                    </p:set>
-                                    <p:anim calcmode="lin" valueType="num">
-                                      <p:cBhvr additive="base">
-                                        <p:cTn id="13" dur="500" fill="hold"/>
-                                        <p:tgtEl>
-                                          <p:spTgt spid="16"/>
-                                        </p:tgtEl>
-                                        <p:attrNameLst>
-                                          <p:attrName>ppt_x</p:attrName>
-                                        </p:attrNameLst>
-                                      </p:cBhvr>
-                                      <p:tavLst>
-                                        <p:tav tm="0">
-                                          <p:val>
-                                            <p:strVal val="#ppt_x"/>
-                                          </p:val>
-                                        </p:tav>
-                                        <p:tav tm="100000">
-                                          <p:val>
-                                            <p:strVal val="#ppt_x"/>
-                                          </p:val>
-                                        </p:tav>
-                                      </p:tavLst>
-                                    </p:anim>
-                                    <p:anim calcmode="lin" valueType="num">
-                                      <p:cBhvr additive="base">
-                                        <p:cTn id="14" dur="500" fill="hold"/>
-                                        <p:tgtEl>
-                                          <p:spTgt spid="16"/>
-                                        </p:tgtEl>
-                                        <p:attrNameLst>
-                                          <p:attrName>ppt_y</p:attrName>
-                                        </p:attrNameLst>
-                                      </p:cBhvr>
-                                      <p:tavLst>
-                                        <p:tav tm="0">
-                                          <p:val>
-                                            <p:strVal val="1+#ppt_h/2"/>
-                                          </p:val>
-                                        </p:tav>
-                                        <p:tav tm="100000">
-                                          <p:val>
-                                            <p:strVal val="#ppt_y"/>
-                                          </p:val>
-                                        </p:tav>
-                                      </p:tavLst>
-                                    </p:anim>
-                                  </p:childTnLst>
-                                </p:cTn>
-                              </p:par>
-                            </p:childTnLst>
-                          </p:cTn>
-                        </p:par>
-                      </p:childTnLst>
-                    </p:cTn>
-                  </p:par>
-                </p:childTnLst>
-              </p:cTn>
-              <p:prevCondLst>
-                <p:cond evt="onPrev" delay="0">
-                  <p:tgtEl>
-                    <p:sldTgt/>
-                  </p:tgtEl>
-                </p:cond>
-              </p:prevCondLst>
-              <p:nextCondLst>
-                <p:cond evt="onNext" delay="0">
-                  <p:tgtEl>
-                    <p:sldTgt/>
-                  </p:tgtEl>
-                </p:cond>
-              </p:nextCondLst>
-            </p:seq>
-          </p:childTnLst>
-        </p:cTn>
-      </p:par>
-    </p:tnLst>
-    <p:bldLst>
-      <p:bldP spid="15" grpId="0"/>
-      <p:bldP spid="16" grpId="0"/>
-    </p:bldLst>
-  </p:timing>
-</p:sld>
-</file>
-
-<file path=ppt/slides/slide7.xml><?xml version="1.0" encoding="utf-8"?>
-<p:sld xmlns:a="http://schemas.openxmlformats.org/drawingml/2006/main" xmlns:r="http://schemas.openxmlformats.org/officeDocument/2006/relationships" xmlns:p="http://schemas.openxmlformats.org/presentationml/2006/main">
-  <p:cSld>
-    <p:spTree>
-      <p:nvGrpSpPr>
-        <p:cNvPr id="1" name=""/>
-        <p:cNvGrpSpPr/>
-        <p:nvPr/>
-      </p:nvGrpSpPr>
-      <p:grpSpPr>
-        <a:xfrm>
-          <a:off x="0" y="0"/>
-          <a:ext cx="0" cy="0"/>
-          <a:chOff x="0" y="0"/>
-          <a:chExt cx="0" cy="0"/>
-        </a:xfrm>
-      </p:grpSpPr>
-      <p:sp>
-        <p:nvSpPr>
-          <p:cNvPr id="14" name="矩形"/>
-          <p:cNvSpPr>
-            <a:spLocks/>
-          </p:cNvSpPr>
-          <p:nvPr/>
-        </p:nvSpPr>
-        <p:spPr>
-          <a:xfrm>
-            <a:off x="1022894" y="2371695"/>
-            <a:ext cx="8565279" cy="400110"/>
-          </a:xfrm>
-          <a:prstGeom prst="rect">
-            <a:avLst/>
-          </a:prstGeom>
-          <a:noFill/>
-          <a:ln w="9525" cap="flat" cmpd="sng">
-            <a:noFill/>
-            <a:prstDash val="solid"/>
-            <a:miter/>
-          </a:ln>
-        </p:spPr>
-        <p:txBody>
-          <a:bodyPr vert="horz" wrap="square" lIns="91440" tIns="45720" rIns="91440" bIns="45720" anchor="ctr" anchorCtr="0">
-            <a:prstTxWarp prst="textNoShape">
-              <a:avLst/>
-            </a:prstTxWarp>
-            <a:spAutoFit/>
-          </a:bodyPr>
-          <a:lstStyle/>
-          <a:p>
-            <a:pPr marL="800100" lvl="1" indent="-342900">
-              <a:buFont typeface="Wingdings" panose="05000000000000000000" pitchFamily="2" charset="2"/>
-              <a:buChar char="u"/>
-            </a:pPr>
-            <a:r>
-              <a:rPr lang="en-US" altLang="zh-CN" sz="2000" dirty="0" err="1">
-                <a:solidFill>
-                  <a:srgbClr val="212121"/>
-                </a:solidFill>
-                <a:latin typeface="微软雅黑" charset="0"/>
-                <a:ea typeface="微软雅黑" charset="0"/>
-                <a:cs typeface="微软雅黑" charset="0"/>
-                <a:sym typeface="Calibri" pitchFamily="34" charset="0"/>
-              </a:rPr>
-              <a:t>github</a:t>
-            </a:r>
-            <a:r>
-              <a:rPr lang="zh-CN" altLang="en-US" sz="2000" dirty="0">
-                <a:solidFill>
-                  <a:srgbClr val="212121"/>
-                </a:solidFill>
-                <a:latin typeface="微软雅黑" charset="0"/>
-                <a:ea typeface="微软雅黑" charset="0"/>
-                <a:cs typeface="微软雅黑" charset="0"/>
-                <a:sym typeface="Calibri" pitchFamily="34" charset="0"/>
-              </a:rPr>
-              <a:t>支持两种加密传输协议：</a:t>
-            </a:r>
-            <a:r>
-              <a:rPr lang="en-US" altLang="zh-CN" sz="2000" dirty="0" err="1">
-                <a:solidFill>
-                  <a:srgbClr val="212121"/>
-                </a:solidFill>
-                <a:latin typeface="微软雅黑" charset="0"/>
-                <a:ea typeface="微软雅黑" charset="0"/>
-                <a:cs typeface="微软雅黑" charset="0"/>
-                <a:sym typeface="Calibri" pitchFamily="34" charset="0"/>
-              </a:rPr>
-              <a:t>ssh</a:t>
-            </a:r>
-            <a:r>
-              <a:rPr lang="en-US" altLang="zh-CN" sz="2000" dirty="0">
-                <a:solidFill>
-                  <a:srgbClr val="212121"/>
-                </a:solidFill>
-                <a:latin typeface="微软雅黑" charset="0"/>
-                <a:ea typeface="微软雅黑" charset="0"/>
-                <a:cs typeface="微软雅黑" charset="0"/>
-                <a:sym typeface="Calibri" pitchFamily="34" charset="0"/>
-              </a:rPr>
-              <a:t>   https</a:t>
-            </a:r>
-            <a:endParaRPr lang="zh-CN" altLang="en-US" sz="2000" u="none" strike="noStrike" kern="1200" cap="none" spc="0" baseline="0" dirty="0">
-              <a:solidFill>
-                <a:srgbClr val="212121"/>
-              </a:solidFill>
-              <a:latin typeface="微软雅黑" charset="0"/>
-              <a:ea typeface="微软雅黑" charset="0"/>
-              <a:cs typeface="微软雅黑" charset="0"/>
-              <a:sym typeface="Calibri" pitchFamily="34" charset="0"/>
-            </a:endParaRPr>
-          </a:p>
-        </p:txBody>
-      </p:sp>
-      <p:sp>
-        <p:nvSpPr>
-          <p:cNvPr id="16" name="矩形"/>
-          <p:cNvSpPr>
-            <a:spLocks/>
-          </p:cNvSpPr>
-          <p:nvPr/>
-        </p:nvSpPr>
-        <p:spPr>
-          <a:xfrm>
-            <a:off x="542891" y="3437586"/>
-            <a:ext cx="8565279" cy="707886"/>
-          </a:xfrm>
-          <a:prstGeom prst="rect">
-            <a:avLst/>
-          </a:prstGeom>
-          <a:noFill/>
-          <a:ln w="9525" cap="flat" cmpd="sng">
-            <a:noFill/>
-            <a:prstDash val="solid"/>
-            <a:miter/>
-          </a:ln>
-        </p:spPr>
-        <p:txBody>
-          <a:bodyPr vert="horz" wrap="square" lIns="91440" tIns="45720" rIns="91440" bIns="45720" anchor="ctr" anchorCtr="0">
-            <a:prstTxWarp prst="textNoShape">
-              <a:avLst/>
-            </a:prstTxWarp>
-            <a:spAutoFit/>
-          </a:bodyPr>
-          <a:lstStyle/>
-          <a:p>
-            <a:pPr lvl="1" algn="l">
-              <a:lnSpc>
-                <a:spcPct val="100000"/>
-              </a:lnSpc>
-              <a:spcBef>
-                <a:spcPts val="0"/>
-              </a:spcBef>
-              <a:spcAft>
-                <a:spcPts val="0"/>
-              </a:spcAft>
-            </a:pPr>
-            <a:r>
-              <a:rPr lang="en-US" altLang="zh-CN" sz="2000" u="none" strike="noStrike" kern="1200" cap="none" spc="0" baseline="0" dirty="0">
-                <a:solidFill>
-                  <a:srgbClr val="C9394A"/>
-                </a:solidFill>
-                <a:latin typeface="微软雅黑" charset="0"/>
-                <a:ea typeface="微软雅黑" charset="0"/>
-                <a:cs typeface="微软雅黑" charset="0"/>
-                <a:sym typeface="Calibri" pitchFamily="34" charset="0"/>
-              </a:rPr>
-              <a:t>	</a:t>
-            </a:r>
-            <a:endParaRPr lang="en-US" altLang="zh-CN" sz="2000" dirty="0">
-              <a:solidFill>
-                <a:srgbClr val="C9394A"/>
-              </a:solidFill>
-              <a:latin typeface="微软雅黑" charset="0"/>
-              <a:ea typeface="微软雅黑" charset="0"/>
-              <a:cs typeface="微软雅黑" charset="0"/>
-              <a:sym typeface="Calibri" pitchFamily="34" charset="0"/>
-            </a:endParaRPr>
-          </a:p>
-          <a:p>
-            <a:pPr lvl="1" algn="l">
-              <a:lnSpc>
-                <a:spcPct val="100000"/>
-              </a:lnSpc>
-              <a:spcBef>
-                <a:spcPts val="0"/>
-              </a:spcBef>
-              <a:spcAft>
-                <a:spcPts val="0"/>
-              </a:spcAft>
-            </a:pPr>
-            <a:r>
-              <a:rPr lang="en-US" altLang="zh-CN" sz="2000" u="none" strike="noStrike" kern="1200" cap="none" spc="0" baseline="0" dirty="0">
-                <a:solidFill>
-                  <a:srgbClr val="C9394A"/>
-                </a:solidFill>
-                <a:latin typeface="微软雅黑" charset="0"/>
-                <a:ea typeface="微软雅黑" charset="0"/>
-                <a:cs typeface="微软雅黑" charset="0"/>
-                <a:sym typeface="Calibri" pitchFamily="34" charset="0"/>
-              </a:rPr>
-              <a:t>	</a:t>
-            </a:r>
-            <a:endParaRPr lang="zh-CN" altLang="en-US" sz="2000" u="none" strike="noStrike" kern="1200" cap="none" spc="0" baseline="0" dirty="0">
-              <a:solidFill>
-                <a:srgbClr val="C9394A"/>
-              </a:solidFill>
-              <a:latin typeface="微软雅黑" charset="0"/>
-              <a:ea typeface="微软雅黑" charset="0"/>
-              <a:cs typeface="微软雅黑" charset="0"/>
-              <a:sym typeface="Calibri" pitchFamily="34" charset="0"/>
-            </a:endParaRPr>
-          </a:p>
-        </p:txBody>
-      </p:sp>
-      <p:sp>
-        <p:nvSpPr>
-          <p:cNvPr id="17" name="矩形"/>
-          <p:cNvSpPr>
-            <a:spLocks/>
-          </p:cNvSpPr>
-          <p:nvPr/>
-        </p:nvSpPr>
-        <p:spPr>
-          <a:xfrm>
-            <a:off x="3838466" y="444030"/>
-            <a:ext cx="1467068" cy="553998"/>
-          </a:xfrm>
-          <a:prstGeom prst="rect">
-            <a:avLst/>
-          </a:prstGeom>
-          <a:noFill/>
-          <a:ln w="9525" cap="flat" cmpd="sng">
-            <a:noFill/>
-            <a:prstDash val="solid"/>
-            <a:miter/>
-          </a:ln>
-        </p:spPr>
-        <p:txBody>
-          <a:bodyPr vert="horz" wrap="none" lIns="91440" tIns="45720" rIns="91440" bIns="45720" anchor="t" anchorCtr="0">
-            <a:prstTxWarp prst="textNoShape">
-              <a:avLst/>
-            </a:prstTxWarp>
-            <a:spAutoFit/>
-          </a:bodyPr>
-          <a:lstStyle/>
-          <a:p>
-            <a:r>
-              <a:rPr lang="en-US" altLang="zh-CN" sz="3000" b="1" kern="0" dirty="0" err="1">
-                <a:solidFill>
-                  <a:srgbClr val="C9394A"/>
-                </a:solidFill>
-                <a:latin typeface="微软雅黑" charset="0"/>
-                <a:ea typeface="微软雅黑" charset="0"/>
-                <a:cs typeface="微软雅黑" charset="0"/>
-                <a:sym typeface="Calibri" pitchFamily="34" charset="0"/>
-              </a:rPr>
-              <a:t>github</a:t>
-            </a:r>
-            <a:endParaRPr lang="zh-CN" altLang="en-US" u="none" strike="noStrike" kern="1200" cap="none" spc="0" baseline="0" dirty="0">
-              <a:solidFill>
-                <a:schemeClr val="tx1"/>
-              </a:solidFill>
-              <a:latin typeface="Calibri" pitchFamily="34" charset="0"/>
-              <a:ea typeface="宋体" pitchFamily="2" charset="-122"/>
-              <a:cs typeface="微软雅黑" charset="0"/>
-            </a:endParaRPr>
-          </a:p>
-        </p:txBody>
-      </p:sp>
-    </p:spTree>
-    <p:extLst>
-      <p:ext uri="{BB962C8B-B14F-4D97-AF65-F5344CB8AC3E}">
-        <p14:creationId xmlns:p14="http://schemas.microsoft.com/office/powerpoint/2010/main" val="1536290570"/>
-      </p:ext>
-    </p:extLst>
-  </p:cSld>
-  <p:clrMapOvr>
-    <a:masterClrMapping/>
-  </p:clrMapOvr>
-  <p:timing>
-    <p:tnLst>
-      <p:par>
-        <p:cTn id="1" dur="indefinite" restart="never" nodeType="tmRoot">
-          <p:childTnLst>
-            <p:seq concurrent="1" nextAc="seek">
-              <p:cTn id="2" dur="indefinite" nodeType="mainSeq">
-                <p:childTnLst>
-                  <p:par>
-                    <p:cTn id="3" fill="hold">
-                      <p:stCondLst>
-                        <p:cond delay="indefinite"/>
-                      </p:stCondLst>
-                      <p:childTnLst>
-                        <p:par>
-                          <p:cTn id="4" fill="hold">
-                            <p:stCondLst>
-                              <p:cond delay="0"/>
-                            </p:stCondLst>
-                            <p:childTnLst>
-                              <p:par>
-                                <p:cTn id="5" presetID="2" presetClass="entr" presetSubtype="4" fill="hold" grpId="0" nodeType="clickEffect">
-                                  <p:stCondLst>
-                                    <p:cond delay="0"/>
-                                  </p:stCondLst>
-                                  <p:childTnLst>
-                                    <p:set>
-                                      <p:cBhvr>
-                                        <p:cTn id="6" dur="1" fill="hold">
-                                          <p:stCondLst>
-                                            <p:cond delay="0"/>
-                                          </p:stCondLst>
-                                        </p:cTn>
-                                        <p:tgtEl>
-                                          <p:spTgt spid="14"/>
-                                        </p:tgtEl>
-                                        <p:attrNameLst>
-                                          <p:attrName>style.visibility</p:attrName>
-                                        </p:attrNameLst>
-                                      </p:cBhvr>
-                                      <p:to>
-                                        <p:strVal val="visible"/>
-                                      </p:to>
-                                    </p:set>
-                                    <p:anim calcmode="lin" valueType="num">
-                                      <p:cBhvr additive="base">
-                                        <p:cTn id="7" dur="500" fill="hold"/>
-                                        <p:tgtEl>
-                                          <p:spTgt spid="14"/>
-                                        </p:tgtEl>
-                                        <p:attrNameLst>
-                                          <p:attrName>ppt_x</p:attrName>
-                                        </p:attrNameLst>
-                                      </p:cBhvr>
-                                      <p:tavLst>
-                                        <p:tav tm="0">
-                                          <p:val>
-                                            <p:strVal val="#ppt_x"/>
-                                          </p:val>
-                                        </p:tav>
-                                        <p:tav tm="100000">
-                                          <p:val>
-                                            <p:strVal val="#ppt_x"/>
-                                          </p:val>
-                                        </p:tav>
-                                      </p:tavLst>
-                                    </p:anim>
-                                    <p:anim calcmode="lin" valueType="num">
-                                      <p:cBhvr additive="base">
-                                        <p:cTn id="8" dur="500" fill="hold"/>
-                                        <p:tgtEl>
-                                          <p:spTgt spid="14"/>
-                                        </p:tgtEl>
-                                        <p:attrNameLst>
-                                          <p:attrName>ppt_y</p:attrName>
-                                        </p:attrNameLst>
-                                      </p:cBhvr>
-                                      <p:tavLst>
-                                        <p:tav tm="0">
-                                          <p:val>
-                                            <p:strVal val="1+#ppt_h/2"/>
-                                          </p:val>
-                                        </p:tav>
-                                        <p:tav tm="100000">
-                                          <p:val>
-                                            <p:strVal val="#ppt_y"/>
-                                          </p:val>
-                                        </p:tav>
-                                      </p:tavLst>
-                                    </p:anim>
-                                  </p:childTnLst>
-                                </p:cTn>
-                              </p:par>
-                            </p:childTnLst>
-                          </p:cTn>
-                        </p:par>
-                      </p:childTnLst>
-                    </p:cTn>
-                  </p:par>
-                  <p:par>
-                    <p:cTn id="9" fill="hold">
-                      <p:stCondLst>
-                        <p:cond delay="indefinite"/>
-                      </p:stCondLst>
-                      <p:childTnLst>
-                        <p:par>
-                          <p:cTn id="10" fill="hold">
-                            <p:stCondLst>
-                              <p:cond delay="0"/>
-                            </p:stCondLst>
-                            <p:childTnLst>
-                              <p:par>
-                                <p:cTn id="11" presetID="2" presetClass="entr" presetSubtype="4" fill="hold" grpId="0" nodeType="clickEffect">
-                                  <p:stCondLst>
-                                    <p:cond delay="0"/>
-                                  </p:stCondLst>
-                                  <p:childTnLst>
-                                    <p:set>
-                                      <p:cBhvr>
-                                        <p:cTn id="12" dur="1" fill="hold">
-                                          <p:stCondLst>
-                                            <p:cond delay="0"/>
-                                          </p:stCondLst>
-                                        </p:cTn>
-                                        <p:tgtEl>
-                                          <p:spTgt spid="16"/>
-                                        </p:tgtEl>
-                                        <p:attrNameLst>
-                                          <p:attrName>style.visibility</p:attrName>
-                                        </p:attrNameLst>
-                                      </p:cBhvr>
-                                      <p:to>
-                                        <p:strVal val="visible"/>
-                                      </p:to>
-                                    </p:set>
-                                    <p:anim calcmode="lin" valueType="num">
-                                      <p:cBhvr additive="base">
-                                        <p:cTn id="13" dur="500" fill="hold"/>
-                                        <p:tgtEl>
-                                          <p:spTgt spid="16"/>
-                                        </p:tgtEl>
-                                        <p:attrNameLst>
-                                          <p:attrName>ppt_x</p:attrName>
-                                        </p:attrNameLst>
-                                      </p:cBhvr>
-                                      <p:tavLst>
-                                        <p:tav tm="0">
-                                          <p:val>
-                                            <p:strVal val="#ppt_x"/>
-                                          </p:val>
-                                        </p:tav>
-                                        <p:tav tm="100000">
-                                          <p:val>
-                                            <p:strVal val="#ppt_x"/>
-                                          </p:val>
-                                        </p:tav>
-                                      </p:tavLst>
-                                    </p:anim>
-                                    <p:anim calcmode="lin" valueType="num">
-                                      <p:cBhvr additive="base">
-                                        <p:cTn id="14" dur="500" fill="hold"/>
-                                        <p:tgtEl>
-                                          <p:spTgt spid="16"/>
-                                        </p:tgtEl>
-                                        <p:attrNameLst>
-                                          <p:attrName>ppt_y</p:attrName>
-                                        </p:attrNameLst>
-                                      </p:cBhvr>
-                                      <p:tavLst>
-                                        <p:tav tm="0">
-                                          <p:val>
-                                            <p:strVal val="1+#ppt_h/2"/>
-                                          </p:val>
-                                        </p:tav>
-                                        <p:tav tm="100000">
-                                          <p:val>
-                                            <p:strVal val="#ppt_y"/>
-                                          </p:val>
-                                        </p:tav>
-                                      </p:tavLst>
-                                    </p:anim>
-                                  </p:childTnLst>
-                                </p:cTn>
-                              </p:par>
-                            </p:childTnLst>
-                          </p:cTn>
-                        </p:par>
-                      </p:childTnLst>
-                    </p:cTn>
-                  </p:par>
-                </p:childTnLst>
-              </p:cTn>
-              <p:prevCondLst>
-                <p:cond evt="onPrev" delay="0">
-                  <p:tgtEl>
-                    <p:sldTgt/>
-                  </p:tgtEl>
-                </p:cond>
-              </p:prevCondLst>
-              <p:nextCondLst>
-                <p:cond evt="onNext" delay="0">
-                  <p:tgtEl>
-                    <p:sldTgt/>
-                  </p:tgtEl>
-                </p:cond>
-              </p:nextCondLst>
-            </p:seq>
-          </p:childTnLst>
-        </p:cTn>
-      </p:par>
-    </p:tnLst>
-    <p:bldLst>
-      <p:bldP spid="14" grpId="0"/>
-      <p:bldP spid="16" grpId="0"/>
-    </p:bldLst>
-  </p:timing>
-</p:sld>
-</file>
-
 <file path=ppt/slides/slide8.xml><?xml version="1.0" encoding="utf-8"?>
 <p:sld xmlns:a="http://schemas.openxmlformats.org/drawingml/2006/main" xmlns:r="http://schemas.openxmlformats.org/officeDocument/2006/relationships" xmlns:p="http://schemas.openxmlformats.org/presentationml/2006/main">
   <p:cSld>
@@ -13676,146 +16524,46 @@
       </p:grpSpPr>
       <p:sp>
         <p:nvSpPr>
-          <p:cNvPr id="17" name="矩形"/>
-          <p:cNvSpPr>
-            <a:spLocks/>
-          </p:cNvSpPr>
+          <p:cNvPr id="2" name="文本框 1">
+            <a:extLst>
+              <a:ext uri="{FF2B5EF4-FFF2-40B4-BE49-F238E27FC236}">
+                <a16:creationId xmlns:a16="http://schemas.microsoft.com/office/drawing/2014/main" id="{89F9A4B2-786D-4CB5-9436-889B73E9BDD2}"/>
+              </a:ext>
+            </a:extLst>
+          </p:cNvPr>
+          <p:cNvSpPr txBox="1"/>
           <p:nvPr/>
         </p:nvSpPr>
         <p:spPr>
           <a:xfrm>
-            <a:off x="2938379" y="483518"/>
-            <a:ext cx="3031599" cy="553998"/>
+            <a:off x="3158631" y="4656042"/>
+            <a:ext cx="2826736" cy="369332"/>
           </a:xfrm>
           <a:prstGeom prst="rect">
             <a:avLst/>
           </a:prstGeom>
           <a:noFill/>
-          <a:ln w="9525" cap="flat" cmpd="sng">
-            <a:noFill/>
-            <a:prstDash val="solid"/>
-            <a:miter/>
-          </a:ln>
         </p:spPr>
         <p:txBody>
-          <a:bodyPr vert="horz" wrap="none" lIns="91440" tIns="45720" rIns="91440" bIns="45720" anchor="t" anchorCtr="0">
-            <a:prstTxWarp prst="textNoShape">
-              <a:avLst/>
-            </a:prstTxWarp>
+          <a:bodyPr wrap="none" rtlCol="0">
             <a:spAutoFit/>
           </a:bodyPr>
           <a:lstStyle/>
           <a:p>
             <a:r>
-              <a:rPr lang="en-US" altLang="zh-CN" sz="3000" b="1" kern="0" dirty="0" err="1">
-                <a:solidFill>
-                  <a:srgbClr val="C9394A"/>
-                </a:solidFill>
-                <a:latin typeface="微软雅黑" charset="0"/>
-                <a:ea typeface="微软雅黑" charset="0"/>
-                <a:cs typeface="微软雅黑" charset="0"/>
-                <a:sym typeface="Calibri" pitchFamily="34" charset="0"/>
-              </a:rPr>
-              <a:t>github-ssh</a:t>
-            </a:r>
-            <a:r>
-              <a:rPr lang="zh-CN" altLang="en-US" sz="3000" b="1" kern="0" dirty="0">
-                <a:solidFill>
-                  <a:srgbClr val="C9394A"/>
-                </a:solidFill>
-                <a:latin typeface="微软雅黑" charset="0"/>
-                <a:ea typeface="微软雅黑" charset="0"/>
-                <a:cs typeface="微软雅黑" charset="0"/>
-                <a:sym typeface="Calibri" pitchFamily="34" charset="0"/>
-              </a:rPr>
-              <a:t>协议</a:t>
-            </a:r>
-            <a:endParaRPr lang="zh-CN" altLang="en-US" u="none" strike="noStrike" kern="1200" cap="none" spc="0" baseline="0" dirty="0">
-              <a:solidFill>
-                <a:schemeClr val="tx1"/>
-              </a:solidFill>
-              <a:latin typeface="Calibri" pitchFamily="34" charset="0"/>
-              <a:ea typeface="宋体" pitchFamily="2" charset="-122"/>
-              <a:cs typeface="微软雅黑" charset="0"/>
-            </a:endParaRPr>
-          </a:p>
-        </p:txBody>
-      </p:sp>
-      <p:sp>
-        <p:nvSpPr>
-          <p:cNvPr id="8" name="矩形">
+              <a:rPr lang="en-US" altLang="zh-CN" u="sng" dirty="0"/>
+              <a:t>https://www.gulpjs.com.cn/</a:t>
+            </a:r>
+            <a:endParaRPr lang="zh-CN" altLang="en-US" dirty="0"/>
+          </a:p>
+        </p:txBody>
+      </p:sp>
+      <p:pic>
+        <p:nvPicPr>
+          <p:cNvPr id="4" name="图片 3">
             <a:extLst>
               <a:ext uri="{FF2B5EF4-FFF2-40B4-BE49-F238E27FC236}">
-                <a16:creationId xmlns:a16="http://schemas.microsoft.com/office/drawing/2014/main" id="{DD861988-578A-41C1-818C-669E02578C63}"/>
-              </a:ext>
-            </a:extLst>
-          </p:cNvPr>
-          <p:cNvSpPr>
-            <a:spLocks/>
-          </p:cNvSpPr>
-          <p:nvPr/>
-        </p:nvSpPr>
-        <p:spPr>
-          <a:xfrm>
-            <a:off x="289360" y="1275606"/>
-            <a:ext cx="8565279" cy="400110"/>
-          </a:xfrm>
-          <a:prstGeom prst="rect">
-            <a:avLst/>
-          </a:prstGeom>
-          <a:noFill/>
-          <a:ln w="9525" cap="flat" cmpd="sng">
-            <a:noFill/>
-            <a:prstDash val="solid"/>
-            <a:miter/>
-          </a:ln>
-        </p:spPr>
-        <p:txBody>
-          <a:bodyPr vert="horz" wrap="square" lIns="91440" tIns="45720" rIns="91440" bIns="45720" anchor="ctr" anchorCtr="0">
-            <a:prstTxWarp prst="textNoShape">
-              <a:avLst/>
-            </a:prstTxWarp>
-            <a:spAutoFit/>
-          </a:bodyPr>
-          <a:lstStyle/>
-          <a:p>
-            <a:pPr marL="800100" lvl="1" indent="-342900">
-              <a:buFont typeface="Wingdings" panose="05000000000000000000" pitchFamily="2" charset="2"/>
-              <a:buChar char="u"/>
-            </a:pPr>
-            <a:r>
-              <a:rPr lang="en-US" altLang="zh-CN" sz="2000" u="none" strike="noStrike" kern="1200" cap="none" spc="0" baseline="0" dirty="0" err="1">
-                <a:solidFill>
-                  <a:srgbClr val="212121"/>
-                </a:solidFill>
-                <a:latin typeface="微软雅黑" charset="0"/>
-                <a:ea typeface="微软雅黑" charset="0"/>
-                <a:cs typeface="微软雅黑" charset="0"/>
-                <a:sym typeface="Calibri" pitchFamily="34" charset="0"/>
-              </a:rPr>
-              <a:t>ssh</a:t>
-            </a:r>
-            <a:r>
-              <a:rPr lang="zh-CN" altLang="en-US" sz="2000" u="none" strike="noStrike" kern="1200" cap="none" spc="0" baseline="0" dirty="0">
-                <a:solidFill>
-                  <a:srgbClr val="212121"/>
-                </a:solidFill>
-                <a:latin typeface="微软雅黑" charset="0"/>
-                <a:ea typeface="微软雅黑" charset="0"/>
-                <a:cs typeface="微软雅黑" charset="0"/>
-                <a:sym typeface="Calibri" pitchFamily="34" charset="0"/>
-              </a:rPr>
-              <a:t>协议提交代码时需要配置公钥和秘钥</a:t>
-            </a:r>
-          </a:p>
-        </p:txBody>
-      </p:sp>
-      <p:pic>
-        <p:nvPicPr>
-          <p:cNvPr id="3" name="图片 2">
-            <a:extLst>
-              <a:ext uri="{FF2B5EF4-FFF2-40B4-BE49-F238E27FC236}">
-                <a16:creationId xmlns:a16="http://schemas.microsoft.com/office/drawing/2014/main" id="{93B649A4-A7BB-4F54-AAC0-CE8032600649}"/>
+                <a16:creationId xmlns:a16="http://schemas.microsoft.com/office/drawing/2014/main" id="{E1E9DC01-E726-45CF-AB1B-BF4A7B976CB2}"/>
               </a:ext>
             </a:extLst>
           </p:cNvPr>
@@ -13832,8 +16580,8 @@
         </p:blipFill>
         <p:spPr>
           <a:xfrm>
-            <a:off x="1649416" y="1830847"/>
-            <a:ext cx="5609524" cy="2800000"/>
+            <a:off x="1150887" y="527680"/>
+            <a:ext cx="6842225" cy="4128362"/>
           </a:xfrm>
           <a:prstGeom prst="rect">
             <a:avLst/>
@@ -13843,137 +16591,13 @@
     </p:spTree>
     <p:extLst>
       <p:ext uri="{BB962C8B-B14F-4D97-AF65-F5344CB8AC3E}">
-        <p14:creationId xmlns:p14="http://schemas.microsoft.com/office/powerpoint/2010/main" val="858489594"/>
+        <p14:creationId xmlns:p14="http://schemas.microsoft.com/office/powerpoint/2010/main" val="461634485"/>
       </p:ext>
     </p:extLst>
   </p:cSld>
   <p:clrMapOvr>
     <a:masterClrMapping/>
   </p:clrMapOvr>
-  <p:timing>
-    <p:tnLst>
-      <p:par>
-        <p:cTn id="1" dur="indefinite" restart="never" nodeType="tmRoot">
-          <p:childTnLst>
-            <p:seq concurrent="1" nextAc="seek">
-              <p:cTn id="2" dur="indefinite" nodeType="mainSeq">
-                <p:childTnLst>
-                  <p:par>
-                    <p:cTn id="3" fill="hold">
-                      <p:stCondLst>
-                        <p:cond delay="indefinite"/>
-                      </p:stCondLst>
-                      <p:childTnLst>
-                        <p:par>
-                          <p:cTn id="4" fill="hold">
-                            <p:stCondLst>
-                              <p:cond delay="0"/>
-                            </p:stCondLst>
-                            <p:childTnLst>
-                              <p:par>
-                                <p:cTn id="5" presetID="2" presetClass="entr" presetSubtype="4" fill="hold" grpId="0" nodeType="clickEffect">
-                                  <p:stCondLst>
-                                    <p:cond delay="0"/>
-                                  </p:stCondLst>
-                                  <p:childTnLst>
-                                    <p:set>
-                                      <p:cBhvr>
-                                        <p:cTn id="6" dur="1" fill="hold">
-                                          <p:stCondLst>
-                                            <p:cond delay="0"/>
-                                          </p:stCondLst>
-                                        </p:cTn>
-                                        <p:tgtEl>
-                                          <p:spTgt spid="8"/>
-                                        </p:tgtEl>
-                                        <p:attrNameLst>
-                                          <p:attrName>style.visibility</p:attrName>
-                                        </p:attrNameLst>
-                                      </p:cBhvr>
-                                      <p:to>
-                                        <p:strVal val="visible"/>
-                                      </p:to>
-                                    </p:set>
-                                    <p:anim calcmode="lin" valueType="num">
-                                      <p:cBhvr additive="base">
-                                        <p:cTn id="7" dur="500" fill="hold"/>
-                                        <p:tgtEl>
-                                          <p:spTgt spid="8"/>
-                                        </p:tgtEl>
-                                        <p:attrNameLst>
-                                          <p:attrName>ppt_x</p:attrName>
-                                        </p:attrNameLst>
-                                      </p:cBhvr>
-                                      <p:tavLst>
-                                        <p:tav tm="0">
-                                          <p:val>
-                                            <p:strVal val="#ppt_x"/>
-                                          </p:val>
-                                        </p:tav>
-                                        <p:tav tm="100000">
-                                          <p:val>
-                                            <p:strVal val="#ppt_x"/>
-                                          </p:val>
-                                        </p:tav>
-                                      </p:tavLst>
-                                    </p:anim>
-                                    <p:anim calcmode="lin" valueType="num">
-                                      <p:cBhvr additive="base">
-                                        <p:cTn id="8" dur="500" fill="hold"/>
-                                        <p:tgtEl>
-                                          <p:spTgt spid="8"/>
-                                        </p:tgtEl>
-                                        <p:attrNameLst>
-                                          <p:attrName>ppt_y</p:attrName>
-                                        </p:attrNameLst>
-                                      </p:cBhvr>
-                                      <p:tavLst>
-                                        <p:tav tm="0">
-                                          <p:val>
-                                            <p:strVal val="1+#ppt_h/2"/>
-                                          </p:val>
-                                        </p:tav>
-                                        <p:tav tm="100000">
-                                          <p:val>
-                                            <p:strVal val="#ppt_y"/>
-                                          </p:val>
-                                        </p:tav>
-                                      </p:tavLst>
-                                    </p:anim>
-                                  </p:childTnLst>
-                                </p:cTn>
-                              </p:par>
-                            </p:childTnLst>
-                          </p:cTn>
-                        </p:par>
-                      </p:childTnLst>
-                    </p:cTn>
-                  </p:par>
-                </p:childTnLst>
-              </p:cTn>
-              <p:prevCondLst>
-                <p:cond evt="onPrev" delay="0">
-                  <p:tgtEl>
-                    <p:sldTgt/>
-                  </p:tgtEl>
-                </p:cond>
-              </p:prevCondLst>
-              <p:nextCondLst>
-                <p:cond evt="onNext" delay="0">
-                  <p:tgtEl>
-                    <p:sldTgt/>
-                  </p:tgtEl>
-                </p:cond>
-              </p:nextCondLst>
-            </p:seq>
-          </p:childTnLst>
-        </p:cTn>
-      </p:par>
-    </p:tnLst>
-    <p:bldLst>
-      <p:bldP spid="8" grpId="0"/>
-    </p:bldLst>
-  </p:timing>
 </p:sld>
 </file>
 
@@ -13996,64 +16620,46 @@
       </p:grpSpPr>
       <p:sp>
         <p:nvSpPr>
-          <p:cNvPr id="17" name="矩形"/>
-          <p:cNvSpPr>
-            <a:spLocks/>
-          </p:cNvSpPr>
+          <p:cNvPr id="2" name="文本框 1">
+            <a:extLst>
+              <a:ext uri="{FF2B5EF4-FFF2-40B4-BE49-F238E27FC236}">
+                <a16:creationId xmlns:a16="http://schemas.microsoft.com/office/drawing/2014/main" id="{89F9A4B2-786D-4CB5-9436-889B73E9BDD2}"/>
+              </a:ext>
+            </a:extLst>
+          </p:cNvPr>
+          <p:cNvSpPr txBox="1"/>
           <p:nvPr/>
         </p:nvSpPr>
         <p:spPr>
           <a:xfrm>
-            <a:off x="2987824" y="334683"/>
-            <a:ext cx="2877711" cy="553998"/>
+            <a:off x="3570572" y="4587974"/>
+            <a:ext cx="2002856" cy="369332"/>
           </a:xfrm>
           <a:prstGeom prst="rect">
             <a:avLst/>
           </a:prstGeom>
           <a:noFill/>
-          <a:ln w="9525" cap="flat" cmpd="sng">
-            <a:noFill/>
-            <a:prstDash val="solid"/>
-            <a:miter/>
-          </a:ln>
         </p:spPr>
         <p:txBody>
-          <a:bodyPr vert="horz" wrap="none" lIns="91440" tIns="45720" rIns="91440" bIns="45720" anchor="t" anchorCtr="0">
-            <a:prstTxWarp prst="textNoShape">
-              <a:avLst/>
-            </a:prstTxWarp>
+          <a:bodyPr wrap="none" rtlCol="0">
             <a:spAutoFit/>
           </a:bodyPr>
           <a:lstStyle/>
           <a:p>
             <a:r>
-              <a:rPr lang="zh-CN" altLang="en-US" sz="3000" b="1" kern="0" dirty="0">
-                <a:solidFill>
-                  <a:srgbClr val="C9394A"/>
-                </a:solidFill>
-                <a:latin typeface="微软雅黑" charset="0"/>
-                <a:ea typeface="微软雅黑" charset="0"/>
-                <a:sym typeface="Calibri" pitchFamily="34" charset="0"/>
-              </a:rPr>
-              <a:t>配置公钥和秘钥</a:t>
-            </a:r>
-            <a:endParaRPr lang="zh-CN" altLang="en-US" u="none" strike="noStrike" kern="1200" cap="none" spc="0" baseline="0" dirty="0">
-              <a:solidFill>
-                <a:schemeClr val="tx1"/>
-              </a:solidFill>
-              <a:latin typeface="Calibri" pitchFamily="34" charset="0"/>
-              <a:ea typeface="宋体" pitchFamily="2" charset="-122"/>
-              <a:cs typeface="微软雅黑" charset="0"/>
-            </a:endParaRPr>
+              <a:rPr lang="en-US" altLang="zh-CN" u="sng" dirty="0"/>
+              <a:t>https://gulpjs.com/</a:t>
+            </a:r>
+            <a:endParaRPr lang="zh-CN" altLang="en-US" dirty="0"/>
           </a:p>
         </p:txBody>
       </p:sp>
       <p:pic>
         <p:nvPicPr>
-          <p:cNvPr id="2" name="图片 1">
+          <p:cNvPr id="3" name="图片 2">
             <a:extLst>
               <a:ext uri="{FF2B5EF4-FFF2-40B4-BE49-F238E27FC236}">
-                <a16:creationId xmlns:a16="http://schemas.microsoft.com/office/drawing/2014/main" id="{FF257798-0542-433F-A2EE-F0F429AA8876}"/>
+                <a16:creationId xmlns:a16="http://schemas.microsoft.com/office/drawing/2014/main" id="{E40692F2-7E46-449A-8216-F5775D7389CA}"/>
               </a:ext>
             </a:extLst>
           </p:cNvPr>
@@ -14070,68 +16676,8 @@
         </p:blipFill>
         <p:spPr>
           <a:xfrm>
-            <a:off x="251521" y="987575"/>
-            <a:ext cx="1296144" cy="2031152"/>
-          </a:xfrm>
-          <a:prstGeom prst="rect">
-            <a:avLst/>
-          </a:prstGeom>
-        </p:spPr>
-      </p:pic>
-      <p:pic>
-        <p:nvPicPr>
-          <p:cNvPr id="6" name="图片 5">
-            <a:extLst>
-              <a:ext uri="{FF2B5EF4-FFF2-40B4-BE49-F238E27FC236}">
-                <a16:creationId xmlns:a16="http://schemas.microsoft.com/office/drawing/2014/main" id="{3A6AF597-ACDE-4098-924C-9713E61C6520}"/>
-              </a:ext>
-            </a:extLst>
-          </p:cNvPr>
-          <p:cNvPicPr>
-            <a:picLocks noChangeAspect="1"/>
-          </p:cNvPicPr>
-          <p:nvPr/>
-        </p:nvPicPr>
-        <p:blipFill>
-          <a:blip r:embed="rId4"/>
-          <a:stretch>
-            <a:fillRect/>
-          </a:stretch>
-        </p:blipFill>
-        <p:spPr>
-          <a:xfrm>
-            <a:off x="5508104" y="2787774"/>
-            <a:ext cx="3263517" cy="2181966"/>
-          </a:xfrm>
-          <a:prstGeom prst="rect">
-            <a:avLst/>
-          </a:prstGeom>
-        </p:spPr>
-      </p:pic>
-      <p:pic>
-        <p:nvPicPr>
-          <p:cNvPr id="3" name="图片 2">
-            <a:extLst>
-              <a:ext uri="{FF2B5EF4-FFF2-40B4-BE49-F238E27FC236}">
-                <a16:creationId xmlns:a16="http://schemas.microsoft.com/office/drawing/2014/main" id="{79807997-AE4D-46B5-86F8-8D051F6A4F57}"/>
-              </a:ext>
-            </a:extLst>
-          </p:cNvPr>
-          <p:cNvPicPr>
-            <a:picLocks noChangeAspect="1"/>
-          </p:cNvPicPr>
-          <p:nvPr/>
-        </p:nvPicPr>
-        <p:blipFill>
-          <a:blip r:embed="rId5"/>
-          <a:stretch>
-            <a:fillRect/>
-          </a:stretch>
-        </p:blipFill>
-        <p:spPr>
-          <a:xfrm>
-            <a:off x="1547665" y="987575"/>
-            <a:ext cx="6382703" cy="2031152"/>
+            <a:off x="899592" y="555526"/>
+            <a:ext cx="7596336" cy="3700241"/>
           </a:xfrm>
           <a:prstGeom prst="rect">
             <a:avLst/>
@@ -14141,7 +16687,7 @@
     </p:spTree>
     <p:extLst>
       <p:ext uri="{BB962C8B-B14F-4D97-AF65-F5344CB8AC3E}">
-        <p14:creationId xmlns:p14="http://schemas.microsoft.com/office/powerpoint/2010/main" val="2159600292"/>
+        <p14:creationId xmlns:p14="http://schemas.microsoft.com/office/powerpoint/2010/main" val="395349634"/>
       </p:ext>
     </p:extLst>
   </p:cSld>

--- a/gulp.pptx
+++ b/gulp.pptx
@@ -6,7 +6,7 @@
     <p:sldMasterId id="2147483671" r:id="rId2"/>
   </p:sldMasterIdLst>
   <p:notesMasterIdLst>
-    <p:notesMasterId r:id="rId28"/>
+    <p:notesMasterId r:id="rId27"/>
   </p:notesMasterIdLst>
   <p:sldIdLst>
     <p:sldId id="275" r:id="rId3"/>
@@ -14,26 +14,25 @@
     <p:sldId id="313" r:id="rId5"/>
     <p:sldId id="314" r:id="rId6"/>
     <p:sldId id="315" r:id="rId7"/>
-    <p:sldId id="316" r:id="rId8"/>
-    <p:sldId id="287" r:id="rId9"/>
-    <p:sldId id="282" r:id="rId10"/>
-    <p:sldId id="317" r:id="rId11"/>
-    <p:sldId id="318" r:id="rId12"/>
-    <p:sldId id="311" r:id="rId13"/>
-    <p:sldId id="303" r:id="rId14"/>
-    <p:sldId id="305" r:id="rId15"/>
-    <p:sldId id="304" r:id="rId16"/>
-    <p:sldId id="290" r:id="rId17"/>
-    <p:sldId id="306" r:id="rId18"/>
-    <p:sldId id="289" r:id="rId19"/>
-    <p:sldId id="294" r:id="rId20"/>
-    <p:sldId id="295" r:id="rId21"/>
-    <p:sldId id="309" r:id="rId22"/>
-    <p:sldId id="288" r:id="rId23"/>
-    <p:sldId id="307" r:id="rId24"/>
-    <p:sldId id="310" r:id="rId25"/>
-    <p:sldId id="308" r:id="rId26"/>
-    <p:sldId id="299" r:id="rId27"/>
+    <p:sldId id="287" r:id="rId8"/>
+    <p:sldId id="282" r:id="rId9"/>
+    <p:sldId id="317" r:id="rId10"/>
+    <p:sldId id="318" r:id="rId11"/>
+    <p:sldId id="311" r:id="rId12"/>
+    <p:sldId id="303" r:id="rId13"/>
+    <p:sldId id="305" r:id="rId14"/>
+    <p:sldId id="304" r:id="rId15"/>
+    <p:sldId id="290" r:id="rId16"/>
+    <p:sldId id="306" r:id="rId17"/>
+    <p:sldId id="289" r:id="rId18"/>
+    <p:sldId id="294" r:id="rId19"/>
+    <p:sldId id="295" r:id="rId20"/>
+    <p:sldId id="309" r:id="rId21"/>
+    <p:sldId id="288" r:id="rId22"/>
+    <p:sldId id="307" r:id="rId23"/>
+    <p:sldId id="310" r:id="rId24"/>
+    <p:sldId id="308" r:id="rId25"/>
+    <p:sldId id="299" r:id="rId26"/>
   </p:sldIdLst>
   <p:sldSz cx="9144000" cy="5143500" type="screen16x9"/>
   <p:notesSz cx="6858000" cy="9144000"/>
@@ -360,7 +359,7 @@
                 <a:cs typeface="Calibri" pitchFamily="34" charset="0"/>
               </a:rPr>
               <a:pPr algn="r"/>
-              <a:t>2018/12/24</a:t>
+              <a:t>2018/12/26</a:t>
             </a:fld>
             <a:endParaRPr lang="zh-CN" altLang="en-US" sz="1200">
               <a:latin typeface="Calibri" pitchFamily="34" charset="0"/>
@@ -861,7 +860,7 @@
                 <a:cs typeface="Calibri" pitchFamily="34" charset="0"/>
               </a:rPr>
               <a:pPr algn="r"/>
-              <a:t>7</a:t>
+              <a:t>6</a:t>
             </a:fld>
             <a:endParaRPr lang="zh-CN" altLang="en-US" sz="1200">
               <a:latin typeface="Calibri" pitchFamily="34" charset="0"/>
@@ -976,7 +975,7 @@
                 <a:cs typeface="Calibri" pitchFamily="34" charset="0"/>
               </a:rPr>
               <a:pPr algn="r"/>
-              <a:t>16</a:t>
+              <a:t>15</a:t>
             </a:fld>
             <a:endParaRPr lang="zh-CN" altLang="en-US" sz="1200">
               <a:latin typeface="Calibri" pitchFamily="34" charset="0"/>
@@ -1091,7 +1090,7 @@
                 <a:cs typeface="Calibri" pitchFamily="34" charset="0"/>
               </a:rPr>
               <a:pPr algn="r"/>
-              <a:t>17</a:t>
+              <a:t>16</a:t>
             </a:fld>
             <a:endParaRPr lang="zh-CN" altLang="en-US" sz="1200">
               <a:latin typeface="Calibri" pitchFamily="34" charset="0"/>
@@ -1206,7 +1205,7 @@
                 <a:cs typeface="Calibri" pitchFamily="34" charset="0"/>
               </a:rPr>
               <a:pPr algn="r"/>
-              <a:t>18</a:t>
+              <a:t>17</a:t>
             </a:fld>
             <a:endParaRPr lang="zh-CN" altLang="en-US" sz="1200">
               <a:latin typeface="Calibri" pitchFamily="34" charset="0"/>
@@ -1321,7 +1320,7 @@
                 <a:cs typeface="Calibri" pitchFamily="34" charset="0"/>
               </a:rPr>
               <a:pPr algn="r"/>
-              <a:t>19</a:t>
+              <a:t>18</a:t>
             </a:fld>
             <a:endParaRPr lang="zh-CN" altLang="en-US" sz="1200">
               <a:latin typeface="Calibri" pitchFamily="34" charset="0"/>
@@ -1436,7 +1435,7 @@
                 <a:cs typeface="Calibri" pitchFamily="34" charset="0"/>
               </a:rPr>
               <a:pPr algn="r"/>
-              <a:t>20</a:t>
+              <a:t>19</a:t>
             </a:fld>
             <a:endParaRPr lang="zh-CN" altLang="en-US" sz="1200">
               <a:latin typeface="Calibri" pitchFamily="34" charset="0"/>
@@ -1551,7 +1550,7 @@
                 <a:cs typeface="Calibri" pitchFamily="34" charset="0"/>
               </a:rPr>
               <a:pPr algn="r"/>
-              <a:t>21</a:t>
+              <a:t>20</a:t>
             </a:fld>
             <a:endParaRPr lang="zh-CN" altLang="en-US" sz="1200">
               <a:latin typeface="Calibri" pitchFamily="34" charset="0"/>
@@ -1666,7 +1665,7 @@
                 <a:cs typeface="Calibri" pitchFamily="34" charset="0"/>
               </a:rPr>
               <a:pPr algn="r"/>
-              <a:t>22</a:t>
+              <a:t>21</a:t>
             </a:fld>
             <a:endParaRPr lang="zh-CN" altLang="en-US" sz="1200">
               <a:latin typeface="Calibri" pitchFamily="34" charset="0"/>
@@ -1781,7 +1780,7 @@
                 <a:cs typeface="Calibri" pitchFamily="34" charset="0"/>
               </a:rPr>
               <a:pPr algn="r"/>
-              <a:t>23</a:t>
+              <a:t>22</a:t>
             </a:fld>
             <a:endParaRPr lang="zh-CN" altLang="en-US" sz="1200">
               <a:latin typeface="Calibri" pitchFamily="34" charset="0"/>
@@ -1896,7 +1895,7 @@
                 <a:cs typeface="Calibri" pitchFamily="34" charset="0"/>
               </a:rPr>
               <a:pPr algn="r"/>
-              <a:t>24</a:t>
+              <a:t>23</a:t>
             </a:fld>
             <a:endParaRPr lang="zh-CN" altLang="en-US" sz="1200">
               <a:latin typeface="Calibri" pitchFamily="34" charset="0"/>
@@ -2011,7 +2010,7 @@
                 <a:cs typeface="Calibri" pitchFamily="34" charset="0"/>
               </a:rPr>
               <a:pPr algn="r"/>
-              <a:t>25</a:t>
+              <a:t>24</a:t>
             </a:fld>
             <a:endParaRPr lang="zh-CN" altLang="en-US" sz="1200">
               <a:latin typeface="Calibri" pitchFamily="34" charset="0"/>
@@ -2126,7 +2125,7 @@
                 <a:cs typeface="Calibri" pitchFamily="34" charset="0"/>
               </a:rPr>
               <a:pPr algn="r"/>
-              <a:t>8</a:t>
+              <a:t>7</a:t>
             </a:fld>
             <a:endParaRPr lang="zh-CN" altLang="en-US" sz="1200">
               <a:latin typeface="Calibri" pitchFamily="34" charset="0"/>
@@ -2241,7 +2240,7 @@
                 <a:cs typeface="Calibri" pitchFamily="34" charset="0"/>
               </a:rPr>
               <a:pPr algn="r"/>
-              <a:t>9</a:t>
+              <a:t>8</a:t>
             </a:fld>
             <a:endParaRPr lang="zh-CN" altLang="en-US" sz="1200">
               <a:latin typeface="Calibri" pitchFamily="34" charset="0"/>
@@ -2356,7 +2355,7 @@
                 <a:cs typeface="Calibri" pitchFamily="34" charset="0"/>
               </a:rPr>
               <a:pPr algn="r"/>
-              <a:t>10</a:t>
+              <a:t>9</a:t>
             </a:fld>
             <a:endParaRPr lang="zh-CN" altLang="en-US" sz="1200">
               <a:latin typeface="Calibri" pitchFamily="34" charset="0"/>
@@ -2471,7 +2470,7 @@
                 <a:cs typeface="Calibri" pitchFamily="34" charset="0"/>
               </a:rPr>
               <a:pPr algn="r"/>
-              <a:t>11</a:t>
+              <a:t>10</a:t>
             </a:fld>
             <a:endParaRPr lang="zh-CN" altLang="en-US" sz="1200">
               <a:latin typeface="Calibri" pitchFamily="34" charset="0"/>
@@ -2586,7 +2585,7 @@
                 <a:cs typeface="Calibri" pitchFamily="34" charset="0"/>
               </a:rPr>
               <a:pPr algn="r"/>
-              <a:t>12</a:t>
+              <a:t>11</a:t>
             </a:fld>
             <a:endParaRPr lang="zh-CN" altLang="en-US" sz="1200">
               <a:latin typeface="Calibri" pitchFamily="34" charset="0"/>
@@ -2701,7 +2700,7 @@
                 <a:cs typeface="Calibri" pitchFamily="34" charset="0"/>
               </a:rPr>
               <a:pPr algn="r"/>
-              <a:t>13</a:t>
+              <a:t>12</a:t>
             </a:fld>
             <a:endParaRPr lang="zh-CN" altLang="en-US" sz="1200">
               <a:latin typeface="Calibri" pitchFamily="34" charset="0"/>
@@ -2816,7 +2815,7 @@
                 <a:cs typeface="Calibri" pitchFamily="34" charset="0"/>
               </a:rPr>
               <a:pPr algn="r"/>
-              <a:t>14</a:t>
+              <a:t>13</a:t>
             </a:fld>
             <a:endParaRPr lang="zh-CN" altLang="en-US" sz="1200">
               <a:latin typeface="Calibri" pitchFamily="34" charset="0"/>
@@ -2931,7 +2930,7 @@
                 <a:cs typeface="Calibri" pitchFamily="34" charset="0"/>
               </a:rPr>
               <a:pPr algn="r"/>
-              <a:t>15</a:t>
+              <a:t>14</a:t>
             </a:fld>
             <a:endParaRPr lang="zh-CN" altLang="en-US" sz="1200">
               <a:latin typeface="Calibri" pitchFamily="34" charset="0"/>
@@ -3080,7 +3079,7 @@
             <a:fld id="{72514870-5082-4025-BC8A-5E070B8EB77D}" type="datetimeFigureOut">
               <a:rPr lang="zh-CN" altLang="en-US" smtClean="0"/>
               <a:pPr/>
-              <a:t>2018/12/24</a:t>
+              <a:t>2018/12/26</a:t>
             </a:fld>
             <a:endParaRPr lang="zh-CN" altLang="en-US"/>
           </a:p>
@@ -3250,7 +3249,7 @@
             <a:fld id="{72514870-5082-4025-BC8A-5E070B8EB77D}" type="datetimeFigureOut">
               <a:rPr lang="zh-CN" altLang="en-US" smtClean="0"/>
               <a:pPr/>
-              <a:t>2018/12/24</a:t>
+              <a:t>2018/12/26</a:t>
             </a:fld>
             <a:endParaRPr lang="zh-CN" altLang="en-US"/>
           </a:p>
@@ -3430,7 +3429,7 @@
             <a:fld id="{72514870-5082-4025-BC8A-5E070B8EB77D}" type="datetimeFigureOut">
               <a:rPr lang="zh-CN" altLang="en-US" smtClean="0"/>
               <a:pPr/>
-              <a:t>2018/12/24</a:t>
+              <a:t>2018/12/26</a:t>
             </a:fld>
             <a:endParaRPr lang="zh-CN" altLang="en-US"/>
           </a:p>
@@ -3618,7 +3617,7 @@
             <a:fld id="{72514870-5082-4025-BC8A-5E070B8EB77D}" type="datetimeFigureOut">
               <a:rPr lang="zh-CN" altLang="en-US" smtClean="0"/>
               <a:pPr/>
-              <a:t>2018/12/24</a:t>
+              <a:t>2018/12/26</a:t>
             </a:fld>
             <a:endParaRPr lang="zh-CN" altLang="en-US"/>
           </a:p>
@@ -3788,7 +3787,7 @@
             <a:fld id="{72514870-5082-4025-BC8A-5E070B8EB77D}" type="datetimeFigureOut">
               <a:rPr lang="zh-CN" altLang="en-US" smtClean="0"/>
               <a:pPr/>
-              <a:t>2018/12/24</a:t>
+              <a:t>2018/12/26</a:t>
             </a:fld>
             <a:endParaRPr lang="zh-CN" altLang="en-US"/>
           </a:p>
@@ -3981,7 +3980,7 @@
             <a:fld id="{72514870-5082-4025-BC8A-5E070B8EB77D}" type="datetimeFigureOut">
               <a:rPr lang="zh-CN" altLang="en-US" smtClean="0"/>
               <a:pPr/>
-              <a:t>2018/12/24</a:t>
+              <a:t>2018/12/26</a:t>
             </a:fld>
             <a:endParaRPr lang="zh-CN" altLang="en-US"/>
           </a:p>
@@ -4268,7 +4267,7 @@
             <a:fld id="{72514870-5082-4025-BC8A-5E070B8EB77D}" type="datetimeFigureOut">
               <a:rPr lang="zh-CN" altLang="en-US" smtClean="0"/>
               <a:pPr/>
-              <a:t>2018/12/24</a:t>
+              <a:t>2018/12/26</a:t>
             </a:fld>
             <a:endParaRPr lang="zh-CN" altLang="en-US"/>
           </a:p>
@@ -4689,7 +4688,7 @@
             <a:fld id="{72514870-5082-4025-BC8A-5E070B8EB77D}" type="datetimeFigureOut">
               <a:rPr lang="zh-CN" altLang="en-US" smtClean="0"/>
               <a:pPr/>
-              <a:t>2018/12/24</a:t>
+              <a:t>2018/12/26</a:t>
             </a:fld>
             <a:endParaRPr lang="zh-CN" altLang="en-US"/>
           </a:p>
@@ -4808,7 +4807,7 @@
             <a:fld id="{72514870-5082-4025-BC8A-5E070B8EB77D}" type="datetimeFigureOut">
               <a:rPr lang="zh-CN" altLang="en-US" smtClean="0"/>
               <a:pPr/>
-              <a:t>2018/12/24</a:t>
+              <a:t>2018/12/26</a:t>
             </a:fld>
             <a:endParaRPr lang="zh-CN" altLang="en-US"/>
           </a:p>
@@ -4905,7 +4904,7 @@
             <a:fld id="{72514870-5082-4025-BC8A-5E070B8EB77D}" type="datetimeFigureOut">
               <a:rPr lang="zh-CN" altLang="en-US" smtClean="0"/>
               <a:pPr/>
-              <a:t>2018/12/24</a:t>
+              <a:t>2018/12/26</a:t>
             </a:fld>
             <a:endParaRPr lang="zh-CN" altLang="en-US"/>
           </a:p>
@@ -5218,7 +5217,7 @@
             <a:fld id="{72514870-5082-4025-BC8A-5E070B8EB77D}" type="datetimeFigureOut">
               <a:rPr lang="zh-CN" altLang="en-US" smtClean="0"/>
               <a:pPr/>
-              <a:t>2018/12/24</a:t>
+              <a:t>2018/12/26</a:t>
             </a:fld>
             <a:endParaRPr lang="zh-CN" altLang="en-US"/>
           </a:p>
@@ -5388,7 +5387,7 @@
             <a:fld id="{72514870-5082-4025-BC8A-5E070B8EB77D}" type="datetimeFigureOut">
               <a:rPr lang="zh-CN" altLang="en-US" smtClean="0"/>
               <a:pPr/>
-              <a:t>2018/12/24</a:t>
+              <a:t>2018/12/26</a:t>
             </a:fld>
             <a:endParaRPr lang="zh-CN" altLang="en-US"/>
           </a:p>
@@ -5642,7 +5641,7 @@
             <a:fld id="{72514870-5082-4025-BC8A-5E070B8EB77D}" type="datetimeFigureOut">
               <a:rPr lang="zh-CN" altLang="en-US" smtClean="0"/>
               <a:pPr/>
-              <a:t>2018/12/24</a:t>
+              <a:t>2018/12/26</a:t>
             </a:fld>
             <a:endParaRPr lang="zh-CN" altLang="en-US"/>
           </a:p>
@@ -5812,7 +5811,7 @@
             <a:fld id="{72514870-5082-4025-BC8A-5E070B8EB77D}" type="datetimeFigureOut">
               <a:rPr lang="zh-CN" altLang="en-US" smtClean="0"/>
               <a:pPr/>
-              <a:t>2018/12/24</a:t>
+              <a:t>2018/12/26</a:t>
             </a:fld>
             <a:endParaRPr lang="zh-CN" altLang="en-US"/>
           </a:p>
@@ -5992,7 +5991,7 @@
             <a:fld id="{72514870-5082-4025-BC8A-5E070B8EB77D}" type="datetimeFigureOut">
               <a:rPr lang="zh-CN" altLang="en-US" smtClean="0"/>
               <a:pPr/>
-              <a:t>2018/12/24</a:t>
+              <a:t>2018/12/26</a:t>
             </a:fld>
             <a:endParaRPr lang="zh-CN" altLang="en-US"/>
           </a:p>
@@ -6185,7 +6184,7 @@
             <a:fld id="{72514870-5082-4025-BC8A-5E070B8EB77D}" type="datetimeFigureOut">
               <a:rPr lang="zh-CN" altLang="en-US" smtClean="0"/>
               <a:pPr/>
-              <a:t>2018/12/24</a:t>
+              <a:t>2018/12/26</a:t>
             </a:fld>
             <a:endParaRPr lang="zh-CN" altLang="en-US"/>
           </a:p>
@@ -6472,7 +6471,7 @@
             <a:fld id="{72514870-5082-4025-BC8A-5E070B8EB77D}" type="datetimeFigureOut">
               <a:rPr lang="zh-CN" altLang="en-US" smtClean="0"/>
               <a:pPr/>
-              <a:t>2018/12/24</a:t>
+              <a:t>2018/12/26</a:t>
             </a:fld>
             <a:endParaRPr lang="zh-CN" altLang="en-US"/>
           </a:p>
@@ -6893,7 +6892,7 @@
             <a:fld id="{72514870-5082-4025-BC8A-5E070B8EB77D}" type="datetimeFigureOut">
               <a:rPr lang="zh-CN" altLang="en-US" smtClean="0"/>
               <a:pPr/>
-              <a:t>2018/12/24</a:t>
+              <a:t>2018/12/26</a:t>
             </a:fld>
             <a:endParaRPr lang="zh-CN" altLang="en-US"/>
           </a:p>
@@ -7012,7 +7011,7 @@
             <a:fld id="{72514870-5082-4025-BC8A-5E070B8EB77D}" type="datetimeFigureOut">
               <a:rPr lang="zh-CN" altLang="en-US" smtClean="0"/>
               <a:pPr/>
-              <a:t>2018/12/24</a:t>
+              <a:t>2018/12/26</a:t>
             </a:fld>
             <a:endParaRPr lang="zh-CN" altLang="en-US"/>
           </a:p>
@@ -7109,7 +7108,7 @@
             <a:fld id="{72514870-5082-4025-BC8A-5E070B8EB77D}" type="datetimeFigureOut">
               <a:rPr lang="zh-CN" altLang="en-US" smtClean="0"/>
               <a:pPr/>
-              <a:t>2018/12/24</a:t>
+              <a:t>2018/12/26</a:t>
             </a:fld>
             <a:endParaRPr lang="zh-CN" altLang="en-US"/>
           </a:p>
@@ -7386,7 +7385,7 @@
             <a:fld id="{72514870-5082-4025-BC8A-5E070B8EB77D}" type="datetimeFigureOut">
               <a:rPr lang="zh-CN" altLang="en-US" smtClean="0"/>
               <a:pPr/>
-              <a:t>2018/12/24</a:t>
+              <a:t>2018/12/26</a:t>
             </a:fld>
             <a:endParaRPr lang="zh-CN" altLang="en-US"/>
           </a:p>
@@ -7640,7 +7639,7 @@
             <a:fld id="{72514870-5082-4025-BC8A-5E070B8EB77D}" type="datetimeFigureOut">
               <a:rPr lang="zh-CN" altLang="en-US" smtClean="0"/>
               <a:pPr/>
-              <a:t>2018/12/24</a:t>
+              <a:t>2018/12/26</a:t>
             </a:fld>
             <a:endParaRPr lang="zh-CN" altLang="en-US"/>
           </a:p>
@@ -8599,108 +8598,18 @@
           <a:chExt cx="0" cy="0"/>
         </a:xfrm>
       </p:grpSpPr>
-      <p:pic>
-        <p:nvPicPr>
-          <p:cNvPr id="4" name="图片 3">
-            <a:extLst>
-              <a:ext uri="{FF2B5EF4-FFF2-40B4-BE49-F238E27FC236}">
-                <a16:creationId xmlns:a16="http://schemas.microsoft.com/office/drawing/2014/main" id="{78AE8FDD-953E-495C-A15E-3AE75180DCA5}"/>
-              </a:ext>
-            </a:extLst>
-          </p:cNvPr>
-          <p:cNvPicPr>
-            <a:picLocks noChangeAspect="1"/>
-          </p:cNvPicPr>
+      <p:sp>
+        <p:nvSpPr>
+          <p:cNvPr id="14" name="矩形"/>
+          <p:cNvSpPr>
+            <a:spLocks/>
+          </p:cNvSpPr>
           <p:nvPr/>
-        </p:nvPicPr>
-        <p:blipFill>
-          <a:blip r:embed="rId3"/>
-          <a:stretch>
-            <a:fillRect/>
-          </a:stretch>
-        </p:blipFill>
+        </p:nvSpPr>
         <p:spPr>
           <a:xfrm>
-            <a:off x="107504" y="1059582"/>
-            <a:ext cx="4990476" cy="2552381"/>
-          </a:xfrm>
-          <a:prstGeom prst="rect">
-            <a:avLst/>
-          </a:prstGeom>
-        </p:spPr>
-      </p:pic>
-      <p:pic>
-        <p:nvPicPr>
-          <p:cNvPr id="6" name="图片 5">
-            <a:extLst>
-              <a:ext uri="{FF2B5EF4-FFF2-40B4-BE49-F238E27FC236}">
-                <a16:creationId xmlns:a16="http://schemas.microsoft.com/office/drawing/2014/main" id="{34AA6CE3-BD6E-4591-9F1C-0FF88A7FAEBB}"/>
-              </a:ext>
-            </a:extLst>
-          </p:cNvPr>
-          <p:cNvPicPr>
-            <a:picLocks noChangeAspect="1"/>
-          </p:cNvPicPr>
-          <p:nvPr/>
-        </p:nvPicPr>
-        <p:blipFill>
-          <a:blip r:embed="rId4"/>
-          <a:stretch>
-            <a:fillRect/>
-          </a:stretch>
-        </p:blipFill>
-        <p:spPr>
-          <a:xfrm>
-            <a:off x="5196697" y="428893"/>
-            <a:ext cx="3923809" cy="4285714"/>
-          </a:xfrm>
-          <a:prstGeom prst="rect">
-            <a:avLst/>
-          </a:prstGeom>
-        </p:spPr>
-      </p:pic>
-    </p:spTree>
-    <p:extLst>
-      <p:ext uri="{BB962C8B-B14F-4D97-AF65-F5344CB8AC3E}">
-        <p14:creationId xmlns:p14="http://schemas.microsoft.com/office/powerpoint/2010/main" val="3593913593"/>
-      </p:ext>
-    </p:extLst>
-  </p:cSld>
-  <p:clrMapOvr>
-    <a:masterClrMapping/>
-  </p:clrMapOvr>
-</p:sld>
-</file>
-
-<file path=ppt/slides/slide11.xml><?xml version="1.0" encoding="utf-8"?>
-<p:sld xmlns:a="http://schemas.openxmlformats.org/drawingml/2006/main" xmlns:r="http://schemas.openxmlformats.org/officeDocument/2006/relationships" xmlns:p="http://schemas.openxmlformats.org/presentationml/2006/main">
-  <p:cSld>
-    <p:spTree>
-      <p:nvGrpSpPr>
-        <p:cNvPr id="1" name=""/>
-        <p:cNvGrpSpPr/>
-        <p:nvPr/>
-      </p:nvGrpSpPr>
-      <p:grpSpPr>
-        <a:xfrm>
-          <a:off x="0" y="0"/>
-          <a:ext cx="0" cy="0"/>
-          <a:chOff x="0" y="0"/>
-          <a:chExt cx="0" cy="0"/>
-        </a:xfrm>
-      </p:grpSpPr>
-      <p:sp>
-        <p:nvSpPr>
-          <p:cNvPr id="14" name="矩形"/>
-          <p:cNvSpPr>
-            <a:spLocks/>
-          </p:cNvSpPr>
-          <p:nvPr/>
-        </p:nvSpPr>
-        <p:spPr>
-          <a:xfrm>
-            <a:off x="578721" y="1119764"/>
-            <a:ext cx="8565279" cy="2246769"/>
+            <a:off x="611560" y="1328926"/>
+            <a:ext cx="9105847" cy="3354765"/>
           </a:xfrm>
           <a:prstGeom prst="rect">
             <a:avLst/>
@@ -8740,7 +8649,45 @@
               </a:rPr>
               <a:t>、全局安装</a:t>
             </a:r>
-            <a:endParaRPr lang="en-US" altLang="zh-CN" sz="1600" dirty="0">
+            <a:r>
+              <a:rPr lang="zh-CN" altLang="en-US" sz="1200" dirty="0">
+                <a:latin typeface="微软雅黑" panose="020B0503020204020204" pitchFamily="34" charset="-122"/>
+                <a:ea typeface="微软雅黑" panose="020B0503020204020204" pitchFamily="34" charset="-122"/>
+              </a:rPr>
+              <a:t>（</a:t>
+            </a:r>
+            <a:r>
+              <a:rPr lang="zh-CN" altLang="zh-CN" sz="1200" dirty="0">
+                <a:latin typeface="宋体" panose="02010600030101010101" pitchFamily="2" charset="-122"/>
+              </a:rPr>
+              <a:t>全局安装，是为了在任何地方，可以使用</a:t>
+            </a:r>
+            <a:r>
+              <a:rPr lang="en-US" altLang="zh-CN" sz="1200" b="1" dirty="0">
+                <a:latin typeface="宋体" panose="02010600030101010101" pitchFamily="2" charset="-122"/>
+              </a:rPr>
+              <a:t>gulp </a:t>
+            </a:r>
+            <a:r>
+              <a:rPr lang="zh-CN" altLang="zh-CN" sz="1200" b="1" dirty="0">
+                <a:latin typeface="宋体" panose="02010600030101010101" pitchFamily="2" charset="-122"/>
+              </a:rPr>
+              <a:t>命令</a:t>
+            </a:r>
+            <a:r>
+              <a:rPr lang="zh-CN" altLang="zh-CN" sz="1200" dirty="0">
+                <a:latin typeface="宋体" panose="02010600030101010101" pitchFamily="2" charset="-122"/>
+              </a:rPr>
+              <a:t>来执行任务。</a:t>
+            </a:r>
+            <a:r>
+              <a:rPr lang="zh-CN" altLang="en-US" sz="1200" dirty="0">
+                <a:latin typeface="微软雅黑" panose="020B0503020204020204" pitchFamily="34" charset="-122"/>
+                <a:ea typeface="微软雅黑" panose="020B0503020204020204" pitchFamily="34" charset="-122"/>
+              </a:rPr>
+              <a:t>）</a:t>
+            </a:r>
+            <a:endParaRPr lang="en-US" altLang="zh-CN" sz="1200" dirty="0">
               <a:latin typeface="微软雅黑" panose="020B0503020204020204" pitchFamily="34" charset="-122"/>
               <a:ea typeface="微软雅黑" panose="020B0503020204020204" pitchFamily="34" charset="-122"/>
             </a:endParaRPr>
@@ -8752,32 +8699,18 @@
               </a:lnSpc>
             </a:pPr>
             <a:r>
+              <a:rPr lang="en-US" altLang="zh-CN" sz="1600" dirty="0" err="1">
+                <a:latin typeface="微软雅黑" panose="020B0503020204020204" pitchFamily="34" charset="-122"/>
+                <a:ea typeface="微软雅黑" panose="020B0503020204020204" pitchFamily="34" charset="-122"/>
+              </a:rPr>
+              <a:t>npm</a:t>
+            </a:r>
+            <a:r>
               <a:rPr lang="en-US" altLang="zh-CN" sz="1600" dirty="0">
                 <a:latin typeface="微软雅黑" panose="020B0503020204020204" pitchFamily="34" charset="-122"/>
                 <a:ea typeface="微软雅黑" panose="020B0503020204020204" pitchFamily="34" charset="-122"/>
               </a:rPr>
-              <a:t>$</a:t>
-            </a:r>
-            <a:r>
-              <a:rPr lang="zh-CN" altLang="en-US" sz="1600" dirty="0">
-                <a:latin typeface="微软雅黑" panose="020B0503020204020204" pitchFamily="34" charset="-122"/>
-                <a:ea typeface="微软雅黑" panose="020B0503020204020204" pitchFamily="34" charset="-122"/>
-              </a:rPr>
-              <a:t> </a:t>
-            </a:r>
-            <a:r>
-              <a:rPr lang="en-US" altLang="zh-CN" sz="1600" dirty="0" err="1">
-                <a:latin typeface="微软雅黑" panose="020B0503020204020204" pitchFamily="34" charset="-122"/>
-                <a:ea typeface="微软雅黑" panose="020B0503020204020204" pitchFamily="34" charset="-122"/>
-              </a:rPr>
-              <a:t>npm</a:t>
-            </a:r>
-            <a:r>
-              <a:rPr lang="en-US" altLang="zh-CN" sz="1600" dirty="0">
-                <a:latin typeface="微软雅黑" panose="020B0503020204020204" pitchFamily="34" charset="-122"/>
-                <a:ea typeface="微软雅黑" panose="020B0503020204020204" pitchFamily="34" charset="-122"/>
-              </a:rPr>
-              <a:t> install –global gulp</a:t>
+              <a:t> install --global gulp</a:t>
             </a:r>
           </a:p>
           <a:p>
@@ -8799,6 +8732,73 @@
                 <a:ea typeface="微软雅黑" panose="020B0503020204020204" pitchFamily="34" charset="-122"/>
               </a:rPr>
               <a:t>gulp –v</a:t>
+            </a:r>
+          </a:p>
+          <a:p>
+            <a:pPr>
+              <a:lnSpc>
+                <a:spcPct val="150000"/>
+              </a:lnSpc>
+            </a:pPr>
+            <a:endParaRPr lang="en-US" altLang="zh-CN" sz="1600" dirty="0">
+              <a:latin typeface="微软雅黑" panose="020B0503020204020204" pitchFamily="34" charset="-122"/>
+              <a:ea typeface="微软雅黑" panose="020B0503020204020204" pitchFamily="34" charset="-122"/>
+            </a:endParaRPr>
+          </a:p>
+          <a:p>
+            <a:pPr>
+              <a:lnSpc>
+                <a:spcPct val="150000"/>
+              </a:lnSpc>
+            </a:pPr>
+            <a:r>
+              <a:rPr lang="en-US" altLang="zh-CN" sz="1600" dirty="0">
+                <a:latin typeface="微软雅黑" panose="020B0503020204020204" pitchFamily="34" charset="-122"/>
+                <a:ea typeface="微软雅黑" panose="020B0503020204020204" pitchFamily="34" charset="-122"/>
+              </a:rPr>
+              <a:t>2</a:t>
+            </a:r>
+            <a:r>
+              <a:rPr lang="zh-CN" altLang="en-US" sz="1600" dirty="0">
+                <a:latin typeface="微软雅黑" panose="020B0503020204020204" pitchFamily="34" charset="-122"/>
+                <a:ea typeface="微软雅黑" panose="020B0503020204020204" pitchFamily="34" charset="-122"/>
+              </a:rPr>
+              <a:t>、作为项目的开发依赖（</a:t>
+            </a:r>
+            <a:r>
+              <a:rPr lang="en-US" altLang="zh-CN" sz="1600" dirty="0" err="1">
+                <a:latin typeface="微软雅黑" panose="020B0503020204020204" pitchFamily="34" charset="-122"/>
+                <a:ea typeface="微软雅黑" panose="020B0503020204020204" pitchFamily="34" charset="-122"/>
+              </a:rPr>
+              <a:t>devDependencies</a:t>
+            </a:r>
+            <a:r>
+              <a:rPr lang="zh-CN" altLang="en-US" sz="1600" dirty="0">
+                <a:latin typeface="微软雅黑" panose="020B0503020204020204" pitchFamily="34" charset="-122"/>
+                <a:ea typeface="微软雅黑" panose="020B0503020204020204" pitchFamily="34" charset="-122"/>
+              </a:rPr>
+              <a:t>）安装：</a:t>
+            </a:r>
+          </a:p>
+          <a:p>
+            <a:pPr>
+              <a:lnSpc>
+                <a:spcPct val="150000"/>
+              </a:lnSpc>
+            </a:pPr>
+            <a:r>
+              <a:rPr lang="en-US" altLang="zh-CN" sz="1600" dirty="0" err="1">
+                <a:latin typeface="微软雅黑" panose="020B0503020204020204" pitchFamily="34" charset="-122"/>
+                <a:ea typeface="微软雅黑" panose="020B0503020204020204" pitchFamily="34" charset="-122"/>
+              </a:rPr>
+              <a:t>npm</a:t>
+            </a:r>
+            <a:r>
+              <a:rPr lang="en-US" altLang="zh-CN" sz="1600" dirty="0">
+                <a:latin typeface="微软雅黑" panose="020B0503020204020204" pitchFamily="34" charset="-122"/>
+                <a:ea typeface="微软雅黑" panose="020B0503020204020204" pitchFamily="34" charset="-122"/>
+              </a:rPr>
+              <a:t> install --save-dev gulp</a:t>
             </a:r>
           </a:p>
           <a:p>
@@ -9049,7 +9049,7 @@
 </p:sld>
 </file>
 
-<file path=ppt/slides/slide12.xml><?xml version="1.0" encoding="utf-8"?>
+<file path=ppt/slides/slide11.xml><?xml version="1.0" encoding="utf-8"?>
 <p:sld xmlns:a="http://schemas.openxmlformats.org/drawingml/2006/main" xmlns:r="http://schemas.openxmlformats.org/officeDocument/2006/relationships" xmlns:p="http://schemas.openxmlformats.org/presentationml/2006/main">
   <p:cSld>
     <p:spTree>
@@ -9076,8 +9076,8 @@
         </p:nvSpPr>
         <p:spPr>
           <a:xfrm>
-            <a:off x="289360" y="659474"/>
-            <a:ext cx="8565279" cy="338554"/>
+            <a:off x="531261" y="771550"/>
+            <a:ext cx="8565279" cy="615553"/>
           </a:xfrm>
           <a:prstGeom prst="rect">
             <a:avLst/>
@@ -9098,17 +9098,57 @@
           </a:bodyPr>
           <a:lstStyle/>
           <a:p>
-            <a:pPr marL="800100" lvl="1" indent="-342900">
-              <a:buFont typeface="Wingdings" panose="05000000000000000000" pitchFamily="2" charset="2"/>
-              <a:buChar char="u"/>
-            </a:pPr>
-            <a:r>
-              <a:rPr lang="zh-CN" altLang="zh-CN" sz="1600" dirty="0">
+            <a:pPr lvl="1"/>
+            <a:r>
+              <a:rPr lang="zh-CN" altLang="zh-CN" b="1" dirty="0">
+                <a:solidFill>
+                  <a:srgbClr val="FF0000"/>
+                </a:solidFill>
                 <a:latin typeface="微软雅黑" panose="020B0503020204020204" pitchFamily="34" charset="-122"/>
                 <a:ea typeface="微软雅黑" panose="020B0503020204020204" pitchFamily="34" charset="-122"/>
               </a:rPr>
-              <a:t>第一件事情，就是注册账号。</a:t>
-            </a:r>
+              <a:t>使用</a:t>
+            </a:r>
+            <a:r>
+              <a:rPr lang="en-US" altLang="zh-CN" b="1" dirty="0">
+                <a:solidFill>
+                  <a:srgbClr val="FF0000"/>
+                </a:solidFill>
+                <a:latin typeface="微软雅黑" panose="020B0503020204020204" pitchFamily="34" charset="-122"/>
+                <a:ea typeface="微软雅黑" panose="020B0503020204020204" pitchFamily="34" charset="-122"/>
+              </a:rPr>
+              <a:t>gulp</a:t>
+            </a:r>
+            <a:r>
+              <a:rPr lang="zh-CN" altLang="zh-CN" b="1" dirty="0">
+                <a:solidFill>
+                  <a:srgbClr val="FF0000"/>
+                </a:solidFill>
+                <a:latin typeface="微软雅黑" panose="020B0503020204020204" pitchFamily="34" charset="-122"/>
+                <a:ea typeface="微软雅黑" panose="020B0503020204020204" pitchFamily="34" charset="-122"/>
+              </a:rPr>
+              <a:t>编译</a:t>
+            </a:r>
+            <a:r>
+              <a:rPr lang="en-US" altLang="zh-CN" b="1" dirty="0">
+                <a:solidFill>
+                  <a:srgbClr val="FF0000"/>
+                </a:solidFill>
+                <a:latin typeface="微软雅黑" panose="020B0503020204020204" pitchFamily="34" charset="-122"/>
+                <a:ea typeface="微软雅黑" panose="020B0503020204020204" pitchFamily="34" charset="-122"/>
+              </a:rPr>
+              <a:t>less</a:t>
+            </a:r>
+            <a:endParaRPr lang="zh-CN" altLang="zh-CN" b="1" dirty="0">
+              <a:solidFill>
+                <a:srgbClr val="FF0000"/>
+              </a:solidFill>
+              <a:latin typeface="微软雅黑" panose="020B0503020204020204" pitchFamily="34" charset="-122"/>
+              <a:ea typeface="微软雅黑" panose="020B0503020204020204" pitchFamily="34" charset="-122"/>
+            </a:endParaRPr>
+          </a:p>
+          <a:p>
+            <a:pPr lvl="1"/>
             <a:endParaRPr lang="zh-CN" altLang="en-US" sz="1600" u="none" strike="noStrike" kern="1200" cap="none" spc="0" baseline="0" dirty="0">
               <a:solidFill>
                 <a:srgbClr val="212121"/>
@@ -9221,36 +9261,6 @@
           </a:p>
         </p:txBody>
       </p:sp>
-      <p:pic>
-        <p:nvPicPr>
-          <p:cNvPr id="2" name="图片 1">
-            <a:extLst>
-              <a:ext uri="{FF2B5EF4-FFF2-40B4-BE49-F238E27FC236}">
-                <a16:creationId xmlns:a16="http://schemas.microsoft.com/office/drawing/2014/main" id="{2CD8FCAF-3527-4C89-93F7-7FD6CEF3A600}"/>
-              </a:ext>
-            </a:extLst>
-          </p:cNvPr>
-          <p:cNvPicPr>
-            <a:picLocks noChangeAspect="1"/>
-          </p:cNvPicPr>
-          <p:nvPr/>
-        </p:nvPicPr>
-        <p:blipFill>
-          <a:blip r:embed="rId3"/>
-          <a:stretch>
-            <a:fillRect/>
-          </a:stretch>
-        </p:blipFill>
-        <p:spPr>
-          <a:xfrm>
-            <a:off x="1403648" y="1131590"/>
-            <a:ext cx="5400600" cy="3575127"/>
-          </a:xfrm>
-          <a:prstGeom prst="rect">
-            <a:avLst/>
-          </a:prstGeom>
-        </p:spPr>
-      </p:pic>
     </p:spTree>
     <p:extLst>
       <p:ext uri="{BB962C8B-B14F-4D97-AF65-F5344CB8AC3E}">
@@ -9480,7 +9490,7 @@
 </p:sld>
 </file>
 
-<file path=ppt/slides/slide13.xml><?xml version="1.0" encoding="utf-8"?>
+<file path=ppt/slides/slide12.xml><?xml version="1.0" encoding="utf-8"?>
 <p:sld xmlns:a="http://schemas.openxmlformats.org/drawingml/2006/main" xmlns:r="http://schemas.openxmlformats.org/officeDocument/2006/relationships" xmlns:p="http://schemas.openxmlformats.org/presentationml/2006/main">
   <p:cSld>
     <p:spTree>
@@ -9903,7 +9913,7 @@
 </p:sld>
 </file>
 
-<file path=ppt/slides/slide14.xml><?xml version="1.0" encoding="utf-8"?>
+<file path=ppt/slides/slide13.xml><?xml version="1.0" encoding="utf-8"?>
 <p:sld xmlns:a="http://schemas.openxmlformats.org/drawingml/2006/main" xmlns:r="http://schemas.openxmlformats.org/officeDocument/2006/relationships" xmlns:p="http://schemas.openxmlformats.org/presentationml/2006/main">
   <p:cSld>
     <p:spTree>
@@ -10401,7 +10411,7 @@
 </p:sld>
 </file>
 
-<file path=ppt/slides/slide15.xml><?xml version="1.0" encoding="utf-8"?>
+<file path=ppt/slides/slide14.xml><?xml version="1.0" encoding="utf-8"?>
 <p:sld xmlns:a="http://schemas.openxmlformats.org/drawingml/2006/main" xmlns:r="http://schemas.openxmlformats.org/officeDocument/2006/relationships" xmlns:p="http://schemas.openxmlformats.org/presentationml/2006/main">
   <p:cSld>
     <p:spTree>
@@ -10721,7 +10731,7 @@
 </p:sld>
 </file>
 
-<file path=ppt/slides/slide16.xml><?xml version="1.0" encoding="utf-8"?>
+<file path=ppt/slides/slide15.xml><?xml version="1.0" encoding="utf-8"?>
 <p:sld xmlns:a="http://schemas.openxmlformats.org/drawingml/2006/main" xmlns:r="http://schemas.openxmlformats.org/officeDocument/2006/relationships" xmlns:p="http://schemas.openxmlformats.org/presentationml/2006/main">
   <p:cSld>
     <p:spTree>
@@ -10895,7 +10905,7 @@
 </p:sld>
 </file>
 
-<file path=ppt/slides/slide17.xml><?xml version="1.0" encoding="utf-8"?>
+<file path=ppt/slides/slide16.xml><?xml version="1.0" encoding="utf-8"?>
 <p:sld xmlns:a="http://schemas.openxmlformats.org/drawingml/2006/main" xmlns:r="http://schemas.openxmlformats.org/officeDocument/2006/relationships" xmlns:p="http://schemas.openxmlformats.org/presentationml/2006/main">
   <p:cSld>
     <p:spTree>
@@ -11094,6 +11104,363 @@
     <p:extLst>
       <p:ext uri="{BB962C8B-B14F-4D97-AF65-F5344CB8AC3E}">
         <p14:creationId xmlns:p14="http://schemas.microsoft.com/office/powerpoint/2010/main" val="3804456719"/>
+      </p:ext>
+    </p:extLst>
+  </p:cSld>
+  <p:clrMapOvr>
+    <a:masterClrMapping/>
+  </p:clrMapOvr>
+  <p:timing>
+    <p:tnLst>
+      <p:par>
+        <p:cTn id="1" dur="indefinite" restart="never" nodeType="tmRoot">
+          <p:childTnLst>
+            <p:seq concurrent="1" nextAc="seek">
+              <p:cTn id="2" dur="indefinite" nodeType="mainSeq">
+                <p:childTnLst>
+                  <p:par>
+                    <p:cTn id="3" fill="hold">
+                      <p:stCondLst>
+                        <p:cond delay="indefinite"/>
+                      </p:stCondLst>
+                      <p:childTnLst>
+                        <p:par>
+                          <p:cTn id="4" fill="hold">
+                            <p:stCondLst>
+                              <p:cond delay="0"/>
+                            </p:stCondLst>
+                            <p:childTnLst>
+                              <p:par>
+                                <p:cTn id="5" presetID="2" presetClass="entr" presetSubtype="4" fill="hold" grpId="0" nodeType="clickEffect">
+                                  <p:stCondLst>
+                                    <p:cond delay="0"/>
+                                  </p:stCondLst>
+                                  <p:childTnLst>
+                                    <p:set>
+                                      <p:cBhvr>
+                                        <p:cTn id="6" dur="1" fill="hold">
+                                          <p:stCondLst>
+                                            <p:cond delay="0"/>
+                                          </p:stCondLst>
+                                        </p:cTn>
+                                        <p:tgtEl>
+                                          <p:spTgt spid="8"/>
+                                        </p:tgtEl>
+                                        <p:attrNameLst>
+                                          <p:attrName>style.visibility</p:attrName>
+                                        </p:attrNameLst>
+                                      </p:cBhvr>
+                                      <p:to>
+                                        <p:strVal val="visible"/>
+                                      </p:to>
+                                    </p:set>
+                                    <p:anim calcmode="lin" valueType="num">
+                                      <p:cBhvr additive="base">
+                                        <p:cTn id="7" dur="500" fill="hold"/>
+                                        <p:tgtEl>
+                                          <p:spTgt spid="8"/>
+                                        </p:tgtEl>
+                                        <p:attrNameLst>
+                                          <p:attrName>ppt_x</p:attrName>
+                                        </p:attrNameLst>
+                                      </p:cBhvr>
+                                      <p:tavLst>
+                                        <p:tav tm="0">
+                                          <p:val>
+                                            <p:strVal val="#ppt_x"/>
+                                          </p:val>
+                                        </p:tav>
+                                        <p:tav tm="100000">
+                                          <p:val>
+                                            <p:strVal val="#ppt_x"/>
+                                          </p:val>
+                                        </p:tav>
+                                      </p:tavLst>
+                                    </p:anim>
+                                    <p:anim calcmode="lin" valueType="num">
+                                      <p:cBhvr additive="base">
+                                        <p:cTn id="8" dur="500" fill="hold"/>
+                                        <p:tgtEl>
+                                          <p:spTgt spid="8"/>
+                                        </p:tgtEl>
+                                        <p:attrNameLst>
+                                          <p:attrName>ppt_y</p:attrName>
+                                        </p:attrNameLst>
+                                      </p:cBhvr>
+                                      <p:tavLst>
+                                        <p:tav tm="0">
+                                          <p:val>
+                                            <p:strVal val="1+#ppt_h/2"/>
+                                          </p:val>
+                                        </p:tav>
+                                        <p:tav tm="100000">
+                                          <p:val>
+                                            <p:strVal val="#ppt_y"/>
+                                          </p:val>
+                                        </p:tav>
+                                      </p:tavLst>
+                                    </p:anim>
+                                  </p:childTnLst>
+                                </p:cTn>
+                              </p:par>
+                            </p:childTnLst>
+                          </p:cTn>
+                        </p:par>
+                      </p:childTnLst>
+                    </p:cTn>
+                  </p:par>
+                </p:childTnLst>
+              </p:cTn>
+              <p:prevCondLst>
+                <p:cond evt="onPrev" delay="0">
+                  <p:tgtEl>
+                    <p:sldTgt/>
+                  </p:tgtEl>
+                </p:cond>
+              </p:prevCondLst>
+              <p:nextCondLst>
+                <p:cond evt="onNext" delay="0">
+                  <p:tgtEl>
+                    <p:sldTgt/>
+                  </p:tgtEl>
+                </p:cond>
+              </p:nextCondLst>
+            </p:seq>
+          </p:childTnLst>
+        </p:cTn>
+      </p:par>
+    </p:tnLst>
+    <p:bldLst>
+      <p:bldP spid="8" grpId="0"/>
+    </p:bldLst>
+  </p:timing>
+</p:sld>
+</file>
+
+<file path=ppt/slides/slide17.xml><?xml version="1.0" encoding="utf-8"?>
+<p:sld xmlns:a="http://schemas.openxmlformats.org/drawingml/2006/main" xmlns:r="http://schemas.openxmlformats.org/officeDocument/2006/relationships" xmlns:p="http://schemas.openxmlformats.org/presentationml/2006/main">
+  <p:cSld>
+    <p:spTree>
+      <p:nvGrpSpPr>
+        <p:cNvPr id="1" name=""/>
+        <p:cNvGrpSpPr/>
+        <p:nvPr/>
+      </p:nvGrpSpPr>
+      <p:grpSpPr>
+        <a:xfrm>
+          <a:off x="0" y="0"/>
+          <a:ext cx="0" cy="0"/>
+          <a:chOff x="0" y="0"/>
+          <a:chExt cx="0" cy="0"/>
+        </a:xfrm>
+      </p:grpSpPr>
+      <p:sp>
+        <p:nvSpPr>
+          <p:cNvPr id="17" name="矩形"/>
+          <p:cNvSpPr>
+            <a:spLocks/>
+          </p:cNvSpPr>
+          <p:nvPr/>
+        </p:nvSpPr>
+        <p:spPr>
+          <a:xfrm>
+            <a:off x="3325503" y="627534"/>
+            <a:ext cx="2492990" cy="553998"/>
+          </a:xfrm>
+          <a:prstGeom prst="rect">
+            <a:avLst/>
+          </a:prstGeom>
+          <a:noFill/>
+          <a:ln w="9525" cap="flat" cmpd="sng">
+            <a:noFill/>
+            <a:prstDash val="solid"/>
+            <a:miter/>
+          </a:ln>
+        </p:spPr>
+        <p:txBody>
+          <a:bodyPr vert="horz" wrap="none" lIns="91440" tIns="45720" rIns="91440" bIns="45720" anchor="t" anchorCtr="0">
+            <a:prstTxWarp prst="textNoShape">
+              <a:avLst/>
+            </a:prstTxWarp>
+            <a:spAutoFit/>
+          </a:bodyPr>
+          <a:lstStyle/>
+          <a:p>
+            <a:r>
+              <a:rPr lang="zh-CN" altLang="en-US" sz="3000" b="1" kern="0" dirty="0">
+                <a:solidFill>
+                  <a:srgbClr val="C9394A"/>
+                </a:solidFill>
+                <a:latin typeface="微软雅黑" charset="0"/>
+                <a:ea typeface="微软雅黑" charset="0"/>
+                <a:cs typeface="微软雅黑" charset="0"/>
+                <a:sym typeface="Calibri" pitchFamily="34" charset="0"/>
+              </a:rPr>
+              <a:t>添加远程仓库</a:t>
+            </a:r>
+            <a:endParaRPr lang="zh-CN" altLang="en-US" u="none" strike="noStrike" kern="1200" cap="none" spc="0" baseline="0" dirty="0">
+              <a:solidFill>
+                <a:schemeClr val="tx1"/>
+              </a:solidFill>
+              <a:latin typeface="Calibri" pitchFamily="34" charset="0"/>
+              <a:ea typeface="宋体" pitchFamily="2" charset="-122"/>
+              <a:cs typeface="微软雅黑" charset="0"/>
+            </a:endParaRPr>
+          </a:p>
+        </p:txBody>
+      </p:sp>
+      <p:sp>
+        <p:nvSpPr>
+          <p:cNvPr id="8" name="矩形">
+            <a:extLst>
+              <a:ext uri="{FF2B5EF4-FFF2-40B4-BE49-F238E27FC236}">
+                <a16:creationId xmlns:a16="http://schemas.microsoft.com/office/drawing/2014/main" id="{DD861988-578A-41C1-818C-669E02578C63}"/>
+              </a:ext>
+            </a:extLst>
+          </p:cNvPr>
+          <p:cNvSpPr>
+            <a:spLocks/>
+          </p:cNvSpPr>
+          <p:nvPr/>
+        </p:nvSpPr>
+        <p:spPr>
+          <a:xfrm>
+            <a:off x="289358" y="1707654"/>
+            <a:ext cx="8565279" cy="1323439"/>
+          </a:xfrm>
+          <a:prstGeom prst="rect">
+            <a:avLst/>
+          </a:prstGeom>
+          <a:noFill/>
+          <a:ln w="9525" cap="flat" cmpd="sng">
+            <a:noFill/>
+            <a:prstDash val="solid"/>
+            <a:miter/>
+          </a:ln>
+        </p:spPr>
+        <p:txBody>
+          <a:bodyPr vert="horz" wrap="square" lIns="91440" tIns="45720" rIns="91440" bIns="45720" anchor="ctr" anchorCtr="0">
+            <a:prstTxWarp prst="textNoShape">
+              <a:avLst/>
+            </a:prstTxWarp>
+            <a:spAutoFit/>
+          </a:bodyPr>
+          <a:lstStyle/>
+          <a:p>
+            <a:pPr marL="800100" lvl="1" indent="-342900">
+              <a:buFont typeface="Wingdings" panose="05000000000000000000" pitchFamily="2" charset="2"/>
+              <a:buChar char="u"/>
+            </a:pPr>
+            <a:r>
+              <a:rPr lang="en-US" altLang="zh-CN" sz="2000" dirty="0">
+                <a:solidFill>
+                  <a:srgbClr val="212121"/>
+                </a:solidFill>
+                <a:latin typeface="微软雅黑" charset="0"/>
+                <a:ea typeface="微软雅黑" charset="0"/>
+                <a:cs typeface="微软雅黑" charset="0"/>
+                <a:sym typeface="Calibri" pitchFamily="34" charset="0"/>
+              </a:rPr>
+              <a:t>git remote add origin  </a:t>
+            </a:r>
+            <a:r>
+              <a:rPr lang="zh-CN" altLang="en-US" sz="2000" dirty="0">
+                <a:solidFill>
+                  <a:srgbClr val="212121"/>
+                </a:solidFill>
+                <a:latin typeface="微软雅黑" charset="0"/>
+                <a:ea typeface="微软雅黑" charset="0"/>
+                <a:cs typeface="微软雅黑" charset="0"/>
+                <a:sym typeface="Calibri" pitchFamily="34" charset="0"/>
+              </a:rPr>
+              <a:t>仓库的地址     </a:t>
+            </a:r>
+            <a:r>
+              <a:rPr lang="zh-CN" altLang="en-US" dirty="0">
+                <a:latin typeface="微软雅黑" panose="020B0503020204020204" pitchFamily="34" charset="-122"/>
+                <a:ea typeface="微软雅黑" panose="020B0503020204020204" pitchFamily="34" charset="-122"/>
+              </a:rPr>
+              <a:t>添加远程仓库地址</a:t>
+            </a:r>
+            <a:endParaRPr lang="en-US" altLang="zh-CN" sz="2000" dirty="0">
+              <a:solidFill>
+                <a:srgbClr val="212121"/>
+              </a:solidFill>
+              <a:latin typeface="微软雅黑" panose="020B0503020204020204" pitchFamily="34" charset="-122"/>
+              <a:ea typeface="微软雅黑" panose="020B0503020204020204" pitchFamily="34" charset="-122"/>
+              <a:cs typeface="微软雅黑" charset="0"/>
+              <a:sym typeface="Calibri" pitchFamily="34" charset="0"/>
+            </a:endParaRPr>
+          </a:p>
+          <a:p>
+            <a:pPr lvl="1"/>
+            <a:endParaRPr lang="en-US" altLang="zh-CN" sz="2000" dirty="0">
+              <a:solidFill>
+                <a:srgbClr val="212121"/>
+              </a:solidFill>
+              <a:latin typeface="微软雅黑" charset="0"/>
+              <a:ea typeface="微软雅黑" charset="0"/>
+              <a:cs typeface="微软雅黑" charset="0"/>
+              <a:sym typeface="Calibri" pitchFamily="34" charset="0"/>
+            </a:endParaRPr>
+          </a:p>
+          <a:p>
+            <a:pPr marL="800100" lvl="1" indent="-342900">
+              <a:buFont typeface="Wingdings" panose="05000000000000000000" pitchFamily="2" charset="2"/>
+              <a:buChar char="u"/>
+            </a:pPr>
+            <a:r>
+              <a:rPr lang="en-US" altLang="zh-CN" sz="2000" dirty="0">
+                <a:solidFill>
+                  <a:srgbClr val="212121"/>
+                </a:solidFill>
+                <a:latin typeface="微软雅黑" charset="0"/>
+                <a:ea typeface="微软雅黑" charset="0"/>
+                <a:cs typeface="微软雅黑" charset="0"/>
+                <a:sym typeface="Calibri" pitchFamily="34" charset="0"/>
+              </a:rPr>
+              <a:t>git remote –v    </a:t>
+            </a:r>
+            <a:r>
+              <a:rPr lang="zh-CN" altLang="en-US" sz="2000" dirty="0">
+                <a:solidFill>
+                  <a:srgbClr val="212121"/>
+                </a:solidFill>
+                <a:latin typeface="微软雅黑" charset="0"/>
+                <a:ea typeface="微软雅黑" charset="0"/>
+                <a:cs typeface="微软雅黑" charset="0"/>
+                <a:sym typeface="Calibri" pitchFamily="34" charset="0"/>
+              </a:rPr>
+              <a:t>查看关联的远程仓库</a:t>
+            </a:r>
+            <a:endParaRPr lang="en-US" altLang="zh-CN" sz="2000" dirty="0">
+              <a:solidFill>
+                <a:srgbClr val="212121"/>
+              </a:solidFill>
+              <a:latin typeface="微软雅黑" charset="0"/>
+              <a:ea typeface="微软雅黑" charset="0"/>
+              <a:cs typeface="微软雅黑" charset="0"/>
+              <a:sym typeface="Calibri" pitchFamily="34" charset="0"/>
+            </a:endParaRPr>
+          </a:p>
+          <a:p>
+            <a:pPr lvl="1"/>
+            <a:endParaRPr lang="en-US" altLang="zh-CN" sz="2000" dirty="0">
+              <a:solidFill>
+                <a:srgbClr val="212121"/>
+              </a:solidFill>
+              <a:latin typeface="微软雅黑" charset="0"/>
+              <a:ea typeface="微软雅黑" charset="0"/>
+              <a:cs typeface="微软雅黑" charset="0"/>
+              <a:sym typeface="Calibri" pitchFamily="34" charset="0"/>
+            </a:endParaRPr>
+          </a:p>
+        </p:txBody>
+      </p:sp>
+    </p:spTree>
+    <p:extLst>
+      <p:ext uri="{BB962C8B-B14F-4D97-AF65-F5344CB8AC3E}">
+        <p14:creationId xmlns:p14="http://schemas.microsoft.com/office/powerpoint/2010/main" val="2078395659"/>
       </p:ext>
     </p:extLst>
   </p:cSld>
@@ -11254,7 +11621,7 @@
         </p:nvSpPr>
         <p:spPr>
           <a:xfrm>
-            <a:off x="3325503" y="627534"/>
+            <a:off x="3325505" y="483518"/>
             <a:ext cx="2492990" cy="553998"/>
           </a:xfrm>
           <a:prstGeom prst="rect">
@@ -11286,7 +11653,7 @@
                 <a:cs typeface="微软雅黑" charset="0"/>
                 <a:sym typeface="Calibri" pitchFamily="34" charset="0"/>
               </a:rPr>
-              <a:t>添加远程仓库</a:t>
+              <a:t>克隆远程仓库</a:t>
             </a:r>
             <a:endParaRPr lang="zh-CN" altLang="en-US" u="none" strike="noStrike" kern="1200" cap="none" spc="0" baseline="0" dirty="0">
               <a:solidFill>
@@ -11315,8 +11682,8 @@
         </p:nvSpPr>
         <p:spPr>
           <a:xfrm>
-            <a:off x="289358" y="1707654"/>
-            <a:ext cx="8565279" cy="1323439"/>
+            <a:off x="395536" y="1635646"/>
+            <a:ext cx="8565279" cy="2523768"/>
           </a:xfrm>
           <a:prstGeom prst="rect">
             <a:avLst/>
@@ -11346,12 +11713,121 @@
                 <a:solidFill>
                   <a:srgbClr val="212121"/>
                 </a:solidFill>
+                <a:latin typeface="微软雅黑" panose="020B0503020204020204" pitchFamily="34" charset="-122"/>
+                <a:ea typeface="微软雅黑" panose="020B0503020204020204" pitchFamily="34" charset="-122"/>
+                <a:cs typeface="微软雅黑" charset="0"/>
+                <a:sym typeface="Calibri" pitchFamily="34" charset="0"/>
+              </a:rPr>
+              <a:t>git clone  </a:t>
+            </a:r>
+            <a:r>
+              <a:rPr lang="zh-CN" altLang="en-US" sz="2000" dirty="0">
+                <a:solidFill>
+                  <a:srgbClr val="212121"/>
+                </a:solidFill>
+                <a:latin typeface="微软雅黑" panose="020B0503020204020204" pitchFamily="34" charset="-122"/>
+                <a:ea typeface="微软雅黑" panose="020B0503020204020204" pitchFamily="34" charset="-122"/>
+                <a:cs typeface="微软雅黑" charset="0"/>
+                <a:sym typeface="Calibri" pitchFamily="34" charset="0"/>
+              </a:rPr>
+              <a:t>仓库的地址 </a:t>
+            </a:r>
+            <a:endParaRPr lang="en-US" altLang="zh-CN" sz="2000" dirty="0">
+              <a:solidFill>
+                <a:srgbClr val="212121"/>
+              </a:solidFill>
+              <a:latin typeface="微软雅黑" panose="020B0503020204020204" pitchFamily="34" charset="-122"/>
+              <a:ea typeface="微软雅黑" panose="020B0503020204020204" pitchFamily="34" charset="-122"/>
+              <a:cs typeface="微软雅黑" charset="0"/>
+              <a:sym typeface="Calibri" pitchFamily="34" charset="0"/>
+            </a:endParaRPr>
+          </a:p>
+          <a:p>
+            <a:pPr lvl="1"/>
+            <a:endParaRPr lang="en-US" altLang="zh-CN" sz="2000" dirty="0">
+              <a:solidFill>
+                <a:srgbClr val="212121"/>
+              </a:solidFill>
+              <a:latin typeface="微软雅黑" panose="020B0503020204020204" pitchFamily="34" charset="-122"/>
+              <a:ea typeface="微软雅黑" panose="020B0503020204020204" pitchFamily="34" charset="-122"/>
+              <a:cs typeface="微软雅黑" charset="0"/>
+              <a:sym typeface="Calibri" pitchFamily="34" charset="0"/>
+            </a:endParaRPr>
+          </a:p>
+          <a:p>
+            <a:pPr marL="800100" lvl="1" indent="-342900">
+              <a:buFont typeface="Wingdings" panose="05000000000000000000" pitchFamily="2" charset="2"/>
+              <a:buChar char="u"/>
+            </a:pPr>
+            <a:r>
+              <a:rPr lang="en-US" altLang="zh-CN" sz="2000" dirty="0">
+                <a:solidFill>
+                  <a:srgbClr val="212121"/>
+                </a:solidFill>
+                <a:latin typeface="微软雅黑" panose="020B0503020204020204" pitchFamily="34" charset="-122"/>
+                <a:ea typeface="微软雅黑" panose="020B0503020204020204" pitchFamily="34" charset="-122"/>
+                <a:cs typeface="微软雅黑" charset="0"/>
+                <a:sym typeface="Calibri" pitchFamily="34" charset="0"/>
+              </a:rPr>
+              <a:t>git pull origin master  </a:t>
+            </a:r>
+            <a:r>
+              <a:rPr lang="en-US" altLang="zh-CN" sz="2000" dirty="0">
+                <a:solidFill>
+                  <a:srgbClr val="FF0000"/>
+                </a:solidFill>
+                <a:latin typeface="微软雅黑" panose="020B0503020204020204" pitchFamily="34" charset="-122"/>
+                <a:ea typeface="微软雅黑" panose="020B0503020204020204" pitchFamily="34" charset="-122"/>
+                <a:cs typeface="微软雅黑" charset="0"/>
+                <a:sym typeface="Calibri" pitchFamily="34" charset="0"/>
+              </a:rPr>
+              <a:t>--allow-unrelated-histories </a:t>
+            </a:r>
+            <a:r>
+              <a:rPr lang="zh-CN" altLang="en-US" dirty="0">
+                <a:latin typeface="微软雅黑" panose="020B0503020204020204" pitchFamily="34" charset="-122"/>
+                <a:ea typeface="微软雅黑" panose="020B0503020204020204" pitchFamily="34" charset="-122"/>
+              </a:rPr>
+              <a:t>远程代码拉取到本地工作区 </a:t>
+            </a:r>
+            <a:endParaRPr lang="en-US" altLang="zh-CN" sz="2000" dirty="0">
+              <a:solidFill>
+                <a:srgbClr val="FF0000"/>
+              </a:solidFill>
+              <a:latin typeface="微软雅黑" panose="020B0503020204020204" pitchFamily="34" charset="-122"/>
+              <a:ea typeface="微软雅黑" panose="020B0503020204020204" pitchFamily="34" charset="-122"/>
+              <a:cs typeface="微软雅黑" charset="0"/>
+              <a:sym typeface="Calibri" pitchFamily="34" charset="0"/>
+            </a:endParaRPr>
+          </a:p>
+          <a:p>
+            <a:pPr lvl="1"/>
+            <a:endParaRPr lang="en-US" altLang="zh-CN" sz="2000" dirty="0">
+              <a:solidFill>
+                <a:srgbClr val="FF0000"/>
+              </a:solidFill>
+              <a:latin typeface="微软雅黑" charset="0"/>
+              <a:ea typeface="微软雅黑" charset="0"/>
+              <a:cs typeface="微软雅黑" charset="0"/>
+              <a:sym typeface="Calibri" pitchFamily="34" charset="0"/>
+            </a:endParaRPr>
+          </a:p>
+          <a:p>
+            <a:pPr marL="800100" lvl="1" indent="-342900">
+              <a:buFont typeface="Wingdings" panose="05000000000000000000" pitchFamily="2" charset="2"/>
+              <a:buChar char="u"/>
+            </a:pPr>
+            <a:r>
+              <a:rPr lang="en-US" altLang="zh-CN" sz="2000" dirty="0">
+                <a:solidFill>
+                  <a:srgbClr val="212121"/>
+                </a:solidFill>
                 <a:latin typeface="微软雅黑" charset="0"/>
                 <a:ea typeface="微软雅黑" charset="0"/>
                 <a:cs typeface="微软雅黑" charset="0"/>
                 <a:sym typeface="Calibri" pitchFamily="34" charset="0"/>
               </a:rPr>
-              <a:t>git remote add origin  </a:t>
+              <a:t>git push –u origin master   </a:t>
             </a:r>
             <a:r>
               <a:rPr lang="zh-CN" altLang="en-US" sz="2000" dirty="0">
@@ -11363,21 +11839,26 @@
                 <a:cs typeface="微软雅黑" charset="0"/>
                 <a:sym typeface="Calibri" pitchFamily="34" charset="0"/>
               </a:rPr>
-              <a:t>仓库的地址     </a:t>
-            </a:r>
-            <a:r>
-              <a:rPr lang="zh-CN" altLang="en-US" dirty="0">
-                <a:latin typeface="微软雅黑" panose="020B0503020204020204" pitchFamily="34" charset="-122"/>
-                <a:ea typeface="微软雅黑" panose="020B0503020204020204" pitchFamily="34" charset="-122"/>
-              </a:rPr>
-              <a:t>添加远程仓库地址</a:t>
+              <a:t>提交到远程仓库</a:t>
             </a:r>
             <a:endParaRPr lang="en-US" altLang="zh-CN" sz="2000" dirty="0">
               <a:solidFill>
                 <a:srgbClr val="212121"/>
               </a:solidFill>
-              <a:latin typeface="微软雅黑" panose="020B0503020204020204" pitchFamily="34" charset="-122"/>
-              <a:ea typeface="微软雅黑" panose="020B0503020204020204" pitchFamily="34" charset="-122"/>
+              <a:latin typeface="微软雅黑" charset="0"/>
+              <a:ea typeface="微软雅黑" charset="0"/>
+              <a:cs typeface="微软雅黑" charset="0"/>
+              <a:sym typeface="Calibri" pitchFamily="34" charset="0"/>
+            </a:endParaRPr>
+          </a:p>
+          <a:p>
+            <a:pPr lvl="1"/>
+            <a:endParaRPr lang="zh-CN" altLang="en-US" sz="2000" dirty="0">
+              <a:solidFill>
+                <a:srgbClr val="212121"/>
+              </a:solidFill>
+              <a:latin typeface="微软雅黑" charset="0"/>
+              <a:ea typeface="微软雅黑" charset="0"/>
               <a:cs typeface="微软雅黑" charset="0"/>
               <a:sym typeface="Calibri" pitchFamily="34" charset="0"/>
             </a:endParaRPr>
@@ -11394,63 +11875,12 @@
               <a:sym typeface="Calibri" pitchFamily="34" charset="0"/>
             </a:endParaRPr>
           </a:p>
-          <a:p>
-            <a:pPr marL="800100" lvl="1" indent="-342900">
-              <a:buFont typeface="Wingdings" panose="05000000000000000000" pitchFamily="2" charset="2"/>
-              <a:buChar char="u"/>
-            </a:pPr>
-            <a:r>
-              <a:rPr lang="en-US" altLang="zh-CN" sz="2000" dirty="0">
-                <a:solidFill>
-                  <a:srgbClr val="212121"/>
-                </a:solidFill>
-                <a:latin typeface="微软雅黑" charset="0"/>
-                <a:ea typeface="微软雅黑" charset="0"/>
-                <a:cs typeface="微软雅黑" charset="0"/>
-                <a:sym typeface="Calibri" pitchFamily="34" charset="0"/>
-              </a:rPr>
-              <a:t>git remote –v    </a:t>
-            </a:r>
-            <a:r>
-              <a:rPr lang="zh-CN" altLang="en-US" sz="2000" dirty="0">
-                <a:solidFill>
-                  <a:srgbClr val="212121"/>
-                </a:solidFill>
-                <a:latin typeface="微软雅黑" charset="0"/>
-                <a:ea typeface="微软雅黑" charset="0"/>
-                <a:cs typeface="微软雅黑" charset="0"/>
-                <a:sym typeface="Calibri" pitchFamily="34" charset="0"/>
-              </a:rPr>
-              <a:t>查看关联的远程仓库</a:t>
-            </a:r>
-            <a:endParaRPr lang="en-US" altLang="zh-CN" sz="2000" dirty="0">
-              <a:solidFill>
-                <a:srgbClr val="212121"/>
-              </a:solidFill>
-              <a:latin typeface="微软雅黑" charset="0"/>
-              <a:ea typeface="微软雅黑" charset="0"/>
-              <a:cs typeface="微软雅黑" charset="0"/>
-              <a:sym typeface="Calibri" pitchFamily="34" charset="0"/>
-            </a:endParaRPr>
-          </a:p>
-          <a:p>
-            <a:pPr lvl="1"/>
-            <a:endParaRPr lang="en-US" altLang="zh-CN" sz="2000" dirty="0">
-              <a:solidFill>
-                <a:srgbClr val="212121"/>
-              </a:solidFill>
-              <a:latin typeface="微软雅黑" charset="0"/>
-              <a:ea typeface="微软雅黑" charset="0"/>
-              <a:cs typeface="微软雅黑" charset="0"/>
-              <a:sym typeface="Calibri" pitchFamily="34" charset="0"/>
-            </a:endParaRPr>
-          </a:p>
         </p:txBody>
       </p:sp>
     </p:spTree>
     <p:extLst>
       <p:ext uri="{BB962C8B-B14F-4D97-AF65-F5344CB8AC3E}">
-        <p14:creationId xmlns:p14="http://schemas.microsoft.com/office/powerpoint/2010/main" val="2078395659"/>
+        <p14:creationId xmlns:p14="http://schemas.microsoft.com/office/powerpoint/2010/main" val="1872234643"/>
       </p:ext>
     </p:extLst>
   </p:cSld>
@@ -11611,720 +12041,6 @@
         </p:nvSpPr>
         <p:spPr>
           <a:xfrm>
-            <a:off x="3325505" y="483518"/>
-            <a:ext cx="2492990" cy="553998"/>
-          </a:xfrm>
-          <a:prstGeom prst="rect">
-            <a:avLst/>
-          </a:prstGeom>
-          <a:noFill/>
-          <a:ln w="9525" cap="flat" cmpd="sng">
-            <a:noFill/>
-            <a:prstDash val="solid"/>
-            <a:miter/>
-          </a:ln>
-        </p:spPr>
-        <p:txBody>
-          <a:bodyPr vert="horz" wrap="none" lIns="91440" tIns="45720" rIns="91440" bIns="45720" anchor="t" anchorCtr="0">
-            <a:prstTxWarp prst="textNoShape">
-              <a:avLst/>
-            </a:prstTxWarp>
-            <a:spAutoFit/>
-          </a:bodyPr>
-          <a:lstStyle/>
-          <a:p>
-            <a:r>
-              <a:rPr lang="zh-CN" altLang="en-US" sz="3000" b="1" kern="0" dirty="0">
-                <a:solidFill>
-                  <a:srgbClr val="C9394A"/>
-                </a:solidFill>
-                <a:latin typeface="微软雅黑" charset="0"/>
-                <a:ea typeface="微软雅黑" charset="0"/>
-                <a:cs typeface="微软雅黑" charset="0"/>
-                <a:sym typeface="Calibri" pitchFamily="34" charset="0"/>
-              </a:rPr>
-              <a:t>克隆远程仓库</a:t>
-            </a:r>
-            <a:endParaRPr lang="zh-CN" altLang="en-US" u="none" strike="noStrike" kern="1200" cap="none" spc="0" baseline="0" dirty="0">
-              <a:solidFill>
-                <a:schemeClr val="tx1"/>
-              </a:solidFill>
-              <a:latin typeface="Calibri" pitchFamily="34" charset="0"/>
-              <a:ea typeface="宋体" pitchFamily="2" charset="-122"/>
-              <a:cs typeface="微软雅黑" charset="0"/>
-            </a:endParaRPr>
-          </a:p>
-        </p:txBody>
-      </p:sp>
-      <p:sp>
-        <p:nvSpPr>
-          <p:cNvPr id="8" name="矩形">
-            <a:extLst>
-              <a:ext uri="{FF2B5EF4-FFF2-40B4-BE49-F238E27FC236}">
-                <a16:creationId xmlns:a16="http://schemas.microsoft.com/office/drawing/2014/main" id="{DD861988-578A-41C1-818C-669E02578C63}"/>
-              </a:ext>
-            </a:extLst>
-          </p:cNvPr>
-          <p:cNvSpPr>
-            <a:spLocks/>
-          </p:cNvSpPr>
-          <p:nvPr/>
-        </p:nvSpPr>
-        <p:spPr>
-          <a:xfrm>
-            <a:off x="395536" y="1635646"/>
-            <a:ext cx="8565279" cy="2523768"/>
-          </a:xfrm>
-          <a:prstGeom prst="rect">
-            <a:avLst/>
-          </a:prstGeom>
-          <a:noFill/>
-          <a:ln w="9525" cap="flat" cmpd="sng">
-            <a:noFill/>
-            <a:prstDash val="solid"/>
-            <a:miter/>
-          </a:ln>
-        </p:spPr>
-        <p:txBody>
-          <a:bodyPr vert="horz" wrap="square" lIns="91440" tIns="45720" rIns="91440" bIns="45720" anchor="ctr" anchorCtr="0">
-            <a:prstTxWarp prst="textNoShape">
-              <a:avLst/>
-            </a:prstTxWarp>
-            <a:spAutoFit/>
-          </a:bodyPr>
-          <a:lstStyle/>
-          <a:p>
-            <a:pPr marL="800100" lvl="1" indent="-342900">
-              <a:buFont typeface="Wingdings" panose="05000000000000000000" pitchFamily="2" charset="2"/>
-              <a:buChar char="u"/>
-            </a:pPr>
-            <a:r>
-              <a:rPr lang="en-US" altLang="zh-CN" sz="2000" dirty="0">
-                <a:solidFill>
-                  <a:srgbClr val="212121"/>
-                </a:solidFill>
-                <a:latin typeface="微软雅黑" panose="020B0503020204020204" pitchFamily="34" charset="-122"/>
-                <a:ea typeface="微软雅黑" panose="020B0503020204020204" pitchFamily="34" charset="-122"/>
-                <a:cs typeface="微软雅黑" charset="0"/>
-                <a:sym typeface="Calibri" pitchFamily="34" charset="0"/>
-              </a:rPr>
-              <a:t>git clone  </a:t>
-            </a:r>
-            <a:r>
-              <a:rPr lang="zh-CN" altLang="en-US" sz="2000" dirty="0">
-                <a:solidFill>
-                  <a:srgbClr val="212121"/>
-                </a:solidFill>
-                <a:latin typeface="微软雅黑" panose="020B0503020204020204" pitchFamily="34" charset="-122"/>
-                <a:ea typeface="微软雅黑" panose="020B0503020204020204" pitchFamily="34" charset="-122"/>
-                <a:cs typeface="微软雅黑" charset="0"/>
-                <a:sym typeface="Calibri" pitchFamily="34" charset="0"/>
-              </a:rPr>
-              <a:t>仓库的地址 </a:t>
-            </a:r>
-            <a:endParaRPr lang="en-US" altLang="zh-CN" sz="2000" dirty="0">
-              <a:solidFill>
-                <a:srgbClr val="212121"/>
-              </a:solidFill>
-              <a:latin typeface="微软雅黑" panose="020B0503020204020204" pitchFamily="34" charset="-122"/>
-              <a:ea typeface="微软雅黑" panose="020B0503020204020204" pitchFamily="34" charset="-122"/>
-              <a:cs typeface="微软雅黑" charset="0"/>
-              <a:sym typeface="Calibri" pitchFamily="34" charset="0"/>
-            </a:endParaRPr>
-          </a:p>
-          <a:p>
-            <a:pPr lvl="1"/>
-            <a:endParaRPr lang="en-US" altLang="zh-CN" sz="2000" dirty="0">
-              <a:solidFill>
-                <a:srgbClr val="212121"/>
-              </a:solidFill>
-              <a:latin typeface="微软雅黑" panose="020B0503020204020204" pitchFamily="34" charset="-122"/>
-              <a:ea typeface="微软雅黑" panose="020B0503020204020204" pitchFamily="34" charset="-122"/>
-              <a:cs typeface="微软雅黑" charset="0"/>
-              <a:sym typeface="Calibri" pitchFamily="34" charset="0"/>
-            </a:endParaRPr>
-          </a:p>
-          <a:p>
-            <a:pPr marL="800100" lvl="1" indent="-342900">
-              <a:buFont typeface="Wingdings" panose="05000000000000000000" pitchFamily="2" charset="2"/>
-              <a:buChar char="u"/>
-            </a:pPr>
-            <a:r>
-              <a:rPr lang="en-US" altLang="zh-CN" sz="2000" dirty="0">
-                <a:solidFill>
-                  <a:srgbClr val="212121"/>
-                </a:solidFill>
-                <a:latin typeface="微软雅黑" panose="020B0503020204020204" pitchFamily="34" charset="-122"/>
-                <a:ea typeface="微软雅黑" panose="020B0503020204020204" pitchFamily="34" charset="-122"/>
-                <a:cs typeface="微软雅黑" charset="0"/>
-                <a:sym typeface="Calibri" pitchFamily="34" charset="0"/>
-              </a:rPr>
-              <a:t>git pull origin master  </a:t>
-            </a:r>
-            <a:r>
-              <a:rPr lang="en-US" altLang="zh-CN" sz="2000" dirty="0">
-                <a:solidFill>
-                  <a:srgbClr val="FF0000"/>
-                </a:solidFill>
-                <a:latin typeface="微软雅黑" panose="020B0503020204020204" pitchFamily="34" charset="-122"/>
-                <a:ea typeface="微软雅黑" panose="020B0503020204020204" pitchFamily="34" charset="-122"/>
-                <a:cs typeface="微软雅黑" charset="0"/>
-                <a:sym typeface="Calibri" pitchFamily="34" charset="0"/>
-              </a:rPr>
-              <a:t>--allow-unrelated-histories </a:t>
-            </a:r>
-            <a:r>
-              <a:rPr lang="zh-CN" altLang="en-US" dirty="0">
-                <a:latin typeface="微软雅黑" panose="020B0503020204020204" pitchFamily="34" charset="-122"/>
-                <a:ea typeface="微软雅黑" panose="020B0503020204020204" pitchFamily="34" charset="-122"/>
-              </a:rPr>
-              <a:t>远程代码拉取到本地工作区 </a:t>
-            </a:r>
-            <a:endParaRPr lang="en-US" altLang="zh-CN" sz="2000" dirty="0">
-              <a:solidFill>
-                <a:srgbClr val="FF0000"/>
-              </a:solidFill>
-              <a:latin typeface="微软雅黑" panose="020B0503020204020204" pitchFamily="34" charset="-122"/>
-              <a:ea typeface="微软雅黑" panose="020B0503020204020204" pitchFamily="34" charset="-122"/>
-              <a:cs typeface="微软雅黑" charset="0"/>
-              <a:sym typeface="Calibri" pitchFamily="34" charset="0"/>
-            </a:endParaRPr>
-          </a:p>
-          <a:p>
-            <a:pPr lvl="1"/>
-            <a:endParaRPr lang="en-US" altLang="zh-CN" sz="2000" dirty="0">
-              <a:solidFill>
-                <a:srgbClr val="FF0000"/>
-              </a:solidFill>
-              <a:latin typeface="微软雅黑" charset="0"/>
-              <a:ea typeface="微软雅黑" charset="0"/>
-              <a:cs typeface="微软雅黑" charset="0"/>
-              <a:sym typeface="Calibri" pitchFamily="34" charset="0"/>
-            </a:endParaRPr>
-          </a:p>
-          <a:p>
-            <a:pPr marL="800100" lvl="1" indent="-342900">
-              <a:buFont typeface="Wingdings" panose="05000000000000000000" pitchFamily="2" charset="2"/>
-              <a:buChar char="u"/>
-            </a:pPr>
-            <a:r>
-              <a:rPr lang="en-US" altLang="zh-CN" sz="2000" dirty="0">
-                <a:solidFill>
-                  <a:srgbClr val="212121"/>
-                </a:solidFill>
-                <a:latin typeface="微软雅黑" charset="0"/>
-                <a:ea typeface="微软雅黑" charset="0"/>
-                <a:cs typeface="微软雅黑" charset="0"/>
-                <a:sym typeface="Calibri" pitchFamily="34" charset="0"/>
-              </a:rPr>
-              <a:t>git push –u origin master   </a:t>
-            </a:r>
-            <a:r>
-              <a:rPr lang="zh-CN" altLang="en-US" sz="2000" dirty="0">
-                <a:solidFill>
-                  <a:srgbClr val="212121"/>
-                </a:solidFill>
-                <a:latin typeface="微软雅黑" charset="0"/>
-                <a:ea typeface="微软雅黑" charset="0"/>
-                <a:cs typeface="微软雅黑" charset="0"/>
-                <a:sym typeface="Calibri" pitchFamily="34" charset="0"/>
-              </a:rPr>
-              <a:t>提交到远程仓库</a:t>
-            </a:r>
-            <a:endParaRPr lang="en-US" altLang="zh-CN" sz="2000" dirty="0">
-              <a:solidFill>
-                <a:srgbClr val="212121"/>
-              </a:solidFill>
-              <a:latin typeface="微软雅黑" charset="0"/>
-              <a:ea typeface="微软雅黑" charset="0"/>
-              <a:cs typeface="微软雅黑" charset="0"/>
-              <a:sym typeface="Calibri" pitchFamily="34" charset="0"/>
-            </a:endParaRPr>
-          </a:p>
-          <a:p>
-            <a:pPr lvl="1"/>
-            <a:endParaRPr lang="zh-CN" altLang="en-US" sz="2000" dirty="0">
-              <a:solidFill>
-                <a:srgbClr val="212121"/>
-              </a:solidFill>
-              <a:latin typeface="微软雅黑" charset="0"/>
-              <a:ea typeface="微软雅黑" charset="0"/>
-              <a:cs typeface="微软雅黑" charset="0"/>
-              <a:sym typeface="Calibri" pitchFamily="34" charset="0"/>
-            </a:endParaRPr>
-          </a:p>
-          <a:p>
-            <a:pPr lvl="1"/>
-            <a:endParaRPr lang="en-US" altLang="zh-CN" sz="2000" dirty="0">
-              <a:solidFill>
-                <a:srgbClr val="212121"/>
-              </a:solidFill>
-              <a:latin typeface="微软雅黑" charset="0"/>
-              <a:ea typeface="微软雅黑" charset="0"/>
-              <a:cs typeface="微软雅黑" charset="0"/>
-              <a:sym typeface="Calibri" pitchFamily="34" charset="0"/>
-            </a:endParaRPr>
-          </a:p>
-        </p:txBody>
-      </p:sp>
-    </p:spTree>
-    <p:extLst>
-      <p:ext uri="{BB962C8B-B14F-4D97-AF65-F5344CB8AC3E}">
-        <p14:creationId xmlns:p14="http://schemas.microsoft.com/office/powerpoint/2010/main" val="1872234643"/>
-      </p:ext>
-    </p:extLst>
-  </p:cSld>
-  <p:clrMapOvr>
-    <a:masterClrMapping/>
-  </p:clrMapOvr>
-  <p:timing>
-    <p:tnLst>
-      <p:par>
-        <p:cTn id="1" dur="indefinite" restart="never" nodeType="tmRoot">
-          <p:childTnLst>
-            <p:seq concurrent="1" nextAc="seek">
-              <p:cTn id="2" dur="indefinite" nodeType="mainSeq">
-                <p:childTnLst>
-                  <p:par>
-                    <p:cTn id="3" fill="hold">
-                      <p:stCondLst>
-                        <p:cond delay="indefinite"/>
-                      </p:stCondLst>
-                      <p:childTnLst>
-                        <p:par>
-                          <p:cTn id="4" fill="hold">
-                            <p:stCondLst>
-                              <p:cond delay="0"/>
-                            </p:stCondLst>
-                            <p:childTnLst>
-                              <p:par>
-                                <p:cTn id="5" presetID="2" presetClass="entr" presetSubtype="4" fill="hold" grpId="0" nodeType="clickEffect">
-                                  <p:stCondLst>
-                                    <p:cond delay="0"/>
-                                  </p:stCondLst>
-                                  <p:childTnLst>
-                                    <p:set>
-                                      <p:cBhvr>
-                                        <p:cTn id="6" dur="1" fill="hold">
-                                          <p:stCondLst>
-                                            <p:cond delay="0"/>
-                                          </p:stCondLst>
-                                        </p:cTn>
-                                        <p:tgtEl>
-                                          <p:spTgt spid="8"/>
-                                        </p:tgtEl>
-                                        <p:attrNameLst>
-                                          <p:attrName>style.visibility</p:attrName>
-                                        </p:attrNameLst>
-                                      </p:cBhvr>
-                                      <p:to>
-                                        <p:strVal val="visible"/>
-                                      </p:to>
-                                    </p:set>
-                                    <p:anim calcmode="lin" valueType="num">
-                                      <p:cBhvr additive="base">
-                                        <p:cTn id="7" dur="500" fill="hold"/>
-                                        <p:tgtEl>
-                                          <p:spTgt spid="8"/>
-                                        </p:tgtEl>
-                                        <p:attrNameLst>
-                                          <p:attrName>ppt_x</p:attrName>
-                                        </p:attrNameLst>
-                                      </p:cBhvr>
-                                      <p:tavLst>
-                                        <p:tav tm="0">
-                                          <p:val>
-                                            <p:strVal val="#ppt_x"/>
-                                          </p:val>
-                                        </p:tav>
-                                        <p:tav tm="100000">
-                                          <p:val>
-                                            <p:strVal val="#ppt_x"/>
-                                          </p:val>
-                                        </p:tav>
-                                      </p:tavLst>
-                                    </p:anim>
-                                    <p:anim calcmode="lin" valueType="num">
-                                      <p:cBhvr additive="base">
-                                        <p:cTn id="8" dur="500" fill="hold"/>
-                                        <p:tgtEl>
-                                          <p:spTgt spid="8"/>
-                                        </p:tgtEl>
-                                        <p:attrNameLst>
-                                          <p:attrName>ppt_y</p:attrName>
-                                        </p:attrNameLst>
-                                      </p:cBhvr>
-                                      <p:tavLst>
-                                        <p:tav tm="0">
-                                          <p:val>
-                                            <p:strVal val="1+#ppt_h/2"/>
-                                          </p:val>
-                                        </p:tav>
-                                        <p:tav tm="100000">
-                                          <p:val>
-                                            <p:strVal val="#ppt_y"/>
-                                          </p:val>
-                                        </p:tav>
-                                      </p:tavLst>
-                                    </p:anim>
-                                  </p:childTnLst>
-                                </p:cTn>
-                              </p:par>
-                            </p:childTnLst>
-                          </p:cTn>
-                        </p:par>
-                      </p:childTnLst>
-                    </p:cTn>
-                  </p:par>
-                </p:childTnLst>
-              </p:cTn>
-              <p:prevCondLst>
-                <p:cond evt="onPrev" delay="0">
-                  <p:tgtEl>
-                    <p:sldTgt/>
-                  </p:tgtEl>
-                </p:cond>
-              </p:prevCondLst>
-              <p:nextCondLst>
-                <p:cond evt="onNext" delay="0">
-                  <p:tgtEl>
-                    <p:sldTgt/>
-                  </p:tgtEl>
-                </p:cond>
-              </p:nextCondLst>
-            </p:seq>
-          </p:childTnLst>
-        </p:cTn>
-      </p:par>
-    </p:tnLst>
-    <p:bldLst>
-      <p:bldP spid="8" grpId="0"/>
-    </p:bldLst>
-  </p:timing>
-</p:sld>
-</file>
-
-<file path=ppt/slides/slide2.xml><?xml version="1.0" encoding="utf-8"?>
-<p:sld xmlns:a="http://schemas.openxmlformats.org/drawingml/2006/main" xmlns:r="http://schemas.openxmlformats.org/officeDocument/2006/relationships" xmlns:p="http://schemas.openxmlformats.org/presentationml/2006/main">
-  <p:cSld>
-    <p:spTree>
-      <p:nvGrpSpPr>
-        <p:cNvPr id="1" name=""/>
-        <p:cNvGrpSpPr/>
-        <p:nvPr/>
-      </p:nvGrpSpPr>
-      <p:grpSpPr>
-        <a:xfrm>
-          <a:off x="0" y="0"/>
-          <a:ext cx="0" cy="0"/>
-          <a:chOff x="0" y="0"/>
-          <a:chExt cx="0" cy="0"/>
-        </a:xfrm>
-      </p:grpSpPr>
-      <p:sp>
-        <p:nvSpPr>
-          <p:cNvPr id="2" name="矩形"/>
-          <p:cNvSpPr>
-            <a:spLocks/>
-          </p:cNvSpPr>
-          <p:nvPr/>
-        </p:nvSpPr>
-        <p:spPr>
-          <a:xfrm>
-            <a:off x="3059832" y="142106"/>
-            <a:ext cx="3262432" cy="830997"/>
-          </a:xfrm>
-          <a:prstGeom prst="rect">
-            <a:avLst/>
-          </a:prstGeom>
-          <a:noFill/>
-          <a:ln w="9525" cap="flat" cmpd="sng">
-            <a:noFill/>
-            <a:prstDash val="solid"/>
-            <a:miter/>
-          </a:ln>
-        </p:spPr>
-        <p:txBody>
-          <a:bodyPr vert="horz" wrap="none" lIns="91440" tIns="45720" rIns="91440" bIns="45720" anchor="t" anchorCtr="0">
-            <a:prstTxWarp prst="textNoShape">
-              <a:avLst/>
-            </a:prstTxWarp>
-            <a:spAutoFit/>
-          </a:bodyPr>
-          <a:lstStyle/>
-          <a:p>
-            <a:pPr algn="ctr"/>
-            <a:r>
-              <a:rPr lang="zh-CN" altLang="zh-CN" sz="3000" b="1" kern="0" dirty="0">
-                <a:solidFill>
-                  <a:srgbClr val="C9394A"/>
-                </a:solidFill>
-                <a:latin typeface="微软雅黑" charset="0"/>
-                <a:ea typeface="微软雅黑" charset="0"/>
-              </a:rPr>
-              <a:t>什么是自动化构建</a:t>
-            </a:r>
-          </a:p>
-          <a:p>
-            <a:pPr algn="ctr"/>
-            <a:endParaRPr lang="zh-CN" altLang="en-US" u="none" strike="noStrike" kern="1200" cap="none" spc="0" baseline="0" dirty="0">
-              <a:solidFill>
-                <a:schemeClr val="tx1"/>
-              </a:solidFill>
-              <a:latin typeface="Calibri" pitchFamily="34" charset="0"/>
-              <a:ea typeface="宋体" pitchFamily="2" charset="-122"/>
-              <a:cs typeface="微软雅黑" charset="0"/>
-            </a:endParaRPr>
-          </a:p>
-        </p:txBody>
-      </p:sp>
-      <p:sp>
-        <p:nvSpPr>
-          <p:cNvPr id="4" name="矩形 3">
-            <a:extLst>
-              <a:ext uri="{FF2B5EF4-FFF2-40B4-BE49-F238E27FC236}">
-                <a16:creationId xmlns:a16="http://schemas.microsoft.com/office/drawing/2014/main" id="{FF5D7532-CC57-4204-8FE6-3CC51288568E}"/>
-              </a:ext>
-            </a:extLst>
-          </p:cNvPr>
-          <p:cNvSpPr/>
-          <p:nvPr/>
-        </p:nvSpPr>
-        <p:spPr>
-          <a:xfrm>
-            <a:off x="899592" y="896790"/>
-            <a:ext cx="7200800" cy="1705403"/>
-          </a:xfrm>
-          <a:prstGeom prst="rect">
-            <a:avLst/>
-          </a:prstGeom>
-        </p:spPr>
-        <p:txBody>
-          <a:bodyPr wrap="square">
-            <a:spAutoFit/>
-          </a:bodyPr>
-          <a:lstStyle/>
-          <a:p>
-            <a:pPr algn="just">
-              <a:lnSpc>
-                <a:spcPct val="150000"/>
-              </a:lnSpc>
-            </a:pPr>
-            <a:r>
-              <a:rPr lang="zh-CN" altLang="zh-CN" kern="100" dirty="0">
-                <a:latin typeface="微软雅黑" panose="020B0503020204020204" pitchFamily="34" charset="-122"/>
-                <a:ea typeface="微软雅黑" panose="020B0503020204020204" pitchFamily="34" charset="-122"/>
-                <a:cs typeface="Times New Roman" panose="02020603050405020304" pitchFamily="18" charset="0"/>
-              </a:rPr>
-              <a:t>从前端的角度来讲，如何</a:t>
-            </a:r>
-            <a:r>
-              <a:rPr lang="zh-CN" altLang="zh-CN" b="1" kern="100" dirty="0">
-                <a:solidFill>
-                  <a:srgbClr val="FF0000"/>
-                </a:solidFill>
-                <a:latin typeface="微软雅黑" panose="020B0503020204020204" pitchFamily="34" charset="-122"/>
-                <a:ea typeface="微软雅黑" panose="020B0503020204020204" pitchFamily="34" charset="-122"/>
-                <a:cs typeface="Times New Roman" panose="02020603050405020304" pitchFamily="18" charset="0"/>
-              </a:rPr>
-              <a:t>优化网站</a:t>
-            </a:r>
-            <a:r>
-              <a:rPr lang="zh-CN" altLang="zh-CN" kern="100" dirty="0">
-                <a:latin typeface="微软雅黑" panose="020B0503020204020204" pitchFamily="34" charset="-122"/>
-                <a:ea typeface="微软雅黑" panose="020B0503020204020204" pitchFamily="34" charset="-122"/>
-                <a:cs typeface="Times New Roman" panose="02020603050405020304" pitchFamily="18" charset="0"/>
-              </a:rPr>
-              <a:t>，提升</a:t>
-            </a:r>
-            <a:r>
-              <a:rPr lang="zh-CN" altLang="zh-CN" b="1" kern="100" dirty="0">
-                <a:solidFill>
-                  <a:srgbClr val="FF0000"/>
-                </a:solidFill>
-                <a:latin typeface="微软雅黑" panose="020B0503020204020204" pitchFamily="34" charset="-122"/>
-                <a:ea typeface="微软雅黑" panose="020B0503020204020204" pitchFamily="34" charset="-122"/>
-                <a:cs typeface="Times New Roman" panose="02020603050405020304" pitchFamily="18" charset="0"/>
-              </a:rPr>
-              <a:t>网站性能</a:t>
-            </a:r>
-            <a:r>
-              <a:rPr lang="en-US" altLang="zh-CN" kern="100" dirty="0">
-                <a:latin typeface="微软雅黑" panose="020B0503020204020204" pitchFamily="34" charset="-122"/>
-                <a:ea typeface="微软雅黑" panose="020B0503020204020204" pitchFamily="34" charset="-122"/>
-                <a:cs typeface="Times New Roman" panose="02020603050405020304" pitchFamily="18" charset="0"/>
-              </a:rPr>
-              <a:t>?</a:t>
-            </a:r>
-            <a:endParaRPr lang="zh-CN" altLang="zh-CN" kern="100" dirty="0">
-              <a:latin typeface="微软雅黑" panose="020B0503020204020204" pitchFamily="34" charset="-122"/>
-              <a:ea typeface="微软雅黑" panose="020B0503020204020204" pitchFamily="34" charset="-122"/>
-              <a:cs typeface="Times New Roman" panose="02020603050405020304" pitchFamily="18" charset="0"/>
-            </a:endParaRPr>
-          </a:p>
-          <a:p>
-            <a:pPr algn="just">
-              <a:lnSpc>
-                <a:spcPct val="150000"/>
-              </a:lnSpc>
-            </a:pPr>
-            <a:r>
-              <a:rPr lang="zh-CN" altLang="zh-CN" kern="100" dirty="0">
-                <a:latin typeface="微软雅黑" panose="020B0503020204020204" pitchFamily="34" charset="-122"/>
-                <a:ea typeface="微软雅黑" panose="020B0503020204020204" pitchFamily="34" charset="-122"/>
-                <a:cs typeface="Times New Roman" panose="02020603050405020304" pitchFamily="18" charset="0"/>
-              </a:rPr>
-              <a:t>浏览器端</a:t>
-            </a:r>
-            <a:r>
-              <a:rPr lang="en-US" altLang="zh-CN" kern="100" dirty="0">
-                <a:latin typeface="微软雅黑" panose="020B0503020204020204" pitchFamily="34" charset="-122"/>
-                <a:ea typeface="微软雅黑" panose="020B0503020204020204" pitchFamily="34" charset="-122"/>
-                <a:cs typeface="Times New Roman" panose="02020603050405020304" pitchFamily="18" charset="0"/>
-              </a:rPr>
-              <a:t> &lt;---&gt; </a:t>
-            </a:r>
-            <a:r>
-              <a:rPr lang="zh-CN" altLang="zh-CN" kern="100" dirty="0">
-                <a:latin typeface="微软雅黑" panose="020B0503020204020204" pitchFamily="34" charset="-122"/>
-                <a:ea typeface="微软雅黑" panose="020B0503020204020204" pitchFamily="34" charset="-122"/>
-                <a:cs typeface="Times New Roman" panose="02020603050405020304" pitchFamily="18" charset="0"/>
-              </a:rPr>
-              <a:t>服务器端</a:t>
-            </a:r>
-            <a:endParaRPr lang="en-US" altLang="zh-CN" kern="100" dirty="0">
-              <a:latin typeface="微软雅黑" panose="020B0503020204020204" pitchFamily="34" charset="-122"/>
-              <a:ea typeface="微软雅黑" panose="020B0503020204020204" pitchFamily="34" charset="-122"/>
-              <a:cs typeface="Times New Roman" panose="02020603050405020304" pitchFamily="18" charset="0"/>
-            </a:endParaRPr>
-          </a:p>
-          <a:p>
-            <a:pPr algn="just">
-              <a:lnSpc>
-                <a:spcPct val="150000"/>
-              </a:lnSpc>
-            </a:pPr>
-            <a:r>
-              <a:rPr lang="zh-CN" altLang="zh-CN" kern="100" dirty="0">
-                <a:cs typeface="Times New Roman" panose="02020603050405020304" pitchFamily="18" charset="0"/>
-              </a:rPr>
-              <a:t>网站完成之后，上传到服务器，供普通用户浏览使用。</a:t>
-            </a:r>
-          </a:p>
-          <a:p>
-            <a:pPr algn="just">
-              <a:lnSpc>
-                <a:spcPct val="150000"/>
-              </a:lnSpc>
-            </a:pPr>
-            <a:endParaRPr lang="zh-CN" altLang="zh-CN" kern="100" dirty="0">
-              <a:latin typeface="微软雅黑" panose="020B0503020204020204" pitchFamily="34" charset="-122"/>
-              <a:ea typeface="微软雅黑" panose="020B0503020204020204" pitchFamily="34" charset="-122"/>
-              <a:cs typeface="Times New Roman" panose="02020603050405020304" pitchFamily="18" charset="0"/>
-            </a:endParaRPr>
-          </a:p>
-        </p:txBody>
-      </p:sp>
-      <p:pic>
-        <p:nvPicPr>
-          <p:cNvPr id="2050" name="图片 1">
-            <a:extLst>
-              <a:ext uri="{FF2B5EF4-FFF2-40B4-BE49-F238E27FC236}">
-                <a16:creationId xmlns:a16="http://schemas.microsoft.com/office/drawing/2014/main" id="{B31614B1-44E6-47DF-99BC-575F3AFAC52F}"/>
-              </a:ext>
-            </a:extLst>
-          </p:cNvPr>
-          <p:cNvPicPr>
-            <a:picLocks noChangeAspect="1" noChangeArrowheads="1"/>
-          </p:cNvPicPr>
-          <p:nvPr/>
-        </p:nvPicPr>
-        <p:blipFill>
-          <a:blip r:embed="rId2">
-            <a:extLst>
-              <a:ext uri="{28A0092B-C50C-407E-A947-70E740481C1C}">
-                <a14:useLocalDpi xmlns:a14="http://schemas.microsoft.com/office/drawing/2010/main" val="0"/>
-              </a:ext>
-            </a:extLst>
-          </a:blip>
-          <a:srcRect/>
-          <a:stretch>
-            <a:fillRect/>
-          </a:stretch>
-        </p:blipFill>
-        <p:spPr bwMode="auto">
-          <a:xfrm>
-            <a:off x="1835696" y="2281705"/>
-            <a:ext cx="4835277" cy="2693066"/>
-          </a:xfrm>
-          <a:prstGeom prst="rect">
-            <a:avLst/>
-          </a:prstGeom>
-          <a:noFill/>
-          <a:ln>
-            <a:noFill/>
-          </a:ln>
-          <a:extLst>
-            <a:ext uri="{909E8E84-426E-40DD-AFC4-6F175D3DCCD1}">
-              <a14:hiddenFill xmlns:a14="http://schemas.microsoft.com/office/drawing/2010/main">
-                <a:solidFill>
-                  <a:srgbClr val="FFFFFF"/>
-                </a:solidFill>
-              </a14:hiddenFill>
-            </a:ext>
-            <a:ext uri="{91240B29-F687-4F45-9708-019B960494DF}">
-              <a14:hiddenLine xmlns:a14="http://schemas.microsoft.com/office/drawing/2010/main" w="9525">
-                <a:solidFill>
-                  <a:srgbClr val="000000"/>
-                </a:solidFill>
-                <a:miter lim="800000"/>
-                <a:headEnd/>
-                <a:tailEnd/>
-              </a14:hiddenLine>
-            </a:ext>
-          </a:extLst>
-        </p:spPr>
-      </p:pic>
-    </p:spTree>
-    <p:extLst>
-      <p:ext uri="{BB962C8B-B14F-4D97-AF65-F5344CB8AC3E}">
-        <p14:creationId xmlns:p14="http://schemas.microsoft.com/office/powerpoint/2010/main" val="133780698"/>
-      </p:ext>
-    </p:extLst>
-  </p:cSld>
-  <p:clrMapOvr>
-    <a:masterClrMapping/>
-  </p:clrMapOvr>
-</p:sld>
-</file>
-
-<file path=ppt/slides/slide20.xml><?xml version="1.0" encoding="utf-8"?>
-<p:sld xmlns:a="http://schemas.openxmlformats.org/drawingml/2006/main" xmlns:r="http://schemas.openxmlformats.org/officeDocument/2006/relationships" xmlns:p="http://schemas.openxmlformats.org/presentationml/2006/main">
-  <p:cSld>
-    <p:spTree>
-      <p:nvGrpSpPr>
-        <p:cNvPr id="1" name=""/>
-        <p:cNvGrpSpPr/>
-        <p:nvPr/>
-      </p:nvGrpSpPr>
-      <p:grpSpPr>
-        <a:xfrm>
-          <a:off x="0" y="0"/>
-          <a:ext cx="0" cy="0"/>
-          <a:chOff x="0" y="0"/>
-          <a:chExt cx="0" cy="0"/>
-        </a:xfrm>
-      </p:grpSpPr>
-      <p:sp>
-        <p:nvSpPr>
-          <p:cNvPr id="17" name="矩形"/>
-          <p:cNvSpPr>
-            <a:spLocks/>
-          </p:cNvSpPr>
-          <p:nvPr/>
-        </p:nvSpPr>
-        <p:spPr>
-          <a:xfrm>
             <a:off x="3710225" y="427327"/>
             <a:ext cx="1723549" cy="553998"/>
           </a:xfrm>
@@ -12398,7 +12114,7 @@
           <a:graphicData uri="http://schemas.openxmlformats.org/presentationml/2006/ole">
             <mc:AlternateContent xmlns:mc="http://schemas.openxmlformats.org/markup-compatibility/2006">
               <mc:Choice xmlns:v="urn:schemas-microsoft-com:vml" Requires="v">
-                <p:oleObj spid="_x0000_s1063" r:id="rId4" imgW="5590440" imgH="4561560" progId="">
+                <p:oleObj spid="_x0000_s1070" r:id="rId4" imgW="5590440" imgH="4561560" progId="">
                   <p:embed/>
                 </p:oleObj>
               </mc:Choice>
@@ -12452,7 +12168,295 @@
 </p:sld>
 </file>
 
-<file path=ppt/slides/slide21.xml><?xml version="1.0" encoding="utf-8"?>
+<file path=ppt/slides/slide2.xml><?xml version="1.0" encoding="utf-8"?>
+<p:sld xmlns:a="http://schemas.openxmlformats.org/drawingml/2006/main" xmlns:r="http://schemas.openxmlformats.org/officeDocument/2006/relationships" xmlns:p="http://schemas.openxmlformats.org/presentationml/2006/main">
+  <p:cSld>
+    <p:spTree>
+      <p:nvGrpSpPr>
+        <p:cNvPr id="1" name=""/>
+        <p:cNvGrpSpPr/>
+        <p:nvPr/>
+      </p:nvGrpSpPr>
+      <p:grpSpPr>
+        <a:xfrm>
+          <a:off x="0" y="0"/>
+          <a:ext cx="0" cy="0"/>
+          <a:chOff x="0" y="0"/>
+          <a:chExt cx="0" cy="0"/>
+        </a:xfrm>
+      </p:grpSpPr>
+      <p:sp>
+        <p:nvSpPr>
+          <p:cNvPr id="2" name="矩形"/>
+          <p:cNvSpPr>
+            <a:spLocks/>
+          </p:cNvSpPr>
+          <p:nvPr/>
+        </p:nvSpPr>
+        <p:spPr>
+          <a:xfrm>
+            <a:off x="3162424" y="142106"/>
+            <a:ext cx="3057247" cy="800219"/>
+          </a:xfrm>
+          <a:prstGeom prst="rect">
+            <a:avLst/>
+          </a:prstGeom>
+          <a:noFill/>
+          <a:ln w="9525" cap="flat" cmpd="sng">
+            <a:noFill/>
+            <a:prstDash val="solid"/>
+            <a:miter/>
+          </a:ln>
+        </p:spPr>
+        <p:txBody>
+          <a:bodyPr vert="horz" wrap="none" lIns="91440" tIns="45720" rIns="91440" bIns="45720" anchor="t" anchorCtr="0">
+            <a:prstTxWarp prst="textNoShape">
+              <a:avLst/>
+            </a:prstTxWarp>
+            <a:spAutoFit/>
+          </a:bodyPr>
+          <a:lstStyle/>
+          <a:p>
+            <a:pPr algn="ctr"/>
+            <a:r>
+              <a:rPr lang="zh-CN" altLang="zh-CN" sz="2800" b="1" kern="0" dirty="0">
+                <a:solidFill>
+                  <a:srgbClr val="C9394A"/>
+                </a:solidFill>
+                <a:latin typeface="微软雅黑" charset="0"/>
+                <a:ea typeface="微软雅黑" charset="0"/>
+              </a:rPr>
+              <a:t>什么是自动化构建</a:t>
+            </a:r>
+          </a:p>
+          <a:p>
+            <a:pPr algn="ctr"/>
+            <a:endParaRPr lang="zh-CN" altLang="en-US" u="none" strike="noStrike" kern="1200" cap="none" spc="0" baseline="0" dirty="0">
+              <a:solidFill>
+                <a:schemeClr val="tx1"/>
+              </a:solidFill>
+              <a:latin typeface="Calibri" pitchFamily="34" charset="0"/>
+              <a:ea typeface="宋体" pitchFamily="2" charset="-122"/>
+              <a:cs typeface="微软雅黑" charset="0"/>
+            </a:endParaRPr>
+          </a:p>
+        </p:txBody>
+      </p:sp>
+      <p:sp>
+        <p:nvSpPr>
+          <p:cNvPr id="4" name="矩形 3">
+            <a:extLst>
+              <a:ext uri="{FF2B5EF4-FFF2-40B4-BE49-F238E27FC236}">
+                <a16:creationId xmlns:a16="http://schemas.microsoft.com/office/drawing/2014/main" id="{FF5D7532-CC57-4204-8FE6-3CC51288568E}"/>
+              </a:ext>
+            </a:extLst>
+          </p:cNvPr>
+          <p:cNvSpPr/>
+          <p:nvPr/>
+        </p:nvSpPr>
+        <p:spPr>
+          <a:xfrm>
+            <a:off x="971600" y="958680"/>
+            <a:ext cx="7200800" cy="1566904"/>
+          </a:xfrm>
+          <a:prstGeom prst="rect">
+            <a:avLst/>
+          </a:prstGeom>
+        </p:spPr>
+        <p:txBody>
+          <a:bodyPr wrap="square">
+            <a:spAutoFit/>
+          </a:bodyPr>
+          <a:lstStyle/>
+          <a:p>
+            <a:pPr algn="just">
+              <a:lnSpc>
+                <a:spcPct val="150000"/>
+              </a:lnSpc>
+            </a:pPr>
+            <a:r>
+              <a:rPr lang="zh-CN" altLang="zh-CN" sz="1600" kern="100" dirty="0">
+                <a:latin typeface="微软雅黑" panose="020B0503020204020204" pitchFamily="34" charset="-122"/>
+                <a:ea typeface="微软雅黑" panose="020B0503020204020204" pitchFamily="34" charset="-122"/>
+                <a:cs typeface="Times New Roman" panose="02020603050405020304" pitchFamily="18" charset="0"/>
+              </a:rPr>
+              <a:t>从前端的角度来讲，如何</a:t>
+            </a:r>
+            <a:r>
+              <a:rPr lang="zh-CN" altLang="zh-CN" sz="1600" b="1" kern="100" dirty="0">
+                <a:solidFill>
+                  <a:srgbClr val="FF0000"/>
+                </a:solidFill>
+                <a:latin typeface="微软雅黑" panose="020B0503020204020204" pitchFamily="34" charset="-122"/>
+                <a:ea typeface="微软雅黑" panose="020B0503020204020204" pitchFamily="34" charset="-122"/>
+                <a:cs typeface="Times New Roman" panose="02020603050405020304" pitchFamily="18" charset="0"/>
+              </a:rPr>
+              <a:t>优化网站</a:t>
+            </a:r>
+            <a:r>
+              <a:rPr lang="zh-CN" altLang="zh-CN" sz="1600" kern="100" dirty="0">
+                <a:latin typeface="微软雅黑" panose="020B0503020204020204" pitchFamily="34" charset="-122"/>
+                <a:ea typeface="微软雅黑" panose="020B0503020204020204" pitchFamily="34" charset="-122"/>
+                <a:cs typeface="Times New Roman" panose="02020603050405020304" pitchFamily="18" charset="0"/>
+              </a:rPr>
+              <a:t>，提升</a:t>
+            </a:r>
+            <a:r>
+              <a:rPr lang="zh-CN" altLang="zh-CN" sz="1600" b="1" kern="100" dirty="0">
+                <a:solidFill>
+                  <a:srgbClr val="FF0000"/>
+                </a:solidFill>
+                <a:latin typeface="微软雅黑" panose="020B0503020204020204" pitchFamily="34" charset="-122"/>
+                <a:ea typeface="微软雅黑" panose="020B0503020204020204" pitchFamily="34" charset="-122"/>
+                <a:cs typeface="Times New Roman" panose="02020603050405020304" pitchFamily="18" charset="0"/>
+              </a:rPr>
+              <a:t>网站性能</a:t>
+            </a:r>
+            <a:r>
+              <a:rPr lang="en-US" altLang="zh-CN" sz="1600" kern="100" dirty="0">
+                <a:latin typeface="微软雅黑" panose="020B0503020204020204" pitchFamily="34" charset="-122"/>
+                <a:ea typeface="微软雅黑" panose="020B0503020204020204" pitchFamily="34" charset="-122"/>
+                <a:cs typeface="Times New Roman" panose="02020603050405020304" pitchFamily="18" charset="0"/>
+              </a:rPr>
+              <a:t>?</a:t>
+            </a:r>
+          </a:p>
+          <a:p>
+            <a:pPr algn="just">
+              <a:lnSpc>
+                <a:spcPct val="150000"/>
+              </a:lnSpc>
+            </a:pPr>
+            <a:endParaRPr lang="zh-CN" altLang="zh-CN" sz="1600" kern="100" dirty="0">
+              <a:latin typeface="微软雅黑" panose="020B0503020204020204" pitchFamily="34" charset="-122"/>
+              <a:ea typeface="微软雅黑" panose="020B0503020204020204" pitchFamily="34" charset="-122"/>
+              <a:cs typeface="Times New Roman" panose="02020603050405020304" pitchFamily="18" charset="0"/>
+            </a:endParaRPr>
+          </a:p>
+          <a:p>
+            <a:pPr algn="just">
+              <a:lnSpc>
+                <a:spcPct val="150000"/>
+              </a:lnSpc>
+            </a:pPr>
+            <a:r>
+              <a:rPr lang="zh-CN" altLang="zh-CN" sz="1600" kern="100" dirty="0">
+                <a:latin typeface="微软雅黑" panose="020B0503020204020204" pitchFamily="34" charset="-122"/>
+                <a:ea typeface="微软雅黑" panose="020B0503020204020204" pitchFamily="34" charset="-122"/>
+                <a:cs typeface="Times New Roman" panose="02020603050405020304" pitchFamily="18" charset="0"/>
+              </a:rPr>
+              <a:t>浏览器端</a:t>
+            </a:r>
+            <a:r>
+              <a:rPr lang="en-US" altLang="zh-CN" sz="1600" kern="100" dirty="0">
+                <a:latin typeface="微软雅黑" panose="020B0503020204020204" pitchFamily="34" charset="-122"/>
+                <a:ea typeface="微软雅黑" panose="020B0503020204020204" pitchFamily="34" charset="-122"/>
+                <a:cs typeface="Times New Roman" panose="02020603050405020304" pitchFamily="18" charset="0"/>
+              </a:rPr>
+              <a:t> &lt;---&gt; </a:t>
+            </a:r>
+            <a:r>
+              <a:rPr lang="zh-CN" altLang="zh-CN" sz="1600" kern="100" dirty="0">
+                <a:latin typeface="微软雅黑" panose="020B0503020204020204" pitchFamily="34" charset="-122"/>
+                <a:ea typeface="微软雅黑" panose="020B0503020204020204" pitchFamily="34" charset="-122"/>
+                <a:cs typeface="Times New Roman" panose="02020603050405020304" pitchFamily="18" charset="0"/>
+              </a:rPr>
+              <a:t>服务器端</a:t>
+            </a:r>
+            <a:endParaRPr lang="en-US" altLang="zh-CN" sz="1600" kern="100" dirty="0">
+              <a:latin typeface="微软雅黑" panose="020B0503020204020204" pitchFamily="34" charset="-122"/>
+              <a:ea typeface="微软雅黑" panose="020B0503020204020204" pitchFamily="34" charset="-122"/>
+              <a:cs typeface="Times New Roman" panose="02020603050405020304" pitchFamily="18" charset="0"/>
+            </a:endParaRPr>
+          </a:p>
+          <a:p>
+            <a:pPr algn="just">
+              <a:lnSpc>
+                <a:spcPct val="150000"/>
+              </a:lnSpc>
+            </a:pPr>
+            <a:endParaRPr lang="zh-CN" altLang="zh-CN" kern="100" dirty="0">
+              <a:latin typeface="微软雅黑" panose="020B0503020204020204" pitchFamily="34" charset="-122"/>
+              <a:ea typeface="微软雅黑" panose="020B0503020204020204" pitchFamily="34" charset="-122"/>
+              <a:cs typeface="Times New Roman" panose="02020603050405020304" pitchFamily="18" charset="0"/>
+            </a:endParaRPr>
+          </a:p>
+        </p:txBody>
+      </p:sp>
+      <p:pic>
+        <p:nvPicPr>
+          <p:cNvPr id="2050" name="图片 1">
+            <a:extLst>
+              <a:ext uri="{FF2B5EF4-FFF2-40B4-BE49-F238E27FC236}">
+                <a16:creationId xmlns:a16="http://schemas.microsoft.com/office/drawing/2014/main" id="{B31614B1-44E6-47DF-99BC-575F3AFAC52F}"/>
+              </a:ext>
+            </a:extLst>
+          </p:cNvPr>
+          <p:cNvPicPr>
+            <a:picLocks noChangeAspect="1" noChangeArrowheads="1"/>
+          </p:cNvPicPr>
+          <p:nvPr/>
+        </p:nvPicPr>
+        <p:blipFill>
+          <a:blip r:embed="rId2">
+            <a:extLst>
+              <a:ext uri="{28A0092B-C50C-407E-A947-70E740481C1C}">
+                <a14:useLocalDpi xmlns:a14="http://schemas.microsoft.com/office/drawing/2010/main" val="0"/>
+              </a:ext>
+            </a:extLst>
+          </a:blip>
+          <a:srcRect/>
+          <a:stretch>
+            <a:fillRect/>
+          </a:stretch>
+        </p:blipFill>
+        <p:spPr bwMode="auto">
+          <a:xfrm>
+            <a:off x="1835696" y="2398964"/>
+            <a:ext cx="4835277" cy="2693066"/>
+          </a:xfrm>
+          <a:prstGeom prst="rect">
+            <a:avLst/>
+          </a:prstGeom>
+          <a:noFill/>
+          <a:ln>
+            <a:noFill/>
+          </a:ln>
+          <a:extLst>
+            <a:ext uri="{909E8E84-426E-40DD-AFC4-6F175D3DCCD1}">
+              <a14:hiddenFill xmlns:a14="http://schemas.microsoft.com/office/drawing/2010/main">
+                <a:solidFill>
+                  <a:srgbClr val="FFFFFF"/>
+                </a:solidFill>
+              </a14:hiddenFill>
+            </a:ext>
+            <a:ext uri="{91240B29-F687-4F45-9708-019B960494DF}">
+              <a14:hiddenLine xmlns:a14="http://schemas.microsoft.com/office/drawing/2010/main" w="9525">
+                <a:solidFill>
+                  <a:srgbClr val="000000"/>
+                </a:solidFill>
+                <a:miter lim="800000"/>
+                <a:headEnd/>
+                <a:tailEnd/>
+              </a14:hiddenLine>
+            </a:ext>
+          </a:extLst>
+        </p:spPr>
+      </p:pic>
+    </p:spTree>
+    <p:extLst>
+      <p:ext uri="{BB962C8B-B14F-4D97-AF65-F5344CB8AC3E}">
+        <p14:creationId xmlns:p14="http://schemas.microsoft.com/office/powerpoint/2010/main" val="133780698"/>
+      </p:ext>
+    </p:extLst>
+  </p:cSld>
+  <p:clrMapOvr>
+    <a:masterClrMapping/>
+  </p:clrMapOvr>
+</p:sld>
+</file>
+
+<file path=ppt/slides/slide20.xml><?xml version="1.0" encoding="utf-8"?>
 <p:sld xmlns:a="http://schemas.openxmlformats.org/drawingml/2006/main" xmlns:r="http://schemas.openxmlformats.org/officeDocument/2006/relationships" xmlns:p="http://schemas.openxmlformats.org/presentationml/2006/main">
   <p:cSld>
     <p:spTree>
@@ -12915,7 +12919,7 @@
 </p:sld>
 </file>
 
-<file path=ppt/slides/slide22.xml><?xml version="1.0" encoding="utf-8"?>
+<file path=ppt/slides/slide21.xml><?xml version="1.0" encoding="utf-8"?>
 <p:sld xmlns:a="http://schemas.openxmlformats.org/drawingml/2006/main" xmlns:r="http://schemas.openxmlformats.org/officeDocument/2006/relationships" xmlns:p="http://schemas.openxmlformats.org/presentationml/2006/main">
   <p:cSld>
     <p:spTree>
@@ -13247,7 +13251,7 @@
 </p:sld>
 </file>
 
-<file path=ppt/slides/slide23.xml><?xml version="1.0" encoding="utf-8"?>
+<file path=ppt/slides/slide22.xml><?xml version="1.0" encoding="utf-8"?>
 <p:sld xmlns:a="http://schemas.openxmlformats.org/drawingml/2006/main" xmlns:r="http://schemas.openxmlformats.org/officeDocument/2006/relationships" xmlns:p="http://schemas.openxmlformats.org/presentationml/2006/main">
   <p:cSld>
     <p:spTree>
@@ -13840,7 +13844,7 @@
 </p:sld>
 </file>
 
-<file path=ppt/slides/slide24.xml><?xml version="1.0" encoding="utf-8"?>
+<file path=ppt/slides/slide23.xml><?xml version="1.0" encoding="utf-8"?>
 <p:sld xmlns:a="http://schemas.openxmlformats.org/drawingml/2006/main" xmlns:r="http://schemas.openxmlformats.org/officeDocument/2006/relationships" xmlns:p="http://schemas.openxmlformats.org/presentationml/2006/main">
   <p:cSld>
     <p:spTree>
@@ -14115,7 +14119,7 @@
 </p:sld>
 </file>
 
-<file path=ppt/slides/slide25.xml><?xml version="1.0" encoding="utf-8"?>
+<file path=ppt/slides/slide24.xml><?xml version="1.0" encoding="utf-8"?>
 <p:sld xmlns:a="http://schemas.openxmlformats.org/drawingml/2006/main" xmlns:r="http://schemas.openxmlformats.org/officeDocument/2006/relationships" xmlns:p="http://schemas.openxmlformats.org/presentationml/2006/main">
   <p:cSld>
     <p:spTree>
@@ -14925,6 +14929,135 @@
   <p:clrMapOvr>
     <a:masterClrMapping/>
   </p:clrMapOvr>
+  <p:timing>
+    <p:tnLst>
+      <p:par>
+        <p:cTn id="1" dur="indefinite" restart="never" nodeType="tmRoot">
+          <p:childTnLst>
+            <p:seq concurrent="1" nextAc="seek">
+              <p:cTn id="2" dur="indefinite" nodeType="mainSeq">
+                <p:childTnLst>
+                  <p:par>
+                    <p:cTn id="3" fill="hold">
+                      <p:stCondLst>
+                        <p:cond delay="indefinite"/>
+                      </p:stCondLst>
+                      <p:childTnLst>
+                        <p:par>
+                          <p:cTn id="4" fill="hold">
+                            <p:stCondLst>
+                              <p:cond delay="0"/>
+                            </p:stCondLst>
+                            <p:childTnLst>
+                              <p:par>
+                                <p:cTn id="5" presetID="42" presetClass="entr" presetSubtype="0" fill="hold" nodeType="clickEffect">
+                                  <p:stCondLst>
+                                    <p:cond delay="0"/>
+                                  </p:stCondLst>
+                                  <p:childTnLst>
+                                    <p:set>
+                                      <p:cBhvr>
+                                        <p:cTn id="6" dur="1" fill="hold">
+                                          <p:stCondLst>
+                                            <p:cond delay="0"/>
+                                          </p:stCondLst>
+                                        </p:cTn>
+                                        <p:tgtEl>
+                                          <p:spTgt spid="3073"/>
+                                        </p:tgtEl>
+                                        <p:attrNameLst>
+                                          <p:attrName>style.visibility</p:attrName>
+                                        </p:attrNameLst>
+                                      </p:cBhvr>
+                                      <p:to>
+                                        <p:strVal val="visible"/>
+                                      </p:to>
+                                    </p:set>
+                                    <p:animEffect transition="in" filter="fade">
+                                      <p:cBhvr>
+                                        <p:cTn id="7" dur="1000"/>
+                                        <p:tgtEl>
+                                          <p:spTgt spid="3073"/>
+                                        </p:tgtEl>
+                                      </p:cBhvr>
+                                    </p:animEffect>
+                                    <p:anim calcmode="lin" valueType="num">
+                                      <p:cBhvr>
+                                        <p:cTn id="8" dur="1000" fill="hold"/>
+                                        <p:tgtEl>
+                                          <p:spTgt spid="3073"/>
+                                        </p:tgtEl>
+                                        <p:attrNameLst>
+                                          <p:attrName>ppt_x</p:attrName>
+                                        </p:attrNameLst>
+                                      </p:cBhvr>
+                                      <p:tavLst>
+                                        <p:tav tm="0">
+                                          <p:val>
+                                            <p:strVal val="#ppt_x"/>
+                                          </p:val>
+                                        </p:tav>
+                                        <p:tav tm="100000">
+                                          <p:val>
+                                            <p:strVal val="#ppt_x"/>
+                                          </p:val>
+                                        </p:tav>
+                                      </p:tavLst>
+                                    </p:anim>
+                                    <p:anim calcmode="lin" valueType="num">
+                                      <p:cBhvr>
+                                        <p:cTn id="9" dur="1000" fill="hold"/>
+                                        <p:tgtEl>
+                                          <p:spTgt spid="3073"/>
+                                        </p:tgtEl>
+                                        <p:attrNameLst>
+                                          <p:attrName>ppt_y</p:attrName>
+                                        </p:attrNameLst>
+                                      </p:cBhvr>
+                                      <p:tavLst>
+                                        <p:tav tm="0">
+                                          <p:val>
+                                            <p:strVal val="#ppt_y+.1"/>
+                                          </p:val>
+                                        </p:tav>
+                                        <p:tav tm="100000">
+                                          <p:val>
+                                            <p:strVal val="#ppt_y"/>
+                                          </p:val>
+                                        </p:tav>
+                                      </p:tavLst>
+                                    </p:anim>
+                                  </p:childTnLst>
+                                </p:cTn>
+                              </p:par>
+                            </p:childTnLst>
+                          </p:cTn>
+                        </p:par>
+                      </p:childTnLst>
+                    </p:cTn>
+                  </p:par>
+                </p:childTnLst>
+              </p:cTn>
+              <p:prevCondLst>
+                <p:cond evt="onPrev" delay="0">
+                  <p:tgtEl>
+                    <p:sldTgt/>
+                  </p:tgtEl>
+                </p:cond>
+              </p:prevCondLst>
+              <p:nextCondLst>
+                <p:cond evt="onNext" delay="0">
+                  <p:tgtEl>
+                    <p:sldTgt/>
+                  </p:tgtEl>
+                </p:cond>
+              </p:nextCondLst>
+            </p:seq>
+          </p:childTnLst>
+        </p:cTn>
+      </p:par>
+    </p:tnLst>
+  </p:timing>
 </p:sld>
 </file>
 
@@ -15513,6 +15646,130 @@
   <p:clrMapOvr>
     <a:masterClrMapping/>
   </p:clrMapOvr>
+  <p:timing>
+    <p:tnLst>
+      <p:par>
+        <p:cTn id="1" dur="indefinite" restart="never" nodeType="tmRoot">
+          <p:childTnLst>
+            <p:seq concurrent="1" nextAc="seek">
+              <p:cTn id="2" dur="indefinite" nodeType="mainSeq">
+                <p:childTnLst>
+                  <p:par>
+                    <p:cTn id="3" fill="hold">
+                      <p:stCondLst>
+                        <p:cond delay="indefinite"/>
+                      </p:stCondLst>
+                      <p:childTnLst>
+                        <p:par>
+                          <p:cTn id="4" fill="hold">
+                            <p:stCondLst>
+                              <p:cond delay="0"/>
+                            </p:stCondLst>
+                            <p:childTnLst>
+                              <p:par>
+                                <p:cTn id="5" presetID="2" presetClass="entr" presetSubtype="4" fill="hold" grpId="0" nodeType="clickEffect">
+                                  <p:stCondLst>
+                                    <p:cond delay="0"/>
+                                  </p:stCondLst>
+                                  <p:childTnLst>
+                                    <p:set>
+                                      <p:cBhvr>
+                                        <p:cTn id="6" dur="1" fill="hold">
+                                          <p:stCondLst>
+                                            <p:cond delay="0"/>
+                                          </p:stCondLst>
+                                        </p:cTn>
+                                        <p:tgtEl>
+                                          <p:spTgt spid="4"/>
+                                        </p:tgtEl>
+                                        <p:attrNameLst>
+                                          <p:attrName>style.visibility</p:attrName>
+                                        </p:attrNameLst>
+                                      </p:cBhvr>
+                                      <p:to>
+                                        <p:strVal val="visible"/>
+                                      </p:to>
+                                    </p:set>
+                                    <p:anim calcmode="lin" valueType="num">
+                                      <p:cBhvr additive="base">
+                                        <p:cTn id="7" dur="500" fill="hold"/>
+                                        <p:tgtEl>
+                                          <p:spTgt spid="4"/>
+                                        </p:tgtEl>
+                                        <p:attrNameLst>
+                                          <p:attrName>ppt_x</p:attrName>
+                                        </p:attrNameLst>
+                                      </p:cBhvr>
+                                      <p:tavLst>
+                                        <p:tav tm="0">
+                                          <p:val>
+                                            <p:strVal val="#ppt_x"/>
+                                          </p:val>
+                                        </p:tav>
+                                        <p:tav tm="100000">
+                                          <p:val>
+                                            <p:strVal val="#ppt_x"/>
+                                          </p:val>
+                                        </p:tav>
+                                      </p:tavLst>
+                                    </p:anim>
+                                    <p:anim calcmode="lin" valueType="num">
+                                      <p:cBhvr additive="base">
+                                        <p:cTn id="8" dur="500" fill="hold"/>
+                                        <p:tgtEl>
+                                          <p:spTgt spid="4"/>
+                                        </p:tgtEl>
+                                        <p:attrNameLst>
+                                          <p:attrName>ppt_y</p:attrName>
+                                        </p:attrNameLst>
+                                      </p:cBhvr>
+                                      <p:tavLst>
+                                        <p:tav tm="0">
+                                          <p:val>
+                                            <p:strVal val="1+#ppt_h/2"/>
+                                          </p:val>
+                                        </p:tav>
+                                        <p:tav tm="100000">
+                                          <p:val>
+                                            <p:strVal val="#ppt_y"/>
+                                          </p:val>
+                                        </p:tav>
+                                      </p:tavLst>
+                                    </p:anim>
+                                  </p:childTnLst>
+                                </p:cTn>
+                              </p:par>
+                            </p:childTnLst>
+                          </p:cTn>
+                        </p:par>
+                      </p:childTnLst>
+                    </p:cTn>
+                  </p:par>
+                </p:childTnLst>
+              </p:cTn>
+              <p:prevCondLst>
+                <p:cond evt="onPrev" delay="0">
+                  <p:tgtEl>
+                    <p:sldTgt/>
+                  </p:tgtEl>
+                </p:cond>
+              </p:prevCondLst>
+              <p:nextCondLst>
+                <p:cond evt="onNext" delay="0">
+                  <p:tgtEl>
+                    <p:sldTgt/>
+                  </p:tgtEl>
+                </p:cond>
+              </p:nextCondLst>
+            </p:seq>
+          </p:childTnLst>
+        </p:cTn>
+      </p:par>
+    </p:tnLst>
+    <p:bldLst>
+      <p:bldP spid="4" grpId="0"/>
+    </p:bldLst>
+  </p:timing>
 </p:sld>
 </file>
 
@@ -15547,7 +15804,7 @@
         </p:nvSpPr>
         <p:spPr>
           <a:xfrm>
-            <a:off x="935088" y="987574"/>
+            <a:off x="935088" y="1059582"/>
             <a:ext cx="8208912" cy="2520370"/>
           </a:xfrm>
           <a:prstGeom prst="rect">
@@ -15773,247 +16030,15 @@
       </p:grpSpPr>
       <p:sp>
         <p:nvSpPr>
-          <p:cNvPr id="3" name="矩形 2">
-            <a:extLst>
-              <a:ext uri="{FF2B5EF4-FFF2-40B4-BE49-F238E27FC236}">
-                <a16:creationId xmlns:a16="http://schemas.microsoft.com/office/drawing/2014/main" id="{DB22D231-DA92-4698-9796-161DF2EDE7BF}"/>
-              </a:ext>
-            </a:extLst>
-          </p:cNvPr>
-          <p:cNvSpPr/>
+          <p:cNvPr id="14" name="矩形"/>
+          <p:cNvSpPr>
+            <a:spLocks/>
+          </p:cNvSpPr>
           <p:nvPr/>
         </p:nvSpPr>
         <p:spPr>
           <a:xfrm>
-            <a:off x="296652" y="1203598"/>
-            <a:ext cx="8550696" cy="1323439"/>
-          </a:xfrm>
-          <a:prstGeom prst="rect">
-            <a:avLst/>
-          </a:prstGeom>
-        </p:spPr>
-        <p:txBody>
-          <a:bodyPr wrap="square">
-            <a:spAutoFit/>
-          </a:bodyPr>
-          <a:lstStyle/>
-          <a:p>
-            <a:pPr algn="just"/>
-            <a:r>
-              <a:rPr lang="en-US" altLang="zh-CN" sz="1600" kern="100" dirty="0">
-                <a:latin typeface="宋体" panose="02010600030101010101" pitchFamily="2" charset="-122"/>
-                <a:cs typeface="Times New Roman" panose="02020603050405020304" pitchFamily="18" charset="0"/>
-              </a:rPr>
-              <a:t>gulp</a:t>
-            </a:r>
-            <a:r>
-              <a:rPr lang="zh-CN" altLang="zh-CN" sz="1600" kern="100" dirty="0">
-                <a:latin typeface="宋体" panose="02010600030101010101" pitchFamily="2" charset="-122"/>
-                <a:cs typeface="Times New Roman" panose="02020603050405020304" pitchFamily="18" charset="0"/>
-              </a:rPr>
-              <a:t>是基于</a:t>
-            </a:r>
-            <a:r>
-              <a:rPr lang="en-US" altLang="zh-CN" sz="1600" kern="100" dirty="0">
-                <a:latin typeface="宋体" panose="02010600030101010101" pitchFamily="2" charset="-122"/>
-                <a:cs typeface="Times New Roman" panose="02020603050405020304" pitchFamily="18" charset="0"/>
-              </a:rPr>
-              <a:t>Node.js</a:t>
-            </a:r>
-            <a:r>
-              <a:rPr lang="zh-CN" altLang="zh-CN" sz="1600" kern="100" dirty="0">
-                <a:latin typeface="宋体" panose="02010600030101010101" pitchFamily="2" charset="-122"/>
-                <a:cs typeface="Times New Roman" panose="02020603050405020304" pitchFamily="18" charset="0"/>
-              </a:rPr>
-              <a:t>的自动任务运行器。可以自动完成</a:t>
-            </a:r>
-            <a:r>
-              <a:rPr lang="en-US" altLang="zh-CN" sz="1600" kern="100" dirty="0">
-                <a:latin typeface="宋体" panose="02010600030101010101" pitchFamily="2" charset="-122"/>
-                <a:cs typeface="Times New Roman" panose="02020603050405020304" pitchFamily="18" charset="0"/>
-              </a:rPr>
-              <a:t>html</a:t>
-            </a:r>
-            <a:r>
-              <a:rPr lang="zh-CN" altLang="zh-CN" sz="1600" kern="100" dirty="0">
-                <a:latin typeface="宋体" panose="02010600030101010101" pitchFamily="2" charset="-122"/>
-                <a:cs typeface="Times New Roman" panose="02020603050405020304" pitchFamily="18" charset="0"/>
-              </a:rPr>
-              <a:t>、</a:t>
-            </a:r>
-            <a:r>
-              <a:rPr lang="en-US" altLang="zh-CN" sz="1600" kern="100" dirty="0">
-                <a:latin typeface="宋体" panose="02010600030101010101" pitchFamily="2" charset="-122"/>
-                <a:cs typeface="Times New Roman" panose="02020603050405020304" pitchFamily="18" charset="0"/>
-              </a:rPr>
-              <a:t>image</a:t>
-            </a:r>
-            <a:r>
-              <a:rPr lang="zh-CN" altLang="zh-CN" sz="1600" kern="100" dirty="0">
-                <a:latin typeface="宋体" panose="02010600030101010101" pitchFamily="2" charset="-122"/>
-                <a:cs typeface="Times New Roman" panose="02020603050405020304" pitchFamily="18" charset="0"/>
-              </a:rPr>
-              <a:t>、</a:t>
-            </a:r>
-            <a:r>
-              <a:rPr lang="en-US" altLang="zh-CN" sz="1600" kern="100" dirty="0" err="1">
-                <a:latin typeface="宋体" panose="02010600030101010101" pitchFamily="2" charset="-122"/>
-                <a:cs typeface="Times New Roman" panose="02020603050405020304" pitchFamily="18" charset="0"/>
-              </a:rPr>
-              <a:t>css</a:t>
-            </a:r>
-            <a:r>
-              <a:rPr lang="zh-CN" altLang="zh-CN" sz="1600" kern="100" dirty="0">
-                <a:latin typeface="宋体" panose="02010600030101010101" pitchFamily="2" charset="-122"/>
-                <a:cs typeface="Times New Roman" panose="02020603050405020304" pitchFamily="18" charset="0"/>
-              </a:rPr>
-              <a:t>和</a:t>
-            </a:r>
-            <a:r>
-              <a:rPr lang="en-US" altLang="zh-CN" sz="1600" kern="100" dirty="0" err="1">
-                <a:latin typeface="宋体" panose="02010600030101010101" pitchFamily="2" charset="-122"/>
-                <a:cs typeface="Times New Roman" panose="02020603050405020304" pitchFamily="18" charset="0"/>
-              </a:rPr>
-              <a:t>js</a:t>
-            </a:r>
-            <a:r>
-              <a:rPr lang="zh-CN" altLang="zh-CN" sz="1600" kern="100" dirty="0">
-                <a:latin typeface="宋体" panose="02010600030101010101" pitchFamily="2" charset="-122"/>
-                <a:cs typeface="Times New Roman" panose="02020603050405020304" pitchFamily="18" charset="0"/>
-              </a:rPr>
-              <a:t>等文件的检测、检查、合并、压缩、格式化等，并监听文件在改动后重复指定的这些步骤。</a:t>
-            </a:r>
-          </a:p>
-          <a:p>
-            <a:pPr algn="just"/>
-            <a:r>
-              <a:rPr lang="en-US" altLang="zh-CN" sz="1600" kern="100" dirty="0">
-                <a:latin typeface="宋体" panose="02010600030101010101" pitchFamily="2" charset="-122"/>
-                <a:cs typeface="Times New Roman" panose="02020603050405020304" pitchFamily="18" charset="0"/>
-              </a:rPr>
-              <a:t> </a:t>
-            </a:r>
-            <a:endParaRPr lang="zh-CN" altLang="zh-CN" sz="1600" kern="100" dirty="0">
-              <a:latin typeface="宋体" panose="02010600030101010101" pitchFamily="2" charset="-122"/>
-              <a:cs typeface="Times New Roman" panose="02020603050405020304" pitchFamily="18" charset="0"/>
-            </a:endParaRPr>
-          </a:p>
-          <a:p>
-            <a:pPr algn="just"/>
-            <a:r>
-              <a:rPr lang="en-US" altLang="zh-CN" sz="1600" kern="100" dirty="0">
-                <a:latin typeface="宋体" panose="02010600030101010101" pitchFamily="2" charset="-122"/>
-                <a:cs typeface="Times New Roman" panose="02020603050405020304" pitchFamily="18" charset="0"/>
-              </a:rPr>
-              <a:t>gulp </a:t>
-            </a:r>
-            <a:r>
-              <a:rPr lang="zh-CN" altLang="zh-CN" sz="1600" kern="100" dirty="0">
-                <a:latin typeface="宋体" panose="02010600030101010101" pitchFamily="2" charset="-122"/>
-                <a:cs typeface="Times New Roman" panose="02020603050405020304" pitchFamily="18" charset="0"/>
-              </a:rPr>
-              <a:t>和</a:t>
-            </a:r>
-            <a:r>
-              <a:rPr lang="en-US" altLang="zh-CN" sz="1600" kern="100" dirty="0">
-                <a:latin typeface="宋体" panose="02010600030101010101" pitchFamily="2" charset="-122"/>
-                <a:cs typeface="Times New Roman" panose="02020603050405020304" pitchFamily="18" charset="0"/>
-              </a:rPr>
-              <a:t> grunt </a:t>
-            </a:r>
-            <a:r>
-              <a:rPr lang="zh-CN" altLang="zh-CN" sz="1600" kern="100" dirty="0">
-                <a:latin typeface="宋体" panose="02010600030101010101" pitchFamily="2" charset="-122"/>
-                <a:cs typeface="Times New Roman" panose="02020603050405020304" pitchFamily="18" charset="0"/>
-              </a:rPr>
-              <a:t>非常类似，但相比于</a:t>
-            </a:r>
-            <a:r>
-              <a:rPr lang="en-US" altLang="zh-CN" sz="1600" kern="100" dirty="0">
-                <a:latin typeface="宋体" panose="02010600030101010101" pitchFamily="2" charset="-122"/>
-                <a:cs typeface="Times New Roman" panose="02020603050405020304" pitchFamily="18" charset="0"/>
-              </a:rPr>
-              <a:t>grunt</a:t>
-            </a:r>
-            <a:r>
-              <a:rPr lang="zh-CN" altLang="zh-CN" sz="1600" kern="100" dirty="0">
-                <a:latin typeface="宋体" panose="02010600030101010101" pitchFamily="2" charset="-122"/>
-                <a:cs typeface="Times New Roman" panose="02020603050405020304" pitchFamily="18" charset="0"/>
-              </a:rPr>
-              <a:t>的频繁</a:t>
-            </a:r>
-            <a:r>
-              <a:rPr lang="en-US" altLang="zh-CN" sz="1600" kern="100" dirty="0" err="1">
-                <a:latin typeface="宋体" panose="02010600030101010101" pitchFamily="2" charset="-122"/>
-                <a:cs typeface="Times New Roman" panose="02020603050405020304" pitchFamily="18" charset="0"/>
-              </a:rPr>
-              <a:t>io</a:t>
-            </a:r>
-            <a:r>
-              <a:rPr lang="zh-CN" altLang="zh-CN" sz="1600" kern="100" dirty="0">
-                <a:latin typeface="宋体" panose="02010600030101010101" pitchFamily="2" charset="-122"/>
-                <a:cs typeface="Times New Roman" panose="02020603050405020304" pitchFamily="18" charset="0"/>
-              </a:rPr>
-              <a:t>操作，</a:t>
-            </a:r>
-            <a:r>
-              <a:rPr lang="en-US" altLang="zh-CN" sz="1600" kern="100" dirty="0">
-                <a:latin typeface="宋体" panose="02010600030101010101" pitchFamily="2" charset="-122"/>
-                <a:cs typeface="Times New Roman" panose="02020603050405020304" pitchFamily="18" charset="0"/>
-              </a:rPr>
-              <a:t>gulp</a:t>
-            </a:r>
-            <a:r>
-              <a:rPr lang="zh-CN" altLang="zh-CN" sz="1600" kern="100" dirty="0">
-                <a:latin typeface="宋体" panose="02010600030101010101" pitchFamily="2" charset="-122"/>
-                <a:cs typeface="Times New Roman" panose="02020603050405020304" pitchFamily="18" charset="0"/>
-              </a:rPr>
-              <a:t>的流操作，更更快更便捷的完成构建工作。</a:t>
-            </a:r>
-          </a:p>
-        </p:txBody>
-      </p:sp>
-    </p:spTree>
-    <p:extLst>
-      <p:ext uri="{BB962C8B-B14F-4D97-AF65-F5344CB8AC3E}">
-        <p14:creationId xmlns:p14="http://schemas.microsoft.com/office/powerpoint/2010/main" val="959986787"/>
-      </p:ext>
-    </p:extLst>
-  </p:cSld>
-  <p:clrMapOvr>
-    <a:masterClrMapping/>
-  </p:clrMapOvr>
-</p:sld>
-</file>
-
-<file path=ppt/slides/slide7.xml><?xml version="1.0" encoding="utf-8"?>
-<p:sld xmlns:a="http://schemas.openxmlformats.org/drawingml/2006/main" xmlns:r="http://schemas.openxmlformats.org/officeDocument/2006/relationships" xmlns:p="http://schemas.openxmlformats.org/presentationml/2006/main">
-  <p:cSld>
-    <p:spTree>
-      <p:nvGrpSpPr>
-        <p:cNvPr id="1" name=""/>
-        <p:cNvGrpSpPr/>
-        <p:nvPr/>
-      </p:nvGrpSpPr>
-      <p:grpSpPr>
-        <a:xfrm>
-          <a:off x="0" y="0"/>
-          <a:ext cx="0" cy="0"/>
-          <a:chOff x="0" y="0"/>
-          <a:chExt cx="0" cy="0"/>
-        </a:xfrm>
-      </p:grpSpPr>
-      <p:sp>
-        <p:nvSpPr>
-          <p:cNvPr id="14" name="矩形"/>
-          <p:cNvSpPr>
-            <a:spLocks/>
-          </p:cNvSpPr>
-          <p:nvPr/>
-        </p:nvSpPr>
-        <p:spPr>
-          <a:xfrm>
-            <a:off x="467544" y="1241541"/>
+            <a:off x="467544" y="1326123"/>
             <a:ext cx="8565279" cy="3477875"/>
           </a:xfrm>
           <a:prstGeom prst="rect">
@@ -16505,7 +16530,7 @@
 </p:sld>
 </file>
 
-<file path=ppt/slides/slide8.xml><?xml version="1.0" encoding="utf-8"?>
+<file path=ppt/slides/slide7.xml><?xml version="1.0" encoding="utf-8"?>
 <p:sld xmlns:a="http://schemas.openxmlformats.org/drawingml/2006/main" xmlns:r="http://schemas.openxmlformats.org/officeDocument/2006/relationships" xmlns:p="http://schemas.openxmlformats.org/presentationml/2006/main">
   <p:cSld>
     <p:spTree>
@@ -16601,7 +16626,7 @@
 </p:sld>
 </file>
 
-<file path=ppt/slides/slide9.xml><?xml version="1.0" encoding="utf-8"?>
+<file path=ppt/slides/slide8.xml><?xml version="1.0" encoding="utf-8"?>
 <p:sld xmlns:a="http://schemas.openxmlformats.org/drawingml/2006/main" xmlns:r="http://schemas.openxmlformats.org/officeDocument/2006/relationships" xmlns:p="http://schemas.openxmlformats.org/presentationml/2006/main">
   <p:cSld>
     <p:spTree>
@@ -16684,10 +16709,135 @@
           </a:prstGeom>
         </p:spPr>
       </p:pic>
+      <p:sp>
+        <p:nvSpPr>
+          <p:cNvPr id="4" name="文本框 3">
+            <a:extLst>
+              <a:ext uri="{FF2B5EF4-FFF2-40B4-BE49-F238E27FC236}">
+                <a16:creationId xmlns:a16="http://schemas.microsoft.com/office/drawing/2014/main" id="{62292162-72C3-4ED1-8CBD-E2665F0C6B5C}"/>
+              </a:ext>
+            </a:extLst>
+          </p:cNvPr>
+          <p:cNvSpPr txBox="1"/>
+          <p:nvPr/>
+        </p:nvSpPr>
+        <p:spPr>
+          <a:xfrm>
+            <a:off x="6876256" y="370860"/>
+            <a:ext cx="792088" cy="369332"/>
+          </a:xfrm>
+          <a:prstGeom prst="rect">
+            <a:avLst/>
+          </a:prstGeom>
+          <a:noFill/>
+        </p:spPr>
+        <p:txBody>
+          <a:bodyPr wrap="square" rtlCol="0">
+            <a:spAutoFit/>
+          </a:bodyPr>
+          <a:lstStyle/>
+          <a:p>
+            <a:r>
+              <a:rPr lang="zh-CN" altLang="en-US" dirty="0"/>
+              <a:t>插件</a:t>
+            </a:r>
+          </a:p>
+        </p:txBody>
+      </p:sp>
     </p:spTree>
     <p:extLst>
       <p:ext uri="{BB962C8B-B14F-4D97-AF65-F5344CB8AC3E}">
         <p14:creationId xmlns:p14="http://schemas.microsoft.com/office/powerpoint/2010/main" val="395349634"/>
+      </p:ext>
+    </p:extLst>
+  </p:cSld>
+  <p:clrMapOvr>
+    <a:masterClrMapping/>
+  </p:clrMapOvr>
+</p:sld>
+</file>
+
+<file path=ppt/slides/slide9.xml><?xml version="1.0" encoding="utf-8"?>
+<p:sld xmlns:a="http://schemas.openxmlformats.org/drawingml/2006/main" xmlns:r="http://schemas.openxmlformats.org/officeDocument/2006/relationships" xmlns:p="http://schemas.openxmlformats.org/presentationml/2006/main">
+  <p:cSld>
+    <p:spTree>
+      <p:nvGrpSpPr>
+        <p:cNvPr id="1" name=""/>
+        <p:cNvGrpSpPr/>
+        <p:nvPr/>
+      </p:nvGrpSpPr>
+      <p:grpSpPr>
+        <a:xfrm>
+          <a:off x="0" y="0"/>
+          <a:ext cx="0" cy="0"/>
+          <a:chOff x="0" y="0"/>
+          <a:chExt cx="0" cy="0"/>
+        </a:xfrm>
+      </p:grpSpPr>
+      <p:pic>
+        <p:nvPicPr>
+          <p:cNvPr id="4" name="图片 3">
+            <a:extLst>
+              <a:ext uri="{FF2B5EF4-FFF2-40B4-BE49-F238E27FC236}">
+                <a16:creationId xmlns:a16="http://schemas.microsoft.com/office/drawing/2014/main" id="{78AE8FDD-953E-495C-A15E-3AE75180DCA5}"/>
+              </a:ext>
+            </a:extLst>
+          </p:cNvPr>
+          <p:cNvPicPr>
+            <a:picLocks noChangeAspect="1"/>
+          </p:cNvPicPr>
+          <p:nvPr/>
+        </p:nvPicPr>
+        <p:blipFill>
+          <a:blip r:embed="rId3"/>
+          <a:stretch>
+            <a:fillRect/>
+          </a:stretch>
+        </p:blipFill>
+        <p:spPr>
+          <a:xfrm>
+            <a:off x="107504" y="1059582"/>
+            <a:ext cx="4990476" cy="2552381"/>
+          </a:xfrm>
+          <a:prstGeom prst="rect">
+            <a:avLst/>
+          </a:prstGeom>
+        </p:spPr>
+      </p:pic>
+      <p:pic>
+        <p:nvPicPr>
+          <p:cNvPr id="6" name="图片 5">
+            <a:extLst>
+              <a:ext uri="{FF2B5EF4-FFF2-40B4-BE49-F238E27FC236}">
+                <a16:creationId xmlns:a16="http://schemas.microsoft.com/office/drawing/2014/main" id="{34AA6CE3-BD6E-4591-9F1C-0FF88A7FAEBB}"/>
+              </a:ext>
+            </a:extLst>
+          </p:cNvPr>
+          <p:cNvPicPr>
+            <a:picLocks noChangeAspect="1"/>
+          </p:cNvPicPr>
+          <p:nvPr/>
+        </p:nvPicPr>
+        <p:blipFill>
+          <a:blip r:embed="rId4"/>
+          <a:stretch>
+            <a:fillRect/>
+          </a:stretch>
+        </p:blipFill>
+        <p:spPr>
+          <a:xfrm>
+            <a:off x="5196697" y="428893"/>
+            <a:ext cx="3923809" cy="4285714"/>
+          </a:xfrm>
+          <a:prstGeom prst="rect">
+            <a:avLst/>
+          </a:prstGeom>
+        </p:spPr>
+      </p:pic>
+    </p:spTree>
+    <p:extLst>
+      <p:ext uri="{BB962C8B-B14F-4D97-AF65-F5344CB8AC3E}">
+        <p14:creationId xmlns:p14="http://schemas.microsoft.com/office/powerpoint/2010/main" val="3593913593"/>
       </p:ext>
     </p:extLst>
   </p:cSld>

--- a/gulp.pptx
+++ b/gulp.pptx
@@ -6,7 +6,7 @@
     <p:sldMasterId id="2147483671" r:id="rId2"/>
   </p:sldMasterIdLst>
   <p:notesMasterIdLst>
-    <p:notesMasterId r:id="rId27"/>
+    <p:notesMasterId r:id="rId34"/>
   </p:notesMasterIdLst>
   <p:sldIdLst>
     <p:sldId id="275" r:id="rId3"/>
@@ -16,23 +16,30 @@
     <p:sldId id="315" r:id="rId7"/>
     <p:sldId id="287" r:id="rId8"/>
     <p:sldId id="282" r:id="rId9"/>
-    <p:sldId id="317" r:id="rId10"/>
-    <p:sldId id="318" r:id="rId11"/>
-    <p:sldId id="311" r:id="rId12"/>
-    <p:sldId id="303" r:id="rId13"/>
-    <p:sldId id="305" r:id="rId14"/>
-    <p:sldId id="304" r:id="rId15"/>
-    <p:sldId id="290" r:id="rId16"/>
-    <p:sldId id="306" r:id="rId17"/>
-    <p:sldId id="289" r:id="rId18"/>
-    <p:sldId id="294" r:id="rId19"/>
-    <p:sldId id="295" r:id="rId20"/>
-    <p:sldId id="309" r:id="rId21"/>
-    <p:sldId id="288" r:id="rId22"/>
-    <p:sldId id="307" r:id="rId23"/>
-    <p:sldId id="310" r:id="rId24"/>
-    <p:sldId id="308" r:id="rId25"/>
-    <p:sldId id="299" r:id="rId26"/>
+    <p:sldId id="319" r:id="rId10"/>
+    <p:sldId id="320" r:id="rId11"/>
+    <p:sldId id="321" r:id="rId12"/>
+    <p:sldId id="324" r:id="rId13"/>
+    <p:sldId id="325" r:id="rId14"/>
+    <p:sldId id="322" r:id="rId15"/>
+    <p:sldId id="323" r:id="rId16"/>
+    <p:sldId id="317" r:id="rId17"/>
+    <p:sldId id="318" r:id="rId18"/>
+    <p:sldId id="311" r:id="rId19"/>
+    <p:sldId id="303" r:id="rId20"/>
+    <p:sldId id="305" r:id="rId21"/>
+    <p:sldId id="304" r:id="rId22"/>
+    <p:sldId id="290" r:id="rId23"/>
+    <p:sldId id="306" r:id="rId24"/>
+    <p:sldId id="289" r:id="rId25"/>
+    <p:sldId id="294" r:id="rId26"/>
+    <p:sldId id="295" r:id="rId27"/>
+    <p:sldId id="309" r:id="rId28"/>
+    <p:sldId id="288" r:id="rId29"/>
+    <p:sldId id="307" r:id="rId30"/>
+    <p:sldId id="310" r:id="rId31"/>
+    <p:sldId id="308" r:id="rId32"/>
+    <p:sldId id="299" r:id="rId33"/>
   </p:sldIdLst>
   <p:sldSz cx="9144000" cy="5143500" type="screen16x9"/>
   <p:notesSz cx="6858000" cy="9144000"/>
@@ -988,7 +995,7 @@
     </p:spTree>
     <p:extLst>
       <p:ext uri="{BB962C8B-B14F-4D97-AF65-F5344CB8AC3E}">
-        <p14:creationId xmlns:p14="http://schemas.microsoft.com/office/powerpoint/2010/main" val="4102032470"/>
+        <p14:creationId xmlns:p14="http://schemas.microsoft.com/office/powerpoint/2010/main" val="2689120767"/>
       </p:ext>
     </p:extLst>
   </p:cSld>
@@ -1103,7 +1110,7 @@
     </p:spTree>
     <p:extLst>
       <p:ext uri="{BB962C8B-B14F-4D97-AF65-F5344CB8AC3E}">
-        <p14:creationId xmlns:p14="http://schemas.microsoft.com/office/powerpoint/2010/main" val="535865467"/>
+        <p14:creationId xmlns:p14="http://schemas.microsoft.com/office/powerpoint/2010/main" val="4025010367"/>
       </p:ext>
     </p:extLst>
   </p:cSld>
@@ -1218,7 +1225,7 @@
     </p:spTree>
     <p:extLst>
       <p:ext uri="{BB962C8B-B14F-4D97-AF65-F5344CB8AC3E}">
-        <p14:creationId xmlns:p14="http://schemas.microsoft.com/office/powerpoint/2010/main" val="2699777339"/>
+        <p14:creationId xmlns:p14="http://schemas.microsoft.com/office/powerpoint/2010/main" val="1487460822"/>
       </p:ext>
     </p:extLst>
   </p:cSld>
@@ -1333,7 +1340,7 @@
     </p:spTree>
     <p:extLst>
       <p:ext uri="{BB962C8B-B14F-4D97-AF65-F5344CB8AC3E}">
-        <p14:creationId xmlns:p14="http://schemas.microsoft.com/office/powerpoint/2010/main" val="3534578428"/>
+        <p14:creationId xmlns:p14="http://schemas.microsoft.com/office/powerpoint/2010/main" val="1706206576"/>
       </p:ext>
     </p:extLst>
   </p:cSld>
@@ -1448,7 +1455,7 @@
     </p:spTree>
     <p:extLst>
       <p:ext uri="{BB962C8B-B14F-4D97-AF65-F5344CB8AC3E}">
-        <p14:creationId xmlns:p14="http://schemas.microsoft.com/office/powerpoint/2010/main" val="1237013260"/>
+        <p14:creationId xmlns:p14="http://schemas.microsoft.com/office/powerpoint/2010/main" val="2345351426"/>
       </p:ext>
     </p:extLst>
   </p:cSld>
@@ -1563,7 +1570,7 @@
     </p:spTree>
     <p:extLst>
       <p:ext uri="{BB962C8B-B14F-4D97-AF65-F5344CB8AC3E}">
-        <p14:creationId xmlns:p14="http://schemas.microsoft.com/office/powerpoint/2010/main" val="4206527865"/>
+        <p14:creationId xmlns:p14="http://schemas.microsoft.com/office/powerpoint/2010/main" val="3856234142"/>
       </p:ext>
     </p:extLst>
   </p:cSld>
@@ -1678,7 +1685,7 @@
     </p:spTree>
     <p:extLst>
       <p:ext uri="{BB962C8B-B14F-4D97-AF65-F5344CB8AC3E}">
-        <p14:creationId xmlns:p14="http://schemas.microsoft.com/office/powerpoint/2010/main" val="637098908"/>
+        <p14:creationId xmlns:p14="http://schemas.microsoft.com/office/powerpoint/2010/main" val="778475574"/>
       </p:ext>
     </p:extLst>
   </p:cSld>
@@ -1793,7 +1800,7 @@
     </p:spTree>
     <p:extLst>
       <p:ext uri="{BB962C8B-B14F-4D97-AF65-F5344CB8AC3E}">
-        <p14:creationId xmlns:p14="http://schemas.microsoft.com/office/powerpoint/2010/main" val="1504933540"/>
+        <p14:creationId xmlns:p14="http://schemas.microsoft.com/office/powerpoint/2010/main" val="4102032470"/>
       </p:ext>
     </p:extLst>
   </p:cSld>
@@ -1908,7 +1915,7 @@
     </p:spTree>
     <p:extLst>
       <p:ext uri="{BB962C8B-B14F-4D97-AF65-F5344CB8AC3E}">
-        <p14:creationId xmlns:p14="http://schemas.microsoft.com/office/powerpoint/2010/main" val="1802842484"/>
+        <p14:creationId xmlns:p14="http://schemas.microsoft.com/office/powerpoint/2010/main" val="535865467"/>
       </p:ext>
     </p:extLst>
   </p:cSld>
@@ -2023,7 +2030,7 @@
     </p:spTree>
     <p:extLst>
       <p:ext uri="{BB962C8B-B14F-4D97-AF65-F5344CB8AC3E}">
-        <p14:creationId xmlns:p14="http://schemas.microsoft.com/office/powerpoint/2010/main" val="2118616492"/>
+        <p14:creationId xmlns:p14="http://schemas.microsoft.com/office/powerpoint/2010/main" val="2699777339"/>
       </p:ext>
     </p:extLst>
   </p:cSld>
@@ -2148,6 +2155,811 @@
 </p:notes>
 </file>
 
+<file path=ppt/notesSlides/notesSlide20.xml><?xml version="1.0" encoding="utf-8"?>
+<p:notes xmlns:a="http://schemas.openxmlformats.org/drawingml/2006/main" xmlns:r="http://schemas.openxmlformats.org/officeDocument/2006/relationships" xmlns:p="http://schemas.openxmlformats.org/presentationml/2006/main">
+  <p:cSld>
+    <p:spTree>
+      <p:nvGrpSpPr>
+        <p:cNvPr id="1" name=""/>
+        <p:cNvGrpSpPr/>
+        <p:nvPr/>
+      </p:nvGrpSpPr>
+      <p:grpSpPr>
+        <a:xfrm>
+          <a:off x="0" y="0"/>
+          <a:ext cx="0" cy="0"/>
+          <a:chOff x="0" y="0"/>
+          <a:chExt cx="0" cy="0"/>
+        </a:xfrm>
+      </p:grpSpPr>
+      <p:sp>
+        <p:nvSpPr>
+          <p:cNvPr id="2" name="文本框"/>
+          <p:cNvSpPr>
+            <a:spLocks noGrp="1" noRot="1" noChangeAspect="1"/>
+          </p:cNvSpPr>
+          <p:nvPr>
+            <p:ph type="sldImg"/>
+          </p:nvPr>
+        </p:nvSpPr>
+        <p:spPr/>
+      </p:sp>
+      <p:sp>
+        <p:nvSpPr>
+          <p:cNvPr id="3" name="文本框"/>
+          <p:cNvSpPr>
+            <a:spLocks noGrp="1"/>
+          </p:cNvSpPr>
+          <p:nvPr>
+            <p:ph type="body" idx="1"/>
+          </p:nvPr>
+        </p:nvSpPr>
+        <p:spPr/>
+        <p:txBody>
+          <a:bodyPr/>
+          <a:lstStyle/>
+          <a:p>
+            <a:endParaRPr lang="zh-CN" altLang="en-US"/>
+          </a:p>
+        </p:txBody>
+      </p:sp>
+      <p:sp>
+        <p:nvSpPr>
+          <p:cNvPr id="9" name="文本框"/>
+          <p:cNvSpPr>
+            <a:spLocks noGrp="1"/>
+          </p:cNvSpPr>
+          <p:nvPr>
+            <p:ph type="sldNum" idx="5"/>
+          </p:nvPr>
+        </p:nvSpPr>
+        <p:spPr>
+          <a:xfrm>
+            <a:off x="3884613" y="8685213"/>
+            <a:ext cx="2971800" cy="457200"/>
+          </a:xfrm>
+          <a:prstGeom prst="rect">
+            <a:avLst/>
+          </a:prstGeom>
+          <a:noFill/>
+          <a:ln w="9525" cap="flat" cmpd="sng">
+            <a:noFill/>
+            <a:prstDash val="solid"/>
+            <a:round/>
+          </a:ln>
+        </p:spPr>
+        <p:txBody>
+          <a:bodyPr vert="horz" wrap="square" lIns="91440" tIns="45720" rIns="91440" bIns="45720" anchor="b" anchorCtr="0">
+            <a:prstTxWarp prst="textNoShape">
+              <a:avLst/>
+            </a:prstTxWarp>
+          </a:bodyPr>
+          <a:lstStyle/>
+          <a:p>
+            <a:pPr algn="r"/>
+            <a:fld id="{CAD2D6BD-DE1B-4B5F-8B41-2702339687B9}" type="slidenum">
+              <a:rPr lang="en-US" altLang="zh-CN" sz="1800" u="none" strike="noStrike" kern="1200" cap="none" spc="0" baseline="0">
+                <a:solidFill>
+                  <a:schemeClr val="tx1"/>
+                </a:solidFill>
+                <a:latin typeface="Calibri" pitchFamily="34" charset="0"/>
+                <a:ea typeface="宋体" pitchFamily="2" charset="-122"/>
+                <a:cs typeface="Calibri" pitchFamily="34" charset="0"/>
+              </a:rPr>
+              <a:pPr algn="r"/>
+              <a:t>25</a:t>
+            </a:fld>
+            <a:endParaRPr lang="zh-CN" altLang="en-US" sz="1200">
+              <a:latin typeface="Calibri" pitchFamily="34" charset="0"/>
+              <a:ea typeface="宋体" pitchFamily="2" charset="-122"/>
+              <a:cs typeface="Calibri" pitchFamily="34" charset="0"/>
+            </a:endParaRPr>
+          </a:p>
+        </p:txBody>
+      </p:sp>
+    </p:spTree>
+    <p:extLst>
+      <p:ext uri="{BB962C8B-B14F-4D97-AF65-F5344CB8AC3E}">
+        <p14:creationId xmlns:p14="http://schemas.microsoft.com/office/powerpoint/2010/main" val="3534578428"/>
+      </p:ext>
+    </p:extLst>
+  </p:cSld>
+  <p:clrMapOvr>
+    <a:masterClrMapping/>
+  </p:clrMapOvr>
+</p:notes>
+</file>
+
+<file path=ppt/notesSlides/notesSlide21.xml><?xml version="1.0" encoding="utf-8"?>
+<p:notes xmlns:a="http://schemas.openxmlformats.org/drawingml/2006/main" xmlns:r="http://schemas.openxmlformats.org/officeDocument/2006/relationships" xmlns:p="http://schemas.openxmlformats.org/presentationml/2006/main">
+  <p:cSld>
+    <p:spTree>
+      <p:nvGrpSpPr>
+        <p:cNvPr id="1" name=""/>
+        <p:cNvGrpSpPr/>
+        <p:nvPr/>
+      </p:nvGrpSpPr>
+      <p:grpSpPr>
+        <a:xfrm>
+          <a:off x="0" y="0"/>
+          <a:ext cx="0" cy="0"/>
+          <a:chOff x="0" y="0"/>
+          <a:chExt cx="0" cy="0"/>
+        </a:xfrm>
+      </p:grpSpPr>
+      <p:sp>
+        <p:nvSpPr>
+          <p:cNvPr id="2" name="文本框"/>
+          <p:cNvSpPr>
+            <a:spLocks noGrp="1" noRot="1" noChangeAspect="1"/>
+          </p:cNvSpPr>
+          <p:nvPr>
+            <p:ph type="sldImg"/>
+          </p:nvPr>
+        </p:nvSpPr>
+        <p:spPr/>
+      </p:sp>
+      <p:sp>
+        <p:nvSpPr>
+          <p:cNvPr id="3" name="文本框"/>
+          <p:cNvSpPr>
+            <a:spLocks noGrp="1"/>
+          </p:cNvSpPr>
+          <p:nvPr>
+            <p:ph type="body" idx="1"/>
+          </p:nvPr>
+        </p:nvSpPr>
+        <p:spPr/>
+        <p:txBody>
+          <a:bodyPr/>
+          <a:lstStyle/>
+          <a:p>
+            <a:endParaRPr lang="zh-CN" altLang="en-US"/>
+          </a:p>
+        </p:txBody>
+      </p:sp>
+      <p:sp>
+        <p:nvSpPr>
+          <p:cNvPr id="9" name="文本框"/>
+          <p:cNvSpPr>
+            <a:spLocks noGrp="1"/>
+          </p:cNvSpPr>
+          <p:nvPr>
+            <p:ph type="sldNum" idx="5"/>
+          </p:nvPr>
+        </p:nvSpPr>
+        <p:spPr>
+          <a:xfrm>
+            <a:off x="3884613" y="8685213"/>
+            <a:ext cx="2971800" cy="457200"/>
+          </a:xfrm>
+          <a:prstGeom prst="rect">
+            <a:avLst/>
+          </a:prstGeom>
+          <a:noFill/>
+          <a:ln w="9525" cap="flat" cmpd="sng">
+            <a:noFill/>
+            <a:prstDash val="solid"/>
+            <a:round/>
+          </a:ln>
+        </p:spPr>
+        <p:txBody>
+          <a:bodyPr vert="horz" wrap="square" lIns="91440" tIns="45720" rIns="91440" bIns="45720" anchor="b" anchorCtr="0">
+            <a:prstTxWarp prst="textNoShape">
+              <a:avLst/>
+            </a:prstTxWarp>
+          </a:bodyPr>
+          <a:lstStyle/>
+          <a:p>
+            <a:pPr algn="r"/>
+            <a:fld id="{CAD2D6BD-DE1B-4B5F-8B41-2702339687B9}" type="slidenum">
+              <a:rPr lang="en-US" altLang="zh-CN" sz="1800" u="none" strike="noStrike" kern="1200" cap="none" spc="0" baseline="0">
+                <a:solidFill>
+                  <a:schemeClr val="tx1"/>
+                </a:solidFill>
+                <a:latin typeface="Calibri" pitchFamily="34" charset="0"/>
+                <a:ea typeface="宋体" pitchFamily="2" charset="-122"/>
+                <a:cs typeface="Calibri" pitchFamily="34" charset="0"/>
+              </a:rPr>
+              <a:pPr algn="r"/>
+              <a:t>26</a:t>
+            </a:fld>
+            <a:endParaRPr lang="zh-CN" altLang="en-US" sz="1200">
+              <a:latin typeface="Calibri" pitchFamily="34" charset="0"/>
+              <a:ea typeface="宋体" pitchFamily="2" charset="-122"/>
+              <a:cs typeface="Calibri" pitchFamily="34" charset="0"/>
+            </a:endParaRPr>
+          </a:p>
+        </p:txBody>
+      </p:sp>
+    </p:spTree>
+    <p:extLst>
+      <p:ext uri="{BB962C8B-B14F-4D97-AF65-F5344CB8AC3E}">
+        <p14:creationId xmlns:p14="http://schemas.microsoft.com/office/powerpoint/2010/main" val="1237013260"/>
+      </p:ext>
+    </p:extLst>
+  </p:cSld>
+  <p:clrMapOvr>
+    <a:masterClrMapping/>
+  </p:clrMapOvr>
+</p:notes>
+</file>
+
+<file path=ppt/notesSlides/notesSlide22.xml><?xml version="1.0" encoding="utf-8"?>
+<p:notes xmlns:a="http://schemas.openxmlformats.org/drawingml/2006/main" xmlns:r="http://schemas.openxmlformats.org/officeDocument/2006/relationships" xmlns:p="http://schemas.openxmlformats.org/presentationml/2006/main">
+  <p:cSld>
+    <p:spTree>
+      <p:nvGrpSpPr>
+        <p:cNvPr id="1" name=""/>
+        <p:cNvGrpSpPr/>
+        <p:nvPr/>
+      </p:nvGrpSpPr>
+      <p:grpSpPr>
+        <a:xfrm>
+          <a:off x="0" y="0"/>
+          <a:ext cx="0" cy="0"/>
+          <a:chOff x="0" y="0"/>
+          <a:chExt cx="0" cy="0"/>
+        </a:xfrm>
+      </p:grpSpPr>
+      <p:sp>
+        <p:nvSpPr>
+          <p:cNvPr id="2" name="文本框"/>
+          <p:cNvSpPr>
+            <a:spLocks noGrp="1" noRot="1" noChangeAspect="1"/>
+          </p:cNvSpPr>
+          <p:nvPr>
+            <p:ph type="sldImg"/>
+          </p:nvPr>
+        </p:nvSpPr>
+        <p:spPr/>
+      </p:sp>
+      <p:sp>
+        <p:nvSpPr>
+          <p:cNvPr id="3" name="文本框"/>
+          <p:cNvSpPr>
+            <a:spLocks noGrp="1"/>
+          </p:cNvSpPr>
+          <p:nvPr>
+            <p:ph type="body" idx="1"/>
+          </p:nvPr>
+        </p:nvSpPr>
+        <p:spPr/>
+        <p:txBody>
+          <a:bodyPr/>
+          <a:lstStyle/>
+          <a:p>
+            <a:endParaRPr lang="zh-CN" altLang="en-US"/>
+          </a:p>
+        </p:txBody>
+      </p:sp>
+      <p:sp>
+        <p:nvSpPr>
+          <p:cNvPr id="9" name="文本框"/>
+          <p:cNvSpPr>
+            <a:spLocks noGrp="1"/>
+          </p:cNvSpPr>
+          <p:nvPr>
+            <p:ph type="sldNum" idx="5"/>
+          </p:nvPr>
+        </p:nvSpPr>
+        <p:spPr>
+          <a:xfrm>
+            <a:off x="3884613" y="8685213"/>
+            <a:ext cx="2971800" cy="457200"/>
+          </a:xfrm>
+          <a:prstGeom prst="rect">
+            <a:avLst/>
+          </a:prstGeom>
+          <a:noFill/>
+          <a:ln w="9525" cap="flat" cmpd="sng">
+            <a:noFill/>
+            <a:prstDash val="solid"/>
+            <a:round/>
+          </a:ln>
+        </p:spPr>
+        <p:txBody>
+          <a:bodyPr vert="horz" wrap="square" lIns="91440" tIns="45720" rIns="91440" bIns="45720" anchor="b" anchorCtr="0">
+            <a:prstTxWarp prst="textNoShape">
+              <a:avLst/>
+            </a:prstTxWarp>
+          </a:bodyPr>
+          <a:lstStyle/>
+          <a:p>
+            <a:pPr algn="r"/>
+            <a:fld id="{CAD2D6BD-DE1B-4B5F-8B41-2702339687B9}" type="slidenum">
+              <a:rPr lang="en-US" altLang="zh-CN" sz="1800" u="none" strike="noStrike" kern="1200" cap="none" spc="0" baseline="0">
+                <a:solidFill>
+                  <a:schemeClr val="tx1"/>
+                </a:solidFill>
+                <a:latin typeface="Calibri" pitchFamily="34" charset="0"/>
+                <a:ea typeface="宋体" pitchFamily="2" charset="-122"/>
+                <a:cs typeface="Calibri" pitchFamily="34" charset="0"/>
+              </a:rPr>
+              <a:pPr algn="r"/>
+              <a:t>27</a:t>
+            </a:fld>
+            <a:endParaRPr lang="zh-CN" altLang="en-US" sz="1200">
+              <a:latin typeface="Calibri" pitchFamily="34" charset="0"/>
+              <a:ea typeface="宋体" pitchFamily="2" charset="-122"/>
+              <a:cs typeface="Calibri" pitchFamily="34" charset="0"/>
+            </a:endParaRPr>
+          </a:p>
+        </p:txBody>
+      </p:sp>
+    </p:spTree>
+    <p:extLst>
+      <p:ext uri="{BB962C8B-B14F-4D97-AF65-F5344CB8AC3E}">
+        <p14:creationId xmlns:p14="http://schemas.microsoft.com/office/powerpoint/2010/main" val="4206527865"/>
+      </p:ext>
+    </p:extLst>
+  </p:cSld>
+  <p:clrMapOvr>
+    <a:masterClrMapping/>
+  </p:clrMapOvr>
+</p:notes>
+</file>
+
+<file path=ppt/notesSlides/notesSlide23.xml><?xml version="1.0" encoding="utf-8"?>
+<p:notes xmlns:a="http://schemas.openxmlformats.org/drawingml/2006/main" xmlns:r="http://schemas.openxmlformats.org/officeDocument/2006/relationships" xmlns:p="http://schemas.openxmlformats.org/presentationml/2006/main">
+  <p:cSld>
+    <p:spTree>
+      <p:nvGrpSpPr>
+        <p:cNvPr id="1" name=""/>
+        <p:cNvGrpSpPr/>
+        <p:nvPr/>
+      </p:nvGrpSpPr>
+      <p:grpSpPr>
+        <a:xfrm>
+          <a:off x="0" y="0"/>
+          <a:ext cx="0" cy="0"/>
+          <a:chOff x="0" y="0"/>
+          <a:chExt cx="0" cy="0"/>
+        </a:xfrm>
+      </p:grpSpPr>
+      <p:sp>
+        <p:nvSpPr>
+          <p:cNvPr id="2" name="文本框"/>
+          <p:cNvSpPr>
+            <a:spLocks noGrp="1" noRot="1" noChangeAspect="1"/>
+          </p:cNvSpPr>
+          <p:nvPr>
+            <p:ph type="sldImg"/>
+          </p:nvPr>
+        </p:nvSpPr>
+        <p:spPr/>
+      </p:sp>
+      <p:sp>
+        <p:nvSpPr>
+          <p:cNvPr id="3" name="文本框"/>
+          <p:cNvSpPr>
+            <a:spLocks noGrp="1"/>
+          </p:cNvSpPr>
+          <p:nvPr>
+            <p:ph type="body" idx="1"/>
+          </p:nvPr>
+        </p:nvSpPr>
+        <p:spPr/>
+        <p:txBody>
+          <a:bodyPr/>
+          <a:lstStyle/>
+          <a:p>
+            <a:endParaRPr lang="zh-CN" altLang="en-US"/>
+          </a:p>
+        </p:txBody>
+      </p:sp>
+      <p:sp>
+        <p:nvSpPr>
+          <p:cNvPr id="9" name="文本框"/>
+          <p:cNvSpPr>
+            <a:spLocks noGrp="1"/>
+          </p:cNvSpPr>
+          <p:nvPr>
+            <p:ph type="sldNum" idx="5"/>
+          </p:nvPr>
+        </p:nvSpPr>
+        <p:spPr>
+          <a:xfrm>
+            <a:off x="3884613" y="8685213"/>
+            <a:ext cx="2971800" cy="457200"/>
+          </a:xfrm>
+          <a:prstGeom prst="rect">
+            <a:avLst/>
+          </a:prstGeom>
+          <a:noFill/>
+          <a:ln w="9525" cap="flat" cmpd="sng">
+            <a:noFill/>
+            <a:prstDash val="solid"/>
+            <a:round/>
+          </a:ln>
+        </p:spPr>
+        <p:txBody>
+          <a:bodyPr vert="horz" wrap="square" lIns="91440" tIns="45720" rIns="91440" bIns="45720" anchor="b" anchorCtr="0">
+            <a:prstTxWarp prst="textNoShape">
+              <a:avLst/>
+            </a:prstTxWarp>
+          </a:bodyPr>
+          <a:lstStyle/>
+          <a:p>
+            <a:pPr algn="r"/>
+            <a:fld id="{CAD2D6BD-DE1B-4B5F-8B41-2702339687B9}" type="slidenum">
+              <a:rPr lang="en-US" altLang="zh-CN" sz="1800" u="none" strike="noStrike" kern="1200" cap="none" spc="0" baseline="0">
+                <a:solidFill>
+                  <a:schemeClr val="tx1"/>
+                </a:solidFill>
+                <a:latin typeface="Calibri" pitchFamily="34" charset="0"/>
+                <a:ea typeface="宋体" pitchFamily="2" charset="-122"/>
+                <a:cs typeface="Calibri" pitchFamily="34" charset="0"/>
+              </a:rPr>
+              <a:pPr algn="r"/>
+              <a:t>28</a:t>
+            </a:fld>
+            <a:endParaRPr lang="zh-CN" altLang="en-US" sz="1200">
+              <a:latin typeface="Calibri" pitchFamily="34" charset="0"/>
+              <a:ea typeface="宋体" pitchFamily="2" charset="-122"/>
+              <a:cs typeface="Calibri" pitchFamily="34" charset="0"/>
+            </a:endParaRPr>
+          </a:p>
+        </p:txBody>
+      </p:sp>
+    </p:spTree>
+    <p:extLst>
+      <p:ext uri="{BB962C8B-B14F-4D97-AF65-F5344CB8AC3E}">
+        <p14:creationId xmlns:p14="http://schemas.microsoft.com/office/powerpoint/2010/main" val="637098908"/>
+      </p:ext>
+    </p:extLst>
+  </p:cSld>
+  <p:clrMapOvr>
+    <a:masterClrMapping/>
+  </p:clrMapOvr>
+</p:notes>
+</file>
+
+<file path=ppt/notesSlides/notesSlide24.xml><?xml version="1.0" encoding="utf-8"?>
+<p:notes xmlns:a="http://schemas.openxmlformats.org/drawingml/2006/main" xmlns:r="http://schemas.openxmlformats.org/officeDocument/2006/relationships" xmlns:p="http://schemas.openxmlformats.org/presentationml/2006/main">
+  <p:cSld>
+    <p:spTree>
+      <p:nvGrpSpPr>
+        <p:cNvPr id="1" name=""/>
+        <p:cNvGrpSpPr/>
+        <p:nvPr/>
+      </p:nvGrpSpPr>
+      <p:grpSpPr>
+        <a:xfrm>
+          <a:off x="0" y="0"/>
+          <a:ext cx="0" cy="0"/>
+          <a:chOff x="0" y="0"/>
+          <a:chExt cx="0" cy="0"/>
+        </a:xfrm>
+      </p:grpSpPr>
+      <p:sp>
+        <p:nvSpPr>
+          <p:cNvPr id="2" name="文本框"/>
+          <p:cNvSpPr>
+            <a:spLocks noGrp="1" noRot="1" noChangeAspect="1"/>
+          </p:cNvSpPr>
+          <p:nvPr>
+            <p:ph type="sldImg"/>
+          </p:nvPr>
+        </p:nvSpPr>
+        <p:spPr/>
+      </p:sp>
+      <p:sp>
+        <p:nvSpPr>
+          <p:cNvPr id="3" name="文本框"/>
+          <p:cNvSpPr>
+            <a:spLocks noGrp="1"/>
+          </p:cNvSpPr>
+          <p:nvPr>
+            <p:ph type="body" idx="1"/>
+          </p:nvPr>
+        </p:nvSpPr>
+        <p:spPr/>
+        <p:txBody>
+          <a:bodyPr/>
+          <a:lstStyle/>
+          <a:p>
+            <a:endParaRPr lang="zh-CN" altLang="en-US"/>
+          </a:p>
+        </p:txBody>
+      </p:sp>
+      <p:sp>
+        <p:nvSpPr>
+          <p:cNvPr id="9" name="文本框"/>
+          <p:cNvSpPr>
+            <a:spLocks noGrp="1"/>
+          </p:cNvSpPr>
+          <p:nvPr>
+            <p:ph type="sldNum" idx="5"/>
+          </p:nvPr>
+        </p:nvSpPr>
+        <p:spPr>
+          <a:xfrm>
+            <a:off x="3884613" y="8685213"/>
+            <a:ext cx="2971800" cy="457200"/>
+          </a:xfrm>
+          <a:prstGeom prst="rect">
+            <a:avLst/>
+          </a:prstGeom>
+          <a:noFill/>
+          <a:ln w="9525" cap="flat" cmpd="sng">
+            <a:noFill/>
+            <a:prstDash val="solid"/>
+            <a:round/>
+          </a:ln>
+        </p:spPr>
+        <p:txBody>
+          <a:bodyPr vert="horz" wrap="square" lIns="91440" tIns="45720" rIns="91440" bIns="45720" anchor="b" anchorCtr="0">
+            <a:prstTxWarp prst="textNoShape">
+              <a:avLst/>
+            </a:prstTxWarp>
+          </a:bodyPr>
+          <a:lstStyle/>
+          <a:p>
+            <a:pPr algn="r"/>
+            <a:fld id="{CAD2D6BD-DE1B-4B5F-8B41-2702339687B9}" type="slidenum">
+              <a:rPr lang="en-US" altLang="zh-CN" sz="1800" u="none" strike="noStrike" kern="1200" cap="none" spc="0" baseline="0">
+                <a:solidFill>
+                  <a:schemeClr val="tx1"/>
+                </a:solidFill>
+                <a:latin typeface="Calibri" pitchFamily="34" charset="0"/>
+                <a:ea typeface="宋体" pitchFamily="2" charset="-122"/>
+                <a:cs typeface="Calibri" pitchFamily="34" charset="0"/>
+              </a:rPr>
+              <a:pPr algn="r"/>
+              <a:t>29</a:t>
+            </a:fld>
+            <a:endParaRPr lang="zh-CN" altLang="en-US" sz="1200">
+              <a:latin typeface="Calibri" pitchFamily="34" charset="0"/>
+              <a:ea typeface="宋体" pitchFamily="2" charset="-122"/>
+              <a:cs typeface="Calibri" pitchFamily="34" charset="0"/>
+            </a:endParaRPr>
+          </a:p>
+        </p:txBody>
+      </p:sp>
+    </p:spTree>
+    <p:extLst>
+      <p:ext uri="{BB962C8B-B14F-4D97-AF65-F5344CB8AC3E}">
+        <p14:creationId xmlns:p14="http://schemas.microsoft.com/office/powerpoint/2010/main" val="1504933540"/>
+      </p:ext>
+    </p:extLst>
+  </p:cSld>
+  <p:clrMapOvr>
+    <a:masterClrMapping/>
+  </p:clrMapOvr>
+</p:notes>
+</file>
+
+<file path=ppt/notesSlides/notesSlide25.xml><?xml version="1.0" encoding="utf-8"?>
+<p:notes xmlns:a="http://schemas.openxmlformats.org/drawingml/2006/main" xmlns:r="http://schemas.openxmlformats.org/officeDocument/2006/relationships" xmlns:p="http://schemas.openxmlformats.org/presentationml/2006/main">
+  <p:cSld>
+    <p:spTree>
+      <p:nvGrpSpPr>
+        <p:cNvPr id="1" name=""/>
+        <p:cNvGrpSpPr/>
+        <p:nvPr/>
+      </p:nvGrpSpPr>
+      <p:grpSpPr>
+        <a:xfrm>
+          <a:off x="0" y="0"/>
+          <a:ext cx="0" cy="0"/>
+          <a:chOff x="0" y="0"/>
+          <a:chExt cx="0" cy="0"/>
+        </a:xfrm>
+      </p:grpSpPr>
+      <p:sp>
+        <p:nvSpPr>
+          <p:cNvPr id="2" name="文本框"/>
+          <p:cNvSpPr>
+            <a:spLocks noGrp="1" noRot="1" noChangeAspect="1"/>
+          </p:cNvSpPr>
+          <p:nvPr>
+            <p:ph type="sldImg"/>
+          </p:nvPr>
+        </p:nvSpPr>
+        <p:spPr/>
+      </p:sp>
+      <p:sp>
+        <p:nvSpPr>
+          <p:cNvPr id="3" name="文本框"/>
+          <p:cNvSpPr>
+            <a:spLocks noGrp="1"/>
+          </p:cNvSpPr>
+          <p:nvPr>
+            <p:ph type="body" idx="1"/>
+          </p:nvPr>
+        </p:nvSpPr>
+        <p:spPr/>
+        <p:txBody>
+          <a:bodyPr/>
+          <a:lstStyle/>
+          <a:p>
+            <a:endParaRPr lang="zh-CN" altLang="en-US"/>
+          </a:p>
+        </p:txBody>
+      </p:sp>
+      <p:sp>
+        <p:nvSpPr>
+          <p:cNvPr id="9" name="文本框"/>
+          <p:cNvSpPr>
+            <a:spLocks noGrp="1"/>
+          </p:cNvSpPr>
+          <p:nvPr>
+            <p:ph type="sldNum" idx="5"/>
+          </p:nvPr>
+        </p:nvSpPr>
+        <p:spPr>
+          <a:xfrm>
+            <a:off x="3884613" y="8685213"/>
+            <a:ext cx="2971800" cy="457200"/>
+          </a:xfrm>
+          <a:prstGeom prst="rect">
+            <a:avLst/>
+          </a:prstGeom>
+          <a:noFill/>
+          <a:ln w="9525" cap="flat" cmpd="sng">
+            <a:noFill/>
+            <a:prstDash val="solid"/>
+            <a:round/>
+          </a:ln>
+        </p:spPr>
+        <p:txBody>
+          <a:bodyPr vert="horz" wrap="square" lIns="91440" tIns="45720" rIns="91440" bIns="45720" anchor="b" anchorCtr="0">
+            <a:prstTxWarp prst="textNoShape">
+              <a:avLst/>
+            </a:prstTxWarp>
+          </a:bodyPr>
+          <a:lstStyle/>
+          <a:p>
+            <a:pPr algn="r"/>
+            <a:fld id="{CAD2D6BD-DE1B-4B5F-8B41-2702339687B9}" type="slidenum">
+              <a:rPr lang="en-US" altLang="zh-CN" sz="1800" u="none" strike="noStrike" kern="1200" cap="none" spc="0" baseline="0">
+                <a:solidFill>
+                  <a:schemeClr val="tx1"/>
+                </a:solidFill>
+                <a:latin typeface="Calibri" pitchFamily="34" charset="0"/>
+                <a:ea typeface="宋体" pitchFamily="2" charset="-122"/>
+                <a:cs typeface="Calibri" pitchFamily="34" charset="0"/>
+              </a:rPr>
+              <a:pPr algn="r"/>
+              <a:t>30</a:t>
+            </a:fld>
+            <a:endParaRPr lang="zh-CN" altLang="en-US" sz="1200">
+              <a:latin typeface="Calibri" pitchFamily="34" charset="0"/>
+              <a:ea typeface="宋体" pitchFamily="2" charset="-122"/>
+              <a:cs typeface="Calibri" pitchFamily="34" charset="0"/>
+            </a:endParaRPr>
+          </a:p>
+        </p:txBody>
+      </p:sp>
+    </p:spTree>
+    <p:extLst>
+      <p:ext uri="{BB962C8B-B14F-4D97-AF65-F5344CB8AC3E}">
+        <p14:creationId xmlns:p14="http://schemas.microsoft.com/office/powerpoint/2010/main" val="1802842484"/>
+      </p:ext>
+    </p:extLst>
+  </p:cSld>
+  <p:clrMapOvr>
+    <a:masterClrMapping/>
+  </p:clrMapOvr>
+</p:notes>
+</file>
+
+<file path=ppt/notesSlides/notesSlide26.xml><?xml version="1.0" encoding="utf-8"?>
+<p:notes xmlns:a="http://schemas.openxmlformats.org/drawingml/2006/main" xmlns:r="http://schemas.openxmlformats.org/officeDocument/2006/relationships" xmlns:p="http://schemas.openxmlformats.org/presentationml/2006/main">
+  <p:cSld>
+    <p:spTree>
+      <p:nvGrpSpPr>
+        <p:cNvPr id="1" name=""/>
+        <p:cNvGrpSpPr/>
+        <p:nvPr/>
+      </p:nvGrpSpPr>
+      <p:grpSpPr>
+        <a:xfrm>
+          <a:off x="0" y="0"/>
+          <a:ext cx="0" cy="0"/>
+          <a:chOff x="0" y="0"/>
+          <a:chExt cx="0" cy="0"/>
+        </a:xfrm>
+      </p:grpSpPr>
+      <p:sp>
+        <p:nvSpPr>
+          <p:cNvPr id="2" name="文本框"/>
+          <p:cNvSpPr>
+            <a:spLocks noGrp="1" noRot="1" noChangeAspect="1"/>
+          </p:cNvSpPr>
+          <p:nvPr>
+            <p:ph type="sldImg"/>
+          </p:nvPr>
+        </p:nvSpPr>
+        <p:spPr/>
+      </p:sp>
+      <p:sp>
+        <p:nvSpPr>
+          <p:cNvPr id="3" name="文本框"/>
+          <p:cNvSpPr>
+            <a:spLocks noGrp="1"/>
+          </p:cNvSpPr>
+          <p:nvPr>
+            <p:ph type="body" idx="1"/>
+          </p:nvPr>
+        </p:nvSpPr>
+        <p:spPr/>
+        <p:txBody>
+          <a:bodyPr/>
+          <a:lstStyle/>
+          <a:p>
+            <a:endParaRPr lang="zh-CN" altLang="en-US"/>
+          </a:p>
+        </p:txBody>
+      </p:sp>
+      <p:sp>
+        <p:nvSpPr>
+          <p:cNvPr id="9" name="文本框"/>
+          <p:cNvSpPr>
+            <a:spLocks noGrp="1"/>
+          </p:cNvSpPr>
+          <p:nvPr>
+            <p:ph type="sldNum" idx="5"/>
+          </p:nvPr>
+        </p:nvSpPr>
+        <p:spPr>
+          <a:xfrm>
+            <a:off x="3884613" y="8685213"/>
+            <a:ext cx="2971800" cy="457200"/>
+          </a:xfrm>
+          <a:prstGeom prst="rect">
+            <a:avLst/>
+          </a:prstGeom>
+          <a:noFill/>
+          <a:ln w="9525" cap="flat" cmpd="sng">
+            <a:noFill/>
+            <a:prstDash val="solid"/>
+            <a:round/>
+          </a:ln>
+        </p:spPr>
+        <p:txBody>
+          <a:bodyPr vert="horz" wrap="square" lIns="91440" tIns="45720" rIns="91440" bIns="45720" anchor="b" anchorCtr="0">
+            <a:prstTxWarp prst="textNoShape">
+              <a:avLst/>
+            </a:prstTxWarp>
+          </a:bodyPr>
+          <a:lstStyle/>
+          <a:p>
+            <a:pPr algn="r"/>
+            <a:fld id="{CAD2D6BD-DE1B-4B5F-8B41-2702339687B9}" type="slidenum">
+              <a:rPr lang="en-US" altLang="zh-CN" sz="1800" u="none" strike="noStrike" kern="1200" cap="none" spc="0" baseline="0">
+                <a:solidFill>
+                  <a:schemeClr val="tx1"/>
+                </a:solidFill>
+                <a:latin typeface="Calibri" pitchFamily="34" charset="0"/>
+                <a:ea typeface="宋体" pitchFamily="2" charset="-122"/>
+                <a:cs typeface="Calibri" pitchFamily="34" charset="0"/>
+              </a:rPr>
+              <a:pPr algn="r"/>
+              <a:t>31</a:t>
+            </a:fld>
+            <a:endParaRPr lang="zh-CN" altLang="en-US" sz="1200">
+              <a:latin typeface="Calibri" pitchFamily="34" charset="0"/>
+              <a:ea typeface="宋体" pitchFamily="2" charset="-122"/>
+              <a:cs typeface="Calibri" pitchFamily="34" charset="0"/>
+            </a:endParaRPr>
+          </a:p>
+        </p:txBody>
+      </p:sp>
+    </p:spTree>
+    <p:extLst>
+      <p:ext uri="{BB962C8B-B14F-4D97-AF65-F5344CB8AC3E}">
+        <p14:creationId xmlns:p14="http://schemas.microsoft.com/office/powerpoint/2010/main" val="2118616492"/>
+      </p:ext>
+    </p:extLst>
+  </p:cSld>
+  <p:clrMapOvr>
+    <a:masterClrMapping/>
+  </p:clrMapOvr>
+</p:notes>
+</file>
+
 <file path=ppt/notesSlides/notesSlide3.xml><?xml version="1.0" encoding="utf-8"?>
 <p:notes xmlns:a="http://schemas.openxmlformats.org/drawingml/2006/main" xmlns:r="http://schemas.openxmlformats.org/officeDocument/2006/relationships" xmlns:p="http://schemas.openxmlformats.org/presentationml/2006/main">
   <p:cSld>
@@ -2253,7 +3065,7 @@
     </p:spTree>
     <p:extLst>
       <p:ext uri="{BB962C8B-B14F-4D97-AF65-F5344CB8AC3E}">
-        <p14:creationId xmlns:p14="http://schemas.microsoft.com/office/powerpoint/2010/main" val="2689120767"/>
+        <p14:creationId xmlns:p14="http://schemas.microsoft.com/office/powerpoint/2010/main" val="1154981100"/>
       </p:ext>
     </p:extLst>
   </p:cSld>
@@ -2368,7 +3180,7 @@
     </p:spTree>
     <p:extLst>
       <p:ext uri="{BB962C8B-B14F-4D97-AF65-F5344CB8AC3E}">
-        <p14:creationId xmlns:p14="http://schemas.microsoft.com/office/powerpoint/2010/main" val="4025010367"/>
+        <p14:creationId xmlns:p14="http://schemas.microsoft.com/office/powerpoint/2010/main" val="2134979463"/>
       </p:ext>
     </p:extLst>
   </p:cSld>
@@ -2483,7 +3295,7 @@
     </p:spTree>
     <p:extLst>
       <p:ext uri="{BB962C8B-B14F-4D97-AF65-F5344CB8AC3E}">
-        <p14:creationId xmlns:p14="http://schemas.microsoft.com/office/powerpoint/2010/main" val="1487460822"/>
+        <p14:creationId xmlns:p14="http://schemas.microsoft.com/office/powerpoint/2010/main" val="2068787808"/>
       </p:ext>
     </p:extLst>
   </p:cSld>
@@ -2598,7 +3410,7 @@
     </p:spTree>
     <p:extLst>
       <p:ext uri="{BB962C8B-B14F-4D97-AF65-F5344CB8AC3E}">
-        <p14:creationId xmlns:p14="http://schemas.microsoft.com/office/powerpoint/2010/main" val="1706206576"/>
+        <p14:creationId xmlns:p14="http://schemas.microsoft.com/office/powerpoint/2010/main" val="2785002186"/>
       </p:ext>
     </p:extLst>
   </p:cSld>
@@ -2713,7 +3525,7 @@
     </p:spTree>
     <p:extLst>
       <p:ext uri="{BB962C8B-B14F-4D97-AF65-F5344CB8AC3E}">
-        <p14:creationId xmlns:p14="http://schemas.microsoft.com/office/powerpoint/2010/main" val="2345351426"/>
+        <p14:creationId xmlns:p14="http://schemas.microsoft.com/office/powerpoint/2010/main" val="1536194022"/>
       </p:ext>
     </p:extLst>
   </p:cSld>
@@ -2828,7 +3640,7 @@
     </p:spTree>
     <p:extLst>
       <p:ext uri="{BB962C8B-B14F-4D97-AF65-F5344CB8AC3E}">
-        <p14:creationId xmlns:p14="http://schemas.microsoft.com/office/powerpoint/2010/main" val="3856234142"/>
+        <p14:creationId xmlns:p14="http://schemas.microsoft.com/office/powerpoint/2010/main" val="2359732286"/>
       </p:ext>
     </p:extLst>
   </p:cSld>
@@ -2943,7 +3755,7 @@
     </p:spTree>
     <p:extLst>
       <p:ext uri="{BB962C8B-B14F-4D97-AF65-F5344CB8AC3E}">
-        <p14:creationId xmlns:p14="http://schemas.microsoft.com/office/powerpoint/2010/main" val="778475574"/>
+        <p14:creationId xmlns:p14="http://schemas.microsoft.com/office/powerpoint/2010/main" val="3361841295"/>
       </p:ext>
     </p:extLst>
   </p:cSld>
@@ -8600,6 +9412,3438 @@
       </p:grpSpPr>
       <p:sp>
         <p:nvSpPr>
+          <p:cNvPr id="3" name="矩形 2">
+            <a:extLst>
+              <a:ext uri="{FF2B5EF4-FFF2-40B4-BE49-F238E27FC236}">
+                <a16:creationId xmlns:a16="http://schemas.microsoft.com/office/drawing/2014/main" id="{0159E91D-1C4E-44A2-877A-5808C778DA1A}"/>
+              </a:ext>
+            </a:extLst>
+          </p:cNvPr>
+          <p:cNvSpPr/>
+          <p:nvPr/>
+        </p:nvSpPr>
+        <p:spPr>
+          <a:xfrm>
+            <a:off x="953852" y="1059582"/>
+            <a:ext cx="7236296" cy="3403624"/>
+          </a:xfrm>
+          <a:prstGeom prst="rect">
+            <a:avLst/>
+          </a:prstGeom>
+        </p:spPr>
+        <p:txBody>
+          <a:bodyPr wrap="square">
+            <a:spAutoFit/>
+          </a:bodyPr>
+          <a:lstStyle/>
+          <a:p>
+            <a:pPr>
+              <a:lnSpc>
+                <a:spcPct val="150000"/>
+              </a:lnSpc>
+              <a:tabLst>
+                <a:tab pos="479425" algn="l"/>
+              </a:tabLst>
+            </a:pPr>
+            <a:r>
+              <a:rPr lang="en-US" altLang="zh-CN" b="1" kern="100" dirty="0">
+                <a:solidFill>
+                  <a:srgbClr val="212121"/>
+                </a:solidFill>
+                <a:latin typeface="微软雅黑" panose="020B0503020204020204" pitchFamily="34" charset="-122"/>
+                <a:ea typeface="微软雅黑" panose="020B0503020204020204" pitchFamily="34" charset="-122"/>
+                <a:cs typeface="宋体" panose="02010600030101010101" pitchFamily="2" charset="-122"/>
+              </a:rPr>
+              <a:t>3</a:t>
+            </a:r>
+            <a:r>
+              <a:rPr lang="zh-CN" altLang="en-US" b="1" kern="100" dirty="0">
+                <a:solidFill>
+                  <a:srgbClr val="212121"/>
+                </a:solidFill>
+                <a:latin typeface="微软雅黑" panose="020B0503020204020204" pitchFamily="34" charset="-122"/>
+                <a:ea typeface="微软雅黑" panose="020B0503020204020204" pitchFamily="34" charset="-122"/>
+                <a:cs typeface="宋体" panose="02010600030101010101" pitchFamily="2" charset="-122"/>
+              </a:rPr>
+              <a:t>、</a:t>
+            </a:r>
+            <a:r>
+              <a:rPr lang="en-US" altLang="zh-CN" sz="2800" b="1" kern="100" dirty="0" err="1">
+                <a:solidFill>
+                  <a:srgbClr val="C00000"/>
+                </a:solidFill>
+                <a:latin typeface="微软雅黑" panose="020B0503020204020204" pitchFamily="34" charset="-122"/>
+                <a:ea typeface="微软雅黑" panose="020B0503020204020204" pitchFamily="34" charset="-122"/>
+                <a:cs typeface="宋体" panose="02010600030101010101" pitchFamily="2" charset="-122"/>
+              </a:rPr>
+              <a:t>src</a:t>
+            </a:r>
+            <a:endParaRPr lang="en-US" altLang="zh-CN" sz="2800" b="1" kern="100" dirty="0">
+              <a:solidFill>
+                <a:srgbClr val="C00000"/>
+              </a:solidFill>
+              <a:latin typeface="微软雅黑" panose="020B0503020204020204" pitchFamily="34" charset="-122"/>
+              <a:ea typeface="微软雅黑" panose="020B0503020204020204" pitchFamily="34" charset="-122"/>
+              <a:cs typeface="宋体" panose="02010600030101010101" pitchFamily="2" charset="-122"/>
+            </a:endParaRPr>
+          </a:p>
+          <a:p>
+            <a:r>
+              <a:rPr lang="en-US" altLang="zh-CN" sz="1600" dirty="0">
+                <a:latin typeface="微软雅黑" panose="020B0503020204020204" pitchFamily="34" charset="-122"/>
+                <a:ea typeface="微软雅黑" panose="020B0503020204020204" pitchFamily="34" charset="-122"/>
+              </a:rPr>
+              <a:t>Destination</a:t>
+            </a:r>
+            <a:r>
+              <a:rPr lang="zh-CN" altLang="zh-CN" sz="1600" dirty="0">
+                <a:latin typeface="微软雅黑" panose="020B0503020204020204" pitchFamily="34" charset="-122"/>
+                <a:ea typeface="微软雅黑" panose="020B0503020204020204" pitchFamily="34" charset="-122"/>
+              </a:rPr>
+              <a:t>的简写，目标。</a:t>
+            </a:r>
+          </a:p>
+          <a:p>
+            <a:r>
+              <a:rPr lang="en-US" altLang="zh-CN" sz="1600" dirty="0">
+                <a:latin typeface="微软雅黑" panose="020B0503020204020204" pitchFamily="34" charset="-122"/>
+                <a:ea typeface="微软雅黑" panose="020B0503020204020204" pitchFamily="34" charset="-122"/>
+              </a:rPr>
+              <a:t> </a:t>
+            </a:r>
+            <a:endParaRPr lang="zh-CN" altLang="zh-CN" sz="1600" dirty="0">
+              <a:latin typeface="微软雅黑" panose="020B0503020204020204" pitchFamily="34" charset="-122"/>
+              <a:ea typeface="微软雅黑" panose="020B0503020204020204" pitchFamily="34" charset="-122"/>
+            </a:endParaRPr>
+          </a:p>
+          <a:p>
+            <a:r>
+              <a:rPr lang="zh-CN" altLang="zh-CN" sz="1600" dirty="0">
+                <a:latin typeface="微软雅黑" panose="020B0503020204020204" pitchFamily="34" charset="-122"/>
+                <a:ea typeface="微软雅黑" panose="020B0503020204020204" pitchFamily="34" charset="-122"/>
+              </a:rPr>
+              <a:t>作用：用来指定输出结果的路径</a:t>
+            </a:r>
+          </a:p>
+          <a:p>
+            <a:r>
+              <a:rPr lang="zh-CN" altLang="zh-CN" sz="1600" dirty="0">
+                <a:latin typeface="微软雅黑" panose="020B0503020204020204" pitchFamily="34" charset="-122"/>
+                <a:ea typeface="微软雅黑" panose="020B0503020204020204" pitchFamily="34" charset="-122"/>
+              </a:rPr>
+              <a:t>格式：</a:t>
+            </a:r>
+            <a:r>
+              <a:rPr lang="en-US" altLang="zh-CN" sz="1600" dirty="0" err="1">
+                <a:latin typeface="微软雅黑" panose="020B0503020204020204" pitchFamily="34" charset="-122"/>
+                <a:ea typeface="微软雅黑" panose="020B0503020204020204" pitchFamily="34" charset="-122"/>
+              </a:rPr>
+              <a:t>gulp.dest</a:t>
+            </a:r>
+            <a:r>
+              <a:rPr lang="zh-CN" altLang="zh-CN" sz="1600" dirty="0">
+                <a:latin typeface="微软雅黑" panose="020B0503020204020204" pitchFamily="34" charset="-122"/>
+                <a:ea typeface="微软雅黑" panose="020B0503020204020204" pitchFamily="34" charset="-122"/>
+              </a:rPr>
+              <a:t>（路径）</a:t>
+            </a:r>
+          </a:p>
+          <a:p>
+            <a:r>
+              <a:rPr lang="en-US" altLang="zh-CN" sz="1600" dirty="0">
+                <a:latin typeface="微软雅黑" panose="020B0503020204020204" pitchFamily="34" charset="-122"/>
+                <a:ea typeface="微软雅黑" panose="020B0503020204020204" pitchFamily="34" charset="-122"/>
+              </a:rPr>
+              <a:t> </a:t>
+            </a:r>
+            <a:endParaRPr lang="zh-CN" altLang="zh-CN" sz="1600" dirty="0">
+              <a:latin typeface="微软雅黑" panose="020B0503020204020204" pitchFamily="34" charset="-122"/>
+              <a:ea typeface="微软雅黑" panose="020B0503020204020204" pitchFamily="34" charset="-122"/>
+            </a:endParaRPr>
+          </a:p>
+          <a:p>
+            <a:pPr>
+              <a:lnSpc>
+                <a:spcPct val="150000"/>
+              </a:lnSpc>
+            </a:pPr>
+            <a:r>
+              <a:rPr lang="zh-CN" altLang="zh-CN" sz="1600" dirty="0">
+                <a:latin typeface="微软雅黑" panose="020B0503020204020204" pitchFamily="34" charset="-122"/>
+                <a:ea typeface="微软雅黑" panose="020B0503020204020204" pitchFamily="34" charset="-122"/>
+              </a:rPr>
+              <a:t>注意：</a:t>
+            </a:r>
+          </a:p>
+          <a:p>
+            <a:pPr lvl="0">
+              <a:lnSpc>
+                <a:spcPct val="150000"/>
+              </a:lnSpc>
+            </a:pPr>
+            <a:r>
+              <a:rPr lang="zh-CN" altLang="zh-CN" sz="1600" dirty="0">
+                <a:latin typeface="微软雅黑" panose="020B0503020204020204" pitchFamily="34" charset="-122"/>
+                <a:ea typeface="微软雅黑" panose="020B0503020204020204" pitchFamily="34" charset="-122"/>
+              </a:rPr>
+              <a:t>不管是在</a:t>
+            </a:r>
+            <a:r>
+              <a:rPr lang="en-US" altLang="zh-CN" sz="1600" dirty="0" err="1">
+                <a:latin typeface="微软雅黑" panose="020B0503020204020204" pitchFamily="34" charset="-122"/>
+                <a:ea typeface="微软雅黑" panose="020B0503020204020204" pitchFamily="34" charset="-122"/>
+              </a:rPr>
+              <a:t>src</a:t>
+            </a:r>
+            <a:r>
+              <a:rPr lang="zh-CN" altLang="zh-CN" sz="1600" dirty="0">
+                <a:latin typeface="微软雅黑" panose="020B0503020204020204" pitchFamily="34" charset="-122"/>
+                <a:ea typeface="微软雅黑" panose="020B0503020204020204" pitchFamily="34" charset="-122"/>
+              </a:rPr>
+              <a:t>，还是在</a:t>
+            </a:r>
+            <a:r>
+              <a:rPr lang="en-US" altLang="zh-CN" sz="1600" dirty="0" err="1">
+                <a:latin typeface="微软雅黑" panose="020B0503020204020204" pitchFamily="34" charset="-122"/>
+                <a:ea typeface="微软雅黑" panose="020B0503020204020204" pitchFamily="34" charset="-122"/>
+              </a:rPr>
+              <a:t>dest</a:t>
+            </a:r>
+            <a:r>
+              <a:rPr lang="zh-CN" altLang="zh-CN" sz="1600" dirty="0">
+                <a:latin typeface="微软雅黑" panose="020B0503020204020204" pitchFamily="34" charset="-122"/>
+                <a:ea typeface="微软雅黑" panose="020B0503020204020204" pitchFamily="34" charset="-122"/>
+              </a:rPr>
+              <a:t>中，我们使用的都是相对路径</a:t>
+            </a:r>
+          </a:p>
+          <a:p>
+            <a:pPr lvl="0">
+              <a:lnSpc>
+                <a:spcPct val="150000"/>
+              </a:lnSpc>
+            </a:pPr>
+            <a:r>
+              <a:rPr lang="en-US" altLang="zh-CN" sz="1600" dirty="0" err="1">
+                <a:latin typeface="微软雅黑" panose="020B0503020204020204" pitchFamily="34" charset="-122"/>
+                <a:ea typeface="微软雅黑" panose="020B0503020204020204" pitchFamily="34" charset="-122"/>
+              </a:rPr>
+              <a:t>src</a:t>
+            </a:r>
+            <a:r>
+              <a:rPr lang="zh-CN" altLang="zh-CN" sz="1600" dirty="0">
+                <a:latin typeface="微软雅黑" panose="020B0503020204020204" pitchFamily="34" charset="-122"/>
+                <a:ea typeface="微软雅黑" panose="020B0503020204020204" pitchFamily="34" charset="-122"/>
+              </a:rPr>
+              <a:t>中，我们要指定具体的文件，如</a:t>
+            </a:r>
+            <a:r>
+              <a:rPr lang="en-US" altLang="zh-CN" sz="1600" dirty="0">
+                <a:latin typeface="微软雅黑" panose="020B0503020204020204" pitchFamily="34" charset="-122"/>
+                <a:ea typeface="微软雅黑" panose="020B0503020204020204" pitchFamily="34" charset="-122"/>
+              </a:rPr>
+              <a:t>less</a:t>
+            </a:r>
+            <a:r>
+              <a:rPr lang="zh-CN" altLang="zh-CN" sz="1600" dirty="0">
+                <a:latin typeface="微软雅黑" panose="020B0503020204020204" pitchFamily="34" charset="-122"/>
+                <a:ea typeface="微软雅黑" panose="020B0503020204020204" pitchFamily="34" charset="-122"/>
+              </a:rPr>
+              <a:t>文件，如</a:t>
+            </a:r>
+            <a:r>
+              <a:rPr lang="en-US" altLang="zh-CN" sz="1600" dirty="0" err="1">
+                <a:latin typeface="微软雅黑" panose="020B0503020204020204" pitchFamily="34" charset="-122"/>
+                <a:ea typeface="微软雅黑" panose="020B0503020204020204" pitchFamily="34" charset="-122"/>
+              </a:rPr>
+              <a:t>js</a:t>
+            </a:r>
+            <a:r>
+              <a:rPr lang="zh-CN" altLang="zh-CN" sz="1600" dirty="0">
+                <a:latin typeface="微软雅黑" panose="020B0503020204020204" pitchFamily="34" charset="-122"/>
+                <a:ea typeface="微软雅黑" panose="020B0503020204020204" pitchFamily="34" charset="-122"/>
+              </a:rPr>
+              <a:t>文件，如</a:t>
+            </a:r>
+            <a:r>
+              <a:rPr lang="en-US" altLang="zh-CN" sz="1600" dirty="0" err="1">
+                <a:latin typeface="微软雅黑" panose="020B0503020204020204" pitchFamily="34" charset="-122"/>
+                <a:ea typeface="微软雅黑" panose="020B0503020204020204" pitchFamily="34" charset="-122"/>
+              </a:rPr>
+              <a:t>css</a:t>
+            </a:r>
+            <a:r>
+              <a:rPr lang="zh-CN" altLang="zh-CN" sz="1600" dirty="0">
+                <a:latin typeface="微软雅黑" panose="020B0503020204020204" pitchFamily="34" charset="-122"/>
+                <a:ea typeface="微软雅黑" panose="020B0503020204020204" pitchFamily="34" charset="-122"/>
+              </a:rPr>
+              <a:t>文件。而在</a:t>
+            </a:r>
+            <a:r>
+              <a:rPr lang="en-US" altLang="zh-CN" sz="1600" dirty="0" err="1">
+                <a:latin typeface="微软雅黑" panose="020B0503020204020204" pitchFamily="34" charset="-122"/>
+                <a:ea typeface="微软雅黑" panose="020B0503020204020204" pitchFamily="34" charset="-122"/>
+              </a:rPr>
+              <a:t>dest</a:t>
+            </a:r>
+            <a:r>
+              <a:rPr lang="zh-CN" altLang="zh-CN" sz="1600" dirty="0">
+                <a:latin typeface="微软雅黑" panose="020B0503020204020204" pitchFamily="34" charset="-122"/>
+                <a:ea typeface="微软雅黑" panose="020B0503020204020204" pitchFamily="34" charset="-122"/>
+              </a:rPr>
+              <a:t>方法中，只需要指定路径即可，不要指定具体的文件。</a:t>
+            </a:r>
+          </a:p>
+        </p:txBody>
+      </p:sp>
+      <p:sp>
+        <p:nvSpPr>
+          <p:cNvPr id="5" name="文本框 4">
+            <a:extLst>
+              <a:ext uri="{FF2B5EF4-FFF2-40B4-BE49-F238E27FC236}">
+                <a16:creationId xmlns:a16="http://schemas.microsoft.com/office/drawing/2014/main" id="{462D917C-8F36-4E3C-9557-0DF1AD6ADE0A}"/>
+              </a:ext>
+            </a:extLst>
+          </p:cNvPr>
+          <p:cNvSpPr txBox="1"/>
+          <p:nvPr/>
+        </p:nvSpPr>
+        <p:spPr>
+          <a:xfrm>
+            <a:off x="3203848" y="484892"/>
+            <a:ext cx="2238113" cy="461665"/>
+          </a:xfrm>
+          <a:prstGeom prst="rect">
+            <a:avLst/>
+          </a:prstGeom>
+          <a:noFill/>
+        </p:spPr>
+        <p:txBody>
+          <a:bodyPr wrap="none" rtlCol="0">
+            <a:spAutoFit/>
+          </a:bodyPr>
+          <a:lstStyle/>
+          <a:p>
+            <a:r>
+              <a:rPr lang="en-US" altLang="zh-CN" sz="2400" b="1" dirty="0">
+                <a:solidFill>
+                  <a:srgbClr val="C00000"/>
+                </a:solidFill>
+                <a:latin typeface="微软雅黑" panose="020B0503020204020204" pitchFamily="34" charset="-122"/>
+                <a:ea typeface="微软雅黑" panose="020B0503020204020204" pitchFamily="34" charset="-122"/>
+              </a:rPr>
+              <a:t>Gulp </a:t>
+            </a:r>
+            <a:r>
+              <a:rPr lang="zh-CN" altLang="en-US" sz="2400" b="1" dirty="0">
+                <a:solidFill>
+                  <a:srgbClr val="C00000"/>
+                </a:solidFill>
+                <a:latin typeface="微软雅黑" panose="020B0503020204020204" pitchFamily="34" charset="-122"/>
+                <a:ea typeface="微软雅黑" panose="020B0503020204020204" pitchFamily="34" charset="-122"/>
+              </a:rPr>
+              <a:t>方法使用</a:t>
+            </a:r>
+          </a:p>
+        </p:txBody>
+      </p:sp>
+    </p:spTree>
+    <p:extLst>
+      <p:ext uri="{BB962C8B-B14F-4D97-AF65-F5344CB8AC3E}">
+        <p14:creationId xmlns:p14="http://schemas.microsoft.com/office/powerpoint/2010/main" val="3749809925"/>
+      </p:ext>
+    </p:extLst>
+  </p:cSld>
+  <p:clrMapOvr>
+    <a:masterClrMapping/>
+  </p:clrMapOvr>
+  <p:timing>
+    <p:tnLst>
+      <p:par>
+        <p:cTn id="1" dur="indefinite" restart="never" nodeType="tmRoot">
+          <p:childTnLst>
+            <p:seq concurrent="1" nextAc="seek">
+              <p:cTn id="2" dur="indefinite" nodeType="mainSeq">
+                <p:childTnLst>
+                  <p:par>
+                    <p:cTn id="3" fill="hold">
+                      <p:stCondLst>
+                        <p:cond delay="indefinite"/>
+                      </p:stCondLst>
+                      <p:childTnLst>
+                        <p:par>
+                          <p:cTn id="4" fill="hold">
+                            <p:stCondLst>
+                              <p:cond delay="0"/>
+                            </p:stCondLst>
+                            <p:childTnLst>
+                              <p:par>
+                                <p:cTn id="5" presetID="2" presetClass="entr" presetSubtype="4" fill="hold" grpId="0" nodeType="clickEffect">
+                                  <p:stCondLst>
+                                    <p:cond delay="0"/>
+                                  </p:stCondLst>
+                                  <p:childTnLst>
+                                    <p:set>
+                                      <p:cBhvr>
+                                        <p:cTn id="6" dur="1" fill="hold">
+                                          <p:stCondLst>
+                                            <p:cond delay="0"/>
+                                          </p:stCondLst>
+                                        </p:cTn>
+                                        <p:tgtEl>
+                                          <p:spTgt spid="3"/>
+                                        </p:tgtEl>
+                                        <p:attrNameLst>
+                                          <p:attrName>style.visibility</p:attrName>
+                                        </p:attrNameLst>
+                                      </p:cBhvr>
+                                      <p:to>
+                                        <p:strVal val="visible"/>
+                                      </p:to>
+                                    </p:set>
+                                    <p:anim calcmode="lin" valueType="num">
+                                      <p:cBhvr additive="base">
+                                        <p:cTn id="7" dur="500" fill="hold"/>
+                                        <p:tgtEl>
+                                          <p:spTgt spid="3"/>
+                                        </p:tgtEl>
+                                        <p:attrNameLst>
+                                          <p:attrName>ppt_x</p:attrName>
+                                        </p:attrNameLst>
+                                      </p:cBhvr>
+                                      <p:tavLst>
+                                        <p:tav tm="0">
+                                          <p:val>
+                                            <p:strVal val="#ppt_x"/>
+                                          </p:val>
+                                        </p:tav>
+                                        <p:tav tm="100000">
+                                          <p:val>
+                                            <p:strVal val="#ppt_x"/>
+                                          </p:val>
+                                        </p:tav>
+                                      </p:tavLst>
+                                    </p:anim>
+                                    <p:anim calcmode="lin" valueType="num">
+                                      <p:cBhvr additive="base">
+                                        <p:cTn id="8" dur="500" fill="hold"/>
+                                        <p:tgtEl>
+                                          <p:spTgt spid="3"/>
+                                        </p:tgtEl>
+                                        <p:attrNameLst>
+                                          <p:attrName>ppt_y</p:attrName>
+                                        </p:attrNameLst>
+                                      </p:cBhvr>
+                                      <p:tavLst>
+                                        <p:tav tm="0">
+                                          <p:val>
+                                            <p:strVal val="1+#ppt_h/2"/>
+                                          </p:val>
+                                        </p:tav>
+                                        <p:tav tm="100000">
+                                          <p:val>
+                                            <p:strVal val="#ppt_y"/>
+                                          </p:val>
+                                        </p:tav>
+                                      </p:tavLst>
+                                    </p:anim>
+                                  </p:childTnLst>
+                                </p:cTn>
+                              </p:par>
+                            </p:childTnLst>
+                          </p:cTn>
+                        </p:par>
+                      </p:childTnLst>
+                    </p:cTn>
+                  </p:par>
+                </p:childTnLst>
+              </p:cTn>
+              <p:prevCondLst>
+                <p:cond evt="onPrev" delay="0">
+                  <p:tgtEl>
+                    <p:sldTgt/>
+                  </p:tgtEl>
+                </p:cond>
+              </p:prevCondLst>
+              <p:nextCondLst>
+                <p:cond evt="onNext" delay="0">
+                  <p:tgtEl>
+                    <p:sldTgt/>
+                  </p:tgtEl>
+                </p:cond>
+              </p:nextCondLst>
+            </p:seq>
+          </p:childTnLst>
+        </p:cTn>
+      </p:par>
+    </p:tnLst>
+    <p:bldLst>
+      <p:bldP spid="3" grpId="0"/>
+    </p:bldLst>
+  </p:timing>
+</p:sld>
+</file>
+
+<file path=ppt/slides/slide11.xml><?xml version="1.0" encoding="utf-8"?>
+<p:sld xmlns:a="http://schemas.openxmlformats.org/drawingml/2006/main" xmlns:r="http://schemas.openxmlformats.org/officeDocument/2006/relationships" xmlns:p="http://schemas.openxmlformats.org/presentationml/2006/main">
+  <p:cSld>
+    <p:spTree>
+      <p:nvGrpSpPr>
+        <p:cNvPr id="1" name=""/>
+        <p:cNvGrpSpPr/>
+        <p:nvPr/>
+      </p:nvGrpSpPr>
+      <p:grpSpPr>
+        <a:xfrm>
+          <a:off x="0" y="0"/>
+          <a:ext cx="0" cy="0"/>
+          <a:chOff x="0" y="0"/>
+          <a:chExt cx="0" cy="0"/>
+        </a:xfrm>
+      </p:grpSpPr>
+      <p:sp>
+        <p:nvSpPr>
+          <p:cNvPr id="3" name="矩形 2">
+            <a:extLst>
+              <a:ext uri="{FF2B5EF4-FFF2-40B4-BE49-F238E27FC236}">
+                <a16:creationId xmlns:a16="http://schemas.microsoft.com/office/drawing/2014/main" id="{0159E91D-1C4E-44A2-877A-5808C778DA1A}"/>
+              </a:ext>
+            </a:extLst>
+          </p:cNvPr>
+          <p:cNvSpPr/>
+          <p:nvPr/>
+        </p:nvSpPr>
+        <p:spPr>
+          <a:xfrm>
+            <a:off x="953852" y="1059582"/>
+            <a:ext cx="7236296" cy="2000548"/>
+          </a:xfrm>
+          <a:prstGeom prst="rect">
+            <a:avLst/>
+          </a:prstGeom>
+        </p:spPr>
+        <p:txBody>
+          <a:bodyPr wrap="square">
+            <a:spAutoFit/>
+          </a:bodyPr>
+          <a:lstStyle/>
+          <a:p>
+            <a:pPr>
+              <a:lnSpc>
+                <a:spcPct val="150000"/>
+              </a:lnSpc>
+              <a:tabLst>
+                <a:tab pos="479425" algn="l"/>
+              </a:tabLst>
+            </a:pPr>
+            <a:r>
+              <a:rPr lang="en-US" altLang="zh-CN" b="1" kern="100" dirty="0">
+                <a:solidFill>
+                  <a:srgbClr val="212121"/>
+                </a:solidFill>
+                <a:latin typeface="微软雅黑" panose="020B0503020204020204" pitchFamily="34" charset="-122"/>
+                <a:ea typeface="微软雅黑" panose="020B0503020204020204" pitchFamily="34" charset="-122"/>
+                <a:cs typeface="宋体" panose="02010600030101010101" pitchFamily="2" charset="-122"/>
+              </a:rPr>
+              <a:t>3</a:t>
+            </a:r>
+            <a:r>
+              <a:rPr lang="zh-CN" altLang="en-US" b="1" kern="100" dirty="0">
+                <a:solidFill>
+                  <a:srgbClr val="212121"/>
+                </a:solidFill>
+                <a:latin typeface="微软雅黑" panose="020B0503020204020204" pitchFamily="34" charset="-122"/>
+                <a:ea typeface="微软雅黑" panose="020B0503020204020204" pitchFamily="34" charset="-122"/>
+                <a:cs typeface="宋体" panose="02010600030101010101" pitchFamily="2" charset="-122"/>
+              </a:rPr>
+              <a:t>、</a:t>
+            </a:r>
+            <a:r>
+              <a:rPr lang="en-US" altLang="zh-CN" sz="2800" b="1" kern="100" dirty="0">
+                <a:solidFill>
+                  <a:srgbClr val="C00000"/>
+                </a:solidFill>
+                <a:latin typeface="微软雅黑" panose="020B0503020204020204" pitchFamily="34" charset="-122"/>
+                <a:ea typeface="微软雅黑" panose="020B0503020204020204" pitchFamily="34" charset="-122"/>
+                <a:cs typeface="宋体" panose="02010600030101010101" pitchFamily="2" charset="-122"/>
+              </a:rPr>
+              <a:t>pipe</a:t>
+            </a:r>
+          </a:p>
+          <a:p>
+            <a:r>
+              <a:rPr lang="en-US" altLang="zh-CN" sz="1600" dirty="0">
+                <a:latin typeface="微软雅黑" panose="020B0503020204020204" pitchFamily="34" charset="-122"/>
+                <a:ea typeface="微软雅黑" panose="020B0503020204020204" pitchFamily="34" charset="-122"/>
+              </a:rPr>
+              <a:t>pipe</a:t>
+            </a:r>
+            <a:r>
+              <a:rPr lang="zh-CN" altLang="zh-CN" sz="1600" dirty="0">
+                <a:latin typeface="微软雅黑" panose="020B0503020204020204" pitchFamily="34" charset="-122"/>
+                <a:ea typeface="微软雅黑" panose="020B0503020204020204" pitchFamily="34" charset="-122"/>
+              </a:rPr>
+              <a:t>，是管道的意思。</a:t>
+            </a:r>
+          </a:p>
+          <a:p>
+            <a:r>
+              <a:rPr lang="en-US" altLang="zh-CN" sz="1600" dirty="0">
+                <a:latin typeface="微软雅黑" panose="020B0503020204020204" pitchFamily="34" charset="-122"/>
+                <a:ea typeface="微软雅黑" panose="020B0503020204020204" pitchFamily="34" charset="-122"/>
+              </a:rPr>
+              <a:t> </a:t>
+            </a:r>
+            <a:endParaRPr lang="zh-CN" altLang="zh-CN" sz="1600" dirty="0">
+              <a:latin typeface="微软雅黑" panose="020B0503020204020204" pitchFamily="34" charset="-122"/>
+              <a:ea typeface="微软雅黑" panose="020B0503020204020204" pitchFamily="34" charset="-122"/>
+            </a:endParaRPr>
+          </a:p>
+          <a:p>
+            <a:r>
+              <a:rPr lang="en-US" altLang="zh-CN" sz="1600" dirty="0">
+                <a:latin typeface="微软雅黑" panose="020B0503020204020204" pitchFamily="34" charset="-122"/>
+                <a:ea typeface="微软雅黑" panose="020B0503020204020204" pitchFamily="34" charset="-122"/>
+              </a:rPr>
+              <a:t>gulp</a:t>
+            </a:r>
+            <a:r>
+              <a:rPr lang="zh-CN" altLang="zh-CN" sz="1600" dirty="0">
+                <a:latin typeface="微软雅黑" panose="020B0503020204020204" pitchFamily="34" charset="-122"/>
+                <a:ea typeface="微软雅黑" panose="020B0503020204020204" pitchFamily="34" charset="-122"/>
+              </a:rPr>
+              <a:t>借鉴了</a:t>
+            </a:r>
+            <a:r>
+              <a:rPr lang="en-US" altLang="zh-CN" sz="1600" dirty="0">
+                <a:latin typeface="微软雅黑" panose="020B0503020204020204" pitchFamily="34" charset="-122"/>
+                <a:ea typeface="微软雅黑" panose="020B0503020204020204" pitchFamily="34" charset="-122"/>
+              </a:rPr>
+              <a:t>Unix</a:t>
+            </a:r>
+            <a:r>
+              <a:rPr lang="zh-CN" altLang="zh-CN" sz="1600" dirty="0">
+                <a:latin typeface="微软雅黑" panose="020B0503020204020204" pitchFamily="34" charset="-122"/>
+                <a:ea typeface="微软雅黑" panose="020B0503020204020204" pitchFamily="34" charset="-122"/>
+              </a:rPr>
+              <a:t>操作系统的管道（</a:t>
+            </a:r>
+            <a:r>
+              <a:rPr lang="en-US" altLang="zh-CN" sz="1600" dirty="0">
+                <a:latin typeface="微软雅黑" panose="020B0503020204020204" pitchFamily="34" charset="-122"/>
+                <a:ea typeface="微软雅黑" panose="020B0503020204020204" pitchFamily="34" charset="-122"/>
+              </a:rPr>
+              <a:t>pipe</a:t>
+            </a:r>
+            <a:r>
+              <a:rPr lang="zh-CN" altLang="zh-CN" sz="1600" dirty="0">
+                <a:latin typeface="微软雅黑" panose="020B0503020204020204" pitchFamily="34" charset="-122"/>
+                <a:ea typeface="微软雅黑" panose="020B0503020204020204" pitchFamily="34" charset="-122"/>
+              </a:rPr>
+              <a:t>）思想，前一级的输出，直接变成后一级的输入。</a:t>
+            </a:r>
+          </a:p>
+          <a:p>
+            <a:r>
+              <a:rPr lang="zh-CN" altLang="zh-CN" sz="1600" dirty="0">
+                <a:latin typeface="微软雅黑" panose="020B0503020204020204" pitchFamily="34" charset="-122"/>
+                <a:ea typeface="微软雅黑" panose="020B0503020204020204" pitchFamily="34" charset="-122"/>
+              </a:rPr>
+              <a:t>如图：</a:t>
+            </a:r>
+            <a:r>
+              <a:rPr lang="en-US" altLang="zh-CN" dirty="0"/>
+              <a:t>	</a:t>
+            </a:r>
+            <a:endParaRPr lang="zh-CN" altLang="zh-CN" dirty="0"/>
+          </a:p>
+        </p:txBody>
+      </p:sp>
+      <p:sp>
+        <p:nvSpPr>
+          <p:cNvPr id="5" name="文本框 4">
+            <a:extLst>
+              <a:ext uri="{FF2B5EF4-FFF2-40B4-BE49-F238E27FC236}">
+                <a16:creationId xmlns:a16="http://schemas.microsoft.com/office/drawing/2014/main" id="{462D917C-8F36-4E3C-9557-0DF1AD6ADE0A}"/>
+              </a:ext>
+            </a:extLst>
+          </p:cNvPr>
+          <p:cNvSpPr txBox="1"/>
+          <p:nvPr/>
+        </p:nvSpPr>
+        <p:spPr>
+          <a:xfrm>
+            <a:off x="3203848" y="484892"/>
+            <a:ext cx="2238113" cy="461665"/>
+          </a:xfrm>
+          <a:prstGeom prst="rect">
+            <a:avLst/>
+          </a:prstGeom>
+          <a:noFill/>
+        </p:spPr>
+        <p:txBody>
+          <a:bodyPr wrap="none" rtlCol="0">
+            <a:spAutoFit/>
+          </a:bodyPr>
+          <a:lstStyle/>
+          <a:p>
+            <a:r>
+              <a:rPr lang="en-US" altLang="zh-CN" sz="2400" b="1" dirty="0">
+                <a:solidFill>
+                  <a:srgbClr val="C00000"/>
+                </a:solidFill>
+                <a:latin typeface="微软雅黑" panose="020B0503020204020204" pitchFamily="34" charset="-122"/>
+                <a:ea typeface="微软雅黑" panose="020B0503020204020204" pitchFamily="34" charset="-122"/>
+              </a:rPr>
+              <a:t>Gulp </a:t>
+            </a:r>
+            <a:r>
+              <a:rPr lang="zh-CN" altLang="en-US" sz="2400" b="1" dirty="0">
+                <a:solidFill>
+                  <a:srgbClr val="C00000"/>
+                </a:solidFill>
+                <a:latin typeface="微软雅黑" panose="020B0503020204020204" pitchFamily="34" charset="-122"/>
+                <a:ea typeface="微软雅黑" panose="020B0503020204020204" pitchFamily="34" charset="-122"/>
+              </a:rPr>
+              <a:t>方法使用</a:t>
+            </a:r>
+          </a:p>
+        </p:txBody>
+      </p:sp>
+      <p:pic>
+        <p:nvPicPr>
+          <p:cNvPr id="3074" name="图片 22">
+            <a:extLst>
+              <a:ext uri="{FF2B5EF4-FFF2-40B4-BE49-F238E27FC236}">
+                <a16:creationId xmlns:a16="http://schemas.microsoft.com/office/drawing/2014/main" id="{578C84A7-2FB3-4380-A620-F44BAD9334AE}"/>
+              </a:ext>
+            </a:extLst>
+          </p:cNvPr>
+          <p:cNvPicPr>
+            <a:picLocks noChangeAspect="1" noChangeArrowheads="1"/>
+          </p:cNvPicPr>
+          <p:nvPr/>
+        </p:nvPicPr>
+        <p:blipFill>
+          <a:blip r:embed="rId3">
+            <a:extLst>
+              <a:ext uri="{28A0092B-C50C-407E-A947-70E740481C1C}">
+                <a14:useLocalDpi xmlns:a14="http://schemas.microsoft.com/office/drawing/2010/main" val="0"/>
+              </a:ext>
+            </a:extLst>
+          </a:blip>
+          <a:srcRect/>
+          <a:stretch>
+            <a:fillRect/>
+          </a:stretch>
+        </p:blipFill>
+        <p:spPr bwMode="auto">
+          <a:xfrm>
+            <a:off x="1938337" y="2759943"/>
+            <a:ext cx="5267325" cy="2647950"/>
+          </a:xfrm>
+          <a:prstGeom prst="rect">
+            <a:avLst/>
+          </a:prstGeom>
+          <a:noFill/>
+          <a:ln>
+            <a:noFill/>
+          </a:ln>
+          <a:extLst>
+            <a:ext uri="{909E8E84-426E-40DD-AFC4-6F175D3DCCD1}">
+              <a14:hiddenFill xmlns:a14="http://schemas.microsoft.com/office/drawing/2010/main">
+                <a:solidFill>
+                  <a:srgbClr val="FFFFFF"/>
+                </a:solidFill>
+              </a14:hiddenFill>
+            </a:ext>
+            <a:ext uri="{91240B29-F687-4F45-9708-019B960494DF}">
+              <a14:hiddenLine xmlns:a14="http://schemas.microsoft.com/office/drawing/2010/main" w="9525">
+                <a:solidFill>
+                  <a:srgbClr val="000000"/>
+                </a:solidFill>
+                <a:miter lim="800000"/>
+                <a:headEnd/>
+                <a:tailEnd/>
+              </a14:hiddenLine>
+            </a:ext>
+          </a:extLst>
+        </p:spPr>
+      </p:pic>
+    </p:spTree>
+    <p:extLst>
+      <p:ext uri="{BB962C8B-B14F-4D97-AF65-F5344CB8AC3E}">
+        <p14:creationId xmlns:p14="http://schemas.microsoft.com/office/powerpoint/2010/main" val="2880170285"/>
+      </p:ext>
+    </p:extLst>
+  </p:cSld>
+  <p:clrMapOvr>
+    <a:masterClrMapping/>
+  </p:clrMapOvr>
+  <p:timing>
+    <p:tnLst>
+      <p:par>
+        <p:cTn id="1" dur="indefinite" restart="never" nodeType="tmRoot">
+          <p:childTnLst>
+            <p:seq concurrent="1" nextAc="seek">
+              <p:cTn id="2" dur="indefinite" nodeType="mainSeq">
+                <p:childTnLst>
+                  <p:par>
+                    <p:cTn id="3" fill="hold">
+                      <p:stCondLst>
+                        <p:cond delay="indefinite"/>
+                      </p:stCondLst>
+                      <p:childTnLst>
+                        <p:par>
+                          <p:cTn id="4" fill="hold">
+                            <p:stCondLst>
+                              <p:cond delay="0"/>
+                            </p:stCondLst>
+                            <p:childTnLst>
+                              <p:par>
+                                <p:cTn id="5" presetID="2" presetClass="entr" presetSubtype="4" fill="hold" grpId="0" nodeType="clickEffect">
+                                  <p:stCondLst>
+                                    <p:cond delay="0"/>
+                                  </p:stCondLst>
+                                  <p:childTnLst>
+                                    <p:set>
+                                      <p:cBhvr>
+                                        <p:cTn id="6" dur="1" fill="hold">
+                                          <p:stCondLst>
+                                            <p:cond delay="0"/>
+                                          </p:stCondLst>
+                                        </p:cTn>
+                                        <p:tgtEl>
+                                          <p:spTgt spid="3"/>
+                                        </p:tgtEl>
+                                        <p:attrNameLst>
+                                          <p:attrName>style.visibility</p:attrName>
+                                        </p:attrNameLst>
+                                      </p:cBhvr>
+                                      <p:to>
+                                        <p:strVal val="visible"/>
+                                      </p:to>
+                                    </p:set>
+                                    <p:anim calcmode="lin" valueType="num">
+                                      <p:cBhvr additive="base">
+                                        <p:cTn id="7" dur="500" fill="hold"/>
+                                        <p:tgtEl>
+                                          <p:spTgt spid="3"/>
+                                        </p:tgtEl>
+                                        <p:attrNameLst>
+                                          <p:attrName>ppt_x</p:attrName>
+                                        </p:attrNameLst>
+                                      </p:cBhvr>
+                                      <p:tavLst>
+                                        <p:tav tm="0">
+                                          <p:val>
+                                            <p:strVal val="#ppt_x"/>
+                                          </p:val>
+                                        </p:tav>
+                                        <p:tav tm="100000">
+                                          <p:val>
+                                            <p:strVal val="#ppt_x"/>
+                                          </p:val>
+                                        </p:tav>
+                                      </p:tavLst>
+                                    </p:anim>
+                                    <p:anim calcmode="lin" valueType="num">
+                                      <p:cBhvr additive="base">
+                                        <p:cTn id="8" dur="500" fill="hold"/>
+                                        <p:tgtEl>
+                                          <p:spTgt spid="3"/>
+                                        </p:tgtEl>
+                                        <p:attrNameLst>
+                                          <p:attrName>ppt_y</p:attrName>
+                                        </p:attrNameLst>
+                                      </p:cBhvr>
+                                      <p:tavLst>
+                                        <p:tav tm="0">
+                                          <p:val>
+                                            <p:strVal val="1+#ppt_h/2"/>
+                                          </p:val>
+                                        </p:tav>
+                                        <p:tav tm="100000">
+                                          <p:val>
+                                            <p:strVal val="#ppt_y"/>
+                                          </p:val>
+                                        </p:tav>
+                                      </p:tavLst>
+                                    </p:anim>
+                                  </p:childTnLst>
+                                </p:cTn>
+                              </p:par>
+                            </p:childTnLst>
+                          </p:cTn>
+                        </p:par>
+                      </p:childTnLst>
+                    </p:cTn>
+                  </p:par>
+                </p:childTnLst>
+              </p:cTn>
+              <p:prevCondLst>
+                <p:cond evt="onPrev" delay="0">
+                  <p:tgtEl>
+                    <p:sldTgt/>
+                  </p:tgtEl>
+                </p:cond>
+              </p:prevCondLst>
+              <p:nextCondLst>
+                <p:cond evt="onNext" delay="0">
+                  <p:tgtEl>
+                    <p:sldTgt/>
+                  </p:tgtEl>
+                </p:cond>
+              </p:nextCondLst>
+            </p:seq>
+          </p:childTnLst>
+        </p:cTn>
+      </p:par>
+    </p:tnLst>
+    <p:bldLst>
+      <p:bldP spid="3" grpId="0"/>
+    </p:bldLst>
+  </p:timing>
+</p:sld>
+</file>
+
+<file path=ppt/slides/slide12.xml><?xml version="1.0" encoding="utf-8"?>
+<p:sld xmlns:a="http://schemas.openxmlformats.org/drawingml/2006/main" xmlns:r="http://schemas.openxmlformats.org/officeDocument/2006/relationships" xmlns:p="http://schemas.openxmlformats.org/presentationml/2006/main">
+  <p:cSld>
+    <p:spTree>
+      <p:nvGrpSpPr>
+        <p:cNvPr id="1" name=""/>
+        <p:cNvGrpSpPr/>
+        <p:nvPr/>
+      </p:nvGrpSpPr>
+      <p:grpSpPr>
+        <a:xfrm>
+          <a:off x="0" y="0"/>
+          <a:ext cx="0" cy="0"/>
+          <a:chOff x="0" y="0"/>
+          <a:chExt cx="0" cy="0"/>
+        </a:xfrm>
+      </p:grpSpPr>
+      <p:sp>
+        <p:nvSpPr>
+          <p:cNvPr id="3" name="矩形 2">
+            <a:extLst>
+              <a:ext uri="{FF2B5EF4-FFF2-40B4-BE49-F238E27FC236}">
+                <a16:creationId xmlns:a16="http://schemas.microsoft.com/office/drawing/2014/main" id="{0159E91D-1C4E-44A2-877A-5808C778DA1A}"/>
+              </a:ext>
+            </a:extLst>
+          </p:cNvPr>
+          <p:cNvSpPr/>
+          <p:nvPr/>
+        </p:nvSpPr>
+        <p:spPr>
+          <a:xfrm>
+            <a:off x="953852" y="1059582"/>
+            <a:ext cx="7236296" cy="3403624"/>
+          </a:xfrm>
+          <a:prstGeom prst="rect">
+            <a:avLst/>
+          </a:prstGeom>
+        </p:spPr>
+        <p:txBody>
+          <a:bodyPr wrap="square">
+            <a:spAutoFit/>
+          </a:bodyPr>
+          <a:lstStyle/>
+          <a:p>
+            <a:pPr>
+              <a:lnSpc>
+                <a:spcPct val="150000"/>
+              </a:lnSpc>
+              <a:tabLst>
+                <a:tab pos="479425" algn="l"/>
+              </a:tabLst>
+            </a:pPr>
+            <a:r>
+              <a:rPr lang="en-US" altLang="zh-CN" b="1" kern="100" dirty="0">
+                <a:solidFill>
+                  <a:srgbClr val="212121"/>
+                </a:solidFill>
+                <a:latin typeface="微软雅黑" panose="020B0503020204020204" pitchFamily="34" charset="-122"/>
+                <a:ea typeface="微软雅黑" panose="020B0503020204020204" pitchFamily="34" charset="-122"/>
+                <a:cs typeface="宋体" panose="02010600030101010101" pitchFamily="2" charset="-122"/>
+              </a:rPr>
+              <a:t>3</a:t>
+            </a:r>
+            <a:r>
+              <a:rPr lang="zh-CN" altLang="en-US" b="1" kern="100" dirty="0">
+                <a:solidFill>
+                  <a:srgbClr val="212121"/>
+                </a:solidFill>
+                <a:latin typeface="微软雅黑" panose="020B0503020204020204" pitchFamily="34" charset="-122"/>
+                <a:ea typeface="微软雅黑" panose="020B0503020204020204" pitchFamily="34" charset="-122"/>
+                <a:cs typeface="宋体" panose="02010600030101010101" pitchFamily="2" charset="-122"/>
+              </a:rPr>
+              <a:t>、</a:t>
+            </a:r>
+            <a:r>
+              <a:rPr lang="en-US" altLang="zh-CN" sz="2800" b="1" kern="100" dirty="0" err="1">
+                <a:solidFill>
+                  <a:srgbClr val="C00000"/>
+                </a:solidFill>
+                <a:latin typeface="微软雅黑" panose="020B0503020204020204" pitchFamily="34" charset="-122"/>
+                <a:ea typeface="微软雅黑" panose="020B0503020204020204" pitchFamily="34" charset="-122"/>
+                <a:cs typeface="宋体" panose="02010600030101010101" pitchFamily="2" charset="-122"/>
+              </a:rPr>
+              <a:t>src</a:t>
+            </a:r>
+            <a:endParaRPr lang="en-US" altLang="zh-CN" sz="2800" b="1" kern="100" dirty="0">
+              <a:solidFill>
+                <a:srgbClr val="C00000"/>
+              </a:solidFill>
+              <a:latin typeface="微软雅黑" panose="020B0503020204020204" pitchFamily="34" charset="-122"/>
+              <a:ea typeface="微软雅黑" panose="020B0503020204020204" pitchFamily="34" charset="-122"/>
+              <a:cs typeface="宋体" panose="02010600030101010101" pitchFamily="2" charset="-122"/>
+            </a:endParaRPr>
+          </a:p>
+          <a:p>
+            <a:r>
+              <a:rPr lang="en-US" altLang="zh-CN" sz="1600" dirty="0">
+                <a:latin typeface="微软雅黑" panose="020B0503020204020204" pitchFamily="34" charset="-122"/>
+                <a:ea typeface="微软雅黑" panose="020B0503020204020204" pitchFamily="34" charset="-122"/>
+              </a:rPr>
+              <a:t>Destination</a:t>
+            </a:r>
+            <a:r>
+              <a:rPr lang="zh-CN" altLang="zh-CN" sz="1600" dirty="0">
+                <a:latin typeface="微软雅黑" panose="020B0503020204020204" pitchFamily="34" charset="-122"/>
+                <a:ea typeface="微软雅黑" panose="020B0503020204020204" pitchFamily="34" charset="-122"/>
+              </a:rPr>
+              <a:t>的简写，目标。</a:t>
+            </a:r>
+          </a:p>
+          <a:p>
+            <a:r>
+              <a:rPr lang="en-US" altLang="zh-CN" sz="1600" dirty="0">
+                <a:latin typeface="微软雅黑" panose="020B0503020204020204" pitchFamily="34" charset="-122"/>
+                <a:ea typeface="微软雅黑" panose="020B0503020204020204" pitchFamily="34" charset="-122"/>
+              </a:rPr>
+              <a:t> </a:t>
+            </a:r>
+            <a:endParaRPr lang="zh-CN" altLang="zh-CN" sz="1600" dirty="0">
+              <a:latin typeface="微软雅黑" panose="020B0503020204020204" pitchFamily="34" charset="-122"/>
+              <a:ea typeface="微软雅黑" panose="020B0503020204020204" pitchFamily="34" charset="-122"/>
+            </a:endParaRPr>
+          </a:p>
+          <a:p>
+            <a:r>
+              <a:rPr lang="zh-CN" altLang="zh-CN" sz="1600" dirty="0">
+                <a:latin typeface="微软雅黑" panose="020B0503020204020204" pitchFamily="34" charset="-122"/>
+                <a:ea typeface="微软雅黑" panose="020B0503020204020204" pitchFamily="34" charset="-122"/>
+              </a:rPr>
+              <a:t>作用：用来指定输出结果的路径</a:t>
+            </a:r>
+          </a:p>
+          <a:p>
+            <a:r>
+              <a:rPr lang="zh-CN" altLang="zh-CN" sz="1600" dirty="0">
+                <a:latin typeface="微软雅黑" panose="020B0503020204020204" pitchFamily="34" charset="-122"/>
+                <a:ea typeface="微软雅黑" panose="020B0503020204020204" pitchFamily="34" charset="-122"/>
+              </a:rPr>
+              <a:t>格式：</a:t>
+            </a:r>
+            <a:r>
+              <a:rPr lang="en-US" altLang="zh-CN" sz="1600" dirty="0" err="1">
+                <a:latin typeface="微软雅黑" panose="020B0503020204020204" pitchFamily="34" charset="-122"/>
+                <a:ea typeface="微软雅黑" panose="020B0503020204020204" pitchFamily="34" charset="-122"/>
+              </a:rPr>
+              <a:t>gulp.dest</a:t>
+            </a:r>
+            <a:r>
+              <a:rPr lang="zh-CN" altLang="zh-CN" sz="1600" dirty="0">
+                <a:latin typeface="微软雅黑" panose="020B0503020204020204" pitchFamily="34" charset="-122"/>
+                <a:ea typeface="微软雅黑" panose="020B0503020204020204" pitchFamily="34" charset="-122"/>
+              </a:rPr>
+              <a:t>（路径）</a:t>
+            </a:r>
+          </a:p>
+          <a:p>
+            <a:r>
+              <a:rPr lang="en-US" altLang="zh-CN" sz="1600" dirty="0">
+                <a:latin typeface="微软雅黑" panose="020B0503020204020204" pitchFamily="34" charset="-122"/>
+                <a:ea typeface="微软雅黑" panose="020B0503020204020204" pitchFamily="34" charset="-122"/>
+              </a:rPr>
+              <a:t> </a:t>
+            </a:r>
+            <a:endParaRPr lang="zh-CN" altLang="zh-CN" sz="1600" dirty="0">
+              <a:latin typeface="微软雅黑" panose="020B0503020204020204" pitchFamily="34" charset="-122"/>
+              <a:ea typeface="微软雅黑" panose="020B0503020204020204" pitchFamily="34" charset="-122"/>
+            </a:endParaRPr>
+          </a:p>
+          <a:p>
+            <a:pPr>
+              <a:lnSpc>
+                <a:spcPct val="150000"/>
+              </a:lnSpc>
+            </a:pPr>
+            <a:r>
+              <a:rPr lang="zh-CN" altLang="zh-CN" sz="1600" dirty="0">
+                <a:latin typeface="微软雅黑" panose="020B0503020204020204" pitchFamily="34" charset="-122"/>
+                <a:ea typeface="微软雅黑" panose="020B0503020204020204" pitchFamily="34" charset="-122"/>
+              </a:rPr>
+              <a:t>注意：</a:t>
+            </a:r>
+          </a:p>
+          <a:p>
+            <a:pPr lvl="0">
+              <a:lnSpc>
+                <a:spcPct val="150000"/>
+              </a:lnSpc>
+            </a:pPr>
+            <a:r>
+              <a:rPr lang="zh-CN" altLang="zh-CN" sz="1600" dirty="0">
+                <a:latin typeface="微软雅黑" panose="020B0503020204020204" pitchFamily="34" charset="-122"/>
+                <a:ea typeface="微软雅黑" panose="020B0503020204020204" pitchFamily="34" charset="-122"/>
+              </a:rPr>
+              <a:t>不管是在</a:t>
+            </a:r>
+            <a:r>
+              <a:rPr lang="en-US" altLang="zh-CN" sz="1600" dirty="0" err="1">
+                <a:latin typeface="微软雅黑" panose="020B0503020204020204" pitchFamily="34" charset="-122"/>
+                <a:ea typeface="微软雅黑" panose="020B0503020204020204" pitchFamily="34" charset="-122"/>
+              </a:rPr>
+              <a:t>src</a:t>
+            </a:r>
+            <a:r>
+              <a:rPr lang="zh-CN" altLang="zh-CN" sz="1600" dirty="0">
+                <a:latin typeface="微软雅黑" panose="020B0503020204020204" pitchFamily="34" charset="-122"/>
+                <a:ea typeface="微软雅黑" panose="020B0503020204020204" pitchFamily="34" charset="-122"/>
+              </a:rPr>
+              <a:t>，还是在</a:t>
+            </a:r>
+            <a:r>
+              <a:rPr lang="en-US" altLang="zh-CN" sz="1600" dirty="0" err="1">
+                <a:latin typeface="微软雅黑" panose="020B0503020204020204" pitchFamily="34" charset="-122"/>
+                <a:ea typeface="微软雅黑" panose="020B0503020204020204" pitchFamily="34" charset="-122"/>
+              </a:rPr>
+              <a:t>dest</a:t>
+            </a:r>
+            <a:r>
+              <a:rPr lang="zh-CN" altLang="zh-CN" sz="1600" dirty="0">
+                <a:latin typeface="微软雅黑" panose="020B0503020204020204" pitchFamily="34" charset="-122"/>
+                <a:ea typeface="微软雅黑" panose="020B0503020204020204" pitchFamily="34" charset="-122"/>
+              </a:rPr>
+              <a:t>中，我们使用的都是相对路径</a:t>
+            </a:r>
+          </a:p>
+          <a:p>
+            <a:pPr lvl="0">
+              <a:lnSpc>
+                <a:spcPct val="150000"/>
+              </a:lnSpc>
+            </a:pPr>
+            <a:r>
+              <a:rPr lang="en-US" altLang="zh-CN" sz="1600" dirty="0" err="1">
+                <a:latin typeface="微软雅黑" panose="020B0503020204020204" pitchFamily="34" charset="-122"/>
+                <a:ea typeface="微软雅黑" panose="020B0503020204020204" pitchFamily="34" charset="-122"/>
+              </a:rPr>
+              <a:t>src</a:t>
+            </a:r>
+            <a:r>
+              <a:rPr lang="zh-CN" altLang="zh-CN" sz="1600" dirty="0">
+                <a:latin typeface="微软雅黑" panose="020B0503020204020204" pitchFamily="34" charset="-122"/>
+                <a:ea typeface="微软雅黑" panose="020B0503020204020204" pitchFamily="34" charset="-122"/>
+              </a:rPr>
+              <a:t>中，我们要指定具体的文件，如</a:t>
+            </a:r>
+            <a:r>
+              <a:rPr lang="en-US" altLang="zh-CN" sz="1600" dirty="0">
+                <a:latin typeface="微软雅黑" panose="020B0503020204020204" pitchFamily="34" charset="-122"/>
+                <a:ea typeface="微软雅黑" panose="020B0503020204020204" pitchFamily="34" charset="-122"/>
+              </a:rPr>
+              <a:t>less</a:t>
+            </a:r>
+            <a:r>
+              <a:rPr lang="zh-CN" altLang="zh-CN" sz="1600" dirty="0">
+                <a:latin typeface="微软雅黑" panose="020B0503020204020204" pitchFamily="34" charset="-122"/>
+                <a:ea typeface="微软雅黑" panose="020B0503020204020204" pitchFamily="34" charset="-122"/>
+              </a:rPr>
+              <a:t>文件，如</a:t>
+            </a:r>
+            <a:r>
+              <a:rPr lang="en-US" altLang="zh-CN" sz="1600" dirty="0" err="1">
+                <a:latin typeface="微软雅黑" panose="020B0503020204020204" pitchFamily="34" charset="-122"/>
+                <a:ea typeface="微软雅黑" panose="020B0503020204020204" pitchFamily="34" charset="-122"/>
+              </a:rPr>
+              <a:t>js</a:t>
+            </a:r>
+            <a:r>
+              <a:rPr lang="zh-CN" altLang="zh-CN" sz="1600" dirty="0">
+                <a:latin typeface="微软雅黑" panose="020B0503020204020204" pitchFamily="34" charset="-122"/>
+                <a:ea typeface="微软雅黑" panose="020B0503020204020204" pitchFamily="34" charset="-122"/>
+              </a:rPr>
+              <a:t>文件，如</a:t>
+            </a:r>
+            <a:r>
+              <a:rPr lang="en-US" altLang="zh-CN" sz="1600" dirty="0" err="1">
+                <a:latin typeface="微软雅黑" panose="020B0503020204020204" pitchFamily="34" charset="-122"/>
+                <a:ea typeface="微软雅黑" panose="020B0503020204020204" pitchFamily="34" charset="-122"/>
+              </a:rPr>
+              <a:t>css</a:t>
+            </a:r>
+            <a:r>
+              <a:rPr lang="zh-CN" altLang="zh-CN" sz="1600" dirty="0">
+                <a:latin typeface="微软雅黑" panose="020B0503020204020204" pitchFamily="34" charset="-122"/>
+                <a:ea typeface="微软雅黑" panose="020B0503020204020204" pitchFamily="34" charset="-122"/>
+              </a:rPr>
+              <a:t>文件。而在</a:t>
+            </a:r>
+            <a:r>
+              <a:rPr lang="en-US" altLang="zh-CN" sz="1600" dirty="0" err="1">
+                <a:latin typeface="微软雅黑" panose="020B0503020204020204" pitchFamily="34" charset="-122"/>
+                <a:ea typeface="微软雅黑" panose="020B0503020204020204" pitchFamily="34" charset="-122"/>
+              </a:rPr>
+              <a:t>dest</a:t>
+            </a:r>
+            <a:r>
+              <a:rPr lang="zh-CN" altLang="zh-CN" sz="1600" dirty="0">
+                <a:latin typeface="微软雅黑" panose="020B0503020204020204" pitchFamily="34" charset="-122"/>
+                <a:ea typeface="微软雅黑" panose="020B0503020204020204" pitchFamily="34" charset="-122"/>
+              </a:rPr>
+              <a:t>方法中，只需要指定路径即可，不要指定具体的文件。</a:t>
+            </a:r>
+          </a:p>
+        </p:txBody>
+      </p:sp>
+      <p:sp>
+        <p:nvSpPr>
+          <p:cNvPr id="5" name="文本框 4">
+            <a:extLst>
+              <a:ext uri="{FF2B5EF4-FFF2-40B4-BE49-F238E27FC236}">
+                <a16:creationId xmlns:a16="http://schemas.microsoft.com/office/drawing/2014/main" id="{462D917C-8F36-4E3C-9557-0DF1AD6ADE0A}"/>
+              </a:ext>
+            </a:extLst>
+          </p:cNvPr>
+          <p:cNvSpPr txBox="1"/>
+          <p:nvPr/>
+        </p:nvSpPr>
+        <p:spPr>
+          <a:xfrm>
+            <a:off x="3203848" y="484892"/>
+            <a:ext cx="2238113" cy="461665"/>
+          </a:xfrm>
+          <a:prstGeom prst="rect">
+            <a:avLst/>
+          </a:prstGeom>
+          <a:noFill/>
+        </p:spPr>
+        <p:txBody>
+          <a:bodyPr wrap="none" rtlCol="0">
+            <a:spAutoFit/>
+          </a:bodyPr>
+          <a:lstStyle/>
+          <a:p>
+            <a:r>
+              <a:rPr lang="en-US" altLang="zh-CN" sz="2400" b="1" dirty="0">
+                <a:solidFill>
+                  <a:srgbClr val="C00000"/>
+                </a:solidFill>
+                <a:latin typeface="微软雅黑" panose="020B0503020204020204" pitchFamily="34" charset="-122"/>
+                <a:ea typeface="微软雅黑" panose="020B0503020204020204" pitchFamily="34" charset="-122"/>
+              </a:rPr>
+              <a:t>Gulp </a:t>
+            </a:r>
+            <a:r>
+              <a:rPr lang="zh-CN" altLang="en-US" sz="2400" b="1" dirty="0">
+                <a:solidFill>
+                  <a:srgbClr val="C00000"/>
+                </a:solidFill>
+                <a:latin typeface="微软雅黑" panose="020B0503020204020204" pitchFamily="34" charset="-122"/>
+                <a:ea typeface="微软雅黑" panose="020B0503020204020204" pitchFamily="34" charset="-122"/>
+              </a:rPr>
+              <a:t>方法使用</a:t>
+            </a:r>
+          </a:p>
+        </p:txBody>
+      </p:sp>
+    </p:spTree>
+    <p:extLst>
+      <p:ext uri="{BB962C8B-B14F-4D97-AF65-F5344CB8AC3E}">
+        <p14:creationId xmlns:p14="http://schemas.microsoft.com/office/powerpoint/2010/main" val="4038195092"/>
+      </p:ext>
+    </p:extLst>
+  </p:cSld>
+  <p:clrMapOvr>
+    <a:masterClrMapping/>
+  </p:clrMapOvr>
+  <p:timing>
+    <p:tnLst>
+      <p:par>
+        <p:cTn id="1" dur="indefinite" restart="never" nodeType="tmRoot">
+          <p:childTnLst>
+            <p:seq concurrent="1" nextAc="seek">
+              <p:cTn id="2" dur="indefinite" nodeType="mainSeq">
+                <p:childTnLst>
+                  <p:par>
+                    <p:cTn id="3" fill="hold">
+                      <p:stCondLst>
+                        <p:cond delay="indefinite"/>
+                      </p:stCondLst>
+                      <p:childTnLst>
+                        <p:par>
+                          <p:cTn id="4" fill="hold">
+                            <p:stCondLst>
+                              <p:cond delay="0"/>
+                            </p:stCondLst>
+                            <p:childTnLst>
+                              <p:par>
+                                <p:cTn id="5" presetID="2" presetClass="entr" presetSubtype="4" fill="hold" grpId="0" nodeType="clickEffect">
+                                  <p:stCondLst>
+                                    <p:cond delay="0"/>
+                                  </p:stCondLst>
+                                  <p:childTnLst>
+                                    <p:set>
+                                      <p:cBhvr>
+                                        <p:cTn id="6" dur="1" fill="hold">
+                                          <p:stCondLst>
+                                            <p:cond delay="0"/>
+                                          </p:stCondLst>
+                                        </p:cTn>
+                                        <p:tgtEl>
+                                          <p:spTgt spid="3"/>
+                                        </p:tgtEl>
+                                        <p:attrNameLst>
+                                          <p:attrName>style.visibility</p:attrName>
+                                        </p:attrNameLst>
+                                      </p:cBhvr>
+                                      <p:to>
+                                        <p:strVal val="visible"/>
+                                      </p:to>
+                                    </p:set>
+                                    <p:anim calcmode="lin" valueType="num">
+                                      <p:cBhvr additive="base">
+                                        <p:cTn id="7" dur="500" fill="hold"/>
+                                        <p:tgtEl>
+                                          <p:spTgt spid="3"/>
+                                        </p:tgtEl>
+                                        <p:attrNameLst>
+                                          <p:attrName>ppt_x</p:attrName>
+                                        </p:attrNameLst>
+                                      </p:cBhvr>
+                                      <p:tavLst>
+                                        <p:tav tm="0">
+                                          <p:val>
+                                            <p:strVal val="#ppt_x"/>
+                                          </p:val>
+                                        </p:tav>
+                                        <p:tav tm="100000">
+                                          <p:val>
+                                            <p:strVal val="#ppt_x"/>
+                                          </p:val>
+                                        </p:tav>
+                                      </p:tavLst>
+                                    </p:anim>
+                                    <p:anim calcmode="lin" valueType="num">
+                                      <p:cBhvr additive="base">
+                                        <p:cTn id="8" dur="500" fill="hold"/>
+                                        <p:tgtEl>
+                                          <p:spTgt spid="3"/>
+                                        </p:tgtEl>
+                                        <p:attrNameLst>
+                                          <p:attrName>ppt_y</p:attrName>
+                                        </p:attrNameLst>
+                                      </p:cBhvr>
+                                      <p:tavLst>
+                                        <p:tav tm="0">
+                                          <p:val>
+                                            <p:strVal val="1+#ppt_h/2"/>
+                                          </p:val>
+                                        </p:tav>
+                                        <p:tav tm="100000">
+                                          <p:val>
+                                            <p:strVal val="#ppt_y"/>
+                                          </p:val>
+                                        </p:tav>
+                                      </p:tavLst>
+                                    </p:anim>
+                                  </p:childTnLst>
+                                </p:cTn>
+                              </p:par>
+                            </p:childTnLst>
+                          </p:cTn>
+                        </p:par>
+                      </p:childTnLst>
+                    </p:cTn>
+                  </p:par>
+                </p:childTnLst>
+              </p:cTn>
+              <p:prevCondLst>
+                <p:cond evt="onPrev" delay="0">
+                  <p:tgtEl>
+                    <p:sldTgt/>
+                  </p:tgtEl>
+                </p:cond>
+              </p:prevCondLst>
+              <p:nextCondLst>
+                <p:cond evt="onNext" delay="0">
+                  <p:tgtEl>
+                    <p:sldTgt/>
+                  </p:tgtEl>
+                </p:cond>
+              </p:nextCondLst>
+            </p:seq>
+          </p:childTnLst>
+        </p:cTn>
+      </p:par>
+    </p:tnLst>
+    <p:bldLst>
+      <p:bldP spid="3" grpId="0"/>
+    </p:bldLst>
+  </p:timing>
+</p:sld>
+</file>
+
+<file path=ppt/slides/slide13.xml><?xml version="1.0" encoding="utf-8"?>
+<p:sld xmlns:a="http://schemas.openxmlformats.org/drawingml/2006/main" xmlns:r="http://schemas.openxmlformats.org/officeDocument/2006/relationships" xmlns:p="http://schemas.openxmlformats.org/presentationml/2006/main">
+  <p:cSld>
+    <p:spTree>
+      <p:nvGrpSpPr>
+        <p:cNvPr id="1" name=""/>
+        <p:cNvGrpSpPr/>
+        <p:nvPr/>
+      </p:nvGrpSpPr>
+      <p:grpSpPr>
+        <a:xfrm>
+          <a:off x="0" y="0"/>
+          <a:ext cx="0" cy="0"/>
+          <a:chOff x="0" y="0"/>
+          <a:chExt cx="0" cy="0"/>
+        </a:xfrm>
+      </p:grpSpPr>
+      <p:sp>
+        <p:nvSpPr>
+          <p:cNvPr id="3" name="矩形 2">
+            <a:extLst>
+              <a:ext uri="{FF2B5EF4-FFF2-40B4-BE49-F238E27FC236}">
+                <a16:creationId xmlns:a16="http://schemas.microsoft.com/office/drawing/2014/main" id="{0159E91D-1C4E-44A2-877A-5808C778DA1A}"/>
+              </a:ext>
+            </a:extLst>
+          </p:cNvPr>
+          <p:cNvSpPr/>
+          <p:nvPr/>
+        </p:nvSpPr>
+        <p:spPr>
+          <a:xfrm>
+            <a:off x="0" y="895726"/>
+            <a:ext cx="9144000" cy="3919856"/>
+          </a:xfrm>
+          <a:prstGeom prst="rect">
+            <a:avLst/>
+          </a:prstGeom>
+        </p:spPr>
+        <p:txBody>
+          <a:bodyPr wrap="square">
+            <a:spAutoFit/>
+          </a:bodyPr>
+          <a:lstStyle/>
+          <a:p>
+            <a:pPr>
+              <a:lnSpc>
+                <a:spcPct val="150000"/>
+              </a:lnSpc>
+              <a:tabLst>
+                <a:tab pos="479425" algn="l"/>
+              </a:tabLst>
+            </a:pPr>
+            <a:r>
+              <a:rPr lang="en-US" altLang="zh-CN" b="1" kern="100" dirty="0">
+                <a:solidFill>
+                  <a:srgbClr val="212121"/>
+                </a:solidFill>
+                <a:latin typeface="微软雅黑" panose="020B0503020204020204" pitchFamily="34" charset="-122"/>
+                <a:ea typeface="微软雅黑" panose="020B0503020204020204" pitchFamily="34" charset="-122"/>
+                <a:cs typeface="宋体" panose="02010600030101010101" pitchFamily="2" charset="-122"/>
+              </a:rPr>
+              <a:t>1</a:t>
+            </a:r>
+            <a:r>
+              <a:rPr lang="zh-CN" altLang="en-US" b="1" kern="100" dirty="0">
+                <a:solidFill>
+                  <a:srgbClr val="212121"/>
+                </a:solidFill>
+                <a:latin typeface="微软雅黑" panose="020B0503020204020204" pitchFamily="34" charset="-122"/>
+                <a:ea typeface="微软雅黑" panose="020B0503020204020204" pitchFamily="34" charset="-122"/>
+                <a:cs typeface="宋体" panose="02010600030101010101" pitchFamily="2" charset="-122"/>
+              </a:rPr>
+              <a:t>、</a:t>
+            </a:r>
+            <a:r>
+              <a:rPr lang="en-US" altLang="zh-CN" sz="2800" b="1" kern="100" dirty="0" err="1">
+                <a:solidFill>
+                  <a:srgbClr val="C00000"/>
+                </a:solidFill>
+                <a:latin typeface="微软雅黑" panose="020B0503020204020204" pitchFamily="34" charset="-122"/>
+                <a:ea typeface="微软雅黑" panose="020B0503020204020204" pitchFamily="34" charset="-122"/>
+                <a:cs typeface="宋体" panose="02010600030101010101" pitchFamily="2" charset="-122"/>
+              </a:rPr>
+              <a:t>src</a:t>
+            </a:r>
+            <a:endParaRPr lang="en-US" altLang="zh-CN" sz="2800" b="1" kern="100" dirty="0">
+              <a:solidFill>
+                <a:srgbClr val="C00000"/>
+              </a:solidFill>
+              <a:latin typeface="微软雅黑" panose="020B0503020204020204" pitchFamily="34" charset="-122"/>
+              <a:ea typeface="微软雅黑" panose="020B0503020204020204" pitchFamily="34" charset="-122"/>
+              <a:cs typeface="宋体" panose="02010600030101010101" pitchFamily="2" charset="-122"/>
+            </a:endParaRPr>
+          </a:p>
+          <a:p>
+            <a:pPr>
+              <a:lnSpc>
+                <a:spcPct val="150000"/>
+              </a:lnSpc>
+              <a:tabLst>
+                <a:tab pos="479425" algn="l"/>
+              </a:tabLst>
+            </a:pPr>
+            <a:r>
+              <a:rPr lang="zh-CN" altLang="zh-CN" sz="1400" dirty="0">
+                <a:latin typeface="宋体" panose="02010600030101010101" pitchFamily="2" charset="-122"/>
+              </a:rPr>
+              <a:t>作用：指定需要执行任务的文件。</a:t>
+            </a:r>
+          </a:p>
+          <a:p>
+            <a:pPr>
+              <a:lnSpc>
+                <a:spcPct val="150000"/>
+              </a:lnSpc>
+            </a:pPr>
+            <a:r>
+              <a:rPr lang="zh-CN" altLang="zh-CN" sz="1400" dirty="0">
+                <a:latin typeface="宋体" panose="02010600030101010101" pitchFamily="2" charset="-122"/>
+              </a:rPr>
+              <a:t>格式：</a:t>
+            </a:r>
+            <a:r>
+              <a:rPr lang="en-US" altLang="zh-CN" sz="1400" b="1" dirty="0" err="1">
+                <a:latin typeface="宋体" panose="02010600030101010101" pitchFamily="2" charset="-122"/>
+              </a:rPr>
+              <a:t>gulp.src</a:t>
+            </a:r>
+            <a:r>
+              <a:rPr lang="en-US" altLang="zh-CN" sz="1400" b="1" dirty="0">
+                <a:latin typeface="宋体" panose="02010600030101010101" pitchFamily="2" charset="-122"/>
+              </a:rPr>
+              <a:t>(globs[, options])</a:t>
+            </a:r>
+            <a:endParaRPr lang="zh-CN" altLang="zh-CN" sz="1400" dirty="0">
+              <a:latin typeface="宋体" panose="02010600030101010101" pitchFamily="2" charset="-122"/>
+            </a:endParaRPr>
+          </a:p>
+          <a:p>
+            <a:pPr>
+              <a:lnSpc>
+                <a:spcPct val="150000"/>
+              </a:lnSpc>
+            </a:pPr>
+            <a:r>
+              <a:rPr lang="en-US" altLang="zh-CN" sz="1400" dirty="0">
+                <a:latin typeface="宋体" panose="02010600030101010101" pitchFamily="2" charset="-122"/>
+              </a:rPr>
+              <a:t>globs</a:t>
+            </a:r>
+            <a:r>
+              <a:rPr lang="zh-CN" altLang="zh-CN" sz="1400" dirty="0">
+                <a:latin typeface="宋体" panose="02010600030101010101" pitchFamily="2" charset="-122"/>
+              </a:rPr>
+              <a:t>：需要处理的源文件匹配符路径，字符串或字符串数组。可以使用类似正则的方式来进行文件的匹配。常见的用法有：</a:t>
+            </a:r>
+          </a:p>
+          <a:p>
+            <a:pPr lvl="0">
+              <a:lnSpc>
+                <a:spcPct val="150000"/>
+              </a:lnSpc>
+            </a:pPr>
+            <a:r>
+              <a:rPr lang="zh-CN" altLang="zh-CN" sz="1400" dirty="0">
+                <a:latin typeface="宋体" panose="02010600030101010101" pitchFamily="2" charset="-122"/>
+              </a:rPr>
+              <a:t>“</a:t>
+            </a:r>
+            <a:r>
+              <a:rPr lang="en-US" altLang="zh-CN" sz="1400" dirty="0" err="1">
+                <a:latin typeface="宋体" panose="02010600030101010101" pitchFamily="2" charset="-122"/>
+              </a:rPr>
+              <a:t>src</a:t>
+            </a:r>
+            <a:r>
+              <a:rPr lang="en-US" altLang="zh-CN" sz="1400" dirty="0">
+                <a:latin typeface="宋体" panose="02010600030101010101" pitchFamily="2" charset="-122"/>
+              </a:rPr>
+              <a:t>/a.js"</a:t>
+            </a:r>
+            <a:r>
+              <a:rPr lang="zh-CN" altLang="zh-CN" sz="1400" dirty="0">
+                <a:latin typeface="宋体" panose="02010600030101010101" pitchFamily="2" charset="-122"/>
+              </a:rPr>
+              <a:t>，指定具体某个文件，就是指</a:t>
+            </a:r>
+            <a:r>
+              <a:rPr lang="en-US" altLang="zh-CN" sz="1400" dirty="0" err="1">
+                <a:latin typeface="宋体" panose="02010600030101010101" pitchFamily="2" charset="-122"/>
+              </a:rPr>
+              <a:t>src</a:t>
+            </a:r>
+            <a:r>
+              <a:rPr lang="zh-CN" altLang="zh-CN" sz="1400" dirty="0">
+                <a:latin typeface="宋体" panose="02010600030101010101" pitchFamily="2" charset="-122"/>
+              </a:rPr>
+              <a:t>目录下的</a:t>
+            </a:r>
+            <a:r>
+              <a:rPr lang="en-US" altLang="zh-CN" sz="1400" dirty="0">
+                <a:latin typeface="宋体" panose="02010600030101010101" pitchFamily="2" charset="-122"/>
+              </a:rPr>
+              <a:t>a.js</a:t>
+            </a:r>
+            <a:r>
+              <a:rPr lang="zh-CN" altLang="zh-CN" sz="1400" dirty="0">
+                <a:latin typeface="宋体" panose="02010600030101010101" pitchFamily="2" charset="-122"/>
+              </a:rPr>
+              <a:t>文件</a:t>
+            </a:r>
+          </a:p>
+          <a:p>
+            <a:pPr lvl="0">
+              <a:lnSpc>
+                <a:spcPct val="150000"/>
+              </a:lnSpc>
+            </a:pPr>
+            <a:r>
+              <a:rPr lang="zh-CN" altLang="zh-CN" sz="1400" dirty="0">
+                <a:latin typeface="宋体" panose="02010600030101010101" pitchFamily="2" charset="-122"/>
+              </a:rPr>
+              <a:t>“</a:t>
+            </a:r>
+            <a:r>
+              <a:rPr lang="en-US" altLang="zh-CN" sz="1400" dirty="0">
+                <a:latin typeface="宋体" panose="02010600030101010101" pitchFamily="2" charset="-122"/>
+              </a:rPr>
+              <a:t>*</a:t>
+            </a:r>
+            <a:r>
+              <a:rPr lang="zh-CN" altLang="zh-CN" sz="1400" dirty="0">
+                <a:latin typeface="宋体" panose="02010600030101010101" pitchFamily="2" charset="-122"/>
+              </a:rPr>
+              <a:t>”</a:t>
+            </a:r>
+            <a:r>
+              <a:rPr lang="en-US" altLang="zh-CN" sz="1400" dirty="0">
+                <a:latin typeface="宋体" panose="02010600030101010101" pitchFamily="2" charset="-122"/>
+              </a:rPr>
+              <a:t>, </a:t>
+            </a:r>
+            <a:r>
+              <a:rPr lang="zh-CN" altLang="zh-CN" sz="1400" dirty="0">
+                <a:latin typeface="宋体" panose="02010600030101010101" pitchFamily="2" charset="-122"/>
+              </a:rPr>
+              <a:t>匹配某个文件夹下的所有文件，如</a:t>
+            </a:r>
+            <a:r>
+              <a:rPr lang="en-US" altLang="zh-CN" sz="1400" dirty="0" err="1">
+                <a:latin typeface="宋体" panose="02010600030101010101" pitchFamily="2" charset="-122"/>
+              </a:rPr>
+              <a:t>src</a:t>
+            </a:r>
+            <a:r>
+              <a:rPr lang="en-US" altLang="zh-CN" sz="1400" dirty="0">
+                <a:latin typeface="宋体" panose="02010600030101010101" pitchFamily="2" charset="-122"/>
+              </a:rPr>
+              <a:t>/*.</a:t>
+            </a:r>
+            <a:r>
+              <a:rPr lang="en-US" altLang="zh-CN" sz="1400" dirty="0" err="1">
+                <a:latin typeface="宋体" panose="02010600030101010101" pitchFamily="2" charset="-122"/>
+              </a:rPr>
+              <a:t>js</a:t>
+            </a:r>
+            <a:r>
+              <a:rPr lang="zh-CN" altLang="zh-CN" sz="1400" dirty="0">
+                <a:latin typeface="宋体" panose="02010600030101010101" pitchFamily="2" charset="-122"/>
+              </a:rPr>
+              <a:t>，匹配</a:t>
+            </a:r>
+            <a:r>
+              <a:rPr lang="en-US" altLang="zh-CN" sz="1400" dirty="0" err="1">
+                <a:latin typeface="宋体" panose="02010600030101010101" pitchFamily="2" charset="-122"/>
+              </a:rPr>
+              <a:t>src</a:t>
+            </a:r>
+            <a:r>
+              <a:rPr lang="zh-CN" altLang="zh-CN" sz="1400" dirty="0">
+                <a:latin typeface="宋体" panose="02010600030101010101" pitchFamily="2" charset="-122"/>
+              </a:rPr>
+              <a:t>下所有的</a:t>
+            </a:r>
+            <a:r>
+              <a:rPr lang="en-US" altLang="zh-CN" sz="1400" dirty="0" err="1">
+                <a:latin typeface="宋体" panose="02010600030101010101" pitchFamily="2" charset="-122"/>
+              </a:rPr>
+              <a:t>js</a:t>
+            </a:r>
+            <a:r>
+              <a:rPr lang="zh-CN" altLang="zh-CN" sz="1400" dirty="0">
+                <a:latin typeface="宋体" panose="02010600030101010101" pitchFamily="2" charset="-122"/>
+              </a:rPr>
+              <a:t>文件</a:t>
+            </a:r>
+          </a:p>
+          <a:p>
+            <a:pPr lvl="0">
+              <a:lnSpc>
+                <a:spcPct val="150000"/>
+              </a:lnSpc>
+            </a:pPr>
+            <a:r>
+              <a:rPr lang="zh-CN" altLang="zh-CN" sz="1400" dirty="0">
+                <a:latin typeface="宋体" panose="02010600030101010101" pitchFamily="2" charset="-122"/>
+              </a:rPr>
+              <a:t>“</a:t>
+            </a:r>
+            <a:r>
+              <a:rPr lang="en-US" altLang="zh-CN" sz="1400" dirty="0">
+                <a:latin typeface="宋体" panose="02010600030101010101" pitchFamily="2" charset="-122"/>
+              </a:rPr>
+              <a:t>**</a:t>
+            </a:r>
+            <a:r>
+              <a:rPr lang="zh-CN" altLang="zh-CN" sz="1400" dirty="0">
+                <a:latin typeface="宋体" panose="02010600030101010101" pitchFamily="2" charset="-122"/>
+              </a:rPr>
+              <a:t>”， 匹配</a:t>
+            </a:r>
+            <a:r>
+              <a:rPr lang="en-US" altLang="zh-CN" sz="1400" dirty="0">
+                <a:latin typeface="宋体" panose="02010600030101010101" pitchFamily="2" charset="-122"/>
+              </a:rPr>
+              <a:t>0</a:t>
+            </a:r>
+            <a:r>
+              <a:rPr lang="zh-CN" altLang="zh-CN" sz="1400" dirty="0">
+                <a:latin typeface="宋体" panose="02010600030101010101" pitchFamily="2" charset="-122"/>
+              </a:rPr>
+              <a:t>个或多个子文件夹，如</a:t>
+            </a:r>
+            <a:r>
+              <a:rPr lang="en-US" altLang="zh-CN" sz="1400" dirty="0" err="1">
+                <a:latin typeface="宋体" panose="02010600030101010101" pitchFamily="2" charset="-122"/>
+              </a:rPr>
+              <a:t>src</a:t>
+            </a:r>
+            <a:r>
+              <a:rPr lang="en-US" altLang="zh-CN" sz="1400" dirty="0">
+                <a:latin typeface="宋体" panose="02010600030101010101" pitchFamily="2" charset="-122"/>
+              </a:rPr>
+              <a:t>/**/*.</a:t>
+            </a:r>
+            <a:r>
+              <a:rPr lang="en-US" altLang="zh-CN" sz="1400" dirty="0" err="1">
+                <a:latin typeface="宋体" panose="02010600030101010101" pitchFamily="2" charset="-122"/>
+              </a:rPr>
+              <a:t>js</a:t>
+            </a:r>
+            <a:r>
+              <a:rPr lang="zh-CN" altLang="zh-CN" sz="1400" dirty="0">
+                <a:latin typeface="宋体" panose="02010600030101010101" pitchFamily="2" charset="-122"/>
+              </a:rPr>
+              <a:t>，匹配</a:t>
+            </a:r>
+            <a:r>
+              <a:rPr lang="en-US" altLang="zh-CN" sz="1400" dirty="0" err="1">
+                <a:latin typeface="宋体" panose="02010600030101010101" pitchFamily="2" charset="-122"/>
+              </a:rPr>
+              <a:t>src</a:t>
+            </a:r>
+            <a:r>
+              <a:rPr lang="zh-CN" altLang="zh-CN" sz="1400" dirty="0">
+                <a:latin typeface="宋体" panose="02010600030101010101" pitchFamily="2" charset="-122"/>
+              </a:rPr>
+              <a:t>下的所有</a:t>
+            </a:r>
+            <a:r>
+              <a:rPr lang="en-US" altLang="zh-CN" sz="1400" dirty="0" err="1">
+                <a:latin typeface="宋体" panose="02010600030101010101" pitchFamily="2" charset="-122"/>
+              </a:rPr>
+              <a:t>js</a:t>
+            </a:r>
+            <a:r>
+              <a:rPr lang="zh-CN" altLang="zh-CN" sz="1400" dirty="0">
+                <a:latin typeface="宋体" panose="02010600030101010101" pitchFamily="2" charset="-122"/>
+              </a:rPr>
+              <a:t>文件以及</a:t>
+            </a:r>
+            <a:r>
+              <a:rPr lang="en-US" altLang="zh-CN" sz="1400" dirty="0" err="1">
+                <a:latin typeface="宋体" panose="02010600030101010101" pitchFamily="2" charset="-122"/>
+              </a:rPr>
+              <a:t>src</a:t>
+            </a:r>
+            <a:r>
+              <a:rPr lang="zh-CN" altLang="zh-CN" sz="1400" dirty="0">
+                <a:latin typeface="宋体" panose="02010600030101010101" pitchFamily="2" charset="-122"/>
+              </a:rPr>
+              <a:t>下的子目录中的所有</a:t>
+            </a:r>
+            <a:r>
+              <a:rPr lang="en-US" altLang="zh-CN" sz="1400" dirty="0" err="1">
+                <a:latin typeface="宋体" panose="02010600030101010101" pitchFamily="2" charset="-122"/>
+              </a:rPr>
+              <a:t>js</a:t>
+            </a:r>
+            <a:r>
+              <a:rPr lang="zh-CN" altLang="zh-CN" sz="1400" dirty="0">
+                <a:latin typeface="宋体" panose="02010600030101010101" pitchFamily="2" charset="-122"/>
+              </a:rPr>
+              <a:t>文件</a:t>
+            </a:r>
+          </a:p>
+          <a:p>
+            <a:pPr lvl="0">
+              <a:lnSpc>
+                <a:spcPct val="150000"/>
+              </a:lnSpc>
+            </a:pPr>
+            <a:r>
+              <a:rPr lang="zh-CN" altLang="zh-CN" sz="1400" dirty="0">
+                <a:latin typeface="宋体" panose="02010600030101010101" pitchFamily="2" charset="-122"/>
+              </a:rPr>
+              <a:t>“</a:t>
+            </a:r>
+            <a:r>
+              <a:rPr lang="en-US" altLang="zh-CN" sz="1400" dirty="0">
+                <a:latin typeface="宋体" panose="02010600030101010101" pitchFamily="2" charset="-122"/>
+              </a:rPr>
+              <a:t>{ }</a:t>
+            </a:r>
+            <a:r>
+              <a:rPr lang="zh-CN" altLang="zh-CN" sz="1400" dirty="0">
+                <a:latin typeface="宋体" panose="02010600030101010101" pitchFamily="2" charset="-122"/>
+              </a:rPr>
+              <a:t>”，匹配多个属性，如</a:t>
+            </a:r>
+            <a:r>
+              <a:rPr lang="en-US" altLang="zh-CN" sz="1400" dirty="0" err="1">
+                <a:latin typeface="宋体" panose="02010600030101010101" pitchFamily="2" charset="-122"/>
+              </a:rPr>
+              <a:t>src</a:t>
+            </a:r>
+            <a:r>
+              <a:rPr lang="en-US" altLang="zh-CN" sz="1400" dirty="0">
+                <a:latin typeface="宋体" panose="02010600030101010101" pitchFamily="2" charset="-122"/>
+              </a:rPr>
+              <a:t>/{a,b}.js </a:t>
+            </a:r>
+            <a:r>
+              <a:rPr lang="zh-CN" altLang="zh-CN" sz="1400" dirty="0">
+                <a:latin typeface="宋体" panose="02010600030101010101" pitchFamily="2" charset="-122"/>
+              </a:rPr>
+              <a:t>，包含</a:t>
+            </a:r>
+            <a:r>
+              <a:rPr lang="en-US" altLang="zh-CN" sz="1400" dirty="0">
+                <a:latin typeface="宋体" panose="02010600030101010101" pitchFamily="2" charset="-122"/>
+              </a:rPr>
+              <a:t>a.js</a:t>
+            </a:r>
+            <a:r>
+              <a:rPr lang="zh-CN" altLang="zh-CN" sz="1400" dirty="0">
+                <a:latin typeface="宋体" panose="02010600030101010101" pitchFamily="2" charset="-122"/>
+              </a:rPr>
+              <a:t>和</a:t>
+            </a:r>
+            <a:r>
+              <a:rPr lang="en-US" altLang="zh-CN" sz="1400" dirty="0">
+                <a:latin typeface="宋体" panose="02010600030101010101" pitchFamily="2" charset="-122"/>
+              </a:rPr>
+              <a:t>b.js</a:t>
+            </a:r>
+            <a:r>
+              <a:rPr lang="zh-CN" altLang="zh-CN" sz="1400" dirty="0">
+                <a:latin typeface="宋体" panose="02010600030101010101" pitchFamily="2" charset="-122"/>
+              </a:rPr>
+              <a:t>，再如</a:t>
+            </a:r>
+            <a:r>
+              <a:rPr lang="en-US" altLang="zh-CN" sz="1400" dirty="0">
+                <a:latin typeface="宋体" panose="02010600030101010101" pitchFamily="2" charset="-122"/>
+              </a:rPr>
+              <a:t> </a:t>
+            </a:r>
+            <a:r>
+              <a:rPr lang="en-US" altLang="zh-CN" sz="1400" dirty="0" err="1">
+                <a:latin typeface="宋体" panose="02010600030101010101" pitchFamily="2" charset="-122"/>
+              </a:rPr>
+              <a:t>src</a:t>
+            </a:r>
+            <a:r>
+              <a:rPr lang="en-US" altLang="zh-CN" sz="1400" dirty="0">
+                <a:latin typeface="宋体" panose="02010600030101010101" pitchFamily="2" charset="-122"/>
+              </a:rPr>
+              <a:t>/*.{ jpg, </a:t>
+            </a:r>
+            <a:r>
+              <a:rPr lang="en-US" altLang="zh-CN" sz="1400" dirty="0" err="1">
+                <a:latin typeface="宋体" panose="02010600030101010101" pitchFamily="2" charset="-122"/>
+              </a:rPr>
+              <a:t>png</a:t>
+            </a:r>
+            <a:r>
+              <a:rPr lang="en-US" altLang="zh-CN" sz="1400" dirty="0">
+                <a:latin typeface="宋体" panose="02010600030101010101" pitchFamily="2" charset="-122"/>
+              </a:rPr>
+              <a:t>, gif } </a:t>
+            </a:r>
+            <a:r>
+              <a:rPr lang="zh-CN" altLang="zh-CN" sz="1400" dirty="0">
+                <a:latin typeface="宋体" panose="02010600030101010101" pitchFamily="2" charset="-122"/>
+              </a:rPr>
+              <a:t>表示</a:t>
+            </a:r>
+            <a:r>
+              <a:rPr lang="en-US" altLang="zh-CN" sz="1400" dirty="0" err="1">
+                <a:latin typeface="宋体" panose="02010600030101010101" pitchFamily="2" charset="-122"/>
+              </a:rPr>
+              <a:t>src</a:t>
+            </a:r>
+            <a:r>
+              <a:rPr lang="zh-CN" altLang="zh-CN" sz="1400" dirty="0">
+                <a:latin typeface="宋体" panose="02010600030101010101" pitchFamily="2" charset="-122"/>
+              </a:rPr>
+              <a:t>所有的</a:t>
+            </a:r>
+            <a:r>
+              <a:rPr lang="en-US" altLang="zh-CN" sz="1400" dirty="0">
+                <a:latin typeface="宋体" panose="02010600030101010101" pitchFamily="2" charset="-122"/>
+              </a:rPr>
+              <a:t>jpg/</a:t>
+            </a:r>
+            <a:r>
+              <a:rPr lang="en-US" altLang="zh-CN" sz="1400" dirty="0" err="1">
+                <a:latin typeface="宋体" panose="02010600030101010101" pitchFamily="2" charset="-122"/>
+              </a:rPr>
+              <a:t>png</a:t>
+            </a:r>
+            <a:r>
+              <a:rPr lang="en-US" altLang="zh-CN" sz="1400" dirty="0">
+                <a:latin typeface="宋体" panose="02010600030101010101" pitchFamily="2" charset="-122"/>
+              </a:rPr>
+              <a:t>/gif</a:t>
+            </a:r>
+            <a:r>
+              <a:rPr lang="zh-CN" altLang="zh-CN" sz="1400" dirty="0">
+                <a:latin typeface="宋体" panose="02010600030101010101" pitchFamily="2" charset="-122"/>
+              </a:rPr>
+              <a:t>文件</a:t>
+            </a:r>
+          </a:p>
+          <a:p>
+            <a:pPr lvl="0">
+              <a:lnSpc>
+                <a:spcPct val="150000"/>
+              </a:lnSpc>
+            </a:pPr>
+            <a:r>
+              <a:rPr lang="zh-CN" altLang="zh-CN" sz="1400" dirty="0">
+                <a:latin typeface="宋体" panose="02010600030101010101" pitchFamily="2" charset="-122"/>
+              </a:rPr>
+              <a:t>“！”，排除文件，如 ！</a:t>
+            </a:r>
+            <a:r>
+              <a:rPr lang="en-US" altLang="zh-CN" sz="1400" dirty="0" err="1">
+                <a:latin typeface="宋体" panose="02010600030101010101" pitchFamily="2" charset="-122"/>
+              </a:rPr>
+              <a:t>src</a:t>
+            </a:r>
+            <a:r>
+              <a:rPr lang="en-US" altLang="zh-CN" sz="1400" dirty="0">
+                <a:latin typeface="宋体" panose="02010600030101010101" pitchFamily="2" charset="-122"/>
+              </a:rPr>
+              <a:t>/a.js</a:t>
+            </a:r>
+            <a:r>
+              <a:rPr lang="zh-CN" altLang="zh-CN" sz="1400" dirty="0">
+                <a:latin typeface="宋体" panose="02010600030101010101" pitchFamily="2" charset="-122"/>
+              </a:rPr>
+              <a:t>，不包含</a:t>
+            </a:r>
+            <a:r>
+              <a:rPr lang="en-US" altLang="zh-CN" sz="1400" dirty="0" err="1">
+                <a:latin typeface="宋体" panose="02010600030101010101" pitchFamily="2" charset="-122"/>
+              </a:rPr>
+              <a:t>src</a:t>
+            </a:r>
+            <a:r>
+              <a:rPr lang="zh-CN" altLang="zh-CN" sz="1400" dirty="0">
+                <a:latin typeface="宋体" panose="02010600030101010101" pitchFamily="2" charset="-122"/>
+              </a:rPr>
+              <a:t>下的</a:t>
+            </a:r>
+            <a:r>
+              <a:rPr lang="en-US" altLang="zh-CN" sz="1400" dirty="0">
+                <a:latin typeface="宋体" panose="02010600030101010101" pitchFamily="2" charset="-122"/>
+              </a:rPr>
+              <a:t>a.js</a:t>
+            </a:r>
+            <a:r>
+              <a:rPr lang="zh-CN" altLang="zh-CN" sz="1400" dirty="0">
+                <a:latin typeface="宋体" panose="02010600030101010101" pitchFamily="2" charset="-122"/>
+              </a:rPr>
+              <a:t>文件</a:t>
+            </a:r>
+          </a:p>
+        </p:txBody>
+      </p:sp>
+      <p:sp>
+        <p:nvSpPr>
+          <p:cNvPr id="5" name="文本框 4">
+            <a:extLst>
+              <a:ext uri="{FF2B5EF4-FFF2-40B4-BE49-F238E27FC236}">
+                <a16:creationId xmlns:a16="http://schemas.microsoft.com/office/drawing/2014/main" id="{462D917C-8F36-4E3C-9557-0DF1AD6ADE0A}"/>
+              </a:ext>
+            </a:extLst>
+          </p:cNvPr>
+          <p:cNvSpPr txBox="1"/>
+          <p:nvPr/>
+        </p:nvSpPr>
+        <p:spPr>
+          <a:xfrm>
+            <a:off x="3203848" y="484892"/>
+            <a:ext cx="2238113" cy="461665"/>
+          </a:xfrm>
+          <a:prstGeom prst="rect">
+            <a:avLst/>
+          </a:prstGeom>
+          <a:noFill/>
+        </p:spPr>
+        <p:txBody>
+          <a:bodyPr wrap="none" rtlCol="0">
+            <a:spAutoFit/>
+          </a:bodyPr>
+          <a:lstStyle/>
+          <a:p>
+            <a:r>
+              <a:rPr lang="en-US" altLang="zh-CN" sz="2400" b="1" dirty="0">
+                <a:solidFill>
+                  <a:srgbClr val="C00000"/>
+                </a:solidFill>
+                <a:latin typeface="微软雅黑" panose="020B0503020204020204" pitchFamily="34" charset="-122"/>
+                <a:ea typeface="微软雅黑" panose="020B0503020204020204" pitchFamily="34" charset="-122"/>
+              </a:rPr>
+              <a:t>Gulp </a:t>
+            </a:r>
+            <a:r>
+              <a:rPr lang="zh-CN" altLang="en-US" sz="2400" b="1" dirty="0">
+                <a:solidFill>
+                  <a:srgbClr val="C00000"/>
+                </a:solidFill>
+                <a:latin typeface="微软雅黑" panose="020B0503020204020204" pitchFamily="34" charset="-122"/>
+                <a:ea typeface="微软雅黑" panose="020B0503020204020204" pitchFamily="34" charset="-122"/>
+              </a:rPr>
+              <a:t>方法使用</a:t>
+            </a:r>
+          </a:p>
+        </p:txBody>
+      </p:sp>
+      <p:pic>
+        <p:nvPicPr>
+          <p:cNvPr id="2050" name="图片 18">
+            <a:extLst>
+              <a:ext uri="{FF2B5EF4-FFF2-40B4-BE49-F238E27FC236}">
+                <a16:creationId xmlns:a16="http://schemas.microsoft.com/office/drawing/2014/main" id="{9632DBF9-A9E1-42AD-939C-55B84D07B395}"/>
+              </a:ext>
+            </a:extLst>
+          </p:cNvPr>
+          <p:cNvPicPr>
+            <a:picLocks noChangeAspect="1" noChangeArrowheads="1"/>
+          </p:cNvPicPr>
+          <p:nvPr/>
+        </p:nvPicPr>
+        <p:blipFill>
+          <a:blip r:embed="rId3">
+            <a:extLst>
+              <a:ext uri="{28A0092B-C50C-407E-A947-70E740481C1C}">
+                <a14:useLocalDpi xmlns:a14="http://schemas.microsoft.com/office/drawing/2010/main" val="0"/>
+              </a:ext>
+            </a:extLst>
+          </a:blip>
+          <a:srcRect/>
+          <a:stretch>
+            <a:fillRect/>
+          </a:stretch>
+        </p:blipFill>
+        <p:spPr bwMode="auto">
+          <a:xfrm>
+            <a:off x="3563888" y="2855654"/>
+            <a:ext cx="5267325" cy="1009650"/>
+          </a:xfrm>
+          <a:prstGeom prst="rect">
+            <a:avLst/>
+          </a:prstGeom>
+          <a:noFill/>
+          <a:ln>
+            <a:noFill/>
+          </a:ln>
+          <a:extLst>
+            <a:ext uri="{909E8E84-426E-40DD-AFC4-6F175D3DCCD1}">
+              <a14:hiddenFill xmlns:a14="http://schemas.microsoft.com/office/drawing/2010/main">
+                <a:solidFill>
+                  <a:srgbClr val="FFFFFF"/>
+                </a:solidFill>
+              </a14:hiddenFill>
+            </a:ext>
+            <a:ext uri="{91240B29-F687-4F45-9708-019B960494DF}">
+              <a14:hiddenLine xmlns:a14="http://schemas.microsoft.com/office/drawing/2010/main" w="9525">
+                <a:solidFill>
+                  <a:srgbClr val="000000"/>
+                </a:solidFill>
+                <a:miter lim="800000"/>
+                <a:headEnd/>
+                <a:tailEnd/>
+              </a14:hiddenLine>
+            </a:ext>
+          </a:extLst>
+        </p:spPr>
+      </p:pic>
+    </p:spTree>
+    <p:extLst>
+      <p:ext uri="{BB962C8B-B14F-4D97-AF65-F5344CB8AC3E}">
+        <p14:creationId xmlns:p14="http://schemas.microsoft.com/office/powerpoint/2010/main" val="352848438"/>
+      </p:ext>
+    </p:extLst>
+  </p:cSld>
+  <p:clrMapOvr>
+    <a:masterClrMapping/>
+  </p:clrMapOvr>
+  <p:timing>
+    <p:tnLst>
+      <p:par>
+        <p:cTn id="1" dur="indefinite" restart="never" nodeType="tmRoot">
+          <p:childTnLst>
+            <p:seq concurrent="1" nextAc="seek">
+              <p:cTn id="2" dur="indefinite" nodeType="mainSeq">
+                <p:childTnLst>
+                  <p:par>
+                    <p:cTn id="3" fill="hold">
+                      <p:stCondLst>
+                        <p:cond delay="indefinite"/>
+                      </p:stCondLst>
+                      <p:childTnLst>
+                        <p:par>
+                          <p:cTn id="4" fill="hold">
+                            <p:stCondLst>
+                              <p:cond delay="0"/>
+                            </p:stCondLst>
+                            <p:childTnLst>
+                              <p:par>
+                                <p:cTn id="5" presetID="2" presetClass="entr" presetSubtype="4" fill="hold" grpId="0" nodeType="clickEffect">
+                                  <p:stCondLst>
+                                    <p:cond delay="0"/>
+                                  </p:stCondLst>
+                                  <p:childTnLst>
+                                    <p:set>
+                                      <p:cBhvr>
+                                        <p:cTn id="6" dur="1" fill="hold">
+                                          <p:stCondLst>
+                                            <p:cond delay="0"/>
+                                          </p:stCondLst>
+                                        </p:cTn>
+                                        <p:tgtEl>
+                                          <p:spTgt spid="3"/>
+                                        </p:tgtEl>
+                                        <p:attrNameLst>
+                                          <p:attrName>style.visibility</p:attrName>
+                                        </p:attrNameLst>
+                                      </p:cBhvr>
+                                      <p:to>
+                                        <p:strVal val="visible"/>
+                                      </p:to>
+                                    </p:set>
+                                    <p:anim calcmode="lin" valueType="num">
+                                      <p:cBhvr additive="base">
+                                        <p:cTn id="7" dur="500" fill="hold"/>
+                                        <p:tgtEl>
+                                          <p:spTgt spid="3"/>
+                                        </p:tgtEl>
+                                        <p:attrNameLst>
+                                          <p:attrName>ppt_x</p:attrName>
+                                        </p:attrNameLst>
+                                      </p:cBhvr>
+                                      <p:tavLst>
+                                        <p:tav tm="0">
+                                          <p:val>
+                                            <p:strVal val="#ppt_x"/>
+                                          </p:val>
+                                        </p:tav>
+                                        <p:tav tm="100000">
+                                          <p:val>
+                                            <p:strVal val="#ppt_x"/>
+                                          </p:val>
+                                        </p:tav>
+                                      </p:tavLst>
+                                    </p:anim>
+                                    <p:anim calcmode="lin" valueType="num">
+                                      <p:cBhvr additive="base">
+                                        <p:cTn id="8" dur="500" fill="hold"/>
+                                        <p:tgtEl>
+                                          <p:spTgt spid="3"/>
+                                        </p:tgtEl>
+                                        <p:attrNameLst>
+                                          <p:attrName>ppt_y</p:attrName>
+                                        </p:attrNameLst>
+                                      </p:cBhvr>
+                                      <p:tavLst>
+                                        <p:tav tm="0">
+                                          <p:val>
+                                            <p:strVal val="1+#ppt_h/2"/>
+                                          </p:val>
+                                        </p:tav>
+                                        <p:tav tm="100000">
+                                          <p:val>
+                                            <p:strVal val="#ppt_y"/>
+                                          </p:val>
+                                        </p:tav>
+                                      </p:tavLst>
+                                    </p:anim>
+                                  </p:childTnLst>
+                                </p:cTn>
+                              </p:par>
+                            </p:childTnLst>
+                          </p:cTn>
+                        </p:par>
+                      </p:childTnLst>
+                    </p:cTn>
+                  </p:par>
+                  <p:par>
+                    <p:cTn id="9" fill="hold">
+                      <p:stCondLst>
+                        <p:cond delay="indefinite"/>
+                      </p:stCondLst>
+                      <p:childTnLst>
+                        <p:par>
+                          <p:cTn id="10" fill="hold">
+                            <p:stCondLst>
+                              <p:cond delay="0"/>
+                            </p:stCondLst>
+                            <p:childTnLst>
+                              <p:par>
+                                <p:cTn id="11" presetID="21" presetClass="entr" presetSubtype="1" fill="hold" nodeType="clickEffect">
+                                  <p:stCondLst>
+                                    <p:cond delay="0"/>
+                                  </p:stCondLst>
+                                  <p:childTnLst>
+                                    <p:set>
+                                      <p:cBhvr>
+                                        <p:cTn id="12" dur="1" fill="hold">
+                                          <p:stCondLst>
+                                            <p:cond delay="0"/>
+                                          </p:stCondLst>
+                                        </p:cTn>
+                                        <p:tgtEl>
+                                          <p:spTgt spid="2050"/>
+                                        </p:tgtEl>
+                                        <p:attrNameLst>
+                                          <p:attrName>style.visibility</p:attrName>
+                                        </p:attrNameLst>
+                                      </p:cBhvr>
+                                      <p:to>
+                                        <p:strVal val="visible"/>
+                                      </p:to>
+                                    </p:set>
+                                    <p:animEffect transition="in" filter="wheel(1)">
+                                      <p:cBhvr>
+                                        <p:cTn id="13" dur="2000"/>
+                                        <p:tgtEl>
+                                          <p:spTgt spid="2050"/>
+                                        </p:tgtEl>
+                                      </p:cBhvr>
+                                    </p:animEffect>
+                                  </p:childTnLst>
+                                </p:cTn>
+                              </p:par>
+                            </p:childTnLst>
+                          </p:cTn>
+                        </p:par>
+                      </p:childTnLst>
+                    </p:cTn>
+                  </p:par>
+                </p:childTnLst>
+              </p:cTn>
+              <p:prevCondLst>
+                <p:cond evt="onPrev" delay="0">
+                  <p:tgtEl>
+                    <p:sldTgt/>
+                  </p:tgtEl>
+                </p:cond>
+              </p:prevCondLst>
+              <p:nextCondLst>
+                <p:cond evt="onNext" delay="0">
+                  <p:tgtEl>
+                    <p:sldTgt/>
+                  </p:tgtEl>
+                </p:cond>
+              </p:nextCondLst>
+            </p:seq>
+          </p:childTnLst>
+        </p:cTn>
+      </p:par>
+    </p:tnLst>
+    <p:bldLst>
+      <p:bldP spid="3" grpId="0"/>
+    </p:bldLst>
+  </p:timing>
+</p:sld>
+</file>
+
+<file path=ppt/slides/slide14.xml><?xml version="1.0" encoding="utf-8"?>
+<p:sld xmlns:a="http://schemas.openxmlformats.org/drawingml/2006/main" xmlns:r="http://schemas.openxmlformats.org/officeDocument/2006/relationships" xmlns:p="http://schemas.openxmlformats.org/presentationml/2006/main">
+  <p:cSld>
+    <p:spTree>
+      <p:nvGrpSpPr>
+        <p:cNvPr id="1" name=""/>
+        <p:cNvGrpSpPr/>
+        <p:nvPr/>
+      </p:nvGrpSpPr>
+      <p:grpSpPr>
+        <a:xfrm>
+          <a:off x="0" y="0"/>
+          <a:ext cx="0" cy="0"/>
+          <a:chOff x="0" y="0"/>
+          <a:chExt cx="0" cy="0"/>
+        </a:xfrm>
+      </p:grpSpPr>
+      <p:sp>
+        <p:nvSpPr>
+          <p:cNvPr id="3" name="矩形 2">
+            <a:extLst>
+              <a:ext uri="{FF2B5EF4-FFF2-40B4-BE49-F238E27FC236}">
+                <a16:creationId xmlns:a16="http://schemas.microsoft.com/office/drawing/2014/main" id="{0159E91D-1C4E-44A2-877A-5808C778DA1A}"/>
+              </a:ext>
+            </a:extLst>
+          </p:cNvPr>
+          <p:cNvSpPr/>
+          <p:nvPr/>
+        </p:nvSpPr>
+        <p:spPr>
+          <a:xfrm>
+            <a:off x="0" y="895726"/>
+            <a:ext cx="9144000" cy="3919856"/>
+          </a:xfrm>
+          <a:prstGeom prst="rect">
+            <a:avLst/>
+          </a:prstGeom>
+        </p:spPr>
+        <p:txBody>
+          <a:bodyPr wrap="square">
+            <a:spAutoFit/>
+          </a:bodyPr>
+          <a:lstStyle/>
+          <a:p>
+            <a:pPr>
+              <a:lnSpc>
+                <a:spcPct val="150000"/>
+              </a:lnSpc>
+              <a:tabLst>
+                <a:tab pos="479425" algn="l"/>
+              </a:tabLst>
+            </a:pPr>
+            <a:r>
+              <a:rPr lang="en-US" altLang="zh-CN" b="1" kern="100" dirty="0">
+                <a:solidFill>
+                  <a:srgbClr val="212121"/>
+                </a:solidFill>
+                <a:latin typeface="微软雅黑" panose="020B0503020204020204" pitchFamily="34" charset="-122"/>
+                <a:ea typeface="微软雅黑" panose="020B0503020204020204" pitchFamily="34" charset="-122"/>
+                <a:cs typeface="宋体" panose="02010600030101010101" pitchFamily="2" charset="-122"/>
+              </a:rPr>
+              <a:t>1</a:t>
+            </a:r>
+            <a:r>
+              <a:rPr lang="zh-CN" altLang="en-US" b="1" kern="100" dirty="0">
+                <a:solidFill>
+                  <a:srgbClr val="212121"/>
+                </a:solidFill>
+                <a:latin typeface="微软雅黑" panose="020B0503020204020204" pitchFamily="34" charset="-122"/>
+                <a:ea typeface="微软雅黑" panose="020B0503020204020204" pitchFamily="34" charset="-122"/>
+                <a:cs typeface="宋体" panose="02010600030101010101" pitchFamily="2" charset="-122"/>
+              </a:rPr>
+              <a:t>、</a:t>
+            </a:r>
+            <a:r>
+              <a:rPr lang="en-US" altLang="zh-CN" sz="2800" b="1" kern="100" dirty="0" err="1">
+                <a:solidFill>
+                  <a:srgbClr val="C00000"/>
+                </a:solidFill>
+                <a:latin typeface="微软雅黑" panose="020B0503020204020204" pitchFamily="34" charset="-122"/>
+                <a:ea typeface="微软雅黑" panose="020B0503020204020204" pitchFamily="34" charset="-122"/>
+                <a:cs typeface="宋体" panose="02010600030101010101" pitchFamily="2" charset="-122"/>
+              </a:rPr>
+              <a:t>src</a:t>
+            </a:r>
+            <a:endParaRPr lang="en-US" altLang="zh-CN" sz="2800" b="1" kern="100" dirty="0">
+              <a:solidFill>
+                <a:srgbClr val="C00000"/>
+              </a:solidFill>
+              <a:latin typeface="微软雅黑" panose="020B0503020204020204" pitchFamily="34" charset="-122"/>
+              <a:ea typeface="微软雅黑" panose="020B0503020204020204" pitchFamily="34" charset="-122"/>
+              <a:cs typeface="宋体" panose="02010600030101010101" pitchFamily="2" charset="-122"/>
+            </a:endParaRPr>
+          </a:p>
+          <a:p>
+            <a:pPr>
+              <a:lnSpc>
+                <a:spcPct val="150000"/>
+              </a:lnSpc>
+              <a:tabLst>
+                <a:tab pos="479425" algn="l"/>
+              </a:tabLst>
+            </a:pPr>
+            <a:r>
+              <a:rPr lang="zh-CN" altLang="zh-CN" sz="1400" dirty="0">
+                <a:latin typeface="宋体" panose="02010600030101010101" pitchFamily="2" charset="-122"/>
+              </a:rPr>
+              <a:t>作用：指定需要执行任务的文件。</a:t>
+            </a:r>
+          </a:p>
+          <a:p>
+            <a:pPr>
+              <a:lnSpc>
+                <a:spcPct val="150000"/>
+              </a:lnSpc>
+            </a:pPr>
+            <a:r>
+              <a:rPr lang="zh-CN" altLang="zh-CN" sz="1400" dirty="0">
+                <a:latin typeface="宋体" panose="02010600030101010101" pitchFamily="2" charset="-122"/>
+              </a:rPr>
+              <a:t>格式：</a:t>
+            </a:r>
+            <a:r>
+              <a:rPr lang="en-US" altLang="zh-CN" sz="1400" b="1" dirty="0" err="1">
+                <a:latin typeface="宋体" panose="02010600030101010101" pitchFamily="2" charset="-122"/>
+              </a:rPr>
+              <a:t>gulp.src</a:t>
+            </a:r>
+            <a:r>
+              <a:rPr lang="en-US" altLang="zh-CN" sz="1400" b="1" dirty="0">
+                <a:latin typeface="宋体" panose="02010600030101010101" pitchFamily="2" charset="-122"/>
+              </a:rPr>
+              <a:t>(globs[, options])</a:t>
+            </a:r>
+            <a:endParaRPr lang="zh-CN" altLang="zh-CN" sz="1400" dirty="0">
+              <a:latin typeface="宋体" panose="02010600030101010101" pitchFamily="2" charset="-122"/>
+            </a:endParaRPr>
+          </a:p>
+          <a:p>
+            <a:pPr>
+              <a:lnSpc>
+                <a:spcPct val="150000"/>
+              </a:lnSpc>
+            </a:pPr>
+            <a:r>
+              <a:rPr lang="en-US" altLang="zh-CN" sz="1400" dirty="0">
+                <a:latin typeface="宋体" panose="02010600030101010101" pitchFamily="2" charset="-122"/>
+              </a:rPr>
+              <a:t>globs</a:t>
+            </a:r>
+            <a:r>
+              <a:rPr lang="zh-CN" altLang="zh-CN" sz="1400" dirty="0">
+                <a:latin typeface="宋体" panose="02010600030101010101" pitchFamily="2" charset="-122"/>
+              </a:rPr>
+              <a:t>：需要处理的源文件匹配符路径，字符串或字符串数组。可以使用类似正则的方式来进行文件的匹配。常见的用法有：</a:t>
+            </a:r>
+          </a:p>
+          <a:p>
+            <a:pPr lvl="0">
+              <a:lnSpc>
+                <a:spcPct val="150000"/>
+              </a:lnSpc>
+            </a:pPr>
+            <a:r>
+              <a:rPr lang="zh-CN" altLang="zh-CN" sz="1400" dirty="0">
+                <a:latin typeface="宋体" panose="02010600030101010101" pitchFamily="2" charset="-122"/>
+              </a:rPr>
+              <a:t>“</a:t>
+            </a:r>
+            <a:r>
+              <a:rPr lang="en-US" altLang="zh-CN" sz="1400" dirty="0" err="1">
+                <a:latin typeface="宋体" panose="02010600030101010101" pitchFamily="2" charset="-122"/>
+              </a:rPr>
+              <a:t>src</a:t>
+            </a:r>
+            <a:r>
+              <a:rPr lang="en-US" altLang="zh-CN" sz="1400" dirty="0">
+                <a:latin typeface="宋体" panose="02010600030101010101" pitchFamily="2" charset="-122"/>
+              </a:rPr>
+              <a:t>/a.js"</a:t>
+            </a:r>
+            <a:r>
+              <a:rPr lang="zh-CN" altLang="zh-CN" sz="1400" dirty="0">
+                <a:latin typeface="宋体" panose="02010600030101010101" pitchFamily="2" charset="-122"/>
+              </a:rPr>
+              <a:t>，指定具体某个文件，就是指</a:t>
+            </a:r>
+            <a:r>
+              <a:rPr lang="en-US" altLang="zh-CN" sz="1400" dirty="0" err="1">
+                <a:latin typeface="宋体" panose="02010600030101010101" pitchFamily="2" charset="-122"/>
+              </a:rPr>
+              <a:t>src</a:t>
+            </a:r>
+            <a:r>
+              <a:rPr lang="zh-CN" altLang="zh-CN" sz="1400" dirty="0">
+                <a:latin typeface="宋体" panose="02010600030101010101" pitchFamily="2" charset="-122"/>
+              </a:rPr>
+              <a:t>目录下的</a:t>
+            </a:r>
+            <a:r>
+              <a:rPr lang="en-US" altLang="zh-CN" sz="1400" dirty="0">
+                <a:latin typeface="宋体" panose="02010600030101010101" pitchFamily="2" charset="-122"/>
+              </a:rPr>
+              <a:t>a.js</a:t>
+            </a:r>
+            <a:r>
+              <a:rPr lang="zh-CN" altLang="zh-CN" sz="1400" dirty="0">
+                <a:latin typeface="宋体" panose="02010600030101010101" pitchFamily="2" charset="-122"/>
+              </a:rPr>
+              <a:t>文件</a:t>
+            </a:r>
+          </a:p>
+          <a:p>
+            <a:pPr lvl="0">
+              <a:lnSpc>
+                <a:spcPct val="150000"/>
+              </a:lnSpc>
+            </a:pPr>
+            <a:r>
+              <a:rPr lang="zh-CN" altLang="zh-CN" sz="1400" dirty="0">
+                <a:latin typeface="宋体" panose="02010600030101010101" pitchFamily="2" charset="-122"/>
+              </a:rPr>
+              <a:t>“</a:t>
+            </a:r>
+            <a:r>
+              <a:rPr lang="en-US" altLang="zh-CN" sz="1400" dirty="0">
+                <a:latin typeface="宋体" panose="02010600030101010101" pitchFamily="2" charset="-122"/>
+              </a:rPr>
+              <a:t>*</a:t>
+            </a:r>
+            <a:r>
+              <a:rPr lang="zh-CN" altLang="zh-CN" sz="1400" dirty="0">
+                <a:latin typeface="宋体" panose="02010600030101010101" pitchFamily="2" charset="-122"/>
+              </a:rPr>
+              <a:t>”</a:t>
+            </a:r>
+            <a:r>
+              <a:rPr lang="en-US" altLang="zh-CN" sz="1400" dirty="0">
+                <a:latin typeface="宋体" panose="02010600030101010101" pitchFamily="2" charset="-122"/>
+              </a:rPr>
+              <a:t>, </a:t>
+            </a:r>
+            <a:r>
+              <a:rPr lang="zh-CN" altLang="zh-CN" sz="1400" dirty="0">
+                <a:latin typeface="宋体" panose="02010600030101010101" pitchFamily="2" charset="-122"/>
+              </a:rPr>
+              <a:t>匹配某个文件夹下的所有文件，如</a:t>
+            </a:r>
+            <a:r>
+              <a:rPr lang="en-US" altLang="zh-CN" sz="1400" dirty="0" err="1">
+                <a:latin typeface="宋体" panose="02010600030101010101" pitchFamily="2" charset="-122"/>
+              </a:rPr>
+              <a:t>src</a:t>
+            </a:r>
+            <a:r>
+              <a:rPr lang="en-US" altLang="zh-CN" sz="1400" dirty="0">
+                <a:latin typeface="宋体" panose="02010600030101010101" pitchFamily="2" charset="-122"/>
+              </a:rPr>
+              <a:t>/*.</a:t>
+            </a:r>
+            <a:r>
+              <a:rPr lang="en-US" altLang="zh-CN" sz="1400" dirty="0" err="1">
+                <a:latin typeface="宋体" panose="02010600030101010101" pitchFamily="2" charset="-122"/>
+              </a:rPr>
+              <a:t>js</a:t>
+            </a:r>
+            <a:r>
+              <a:rPr lang="zh-CN" altLang="zh-CN" sz="1400" dirty="0">
+                <a:latin typeface="宋体" panose="02010600030101010101" pitchFamily="2" charset="-122"/>
+              </a:rPr>
+              <a:t>，匹配</a:t>
+            </a:r>
+            <a:r>
+              <a:rPr lang="en-US" altLang="zh-CN" sz="1400" dirty="0" err="1">
+                <a:latin typeface="宋体" panose="02010600030101010101" pitchFamily="2" charset="-122"/>
+              </a:rPr>
+              <a:t>src</a:t>
+            </a:r>
+            <a:r>
+              <a:rPr lang="zh-CN" altLang="zh-CN" sz="1400" dirty="0">
+                <a:latin typeface="宋体" panose="02010600030101010101" pitchFamily="2" charset="-122"/>
+              </a:rPr>
+              <a:t>下所有的</a:t>
+            </a:r>
+            <a:r>
+              <a:rPr lang="en-US" altLang="zh-CN" sz="1400" dirty="0" err="1">
+                <a:latin typeface="宋体" panose="02010600030101010101" pitchFamily="2" charset="-122"/>
+              </a:rPr>
+              <a:t>js</a:t>
+            </a:r>
+            <a:r>
+              <a:rPr lang="zh-CN" altLang="zh-CN" sz="1400" dirty="0">
+                <a:latin typeface="宋体" panose="02010600030101010101" pitchFamily="2" charset="-122"/>
+              </a:rPr>
+              <a:t>文件</a:t>
+            </a:r>
+          </a:p>
+          <a:p>
+            <a:pPr lvl="0">
+              <a:lnSpc>
+                <a:spcPct val="150000"/>
+              </a:lnSpc>
+            </a:pPr>
+            <a:r>
+              <a:rPr lang="zh-CN" altLang="zh-CN" sz="1400" dirty="0">
+                <a:latin typeface="宋体" panose="02010600030101010101" pitchFamily="2" charset="-122"/>
+              </a:rPr>
+              <a:t>“</a:t>
+            </a:r>
+            <a:r>
+              <a:rPr lang="en-US" altLang="zh-CN" sz="1400" dirty="0">
+                <a:latin typeface="宋体" panose="02010600030101010101" pitchFamily="2" charset="-122"/>
+              </a:rPr>
+              <a:t>**</a:t>
+            </a:r>
+            <a:r>
+              <a:rPr lang="zh-CN" altLang="zh-CN" sz="1400" dirty="0">
+                <a:latin typeface="宋体" panose="02010600030101010101" pitchFamily="2" charset="-122"/>
+              </a:rPr>
+              <a:t>”， 匹配</a:t>
+            </a:r>
+            <a:r>
+              <a:rPr lang="en-US" altLang="zh-CN" sz="1400" dirty="0">
+                <a:latin typeface="宋体" panose="02010600030101010101" pitchFamily="2" charset="-122"/>
+              </a:rPr>
+              <a:t>0</a:t>
+            </a:r>
+            <a:r>
+              <a:rPr lang="zh-CN" altLang="zh-CN" sz="1400" dirty="0">
+                <a:latin typeface="宋体" panose="02010600030101010101" pitchFamily="2" charset="-122"/>
+              </a:rPr>
+              <a:t>个或多个子文件夹，如</a:t>
+            </a:r>
+            <a:r>
+              <a:rPr lang="en-US" altLang="zh-CN" sz="1400" dirty="0" err="1">
+                <a:latin typeface="宋体" panose="02010600030101010101" pitchFamily="2" charset="-122"/>
+              </a:rPr>
+              <a:t>src</a:t>
+            </a:r>
+            <a:r>
+              <a:rPr lang="en-US" altLang="zh-CN" sz="1400" dirty="0">
+                <a:latin typeface="宋体" panose="02010600030101010101" pitchFamily="2" charset="-122"/>
+              </a:rPr>
+              <a:t>/**/*.</a:t>
+            </a:r>
+            <a:r>
+              <a:rPr lang="en-US" altLang="zh-CN" sz="1400" dirty="0" err="1">
+                <a:latin typeface="宋体" panose="02010600030101010101" pitchFamily="2" charset="-122"/>
+              </a:rPr>
+              <a:t>js</a:t>
+            </a:r>
+            <a:r>
+              <a:rPr lang="zh-CN" altLang="zh-CN" sz="1400" dirty="0">
+                <a:latin typeface="宋体" panose="02010600030101010101" pitchFamily="2" charset="-122"/>
+              </a:rPr>
+              <a:t>，匹配</a:t>
+            </a:r>
+            <a:r>
+              <a:rPr lang="en-US" altLang="zh-CN" sz="1400" dirty="0" err="1">
+                <a:latin typeface="宋体" panose="02010600030101010101" pitchFamily="2" charset="-122"/>
+              </a:rPr>
+              <a:t>src</a:t>
+            </a:r>
+            <a:r>
+              <a:rPr lang="zh-CN" altLang="zh-CN" sz="1400" dirty="0">
+                <a:latin typeface="宋体" panose="02010600030101010101" pitchFamily="2" charset="-122"/>
+              </a:rPr>
+              <a:t>下的所有</a:t>
+            </a:r>
+            <a:r>
+              <a:rPr lang="en-US" altLang="zh-CN" sz="1400" dirty="0" err="1">
+                <a:latin typeface="宋体" panose="02010600030101010101" pitchFamily="2" charset="-122"/>
+              </a:rPr>
+              <a:t>js</a:t>
+            </a:r>
+            <a:r>
+              <a:rPr lang="zh-CN" altLang="zh-CN" sz="1400" dirty="0">
+                <a:latin typeface="宋体" panose="02010600030101010101" pitchFamily="2" charset="-122"/>
+              </a:rPr>
+              <a:t>文件以及</a:t>
+            </a:r>
+            <a:r>
+              <a:rPr lang="en-US" altLang="zh-CN" sz="1400" dirty="0" err="1">
+                <a:latin typeface="宋体" panose="02010600030101010101" pitchFamily="2" charset="-122"/>
+              </a:rPr>
+              <a:t>src</a:t>
+            </a:r>
+            <a:r>
+              <a:rPr lang="zh-CN" altLang="zh-CN" sz="1400" dirty="0">
+                <a:latin typeface="宋体" panose="02010600030101010101" pitchFamily="2" charset="-122"/>
+              </a:rPr>
+              <a:t>下的子目录中的所有</a:t>
+            </a:r>
+            <a:r>
+              <a:rPr lang="en-US" altLang="zh-CN" sz="1400" dirty="0" err="1">
+                <a:latin typeface="宋体" panose="02010600030101010101" pitchFamily="2" charset="-122"/>
+              </a:rPr>
+              <a:t>js</a:t>
+            </a:r>
+            <a:r>
+              <a:rPr lang="zh-CN" altLang="zh-CN" sz="1400" dirty="0">
+                <a:latin typeface="宋体" panose="02010600030101010101" pitchFamily="2" charset="-122"/>
+              </a:rPr>
+              <a:t>文件</a:t>
+            </a:r>
+          </a:p>
+          <a:p>
+            <a:pPr lvl="0">
+              <a:lnSpc>
+                <a:spcPct val="150000"/>
+              </a:lnSpc>
+            </a:pPr>
+            <a:r>
+              <a:rPr lang="zh-CN" altLang="zh-CN" sz="1400" dirty="0">
+                <a:latin typeface="宋体" panose="02010600030101010101" pitchFamily="2" charset="-122"/>
+              </a:rPr>
+              <a:t>“</a:t>
+            </a:r>
+            <a:r>
+              <a:rPr lang="en-US" altLang="zh-CN" sz="1400" dirty="0">
+                <a:latin typeface="宋体" panose="02010600030101010101" pitchFamily="2" charset="-122"/>
+              </a:rPr>
+              <a:t>{ }</a:t>
+            </a:r>
+            <a:r>
+              <a:rPr lang="zh-CN" altLang="zh-CN" sz="1400" dirty="0">
+                <a:latin typeface="宋体" panose="02010600030101010101" pitchFamily="2" charset="-122"/>
+              </a:rPr>
+              <a:t>”，匹配多个属性，如</a:t>
+            </a:r>
+            <a:r>
+              <a:rPr lang="en-US" altLang="zh-CN" sz="1400" dirty="0" err="1">
+                <a:latin typeface="宋体" panose="02010600030101010101" pitchFamily="2" charset="-122"/>
+              </a:rPr>
+              <a:t>src</a:t>
+            </a:r>
+            <a:r>
+              <a:rPr lang="en-US" altLang="zh-CN" sz="1400" dirty="0">
+                <a:latin typeface="宋体" panose="02010600030101010101" pitchFamily="2" charset="-122"/>
+              </a:rPr>
+              <a:t>/{a,b}.js </a:t>
+            </a:r>
+            <a:r>
+              <a:rPr lang="zh-CN" altLang="zh-CN" sz="1400" dirty="0">
+                <a:latin typeface="宋体" panose="02010600030101010101" pitchFamily="2" charset="-122"/>
+              </a:rPr>
+              <a:t>，包含</a:t>
+            </a:r>
+            <a:r>
+              <a:rPr lang="en-US" altLang="zh-CN" sz="1400" dirty="0">
+                <a:latin typeface="宋体" panose="02010600030101010101" pitchFamily="2" charset="-122"/>
+              </a:rPr>
+              <a:t>a.js</a:t>
+            </a:r>
+            <a:r>
+              <a:rPr lang="zh-CN" altLang="zh-CN" sz="1400" dirty="0">
+                <a:latin typeface="宋体" panose="02010600030101010101" pitchFamily="2" charset="-122"/>
+              </a:rPr>
+              <a:t>和</a:t>
+            </a:r>
+            <a:r>
+              <a:rPr lang="en-US" altLang="zh-CN" sz="1400" dirty="0">
+                <a:latin typeface="宋体" panose="02010600030101010101" pitchFamily="2" charset="-122"/>
+              </a:rPr>
+              <a:t>b.js</a:t>
+            </a:r>
+            <a:r>
+              <a:rPr lang="zh-CN" altLang="zh-CN" sz="1400" dirty="0">
+                <a:latin typeface="宋体" panose="02010600030101010101" pitchFamily="2" charset="-122"/>
+              </a:rPr>
+              <a:t>，再如</a:t>
+            </a:r>
+            <a:r>
+              <a:rPr lang="en-US" altLang="zh-CN" sz="1400" dirty="0">
+                <a:latin typeface="宋体" panose="02010600030101010101" pitchFamily="2" charset="-122"/>
+              </a:rPr>
+              <a:t> </a:t>
+            </a:r>
+            <a:r>
+              <a:rPr lang="en-US" altLang="zh-CN" sz="1400" dirty="0" err="1">
+                <a:latin typeface="宋体" panose="02010600030101010101" pitchFamily="2" charset="-122"/>
+              </a:rPr>
+              <a:t>src</a:t>
+            </a:r>
+            <a:r>
+              <a:rPr lang="en-US" altLang="zh-CN" sz="1400" dirty="0">
+                <a:latin typeface="宋体" panose="02010600030101010101" pitchFamily="2" charset="-122"/>
+              </a:rPr>
+              <a:t>/*.{ jpg, </a:t>
+            </a:r>
+            <a:r>
+              <a:rPr lang="en-US" altLang="zh-CN" sz="1400" dirty="0" err="1">
+                <a:latin typeface="宋体" panose="02010600030101010101" pitchFamily="2" charset="-122"/>
+              </a:rPr>
+              <a:t>png</a:t>
+            </a:r>
+            <a:r>
+              <a:rPr lang="en-US" altLang="zh-CN" sz="1400" dirty="0">
+                <a:latin typeface="宋体" panose="02010600030101010101" pitchFamily="2" charset="-122"/>
+              </a:rPr>
+              <a:t>, gif } </a:t>
+            </a:r>
+            <a:r>
+              <a:rPr lang="zh-CN" altLang="zh-CN" sz="1400" dirty="0">
+                <a:latin typeface="宋体" panose="02010600030101010101" pitchFamily="2" charset="-122"/>
+              </a:rPr>
+              <a:t>表示</a:t>
+            </a:r>
+            <a:r>
+              <a:rPr lang="en-US" altLang="zh-CN" sz="1400" dirty="0" err="1">
+                <a:latin typeface="宋体" panose="02010600030101010101" pitchFamily="2" charset="-122"/>
+              </a:rPr>
+              <a:t>src</a:t>
+            </a:r>
+            <a:r>
+              <a:rPr lang="zh-CN" altLang="zh-CN" sz="1400" dirty="0">
+                <a:latin typeface="宋体" panose="02010600030101010101" pitchFamily="2" charset="-122"/>
+              </a:rPr>
+              <a:t>所有的</a:t>
+            </a:r>
+            <a:r>
+              <a:rPr lang="en-US" altLang="zh-CN" sz="1400" dirty="0">
+                <a:latin typeface="宋体" panose="02010600030101010101" pitchFamily="2" charset="-122"/>
+              </a:rPr>
+              <a:t>jpg/</a:t>
+            </a:r>
+            <a:r>
+              <a:rPr lang="en-US" altLang="zh-CN" sz="1400" dirty="0" err="1">
+                <a:latin typeface="宋体" panose="02010600030101010101" pitchFamily="2" charset="-122"/>
+              </a:rPr>
+              <a:t>png</a:t>
+            </a:r>
+            <a:r>
+              <a:rPr lang="en-US" altLang="zh-CN" sz="1400" dirty="0">
+                <a:latin typeface="宋体" panose="02010600030101010101" pitchFamily="2" charset="-122"/>
+              </a:rPr>
+              <a:t>/gif</a:t>
+            </a:r>
+            <a:r>
+              <a:rPr lang="zh-CN" altLang="zh-CN" sz="1400" dirty="0">
+                <a:latin typeface="宋体" panose="02010600030101010101" pitchFamily="2" charset="-122"/>
+              </a:rPr>
+              <a:t>文件</a:t>
+            </a:r>
+          </a:p>
+          <a:p>
+            <a:pPr lvl="0">
+              <a:lnSpc>
+                <a:spcPct val="150000"/>
+              </a:lnSpc>
+            </a:pPr>
+            <a:r>
+              <a:rPr lang="zh-CN" altLang="zh-CN" sz="1400" dirty="0">
+                <a:latin typeface="宋体" panose="02010600030101010101" pitchFamily="2" charset="-122"/>
+              </a:rPr>
+              <a:t>“！”，排除文件，如 ！</a:t>
+            </a:r>
+            <a:r>
+              <a:rPr lang="en-US" altLang="zh-CN" sz="1400" dirty="0" err="1">
+                <a:latin typeface="宋体" panose="02010600030101010101" pitchFamily="2" charset="-122"/>
+              </a:rPr>
+              <a:t>src</a:t>
+            </a:r>
+            <a:r>
+              <a:rPr lang="en-US" altLang="zh-CN" sz="1400" dirty="0">
+                <a:latin typeface="宋体" panose="02010600030101010101" pitchFamily="2" charset="-122"/>
+              </a:rPr>
+              <a:t>/a.js</a:t>
+            </a:r>
+            <a:r>
+              <a:rPr lang="zh-CN" altLang="zh-CN" sz="1400" dirty="0">
+                <a:latin typeface="宋体" panose="02010600030101010101" pitchFamily="2" charset="-122"/>
+              </a:rPr>
+              <a:t>，不包含</a:t>
+            </a:r>
+            <a:r>
+              <a:rPr lang="en-US" altLang="zh-CN" sz="1400" dirty="0" err="1">
+                <a:latin typeface="宋体" panose="02010600030101010101" pitchFamily="2" charset="-122"/>
+              </a:rPr>
+              <a:t>src</a:t>
+            </a:r>
+            <a:r>
+              <a:rPr lang="zh-CN" altLang="zh-CN" sz="1400" dirty="0">
+                <a:latin typeface="宋体" panose="02010600030101010101" pitchFamily="2" charset="-122"/>
+              </a:rPr>
+              <a:t>下的</a:t>
+            </a:r>
+            <a:r>
+              <a:rPr lang="en-US" altLang="zh-CN" sz="1400" dirty="0">
+                <a:latin typeface="宋体" panose="02010600030101010101" pitchFamily="2" charset="-122"/>
+              </a:rPr>
+              <a:t>a.js</a:t>
+            </a:r>
+            <a:r>
+              <a:rPr lang="zh-CN" altLang="zh-CN" sz="1400" dirty="0">
+                <a:latin typeface="宋体" panose="02010600030101010101" pitchFamily="2" charset="-122"/>
+              </a:rPr>
+              <a:t>文件</a:t>
+            </a:r>
+          </a:p>
+        </p:txBody>
+      </p:sp>
+      <p:sp>
+        <p:nvSpPr>
+          <p:cNvPr id="5" name="文本框 4">
+            <a:extLst>
+              <a:ext uri="{FF2B5EF4-FFF2-40B4-BE49-F238E27FC236}">
+                <a16:creationId xmlns:a16="http://schemas.microsoft.com/office/drawing/2014/main" id="{462D917C-8F36-4E3C-9557-0DF1AD6ADE0A}"/>
+              </a:ext>
+            </a:extLst>
+          </p:cNvPr>
+          <p:cNvSpPr txBox="1"/>
+          <p:nvPr/>
+        </p:nvSpPr>
+        <p:spPr>
+          <a:xfrm>
+            <a:off x="3203848" y="484892"/>
+            <a:ext cx="2238113" cy="461665"/>
+          </a:xfrm>
+          <a:prstGeom prst="rect">
+            <a:avLst/>
+          </a:prstGeom>
+          <a:noFill/>
+        </p:spPr>
+        <p:txBody>
+          <a:bodyPr wrap="none" rtlCol="0">
+            <a:spAutoFit/>
+          </a:bodyPr>
+          <a:lstStyle/>
+          <a:p>
+            <a:r>
+              <a:rPr lang="en-US" altLang="zh-CN" sz="2400" b="1" dirty="0">
+                <a:solidFill>
+                  <a:srgbClr val="C00000"/>
+                </a:solidFill>
+                <a:latin typeface="微软雅黑" panose="020B0503020204020204" pitchFamily="34" charset="-122"/>
+                <a:ea typeface="微软雅黑" panose="020B0503020204020204" pitchFamily="34" charset="-122"/>
+              </a:rPr>
+              <a:t>Gulp </a:t>
+            </a:r>
+            <a:r>
+              <a:rPr lang="zh-CN" altLang="en-US" sz="2400" b="1" dirty="0">
+                <a:solidFill>
+                  <a:srgbClr val="C00000"/>
+                </a:solidFill>
+                <a:latin typeface="微软雅黑" panose="020B0503020204020204" pitchFamily="34" charset="-122"/>
+                <a:ea typeface="微软雅黑" panose="020B0503020204020204" pitchFamily="34" charset="-122"/>
+              </a:rPr>
+              <a:t>方法使用</a:t>
+            </a:r>
+          </a:p>
+        </p:txBody>
+      </p:sp>
+      <p:pic>
+        <p:nvPicPr>
+          <p:cNvPr id="2050" name="图片 18">
+            <a:extLst>
+              <a:ext uri="{FF2B5EF4-FFF2-40B4-BE49-F238E27FC236}">
+                <a16:creationId xmlns:a16="http://schemas.microsoft.com/office/drawing/2014/main" id="{9632DBF9-A9E1-42AD-939C-55B84D07B395}"/>
+              </a:ext>
+            </a:extLst>
+          </p:cNvPr>
+          <p:cNvPicPr>
+            <a:picLocks noChangeAspect="1" noChangeArrowheads="1"/>
+          </p:cNvPicPr>
+          <p:nvPr/>
+        </p:nvPicPr>
+        <p:blipFill>
+          <a:blip r:embed="rId3">
+            <a:extLst>
+              <a:ext uri="{28A0092B-C50C-407E-A947-70E740481C1C}">
+                <a14:useLocalDpi xmlns:a14="http://schemas.microsoft.com/office/drawing/2010/main" val="0"/>
+              </a:ext>
+            </a:extLst>
+          </a:blip>
+          <a:srcRect/>
+          <a:stretch>
+            <a:fillRect/>
+          </a:stretch>
+        </p:blipFill>
+        <p:spPr bwMode="auto">
+          <a:xfrm>
+            <a:off x="3563888" y="2855654"/>
+            <a:ext cx="5267325" cy="1009650"/>
+          </a:xfrm>
+          <a:prstGeom prst="rect">
+            <a:avLst/>
+          </a:prstGeom>
+          <a:noFill/>
+          <a:ln>
+            <a:noFill/>
+          </a:ln>
+          <a:extLst>
+            <a:ext uri="{909E8E84-426E-40DD-AFC4-6F175D3DCCD1}">
+              <a14:hiddenFill xmlns:a14="http://schemas.microsoft.com/office/drawing/2010/main">
+                <a:solidFill>
+                  <a:srgbClr val="FFFFFF"/>
+                </a:solidFill>
+              </a14:hiddenFill>
+            </a:ext>
+            <a:ext uri="{91240B29-F687-4F45-9708-019B960494DF}">
+              <a14:hiddenLine xmlns:a14="http://schemas.microsoft.com/office/drawing/2010/main" w="9525">
+                <a:solidFill>
+                  <a:srgbClr val="000000"/>
+                </a:solidFill>
+                <a:miter lim="800000"/>
+                <a:headEnd/>
+                <a:tailEnd/>
+              </a14:hiddenLine>
+            </a:ext>
+          </a:extLst>
+        </p:spPr>
+      </p:pic>
+    </p:spTree>
+    <p:extLst>
+      <p:ext uri="{BB962C8B-B14F-4D97-AF65-F5344CB8AC3E}">
+        <p14:creationId xmlns:p14="http://schemas.microsoft.com/office/powerpoint/2010/main" val="2400127110"/>
+      </p:ext>
+    </p:extLst>
+  </p:cSld>
+  <p:clrMapOvr>
+    <a:masterClrMapping/>
+  </p:clrMapOvr>
+  <p:timing>
+    <p:tnLst>
+      <p:par>
+        <p:cTn id="1" dur="indefinite" restart="never" nodeType="tmRoot">
+          <p:childTnLst>
+            <p:seq concurrent="1" nextAc="seek">
+              <p:cTn id="2" dur="indefinite" nodeType="mainSeq">
+                <p:childTnLst>
+                  <p:par>
+                    <p:cTn id="3" fill="hold">
+                      <p:stCondLst>
+                        <p:cond delay="indefinite"/>
+                      </p:stCondLst>
+                      <p:childTnLst>
+                        <p:par>
+                          <p:cTn id="4" fill="hold">
+                            <p:stCondLst>
+                              <p:cond delay="0"/>
+                            </p:stCondLst>
+                            <p:childTnLst>
+                              <p:par>
+                                <p:cTn id="5" presetID="2" presetClass="entr" presetSubtype="4" fill="hold" grpId="0" nodeType="clickEffect">
+                                  <p:stCondLst>
+                                    <p:cond delay="0"/>
+                                  </p:stCondLst>
+                                  <p:childTnLst>
+                                    <p:set>
+                                      <p:cBhvr>
+                                        <p:cTn id="6" dur="1" fill="hold">
+                                          <p:stCondLst>
+                                            <p:cond delay="0"/>
+                                          </p:stCondLst>
+                                        </p:cTn>
+                                        <p:tgtEl>
+                                          <p:spTgt spid="3"/>
+                                        </p:tgtEl>
+                                        <p:attrNameLst>
+                                          <p:attrName>style.visibility</p:attrName>
+                                        </p:attrNameLst>
+                                      </p:cBhvr>
+                                      <p:to>
+                                        <p:strVal val="visible"/>
+                                      </p:to>
+                                    </p:set>
+                                    <p:anim calcmode="lin" valueType="num">
+                                      <p:cBhvr additive="base">
+                                        <p:cTn id="7" dur="500" fill="hold"/>
+                                        <p:tgtEl>
+                                          <p:spTgt spid="3"/>
+                                        </p:tgtEl>
+                                        <p:attrNameLst>
+                                          <p:attrName>ppt_x</p:attrName>
+                                        </p:attrNameLst>
+                                      </p:cBhvr>
+                                      <p:tavLst>
+                                        <p:tav tm="0">
+                                          <p:val>
+                                            <p:strVal val="#ppt_x"/>
+                                          </p:val>
+                                        </p:tav>
+                                        <p:tav tm="100000">
+                                          <p:val>
+                                            <p:strVal val="#ppt_x"/>
+                                          </p:val>
+                                        </p:tav>
+                                      </p:tavLst>
+                                    </p:anim>
+                                    <p:anim calcmode="lin" valueType="num">
+                                      <p:cBhvr additive="base">
+                                        <p:cTn id="8" dur="500" fill="hold"/>
+                                        <p:tgtEl>
+                                          <p:spTgt spid="3"/>
+                                        </p:tgtEl>
+                                        <p:attrNameLst>
+                                          <p:attrName>ppt_y</p:attrName>
+                                        </p:attrNameLst>
+                                      </p:cBhvr>
+                                      <p:tavLst>
+                                        <p:tav tm="0">
+                                          <p:val>
+                                            <p:strVal val="1+#ppt_h/2"/>
+                                          </p:val>
+                                        </p:tav>
+                                        <p:tav tm="100000">
+                                          <p:val>
+                                            <p:strVal val="#ppt_y"/>
+                                          </p:val>
+                                        </p:tav>
+                                      </p:tavLst>
+                                    </p:anim>
+                                  </p:childTnLst>
+                                </p:cTn>
+                              </p:par>
+                            </p:childTnLst>
+                          </p:cTn>
+                        </p:par>
+                      </p:childTnLst>
+                    </p:cTn>
+                  </p:par>
+                  <p:par>
+                    <p:cTn id="9" fill="hold">
+                      <p:stCondLst>
+                        <p:cond delay="indefinite"/>
+                      </p:stCondLst>
+                      <p:childTnLst>
+                        <p:par>
+                          <p:cTn id="10" fill="hold">
+                            <p:stCondLst>
+                              <p:cond delay="0"/>
+                            </p:stCondLst>
+                            <p:childTnLst>
+                              <p:par>
+                                <p:cTn id="11" presetID="21" presetClass="entr" presetSubtype="1" fill="hold" nodeType="clickEffect">
+                                  <p:stCondLst>
+                                    <p:cond delay="0"/>
+                                  </p:stCondLst>
+                                  <p:childTnLst>
+                                    <p:set>
+                                      <p:cBhvr>
+                                        <p:cTn id="12" dur="1" fill="hold">
+                                          <p:stCondLst>
+                                            <p:cond delay="0"/>
+                                          </p:stCondLst>
+                                        </p:cTn>
+                                        <p:tgtEl>
+                                          <p:spTgt spid="2050"/>
+                                        </p:tgtEl>
+                                        <p:attrNameLst>
+                                          <p:attrName>style.visibility</p:attrName>
+                                        </p:attrNameLst>
+                                      </p:cBhvr>
+                                      <p:to>
+                                        <p:strVal val="visible"/>
+                                      </p:to>
+                                    </p:set>
+                                    <p:animEffect transition="in" filter="wheel(1)">
+                                      <p:cBhvr>
+                                        <p:cTn id="13" dur="2000"/>
+                                        <p:tgtEl>
+                                          <p:spTgt spid="2050"/>
+                                        </p:tgtEl>
+                                      </p:cBhvr>
+                                    </p:animEffect>
+                                  </p:childTnLst>
+                                </p:cTn>
+                              </p:par>
+                            </p:childTnLst>
+                          </p:cTn>
+                        </p:par>
+                      </p:childTnLst>
+                    </p:cTn>
+                  </p:par>
+                </p:childTnLst>
+              </p:cTn>
+              <p:prevCondLst>
+                <p:cond evt="onPrev" delay="0">
+                  <p:tgtEl>
+                    <p:sldTgt/>
+                  </p:tgtEl>
+                </p:cond>
+              </p:prevCondLst>
+              <p:nextCondLst>
+                <p:cond evt="onNext" delay="0">
+                  <p:tgtEl>
+                    <p:sldTgt/>
+                  </p:tgtEl>
+                </p:cond>
+              </p:nextCondLst>
+            </p:seq>
+          </p:childTnLst>
+        </p:cTn>
+      </p:par>
+    </p:tnLst>
+    <p:bldLst>
+      <p:bldP spid="3" grpId="0"/>
+    </p:bldLst>
+  </p:timing>
+</p:sld>
+</file>
+
+<file path=ppt/slides/slide15.xml><?xml version="1.0" encoding="utf-8"?>
+<p:sld xmlns:a="http://schemas.openxmlformats.org/drawingml/2006/main" xmlns:r="http://schemas.openxmlformats.org/officeDocument/2006/relationships" xmlns:p="http://schemas.openxmlformats.org/presentationml/2006/main">
+  <p:cSld>
+    <p:spTree>
+      <p:nvGrpSpPr>
+        <p:cNvPr id="1" name=""/>
+        <p:cNvGrpSpPr/>
+        <p:nvPr/>
+      </p:nvGrpSpPr>
+      <p:grpSpPr>
+        <a:xfrm>
+          <a:off x="0" y="0"/>
+          <a:ext cx="0" cy="0"/>
+          <a:chOff x="0" y="0"/>
+          <a:chExt cx="0" cy="0"/>
+        </a:xfrm>
+      </p:grpSpPr>
+      <p:sp>
+        <p:nvSpPr>
+          <p:cNvPr id="2" name="文本框 1">
+            <a:extLst>
+              <a:ext uri="{FF2B5EF4-FFF2-40B4-BE49-F238E27FC236}">
+                <a16:creationId xmlns:a16="http://schemas.microsoft.com/office/drawing/2014/main" id="{89F9A4B2-786D-4CB5-9436-889B73E9BDD2}"/>
+              </a:ext>
+            </a:extLst>
+          </p:cNvPr>
+          <p:cNvSpPr txBox="1"/>
+          <p:nvPr/>
+        </p:nvSpPr>
+        <p:spPr>
+          <a:xfrm>
+            <a:off x="3570572" y="4587974"/>
+            <a:ext cx="2002856" cy="369332"/>
+          </a:xfrm>
+          <a:prstGeom prst="rect">
+            <a:avLst/>
+          </a:prstGeom>
+          <a:noFill/>
+        </p:spPr>
+        <p:txBody>
+          <a:bodyPr wrap="none" rtlCol="0">
+            <a:spAutoFit/>
+          </a:bodyPr>
+          <a:lstStyle/>
+          <a:p>
+            <a:r>
+              <a:rPr lang="en-US" altLang="zh-CN" u="sng" dirty="0"/>
+              <a:t>https://gulpjs.com/</a:t>
+            </a:r>
+            <a:endParaRPr lang="zh-CN" altLang="en-US" dirty="0"/>
+          </a:p>
+        </p:txBody>
+      </p:sp>
+      <p:pic>
+        <p:nvPicPr>
+          <p:cNvPr id="3" name="图片 2">
+            <a:extLst>
+              <a:ext uri="{FF2B5EF4-FFF2-40B4-BE49-F238E27FC236}">
+                <a16:creationId xmlns:a16="http://schemas.microsoft.com/office/drawing/2014/main" id="{E40692F2-7E46-449A-8216-F5775D7389CA}"/>
+              </a:ext>
+            </a:extLst>
+          </p:cNvPr>
+          <p:cNvPicPr>
+            <a:picLocks noChangeAspect="1"/>
+          </p:cNvPicPr>
+          <p:nvPr/>
+        </p:nvPicPr>
+        <p:blipFill>
+          <a:blip r:embed="rId3"/>
+          <a:stretch>
+            <a:fillRect/>
+          </a:stretch>
+        </p:blipFill>
+        <p:spPr>
+          <a:xfrm>
+            <a:off x="899592" y="555526"/>
+            <a:ext cx="7596336" cy="3700241"/>
+          </a:xfrm>
+          <a:prstGeom prst="rect">
+            <a:avLst/>
+          </a:prstGeom>
+        </p:spPr>
+      </p:pic>
+      <p:sp>
+        <p:nvSpPr>
+          <p:cNvPr id="4" name="文本框 3">
+            <a:extLst>
+              <a:ext uri="{FF2B5EF4-FFF2-40B4-BE49-F238E27FC236}">
+                <a16:creationId xmlns:a16="http://schemas.microsoft.com/office/drawing/2014/main" id="{62292162-72C3-4ED1-8CBD-E2665F0C6B5C}"/>
+              </a:ext>
+            </a:extLst>
+          </p:cNvPr>
+          <p:cNvSpPr txBox="1"/>
+          <p:nvPr/>
+        </p:nvSpPr>
+        <p:spPr>
+          <a:xfrm>
+            <a:off x="6876256" y="370860"/>
+            <a:ext cx="792088" cy="369332"/>
+          </a:xfrm>
+          <a:prstGeom prst="rect">
+            <a:avLst/>
+          </a:prstGeom>
+          <a:noFill/>
+        </p:spPr>
+        <p:txBody>
+          <a:bodyPr wrap="square" rtlCol="0">
+            <a:spAutoFit/>
+          </a:bodyPr>
+          <a:lstStyle/>
+          <a:p>
+            <a:r>
+              <a:rPr lang="zh-CN" altLang="en-US" dirty="0"/>
+              <a:t>插件</a:t>
+            </a:r>
+          </a:p>
+        </p:txBody>
+      </p:sp>
+    </p:spTree>
+    <p:extLst>
+      <p:ext uri="{BB962C8B-B14F-4D97-AF65-F5344CB8AC3E}">
+        <p14:creationId xmlns:p14="http://schemas.microsoft.com/office/powerpoint/2010/main" val="395349634"/>
+      </p:ext>
+    </p:extLst>
+  </p:cSld>
+  <p:clrMapOvr>
+    <a:masterClrMapping/>
+  </p:clrMapOvr>
+</p:sld>
+</file>
+
+<file path=ppt/slides/slide16.xml><?xml version="1.0" encoding="utf-8"?>
+<p:sld xmlns:a="http://schemas.openxmlformats.org/drawingml/2006/main" xmlns:r="http://schemas.openxmlformats.org/officeDocument/2006/relationships" xmlns:p="http://schemas.openxmlformats.org/presentationml/2006/main">
+  <p:cSld>
+    <p:spTree>
+      <p:nvGrpSpPr>
+        <p:cNvPr id="1" name=""/>
+        <p:cNvGrpSpPr/>
+        <p:nvPr/>
+      </p:nvGrpSpPr>
+      <p:grpSpPr>
+        <a:xfrm>
+          <a:off x="0" y="0"/>
+          <a:ext cx="0" cy="0"/>
+          <a:chOff x="0" y="0"/>
+          <a:chExt cx="0" cy="0"/>
+        </a:xfrm>
+      </p:grpSpPr>
+      <p:pic>
+        <p:nvPicPr>
+          <p:cNvPr id="4" name="图片 3">
+            <a:extLst>
+              <a:ext uri="{FF2B5EF4-FFF2-40B4-BE49-F238E27FC236}">
+                <a16:creationId xmlns:a16="http://schemas.microsoft.com/office/drawing/2014/main" id="{78AE8FDD-953E-495C-A15E-3AE75180DCA5}"/>
+              </a:ext>
+            </a:extLst>
+          </p:cNvPr>
+          <p:cNvPicPr>
+            <a:picLocks noChangeAspect="1"/>
+          </p:cNvPicPr>
+          <p:nvPr/>
+        </p:nvPicPr>
+        <p:blipFill>
+          <a:blip r:embed="rId3"/>
+          <a:stretch>
+            <a:fillRect/>
+          </a:stretch>
+        </p:blipFill>
+        <p:spPr>
+          <a:xfrm>
+            <a:off x="107504" y="1059582"/>
+            <a:ext cx="4990476" cy="2552381"/>
+          </a:xfrm>
+          <a:prstGeom prst="rect">
+            <a:avLst/>
+          </a:prstGeom>
+        </p:spPr>
+      </p:pic>
+      <p:pic>
+        <p:nvPicPr>
+          <p:cNvPr id="6" name="图片 5">
+            <a:extLst>
+              <a:ext uri="{FF2B5EF4-FFF2-40B4-BE49-F238E27FC236}">
+                <a16:creationId xmlns:a16="http://schemas.microsoft.com/office/drawing/2014/main" id="{34AA6CE3-BD6E-4591-9F1C-0FF88A7FAEBB}"/>
+              </a:ext>
+            </a:extLst>
+          </p:cNvPr>
+          <p:cNvPicPr>
+            <a:picLocks noChangeAspect="1"/>
+          </p:cNvPicPr>
+          <p:nvPr/>
+        </p:nvPicPr>
+        <p:blipFill>
+          <a:blip r:embed="rId4"/>
+          <a:stretch>
+            <a:fillRect/>
+          </a:stretch>
+        </p:blipFill>
+        <p:spPr>
+          <a:xfrm>
+            <a:off x="5196697" y="428893"/>
+            <a:ext cx="3923809" cy="4285714"/>
+          </a:xfrm>
+          <a:prstGeom prst="rect">
+            <a:avLst/>
+          </a:prstGeom>
+        </p:spPr>
+      </p:pic>
+    </p:spTree>
+    <p:extLst>
+      <p:ext uri="{BB962C8B-B14F-4D97-AF65-F5344CB8AC3E}">
+        <p14:creationId xmlns:p14="http://schemas.microsoft.com/office/powerpoint/2010/main" val="3593913593"/>
+      </p:ext>
+    </p:extLst>
+  </p:cSld>
+  <p:clrMapOvr>
+    <a:masterClrMapping/>
+  </p:clrMapOvr>
+</p:sld>
+</file>
+
+<file path=ppt/slides/slide17.xml><?xml version="1.0" encoding="utf-8"?>
+<p:sld xmlns:a="http://schemas.openxmlformats.org/drawingml/2006/main" xmlns:r="http://schemas.openxmlformats.org/officeDocument/2006/relationships" xmlns:p="http://schemas.openxmlformats.org/presentationml/2006/main">
+  <p:cSld>
+    <p:spTree>
+      <p:nvGrpSpPr>
+        <p:cNvPr id="1" name=""/>
+        <p:cNvGrpSpPr/>
+        <p:nvPr/>
+      </p:nvGrpSpPr>
+      <p:grpSpPr>
+        <a:xfrm>
+          <a:off x="0" y="0"/>
+          <a:ext cx="0" cy="0"/>
+          <a:chOff x="0" y="0"/>
+          <a:chExt cx="0" cy="0"/>
+        </a:xfrm>
+      </p:grpSpPr>
+      <p:sp>
+        <p:nvSpPr>
           <p:cNvPr id="14" name="矩形"/>
           <p:cNvSpPr>
             <a:spLocks/>
@@ -9049,7 +13293,7 @@
 </p:sld>
 </file>
 
-<file path=ppt/slides/slide11.xml><?xml version="1.0" encoding="utf-8"?>
+<file path=ppt/slides/slide18.xml><?xml version="1.0" encoding="utf-8"?>
 <p:sld xmlns:a="http://schemas.openxmlformats.org/drawingml/2006/main" xmlns:r="http://schemas.openxmlformats.org/officeDocument/2006/relationships" xmlns:p="http://schemas.openxmlformats.org/presentationml/2006/main">
   <p:cSld>
     <p:spTree>
@@ -9490,7 +13734,7 @@
 </p:sld>
 </file>
 
-<file path=ppt/slides/slide12.xml><?xml version="1.0" encoding="utf-8"?>
+<file path=ppt/slides/slide19.xml><?xml version="1.0" encoding="utf-8"?>
 <p:sld xmlns:a="http://schemas.openxmlformats.org/drawingml/2006/main" xmlns:r="http://schemas.openxmlformats.org/officeDocument/2006/relationships" xmlns:p="http://schemas.openxmlformats.org/presentationml/2006/main">
   <p:cSld>
     <p:spTree>
@@ -9913,7 +14157,295 @@
 </p:sld>
 </file>
 
-<file path=ppt/slides/slide13.xml><?xml version="1.0" encoding="utf-8"?>
+<file path=ppt/slides/slide2.xml><?xml version="1.0" encoding="utf-8"?>
+<p:sld xmlns:a="http://schemas.openxmlformats.org/drawingml/2006/main" xmlns:r="http://schemas.openxmlformats.org/officeDocument/2006/relationships" xmlns:p="http://schemas.openxmlformats.org/presentationml/2006/main">
+  <p:cSld>
+    <p:spTree>
+      <p:nvGrpSpPr>
+        <p:cNvPr id="1" name=""/>
+        <p:cNvGrpSpPr/>
+        <p:nvPr/>
+      </p:nvGrpSpPr>
+      <p:grpSpPr>
+        <a:xfrm>
+          <a:off x="0" y="0"/>
+          <a:ext cx="0" cy="0"/>
+          <a:chOff x="0" y="0"/>
+          <a:chExt cx="0" cy="0"/>
+        </a:xfrm>
+      </p:grpSpPr>
+      <p:sp>
+        <p:nvSpPr>
+          <p:cNvPr id="2" name="矩形"/>
+          <p:cNvSpPr>
+            <a:spLocks/>
+          </p:cNvSpPr>
+          <p:nvPr/>
+        </p:nvSpPr>
+        <p:spPr>
+          <a:xfrm>
+            <a:off x="3162424" y="142106"/>
+            <a:ext cx="3057247" cy="800219"/>
+          </a:xfrm>
+          <a:prstGeom prst="rect">
+            <a:avLst/>
+          </a:prstGeom>
+          <a:noFill/>
+          <a:ln w="9525" cap="flat" cmpd="sng">
+            <a:noFill/>
+            <a:prstDash val="solid"/>
+            <a:miter/>
+          </a:ln>
+        </p:spPr>
+        <p:txBody>
+          <a:bodyPr vert="horz" wrap="none" lIns="91440" tIns="45720" rIns="91440" bIns="45720" anchor="t" anchorCtr="0">
+            <a:prstTxWarp prst="textNoShape">
+              <a:avLst/>
+            </a:prstTxWarp>
+            <a:spAutoFit/>
+          </a:bodyPr>
+          <a:lstStyle/>
+          <a:p>
+            <a:pPr algn="ctr"/>
+            <a:r>
+              <a:rPr lang="zh-CN" altLang="zh-CN" sz="2800" b="1" kern="0" dirty="0">
+                <a:solidFill>
+                  <a:srgbClr val="C9394A"/>
+                </a:solidFill>
+                <a:latin typeface="微软雅黑" charset="0"/>
+                <a:ea typeface="微软雅黑" charset="0"/>
+              </a:rPr>
+              <a:t>什么是自动化构建</a:t>
+            </a:r>
+          </a:p>
+          <a:p>
+            <a:pPr algn="ctr"/>
+            <a:endParaRPr lang="zh-CN" altLang="en-US" u="none" strike="noStrike" kern="1200" cap="none" spc="0" baseline="0" dirty="0">
+              <a:solidFill>
+                <a:schemeClr val="tx1"/>
+              </a:solidFill>
+              <a:latin typeface="Calibri" pitchFamily="34" charset="0"/>
+              <a:ea typeface="宋体" pitchFamily="2" charset="-122"/>
+              <a:cs typeface="微软雅黑" charset="0"/>
+            </a:endParaRPr>
+          </a:p>
+        </p:txBody>
+      </p:sp>
+      <p:sp>
+        <p:nvSpPr>
+          <p:cNvPr id="4" name="矩形 3">
+            <a:extLst>
+              <a:ext uri="{FF2B5EF4-FFF2-40B4-BE49-F238E27FC236}">
+                <a16:creationId xmlns:a16="http://schemas.microsoft.com/office/drawing/2014/main" id="{FF5D7532-CC57-4204-8FE6-3CC51288568E}"/>
+              </a:ext>
+            </a:extLst>
+          </p:cNvPr>
+          <p:cNvSpPr/>
+          <p:nvPr/>
+        </p:nvSpPr>
+        <p:spPr>
+          <a:xfrm>
+            <a:off x="971600" y="958680"/>
+            <a:ext cx="7200800" cy="1566904"/>
+          </a:xfrm>
+          <a:prstGeom prst="rect">
+            <a:avLst/>
+          </a:prstGeom>
+        </p:spPr>
+        <p:txBody>
+          <a:bodyPr wrap="square">
+            <a:spAutoFit/>
+          </a:bodyPr>
+          <a:lstStyle/>
+          <a:p>
+            <a:pPr algn="just">
+              <a:lnSpc>
+                <a:spcPct val="150000"/>
+              </a:lnSpc>
+            </a:pPr>
+            <a:r>
+              <a:rPr lang="zh-CN" altLang="zh-CN" sz="1600" kern="100" dirty="0">
+                <a:latin typeface="微软雅黑" panose="020B0503020204020204" pitchFamily="34" charset="-122"/>
+                <a:ea typeface="微软雅黑" panose="020B0503020204020204" pitchFamily="34" charset="-122"/>
+                <a:cs typeface="Times New Roman" panose="02020603050405020304" pitchFamily="18" charset="0"/>
+              </a:rPr>
+              <a:t>从前端的角度来讲，如何</a:t>
+            </a:r>
+            <a:r>
+              <a:rPr lang="zh-CN" altLang="zh-CN" sz="1600" b="1" kern="100" dirty="0">
+                <a:solidFill>
+                  <a:srgbClr val="FF0000"/>
+                </a:solidFill>
+                <a:latin typeface="微软雅黑" panose="020B0503020204020204" pitchFamily="34" charset="-122"/>
+                <a:ea typeface="微软雅黑" panose="020B0503020204020204" pitchFamily="34" charset="-122"/>
+                <a:cs typeface="Times New Roman" panose="02020603050405020304" pitchFamily="18" charset="0"/>
+              </a:rPr>
+              <a:t>优化网站</a:t>
+            </a:r>
+            <a:r>
+              <a:rPr lang="zh-CN" altLang="zh-CN" sz="1600" kern="100" dirty="0">
+                <a:latin typeface="微软雅黑" panose="020B0503020204020204" pitchFamily="34" charset="-122"/>
+                <a:ea typeface="微软雅黑" panose="020B0503020204020204" pitchFamily="34" charset="-122"/>
+                <a:cs typeface="Times New Roman" panose="02020603050405020304" pitchFamily="18" charset="0"/>
+              </a:rPr>
+              <a:t>，提升</a:t>
+            </a:r>
+            <a:r>
+              <a:rPr lang="zh-CN" altLang="zh-CN" sz="1600" b="1" kern="100" dirty="0">
+                <a:solidFill>
+                  <a:srgbClr val="FF0000"/>
+                </a:solidFill>
+                <a:latin typeface="微软雅黑" panose="020B0503020204020204" pitchFamily="34" charset="-122"/>
+                <a:ea typeface="微软雅黑" panose="020B0503020204020204" pitchFamily="34" charset="-122"/>
+                <a:cs typeface="Times New Roman" panose="02020603050405020304" pitchFamily="18" charset="0"/>
+              </a:rPr>
+              <a:t>网站性能</a:t>
+            </a:r>
+            <a:r>
+              <a:rPr lang="en-US" altLang="zh-CN" sz="1600" kern="100" dirty="0">
+                <a:latin typeface="微软雅黑" panose="020B0503020204020204" pitchFamily="34" charset="-122"/>
+                <a:ea typeface="微软雅黑" panose="020B0503020204020204" pitchFamily="34" charset="-122"/>
+                <a:cs typeface="Times New Roman" panose="02020603050405020304" pitchFamily="18" charset="0"/>
+              </a:rPr>
+              <a:t>?</a:t>
+            </a:r>
+          </a:p>
+          <a:p>
+            <a:pPr algn="just">
+              <a:lnSpc>
+                <a:spcPct val="150000"/>
+              </a:lnSpc>
+            </a:pPr>
+            <a:endParaRPr lang="zh-CN" altLang="zh-CN" sz="1600" kern="100" dirty="0">
+              <a:latin typeface="微软雅黑" panose="020B0503020204020204" pitchFamily="34" charset="-122"/>
+              <a:ea typeface="微软雅黑" panose="020B0503020204020204" pitchFamily="34" charset="-122"/>
+              <a:cs typeface="Times New Roman" panose="02020603050405020304" pitchFamily="18" charset="0"/>
+            </a:endParaRPr>
+          </a:p>
+          <a:p>
+            <a:pPr algn="just">
+              <a:lnSpc>
+                <a:spcPct val="150000"/>
+              </a:lnSpc>
+            </a:pPr>
+            <a:r>
+              <a:rPr lang="zh-CN" altLang="zh-CN" sz="1600" kern="100" dirty="0">
+                <a:latin typeface="微软雅黑" panose="020B0503020204020204" pitchFamily="34" charset="-122"/>
+                <a:ea typeface="微软雅黑" panose="020B0503020204020204" pitchFamily="34" charset="-122"/>
+                <a:cs typeface="Times New Roman" panose="02020603050405020304" pitchFamily="18" charset="0"/>
+              </a:rPr>
+              <a:t>浏览器端</a:t>
+            </a:r>
+            <a:r>
+              <a:rPr lang="en-US" altLang="zh-CN" sz="1600" kern="100" dirty="0">
+                <a:latin typeface="微软雅黑" panose="020B0503020204020204" pitchFamily="34" charset="-122"/>
+                <a:ea typeface="微软雅黑" panose="020B0503020204020204" pitchFamily="34" charset="-122"/>
+                <a:cs typeface="Times New Roman" panose="02020603050405020304" pitchFamily="18" charset="0"/>
+              </a:rPr>
+              <a:t> &lt;---&gt; </a:t>
+            </a:r>
+            <a:r>
+              <a:rPr lang="zh-CN" altLang="zh-CN" sz="1600" kern="100" dirty="0">
+                <a:latin typeface="微软雅黑" panose="020B0503020204020204" pitchFamily="34" charset="-122"/>
+                <a:ea typeface="微软雅黑" panose="020B0503020204020204" pitchFamily="34" charset="-122"/>
+                <a:cs typeface="Times New Roman" panose="02020603050405020304" pitchFamily="18" charset="0"/>
+              </a:rPr>
+              <a:t>服务器端</a:t>
+            </a:r>
+            <a:endParaRPr lang="en-US" altLang="zh-CN" sz="1600" kern="100" dirty="0">
+              <a:latin typeface="微软雅黑" panose="020B0503020204020204" pitchFamily="34" charset="-122"/>
+              <a:ea typeface="微软雅黑" panose="020B0503020204020204" pitchFamily="34" charset="-122"/>
+              <a:cs typeface="Times New Roman" panose="02020603050405020304" pitchFamily="18" charset="0"/>
+            </a:endParaRPr>
+          </a:p>
+          <a:p>
+            <a:pPr algn="just">
+              <a:lnSpc>
+                <a:spcPct val="150000"/>
+              </a:lnSpc>
+            </a:pPr>
+            <a:endParaRPr lang="zh-CN" altLang="zh-CN" kern="100" dirty="0">
+              <a:latin typeface="微软雅黑" panose="020B0503020204020204" pitchFamily="34" charset="-122"/>
+              <a:ea typeface="微软雅黑" panose="020B0503020204020204" pitchFamily="34" charset="-122"/>
+              <a:cs typeface="Times New Roman" panose="02020603050405020304" pitchFamily="18" charset="0"/>
+            </a:endParaRPr>
+          </a:p>
+        </p:txBody>
+      </p:sp>
+      <p:pic>
+        <p:nvPicPr>
+          <p:cNvPr id="2050" name="图片 1">
+            <a:extLst>
+              <a:ext uri="{FF2B5EF4-FFF2-40B4-BE49-F238E27FC236}">
+                <a16:creationId xmlns:a16="http://schemas.microsoft.com/office/drawing/2014/main" id="{B31614B1-44E6-47DF-99BC-575F3AFAC52F}"/>
+              </a:ext>
+            </a:extLst>
+          </p:cNvPr>
+          <p:cNvPicPr>
+            <a:picLocks noChangeAspect="1" noChangeArrowheads="1"/>
+          </p:cNvPicPr>
+          <p:nvPr/>
+        </p:nvPicPr>
+        <p:blipFill>
+          <a:blip r:embed="rId2">
+            <a:extLst>
+              <a:ext uri="{28A0092B-C50C-407E-A947-70E740481C1C}">
+                <a14:useLocalDpi xmlns:a14="http://schemas.microsoft.com/office/drawing/2010/main" val="0"/>
+              </a:ext>
+            </a:extLst>
+          </a:blip>
+          <a:srcRect/>
+          <a:stretch>
+            <a:fillRect/>
+          </a:stretch>
+        </p:blipFill>
+        <p:spPr bwMode="auto">
+          <a:xfrm>
+            <a:off x="1835696" y="2398964"/>
+            <a:ext cx="4835277" cy="2693066"/>
+          </a:xfrm>
+          <a:prstGeom prst="rect">
+            <a:avLst/>
+          </a:prstGeom>
+          <a:noFill/>
+          <a:ln>
+            <a:noFill/>
+          </a:ln>
+          <a:extLst>
+            <a:ext uri="{909E8E84-426E-40DD-AFC4-6F175D3DCCD1}">
+              <a14:hiddenFill xmlns:a14="http://schemas.microsoft.com/office/drawing/2010/main">
+                <a:solidFill>
+                  <a:srgbClr val="FFFFFF"/>
+                </a:solidFill>
+              </a14:hiddenFill>
+            </a:ext>
+            <a:ext uri="{91240B29-F687-4F45-9708-019B960494DF}">
+              <a14:hiddenLine xmlns:a14="http://schemas.microsoft.com/office/drawing/2010/main" w="9525">
+                <a:solidFill>
+                  <a:srgbClr val="000000"/>
+                </a:solidFill>
+                <a:miter lim="800000"/>
+                <a:headEnd/>
+                <a:tailEnd/>
+              </a14:hiddenLine>
+            </a:ext>
+          </a:extLst>
+        </p:spPr>
+      </p:pic>
+    </p:spTree>
+    <p:extLst>
+      <p:ext uri="{BB962C8B-B14F-4D97-AF65-F5344CB8AC3E}">
+        <p14:creationId xmlns:p14="http://schemas.microsoft.com/office/powerpoint/2010/main" val="133780698"/>
+      </p:ext>
+    </p:extLst>
+  </p:cSld>
+  <p:clrMapOvr>
+    <a:masterClrMapping/>
+  </p:clrMapOvr>
+</p:sld>
+</file>
+
+<file path=ppt/slides/slide20.xml><?xml version="1.0" encoding="utf-8"?>
 <p:sld xmlns:a="http://schemas.openxmlformats.org/drawingml/2006/main" xmlns:r="http://schemas.openxmlformats.org/officeDocument/2006/relationships" xmlns:p="http://schemas.openxmlformats.org/presentationml/2006/main">
   <p:cSld>
     <p:spTree>
@@ -10411,7 +14943,7 @@
 </p:sld>
 </file>
 
-<file path=ppt/slides/slide14.xml><?xml version="1.0" encoding="utf-8"?>
+<file path=ppt/slides/slide21.xml><?xml version="1.0" encoding="utf-8"?>
 <p:sld xmlns:a="http://schemas.openxmlformats.org/drawingml/2006/main" xmlns:r="http://schemas.openxmlformats.org/officeDocument/2006/relationships" xmlns:p="http://schemas.openxmlformats.org/presentationml/2006/main">
   <p:cSld>
     <p:spTree>
@@ -10731,7 +15263,7 @@
 </p:sld>
 </file>
 
-<file path=ppt/slides/slide15.xml><?xml version="1.0" encoding="utf-8"?>
+<file path=ppt/slides/slide22.xml><?xml version="1.0" encoding="utf-8"?>
 <p:sld xmlns:a="http://schemas.openxmlformats.org/drawingml/2006/main" xmlns:r="http://schemas.openxmlformats.org/officeDocument/2006/relationships" xmlns:p="http://schemas.openxmlformats.org/presentationml/2006/main">
   <p:cSld>
     <p:spTree>
@@ -10905,7 +15437,7 @@
 </p:sld>
 </file>
 
-<file path=ppt/slides/slide16.xml><?xml version="1.0" encoding="utf-8"?>
+<file path=ppt/slides/slide23.xml><?xml version="1.0" encoding="utf-8"?>
 <p:sld xmlns:a="http://schemas.openxmlformats.org/drawingml/2006/main" xmlns:r="http://schemas.openxmlformats.org/officeDocument/2006/relationships" xmlns:p="http://schemas.openxmlformats.org/presentationml/2006/main">
   <p:cSld>
     <p:spTree>
@@ -11237,7 +15769,7 @@
 </p:sld>
 </file>
 
-<file path=ppt/slides/slide17.xml><?xml version="1.0" encoding="utf-8"?>
+<file path=ppt/slides/slide24.xml><?xml version="1.0" encoding="utf-8"?>
 <p:sld xmlns:a="http://schemas.openxmlformats.org/drawingml/2006/main" xmlns:r="http://schemas.openxmlformats.org/officeDocument/2006/relationships" xmlns:p="http://schemas.openxmlformats.org/presentationml/2006/main">
   <p:cSld>
     <p:spTree>
@@ -11594,7 +16126,7 @@
 </p:sld>
 </file>
 
-<file path=ppt/slides/slide18.xml><?xml version="1.0" encoding="utf-8"?>
+<file path=ppt/slides/slide25.xml><?xml version="1.0" encoding="utf-8"?>
 <p:sld xmlns:a="http://schemas.openxmlformats.org/drawingml/2006/main" xmlns:r="http://schemas.openxmlformats.org/officeDocument/2006/relationships" xmlns:p="http://schemas.openxmlformats.org/presentationml/2006/main">
   <p:cSld>
     <p:spTree>
@@ -12014,7 +16546,7 @@
 </p:sld>
 </file>
 
-<file path=ppt/slides/slide19.xml><?xml version="1.0" encoding="utf-8"?>
+<file path=ppt/slides/slide26.xml><?xml version="1.0" encoding="utf-8"?>
 <p:sld xmlns:a="http://schemas.openxmlformats.org/drawingml/2006/main" xmlns:r="http://schemas.openxmlformats.org/officeDocument/2006/relationships" xmlns:p="http://schemas.openxmlformats.org/presentationml/2006/main">
   <p:cSld>
     <p:spTree>
@@ -12114,7 +16646,7 @@
           <a:graphicData uri="http://schemas.openxmlformats.org/presentationml/2006/ole">
             <mc:AlternateContent xmlns:mc="http://schemas.openxmlformats.org/markup-compatibility/2006">
               <mc:Choice xmlns:v="urn:schemas-microsoft-com:vml" Requires="v">
-                <p:oleObj spid="_x0000_s1070" r:id="rId4" imgW="5590440" imgH="4561560" progId="">
+                <p:oleObj spid="_x0000_s1085" r:id="rId4" imgW="5590440" imgH="4561560" progId="">
                   <p:embed/>
                 </p:oleObj>
               </mc:Choice>
@@ -12168,295 +16700,7 @@
 </p:sld>
 </file>
 
-<file path=ppt/slides/slide2.xml><?xml version="1.0" encoding="utf-8"?>
-<p:sld xmlns:a="http://schemas.openxmlformats.org/drawingml/2006/main" xmlns:r="http://schemas.openxmlformats.org/officeDocument/2006/relationships" xmlns:p="http://schemas.openxmlformats.org/presentationml/2006/main">
-  <p:cSld>
-    <p:spTree>
-      <p:nvGrpSpPr>
-        <p:cNvPr id="1" name=""/>
-        <p:cNvGrpSpPr/>
-        <p:nvPr/>
-      </p:nvGrpSpPr>
-      <p:grpSpPr>
-        <a:xfrm>
-          <a:off x="0" y="0"/>
-          <a:ext cx="0" cy="0"/>
-          <a:chOff x="0" y="0"/>
-          <a:chExt cx="0" cy="0"/>
-        </a:xfrm>
-      </p:grpSpPr>
-      <p:sp>
-        <p:nvSpPr>
-          <p:cNvPr id="2" name="矩形"/>
-          <p:cNvSpPr>
-            <a:spLocks/>
-          </p:cNvSpPr>
-          <p:nvPr/>
-        </p:nvSpPr>
-        <p:spPr>
-          <a:xfrm>
-            <a:off x="3162424" y="142106"/>
-            <a:ext cx="3057247" cy="800219"/>
-          </a:xfrm>
-          <a:prstGeom prst="rect">
-            <a:avLst/>
-          </a:prstGeom>
-          <a:noFill/>
-          <a:ln w="9525" cap="flat" cmpd="sng">
-            <a:noFill/>
-            <a:prstDash val="solid"/>
-            <a:miter/>
-          </a:ln>
-        </p:spPr>
-        <p:txBody>
-          <a:bodyPr vert="horz" wrap="none" lIns="91440" tIns="45720" rIns="91440" bIns="45720" anchor="t" anchorCtr="0">
-            <a:prstTxWarp prst="textNoShape">
-              <a:avLst/>
-            </a:prstTxWarp>
-            <a:spAutoFit/>
-          </a:bodyPr>
-          <a:lstStyle/>
-          <a:p>
-            <a:pPr algn="ctr"/>
-            <a:r>
-              <a:rPr lang="zh-CN" altLang="zh-CN" sz="2800" b="1" kern="0" dirty="0">
-                <a:solidFill>
-                  <a:srgbClr val="C9394A"/>
-                </a:solidFill>
-                <a:latin typeface="微软雅黑" charset="0"/>
-                <a:ea typeface="微软雅黑" charset="0"/>
-              </a:rPr>
-              <a:t>什么是自动化构建</a:t>
-            </a:r>
-          </a:p>
-          <a:p>
-            <a:pPr algn="ctr"/>
-            <a:endParaRPr lang="zh-CN" altLang="en-US" u="none" strike="noStrike" kern="1200" cap="none" spc="0" baseline="0" dirty="0">
-              <a:solidFill>
-                <a:schemeClr val="tx1"/>
-              </a:solidFill>
-              <a:latin typeface="Calibri" pitchFamily="34" charset="0"/>
-              <a:ea typeface="宋体" pitchFamily="2" charset="-122"/>
-              <a:cs typeface="微软雅黑" charset="0"/>
-            </a:endParaRPr>
-          </a:p>
-        </p:txBody>
-      </p:sp>
-      <p:sp>
-        <p:nvSpPr>
-          <p:cNvPr id="4" name="矩形 3">
-            <a:extLst>
-              <a:ext uri="{FF2B5EF4-FFF2-40B4-BE49-F238E27FC236}">
-                <a16:creationId xmlns:a16="http://schemas.microsoft.com/office/drawing/2014/main" id="{FF5D7532-CC57-4204-8FE6-3CC51288568E}"/>
-              </a:ext>
-            </a:extLst>
-          </p:cNvPr>
-          <p:cNvSpPr/>
-          <p:nvPr/>
-        </p:nvSpPr>
-        <p:spPr>
-          <a:xfrm>
-            <a:off x="971600" y="958680"/>
-            <a:ext cx="7200800" cy="1566904"/>
-          </a:xfrm>
-          <a:prstGeom prst="rect">
-            <a:avLst/>
-          </a:prstGeom>
-        </p:spPr>
-        <p:txBody>
-          <a:bodyPr wrap="square">
-            <a:spAutoFit/>
-          </a:bodyPr>
-          <a:lstStyle/>
-          <a:p>
-            <a:pPr algn="just">
-              <a:lnSpc>
-                <a:spcPct val="150000"/>
-              </a:lnSpc>
-            </a:pPr>
-            <a:r>
-              <a:rPr lang="zh-CN" altLang="zh-CN" sz="1600" kern="100" dirty="0">
-                <a:latin typeface="微软雅黑" panose="020B0503020204020204" pitchFamily="34" charset="-122"/>
-                <a:ea typeface="微软雅黑" panose="020B0503020204020204" pitchFamily="34" charset="-122"/>
-                <a:cs typeface="Times New Roman" panose="02020603050405020304" pitchFamily="18" charset="0"/>
-              </a:rPr>
-              <a:t>从前端的角度来讲，如何</a:t>
-            </a:r>
-            <a:r>
-              <a:rPr lang="zh-CN" altLang="zh-CN" sz="1600" b="1" kern="100" dirty="0">
-                <a:solidFill>
-                  <a:srgbClr val="FF0000"/>
-                </a:solidFill>
-                <a:latin typeface="微软雅黑" panose="020B0503020204020204" pitchFamily="34" charset="-122"/>
-                <a:ea typeface="微软雅黑" panose="020B0503020204020204" pitchFamily="34" charset="-122"/>
-                <a:cs typeface="Times New Roman" panose="02020603050405020304" pitchFamily="18" charset="0"/>
-              </a:rPr>
-              <a:t>优化网站</a:t>
-            </a:r>
-            <a:r>
-              <a:rPr lang="zh-CN" altLang="zh-CN" sz="1600" kern="100" dirty="0">
-                <a:latin typeface="微软雅黑" panose="020B0503020204020204" pitchFamily="34" charset="-122"/>
-                <a:ea typeface="微软雅黑" panose="020B0503020204020204" pitchFamily="34" charset="-122"/>
-                <a:cs typeface="Times New Roman" panose="02020603050405020304" pitchFamily="18" charset="0"/>
-              </a:rPr>
-              <a:t>，提升</a:t>
-            </a:r>
-            <a:r>
-              <a:rPr lang="zh-CN" altLang="zh-CN" sz="1600" b="1" kern="100" dirty="0">
-                <a:solidFill>
-                  <a:srgbClr val="FF0000"/>
-                </a:solidFill>
-                <a:latin typeface="微软雅黑" panose="020B0503020204020204" pitchFamily="34" charset="-122"/>
-                <a:ea typeface="微软雅黑" panose="020B0503020204020204" pitchFamily="34" charset="-122"/>
-                <a:cs typeface="Times New Roman" panose="02020603050405020304" pitchFamily="18" charset="0"/>
-              </a:rPr>
-              <a:t>网站性能</a:t>
-            </a:r>
-            <a:r>
-              <a:rPr lang="en-US" altLang="zh-CN" sz="1600" kern="100" dirty="0">
-                <a:latin typeface="微软雅黑" panose="020B0503020204020204" pitchFamily="34" charset="-122"/>
-                <a:ea typeface="微软雅黑" panose="020B0503020204020204" pitchFamily="34" charset="-122"/>
-                <a:cs typeface="Times New Roman" panose="02020603050405020304" pitchFamily="18" charset="0"/>
-              </a:rPr>
-              <a:t>?</a:t>
-            </a:r>
-          </a:p>
-          <a:p>
-            <a:pPr algn="just">
-              <a:lnSpc>
-                <a:spcPct val="150000"/>
-              </a:lnSpc>
-            </a:pPr>
-            <a:endParaRPr lang="zh-CN" altLang="zh-CN" sz="1600" kern="100" dirty="0">
-              <a:latin typeface="微软雅黑" panose="020B0503020204020204" pitchFamily="34" charset="-122"/>
-              <a:ea typeface="微软雅黑" panose="020B0503020204020204" pitchFamily="34" charset="-122"/>
-              <a:cs typeface="Times New Roman" panose="02020603050405020304" pitchFamily="18" charset="0"/>
-            </a:endParaRPr>
-          </a:p>
-          <a:p>
-            <a:pPr algn="just">
-              <a:lnSpc>
-                <a:spcPct val="150000"/>
-              </a:lnSpc>
-            </a:pPr>
-            <a:r>
-              <a:rPr lang="zh-CN" altLang="zh-CN" sz="1600" kern="100" dirty="0">
-                <a:latin typeface="微软雅黑" panose="020B0503020204020204" pitchFamily="34" charset="-122"/>
-                <a:ea typeface="微软雅黑" panose="020B0503020204020204" pitchFamily="34" charset="-122"/>
-                <a:cs typeface="Times New Roman" panose="02020603050405020304" pitchFamily="18" charset="0"/>
-              </a:rPr>
-              <a:t>浏览器端</a:t>
-            </a:r>
-            <a:r>
-              <a:rPr lang="en-US" altLang="zh-CN" sz="1600" kern="100" dirty="0">
-                <a:latin typeface="微软雅黑" panose="020B0503020204020204" pitchFamily="34" charset="-122"/>
-                <a:ea typeface="微软雅黑" panose="020B0503020204020204" pitchFamily="34" charset="-122"/>
-                <a:cs typeface="Times New Roman" panose="02020603050405020304" pitchFamily="18" charset="0"/>
-              </a:rPr>
-              <a:t> &lt;---&gt; </a:t>
-            </a:r>
-            <a:r>
-              <a:rPr lang="zh-CN" altLang="zh-CN" sz="1600" kern="100" dirty="0">
-                <a:latin typeface="微软雅黑" panose="020B0503020204020204" pitchFamily="34" charset="-122"/>
-                <a:ea typeface="微软雅黑" panose="020B0503020204020204" pitchFamily="34" charset="-122"/>
-                <a:cs typeface="Times New Roman" panose="02020603050405020304" pitchFamily="18" charset="0"/>
-              </a:rPr>
-              <a:t>服务器端</a:t>
-            </a:r>
-            <a:endParaRPr lang="en-US" altLang="zh-CN" sz="1600" kern="100" dirty="0">
-              <a:latin typeface="微软雅黑" panose="020B0503020204020204" pitchFamily="34" charset="-122"/>
-              <a:ea typeface="微软雅黑" panose="020B0503020204020204" pitchFamily="34" charset="-122"/>
-              <a:cs typeface="Times New Roman" panose="02020603050405020304" pitchFamily="18" charset="0"/>
-            </a:endParaRPr>
-          </a:p>
-          <a:p>
-            <a:pPr algn="just">
-              <a:lnSpc>
-                <a:spcPct val="150000"/>
-              </a:lnSpc>
-            </a:pPr>
-            <a:endParaRPr lang="zh-CN" altLang="zh-CN" kern="100" dirty="0">
-              <a:latin typeface="微软雅黑" panose="020B0503020204020204" pitchFamily="34" charset="-122"/>
-              <a:ea typeface="微软雅黑" panose="020B0503020204020204" pitchFamily="34" charset="-122"/>
-              <a:cs typeface="Times New Roman" panose="02020603050405020304" pitchFamily="18" charset="0"/>
-            </a:endParaRPr>
-          </a:p>
-        </p:txBody>
-      </p:sp>
-      <p:pic>
-        <p:nvPicPr>
-          <p:cNvPr id="2050" name="图片 1">
-            <a:extLst>
-              <a:ext uri="{FF2B5EF4-FFF2-40B4-BE49-F238E27FC236}">
-                <a16:creationId xmlns:a16="http://schemas.microsoft.com/office/drawing/2014/main" id="{B31614B1-44E6-47DF-99BC-575F3AFAC52F}"/>
-              </a:ext>
-            </a:extLst>
-          </p:cNvPr>
-          <p:cNvPicPr>
-            <a:picLocks noChangeAspect="1" noChangeArrowheads="1"/>
-          </p:cNvPicPr>
-          <p:nvPr/>
-        </p:nvPicPr>
-        <p:blipFill>
-          <a:blip r:embed="rId2">
-            <a:extLst>
-              <a:ext uri="{28A0092B-C50C-407E-A947-70E740481C1C}">
-                <a14:useLocalDpi xmlns:a14="http://schemas.microsoft.com/office/drawing/2010/main" val="0"/>
-              </a:ext>
-            </a:extLst>
-          </a:blip>
-          <a:srcRect/>
-          <a:stretch>
-            <a:fillRect/>
-          </a:stretch>
-        </p:blipFill>
-        <p:spPr bwMode="auto">
-          <a:xfrm>
-            <a:off x="1835696" y="2398964"/>
-            <a:ext cx="4835277" cy="2693066"/>
-          </a:xfrm>
-          <a:prstGeom prst="rect">
-            <a:avLst/>
-          </a:prstGeom>
-          <a:noFill/>
-          <a:ln>
-            <a:noFill/>
-          </a:ln>
-          <a:extLst>
-            <a:ext uri="{909E8E84-426E-40DD-AFC4-6F175D3DCCD1}">
-              <a14:hiddenFill xmlns:a14="http://schemas.microsoft.com/office/drawing/2010/main">
-                <a:solidFill>
-                  <a:srgbClr val="FFFFFF"/>
-                </a:solidFill>
-              </a14:hiddenFill>
-            </a:ext>
-            <a:ext uri="{91240B29-F687-4F45-9708-019B960494DF}">
-              <a14:hiddenLine xmlns:a14="http://schemas.microsoft.com/office/drawing/2010/main" w="9525">
-                <a:solidFill>
-                  <a:srgbClr val="000000"/>
-                </a:solidFill>
-                <a:miter lim="800000"/>
-                <a:headEnd/>
-                <a:tailEnd/>
-              </a14:hiddenLine>
-            </a:ext>
-          </a:extLst>
-        </p:spPr>
-      </p:pic>
-    </p:spTree>
-    <p:extLst>
-      <p:ext uri="{BB962C8B-B14F-4D97-AF65-F5344CB8AC3E}">
-        <p14:creationId xmlns:p14="http://schemas.microsoft.com/office/powerpoint/2010/main" val="133780698"/>
-      </p:ext>
-    </p:extLst>
-  </p:cSld>
-  <p:clrMapOvr>
-    <a:masterClrMapping/>
-  </p:clrMapOvr>
-</p:sld>
-</file>
-
-<file path=ppt/slides/slide20.xml><?xml version="1.0" encoding="utf-8"?>
+<file path=ppt/slides/slide27.xml><?xml version="1.0" encoding="utf-8"?>
 <p:sld xmlns:a="http://schemas.openxmlformats.org/drawingml/2006/main" xmlns:r="http://schemas.openxmlformats.org/officeDocument/2006/relationships" xmlns:p="http://schemas.openxmlformats.org/presentationml/2006/main">
   <p:cSld>
     <p:spTree>
@@ -12919,7 +17163,7 @@
 </p:sld>
 </file>
 
-<file path=ppt/slides/slide21.xml><?xml version="1.0" encoding="utf-8"?>
+<file path=ppt/slides/slide28.xml><?xml version="1.0" encoding="utf-8"?>
 <p:sld xmlns:a="http://schemas.openxmlformats.org/drawingml/2006/main" xmlns:r="http://schemas.openxmlformats.org/officeDocument/2006/relationships" xmlns:p="http://schemas.openxmlformats.org/presentationml/2006/main">
   <p:cSld>
     <p:spTree>
@@ -13251,7 +17495,7 @@
 </p:sld>
 </file>
 
-<file path=ppt/slides/slide22.xml><?xml version="1.0" encoding="utf-8"?>
+<file path=ppt/slides/slide29.xml><?xml version="1.0" encoding="utf-8"?>
 <p:sld xmlns:a="http://schemas.openxmlformats.org/drawingml/2006/main" xmlns:r="http://schemas.openxmlformats.org/officeDocument/2006/relationships" xmlns:p="http://schemas.openxmlformats.org/presentationml/2006/main">
   <p:cSld>
     <p:spTree>
@@ -13844,519 +18088,6 @@
 </p:sld>
 </file>
 
-<file path=ppt/slides/slide23.xml><?xml version="1.0" encoding="utf-8"?>
-<p:sld xmlns:a="http://schemas.openxmlformats.org/drawingml/2006/main" xmlns:r="http://schemas.openxmlformats.org/officeDocument/2006/relationships" xmlns:p="http://schemas.openxmlformats.org/presentationml/2006/main">
-  <p:cSld>
-    <p:spTree>
-      <p:nvGrpSpPr>
-        <p:cNvPr id="1" name=""/>
-        <p:cNvGrpSpPr/>
-        <p:nvPr/>
-      </p:nvGrpSpPr>
-      <p:grpSpPr>
-        <a:xfrm>
-          <a:off x="0" y="0"/>
-          <a:ext cx="0" cy="0"/>
-          <a:chOff x="0" y="0"/>
-          <a:chExt cx="0" cy="0"/>
-        </a:xfrm>
-      </p:grpSpPr>
-      <p:sp>
-        <p:nvSpPr>
-          <p:cNvPr id="17" name="矩形"/>
-          <p:cNvSpPr>
-            <a:spLocks/>
-          </p:cNvSpPr>
-          <p:nvPr/>
-        </p:nvSpPr>
-        <p:spPr>
-          <a:xfrm>
-            <a:off x="3133144" y="448620"/>
-            <a:ext cx="2877711" cy="553998"/>
-          </a:xfrm>
-          <a:prstGeom prst="rect">
-            <a:avLst/>
-          </a:prstGeom>
-          <a:noFill/>
-          <a:ln w="9525" cap="flat" cmpd="sng">
-            <a:noFill/>
-            <a:prstDash val="solid"/>
-            <a:miter/>
-          </a:ln>
-        </p:spPr>
-        <p:txBody>
-          <a:bodyPr vert="horz" wrap="none" lIns="91440" tIns="45720" rIns="91440" bIns="45720" anchor="t" anchorCtr="0">
-            <a:prstTxWarp prst="textNoShape">
-              <a:avLst/>
-            </a:prstTxWarp>
-            <a:spAutoFit/>
-          </a:bodyPr>
-          <a:lstStyle/>
-          <a:p>
-            <a:r>
-              <a:rPr lang="zh-CN" altLang="en-US" sz="3000" b="1" u="none" strike="noStrike" kern="0" cap="none" spc="0" baseline="0" dirty="0">
-                <a:solidFill>
-                  <a:srgbClr val="C9394A"/>
-                </a:solidFill>
-                <a:latin typeface="微软雅黑" charset="0"/>
-                <a:ea typeface="微软雅黑" charset="0"/>
-                <a:cs typeface="微软雅黑" charset="0"/>
-                <a:sym typeface="Calibri" pitchFamily="34" charset="0"/>
-              </a:rPr>
-              <a:t>分支的基本操作</a:t>
-            </a:r>
-            <a:endParaRPr lang="zh-CN" altLang="en-US" u="none" strike="noStrike" kern="1200" cap="none" spc="0" baseline="0" dirty="0">
-              <a:solidFill>
-                <a:schemeClr val="tx1"/>
-              </a:solidFill>
-              <a:latin typeface="Calibri" pitchFamily="34" charset="0"/>
-              <a:ea typeface="宋体" pitchFamily="2" charset="-122"/>
-              <a:cs typeface="微软雅黑" charset="0"/>
-            </a:endParaRPr>
-          </a:p>
-        </p:txBody>
-      </p:sp>
-      <p:sp>
-        <p:nvSpPr>
-          <p:cNvPr id="2" name="文本框 1">
-            <a:extLst>
-              <a:ext uri="{FF2B5EF4-FFF2-40B4-BE49-F238E27FC236}">
-                <a16:creationId xmlns:a16="http://schemas.microsoft.com/office/drawing/2014/main" id="{C1825102-5C26-4825-8D22-274924FDD70B}"/>
-              </a:ext>
-            </a:extLst>
-          </p:cNvPr>
-          <p:cNvSpPr txBox="1"/>
-          <p:nvPr/>
-        </p:nvSpPr>
-        <p:spPr>
-          <a:xfrm>
-            <a:off x="2699792" y="1635646"/>
-            <a:ext cx="4294765" cy="2446824"/>
-          </a:xfrm>
-          <a:prstGeom prst="rect">
-            <a:avLst/>
-          </a:prstGeom>
-          <a:noFill/>
-        </p:spPr>
-        <p:txBody>
-          <a:bodyPr wrap="none" rtlCol="0">
-            <a:spAutoFit/>
-          </a:bodyPr>
-          <a:lstStyle/>
-          <a:p>
-            <a:pPr marL="285750" indent="-285750">
-              <a:lnSpc>
-                <a:spcPct val="150000"/>
-              </a:lnSpc>
-              <a:buFont typeface="Arial" panose="020B0604020202020204" pitchFamily="34" charset="0"/>
-              <a:buChar char="•"/>
-            </a:pPr>
-            <a:r>
-              <a:rPr lang="zh-CN" altLang="zh-CN" dirty="0">
-                <a:latin typeface="微软雅黑" panose="020B0503020204020204" pitchFamily="34" charset="-122"/>
-                <a:ea typeface="微软雅黑" panose="020B0503020204020204" pitchFamily="34" charset="-122"/>
-              </a:rPr>
-              <a:t>创建分支 （</a:t>
-            </a:r>
-            <a:r>
-              <a:rPr lang="en-US" altLang="zh-CN" dirty="0">
-                <a:latin typeface="微软雅黑" panose="020B0503020204020204" pitchFamily="34" charset="-122"/>
-                <a:ea typeface="微软雅黑" panose="020B0503020204020204" pitchFamily="34" charset="-122"/>
-              </a:rPr>
-              <a:t>git branch </a:t>
-            </a:r>
-            <a:r>
-              <a:rPr lang="zh-CN" altLang="zh-CN" dirty="0">
-                <a:latin typeface="微软雅黑" panose="020B0503020204020204" pitchFamily="34" charset="-122"/>
-                <a:ea typeface="微软雅黑" panose="020B0503020204020204" pitchFamily="34" charset="-122"/>
-              </a:rPr>
-              <a:t>分支名）</a:t>
-            </a:r>
-            <a:endParaRPr lang="en-US" altLang="zh-CN" dirty="0">
-              <a:latin typeface="微软雅黑" panose="020B0503020204020204" pitchFamily="34" charset="-122"/>
-              <a:ea typeface="微软雅黑" panose="020B0503020204020204" pitchFamily="34" charset="-122"/>
-            </a:endParaRPr>
-          </a:p>
-          <a:p>
-            <a:pPr marL="285750" lvl="0" indent="-285750">
-              <a:lnSpc>
-                <a:spcPct val="150000"/>
-              </a:lnSpc>
-              <a:buFont typeface="Arial" panose="020B0604020202020204" pitchFamily="34" charset="0"/>
-              <a:buChar char="•"/>
-            </a:pPr>
-            <a:r>
-              <a:rPr lang="zh-CN" altLang="zh-CN" dirty="0">
-                <a:latin typeface="微软雅黑" panose="020B0503020204020204" pitchFamily="34" charset="-122"/>
-                <a:ea typeface="微软雅黑" panose="020B0503020204020204" pitchFamily="34" charset="-122"/>
-              </a:rPr>
-              <a:t>查看当前分支 （</a:t>
-            </a:r>
-            <a:r>
-              <a:rPr lang="en-US" altLang="zh-CN" dirty="0">
-                <a:latin typeface="微软雅黑" panose="020B0503020204020204" pitchFamily="34" charset="-122"/>
-                <a:ea typeface="微软雅黑" panose="020B0503020204020204" pitchFamily="34" charset="-122"/>
-              </a:rPr>
-              <a:t>git branch</a:t>
-            </a:r>
-            <a:r>
-              <a:rPr lang="zh-CN" altLang="zh-CN" dirty="0">
-                <a:latin typeface="微软雅黑" panose="020B0503020204020204" pitchFamily="34" charset="-122"/>
-                <a:ea typeface="微软雅黑" panose="020B0503020204020204" pitchFamily="34" charset="-122"/>
-              </a:rPr>
-              <a:t>）</a:t>
-            </a:r>
-          </a:p>
-          <a:p>
-            <a:pPr marL="285750" lvl="0" indent="-285750">
-              <a:lnSpc>
-                <a:spcPct val="150000"/>
-              </a:lnSpc>
-              <a:buFont typeface="Arial" panose="020B0604020202020204" pitchFamily="34" charset="0"/>
-              <a:buChar char="•"/>
-            </a:pPr>
-            <a:r>
-              <a:rPr lang="zh-CN" altLang="zh-CN" dirty="0">
-                <a:latin typeface="微软雅黑" panose="020B0503020204020204" pitchFamily="34" charset="-122"/>
-                <a:ea typeface="微软雅黑" panose="020B0503020204020204" pitchFamily="34" charset="-122"/>
-              </a:rPr>
-              <a:t>切换分支（</a:t>
-            </a:r>
-            <a:r>
-              <a:rPr lang="en-US" altLang="zh-CN" dirty="0">
-                <a:latin typeface="微软雅黑" panose="020B0503020204020204" pitchFamily="34" charset="-122"/>
-                <a:ea typeface="微软雅黑" panose="020B0503020204020204" pitchFamily="34" charset="-122"/>
-              </a:rPr>
-              <a:t>git checkout </a:t>
-            </a:r>
-            <a:r>
-              <a:rPr lang="zh-CN" altLang="zh-CN" dirty="0">
-                <a:latin typeface="微软雅黑" panose="020B0503020204020204" pitchFamily="34" charset="-122"/>
-                <a:ea typeface="微软雅黑" panose="020B0503020204020204" pitchFamily="34" charset="-122"/>
-              </a:rPr>
-              <a:t>分支名）</a:t>
-            </a:r>
-          </a:p>
-          <a:p>
-            <a:pPr marL="285750" lvl="0" indent="-285750">
-              <a:lnSpc>
-                <a:spcPct val="150000"/>
-              </a:lnSpc>
-              <a:buFont typeface="Arial" panose="020B0604020202020204" pitchFamily="34" charset="0"/>
-              <a:buChar char="•"/>
-            </a:pPr>
-            <a:r>
-              <a:rPr lang="zh-CN" altLang="zh-CN" dirty="0">
-                <a:latin typeface="微软雅黑" panose="020B0503020204020204" pitchFamily="34" charset="-122"/>
-                <a:ea typeface="微软雅黑" panose="020B0503020204020204" pitchFamily="34" charset="-122"/>
-              </a:rPr>
-              <a:t>分支的合并 （</a:t>
-            </a:r>
-            <a:r>
-              <a:rPr lang="en-US" altLang="zh-CN" dirty="0">
-                <a:latin typeface="微软雅黑" panose="020B0503020204020204" pitchFamily="34" charset="-122"/>
-                <a:ea typeface="微软雅黑" panose="020B0503020204020204" pitchFamily="34" charset="-122"/>
-              </a:rPr>
-              <a:t>git merge </a:t>
-            </a:r>
-            <a:r>
-              <a:rPr lang="zh-CN" altLang="zh-CN" dirty="0">
-                <a:latin typeface="微软雅黑" panose="020B0503020204020204" pitchFamily="34" charset="-122"/>
-                <a:ea typeface="微软雅黑" panose="020B0503020204020204" pitchFamily="34" charset="-122"/>
-              </a:rPr>
-              <a:t>分支名）</a:t>
-            </a:r>
-          </a:p>
-          <a:p>
-            <a:pPr marL="285750" lvl="0" indent="-285750">
-              <a:lnSpc>
-                <a:spcPct val="150000"/>
-              </a:lnSpc>
-              <a:buFont typeface="Arial" panose="020B0604020202020204" pitchFamily="34" charset="0"/>
-              <a:buChar char="•"/>
-            </a:pPr>
-            <a:r>
-              <a:rPr lang="zh-CN" altLang="zh-CN" dirty="0">
-                <a:latin typeface="微软雅黑" panose="020B0503020204020204" pitchFamily="34" charset="-122"/>
-                <a:ea typeface="微软雅黑" panose="020B0503020204020204" pitchFamily="34" charset="-122"/>
-              </a:rPr>
-              <a:t>分支的删除（</a:t>
-            </a:r>
-            <a:r>
-              <a:rPr lang="en-US" altLang="zh-CN" dirty="0">
-                <a:latin typeface="微软雅黑" panose="020B0503020204020204" pitchFamily="34" charset="-122"/>
-                <a:ea typeface="微软雅黑" panose="020B0503020204020204" pitchFamily="34" charset="-122"/>
-              </a:rPr>
-              <a:t>git branch -d </a:t>
-            </a:r>
-            <a:r>
-              <a:rPr lang="zh-CN" altLang="zh-CN" dirty="0">
-                <a:latin typeface="微软雅黑" panose="020B0503020204020204" pitchFamily="34" charset="-122"/>
-                <a:ea typeface="微软雅黑" panose="020B0503020204020204" pitchFamily="34" charset="-122"/>
-              </a:rPr>
-              <a:t>分支名）</a:t>
-            </a:r>
-          </a:p>
-          <a:p>
-            <a:pPr marL="285750" indent="-285750">
-              <a:buFont typeface="Arial" panose="020B0604020202020204" pitchFamily="34" charset="0"/>
-              <a:buChar char="•"/>
-            </a:pPr>
-            <a:endParaRPr lang="zh-CN" altLang="en-US" dirty="0"/>
-          </a:p>
-        </p:txBody>
-      </p:sp>
-    </p:spTree>
-    <p:extLst>
-      <p:ext uri="{BB962C8B-B14F-4D97-AF65-F5344CB8AC3E}">
-        <p14:creationId xmlns:p14="http://schemas.microsoft.com/office/powerpoint/2010/main" val="2767580697"/>
-      </p:ext>
-    </p:extLst>
-  </p:cSld>
-  <p:clrMapOvr>
-    <a:masterClrMapping/>
-  </p:clrMapOvr>
-</p:sld>
-</file>
-
-<file path=ppt/slides/slide24.xml><?xml version="1.0" encoding="utf-8"?>
-<p:sld xmlns:a="http://schemas.openxmlformats.org/drawingml/2006/main" xmlns:r="http://schemas.openxmlformats.org/officeDocument/2006/relationships" xmlns:p="http://schemas.openxmlformats.org/presentationml/2006/main">
-  <p:cSld>
-    <p:spTree>
-      <p:nvGrpSpPr>
-        <p:cNvPr id="1" name=""/>
-        <p:cNvGrpSpPr/>
-        <p:nvPr/>
-      </p:nvGrpSpPr>
-      <p:grpSpPr>
-        <a:xfrm>
-          <a:off x="0" y="0"/>
-          <a:ext cx="0" cy="0"/>
-          <a:chOff x="0" y="0"/>
-          <a:chExt cx="0" cy="0"/>
-        </a:xfrm>
-      </p:grpSpPr>
-      <p:sp>
-        <p:nvSpPr>
-          <p:cNvPr id="17" name="矩形"/>
-          <p:cNvSpPr>
-            <a:spLocks/>
-          </p:cNvSpPr>
-          <p:nvPr/>
-        </p:nvSpPr>
-        <p:spPr>
-          <a:xfrm>
-            <a:off x="2771800" y="483518"/>
-            <a:ext cx="3262432" cy="553998"/>
-          </a:xfrm>
-          <a:prstGeom prst="rect">
-            <a:avLst/>
-          </a:prstGeom>
-          <a:noFill/>
-          <a:ln w="9525" cap="flat" cmpd="sng">
-            <a:noFill/>
-            <a:prstDash val="solid"/>
-            <a:miter/>
-          </a:ln>
-        </p:spPr>
-        <p:txBody>
-          <a:bodyPr vert="horz" wrap="none" lIns="91440" tIns="45720" rIns="91440" bIns="45720" anchor="t" anchorCtr="0">
-            <a:prstTxWarp prst="textNoShape">
-              <a:avLst/>
-            </a:prstTxWarp>
-            <a:spAutoFit/>
-          </a:bodyPr>
-          <a:lstStyle/>
-          <a:p>
-            <a:r>
-              <a:rPr lang="zh-CN" altLang="en-US" sz="3000" b="1" kern="0" dirty="0">
-                <a:solidFill>
-                  <a:srgbClr val="C9394A"/>
-                </a:solidFill>
-                <a:latin typeface="微软雅黑" charset="0"/>
-                <a:ea typeface="微软雅黑" charset="0"/>
-                <a:cs typeface="微软雅黑" charset="0"/>
-                <a:sym typeface="Calibri" pitchFamily="34" charset="0"/>
-              </a:rPr>
-              <a:t>如何解决代码冲突</a:t>
-            </a:r>
-            <a:endParaRPr lang="zh-CN" altLang="en-US" u="none" strike="noStrike" kern="1200" cap="none" spc="0" baseline="0" dirty="0">
-              <a:solidFill>
-                <a:schemeClr val="tx1"/>
-              </a:solidFill>
-              <a:latin typeface="Calibri" pitchFamily="34" charset="0"/>
-              <a:ea typeface="宋体" pitchFamily="2" charset="-122"/>
-              <a:cs typeface="微软雅黑" charset="0"/>
-            </a:endParaRPr>
-          </a:p>
-        </p:txBody>
-      </p:sp>
-      <p:pic>
-        <p:nvPicPr>
-          <p:cNvPr id="2" name="图片 1">
-            <a:extLst>
-              <a:ext uri="{FF2B5EF4-FFF2-40B4-BE49-F238E27FC236}">
-                <a16:creationId xmlns:a16="http://schemas.microsoft.com/office/drawing/2014/main" id="{52A2C5DA-2A31-4857-A48B-85DE27864178}"/>
-              </a:ext>
-            </a:extLst>
-          </p:cNvPr>
-          <p:cNvPicPr>
-            <a:picLocks noChangeAspect="1"/>
-          </p:cNvPicPr>
-          <p:nvPr/>
-        </p:nvPicPr>
-        <p:blipFill>
-          <a:blip r:embed="rId3"/>
-          <a:stretch>
-            <a:fillRect/>
-          </a:stretch>
-        </p:blipFill>
-        <p:spPr>
-          <a:xfrm>
-            <a:off x="1187624" y="1776512"/>
-            <a:ext cx="5504762" cy="1590476"/>
-          </a:xfrm>
-          <a:prstGeom prst="rect">
-            <a:avLst/>
-          </a:prstGeom>
-        </p:spPr>
-      </p:pic>
-      <p:sp>
-        <p:nvSpPr>
-          <p:cNvPr id="3" name="文本框 2">
-            <a:extLst>
-              <a:ext uri="{FF2B5EF4-FFF2-40B4-BE49-F238E27FC236}">
-                <a16:creationId xmlns:a16="http://schemas.microsoft.com/office/drawing/2014/main" id="{6DD097DB-FB4C-4E9E-B395-89BCF48A76BF}"/>
-              </a:ext>
-            </a:extLst>
-          </p:cNvPr>
-          <p:cNvSpPr txBox="1"/>
-          <p:nvPr/>
-        </p:nvSpPr>
-        <p:spPr>
-          <a:xfrm>
-            <a:off x="971600" y="1275606"/>
-            <a:ext cx="1529586" cy="369332"/>
-          </a:xfrm>
-          <a:prstGeom prst="rect">
-            <a:avLst/>
-          </a:prstGeom>
-          <a:noFill/>
-        </p:spPr>
-        <p:txBody>
-          <a:bodyPr wrap="none" rtlCol="0">
-            <a:spAutoFit/>
-          </a:bodyPr>
-          <a:lstStyle/>
-          <a:p>
-            <a:r>
-              <a:rPr lang="en-US" altLang="zh-CN" dirty="0">
-                <a:latin typeface="微软雅黑" panose="020B0503020204020204" pitchFamily="34" charset="-122"/>
-                <a:ea typeface="微软雅黑" panose="020B0503020204020204" pitchFamily="34" charset="-122"/>
-              </a:rPr>
-              <a:t>1.</a:t>
-            </a:r>
-            <a:r>
-              <a:rPr lang="zh-CN" altLang="en-US" dirty="0">
-                <a:latin typeface="微软雅黑" panose="020B0503020204020204" pitchFamily="34" charset="-122"/>
-                <a:ea typeface="微软雅黑" panose="020B0503020204020204" pitchFamily="34" charset="-122"/>
-              </a:rPr>
-              <a:t>冲突的代码</a:t>
-            </a:r>
-          </a:p>
-        </p:txBody>
-      </p:sp>
-      <p:sp>
-        <p:nvSpPr>
-          <p:cNvPr id="4" name="文本框 3">
-            <a:extLst>
-              <a:ext uri="{FF2B5EF4-FFF2-40B4-BE49-F238E27FC236}">
-                <a16:creationId xmlns:a16="http://schemas.microsoft.com/office/drawing/2014/main" id="{F604D024-EB4D-4520-A2AA-185851A71D67}"/>
-              </a:ext>
-            </a:extLst>
-          </p:cNvPr>
-          <p:cNvSpPr txBox="1"/>
-          <p:nvPr/>
-        </p:nvSpPr>
-        <p:spPr>
-          <a:xfrm>
-            <a:off x="983380" y="3579862"/>
-            <a:ext cx="4799712" cy="369332"/>
-          </a:xfrm>
-          <a:prstGeom prst="rect">
-            <a:avLst/>
-          </a:prstGeom>
-          <a:noFill/>
-        </p:spPr>
-        <p:txBody>
-          <a:bodyPr wrap="none" rtlCol="0">
-            <a:spAutoFit/>
-          </a:bodyPr>
-          <a:lstStyle/>
-          <a:p>
-            <a:r>
-              <a:rPr lang="zh-CN" altLang="en-US" dirty="0">
-                <a:solidFill>
-                  <a:srgbClr val="C9394A"/>
-                </a:solidFill>
-                <a:latin typeface="微软雅黑" panose="020B0503020204020204" pitchFamily="34" charset="-122"/>
-                <a:ea typeface="微软雅黑" panose="020B0503020204020204" pitchFamily="34" charset="-122"/>
-              </a:rPr>
-              <a:t>手动解决冲突文件，再次</a:t>
-            </a:r>
-            <a:r>
-              <a:rPr lang="en-US" altLang="zh-CN" dirty="0">
-                <a:solidFill>
-                  <a:srgbClr val="C9394A"/>
-                </a:solidFill>
-                <a:latin typeface="微软雅黑" panose="020B0503020204020204" pitchFamily="34" charset="-122"/>
-                <a:ea typeface="微软雅黑" panose="020B0503020204020204" pitchFamily="34" charset="-122"/>
-              </a:rPr>
-              <a:t>commit</a:t>
-            </a:r>
-            <a:r>
-              <a:rPr lang="zh-CN" altLang="en-US" dirty="0">
-                <a:solidFill>
-                  <a:srgbClr val="C9394A"/>
-                </a:solidFill>
-                <a:latin typeface="微软雅黑" panose="020B0503020204020204" pitchFamily="34" charset="-122"/>
-                <a:ea typeface="微软雅黑" panose="020B0503020204020204" pitchFamily="34" charset="-122"/>
-              </a:rPr>
-              <a:t>，然后</a:t>
-            </a:r>
-            <a:r>
-              <a:rPr lang="en-US" altLang="zh-CN" dirty="0">
-                <a:solidFill>
-                  <a:srgbClr val="C9394A"/>
-                </a:solidFill>
-                <a:latin typeface="微软雅黑" panose="020B0503020204020204" pitchFamily="34" charset="-122"/>
-                <a:ea typeface="微软雅黑" panose="020B0503020204020204" pitchFamily="34" charset="-122"/>
-              </a:rPr>
-              <a:t>push</a:t>
-            </a:r>
-            <a:endParaRPr lang="zh-CN" altLang="en-US" dirty="0">
-              <a:solidFill>
-                <a:srgbClr val="C9394A"/>
-              </a:solidFill>
-              <a:latin typeface="微软雅黑" panose="020B0503020204020204" pitchFamily="34" charset="-122"/>
-              <a:ea typeface="微软雅黑" panose="020B0503020204020204" pitchFamily="34" charset="-122"/>
-            </a:endParaRPr>
-          </a:p>
-        </p:txBody>
-      </p:sp>
-    </p:spTree>
-    <p:extLst>
-      <p:ext uri="{BB962C8B-B14F-4D97-AF65-F5344CB8AC3E}">
-        <p14:creationId xmlns:p14="http://schemas.microsoft.com/office/powerpoint/2010/main" val="861469350"/>
-      </p:ext>
-    </p:extLst>
-  </p:cSld>
-  <p:clrMapOvr>
-    <a:masterClrMapping/>
-  </p:clrMapOvr>
-</p:sld>
-</file>
-
 <file path=ppt/slides/slide3.xml><?xml version="1.0" encoding="utf-8"?>
 <p:sld xmlns:a="http://schemas.openxmlformats.org/drawingml/2006/main" xmlns:r="http://schemas.openxmlformats.org/officeDocument/2006/relationships" xmlns:p="http://schemas.openxmlformats.org/presentationml/2006/main">
   <p:cSld>
@@ -15061,6 +18792,519 @@
 </p:sld>
 </file>
 
+<file path=ppt/slides/slide30.xml><?xml version="1.0" encoding="utf-8"?>
+<p:sld xmlns:a="http://schemas.openxmlformats.org/drawingml/2006/main" xmlns:r="http://schemas.openxmlformats.org/officeDocument/2006/relationships" xmlns:p="http://schemas.openxmlformats.org/presentationml/2006/main">
+  <p:cSld>
+    <p:spTree>
+      <p:nvGrpSpPr>
+        <p:cNvPr id="1" name=""/>
+        <p:cNvGrpSpPr/>
+        <p:nvPr/>
+      </p:nvGrpSpPr>
+      <p:grpSpPr>
+        <a:xfrm>
+          <a:off x="0" y="0"/>
+          <a:ext cx="0" cy="0"/>
+          <a:chOff x="0" y="0"/>
+          <a:chExt cx="0" cy="0"/>
+        </a:xfrm>
+      </p:grpSpPr>
+      <p:sp>
+        <p:nvSpPr>
+          <p:cNvPr id="17" name="矩形"/>
+          <p:cNvSpPr>
+            <a:spLocks/>
+          </p:cNvSpPr>
+          <p:nvPr/>
+        </p:nvSpPr>
+        <p:spPr>
+          <a:xfrm>
+            <a:off x="3133144" y="448620"/>
+            <a:ext cx="2877711" cy="553998"/>
+          </a:xfrm>
+          <a:prstGeom prst="rect">
+            <a:avLst/>
+          </a:prstGeom>
+          <a:noFill/>
+          <a:ln w="9525" cap="flat" cmpd="sng">
+            <a:noFill/>
+            <a:prstDash val="solid"/>
+            <a:miter/>
+          </a:ln>
+        </p:spPr>
+        <p:txBody>
+          <a:bodyPr vert="horz" wrap="none" lIns="91440" tIns="45720" rIns="91440" bIns="45720" anchor="t" anchorCtr="0">
+            <a:prstTxWarp prst="textNoShape">
+              <a:avLst/>
+            </a:prstTxWarp>
+            <a:spAutoFit/>
+          </a:bodyPr>
+          <a:lstStyle/>
+          <a:p>
+            <a:r>
+              <a:rPr lang="zh-CN" altLang="en-US" sz="3000" b="1" u="none" strike="noStrike" kern="0" cap="none" spc="0" baseline="0" dirty="0">
+                <a:solidFill>
+                  <a:srgbClr val="C9394A"/>
+                </a:solidFill>
+                <a:latin typeface="微软雅黑" charset="0"/>
+                <a:ea typeface="微软雅黑" charset="0"/>
+                <a:cs typeface="微软雅黑" charset="0"/>
+                <a:sym typeface="Calibri" pitchFamily="34" charset="0"/>
+              </a:rPr>
+              <a:t>分支的基本操作</a:t>
+            </a:r>
+            <a:endParaRPr lang="zh-CN" altLang="en-US" u="none" strike="noStrike" kern="1200" cap="none" spc="0" baseline="0" dirty="0">
+              <a:solidFill>
+                <a:schemeClr val="tx1"/>
+              </a:solidFill>
+              <a:latin typeface="Calibri" pitchFamily="34" charset="0"/>
+              <a:ea typeface="宋体" pitchFamily="2" charset="-122"/>
+              <a:cs typeface="微软雅黑" charset="0"/>
+            </a:endParaRPr>
+          </a:p>
+        </p:txBody>
+      </p:sp>
+      <p:sp>
+        <p:nvSpPr>
+          <p:cNvPr id="2" name="文本框 1">
+            <a:extLst>
+              <a:ext uri="{FF2B5EF4-FFF2-40B4-BE49-F238E27FC236}">
+                <a16:creationId xmlns:a16="http://schemas.microsoft.com/office/drawing/2014/main" id="{C1825102-5C26-4825-8D22-274924FDD70B}"/>
+              </a:ext>
+            </a:extLst>
+          </p:cNvPr>
+          <p:cNvSpPr txBox="1"/>
+          <p:nvPr/>
+        </p:nvSpPr>
+        <p:spPr>
+          <a:xfrm>
+            <a:off x="2699792" y="1635646"/>
+            <a:ext cx="4294765" cy="2446824"/>
+          </a:xfrm>
+          <a:prstGeom prst="rect">
+            <a:avLst/>
+          </a:prstGeom>
+          <a:noFill/>
+        </p:spPr>
+        <p:txBody>
+          <a:bodyPr wrap="none" rtlCol="0">
+            <a:spAutoFit/>
+          </a:bodyPr>
+          <a:lstStyle/>
+          <a:p>
+            <a:pPr marL="285750" indent="-285750">
+              <a:lnSpc>
+                <a:spcPct val="150000"/>
+              </a:lnSpc>
+              <a:buFont typeface="Arial" panose="020B0604020202020204" pitchFamily="34" charset="0"/>
+              <a:buChar char="•"/>
+            </a:pPr>
+            <a:r>
+              <a:rPr lang="zh-CN" altLang="zh-CN" dirty="0">
+                <a:latin typeface="微软雅黑" panose="020B0503020204020204" pitchFamily="34" charset="-122"/>
+                <a:ea typeface="微软雅黑" panose="020B0503020204020204" pitchFamily="34" charset="-122"/>
+              </a:rPr>
+              <a:t>创建分支 （</a:t>
+            </a:r>
+            <a:r>
+              <a:rPr lang="en-US" altLang="zh-CN" dirty="0">
+                <a:latin typeface="微软雅黑" panose="020B0503020204020204" pitchFamily="34" charset="-122"/>
+                <a:ea typeface="微软雅黑" panose="020B0503020204020204" pitchFamily="34" charset="-122"/>
+              </a:rPr>
+              <a:t>git branch </a:t>
+            </a:r>
+            <a:r>
+              <a:rPr lang="zh-CN" altLang="zh-CN" dirty="0">
+                <a:latin typeface="微软雅黑" panose="020B0503020204020204" pitchFamily="34" charset="-122"/>
+                <a:ea typeface="微软雅黑" panose="020B0503020204020204" pitchFamily="34" charset="-122"/>
+              </a:rPr>
+              <a:t>分支名）</a:t>
+            </a:r>
+            <a:endParaRPr lang="en-US" altLang="zh-CN" dirty="0">
+              <a:latin typeface="微软雅黑" panose="020B0503020204020204" pitchFamily="34" charset="-122"/>
+              <a:ea typeface="微软雅黑" panose="020B0503020204020204" pitchFamily="34" charset="-122"/>
+            </a:endParaRPr>
+          </a:p>
+          <a:p>
+            <a:pPr marL="285750" lvl="0" indent="-285750">
+              <a:lnSpc>
+                <a:spcPct val="150000"/>
+              </a:lnSpc>
+              <a:buFont typeface="Arial" panose="020B0604020202020204" pitchFamily="34" charset="0"/>
+              <a:buChar char="•"/>
+            </a:pPr>
+            <a:r>
+              <a:rPr lang="zh-CN" altLang="zh-CN" dirty="0">
+                <a:latin typeface="微软雅黑" panose="020B0503020204020204" pitchFamily="34" charset="-122"/>
+                <a:ea typeface="微软雅黑" panose="020B0503020204020204" pitchFamily="34" charset="-122"/>
+              </a:rPr>
+              <a:t>查看当前分支 （</a:t>
+            </a:r>
+            <a:r>
+              <a:rPr lang="en-US" altLang="zh-CN" dirty="0">
+                <a:latin typeface="微软雅黑" panose="020B0503020204020204" pitchFamily="34" charset="-122"/>
+                <a:ea typeface="微软雅黑" panose="020B0503020204020204" pitchFamily="34" charset="-122"/>
+              </a:rPr>
+              <a:t>git branch</a:t>
+            </a:r>
+            <a:r>
+              <a:rPr lang="zh-CN" altLang="zh-CN" dirty="0">
+                <a:latin typeface="微软雅黑" panose="020B0503020204020204" pitchFamily="34" charset="-122"/>
+                <a:ea typeface="微软雅黑" panose="020B0503020204020204" pitchFamily="34" charset="-122"/>
+              </a:rPr>
+              <a:t>）</a:t>
+            </a:r>
+          </a:p>
+          <a:p>
+            <a:pPr marL="285750" lvl="0" indent="-285750">
+              <a:lnSpc>
+                <a:spcPct val="150000"/>
+              </a:lnSpc>
+              <a:buFont typeface="Arial" panose="020B0604020202020204" pitchFamily="34" charset="0"/>
+              <a:buChar char="•"/>
+            </a:pPr>
+            <a:r>
+              <a:rPr lang="zh-CN" altLang="zh-CN" dirty="0">
+                <a:latin typeface="微软雅黑" panose="020B0503020204020204" pitchFamily="34" charset="-122"/>
+                <a:ea typeface="微软雅黑" panose="020B0503020204020204" pitchFamily="34" charset="-122"/>
+              </a:rPr>
+              <a:t>切换分支（</a:t>
+            </a:r>
+            <a:r>
+              <a:rPr lang="en-US" altLang="zh-CN" dirty="0">
+                <a:latin typeface="微软雅黑" panose="020B0503020204020204" pitchFamily="34" charset="-122"/>
+                <a:ea typeface="微软雅黑" panose="020B0503020204020204" pitchFamily="34" charset="-122"/>
+              </a:rPr>
+              <a:t>git checkout </a:t>
+            </a:r>
+            <a:r>
+              <a:rPr lang="zh-CN" altLang="zh-CN" dirty="0">
+                <a:latin typeface="微软雅黑" panose="020B0503020204020204" pitchFamily="34" charset="-122"/>
+                <a:ea typeface="微软雅黑" panose="020B0503020204020204" pitchFamily="34" charset="-122"/>
+              </a:rPr>
+              <a:t>分支名）</a:t>
+            </a:r>
+          </a:p>
+          <a:p>
+            <a:pPr marL="285750" lvl="0" indent="-285750">
+              <a:lnSpc>
+                <a:spcPct val="150000"/>
+              </a:lnSpc>
+              <a:buFont typeface="Arial" panose="020B0604020202020204" pitchFamily="34" charset="0"/>
+              <a:buChar char="•"/>
+            </a:pPr>
+            <a:r>
+              <a:rPr lang="zh-CN" altLang="zh-CN" dirty="0">
+                <a:latin typeface="微软雅黑" panose="020B0503020204020204" pitchFamily="34" charset="-122"/>
+                <a:ea typeface="微软雅黑" panose="020B0503020204020204" pitchFamily="34" charset="-122"/>
+              </a:rPr>
+              <a:t>分支的合并 （</a:t>
+            </a:r>
+            <a:r>
+              <a:rPr lang="en-US" altLang="zh-CN" dirty="0">
+                <a:latin typeface="微软雅黑" panose="020B0503020204020204" pitchFamily="34" charset="-122"/>
+                <a:ea typeface="微软雅黑" panose="020B0503020204020204" pitchFamily="34" charset="-122"/>
+              </a:rPr>
+              <a:t>git merge </a:t>
+            </a:r>
+            <a:r>
+              <a:rPr lang="zh-CN" altLang="zh-CN" dirty="0">
+                <a:latin typeface="微软雅黑" panose="020B0503020204020204" pitchFamily="34" charset="-122"/>
+                <a:ea typeface="微软雅黑" panose="020B0503020204020204" pitchFamily="34" charset="-122"/>
+              </a:rPr>
+              <a:t>分支名）</a:t>
+            </a:r>
+          </a:p>
+          <a:p>
+            <a:pPr marL="285750" lvl="0" indent="-285750">
+              <a:lnSpc>
+                <a:spcPct val="150000"/>
+              </a:lnSpc>
+              <a:buFont typeface="Arial" panose="020B0604020202020204" pitchFamily="34" charset="0"/>
+              <a:buChar char="•"/>
+            </a:pPr>
+            <a:r>
+              <a:rPr lang="zh-CN" altLang="zh-CN" dirty="0">
+                <a:latin typeface="微软雅黑" panose="020B0503020204020204" pitchFamily="34" charset="-122"/>
+                <a:ea typeface="微软雅黑" panose="020B0503020204020204" pitchFamily="34" charset="-122"/>
+              </a:rPr>
+              <a:t>分支的删除（</a:t>
+            </a:r>
+            <a:r>
+              <a:rPr lang="en-US" altLang="zh-CN" dirty="0">
+                <a:latin typeface="微软雅黑" panose="020B0503020204020204" pitchFamily="34" charset="-122"/>
+                <a:ea typeface="微软雅黑" panose="020B0503020204020204" pitchFamily="34" charset="-122"/>
+              </a:rPr>
+              <a:t>git branch -d </a:t>
+            </a:r>
+            <a:r>
+              <a:rPr lang="zh-CN" altLang="zh-CN" dirty="0">
+                <a:latin typeface="微软雅黑" panose="020B0503020204020204" pitchFamily="34" charset="-122"/>
+                <a:ea typeface="微软雅黑" panose="020B0503020204020204" pitchFamily="34" charset="-122"/>
+              </a:rPr>
+              <a:t>分支名）</a:t>
+            </a:r>
+          </a:p>
+          <a:p>
+            <a:pPr marL="285750" indent="-285750">
+              <a:buFont typeface="Arial" panose="020B0604020202020204" pitchFamily="34" charset="0"/>
+              <a:buChar char="•"/>
+            </a:pPr>
+            <a:endParaRPr lang="zh-CN" altLang="en-US" dirty="0"/>
+          </a:p>
+        </p:txBody>
+      </p:sp>
+    </p:spTree>
+    <p:extLst>
+      <p:ext uri="{BB962C8B-B14F-4D97-AF65-F5344CB8AC3E}">
+        <p14:creationId xmlns:p14="http://schemas.microsoft.com/office/powerpoint/2010/main" val="2767580697"/>
+      </p:ext>
+    </p:extLst>
+  </p:cSld>
+  <p:clrMapOvr>
+    <a:masterClrMapping/>
+  </p:clrMapOvr>
+</p:sld>
+</file>
+
+<file path=ppt/slides/slide31.xml><?xml version="1.0" encoding="utf-8"?>
+<p:sld xmlns:a="http://schemas.openxmlformats.org/drawingml/2006/main" xmlns:r="http://schemas.openxmlformats.org/officeDocument/2006/relationships" xmlns:p="http://schemas.openxmlformats.org/presentationml/2006/main">
+  <p:cSld>
+    <p:spTree>
+      <p:nvGrpSpPr>
+        <p:cNvPr id="1" name=""/>
+        <p:cNvGrpSpPr/>
+        <p:nvPr/>
+      </p:nvGrpSpPr>
+      <p:grpSpPr>
+        <a:xfrm>
+          <a:off x="0" y="0"/>
+          <a:ext cx="0" cy="0"/>
+          <a:chOff x="0" y="0"/>
+          <a:chExt cx="0" cy="0"/>
+        </a:xfrm>
+      </p:grpSpPr>
+      <p:sp>
+        <p:nvSpPr>
+          <p:cNvPr id="17" name="矩形"/>
+          <p:cNvSpPr>
+            <a:spLocks/>
+          </p:cNvSpPr>
+          <p:nvPr/>
+        </p:nvSpPr>
+        <p:spPr>
+          <a:xfrm>
+            <a:off x="2771800" y="483518"/>
+            <a:ext cx="3262432" cy="553998"/>
+          </a:xfrm>
+          <a:prstGeom prst="rect">
+            <a:avLst/>
+          </a:prstGeom>
+          <a:noFill/>
+          <a:ln w="9525" cap="flat" cmpd="sng">
+            <a:noFill/>
+            <a:prstDash val="solid"/>
+            <a:miter/>
+          </a:ln>
+        </p:spPr>
+        <p:txBody>
+          <a:bodyPr vert="horz" wrap="none" lIns="91440" tIns="45720" rIns="91440" bIns="45720" anchor="t" anchorCtr="0">
+            <a:prstTxWarp prst="textNoShape">
+              <a:avLst/>
+            </a:prstTxWarp>
+            <a:spAutoFit/>
+          </a:bodyPr>
+          <a:lstStyle/>
+          <a:p>
+            <a:r>
+              <a:rPr lang="zh-CN" altLang="en-US" sz="3000" b="1" kern="0" dirty="0">
+                <a:solidFill>
+                  <a:srgbClr val="C9394A"/>
+                </a:solidFill>
+                <a:latin typeface="微软雅黑" charset="0"/>
+                <a:ea typeface="微软雅黑" charset="0"/>
+                <a:cs typeface="微软雅黑" charset="0"/>
+                <a:sym typeface="Calibri" pitchFamily="34" charset="0"/>
+              </a:rPr>
+              <a:t>如何解决代码冲突</a:t>
+            </a:r>
+            <a:endParaRPr lang="zh-CN" altLang="en-US" u="none" strike="noStrike" kern="1200" cap="none" spc="0" baseline="0" dirty="0">
+              <a:solidFill>
+                <a:schemeClr val="tx1"/>
+              </a:solidFill>
+              <a:latin typeface="Calibri" pitchFamily="34" charset="0"/>
+              <a:ea typeface="宋体" pitchFamily="2" charset="-122"/>
+              <a:cs typeface="微软雅黑" charset="0"/>
+            </a:endParaRPr>
+          </a:p>
+        </p:txBody>
+      </p:sp>
+      <p:pic>
+        <p:nvPicPr>
+          <p:cNvPr id="2" name="图片 1">
+            <a:extLst>
+              <a:ext uri="{FF2B5EF4-FFF2-40B4-BE49-F238E27FC236}">
+                <a16:creationId xmlns:a16="http://schemas.microsoft.com/office/drawing/2014/main" id="{52A2C5DA-2A31-4857-A48B-85DE27864178}"/>
+              </a:ext>
+            </a:extLst>
+          </p:cNvPr>
+          <p:cNvPicPr>
+            <a:picLocks noChangeAspect="1"/>
+          </p:cNvPicPr>
+          <p:nvPr/>
+        </p:nvPicPr>
+        <p:blipFill>
+          <a:blip r:embed="rId3"/>
+          <a:stretch>
+            <a:fillRect/>
+          </a:stretch>
+        </p:blipFill>
+        <p:spPr>
+          <a:xfrm>
+            <a:off x="1187624" y="1776512"/>
+            <a:ext cx="5504762" cy="1590476"/>
+          </a:xfrm>
+          <a:prstGeom prst="rect">
+            <a:avLst/>
+          </a:prstGeom>
+        </p:spPr>
+      </p:pic>
+      <p:sp>
+        <p:nvSpPr>
+          <p:cNvPr id="3" name="文本框 2">
+            <a:extLst>
+              <a:ext uri="{FF2B5EF4-FFF2-40B4-BE49-F238E27FC236}">
+                <a16:creationId xmlns:a16="http://schemas.microsoft.com/office/drawing/2014/main" id="{6DD097DB-FB4C-4E9E-B395-89BCF48A76BF}"/>
+              </a:ext>
+            </a:extLst>
+          </p:cNvPr>
+          <p:cNvSpPr txBox="1"/>
+          <p:nvPr/>
+        </p:nvSpPr>
+        <p:spPr>
+          <a:xfrm>
+            <a:off x="971600" y="1275606"/>
+            <a:ext cx="1529586" cy="369332"/>
+          </a:xfrm>
+          <a:prstGeom prst="rect">
+            <a:avLst/>
+          </a:prstGeom>
+          <a:noFill/>
+        </p:spPr>
+        <p:txBody>
+          <a:bodyPr wrap="none" rtlCol="0">
+            <a:spAutoFit/>
+          </a:bodyPr>
+          <a:lstStyle/>
+          <a:p>
+            <a:r>
+              <a:rPr lang="en-US" altLang="zh-CN" dirty="0">
+                <a:latin typeface="微软雅黑" panose="020B0503020204020204" pitchFamily="34" charset="-122"/>
+                <a:ea typeface="微软雅黑" panose="020B0503020204020204" pitchFamily="34" charset="-122"/>
+              </a:rPr>
+              <a:t>1.</a:t>
+            </a:r>
+            <a:r>
+              <a:rPr lang="zh-CN" altLang="en-US" dirty="0">
+                <a:latin typeface="微软雅黑" panose="020B0503020204020204" pitchFamily="34" charset="-122"/>
+                <a:ea typeface="微软雅黑" panose="020B0503020204020204" pitchFamily="34" charset="-122"/>
+              </a:rPr>
+              <a:t>冲突的代码</a:t>
+            </a:r>
+          </a:p>
+        </p:txBody>
+      </p:sp>
+      <p:sp>
+        <p:nvSpPr>
+          <p:cNvPr id="4" name="文本框 3">
+            <a:extLst>
+              <a:ext uri="{FF2B5EF4-FFF2-40B4-BE49-F238E27FC236}">
+                <a16:creationId xmlns:a16="http://schemas.microsoft.com/office/drawing/2014/main" id="{F604D024-EB4D-4520-A2AA-185851A71D67}"/>
+              </a:ext>
+            </a:extLst>
+          </p:cNvPr>
+          <p:cNvSpPr txBox="1"/>
+          <p:nvPr/>
+        </p:nvSpPr>
+        <p:spPr>
+          <a:xfrm>
+            <a:off x="983380" y="3579862"/>
+            <a:ext cx="4799712" cy="369332"/>
+          </a:xfrm>
+          <a:prstGeom prst="rect">
+            <a:avLst/>
+          </a:prstGeom>
+          <a:noFill/>
+        </p:spPr>
+        <p:txBody>
+          <a:bodyPr wrap="none" rtlCol="0">
+            <a:spAutoFit/>
+          </a:bodyPr>
+          <a:lstStyle/>
+          <a:p>
+            <a:r>
+              <a:rPr lang="zh-CN" altLang="en-US" dirty="0">
+                <a:solidFill>
+                  <a:srgbClr val="C9394A"/>
+                </a:solidFill>
+                <a:latin typeface="微软雅黑" panose="020B0503020204020204" pitchFamily="34" charset="-122"/>
+                <a:ea typeface="微软雅黑" panose="020B0503020204020204" pitchFamily="34" charset="-122"/>
+              </a:rPr>
+              <a:t>手动解决冲突文件，再次</a:t>
+            </a:r>
+            <a:r>
+              <a:rPr lang="en-US" altLang="zh-CN" dirty="0">
+                <a:solidFill>
+                  <a:srgbClr val="C9394A"/>
+                </a:solidFill>
+                <a:latin typeface="微软雅黑" panose="020B0503020204020204" pitchFamily="34" charset="-122"/>
+                <a:ea typeface="微软雅黑" panose="020B0503020204020204" pitchFamily="34" charset="-122"/>
+              </a:rPr>
+              <a:t>commit</a:t>
+            </a:r>
+            <a:r>
+              <a:rPr lang="zh-CN" altLang="en-US" dirty="0">
+                <a:solidFill>
+                  <a:srgbClr val="C9394A"/>
+                </a:solidFill>
+                <a:latin typeface="微软雅黑" panose="020B0503020204020204" pitchFamily="34" charset="-122"/>
+                <a:ea typeface="微软雅黑" panose="020B0503020204020204" pitchFamily="34" charset="-122"/>
+              </a:rPr>
+              <a:t>，然后</a:t>
+            </a:r>
+            <a:r>
+              <a:rPr lang="en-US" altLang="zh-CN" dirty="0">
+                <a:solidFill>
+                  <a:srgbClr val="C9394A"/>
+                </a:solidFill>
+                <a:latin typeface="微软雅黑" panose="020B0503020204020204" pitchFamily="34" charset="-122"/>
+                <a:ea typeface="微软雅黑" panose="020B0503020204020204" pitchFamily="34" charset="-122"/>
+              </a:rPr>
+              <a:t>push</a:t>
+            </a:r>
+            <a:endParaRPr lang="zh-CN" altLang="en-US" dirty="0">
+              <a:solidFill>
+                <a:srgbClr val="C9394A"/>
+              </a:solidFill>
+              <a:latin typeface="微软雅黑" panose="020B0503020204020204" pitchFamily="34" charset="-122"/>
+              <a:ea typeface="微软雅黑" panose="020B0503020204020204" pitchFamily="34" charset="-122"/>
+            </a:endParaRPr>
+          </a:p>
+        </p:txBody>
+      </p:sp>
+    </p:spTree>
+    <p:extLst>
+      <p:ext uri="{BB962C8B-B14F-4D97-AF65-F5344CB8AC3E}">
+        <p14:creationId xmlns:p14="http://schemas.microsoft.com/office/powerpoint/2010/main" val="861469350"/>
+      </p:ext>
+    </p:extLst>
+  </p:cSld>
+  <p:clrMapOvr>
+    <a:masterClrMapping/>
+  </p:clrMapOvr>
+</p:sld>
+</file>
+
 <file path=ppt/slides/slide4.xml><?xml version="1.0" encoding="utf-8"?>
 <p:sld xmlns:a="http://schemas.openxmlformats.org/drawingml/2006/main" xmlns:r="http://schemas.openxmlformats.org/officeDocument/2006/relationships" xmlns:p="http://schemas.openxmlformats.org/presentationml/2006/main">
   <p:cSld>
@@ -16645,10 +20889,261 @@
       </p:grpSpPr>
       <p:sp>
         <p:nvSpPr>
-          <p:cNvPr id="2" name="文本框 1">
+          <p:cNvPr id="3" name="矩形 2">
             <a:extLst>
               <a:ext uri="{FF2B5EF4-FFF2-40B4-BE49-F238E27FC236}">
-                <a16:creationId xmlns:a16="http://schemas.microsoft.com/office/drawing/2014/main" id="{89F9A4B2-786D-4CB5-9436-889B73E9BDD2}"/>
+                <a16:creationId xmlns:a16="http://schemas.microsoft.com/office/drawing/2014/main" id="{0159E91D-1C4E-44A2-877A-5808C778DA1A}"/>
+              </a:ext>
+            </a:extLst>
+          </p:cNvPr>
+          <p:cNvSpPr/>
+          <p:nvPr/>
+        </p:nvSpPr>
+        <p:spPr>
+          <a:xfrm>
+            <a:off x="1115616" y="915566"/>
+            <a:ext cx="6678488" cy="3598229"/>
+          </a:xfrm>
+          <a:prstGeom prst="rect">
+            <a:avLst/>
+          </a:prstGeom>
+        </p:spPr>
+        <p:txBody>
+          <a:bodyPr wrap="square">
+            <a:spAutoFit/>
+          </a:bodyPr>
+          <a:lstStyle/>
+          <a:p>
+            <a:pPr>
+              <a:lnSpc>
+                <a:spcPct val="150000"/>
+              </a:lnSpc>
+              <a:tabLst>
+                <a:tab pos="479425" algn="l"/>
+              </a:tabLst>
+            </a:pPr>
+            <a:r>
+              <a:rPr lang="en-US" altLang="zh-CN" b="1" kern="100" dirty="0">
+                <a:solidFill>
+                  <a:srgbClr val="212121"/>
+                </a:solidFill>
+                <a:latin typeface="微软雅黑" panose="020B0503020204020204" pitchFamily="34" charset="-122"/>
+                <a:ea typeface="微软雅黑" panose="020B0503020204020204" pitchFamily="34" charset="-122"/>
+                <a:cs typeface="宋体" panose="02010600030101010101" pitchFamily="2" charset="-122"/>
+              </a:rPr>
+              <a:t>1</a:t>
+            </a:r>
+            <a:r>
+              <a:rPr lang="zh-CN" altLang="en-US" b="1" kern="100" dirty="0">
+                <a:solidFill>
+                  <a:srgbClr val="212121"/>
+                </a:solidFill>
+                <a:latin typeface="微软雅黑" panose="020B0503020204020204" pitchFamily="34" charset="-122"/>
+                <a:ea typeface="微软雅黑" panose="020B0503020204020204" pitchFamily="34" charset="-122"/>
+                <a:cs typeface="宋体" panose="02010600030101010101" pitchFamily="2" charset="-122"/>
+              </a:rPr>
+              <a:t>、</a:t>
+            </a:r>
+            <a:r>
+              <a:rPr lang="en-US" altLang="zh-CN" sz="2800" b="1" kern="100" dirty="0">
+                <a:solidFill>
+                  <a:srgbClr val="C00000"/>
+                </a:solidFill>
+                <a:latin typeface="微软雅黑" panose="020B0503020204020204" pitchFamily="34" charset="-122"/>
+                <a:ea typeface="微软雅黑" panose="020B0503020204020204" pitchFamily="34" charset="-122"/>
+                <a:cs typeface="宋体" panose="02010600030101010101" pitchFamily="2" charset="-122"/>
+              </a:rPr>
+              <a:t>task</a:t>
+            </a:r>
+            <a:endParaRPr lang="en-US" altLang="zh-CN" sz="2800" kern="100" dirty="0">
+              <a:solidFill>
+                <a:srgbClr val="C00000"/>
+              </a:solidFill>
+              <a:latin typeface="微软雅黑" panose="020B0503020204020204" pitchFamily="34" charset="-122"/>
+              <a:ea typeface="微软雅黑" panose="020B0503020204020204" pitchFamily="34" charset="-122"/>
+              <a:cs typeface="Times New Roman" panose="02020603050405020304" pitchFamily="18" charset="0"/>
+            </a:endParaRPr>
+          </a:p>
+          <a:p>
+            <a:pPr>
+              <a:lnSpc>
+                <a:spcPct val="150000"/>
+              </a:lnSpc>
+              <a:tabLst>
+                <a:tab pos="479425" algn="l"/>
+              </a:tabLst>
+            </a:pPr>
+            <a:r>
+              <a:rPr lang="zh-CN" altLang="zh-CN" kern="100" dirty="0">
+                <a:latin typeface="微软雅黑" panose="020B0503020204020204" pitchFamily="34" charset="-122"/>
+                <a:ea typeface="微软雅黑" panose="020B0503020204020204" pitchFamily="34" charset="-122"/>
+                <a:cs typeface="Times New Roman" panose="02020603050405020304" pitchFamily="18" charset="0"/>
+              </a:rPr>
+              <a:t>作用：用来定义一个</a:t>
+            </a:r>
+            <a:r>
+              <a:rPr lang="en-US" altLang="zh-CN" kern="100" dirty="0">
+                <a:latin typeface="微软雅黑" panose="020B0503020204020204" pitchFamily="34" charset="-122"/>
+                <a:ea typeface="微软雅黑" panose="020B0503020204020204" pitchFamily="34" charset="-122"/>
+                <a:cs typeface="Times New Roman" panose="02020603050405020304" pitchFamily="18" charset="0"/>
+              </a:rPr>
+              <a:t>gulp </a:t>
+            </a:r>
+            <a:r>
+              <a:rPr lang="zh-CN" altLang="zh-CN" kern="100" dirty="0">
+                <a:latin typeface="微软雅黑" panose="020B0503020204020204" pitchFamily="34" charset="-122"/>
+                <a:ea typeface="微软雅黑" panose="020B0503020204020204" pitchFamily="34" charset="-122"/>
+                <a:cs typeface="Times New Roman" panose="02020603050405020304" pitchFamily="18" charset="0"/>
+              </a:rPr>
+              <a:t>任务的。</a:t>
+            </a:r>
+          </a:p>
+          <a:p>
+            <a:pPr>
+              <a:lnSpc>
+                <a:spcPct val="150000"/>
+              </a:lnSpc>
+              <a:tabLst>
+                <a:tab pos="479425" algn="l"/>
+              </a:tabLst>
+            </a:pPr>
+            <a:r>
+              <a:rPr lang="zh-CN" altLang="zh-CN" kern="100" dirty="0">
+                <a:latin typeface="微软雅黑" panose="020B0503020204020204" pitchFamily="34" charset="-122"/>
+                <a:ea typeface="微软雅黑" panose="020B0503020204020204" pitchFamily="34" charset="-122"/>
+                <a:cs typeface="Times New Roman" panose="02020603050405020304" pitchFamily="18" charset="0"/>
+              </a:rPr>
+              <a:t>格式：</a:t>
+            </a:r>
+            <a:r>
+              <a:rPr lang="en-US" altLang="zh-CN" b="1" kern="100" dirty="0" err="1">
+                <a:solidFill>
+                  <a:srgbClr val="C00000"/>
+                </a:solidFill>
+                <a:latin typeface="微软雅黑" panose="020B0503020204020204" pitchFamily="34" charset="-122"/>
+                <a:ea typeface="微软雅黑" panose="020B0503020204020204" pitchFamily="34" charset="-122"/>
+                <a:cs typeface="Times New Roman" panose="02020603050405020304" pitchFamily="18" charset="0"/>
+              </a:rPr>
+              <a:t>gulp.task</a:t>
+            </a:r>
+            <a:r>
+              <a:rPr lang="zh-CN" altLang="zh-CN" b="1" kern="100" dirty="0">
+                <a:solidFill>
+                  <a:srgbClr val="C00000"/>
+                </a:solidFill>
+                <a:latin typeface="微软雅黑" panose="020B0503020204020204" pitchFamily="34" charset="-122"/>
+                <a:ea typeface="微软雅黑" panose="020B0503020204020204" pitchFamily="34" charset="-122"/>
+                <a:cs typeface="Times New Roman" panose="02020603050405020304" pitchFamily="18" charset="0"/>
+              </a:rPr>
+              <a:t>（任务名，具体要执行的任务）</a:t>
+            </a:r>
+            <a:endParaRPr lang="zh-CN" altLang="zh-CN" kern="100" dirty="0">
+              <a:solidFill>
+                <a:srgbClr val="C00000"/>
+              </a:solidFill>
+              <a:latin typeface="微软雅黑" panose="020B0503020204020204" pitchFamily="34" charset="-122"/>
+              <a:ea typeface="微软雅黑" panose="020B0503020204020204" pitchFamily="34" charset="-122"/>
+              <a:cs typeface="Times New Roman" panose="02020603050405020304" pitchFamily="18" charset="0"/>
+            </a:endParaRPr>
+          </a:p>
+          <a:p>
+            <a:pPr>
+              <a:lnSpc>
+                <a:spcPct val="150000"/>
+              </a:lnSpc>
+              <a:tabLst>
+                <a:tab pos="479425" algn="l"/>
+              </a:tabLst>
+            </a:pPr>
+            <a:r>
+              <a:rPr lang="zh-CN" altLang="zh-CN" kern="100" dirty="0">
+                <a:latin typeface="微软雅黑" panose="020B0503020204020204" pitchFamily="34" charset="-122"/>
+                <a:ea typeface="微软雅黑" panose="020B0503020204020204" pitchFamily="34" charset="-122"/>
+                <a:cs typeface="Times New Roman" panose="02020603050405020304" pitchFamily="18" charset="0"/>
+              </a:rPr>
+              <a:t>其中，任务名就是一个字符串</a:t>
+            </a:r>
+          </a:p>
+          <a:p>
+            <a:pPr>
+              <a:lnSpc>
+                <a:spcPct val="150000"/>
+              </a:lnSpc>
+              <a:tabLst>
+                <a:tab pos="479425" algn="l"/>
+              </a:tabLst>
+            </a:pPr>
+            <a:r>
+              <a:rPr lang="zh-CN" altLang="zh-CN" kern="100" dirty="0">
+                <a:latin typeface="微软雅黑" panose="020B0503020204020204" pitchFamily="34" charset="-122"/>
+                <a:ea typeface="微软雅黑" panose="020B0503020204020204" pitchFamily="34" charset="-122"/>
+                <a:cs typeface="Times New Roman" panose="02020603050405020304" pitchFamily="18" charset="0"/>
+              </a:rPr>
+              <a:t>要执行的任务，使用回调函数表示，就是一个</a:t>
+            </a:r>
+            <a:r>
+              <a:rPr lang="en-US" altLang="zh-CN" kern="100" dirty="0">
+                <a:latin typeface="微软雅黑" panose="020B0503020204020204" pitchFamily="34" charset="-122"/>
+                <a:ea typeface="微软雅黑" panose="020B0503020204020204" pitchFamily="34" charset="-122"/>
+                <a:cs typeface="Times New Roman" panose="02020603050405020304" pitchFamily="18" charset="0"/>
+              </a:rPr>
+              <a:t>function</a:t>
+            </a:r>
+            <a:endParaRPr lang="zh-CN" altLang="zh-CN" kern="100" dirty="0">
+              <a:latin typeface="微软雅黑" panose="020B0503020204020204" pitchFamily="34" charset="-122"/>
+              <a:ea typeface="微软雅黑" panose="020B0503020204020204" pitchFamily="34" charset="-122"/>
+              <a:cs typeface="Times New Roman" panose="02020603050405020304" pitchFamily="18" charset="0"/>
+            </a:endParaRPr>
+          </a:p>
+          <a:p>
+            <a:pPr>
+              <a:lnSpc>
+                <a:spcPct val="150000"/>
+              </a:lnSpc>
+              <a:tabLst>
+                <a:tab pos="479425" algn="l"/>
+              </a:tabLst>
+            </a:pPr>
+            <a:r>
+              <a:rPr lang="en-US" altLang="zh-CN" kern="100" dirty="0">
+                <a:latin typeface="微软雅黑" panose="020B0503020204020204" pitchFamily="34" charset="-122"/>
+                <a:ea typeface="微软雅黑" panose="020B0503020204020204" pitchFamily="34" charset="-122"/>
+                <a:cs typeface="Times New Roman" panose="02020603050405020304" pitchFamily="18" charset="0"/>
+              </a:rPr>
+              <a:t> </a:t>
+            </a:r>
+            <a:endParaRPr lang="zh-CN" altLang="zh-CN" kern="100" dirty="0">
+              <a:latin typeface="微软雅黑" panose="020B0503020204020204" pitchFamily="34" charset="-122"/>
+              <a:ea typeface="微软雅黑" panose="020B0503020204020204" pitchFamily="34" charset="-122"/>
+              <a:cs typeface="Times New Roman" panose="02020603050405020304" pitchFamily="18" charset="0"/>
+            </a:endParaRPr>
+          </a:p>
+          <a:p>
+            <a:pPr>
+              <a:lnSpc>
+                <a:spcPct val="150000"/>
+              </a:lnSpc>
+              <a:tabLst>
+                <a:tab pos="479425" algn="l"/>
+              </a:tabLst>
+            </a:pPr>
+            <a:r>
+              <a:rPr lang="zh-CN" altLang="zh-CN" kern="100" dirty="0">
+                <a:latin typeface="微软雅黑" panose="020B0503020204020204" pitchFamily="34" charset="-122"/>
+                <a:ea typeface="微软雅黑" panose="020B0503020204020204" pitchFamily="34" charset="-122"/>
+                <a:cs typeface="Times New Roman" panose="02020603050405020304" pitchFamily="18" charset="0"/>
+              </a:rPr>
+              <a:t>回调函数：一个函数作为另外一个函数的参数，那么这个作为参数的这个函数就是回调函数。</a:t>
+            </a:r>
+          </a:p>
+        </p:txBody>
+      </p:sp>
+      <p:sp>
+        <p:nvSpPr>
+          <p:cNvPr id="5" name="文本框 4">
+            <a:extLst>
+              <a:ext uri="{FF2B5EF4-FFF2-40B4-BE49-F238E27FC236}">
+                <a16:creationId xmlns:a16="http://schemas.microsoft.com/office/drawing/2014/main" id="{462D917C-8F36-4E3C-9557-0DF1AD6ADE0A}"/>
               </a:ext>
             </a:extLst>
           </p:cNvPr>
@@ -16657,8 +21152,8 @@
         </p:nvSpPr>
         <p:spPr>
           <a:xfrm>
-            <a:off x="3570572" y="4587974"/>
-            <a:ext cx="2002856" cy="369332"/>
+            <a:off x="3203848" y="484892"/>
+            <a:ext cx="2238113" cy="461665"/>
           </a:xfrm>
           <a:prstGeom prst="rect">
             <a:avLst/>
@@ -16672,88 +21167,275 @@
           <a:lstStyle/>
           <a:p>
             <a:r>
-              <a:rPr lang="en-US" altLang="zh-CN" u="sng" dirty="0"/>
-              <a:t>https://gulpjs.com/</a:t>
-            </a:r>
-            <a:endParaRPr lang="zh-CN" altLang="en-US" dirty="0"/>
+              <a:rPr lang="en-US" altLang="zh-CN" sz="2400" b="1" dirty="0">
+                <a:solidFill>
+                  <a:srgbClr val="C00000"/>
+                </a:solidFill>
+                <a:latin typeface="微软雅黑" panose="020B0503020204020204" pitchFamily="34" charset="-122"/>
+                <a:ea typeface="微软雅黑" panose="020B0503020204020204" pitchFamily="34" charset="-122"/>
+              </a:rPr>
+              <a:t>Gulp </a:t>
+            </a:r>
+            <a:r>
+              <a:rPr lang="zh-CN" altLang="en-US" sz="2400" b="1" dirty="0">
+                <a:solidFill>
+                  <a:srgbClr val="C00000"/>
+                </a:solidFill>
+                <a:latin typeface="微软雅黑" panose="020B0503020204020204" pitchFamily="34" charset="-122"/>
+                <a:ea typeface="微软雅黑" panose="020B0503020204020204" pitchFamily="34" charset="-122"/>
+              </a:rPr>
+              <a:t>方法使用</a:t>
+            </a:r>
           </a:p>
         </p:txBody>
       </p:sp>
       <p:pic>
         <p:nvPicPr>
-          <p:cNvPr id="3" name="图片 2">
+          <p:cNvPr id="2050" name="图片 18">
             <a:extLst>
               <a:ext uri="{FF2B5EF4-FFF2-40B4-BE49-F238E27FC236}">
-                <a16:creationId xmlns:a16="http://schemas.microsoft.com/office/drawing/2014/main" id="{E40692F2-7E46-449A-8216-F5775D7389CA}"/>
+                <a16:creationId xmlns:a16="http://schemas.microsoft.com/office/drawing/2014/main" id="{9632DBF9-A9E1-42AD-939C-55B84D07B395}"/>
               </a:ext>
             </a:extLst>
           </p:cNvPr>
           <p:cNvPicPr>
-            <a:picLocks noChangeAspect="1"/>
+            <a:picLocks noChangeAspect="1" noChangeArrowheads="1"/>
           </p:cNvPicPr>
           <p:nvPr/>
         </p:nvPicPr>
         <p:blipFill>
-          <a:blip r:embed="rId3"/>
+          <a:blip r:embed="rId3">
+            <a:extLst>
+              <a:ext uri="{28A0092B-C50C-407E-A947-70E740481C1C}">
+                <a14:useLocalDpi xmlns:a14="http://schemas.microsoft.com/office/drawing/2010/main" val="0"/>
+              </a:ext>
+            </a:extLst>
+          </a:blip>
+          <a:srcRect/>
           <a:stretch>
             <a:fillRect/>
           </a:stretch>
         </p:blipFill>
-        <p:spPr>
+        <p:spPr bwMode="auto">
           <a:xfrm>
-            <a:off x="899592" y="555526"/>
-            <a:ext cx="7596336" cy="3700241"/>
-          </a:xfrm>
-          <a:prstGeom prst="rect">
-            <a:avLst/>
-          </a:prstGeom>
-        </p:spPr>
-      </p:pic>
-      <p:sp>
-        <p:nvSpPr>
-          <p:cNvPr id="4" name="文本框 3">
-            <a:extLst>
-              <a:ext uri="{FF2B5EF4-FFF2-40B4-BE49-F238E27FC236}">
-                <a16:creationId xmlns:a16="http://schemas.microsoft.com/office/drawing/2014/main" id="{62292162-72C3-4ED1-8CBD-E2665F0C6B5C}"/>
-              </a:ext>
-            </a:extLst>
-          </p:cNvPr>
-          <p:cNvSpPr txBox="1"/>
-          <p:nvPr/>
-        </p:nvSpPr>
-        <p:spPr>
-          <a:xfrm>
-            <a:off x="6876256" y="370860"/>
-            <a:ext cx="792088" cy="369332"/>
+            <a:off x="3563888" y="3934819"/>
+            <a:ext cx="5267325" cy="1009650"/>
           </a:xfrm>
           <a:prstGeom prst="rect">
             <a:avLst/>
           </a:prstGeom>
           <a:noFill/>
+          <a:ln>
+            <a:noFill/>
+          </a:ln>
+          <a:extLst>
+            <a:ext uri="{909E8E84-426E-40DD-AFC4-6F175D3DCCD1}">
+              <a14:hiddenFill xmlns:a14="http://schemas.microsoft.com/office/drawing/2010/main">
+                <a:solidFill>
+                  <a:srgbClr val="FFFFFF"/>
+                </a:solidFill>
+              </a14:hiddenFill>
+            </a:ext>
+            <a:ext uri="{91240B29-F687-4F45-9708-019B960494DF}">
+              <a14:hiddenLine xmlns:a14="http://schemas.microsoft.com/office/drawing/2010/main" w="9525">
+                <a:solidFill>
+                  <a:srgbClr val="000000"/>
+                </a:solidFill>
+                <a:miter lim="800000"/>
+                <a:headEnd/>
+                <a:tailEnd/>
+              </a14:hiddenLine>
+            </a:ext>
+          </a:extLst>
         </p:spPr>
-        <p:txBody>
-          <a:bodyPr wrap="square" rtlCol="0">
-            <a:spAutoFit/>
-          </a:bodyPr>
-          <a:lstStyle/>
-          <a:p>
-            <a:r>
-              <a:rPr lang="zh-CN" altLang="en-US" dirty="0"/>
-              <a:t>插件</a:t>
-            </a:r>
-          </a:p>
-        </p:txBody>
-      </p:sp>
+      </p:pic>
     </p:spTree>
     <p:extLst>
       <p:ext uri="{BB962C8B-B14F-4D97-AF65-F5344CB8AC3E}">
-        <p14:creationId xmlns:p14="http://schemas.microsoft.com/office/powerpoint/2010/main" val="395349634"/>
+        <p14:creationId xmlns:p14="http://schemas.microsoft.com/office/powerpoint/2010/main" val="3904693379"/>
       </p:ext>
     </p:extLst>
   </p:cSld>
   <p:clrMapOvr>
     <a:masterClrMapping/>
   </p:clrMapOvr>
+  <p:timing>
+    <p:tnLst>
+      <p:par>
+        <p:cTn id="1" dur="indefinite" restart="never" nodeType="tmRoot">
+          <p:childTnLst>
+            <p:seq concurrent="1" nextAc="seek">
+              <p:cTn id="2" dur="indefinite" nodeType="mainSeq">
+                <p:childTnLst>
+                  <p:par>
+                    <p:cTn id="3" fill="hold">
+                      <p:stCondLst>
+                        <p:cond delay="indefinite"/>
+                      </p:stCondLst>
+                      <p:childTnLst>
+                        <p:par>
+                          <p:cTn id="4" fill="hold">
+                            <p:stCondLst>
+                              <p:cond delay="0"/>
+                            </p:stCondLst>
+                            <p:childTnLst>
+                              <p:par>
+                                <p:cTn id="5" presetID="2" presetClass="entr" presetSubtype="4" fill="hold" grpId="0" nodeType="clickEffect">
+                                  <p:stCondLst>
+                                    <p:cond delay="0"/>
+                                  </p:stCondLst>
+                                  <p:childTnLst>
+                                    <p:set>
+                                      <p:cBhvr>
+                                        <p:cTn id="6" dur="1" fill="hold">
+                                          <p:stCondLst>
+                                            <p:cond delay="0"/>
+                                          </p:stCondLst>
+                                        </p:cTn>
+                                        <p:tgtEl>
+                                          <p:spTgt spid="3"/>
+                                        </p:tgtEl>
+                                        <p:attrNameLst>
+                                          <p:attrName>style.visibility</p:attrName>
+                                        </p:attrNameLst>
+                                      </p:cBhvr>
+                                      <p:to>
+                                        <p:strVal val="visible"/>
+                                      </p:to>
+                                    </p:set>
+                                    <p:anim calcmode="lin" valueType="num">
+                                      <p:cBhvr additive="base">
+                                        <p:cTn id="7" dur="500" fill="hold"/>
+                                        <p:tgtEl>
+                                          <p:spTgt spid="3"/>
+                                        </p:tgtEl>
+                                        <p:attrNameLst>
+                                          <p:attrName>ppt_x</p:attrName>
+                                        </p:attrNameLst>
+                                      </p:cBhvr>
+                                      <p:tavLst>
+                                        <p:tav tm="0">
+                                          <p:val>
+                                            <p:strVal val="#ppt_x"/>
+                                          </p:val>
+                                        </p:tav>
+                                        <p:tav tm="100000">
+                                          <p:val>
+                                            <p:strVal val="#ppt_x"/>
+                                          </p:val>
+                                        </p:tav>
+                                      </p:tavLst>
+                                    </p:anim>
+                                    <p:anim calcmode="lin" valueType="num">
+                                      <p:cBhvr additive="base">
+                                        <p:cTn id="8" dur="500" fill="hold"/>
+                                        <p:tgtEl>
+                                          <p:spTgt spid="3"/>
+                                        </p:tgtEl>
+                                        <p:attrNameLst>
+                                          <p:attrName>ppt_y</p:attrName>
+                                        </p:attrNameLst>
+                                      </p:cBhvr>
+                                      <p:tavLst>
+                                        <p:tav tm="0">
+                                          <p:val>
+                                            <p:strVal val="1+#ppt_h/2"/>
+                                          </p:val>
+                                        </p:tav>
+                                        <p:tav tm="100000">
+                                          <p:val>
+                                            <p:strVal val="#ppt_y"/>
+                                          </p:val>
+                                        </p:tav>
+                                      </p:tavLst>
+                                    </p:anim>
+                                  </p:childTnLst>
+                                </p:cTn>
+                              </p:par>
+                            </p:childTnLst>
+                          </p:cTn>
+                        </p:par>
+                      </p:childTnLst>
+                    </p:cTn>
+                  </p:par>
+                  <p:par>
+                    <p:cTn id="9" fill="hold">
+                      <p:stCondLst>
+                        <p:cond delay="indefinite"/>
+                      </p:stCondLst>
+                      <p:childTnLst>
+                        <p:par>
+                          <p:cTn id="10" fill="hold">
+                            <p:stCondLst>
+                              <p:cond delay="0"/>
+                            </p:stCondLst>
+                            <p:childTnLst>
+                              <p:par>
+                                <p:cTn id="11" presetID="21" presetClass="entr" presetSubtype="1" fill="hold" nodeType="clickEffect">
+                                  <p:stCondLst>
+                                    <p:cond delay="0"/>
+                                  </p:stCondLst>
+                                  <p:childTnLst>
+                                    <p:set>
+                                      <p:cBhvr>
+                                        <p:cTn id="12" dur="1" fill="hold">
+                                          <p:stCondLst>
+                                            <p:cond delay="0"/>
+                                          </p:stCondLst>
+                                        </p:cTn>
+                                        <p:tgtEl>
+                                          <p:spTgt spid="2050"/>
+                                        </p:tgtEl>
+                                        <p:attrNameLst>
+                                          <p:attrName>style.visibility</p:attrName>
+                                        </p:attrNameLst>
+                                      </p:cBhvr>
+                                      <p:to>
+                                        <p:strVal val="visible"/>
+                                      </p:to>
+                                    </p:set>
+                                    <p:animEffect transition="in" filter="wheel(1)">
+                                      <p:cBhvr>
+                                        <p:cTn id="13" dur="2000"/>
+                                        <p:tgtEl>
+                                          <p:spTgt spid="2050"/>
+                                        </p:tgtEl>
+                                      </p:cBhvr>
+                                    </p:animEffect>
+                                  </p:childTnLst>
+                                </p:cTn>
+                              </p:par>
+                            </p:childTnLst>
+                          </p:cTn>
+                        </p:par>
+                      </p:childTnLst>
+                    </p:cTn>
+                  </p:par>
+                </p:childTnLst>
+              </p:cTn>
+              <p:prevCondLst>
+                <p:cond evt="onPrev" delay="0">
+                  <p:tgtEl>
+                    <p:sldTgt/>
+                  </p:tgtEl>
+                </p:cond>
+              </p:prevCondLst>
+              <p:nextCondLst>
+                <p:cond evt="onNext" delay="0">
+                  <p:tgtEl>
+                    <p:sldTgt/>
+                  </p:tgtEl>
+                </p:cond>
+              </p:nextCondLst>
+            </p:seq>
+          </p:childTnLst>
+        </p:cTn>
+      </p:par>
+    </p:tnLst>
+    <p:bldLst>
+      <p:bldP spid="3" grpId="0"/>
+    </p:bldLst>
+  </p:timing>
 </p:sld>
 </file>
 
@@ -16774,76 +21456,851 @@
           <a:chExt cx="0" cy="0"/>
         </a:xfrm>
       </p:grpSpPr>
-      <p:pic>
-        <p:nvPicPr>
-          <p:cNvPr id="4" name="图片 3">
+      <p:sp>
+        <p:nvSpPr>
+          <p:cNvPr id="3" name="矩形 2">
             <a:extLst>
               <a:ext uri="{FF2B5EF4-FFF2-40B4-BE49-F238E27FC236}">
-                <a16:creationId xmlns:a16="http://schemas.microsoft.com/office/drawing/2014/main" id="{78AE8FDD-953E-495C-A15E-3AE75180DCA5}"/>
+                <a16:creationId xmlns:a16="http://schemas.microsoft.com/office/drawing/2014/main" id="{0159E91D-1C4E-44A2-877A-5808C778DA1A}"/>
               </a:ext>
             </a:extLst>
           </p:cNvPr>
-          <p:cNvPicPr>
-            <a:picLocks noChangeAspect="1"/>
-          </p:cNvPicPr>
+          <p:cNvSpPr/>
           <p:nvPr/>
-        </p:nvPicPr>
-        <p:blipFill>
-          <a:blip r:embed="rId3"/>
-          <a:stretch>
-            <a:fillRect/>
-          </a:stretch>
-        </p:blipFill>
+        </p:nvSpPr>
         <p:spPr>
           <a:xfrm>
-            <a:off x="107504" y="1059582"/>
-            <a:ext cx="4990476" cy="2552381"/>
+            <a:off x="0" y="895726"/>
+            <a:ext cx="9144000" cy="3919856"/>
           </a:xfrm>
           <a:prstGeom prst="rect">
             <a:avLst/>
           </a:prstGeom>
         </p:spPr>
-      </p:pic>
-      <p:pic>
-        <p:nvPicPr>
-          <p:cNvPr id="6" name="图片 5">
+        <p:txBody>
+          <a:bodyPr wrap="square">
+            <a:spAutoFit/>
+          </a:bodyPr>
+          <a:lstStyle/>
+          <a:p>
+            <a:pPr>
+              <a:lnSpc>
+                <a:spcPct val="150000"/>
+              </a:lnSpc>
+              <a:tabLst>
+                <a:tab pos="479425" algn="l"/>
+              </a:tabLst>
+            </a:pPr>
+            <a:r>
+              <a:rPr lang="en-US" altLang="zh-CN" b="1" kern="100" dirty="0">
+                <a:solidFill>
+                  <a:srgbClr val="212121"/>
+                </a:solidFill>
+                <a:latin typeface="微软雅黑" panose="020B0503020204020204" pitchFamily="34" charset="-122"/>
+                <a:ea typeface="微软雅黑" panose="020B0503020204020204" pitchFamily="34" charset="-122"/>
+                <a:cs typeface="宋体" panose="02010600030101010101" pitchFamily="2" charset="-122"/>
+              </a:rPr>
+              <a:t>2</a:t>
+            </a:r>
+            <a:r>
+              <a:rPr lang="zh-CN" altLang="en-US" b="1" kern="100" dirty="0">
+                <a:solidFill>
+                  <a:srgbClr val="212121"/>
+                </a:solidFill>
+                <a:latin typeface="微软雅黑" panose="020B0503020204020204" pitchFamily="34" charset="-122"/>
+                <a:ea typeface="微软雅黑" panose="020B0503020204020204" pitchFamily="34" charset="-122"/>
+                <a:cs typeface="宋体" panose="02010600030101010101" pitchFamily="2" charset="-122"/>
+              </a:rPr>
+              <a:t>、</a:t>
+            </a:r>
+            <a:r>
+              <a:rPr lang="en-US" altLang="zh-CN" sz="2800" b="1" kern="100" dirty="0" err="1">
+                <a:solidFill>
+                  <a:srgbClr val="C00000"/>
+                </a:solidFill>
+                <a:latin typeface="微软雅黑" panose="020B0503020204020204" pitchFamily="34" charset="-122"/>
+                <a:ea typeface="微软雅黑" panose="020B0503020204020204" pitchFamily="34" charset="-122"/>
+                <a:cs typeface="宋体" panose="02010600030101010101" pitchFamily="2" charset="-122"/>
+              </a:rPr>
+              <a:t>src</a:t>
+            </a:r>
+            <a:endParaRPr lang="en-US" altLang="zh-CN" sz="2800" b="1" kern="100" dirty="0">
+              <a:solidFill>
+                <a:srgbClr val="C00000"/>
+              </a:solidFill>
+              <a:latin typeface="微软雅黑" panose="020B0503020204020204" pitchFamily="34" charset="-122"/>
+              <a:ea typeface="微软雅黑" panose="020B0503020204020204" pitchFamily="34" charset="-122"/>
+              <a:cs typeface="宋体" panose="02010600030101010101" pitchFamily="2" charset="-122"/>
+            </a:endParaRPr>
+          </a:p>
+          <a:p>
+            <a:pPr>
+              <a:lnSpc>
+                <a:spcPct val="150000"/>
+              </a:lnSpc>
+              <a:tabLst>
+                <a:tab pos="479425" algn="l"/>
+              </a:tabLst>
+            </a:pPr>
+            <a:r>
+              <a:rPr lang="zh-CN" altLang="zh-CN" sz="1400" dirty="0">
+                <a:latin typeface="微软雅黑" panose="020B0503020204020204" pitchFamily="34" charset="-122"/>
+                <a:ea typeface="微软雅黑" panose="020B0503020204020204" pitchFamily="34" charset="-122"/>
+              </a:rPr>
+              <a:t>作用：指定需要执行任务的文件。</a:t>
+            </a:r>
+          </a:p>
+          <a:p>
+            <a:pPr>
+              <a:lnSpc>
+                <a:spcPct val="150000"/>
+              </a:lnSpc>
+            </a:pPr>
+            <a:r>
+              <a:rPr lang="zh-CN" altLang="zh-CN" sz="1400" dirty="0">
+                <a:latin typeface="微软雅黑" panose="020B0503020204020204" pitchFamily="34" charset="-122"/>
+                <a:ea typeface="微软雅黑" panose="020B0503020204020204" pitchFamily="34" charset="-122"/>
+              </a:rPr>
+              <a:t>格式：</a:t>
+            </a:r>
+            <a:r>
+              <a:rPr lang="en-US" altLang="zh-CN" sz="1400" b="1" dirty="0" err="1">
+                <a:latin typeface="微软雅黑" panose="020B0503020204020204" pitchFamily="34" charset="-122"/>
+                <a:ea typeface="微软雅黑" panose="020B0503020204020204" pitchFamily="34" charset="-122"/>
+              </a:rPr>
+              <a:t>gulp.src</a:t>
+            </a:r>
+            <a:r>
+              <a:rPr lang="en-US" altLang="zh-CN" sz="1400" b="1" dirty="0">
+                <a:latin typeface="微软雅黑" panose="020B0503020204020204" pitchFamily="34" charset="-122"/>
+                <a:ea typeface="微软雅黑" panose="020B0503020204020204" pitchFamily="34" charset="-122"/>
+              </a:rPr>
+              <a:t>(globs[, options])</a:t>
+            </a:r>
+            <a:endParaRPr lang="zh-CN" altLang="zh-CN" sz="1400" dirty="0">
+              <a:latin typeface="微软雅黑" panose="020B0503020204020204" pitchFamily="34" charset="-122"/>
+              <a:ea typeface="微软雅黑" panose="020B0503020204020204" pitchFamily="34" charset="-122"/>
+            </a:endParaRPr>
+          </a:p>
+          <a:p>
+            <a:pPr>
+              <a:lnSpc>
+                <a:spcPct val="150000"/>
+              </a:lnSpc>
+            </a:pPr>
+            <a:r>
+              <a:rPr lang="en-US" altLang="zh-CN" sz="1400" dirty="0">
+                <a:latin typeface="微软雅黑" panose="020B0503020204020204" pitchFamily="34" charset="-122"/>
+                <a:ea typeface="微软雅黑" panose="020B0503020204020204" pitchFamily="34" charset="-122"/>
+              </a:rPr>
+              <a:t>globs</a:t>
+            </a:r>
+            <a:r>
+              <a:rPr lang="zh-CN" altLang="zh-CN" sz="1400" dirty="0">
+                <a:latin typeface="微软雅黑" panose="020B0503020204020204" pitchFamily="34" charset="-122"/>
+                <a:ea typeface="微软雅黑" panose="020B0503020204020204" pitchFamily="34" charset="-122"/>
+              </a:rPr>
+              <a:t>：需要处理的源文件匹配符路径，字符串或字符串数组。可以使用类似正则的方式来进行文件的匹配。常见的用法有：</a:t>
+            </a:r>
+          </a:p>
+          <a:p>
+            <a:pPr lvl="0">
+              <a:lnSpc>
+                <a:spcPct val="150000"/>
+              </a:lnSpc>
+            </a:pPr>
+            <a:r>
+              <a:rPr lang="zh-CN" altLang="zh-CN" sz="1400" dirty="0">
+                <a:latin typeface="微软雅黑" panose="020B0503020204020204" pitchFamily="34" charset="-122"/>
+                <a:ea typeface="微软雅黑" panose="020B0503020204020204" pitchFamily="34" charset="-122"/>
+              </a:rPr>
+              <a:t>“</a:t>
+            </a:r>
+            <a:r>
+              <a:rPr lang="en-US" altLang="zh-CN" sz="1400" dirty="0" err="1">
+                <a:latin typeface="微软雅黑" panose="020B0503020204020204" pitchFamily="34" charset="-122"/>
+                <a:ea typeface="微软雅黑" panose="020B0503020204020204" pitchFamily="34" charset="-122"/>
+              </a:rPr>
+              <a:t>src</a:t>
+            </a:r>
+            <a:r>
+              <a:rPr lang="en-US" altLang="zh-CN" sz="1400" dirty="0">
+                <a:latin typeface="微软雅黑" panose="020B0503020204020204" pitchFamily="34" charset="-122"/>
+                <a:ea typeface="微软雅黑" panose="020B0503020204020204" pitchFamily="34" charset="-122"/>
+              </a:rPr>
+              <a:t>/a.js"</a:t>
+            </a:r>
+            <a:r>
+              <a:rPr lang="zh-CN" altLang="zh-CN" sz="1400" dirty="0">
+                <a:latin typeface="微软雅黑" panose="020B0503020204020204" pitchFamily="34" charset="-122"/>
+                <a:ea typeface="微软雅黑" panose="020B0503020204020204" pitchFamily="34" charset="-122"/>
+              </a:rPr>
+              <a:t>，指定具体某个文件，就是指</a:t>
+            </a:r>
+            <a:r>
+              <a:rPr lang="en-US" altLang="zh-CN" sz="1400" dirty="0" err="1">
+                <a:latin typeface="微软雅黑" panose="020B0503020204020204" pitchFamily="34" charset="-122"/>
+                <a:ea typeface="微软雅黑" panose="020B0503020204020204" pitchFamily="34" charset="-122"/>
+              </a:rPr>
+              <a:t>src</a:t>
+            </a:r>
+            <a:r>
+              <a:rPr lang="zh-CN" altLang="zh-CN" sz="1400" dirty="0">
+                <a:latin typeface="微软雅黑" panose="020B0503020204020204" pitchFamily="34" charset="-122"/>
+                <a:ea typeface="微软雅黑" panose="020B0503020204020204" pitchFamily="34" charset="-122"/>
+              </a:rPr>
+              <a:t>目录下的</a:t>
+            </a:r>
+            <a:r>
+              <a:rPr lang="en-US" altLang="zh-CN" sz="1400" dirty="0">
+                <a:latin typeface="微软雅黑" panose="020B0503020204020204" pitchFamily="34" charset="-122"/>
+                <a:ea typeface="微软雅黑" panose="020B0503020204020204" pitchFamily="34" charset="-122"/>
+              </a:rPr>
+              <a:t>a.js</a:t>
+            </a:r>
+            <a:r>
+              <a:rPr lang="zh-CN" altLang="zh-CN" sz="1400" dirty="0">
+                <a:latin typeface="微软雅黑" panose="020B0503020204020204" pitchFamily="34" charset="-122"/>
+                <a:ea typeface="微软雅黑" panose="020B0503020204020204" pitchFamily="34" charset="-122"/>
+              </a:rPr>
+              <a:t>文件</a:t>
+            </a:r>
+          </a:p>
+          <a:p>
+            <a:pPr lvl="0">
+              <a:lnSpc>
+                <a:spcPct val="150000"/>
+              </a:lnSpc>
+            </a:pPr>
+            <a:r>
+              <a:rPr lang="zh-CN" altLang="zh-CN" sz="1400" dirty="0">
+                <a:latin typeface="微软雅黑" panose="020B0503020204020204" pitchFamily="34" charset="-122"/>
+                <a:ea typeface="微软雅黑" panose="020B0503020204020204" pitchFamily="34" charset="-122"/>
+              </a:rPr>
+              <a:t>“</a:t>
+            </a:r>
+            <a:r>
+              <a:rPr lang="en-US" altLang="zh-CN" sz="1400" dirty="0">
+                <a:latin typeface="微软雅黑" panose="020B0503020204020204" pitchFamily="34" charset="-122"/>
+                <a:ea typeface="微软雅黑" panose="020B0503020204020204" pitchFamily="34" charset="-122"/>
+              </a:rPr>
+              <a:t>*</a:t>
+            </a:r>
+            <a:r>
+              <a:rPr lang="zh-CN" altLang="zh-CN" sz="1400" dirty="0">
+                <a:latin typeface="微软雅黑" panose="020B0503020204020204" pitchFamily="34" charset="-122"/>
+                <a:ea typeface="微软雅黑" panose="020B0503020204020204" pitchFamily="34" charset="-122"/>
+              </a:rPr>
+              <a:t>”</a:t>
+            </a:r>
+            <a:r>
+              <a:rPr lang="en-US" altLang="zh-CN" sz="1400" dirty="0">
+                <a:latin typeface="微软雅黑" panose="020B0503020204020204" pitchFamily="34" charset="-122"/>
+                <a:ea typeface="微软雅黑" panose="020B0503020204020204" pitchFamily="34" charset="-122"/>
+              </a:rPr>
+              <a:t>, </a:t>
+            </a:r>
+            <a:r>
+              <a:rPr lang="zh-CN" altLang="zh-CN" sz="1400" dirty="0">
+                <a:latin typeface="微软雅黑" panose="020B0503020204020204" pitchFamily="34" charset="-122"/>
+                <a:ea typeface="微软雅黑" panose="020B0503020204020204" pitchFamily="34" charset="-122"/>
+              </a:rPr>
+              <a:t>匹配某个文件夹下的所有文件，如</a:t>
+            </a:r>
+            <a:r>
+              <a:rPr lang="en-US" altLang="zh-CN" sz="1400" dirty="0" err="1">
+                <a:latin typeface="微软雅黑" panose="020B0503020204020204" pitchFamily="34" charset="-122"/>
+                <a:ea typeface="微软雅黑" panose="020B0503020204020204" pitchFamily="34" charset="-122"/>
+              </a:rPr>
+              <a:t>src</a:t>
+            </a:r>
+            <a:r>
+              <a:rPr lang="en-US" altLang="zh-CN" sz="1400" dirty="0">
+                <a:latin typeface="微软雅黑" panose="020B0503020204020204" pitchFamily="34" charset="-122"/>
+                <a:ea typeface="微软雅黑" panose="020B0503020204020204" pitchFamily="34" charset="-122"/>
+              </a:rPr>
+              <a:t>/*.</a:t>
+            </a:r>
+            <a:r>
+              <a:rPr lang="en-US" altLang="zh-CN" sz="1400" dirty="0" err="1">
+                <a:latin typeface="微软雅黑" panose="020B0503020204020204" pitchFamily="34" charset="-122"/>
+                <a:ea typeface="微软雅黑" panose="020B0503020204020204" pitchFamily="34" charset="-122"/>
+              </a:rPr>
+              <a:t>js</a:t>
+            </a:r>
+            <a:r>
+              <a:rPr lang="zh-CN" altLang="zh-CN" sz="1400" dirty="0">
+                <a:latin typeface="微软雅黑" panose="020B0503020204020204" pitchFamily="34" charset="-122"/>
+                <a:ea typeface="微软雅黑" panose="020B0503020204020204" pitchFamily="34" charset="-122"/>
+              </a:rPr>
+              <a:t>，匹配</a:t>
+            </a:r>
+            <a:r>
+              <a:rPr lang="en-US" altLang="zh-CN" sz="1400" dirty="0" err="1">
+                <a:latin typeface="微软雅黑" panose="020B0503020204020204" pitchFamily="34" charset="-122"/>
+                <a:ea typeface="微软雅黑" panose="020B0503020204020204" pitchFamily="34" charset="-122"/>
+              </a:rPr>
+              <a:t>src</a:t>
+            </a:r>
+            <a:r>
+              <a:rPr lang="zh-CN" altLang="zh-CN" sz="1400" dirty="0">
+                <a:latin typeface="微软雅黑" panose="020B0503020204020204" pitchFamily="34" charset="-122"/>
+                <a:ea typeface="微软雅黑" panose="020B0503020204020204" pitchFamily="34" charset="-122"/>
+              </a:rPr>
+              <a:t>下所有的</a:t>
+            </a:r>
+            <a:r>
+              <a:rPr lang="en-US" altLang="zh-CN" sz="1400" dirty="0" err="1">
+                <a:latin typeface="微软雅黑" panose="020B0503020204020204" pitchFamily="34" charset="-122"/>
+                <a:ea typeface="微软雅黑" panose="020B0503020204020204" pitchFamily="34" charset="-122"/>
+              </a:rPr>
+              <a:t>js</a:t>
+            </a:r>
+            <a:r>
+              <a:rPr lang="zh-CN" altLang="zh-CN" sz="1400" dirty="0">
+                <a:latin typeface="微软雅黑" panose="020B0503020204020204" pitchFamily="34" charset="-122"/>
+                <a:ea typeface="微软雅黑" panose="020B0503020204020204" pitchFamily="34" charset="-122"/>
+              </a:rPr>
+              <a:t>文件</a:t>
+            </a:r>
+          </a:p>
+          <a:p>
+            <a:pPr lvl="0">
+              <a:lnSpc>
+                <a:spcPct val="150000"/>
+              </a:lnSpc>
+            </a:pPr>
+            <a:r>
+              <a:rPr lang="zh-CN" altLang="zh-CN" sz="1400" dirty="0">
+                <a:latin typeface="微软雅黑" panose="020B0503020204020204" pitchFamily="34" charset="-122"/>
+                <a:ea typeface="微软雅黑" panose="020B0503020204020204" pitchFamily="34" charset="-122"/>
+              </a:rPr>
+              <a:t>“</a:t>
+            </a:r>
+            <a:r>
+              <a:rPr lang="en-US" altLang="zh-CN" sz="1400" dirty="0">
+                <a:latin typeface="微软雅黑" panose="020B0503020204020204" pitchFamily="34" charset="-122"/>
+                <a:ea typeface="微软雅黑" panose="020B0503020204020204" pitchFamily="34" charset="-122"/>
+              </a:rPr>
+              <a:t>**</a:t>
+            </a:r>
+            <a:r>
+              <a:rPr lang="zh-CN" altLang="zh-CN" sz="1400" dirty="0">
+                <a:latin typeface="微软雅黑" panose="020B0503020204020204" pitchFamily="34" charset="-122"/>
+                <a:ea typeface="微软雅黑" panose="020B0503020204020204" pitchFamily="34" charset="-122"/>
+              </a:rPr>
+              <a:t>”， 匹配</a:t>
+            </a:r>
+            <a:r>
+              <a:rPr lang="en-US" altLang="zh-CN" sz="1400" dirty="0">
+                <a:latin typeface="微软雅黑" panose="020B0503020204020204" pitchFamily="34" charset="-122"/>
+                <a:ea typeface="微软雅黑" panose="020B0503020204020204" pitchFamily="34" charset="-122"/>
+              </a:rPr>
+              <a:t>0</a:t>
+            </a:r>
+            <a:r>
+              <a:rPr lang="zh-CN" altLang="zh-CN" sz="1400" dirty="0">
+                <a:latin typeface="微软雅黑" panose="020B0503020204020204" pitchFamily="34" charset="-122"/>
+                <a:ea typeface="微软雅黑" panose="020B0503020204020204" pitchFamily="34" charset="-122"/>
+              </a:rPr>
+              <a:t>个或多个子文件夹，如</a:t>
+            </a:r>
+            <a:r>
+              <a:rPr lang="en-US" altLang="zh-CN" sz="1400" dirty="0" err="1">
+                <a:latin typeface="微软雅黑" panose="020B0503020204020204" pitchFamily="34" charset="-122"/>
+                <a:ea typeface="微软雅黑" panose="020B0503020204020204" pitchFamily="34" charset="-122"/>
+              </a:rPr>
+              <a:t>src</a:t>
+            </a:r>
+            <a:r>
+              <a:rPr lang="en-US" altLang="zh-CN" sz="1400" dirty="0">
+                <a:latin typeface="微软雅黑" panose="020B0503020204020204" pitchFamily="34" charset="-122"/>
+                <a:ea typeface="微软雅黑" panose="020B0503020204020204" pitchFamily="34" charset="-122"/>
+              </a:rPr>
+              <a:t>/**/*.</a:t>
+            </a:r>
+            <a:r>
+              <a:rPr lang="en-US" altLang="zh-CN" sz="1400" dirty="0" err="1">
+                <a:latin typeface="微软雅黑" panose="020B0503020204020204" pitchFamily="34" charset="-122"/>
+                <a:ea typeface="微软雅黑" panose="020B0503020204020204" pitchFamily="34" charset="-122"/>
+              </a:rPr>
+              <a:t>js</a:t>
+            </a:r>
+            <a:r>
+              <a:rPr lang="zh-CN" altLang="zh-CN" sz="1400" dirty="0">
+                <a:latin typeface="微软雅黑" panose="020B0503020204020204" pitchFamily="34" charset="-122"/>
+                <a:ea typeface="微软雅黑" panose="020B0503020204020204" pitchFamily="34" charset="-122"/>
+              </a:rPr>
+              <a:t>，匹配</a:t>
+            </a:r>
+            <a:r>
+              <a:rPr lang="en-US" altLang="zh-CN" sz="1400" dirty="0" err="1">
+                <a:latin typeface="微软雅黑" panose="020B0503020204020204" pitchFamily="34" charset="-122"/>
+                <a:ea typeface="微软雅黑" panose="020B0503020204020204" pitchFamily="34" charset="-122"/>
+              </a:rPr>
+              <a:t>src</a:t>
+            </a:r>
+            <a:r>
+              <a:rPr lang="zh-CN" altLang="zh-CN" sz="1400" dirty="0">
+                <a:latin typeface="微软雅黑" panose="020B0503020204020204" pitchFamily="34" charset="-122"/>
+                <a:ea typeface="微软雅黑" panose="020B0503020204020204" pitchFamily="34" charset="-122"/>
+              </a:rPr>
+              <a:t>下的所有</a:t>
+            </a:r>
+            <a:r>
+              <a:rPr lang="en-US" altLang="zh-CN" sz="1400" dirty="0" err="1">
+                <a:latin typeface="微软雅黑" panose="020B0503020204020204" pitchFamily="34" charset="-122"/>
+                <a:ea typeface="微软雅黑" panose="020B0503020204020204" pitchFamily="34" charset="-122"/>
+              </a:rPr>
+              <a:t>js</a:t>
+            </a:r>
+            <a:r>
+              <a:rPr lang="zh-CN" altLang="zh-CN" sz="1400" dirty="0">
+                <a:latin typeface="微软雅黑" panose="020B0503020204020204" pitchFamily="34" charset="-122"/>
+                <a:ea typeface="微软雅黑" panose="020B0503020204020204" pitchFamily="34" charset="-122"/>
+              </a:rPr>
+              <a:t>文件以及</a:t>
+            </a:r>
+            <a:r>
+              <a:rPr lang="en-US" altLang="zh-CN" sz="1400" dirty="0" err="1">
+                <a:latin typeface="微软雅黑" panose="020B0503020204020204" pitchFamily="34" charset="-122"/>
+                <a:ea typeface="微软雅黑" panose="020B0503020204020204" pitchFamily="34" charset="-122"/>
+              </a:rPr>
+              <a:t>src</a:t>
+            </a:r>
+            <a:r>
+              <a:rPr lang="zh-CN" altLang="zh-CN" sz="1400" dirty="0">
+                <a:latin typeface="微软雅黑" panose="020B0503020204020204" pitchFamily="34" charset="-122"/>
+                <a:ea typeface="微软雅黑" panose="020B0503020204020204" pitchFamily="34" charset="-122"/>
+              </a:rPr>
+              <a:t>下的子目录中的所有</a:t>
+            </a:r>
+            <a:r>
+              <a:rPr lang="en-US" altLang="zh-CN" sz="1400" dirty="0" err="1">
+                <a:latin typeface="微软雅黑" panose="020B0503020204020204" pitchFamily="34" charset="-122"/>
+                <a:ea typeface="微软雅黑" panose="020B0503020204020204" pitchFamily="34" charset="-122"/>
+              </a:rPr>
+              <a:t>js</a:t>
+            </a:r>
+            <a:r>
+              <a:rPr lang="zh-CN" altLang="zh-CN" sz="1400" dirty="0">
+                <a:latin typeface="微软雅黑" panose="020B0503020204020204" pitchFamily="34" charset="-122"/>
+                <a:ea typeface="微软雅黑" panose="020B0503020204020204" pitchFamily="34" charset="-122"/>
+              </a:rPr>
+              <a:t>文件</a:t>
+            </a:r>
+          </a:p>
+          <a:p>
+            <a:pPr lvl="0">
+              <a:lnSpc>
+                <a:spcPct val="150000"/>
+              </a:lnSpc>
+            </a:pPr>
+            <a:r>
+              <a:rPr lang="zh-CN" altLang="zh-CN" sz="1400" dirty="0">
+                <a:latin typeface="微软雅黑" panose="020B0503020204020204" pitchFamily="34" charset="-122"/>
+                <a:ea typeface="微软雅黑" panose="020B0503020204020204" pitchFamily="34" charset="-122"/>
+              </a:rPr>
+              <a:t>“</a:t>
+            </a:r>
+            <a:r>
+              <a:rPr lang="en-US" altLang="zh-CN" sz="1400" dirty="0">
+                <a:latin typeface="微软雅黑" panose="020B0503020204020204" pitchFamily="34" charset="-122"/>
+                <a:ea typeface="微软雅黑" panose="020B0503020204020204" pitchFamily="34" charset="-122"/>
+              </a:rPr>
+              <a:t>{ }</a:t>
+            </a:r>
+            <a:r>
+              <a:rPr lang="zh-CN" altLang="zh-CN" sz="1400" dirty="0">
+                <a:latin typeface="微软雅黑" panose="020B0503020204020204" pitchFamily="34" charset="-122"/>
+                <a:ea typeface="微软雅黑" panose="020B0503020204020204" pitchFamily="34" charset="-122"/>
+              </a:rPr>
+              <a:t>”，匹配多个属性，如</a:t>
+            </a:r>
+            <a:r>
+              <a:rPr lang="en-US" altLang="zh-CN" sz="1400" dirty="0" err="1">
+                <a:latin typeface="微软雅黑" panose="020B0503020204020204" pitchFamily="34" charset="-122"/>
+                <a:ea typeface="微软雅黑" panose="020B0503020204020204" pitchFamily="34" charset="-122"/>
+              </a:rPr>
+              <a:t>src</a:t>
+            </a:r>
+            <a:r>
+              <a:rPr lang="en-US" altLang="zh-CN" sz="1400" dirty="0">
+                <a:latin typeface="微软雅黑" panose="020B0503020204020204" pitchFamily="34" charset="-122"/>
+                <a:ea typeface="微软雅黑" panose="020B0503020204020204" pitchFamily="34" charset="-122"/>
+              </a:rPr>
+              <a:t>/{a,b}.js </a:t>
+            </a:r>
+            <a:r>
+              <a:rPr lang="zh-CN" altLang="zh-CN" sz="1400" dirty="0">
+                <a:latin typeface="微软雅黑" panose="020B0503020204020204" pitchFamily="34" charset="-122"/>
+                <a:ea typeface="微软雅黑" panose="020B0503020204020204" pitchFamily="34" charset="-122"/>
+              </a:rPr>
+              <a:t>，包含</a:t>
+            </a:r>
+            <a:r>
+              <a:rPr lang="en-US" altLang="zh-CN" sz="1400" dirty="0">
+                <a:latin typeface="微软雅黑" panose="020B0503020204020204" pitchFamily="34" charset="-122"/>
+                <a:ea typeface="微软雅黑" panose="020B0503020204020204" pitchFamily="34" charset="-122"/>
+              </a:rPr>
+              <a:t>a.js</a:t>
+            </a:r>
+            <a:r>
+              <a:rPr lang="zh-CN" altLang="zh-CN" sz="1400" dirty="0">
+                <a:latin typeface="微软雅黑" panose="020B0503020204020204" pitchFamily="34" charset="-122"/>
+                <a:ea typeface="微软雅黑" panose="020B0503020204020204" pitchFamily="34" charset="-122"/>
+              </a:rPr>
+              <a:t>和</a:t>
+            </a:r>
+            <a:r>
+              <a:rPr lang="en-US" altLang="zh-CN" sz="1400" dirty="0">
+                <a:latin typeface="微软雅黑" panose="020B0503020204020204" pitchFamily="34" charset="-122"/>
+                <a:ea typeface="微软雅黑" panose="020B0503020204020204" pitchFamily="34" charset="-122"/>
+              </a:rPr>
+              <a:t>b.js</a:t>
+            </a:r>
+            <a:r>
+              <a:rPr lang="zh-CN" altLang="zh-CN" sz="1400" dirty="0">
+                <a:latin typeface="微软雅黑" panose="020B0503020204020204" pitchFamily="34" charset="-122"/>
+                <a:ea typeface="微软雅黑" panose="020B0503020204020204" pitchFamily="34" charset="-122"/>
+              </a:rPr>
+              <a:t>，再如</a:t>
+            </a:r>
+            <a:r>
+              <a:rPr lang="en-US" altLang="zh-CN" sz="1400" dirty="0">
+                <a:latin typeface="微软雅黑" panose="020B0503020204020204" pitchFamily="34" charset="-122"/>
+                <a:ea typeface="微软雅黑" panose="020B0503020204020204" pitchFamily="34" charset="-122"/>
+              </a:rPr>
+              <a:t> </a:t>
+            </a:r>
+            <a:r>
+              <a:rPr lang="en-US" altLang="zh-CN" sz="1400" dirty="0" err="1">
+                <a:latin typeface="微软雅黑" panose="020B0503020204020204" pitchFamily="34" charset="-122"/>
+                <a:ea typeface="微软雅黑" panose="020B0503020204020204" pitchFamily="34" charset="-122"/>
+              </a:rPr>
+              <a:t>src</a:t>
+            </a:r>
+            <a:r>
+              <a:rPr lang="en-US" altLang="zh-CN" sz="1400" dirty="0">
+                <a:latin typeface="微软雅黑" panose="020B0503020204020204" pitchFamily="34" charset="-122"/>
+                <a:ea typeface="微软雅黑" panose="020B0503020204020204" pitchFamily="34" charset="-122"/>
+              </a:rPr>
+              <a:t>/*.{ jpg, </a:t>
+            </a:r>
+            <a:r>
+              <a:rPr lang="en-US" altLang="zh-CN" sz="1400" dirty="0" err="1">
+                <a:latin typeface="微软雅黑" panose="020B0503020204020204" pitchFamily="34" charset="-122"/>
+                <a:ea typeface="微软雅黑" panose="020B0503020204020204" pitchFamily="34" charset="-122"/>
+              </a:rPr>
+              <a:t>png</a:t>
+            </a:r>
+            <a:r>
+              <a:rPr lang="en-US" altLang="zh-CN" sz="1400" dirty="0">
+                <a:latin typeface="微软雅黑" panose="020B0503020204020204" pitchFamily="34" charset="-122"/>
+                <a:ea typeface="微软雅黑" panose="020B0503020204020204" pitchFamily="34" charset="-122"/>
+              </a:rPr>
+              <a:t>, gif } </a:t>
+            </a:r>
+            <a:r>
+              <a:rPr lang="zh-CN" altLang="zh-CN" sz="1400" dirty="0">
+                <a:latin typeface="微软雅黑" panose="020B0503020204020204" pitchFamily="34" charset="-122"/>
+                <a:ea typeface="微软雅黑" panose="020B0503020204020204" pitchFamily="34" charset="-122"/>
+              </a:rPr>
+              <a:t>表示</a:t>
+            </a:r>
+            <a:r>
+              <a:rPr lang="en-US" altLang="zh-CN" sz="1400" dirty="0" err="1">
+                <a:latin typeface="微软雅黑" panose="020B0503020204020204" pitchFamily="34" charset="-122"/>
+                <a:ea typeface="微软雅黑" panose="020B0503020204020204" pitchFamily="34" charset="-122"/>
+              </a:rPr>
+              <a:t>src</a:t>
+            </a:r>
+            <a:r>
+              <a:rPr lang="zh-CN" altLang="zh-CN" sz="1400" dirty="0">
+                <a:latin typeface="微软雅黑" panose="020B0503020204020204" pitchFamily="34" charset="-122"/>
+                <a:ea typeface="微软雅黑" panose="020B0503020204020204" pitchFamily="34" charset="-122"/>
+              </a:rPr>
+              <a:t>所有的</a:t>
+            </a:r>
+            <a:r>
+              <a:rPr lang="en-US" altLang="zh-CN" sz="1400" dirty="0">
+                <a:latin typeface="微软雅黑" panose="020B0503020204020204" pitchFamily="34" charset="-122"/>
+                <a:ea typeface="微软雅黑" panose="020B0503020204020204" pitchFamily="34" charset="-122"/>
+              </a:rPr>
+              <a:t>jpg/</a:t>
+            </a:r>
+            <a:r>
+              <a:rPr lang="en-US" altLang="zh-CN" sz="1400" dirty="0" err="1">
+                <a:latin typeface="微软雅黑" panose="020B0503020204020204" pitchFamily="34" charset="-122"/>
+                <a:ea typeface="微软雅黑" panose="020B0503020204020204" pitchFamily="34" charset="-122"/>
+              </a:rPr>
+              <a:t>png</a:t>
+            </a:r>
+            <a:r>
+              <a:rPr lang="en-US" altLang="zh-CN" sz="1400" dirty="0">
+                <a:latin typeface="微软雅黑" panose="020B0503020204020204" pitchFamily="34" charset="-122"/>
+                <a:ea typeface="微软雅黑" panose="020B0503020204020204" pitchFamily="34" charset="-122"/>
+              </a:rPr>
+              <a:t>/gif</a:t>
+            </a:r>
+            <a:r>
+              <a:rPr lang="zh-CN" altLang="zh-CN" sz="1400" dirty="0">
+                <a:latin typeface="微软雅黑" panose="020B0503020204020204" pitchFamily="34" charset="-122"/>
+                <a:ea typeface="微软雅黑" panose="020B0503020204020204" pitchFamily="34" charset="-122"/>
+              </a:rPr>
+              <a:t>文件</a:t>
+            </a:r>
+          </a:p>
+          <a:p>
+            <a:pPr lvl="0">
+              <a:lnSpc>
+                <a:spcPct val="150000"/>
+              </a:lnSpc>
+            </a:pPr>
+            <a:r>
+              <a:rPr lang="zh-CN" altLang="zh-CN" sz="1400" dirty="0">
+                <a:latin typeface="微软雅黑" panose="020B0503020204020204" pitchFamily="34" charset="-122"/>
+                <a:ea typeface="微软雅黑" panose="020B0503020204020204" pitchFamily="34" charset="-122"/>
+              </a:rPr>
+              <a:t>“！”，排除文件，如 ！</a:t>
+            </a:r>
+            <a:r>
+              <a:rPr lang="en-US" altLang="zh-CN" sz="1400" dirty="0" err="1">
+                <a:latin typeface="微软雅黑" panose="020B0503020204020204" pitchFamily="34" charset="-122"/>
+                <a:ea typeface="微软雅黑" panose="020B0503020204020204" pitchFamily="34" charset="-122"/>
+              </a:rPr>
+              <a:t>src</a:t>
+            </a:r>
+            <a:r>
+              <a:rPr lang="en-US" altLang="zh-CN" sz="1400" dirty="0">
+                <a:latin typeface="微软雅黑" panose="020B0503020204020204" pitchFamily="34" charset="-122"/>
+                <a:ea typeface="微软雅黑" panose="020B0503020204020204" pitchFamily="34" charset="-122"/>
+              </a:rPr>
+              <a:t>/a.js</a:t>
+            </a:r>
+            <a:r>
+              <a:rPr lang="zh-CN" altLang="zh-CN" sz="1400" dirty="0">
+                <a:latin typeface="微软雅黑" panose="020B0503020204020204" pitchFamily="34" charset="-122"/>
+                <a:ea typeface="微软雅黑" panose="020B0503020204020204" pitchFamily="34" charset="-122"/>
+              </a:rPr>
+              <a:t>，不包含</a:t>
+            </a:r>
+            <a:r>
+              <a:rPr lang="en-US" altLang="zh-CN" sz="1400" dirty="0" err="1">
+                <a:latin typeface="微软雅黑" panose="020B0503020204020204" pitchFamily="34" charset="-122"/>
+                <a:ea typeface="微软雅黑" panose="020B0503020204020204" pitchFamily="34" charset="-122"/>
+              </a:rPr>
+              <a:t>src</a:t>
+            </a:r>
+            <a:r>
+              <a:rPr lang="zh-CN" altLang="zh-CN" sz="1400" dirty="0">
+                <a:latin typeface="微软雅黑" panose="020B0503020204020204" pitchFamily="34" charset="-122"/>
+                <a:ea typeface="微软雅黑" panose="020B0503020204020204" pitchFamily="34" charset="-122"/>
+              </a:rPr>
+              <a:t>下的</a:t>
+            </a:r>
+            <a:r>
+              <a:rPr lang="en-US" altLang="zh-CN" sz="1400" dirty="0">
+                <a:latin typeface="微软雅黑" panose="020B0503020204020204" pitchFamily="34" charset="-122"/>
+                <a:ea typeface="微软雅黑" panose="020B0503020204020204" pitchFamily="34" charset="-122"/>
+              </a:rPr>
+              <a:t>a.js</a:t>
+            </a:r>
+            <a:r>
+              <a:rPr lang="zh-CN" altLang="zh-CN" sz="1400" dirty="0">
+                <a:latin typeface="微软雅黑" panose="020B0503020204020204" pitchFamily="34" charset="-122"/>
+                <a:ea typeface="微软雅黑" panose="020B0503020204020204" pitchFamily="34" charset="-122"/>
+              </a:rPr>
+              <a:t>文件</a:t>
+            </a:r>
+          </a:p>
+        </p:txBody>
+      </p:sp>
+      <p:sp>
+        <p:nvSpPr>
+          <p:cNvPr id="5" name="文本框 4">
             <a:extLst>
               <a:ext uri="{FF2B5EF4-FFF2-40B4-BE49-F238E27FC236}">
-                <a16:creationId xmlns:a16="http://schemas.microsoft.com/office/drawing/2014/main" id="{34AA6CE3-BD6E-4591-9F1C-0FF88A7FAEBB}"/>
+                <a16:creationId xmlns:a16="http://schemas.microsoft.com/office/drawing/2014/main" id="{462D917C-8F36-4E3C-9557-0DF1AD6ADE0A}"/>
               </a:ext>
             </a:extLst>
           </p:cNvPr>
-          <p:cNvPicPr>
-            <a:picLocks noChangeAspect="1"/>
-          </p:cNvPicPr>
+          <p:cNvSpPr txBox="1"/>
           <p:nvPr/>
-        </p:nvPicPr>
-        <p:blipFill>
-          <a:blip r:embed="rId4"/>
-          <a:stretch>
-            <a:fillRect/>
-          </a:stretch>
-        </p:blipFill>
+        </p:nvSpPr>
         <p:spPr>
           <a:xfrm>
-            <a:off x="5196697" y="428893"/>
-            <a:ext cx="3923809" cy="4285714"/>
+            <a:off x="3347864" y="416836"/>
+            <a:ext cx="2238113" cy="461665"/>
           </a:xfrm>
           <a:prstGeom prst="rect">
             <a:avLst/>
           </a:prstGeom>
+          <a:noFill/>
         </p:spPr>
-      </p:pic>
+        <p:txBody>
+          <a:bodyPr wrap="none" rtlCol="0">
+            <a:spAutoFit/>
+          </a:bodyPr>
+          <a:lstStyle/>
+          <a:p>
+            <a:r>
+              <a:rPr lang="en-US" altLang="zh-CN" sz="2400" b="1" dirty="0">
+                <a:solidFill>
+                  <a:srgbClr val="C00000"/>
+                </a:solidFill>
+                <a:latin typeface="微软雅黑" panose="020B0503020204020204" pitchFamily="34" charset="-122"/>
+                <a:ea typeface="微软雅黑" panose="020B0503020204020204" pitchFamily="34" charset="-122"/>
+              </a:rPr>
+              <a:t>Gulp </a:t>
+            </a:r>
+            <a:r>
+              <a:rPr lang="zh-CN" altLang="en-US" sz="2400" b="1" dirty="0">
+                <a:solidFill>
+                  <a:srgbClr val="C00000"/>
+                </a:solidFill>
+                <a:latin typeface="微软雅黑" panose="020B0503020204020204" pitchFamily="34" charset="-122"/>
+                <a:ea typeface="微软雅黑" panose="020B0503020204020204" pitchFamily="34" charset="-122"/>
+              </a:rPr>
+              <a:t>方法使用</a:t>
+            </a:r>
+          </a:p>
+        </p:txBody>
+      </p:sp>
     </p:spTree>
     <p:extLst>
       <p:ext uri="{BB962C8B-B14F-4D97-AF65-F5344CB8AC3E}">
-        <p14:creationId xmlns:p14="http://schemas.microsoft.com/office/powerpoint/2010/main" val="3593913593"/>
+        <p14:creationId xmlns:p14="http://schemas.microsoft.com/office/powerpoint/2010/main" val="2172178728"/>
       </p:ext>
     </p:extLst>
   </p:cSld>
   <p:clrMapOvr>
     <a:masterClrMapping/>
   </p:clrMapOvr>
+  <p:timing>
+    <p:tnLst>
+      <p:par>
+        <p:cTn id="1" dur="indefinite" restart="never" nodeType="tmRoot">
+          <p:childTnLst>
+            <p:seq concurrent="1" nextAc="seek">
+              <p:cTn id="2" dur="indefinite" nodeType="mainSeq">
+                <p:childTnLst>
+                  <p:par>
+                    <p:cTn id="3" fill="hold">
+                      <p:stCondLst>
+                        <p:cond delay="indefinite"/>
+                      </p:stCondLst>
+                      <p:childTnLst>
+                        <p:par>
+                          <p:cTn id="4" fill="hold">
+                            <p:stCondLst>
+                              <p:cond delay="0"/>
+                            </p:stCondLst>
+                            <p:childTnLst>
+                              <p:par>
+                                <p:cTn id="5" presetID="2" presetClass="entr" presetSubtype="4" fill="hold" grpId="0" nodeType="clickEffect">
+                                  <p:stCondLst>
+                                    <p:cond delay="0"/>
+                                  </p:stCondLst>
+                                  <p:childTnLst>
+                                    <p:set>
+                                      <p:cBhvr>
+                                        <p:cTn id="6" dur="1" fill="hold">
+                                          <p:stCondLst>
+                                            <p:cond delay="0"/>
+                                          </p:stCondLst>
+                                        </p:cTn>
+                                        <p:tgtEl>
+                                          <p:spTgt spid="3"/>
+                                        </p:tgtEl>
+                                        <p:attrNameLst>
+                                          <p:attrName>style.visibility</p:attrName>
+                                        </p:attrNameLst>
+                                      </p:cBhvr>
+                                      <p:to>
+                                        <p:strVal val="visible"/>
+                                      </p:to>
+                                    </p:set>
+                                    <p:anim calcmode="lin" valueType="num">
+                                      <p:cBhvr additive="base">
+                                        <p:cTn id="7" dur="500" fill="hold"/>
+                                        <p:tgtEl>
+                                          <p:spTgt spid="3"/>
+                                        </p:tgtEl>
+                                        <p:attrNameLst>
+                                          <p:attrName>ppt_x</p:attrName>
+                                        </p:attrNameLst>
+                                      </p:cBhvr>
+                                      <p:tavLst>
+                                        <p:tav tm="0">
+                                          <p:val>
+                                            <p:strVal val="#ppt_x"/>
+                                          </p:val>
+                                        </p:tav>
+                                        <p:tav tm="100000">
+                                          <p:val>
+                                            <p:strVal val="#ppt_x"/>
+                                          </p:val>
+                                        </p:tav>
+                                      </p:tavLst>
+                                    </p:anim>
+                                    <p:anim calcmode="lin" valueType="num">
+                                      <p:cBhvr additive="base">
+                                        <p:cTn id="8" dur="500" fill="hold"/>
+                                        <p:tgtEl>
+                                          <p:spTgt spid="3"/>
+                                        </p:tgtEl>
+                                        <p:attrNameLst>
+                                          <p:attrName>ppt_y</p:attrName>
+                                        </p:attrNameLst>
+                                      </p:cBhvr>
+                                      <p:tavLst>
+                                        <p:tav tm="0">
+                                          <p:val>
+                                            <p:strVal val="1+#ppt_h/2"/>
+                                          </p:val>
+                                        </p:tav>
+                                        <p:tav tm="100000">
+                                          <p:val>
+                                            <p:strVal val="#ppt_y"/>
+                                          </p:val>
+                                        </p:tav>
+                                      </p:tavLst>
+                                    </p:anim>
+                                  </p:childTnLst>
+                                </p:cTn>
+                              </p:par>
+                            </p:childTnLst>
+                          </p:cTn>
+                        </p:par>
+                      </p:childTnLst>
+                    </p:cTn>
+                  </p:par>
+                </p:childTnLst>
+              </p:cTn>
+              <p:prevCondLst>
+                <p:cond evt="onPrev" delay="0">
+                  <p:tgtEl>
+                    <p:sldTgt/>
+                  </p:tgtEl>
+                </p:cond>
+              </p:prevCondLst>
+              <p:nextCondLst>
+                <p:cond evt="onNext" delay="0">
+                  <p:tgtEl>
+                    <p:sldTgt/>
+                  </p:tgtEl>
+                </p:cond>
+              </p:nextCondLst>
+            </p:seq>
+          </p:childTnLst>
+        </p:cTn>
+      </p:par>
+    </p:tnLst>
+    <p:bldLst>
+      <p:bldP spid="3" grpId="0"/>
+    </p:bldLst>
+  </p:timing>
 </p:sld>
 </file>
 

--- a/gulp.pptx
+++ b/gulp.pptx
@@ -6,7 +6,7 @@
     <p:sldMasterId id="2147483671" r:id="rId2"/>
   </p:sldMasterIdLst>
   <p:notesMasterIdLst>
-    <p:notesMasterId r:id="rId34"/>
+    <p:notesMasterId r:id="rId23"/>
   </p:notesMasterIdLst>
   <p:sldIdLst>
     <p:sldId id="275" r:id="rId3"/>
@@ -22,24 +22,13 @@
     <p:sldId id="324" r:id="rId13"/>
     <p:sldId id="325" r:id="rId14"/>
     <p:sldId id="322" r:id="rId15"/>
-    <p:sldId id="323" r:id="rId16"/>
-    <p:sldId id="317" r:id="rId17"/>
-    <p:sldId id="318" r:id="rId18"/>
-    <p:sldId id="311" r:id="rId19"/>
-    <p:sldId id="303" r:id="rId20"/>
-    <p:sldId id="305" r:id="rId21"/>
-    <p:sldId id="304" r:id="rId22"/>
-    <p:sldId id="290" r:id="rId23"/>
-    <p:sldId id="306" r:id="rId24"/>
-    <p:sldId id="289" r:id="rId25"/>
-    <p:sldId id="294" r:id="rId26"/>
-    <p:sldId id="295" r:id="rId27"/>
-    <p:sldId id="309" r:id="rId28"/>
-    <p:sldId id="288" r:id="rId29"/>
-    <p:sldId id="307" r:id="rId30"/>
-    <p:sldId id="310" r:id="rId31"/>
-    <p:sldId id="308" r:id="rId32"/>
-    <p:sldId id="299" r:id="rId33"/>
+    <p:sldId id="326" r:id="rId16"/>
+    <p:sldId id="323" r:id="rId17"/>
+    <p:sldId id="317" r:id="rId18"/>
+    <p:sldId id="318" r:id="rId19"/>
+    <p:sldId id="311" r:id="rId20"/>
+    <p:sldId id="303" r:id="rId21"/>
+    <p:sldId id="305" r:id="rId22"/>
   </p:sldIdLst>
   <p:sldSz cx="9144000" cy="5143500" type="screen16x9"/>
   <p:notesSz cx="6858000" cy="9144000"/>
@@ -366,7 +355,7 @@
                 <a:cs typeface="Calibri" pitchFamily="34" charset="0"/>
               </a:rPr>
               <a:pPr algn="r"/>
-              <a:t>2018/12/26</a:t>
+              <a:t>2018/12/28</a:t>
             </a:fld>
             <a:endParaRPr lang="zh-CN" altLang="en-US" sz="1200">
               <a:latin typeface="Calibri" pitchFamily="34" charset="0"/>
@@ -982,7 +971,7 @@
                 <a:cs typeface="Calibri" pitchFamily="34" charset="0"/>
               </a:rPr>
               <a:pPr algn="r"/>
-              <a:t>15</a:t>
+              <a:t>16</a:t>
             </a:fld>
             <a:endParaRPr lang="zh-CN" altLang="en-US" sz="1200">
               <a:latin typeface="Calibri" pitchFamily="34" charset="0"/>
@@ -1097,7 +1086,7 @@
                 <a:cs typeface="Calibri" pitchFamily="34" charset="0"/>
               </a:rPr>
               <a:pPr algn="r"/>
-              <a:t>16</a:t>
+              <a:t>17</a:t>
             </a:fld>
             <a:endParaRPr lang="zh-CN" altLang="en-US" sz="1200">
               <a:latin typeface="Calibri" pitchFamily="34" charset="0"/>
@@ -1212,7 +1201,7 @@
                 <a:cs typeface="Calibri" pitchFamily="34" charset="0"/>
               </a:rPr>
               <a:pPr algn="r"/>
-              <a:t>17</a:t>
+              <a:t>18</a:t>
             </a:fld>
             <a:endParaRPr lang="zh-CN" altLang="en-US" sz="1200">
               <a:latin typeface="Calibri" pitchFamily="34" charset="0"/>
@@ -1327,7 +1316,7 @@
                 <a:cs typeface="Calibri" pitchFamily="34" charset="0"/>
               </a:rPr>
               <a:pPr algn="r"/>
-              <a:t>18</a:t>
+              <a:t>19</a:t>
             </a:fld>
             <a:endParaRPr lang="zh-CN" altLang="en-US" sz="1200">
               <a:latin typeface="Calibri" pitchFamily="34" charset="0"/>
@@ -1442,121 +1431,6 @@
                 <a:cs typeface="Calibri" pitchFamily="34" charset="0"/>
               </a:rPr>
               <a:pPr algn="r"/>
-              <a:t>19</a:t>
-            </a:fld>
-            <a:endParaRPr lang="zh-CN" altLang="en-US" sz="1200">
-              <a:latin typeface="Calibri" pitchFamily="34" charset="0"/>
-              <a:ea typeface="宋体" pitchFamily="2" charset="-122"/>
-              <a:cs typeface="Calibri" pitchFamily="34" charset="0"/>
-            </a:endParaRPr>
-          </a:p>
-        </p:txBody>
-      </p:sp>
-    </p:spTree>
-    <p:extLst>
-      <p:ext uri="{BB962C8B-B14F-4D97-AF65-F5344CB8AC3E}">
-        <p14:creationId xmlns:p14="http://schemas.microsoft.com/office/powerpoint/2010/main" val="2345351426"/>
-      </p:ext>
-    </p:extLst>
-  </p:cSld>
-  <p:clrMapOvr>
-    <a:masterClrMapping/>
-  </p:clrMapOvr>
-</p:notes>
-</file>
-
-<file path=ppt/notesSlides/notesSlide15.xml><?xml version="1.0" encoding="utf-8"?>
-<p:notes xmlns:a="http://schemas.openxmlformats.org/drawingml/2006/main" xmlns:r="http://schemas.openxmlformats.org/officeDocument/2006/relationships" xmlns:p="http://schemas.openxmlformats.org/presentationml/2006/main">
-  <p:cSld>
-    <p:spTree>
-      <p:nvGrpSpPr>
-        <p:cNvPr id="1" name=""/>
-        <p:cNvGrpSpPr/>
-        <p:nvPr/>
-      </p:nvGrpSpPr>
-      <p:grpSpPr>
-        <a:xfrm>
-          <a:off x="0" y="0"/>
-          <a:ext cx="0" cy="0"/>
-          <a:chOff x="0" y="0"/>
-          <a:chExt cx="0" cy="0"/>
-        </a:xfrm>
-      </p:grpSpPr>
-      <p:sp>
-        <p:nvSpPr>
-          <p:cNvPr id="2" name="文本框"/>
-          <p:cNvSpPr>
-            <a:spLocks noGrp="1" noRot="1" noChangeAspect="1"/>
-          </p:cNvSpPr>
-          <p:nvPr>
-            <p:ph type="sldImg"/>
-          </p:nvPr>
-        </p:nvSpPr>
-        <p:spPr/>
-      </p:sp>
-      <p:sp>
-        <p:nvSpPr>
-          <p:cNvPr id="3" name="文本框"/>
-          <p:cNvSpPr>
-            <a:spLocks noGrp="1"/>
-          </p:cNvSpPr>
-          <p:nvPr>
-            <p:ph type="body" idx="1"/>
-          </p:nvPr>
-        </p:nvSpPr>
-        <p:spPr/>
-        <p:txBody>
-          <a:bodyPr/>
-          <a:lstStyle/>
-          <a:p>
-            <a:endParaRPr lang="zh-CN" altLang="en-US"/>
-          </a:p>
-        </p:txBody>
-      </p:sp>
-      <p:sp>
-        <p:nvSpPr>
-          <p:cNvPr id="9" name="文本框"/>
-          <p:cNvSpPr>
-            <a:spLocks noGrp="1"/>
-          </p:cNvSpPr>
-          <p:nvPr>
-            <p:ph type="sldNum" idx="5"/>
-          </p:nvPr>
-        </p:nvSpPr>
-        <p:spPr>
-          <a:xfrm>
-            <a:off x="3884613" y="8685213"/>
-            <a:ext cx="2971800" cy="457200"/>
-          </a:xfrm>
-          <a:prstGeom prst="rect">
-            <a:avLst/>
-          </a:prstGeom>
-          <a:noFill/>
-          <a:ln w="9525" cap="flat" cmpd="sng">
-            <a:noFill/>
-            <a:prstDash val="solid"/>
-            <a:round/>
-          </a:ln>
-        </p:spPr>
-        <p:txBody>
-          <a:bodyPr vert="horz" wrap="square" lIns="91440" tIns="45720" rIns="91440" bIns="45720" anchor="b" anchorCtr="0">
-            <a:prstTxWarp prst="textNoShape">
-              <a:avLst/>
-            </a:prstTxWarp>
-          </a:bodyPr>
-          <a:lstStyle/>
-          <a:p>
-            <a:pPr algn="r"/>
-            <a:fld id="{CAD2D6BD-DE1B-4B5F-8B41-2702339687B9}" type="slidenum">
-              <a:rPr lang="en-US" altLang="zh-CN" sz="1800" u="none" strike="noStrike" kern="1200" cap="none" spc="0" baseline="0">
-                <a:solidFill>
-                  <a:schemeClr val="tx1"/>
-                </a:solidFill>
-                <a:latin typeface="Calibri" pitchFamily="34" charset="0"/>
-                <a:ea typeface="宋体" pitchFamily="2" charset="-122"/>
-                <a:cs typeface="Calibri" pitchFamily="34" charset="0"/>
-              </a:rPr>
-              <a:pPr algn="r"/>
               <a:t>20</a:t>
             </a:fld>
             <a:endParaRPr lang="zh-CN" altLang="en-US" sz="1200">
@@ -1570,467 +1444,7 @@
     </p:spTree>
     <p:extLst>
       <p:ext uri="{BB962C8B-B14F-4D97-AF65-F5344CB8AC3E}">
-        <p14:creationId xmlns:p14="http://schemas.microsoft.com/office/powerpoint/2010/main" val="3856234142"/>
-      </p:ext>
-    </p:extLst>
-  </p:cSld>
-  <p:clrMapOvr>
-    <a:masterClrMapping/>
-  </p:clrMapOvr>
-</p:notes>
-</file>
-
-<file path=ppt/notesSlides/notesSlide16.xml><?xml version="1.0" encoding="utf-8"?>
-<p:notes xmlns:a="http://schemas.openxmlformats.org/drawingml/2006/main" xmlns:r="http://schemas.openxmlformats.org/officeDocument/2006/relationships" xmlns:p="http://schemas.openxmlformats.org/presentationml/2006/main">
-  <p:cSld>
-    <p:spTree>
-      <p:nvGrpSpPr>
-        <p:cNvPr id="1" name=""/>
-        <p:cNvGrpSpPr/>
-        <p:nvPr/>
-      </p:nvGrpSpPr>
-      <p:grpSpPr>
-        <a:xfrm>
-          <a:off x="0" y="0"/>
-          <a:ext cx="0" cy="0"/>
-          <a:chOff x="0" y="0"/>
-          <a:chExt cx="0" cy="0"/>
-        </a:xfrm>
-      </p:grpSpPr>
-      <p:sp>
-        <p:nvSpPr>
-          <p:cNvPr id="2" name="文本框"/>
-          <p:cNvSpPr>
-            <a:spLocks noGrp="1" noRot="1" noChangeAspect="1"/>
-          </p:cNvSpPr>
-          <p:nvPr>
-            <p:ph type="sldImg"/>
-          </p:nvPr>
-        </p:nvSpPr>
-        <p:spPr/>
-      </p:sp>
-      <p:sp>
-        <p:nvSpPr>
-          <p:cNvPr id="3" name="文本框"/>
-          <p:cNvSpPr>
-            <a:spLocks noGrp="1"/>
-          </p:cNvSpPr>
-          <p:nvPr>
-            <p:ph type="body" idx="1"/>
-          </p:nvPr>
-        </p:nvSpPr>
-        <p:spPr/>
-        <p:txBody>
-          <a:bodyPr/>
-          <a:lstStyle/>
-          <a:p>
-            <a:endParaRPr lang="zh-CN" altLang="en-US"/>
-          </a:p>
-        </p:txBody>
-      </p:sp>
-      <p:sp>
-        <p:nvSpPr>
-          <p:cNvPr id="9" name="文本框"/>
-          <p:cNvSpPr>
-            <a:spLocks noGrp="1"/>
-          </p:cNvSpPr>
-          <p:nvPr>
-            <p:ph type="sldNum" idx="5"/>
-          </p:nvPr>
-        </p:nvSpPr>
-        <p:spPr>
-          <a:xfrm>
-            <a:off x="3884613" y="8685213"/>
-            <a:ext cx="2971800" cy="457200"/>
-          </a:xfrm>
-          <a:prstGeom prst="rect">
-            <a:avLst/>
-          </a:prstGeom>
-          <a:noFill/>
-          <a:ln w="9525" cap="flat" cmpd="sng">
-            <a:noFill/>
-            <a:prstDash val="solid"/>
-            <a:round/>
-          </a:ln>
-        </p:spPr>
-        <p:txBody>
-          <a:bodyPr vert="horz" wrap="square" lIns="91440" tIns="45720" rIns="91440" bIns="45720" anchor="b" anchorCtr="0">
-            <a:prstTxWarp prst="textNoShape">
-              <a:avLst/>
-            </a:prstTxWarp>
-          </a:bodyPr>
-          <a:lstStyle/>
-          <a:p>
-            <a:pPr algn="r"/>
-            <a:fld id="{CAD2D6BD-DE1B-4B5F-8B41-2702339687B9}" type="slidenum">
-              <a:rPr lang="en-US" altLang="zh-CN" sz="1800" u="none" strike="noStrike" kern="1200" cap="none" spc="0" baseline="0">
-                <a:solidFill>
-                  <a:schemeClr val="tx1"/>
-                </a:solidFill>
-                <a:latin typeface="Calibri" pitchFamily="34" charset="0"/>
-                <a:ea typeface="宋体" pitchFamily="2" charset="-122"/>
-                <a:cs typeface="Calibri" pitchFamily="34" charset="0"/>
-              </a:rPr>
-              <a:pPr algn="r"/>
-              <a:t>21</a:t>
-            </a:fld>
-            <a:endParaRPr lang="zh-CN" altLang="en-US" sz="1200">
-              <a:latin typeface="Calibri" pitchFamily="34" charset="0"/>
-              <a:ea typeface="宋体" pitchFamily="2" charset="-122"/>
-              <a:cs typeface="Calibri" pitchFamily="34" charset="0"/>
-            </a:endParaRPr>
-          </a:p>
-        </p:txBody>
-      </p:sp>
-    </p:spTree>
-    <p:extLst>
-      <p:ext uri="{BB962C8B-B14F-4D97-AF65-F5344CB8AC3E}">
-        <p14:creationId xmlns:p14="http://schemas.microsoft.com/office/powerpoint/2010/main" val="778475574"/>
-      </p:ext>
-    </p:extLst>
-  </p:cSld>
-  <p:clrMapOvr>
-    <a:masterClrMapping/>
-  </p:clrMapOvr>
-</p:notes>
-</file>
-
-<file path=ppt/notesSlides/notesSlide17.xml><?xml version="1.0" encoding="utf-8"?>
-<p:notes xmlns:a="http://schemas.openxmlformats.org/drawingml/2006/main" xmlns:r="http://schemas.openxmlformats.org/officeDocument/2006/relationships" xmlns:p="http://schemas.openxmlformats.org/presentationml/2006/main">
-  <p:cSld>
-    <p:spTree>
-      <p:nvGrpSpPr>
-        <p:cNvPr id="1" name=""/>
-        <p:cNvGrpSpPr/>
-        <p:nvPr/>
-      </p:nvGrpSpPr>
-      <p:grpSpPr>
-        <a:xfrm>
-          <a:off x="0" y="0"/>
-          <a:ext cx="0" cy="0"/>
-          <a:chOff x="0" y="0"/>
-          <a:chExt cx="0" cy="0"/>
-        </a:xfrm>
-      </p:grpSpPr>
-      <p:sp>
-        <p:nvSpPr>
-          <p:cNvPr id="2" name="文本框"/>
-          <p:cNvSpPr>
-            <a:spLocks noGrp="1" noRot="1" noChangeAspect="1"/>
-          </p:cNvSpPr>
-          <p:nvPr>
-            <p:ph type="sldImg"/>
-          </p:nvPr>
-        </p:nvSpPr>
-        <p:spPr/>
-      </p:sp>
-      <p:sp>
-        <p:nvSpPr>
-          <p:cNvPr id="3" name="文本框"/>
-          <p:cNvSpPr>
-            <a:spLocks noGrp="1"/>
-          </p:cNvSpPr>
-          <p:nvPr>
-            <p:ph type="body" idx="1"/>
-          </p:nvPr>
-        </p:nvSpPr>
-        <p:spPr/>
-        <p:txBody>
-          <a:bodyPr/>
-          <a:lstStyle/>
-          <a:p>
-            <a:endParaRPr lang="zh-CN" altLang="en-US"/>
-          </a:p>
-        </p:txBody>
-      </p:sp>
-      <p:sp>
-        <p:nvSpPr>
-          <p:cNvPr id="9" name="文本框"/>
-          <p:cNvSpPr>
-            <a:spLocks noGrp="1"/>
-          </p:cNvSpPr>
-          <p:nvPr>
-            <p:ph type="sldNum" idx="5"/>
-          </p:nvPr>
-        </p:nvSpPr>
-        <p:spPr>
-          <a:xfrm>
-            <a:off x="3884613" y="8685213"/>
-            <a:ext cx="2971800" cy="457200"/>
-          </a:xfrm>
-          <a:prstGeom prst="rect">
-            <a:avLst/>
-          </a:prstGeom>
-          <a:noFill/>
-          <a:ln w="9525" cap="flat" cmpd="sng">
-            <a:noFill/>
-            <a:prstDash val="solid"/>
-            <a:round/>
-          </a:ln>
-        </p:spPr>
-        <p:txBody>
-          <a:bodyPr vert="horz" wrap="square" lIns="91440" tIns="45720" rIns="91440" bIns="45720" anchor="b" anchorCtr="0">
-            <a:prstTxWarp prst="textNoShape">
-              <a:avLst/>
-            </a:prstTxWarp>
-          </a:bodyPr>
-          <a:lstStyle/>
-          <a:p>
-            <a:pPr algn="r"/>
-            <a:fld id="{CAD2D6BD-DE1B-4B5F-8B41-2702339687B9}" type="slidenum">
-              <a:rPr lang="en-US" altLang="zh-CN" sz="1800" u="none" strike="noStrike" kern="1200" cap="none" spc="0" baseline="0">
-                <a:solidFill>
-                  <a:schemeClr val="tx1"/>
-                </a:solidFill>
-                <a:latin typeface="Calibri" pitchFamily="34" charset="0"/>
-                <a:ea typeface="宋体" pitchFamily="2" charset="-122"/>
-                <a:cs typeface="Calibri" pitchFamily="34" charset="0"/>
-              </a:rPr>
-              <a:pPr algn="r"/>
-              <a:t>22</a:t>
-            </a:fld>
-            <a:endParaRPr lang="zh-CN" altLang="en-US" sz="1200">
-              <a:latin typeface="Calibri" pitchFamily="34" charset="0"/>
-              <a:ea typeface="宋体" pitchFamily="2" charset="-122"/>
-              <a:cs typeface="Calibri" pitchFamily="34" charset="0"/>
-            </a:endParaRPr>
-          </a:p>
-        </p:txBody>
-      </p:sp>
-    </p:spTree>
-    <p:extLst>
-      <p:ext uri="{BB962C8B-B14F-4D97-AF65-F5344CB8AC3E}">
-        <p14:creationId xmlns:p14="http://schemas.microsoft.com/office/powerpoint/2010/main" val="4102032470"/>
-      </p:ext>
-    </p:extLst>
-  </p:cSld>
-  <p:clrMapOvr>
-    <a:masterClrMapping/>
-  </p:clrMapOvr>
-</p:notes>
-</file>
-
-<file path=ppt/notesSlides/notesSlide18.xml><?xml version="1.0" encoding="utf-8"?>
-<p:notes xmlns:a="http://schemas.openxmlformats.org/drawingml/2006/main" xmlns:r="http://schemas.openxmlformats.org/officeDocument/2006/relationships" xmlns:p="http://schemas.openxmlformats.org/presentationml/2006/main">
-  <p:cSld>
-    <p:spTree>
-      <p:nvGrpSpPr>
-        <p:cNvPr id="1" name=""/>
-        <p:cNvGrpSpPr/>
-        <p:nvPr/>
-      </p:nvGrpSpPr>
-      <p:grpSpPr>
-        <a:xfrm>
-          <a:off x="0" y="0"/>
-          <a:ext cx="0" cy="0"/>
-          <a:chOff x="0" y="0"/>
-          <a:chExt cx="0" cy="0"/>
-        </a:xfrm>
-      </p:grpSpPr>
-      <p:sp>
-        <p:nvSpPr>
-          <p:cNvPr id="2" name="文本框"/>
-          <p:cNvSpPr>
-            <a:spLocks noGrp="1" noRot="1" noChangeAspect="1"/>
-          </p:cNvSpPr>
-          <p:nvPr>
-            <p:ph type="sldImg"/>
-          </p:nvPr>
-        </p:nvSpPr>
-        <p:spPr/>
-      </p:sp>
-      <p:sp>
-        <p:nvSpPr>
-          <p:cNvPr id="3" name="文本框"/>
-          <p:cNvSpPr>
-            <a:spLocks noGrp="1"/>
-          </p:cNvSpPr>
-          <p:nvPr>
-            <p:ph type="body" idx="1"/>
-          </p:nvPr>
-        </p:nvSpPr>
-        <p:spPr/>
-        <p:txBody>
-          <a:bodyPr/>
-          <a:lstStyle/>
-          <a:p>
-            <a:endParaRPr lang="zh-CN" altLang="en-US"/>
-          </a:p>
-        </p:txBody>
-      </p:sp>
-      <p:sp>
-        <p:nvSpPr>
-          <p:cNvPr id="9" name="文本框"/>
-          <p:cNvSpPr>
-            <a:spLocks noGrp="1"/>
-          </p:cNvSpPr>
-          <p:nvPr>
-            <p:ph type="sldNum" idx="5"/>
-          </p:nvPr>
-        </p:nvSpPr>
-        <p:spPr>
-          <a:xfrm>
-            <a:off x="3884613" y="8685213"/>
-            <a:ext cx="2971800" cy="457200"/>
-          </a:xfrm>
-          <a:prstGeom prst="rect">
-            <a:avLst/>
-          </a:prstGeom>
-          <a:noFill/>
-          <a:ln w="9525" cap="flat" cmpd="sng">
-            <a:noFill/>
-            <a:prstDash val="solid"/>
-            <a:round/>
-          </a:ln>
-        </p:spPr>
-        <p:txBody>
-          <a:bodyPr vert="horz" wrap="square" lIns="91440" tIns="45720" rIns="91440" bIns="45720" anchor="b" anchorCtr="0">
-            <a:prstTxWarp prst="textNoShape">
-              <a:avLst/>
-            </a:prstTxWarp>
-          </a:bodyPr>
-          <a:lstStyle/>
-          <a:p>
-            <a:pPr algn="r"/>
-            <a:fld id="{CAD2D6BD-DE1B-4B5F-8B41-2702339687B9}" type="slidenum">
-              <a:rPr lang="en-US" altLang="zh-CN" sz="1800" u="none" strike="noStrike" kern="1200" cap="none" spc="0" baseline="0">
-                <a:solidFill>
-                  <a:schemeClr val="tx1"/>
-                </a:solidFill>
-                <a:latin typeface="Calibri" pitchFamily="34" charset="0"/>
-                <a:ea typeface="宋体" pitchFamily="2" charset="-122"/>
-                <a:cs typeface="Calibri" pitchFamily="34" charset="0"/>
-              </a:rPr>
-              <a:pPr algn="r"/>
-              <a:t>23</a:t>
-            </a:fld>
-            <a:endParaRPr lang="zh-CN" altLang="en-US" sz="1200">
-              <a:latin typeface="Calibri" pitchFamily="34" charset="0"/>
-              <a:ea typeface="宋体" pitchFamily="2" charset="-122"/>
-              <a:cs typeface="Calibri" pitchFamily="34" charset="0"/>
-            </a:endParaRPr>
-          </a:p>
-        </p:txBody>
-      </p:sp>
-    </p:spTree>
-    <p:extLst>
-      <p:ext uri="{BB962C8B-B14F-4D97-AF65-F5344CB8AC3E}">
-        <p14:creationId xmlns:p14="http://schemas.microsoft.com/office/powerpoint/2010/main" val="535865467"/>
-      </p:ext>
-    </p:extLst>
-  </p:cSld>
-  <p:clrMapOvr>
-    <a:masterClrMapping/>
-  </p:clrMapOvr>
-</p:notes>
-</file>
-
-<file path=ppt/notesSlides/notesSlide19.xml><?xml version="1.0" encoding="utf-8"?>
-<p:notes xmlns:a="http://schemas.openxmlformats.org/drawingml/2006/main" xmlns:r="http://schemas.openxmlformats.org/officeDocument/2006/relationships" xmlns:p="http://schemas.openxmlformats.org/presentationml/2006/main">
-  <p:cSld>
-    <p:spTree>
-      <p:nvGrpSpPr>
-        <p:cNvPr id="1" name=""/>
-        <p:cNvGrpSpPr/>
-        <p:nvPr/>
-      </p:nvGrpSpPr>
-      <p:grpSpPr>
-        <a:xfrm>
-          <a:off x="0" y="0"/>
-          <a:ext cx="0" cy="0"/>
-          <a:chOff x="0" y="0"/>
-          <a:chExt cx="0" cy="0"/>
-        </a:xfrm>
-      </p:grpSpPr>
-      <p:sp>
-        <p:nvSpPr>
-          <p:cNvPr id="2" name="文本框"/>
-          <p:cNvSpPr>
-            <a:spLocks noGrp="1" noRot="1" noChangeAspect="1"/>
-          </p:cNvSpPr>
-          <p:nvPr>
-            <p:ph type="sldImg"/>
-          </p:nvPr>
-        </p:nvSpPr>
-        <p:spPr/>
-      </p:sp>
-      <p:sp>
-        <p:nvSpPr>
-          <p:cNvPr id="3" name="文本框"/>
-          <p:cNvSpPr>
-            <a:spLocks noGrp="1"/>
-          </p:cNvSpPr>
-          <p:nvPr>
-            <p:ph type="body" idx="1"/>
-          </p:nvPr>
-        </p:nvSpPr>
-        <p:spPr/>
-        <p:txBody>
-          <a:bodyPr/>
-          <a:lstStyle/>
-          <a:p>
-            <a:endParaRPr lang="zh-CN" altLang="en-US"/>
-          </a:p>
-        </p:txBody>
-      </p:sp>
-      <p:sp>
-        <p:nvSpPr>
-          <p:cNvPr id="9" name="文本框"/>
-          <p:cNvSpPr>
-            <a:spLocks noGrp="1"/>
-          </p:cNvSpPr>
-          <p:nvPr>
-            <p:ph type="sldNum" idx="5"/>
-          </p:nvPr>
-        </p:nvSpPr>
-        <p:spPr>
-          <a:xfrm>
-            <a:off x="3884613" y="8685213"/>
-            <a:ext cx="2971800" cy="457200"/>
-          </a:xfrm>
-          <a:prstGeom prst="rect">
-            <a:avLst/>
-          </a:prstGeom>
-          <a:noFill/>
-          <a:ln w="9525" cap="flat" cmpd="sng">
-            <a:noFill/>
-            <a:prstDash val="solid"/>
-            <a:round/>
-          </a:ln>
-        </p:spPr>
-        <p:txBody>
-          <a:bodyPr vert="horz" wrap="square" lIns="91440" tIns="45720" rIns="91440" bIns="45720" anchor="b" anchorCtr="0">
-            <a:prstTxWarp prst="textNoShape">
-              <a:avLst/>
-            </a:prstTxWarp>
-          </a:bodyPr>
-          <a:lstStyle/>
-          <a:p>
-            <a:pPr algn="r"/>
-            <a:fld id="{CAD2D6BD-DE1B-4B5F-8B41-2702339687B9}" type="slidenum">
-              <a:rPr lang="en-US" altLang="zh-CN" sz="1800" u="none" strike="noStrike" kern="1200" cap="none" spc="0" baseline="0">
-                <a:solidFill>
-                  <a:schemeClr val="tx1"/>
-                </a:solidFill>
-                <a:latin typeface="Calibri" pitchFamily="34" charset="0"/>
-                <a:ea typeface="宋体" pitchFamily="2" charset="-122"/>
-                <a:cs typeface="Calibri" pitchFamily="34" charset="0"/>
-              </a:rPr>
-              <a:pPr algn="r"/>
-              <a:t>24</a:t>
-            </a:fld>
-            <a:endParaRPr lang="zh-CN" altLang="en-US" sz="1200">
-              <a:latin typeface="Calibri" pitchFamily="34" charset="0"/>
-              <a:ea typeface="宋体" pitchFamily="2" charset="-122"/>
-              <a:cs typeface="Calibri" pitchFamily="34" charset="0"/>
-            </a:endParaRPr>
-          </a:p>
-        </p:txBody>
-      </p:sp>
-    </p:spTree>
-    <p:extLst>
-      <p:ext uri="{BB962C8B-B14F-4D97-AF65-F5344CB8AC3E}">
-        <p14:creationId xmlns:p14="http://schemas.microsoft.com/office/powerpoint/2010/main" val="2699777339"/>
+        <p14:creationId xmlns:p14="http://schemas.microsoft.com/office/powerpoint/2010/main" val="2345351426"/>
       </p:ext>
     </p:extLst>
   </p:cSld>
@@ -2146,811 +1560,6 @@
     <p:extLst>
       <p:ext uri="{BB962C8B-B14F-4D97-AF65-F5344CB8AC3E}">
         <p14:creationId xmlns:p14="http://schemas.microsoft.com/office/powerpoint/2010/main" val="2314481465"/>
-      </p:ext>
-    </p:extLst>
-  </p:cSld>
-  <p:clrMapOvr>
-    <a:masterClrMapping/>
-  </p:clrMapOvr>
-</p:notes>
-</file>
-
-<file path=ppt/notesSlides/notesSlide20.xml><?xml version="1.0" encoding="utf-8"?>
-<p:notes xmlns:a="http://schemas.openxmlformats.org/drawingml/2006/main" xmlns:r="http://schemas.openxmlformats.org/officeDocument/2006/relationships" xmlns:p="http://schemas.openxmlformats.org/presentationml/2006/main">
-  <p:cSld>
-    <p:spTree>
-      <p:nvGrpSpPr>
-        <p:cNvPr id="1" name=""/>
-        <p:cNvGrpSpPr/>
-        <p:nvPr/>
-      </p:nvGrpSpPr>
-      <p:grpSpPr>
-        <a:xfrm>
-          <a:off x="0" y="0"/>
-          <a:ext cx="0" cy="0"/>
-          <a:chOff x="0" y="0"/>
-          <a:chExt cx="0" cy="0"/>
-        </a:xfrm>
-      </p:grpSpPr>
-      <p:sp>
-        <p:nvSpPr>
-          <p:cNvPr id="2" name="文本框"/>
-          <p:cNvSpPr>
-            <a:spLocks noGrp="1" noRot="1" noChangeAspect="1"/>
-          </p:cNvSpPr>
-          <p:nvPr>
-            <p:ph type="sldImg"/>
-          </p:nvPr>
-        </p:nvSpPr>
-        <p:spPr/>
-      </p:sp>
-      <p:sp>
-        <p:nvSpPr>
-          <p:cNvPr id="3" name="文本框"/>
-          <p:cNvSpPr>
-            <a:spLocks noGrp="1"/>
-          </p:cNvSpPr>
-          <p:nvPr>
-            <p:ph type="body" idx="1"/>
-          </p:nvPr>
-        </p:nvSpPr>
-        <p:spPr/>
-        <p:txBody>
-          <a:bodyPr/>
-          <a:lstStyle/>
-          <a:p>
-            <a:endParaRPr lang="zh-CN" altLang="en-US"/>
-          </a:p>
-        </p:txBody>
-      </p:sp>
-      <p:sp>
-        <p:nvSpPr>
-          <p:cNvPr id="9" name="文本框"/>
-          <p:cNvSpPr>
-            <a:spLocks noGrp="1"/>
-          </p:cNvSpPr>
-          <p:nvPr>
-            <p:ph type="sldNum" idx="5"/>
-          </p:nvPr>
-        </p:nvSpPr>
-        <p:spPr>
-          <a:xfrm>
-            <a:off x="3884613" y="8685213"/>
-            <a:ext cx="2971800" cy="457200"/>
-          </a:xfrm>
-          <a:prstGeom prst="rect">
-            <a:avLst/>
-          </a:prstGeom>
-          <a:noFill/>
-          <a:ln w="9525" cap="flat" cmpd="sng">
-            <a:noFill/>
-            <a:prstDash val="solid"/>
-            <a:round/>
-          </a:ln>
-        </p:spPr>
-        <p:txBody>
-          <a:bodyPr vert="horz" wrap="square" lIns="91440" tIns="45720" rIns="91440" bIns="45720" anchor="b" anchorCtr="0">
-            <a:prstTxWarp prst="textNoShape">
-              <a:avLst/>
-            </a:prstTxWarp>
-          </a:bodyPr>
-          <a:lstStyle/>
-          <a:p>
-            <a:pPr algn="r"/>
-            <a:fld id="{CAD2D6BD-DE1B-4B5F-8B41-2702339687B9}" type="slidenum">
-              <a:rPr lang="en-US" altLang="zh-CN" sz="1800" u="none" strike="noStrike" kern="1200" cap="none" spc="0" baseline="0">
-                <a:solidFill>
-                  <a:schemeClr val="tx1"/>
-                </a:solidFill>
-                <a:latin typeface="Calibri" pitchFamily="34" charset="0"/>
-                <a:ea typeface="宋体" pitchFamily="2" charset="-122"/>
-                <a:cs typeface="Calibri" pitchFamily="34" charset="0"/>
-              </a:rPr>
-              <a:pPr algn="r"/>
-              <a:t>25</a:t>
-            </a:fld>
-            <a:endParaRPr lang="zh-CN" altLang="en-US" sz="1200">
-              <a:latin typeface="Calibri" pitchFamily="34" charset="0"/>
-              <a:ea typeface="宋体" pitchFamily="2" charset="-122"/>
-              <a:cs typeface="Calibri" pitchFamily="34" charset="0"/>
-            </a:endParaRPr>
-          </a:p>
-        </p:txBody>
-      </p:sp>
-    </p:spTree>
-    <p:extLst>
-      <p:ext uri="{BB962C8B-B14F-4D97-AF65-F5344CB8AC3E}">
-        <p14:creationId xmlns:p14="http://schemas.microsoft.com/office/powerpoint/2010/main" val="3534578428"/>
-      </p:ext>
-    </p:extLst>
-  </p:cSld>
-  <p:clrMapOvr>
-    <a:masterClrMapping/>
-  </p:clrMapOvr>
-</p:notes>
-</file>
-
-<file path=ppt/notesSlides/notesSlide21.xml><?xml version="1.0" encoding="utf-8"?>
-<p:notes xmlns:a="http://schemas.openxmlformats.org/drawingml/2006/main" xmlns:r="http://schemas.openxmlformats.org/officeDocument/2006/relationships" xmlns:p="http://schemas.openxmlformats.org/presentationml/2006/main">
-  <p:cSld>
-    <p:spTree>
-      <p:nvGrpSpPr>
-        <p:cNvPr id="1" name=""/>
-        <p:cNvGrpSpPr/>
-        <p:nvPr/>
-      </p:nvGrpSpPr>
-      <p:grpSpPr>
-        <a:xfrm>
-          <a:off x="0" y="0"/>
-          <a:ext cx="0" cy="0"/>
-          <a:chOff x="0" y="0"/>
-          <a:chExt cx="0" cy="0"/>
-        </a:xfrm>
-      </p:grpSpPr>
-      <p:sp>
-        <p:nvSpPr>
-          <p:cNvPr id="2" name="文本框"/>
-          <p:cNvSpPr>
-            <a:spLocks noGrp="1" noRot="1" noChangeAspect="1"/>
-          </p:cNvSpPr>
-          <p:nvPr>
-            <p:ph type="sldImg"/>
-          </p:nvPr>
-        </p:nvSpPr>
-        <p:spPr/>
-      </p:sp>
-      <p:sp>
-        <p:nvSpPr>
-          <p:cNvPr id="3" name="文本框"/>
-          <p:cNvSpPr>
-            <a:spLocks noGrp="1"/>
-          </p:cNvSpPr>
-          <p:nvPr>
-            <p:ph type="body" idx="1"/>
-          </p:nvPr>
-        </p:nvSpPr>
-        <p:spPr/>
-        <p:txBody>
-          <a:bodyPr/>
-          <a:lstStyle/>
-          <a:p>
-            <a:endParaRPr lang="zh-CN" altLang="en-US"/>
-          </a:p>
-        </p:txBody>
-      </p:sp>
-      <p:sp>
-        <p:nvSpPr>
-          <p:cNvPr id="9" name="文本框"/>
-          <p:cNvSpPr>
-            <a:spLocks noGrp="1"/>
-          </p:cNvSpPr>
-          <p:nvPr>
-            <p:ph type="sldNum" idx="5"/>
-          </p:nvPr>
-        </p:nvSpPr>
-        <p:spPr>
-          <a:xfrm>
-            <a:off x="3884613" y="8685213"/>
-            <a:ext cx="2971800" cy="457200"/>
-          </a:xfrm>
-          <a:prstGeom prst="rect">
-            <a:avLst/>
-          </a:prstGeom>
-          <a:noFill/>
-          <a:ln w="9525" cap="flat" cmpd="sng">
-            <a:noFill/>
-            <a:prstDash val="solid"/>
-            <a:round/>
-          </a:ln>
-        </p:spPr>
-        <p:txBody>
-          <a:bodyPr vert="horz" wrap="square" lIns="91440" tIns="45720" rIns="91440" bIns="45720" anchor="b" anchorCtr="0">
-            <a:prstTxWarp prst="textNoShape">
-              <a:avLst/>
-            </a:prstTxWarp>
-          </a:bodyPr>
-          <a:lstStyle/>
-          <a:p>
-            <a:pPr algn="r"/>
-            <a:fld id="{CAD2D6BD-DE1B-4B5F-8B41-2702339687B9}" type="slidenum">
-              <a:rPr lang="en-US" altLang="zh-CN" sz="1800" u="none" strike="noStrike" kern="1200" cap="none" spc="0" baseline="0">
-                <a:solidFill>
-                  <a:schemeClr val="tx1"/>
-                </a:solidFill>
-                <a:latin typeface="Calibri" pitchFamily="34" charset="0"/>
-                <a:ea typeface="宋体" pitchFamily="2" charset="-122"/>
-                <a:cs typeface="Calibri" pitchFamily="34" charset="0"/>
-              </a:rPr>
-              <a:pPr algn="r"/>
-              <a:t>26</a:t>
-            </a:fld>
-            <a:endParaRPr lang="zh-CN" altLang="en-US" sz="1200">
-              <a:latin typeface="Calibri" pitchFamily="34" charset="0"/>
-              <a:ea typeface="宋体" pitchFamily="2" charset="-122"/>
-              <a:cs typeface="Calibri" pitchFamily="34" charset="0"/>
-            </a:endParaRPr>
-          </a:p>
-        </p:txBody>
-      </p:sp>
-    </p:spTree>
-    <p:extLst>
-      <p:ext uri="{BB962C8B-B14F-4D97-AF65-F5344CB8AC3E}">
-        <p14:creationId xmlns:p14="http://schemas.microsoft.com/office/powerpoint/2010/main" val="1237013260"/>
-      </p:ext>
-    </p:extLst>
-  </p:cSld>
-  <p:clrMapOvr>
-    <a:masterClrMapping/>
-  </p:clrMapOvr>
-</p:notes>
-</file>
-
-<file path=ppt/notesSlides/notesSlide22.xml><?xml version="1.0" encoding="utf-8"?>
-<p:notes xmlns:a="http://schemas.openxmlformats.org/drawingml/2006/main" xmlns:r="http://schemas.openxmlformats.org/officeDocument/2006/relationships" xmlns:p="http://schemas.openxmlformats.org/presentationml/2006/main">
-  <p:cSld>
-    <p:spTree>
-      <p:nvGrpSpPr>
-        <p:cNvPr id="1" name=""/>
-        <p:cNvGrpSpPr/>
-        <p:nvPr/>
-      </p:nvGrpSpPr>
-      <p:grpSpPr>
-        <a:xfrm>
-          <a:off x="0" y="0"/>
-          <a:ext cx="0" cy="0"/>
-          <a:chOff x="0" y="0"/>
-          <a:chExt cx="0" cy="0"/>
-        </a:xfrm>
-      </p:grpSpPr>
-      <p:sp>
-        <p:nvSpPr>
-          <p:cNvPr id="2" name="文本框"/>
-          <p:cNvSpPr>
-            <a:spLocks noGrp="1" noRot="1" noChangeAspect="1"/>
-          </p:cNvSpPr>
-          <p:nvPr>
-            <p:ph type="sldImg"/>
-          </p:nvPr>
-        </p:nvSpPr>
-        <p:spPr/>
-      </p:sp>
-      <p:sp>
-        <p:nvSpPr>
-          <p:cNvPr id="3" name="文本框"/>
-          <p:cNvSpPr>
-            <a:spLocks noGrp="1"/>
-          </p:cNvSpPr>
-          <p:nvPr>
-            <p:ph type="body" idx="1"/>
-          </p:nvPr>
-        </p:nvSpPr>
-        <p:spPr/>
-        <p:txBody>
-          <a:bodyPr/>
-          <a:lstStyle/>
-          <a:p>
-            <a:endParaRPr lang="zh-CN" altLang="en-US"/>
-          </a:p>
-        </p:txBody>
-      </p:sp>
-      <p:sp>
-        <p:nvSpPr>
-          <p:cNvPr id="9" name="文本框"/>
-          <p:cNvSpPr>
-            <a:spLocks noGrp="1"/>
-          </p:cNvSpPr>
-          <p:nvPr>
-            <p:ph type="sldNum" idx="5"/>
-          </p:nvPr>
-        </p:nvSpPr>
-        <p:spPr>
-          <a:xfrm>
-            <a:off x="3884613" y="8685213"/>
-            <a:ext cx="2971800" cy="457200"/>
-          </a:xfrm>
-          <a:prstGeom prst="rect">
-            <a:avLst/>
-          </a:prstGeom>
-          <a:noFill/>
-          <a:ln w="9525" cap="flat" cmpd="sng">
-            <a:noFill/>
-            <a:prstDash val="solid"/>
-            <a:round/>
-          </a:ln>
-        </p:spPr>
-        <p:txBody>
-          <a:bodyPr vert="horz" wrap="square" lIns="91440" tIns="45720" rIns="91440" bIns="45720" anchor="b" anchorCtr="0">
-            <a:prstTxWarp prst="textNoShape">
-              <a:avLst/>
-            </a:prstTxWarp>
-          </a:bodyPr>
-          <a:lstStyle/>
-          <a:p>
-            <a:pPr algn="r"/>
-            <a:fld id="{CAD2D6BD-DE1B-4B5F-8B41-2702339687B9}" type="slidenum">
-              <a:rPr lang="en-US" altLang="zh-CN" sz="1800" u="none" strike="noStrike" kern="1200" cap="none" spc="0" baseline="0">
-                <a:solidFill>
-                  <a:schemeClr val="tx1"/>
-                </a:solidFill>
-                <a:latin typeface="Calibri" pitchFamily="34" charset="0"/>
-                <a:ea typeface="宋体" pitchFamily="2" charset="-122"/>
-                <a:cs typeface="Calibri" pitchFamily="34" charset="0"/>
-              </a:rPr>
-              <a:pPr algn="r"/>
-              <a:t>27</a:t>
-            </a:fld>
-            <a:endParaRPr lang="zh-CN" altLang="en-US" sz="1200">
-              <a:latin typeface="Calibri" pitchFamily="34" charset="0"/>
-              <a:ea typeface="宋体" pitchFamily="2" charset="-122"/>
-              <a:cs typeface="Calibri" pitchFamily="34" charset="0"/>
-            </a:endParaRPr>
-          </a:p>
-        </p:txBody>
-      </p:sp>
-    </p:spTree>
-    <p:extLst>
-      <p:ext uri="{BB962C8B-B14F-4D97-AF65-F5344CB8AC3E}">
-        <p14:creationId xmlns:p14="http://schemas.microsoft.com/office/powerpoint/2010/main" val="4206527865"/>
-      </p:ext>
-    </p:extLst>
-  </p:cSld>
-  <p:clrMapOvr>
-    <a:masterClrMapping/>
-  </p:clrMapOvr>
-</p:notes>
-</file>
-
-<file path=ppt/notesSlides/notesSlide23.xml><?xml version="1.0" encoding="utf-8"?>
-<p:notes xmlns:a="http://schemas.openxmlformats.org/drawingml/2006/main" xmlns:r="http://schemas.openxmlformats.org/officeDocument/2006/relationships" xmlns:p="http://schemas.openxmlformats.org/presentationml/2006/main">
-  <p:cSld>
-    <p:spTree>
-      <p:nvGrpSpPr>
-        <p:cNvPr id="1" name=""/>
-        <p:cNvGrpSpPr/>
-        <p:nvPr/>
-      </p:nvGrpSpPr>
-      <p:grpSpPr>
-        <a:xfrm>
-          <a:off x="0" y="0"/>
-          <a:ext cx="0" cy="0"/>
-          <a:chOff x="0" y="0"/>
-          <a:chExt cx="0" cy="0"/>
-        </a:xfrm>
-      </p:grpSpPr>
-      <p:sp>
-        <p:nvSpPr>
-          <p:cNvPr id="2" name="文本框"/>
-          <p:cNvSpPr>
-            <a:spLocks noGrp="1" noRot="1" noChangeAspect="1"/>
-          </p:cNvSpPr>
-          <p:nvPr>
-            <p:ph type="sldImg"/>
-          </p:nvPr>
-        </p:nvSpPr>
-        <p:spPr/>
-      </p:sp>
-      <p:sp>
-        <p:nvSpPr>
-          <p:cNvPr id="3" name="文本框"/>
-          <p:cNvSpPr>
-            <a:spLocks noGrp="1"/>
-          </p:cNvSpPr>
-          <p:nvPr>
-            <p:ph type="body" idx="1"/>
-          </p:nvPr>
-        </p:nvSpPr>
-        <p:spPr/>
-        <p:txBody>
-          <a:bodyPr/>
-          <a:lstStyle/>
-          <a:p>
-            <a:endParaRPr lang="zh-CN" altLang="en-US"/>
-          </a:p>
-        </p:txBody>
-      </p:sp>
-      <p:sp>
-        <p:nvSpPr>
-          <p:cNvPr id="9" name="文本框"/>
-          <p:cNvSpPr>
-            <a:spLocks noGrp="1"/>
-          </p:cNvSpPr>
-          <p:nvPr>
-            <p:ph type="sldNum" idx="5"/>
-          </p:nvPr>
-        </p:nvSpPr>
-        <p:spPr>
-          <a:xfrm>
-            <a:off x="3884613" y="8685213"/>
-            <a:ext cx="2971800" cy="457200"/>
-          </a:xfrm>
-          <a:prstGeom prst="rect">
-            <a:avLst/>
-          </a:prstGeom>
-          <a:noFill/>
-          <a:ln w="9525" cap="flat" cmpd="sng">
-            <a:noFill/>
-            <a:prstDash val="solid"/>
-            <a:round/>
-          </a:ln>
-        </p:spPr>
-        <p:txBody>
-          <a:bodyPr vert="horz" wrap="square" lIns="91440" tIns="45720" rIns="91440" bIns="45720" anchor="b" anchorCtr="0">
-            <a:prstTxWarp prst="textNoShape">
-              <a:avLst/>
-            </a:prstTxWarp>
-          </a:bodyPr>
-          <a:lstStyle/>
-          <a:p>
-            <a:pPr algn="r"/>
-            <a:fld id="{CAD2D6BD-DE1B-4B5F-8B41-2702339687B9}" type="slidenum">
-              <a:rPr lang="en-US" altLang="zh-CN" sz="1800" u="none" strike="noStrike" kern="1200" cap="none" spc="0" baseline="0">
-                <a:solidFill>
-                  <a:schemeClr val="tx1"/>
-                </a:solidFill>
-                <a:latin typeface="Calibri" pitchFamily="34" charset="0"/>
-                <a:ea typeface="宋体" pitchFamily="2" charset="-122"/>
-                <a:cs typeface="Calibri" pitchFamily="34" charset="0"/>
-              </a:rPr>
-              <a:pPr algn="r"/>
-              <a:t>28</a:t>
-            </a:fld>
-            <a:endParaRPr lang="zh-CN" altLang="en-US" sz="1200">
-              <a:latin typeface="Calibri" pitchFamily="34" charset="0"/>
-              <a:ea typeface="宋体" pitchFamily="2" charset="-122"/>
-              <a:cs typeface="Calibri" pitchFamily="34" charset="0"/>
-            </a:endParaRPr>
-          </a:p>
-        </p:txBody>
-      </p:sp>
-    </p:spTree>
-    <p:extLst>
-      <p:ext uri="{BB962C8B-B14F-4D97-AF65-F5344CB8AC3E}">
-        <p14:creationId xmlns:p14="http://schemas.microsoft.com/office/powerpoint/2010/main" val="637098908"/>
-      </p:ext>
-    </p:extLst>
-  </p:cSld>
-  <p:clrMapOvr>
-    <a:masterClrMapping/>
-  </p:clrMapOvr>
-</p:notes>
-</file>
-
-<file path=ppt/notesSlides/notesSlide24.xml><?xml version="1.0" encoding="utf-8"?>
-<p:notes xmlns:a="http://schemas.openxmlformats.org/drawingml/2006/main" xmlns:r="http://schemas.openxmlformats.org/officeDocument/2006/relationships" xmlns:p="http://schemas.openxmlformats.org/presentationml/2006/main">
-  <p:cSld>
-    <p:spTree>
-      <p:nvGrpSpPr>
-        <p:cNvPr id="1" name=""/>
-        <p:cNvGrpSpPr/>
-        <p:nvPr/>
-      </p:nvGrpSpPr>
-      <p:grpSpPr>
-        <a:xfrm>
-          <a:off x="0" y="0"/>
-          <a:ext cx="0" cy="0"/>
-          <a:chOff x="0" y="0"/>
-          <a:chExt cx="0" cy="0"/>
-        </a:xfrm>
-      </p:grpSpPr>
-      <p:sp>
-        <p:nvSpPr>
-          <p:cNvPr id="2" name="文本框"/>
-          <p:cNvSpPr>
-            <a:spLocks noGrp="1" noRot="1" noChangeAspect="1"/>
-          </p:cNvSpPr>
-          <p:nvPr>
-            <p:ph type="sldImg"/>
-          </p:nvPr>
-        </p:nvSpPr>
-        <p:spPr/>
-      </p:sp>
-      <p:sp>
-        <p:nvSpPr>
-          <p:cNvPr id="3" name="文本框"/>
-          <p:cNvSpPr>
-            <a:spLocks noGrp="1"/>
-          </p:cNvSpPr>
-          <p:nvPr>
-            <p:ph type="body" idx="1"/>
-          </p:nvPr>
-        </p:nvSpPr>
-        <p:spPr/>
-        <p:txBody>
-          <a:bodyPr/>
-          <a:lstStyle/>
-          <a:p>
-            <a:endParaRPr lang="zh-CN" altLang="en-US"/>
-          </a:p>
-        </p:txBody>
-      </p:sp>
-      <p:sp>
-        <p:nvSpPr>
-          <p:cNvPr id="9" name="文本框"/>
-          <p:cNvSpPr>
-            <a:spLocks noGrp="1"/>
-          </p:cNvSpPr>
-          <p:nvPr>
-            <p:ph type="sldNum" idx="5"/>
-          </p:nvPr>
-        </p:nvSpPr>
-        <p:spPr>
-          <a:xfrm>
-            <a:off x="3884613" y="8685213"/>
-            <a:ext cx="2971800" cy="457200"/>
-          </a:xfrm>
-          <a:prstGeom prst="rect">
-            <a:avLst/>
-          </a:prstGeom>
-          <a:noFill/>
-          <a:ln w="9525" cap="flat" cmpd="sng">
-            <a:noFill/>
-            <a:prstDash val="solid"/>
-            <a:round/>
-          </a:ln>
-        </p:spPr>
-        <p:txBody>
-          <a:bodyPr vert="horz" wrap="square" lIns="91440" tIns="45720" rIns="91440" bIns="45720" anchor="b" anchorCtr="0">
-            <a:prstTxWarp prst="textNoShape">
-              <a:avLst/>
-            </a:prstTxWarp>
-          </a:bodyPr>
-          <a:lstStyle/>
-          <a:p>
-            <a:pPr algn="r"/>
-            <a:fld id="{CAD2D6BD-DE1B-4B5F-8B41-2702339687B9}" type="slidenum">
-              <a:rPr lang="en-US" altLang="zh-CN" sz="1800" u="none" strike="noStrike" kern="1200" cap="none" spc="0" baseline="0">
-                <a:solidFill>
-                  <a:schemeClr val="tx1"/>
-                </a:solidFill>
-                <a:latin typeface="Calibri" pitchFamily="34" charset="0"/>
-                <a:ea typeface="宋体" pitchFamily="2" charset="-122"/>
-                <a:cs typeface="Calibri" pitchFamily="34" charset="0"/>
-              </a:rPr>
-              <a:pPr algn="r"/>
-              <a:t>29</a:t>
-            </a:fld>
-            <a:endParaRPr lang="zh-CN" altLang="en-US" sz="1200">
-              <a:latin typeface="Calibri" pitchFamily="34" charset="0"/>
-              <a:ea typeface="宋体" pitchFamily="2" charset="-122"/>
-              <a:cs typeface="Calibri" pitchFamily="34" charset="0"/>
-            </a:endParaRPr>
-          </a:p>
-        </p:txBody>
-      </p:sp>
-    </p:spTree>
-    <p:extLst>
-      <p:ext uri="{BB962C8B-B14F-4D97-AF65-F5344CB8AC3E}">
-        <p14:creationId xmlns:p14="http://schemas.microsoft.com/office/powerpoint/2010/main" val="1504933540"/>
-      </p:ext>
-    </p:extLst>
-  </p:cSld>
-  <p:clrMapOvr>
-    <a:masterClrMapping/>
-  </p:clrMapOvr>
-</p:notes>
-</file>
-
-<file path=ppt/notesSlides/notesSlide25.xml><?xml version="1.0" encoding="utf-8"?>
-<p:notes xmlns:a="http://schemas.openxmlformats.org/drawingml/2006/main" xmlns:r="http://schemas.openxmlformats.org/officeDocument/2006/relationships" xmlns:p="http://schemas.openxmlformats.org/presentationml/2006/main">
-  <p:cSld>
-    <p:spTree>
-      <p:nvGrpSpPr>
-        <p:cNvPr id="1" name=""/>
-        <p:cNvGrpSpPr/>
-        <p:nvPr/>
-      </p:nvGrpSpPr>
-      <p:grpSpPr>
-        <a:xfrm>
-          <a:off x="0" y="0"/>
-          <a:ext cx="0" cy="0"/>
-          <a:chOff x="0" y="0"/>
-          <a:chExt cx="0" cy="0"/>
-        </a:xfrm>
-      </p:grpSpPr>
-      <p:sp>
-        <p:nvSpPr>
-          <p:cNvPr id="2" name="文本框"/>
-          <p:cNvSpPr>
-            <a:spLocks noGrp="1" noRot="1" noChangeAspect="1"/>
-          </p:cNvSpPr>
-          <p:nvPr>
-            <p:ph type="sldImg"/>
-          </p:nvPr>
-        </p:nvSpPr>
-        <p:spPr/>
-      </p:sp>
-      <p:sp>
-        <p:nvSpPr>
-          <p:cNvPr id="3" name="文本框"/>
-          <p:cNvSpPr>
-            <a:spLocks noGrp="1"/>
-          </p:cNvSpPr>
-          <p:nvPr>
-            <p:ph type="body" idx="1"/>
-          </p:nvPr>
-        </p:nvSpPr>
-        <p:spPr/>
-        <p:txBody>
-          <a:bodyPr/>
-          <a:lstStyle/>
-          <a:p>
-            <a:endParaRPr lang="zh-CN" altLang="en-US"/>
-          </a:p>
-        </p:txBody>
-      </p:sp>
-      <p:sp>
-        <p:nvSpPr>
-          <p:cNvPr id="9" name="文本框"/>
-          <p:cNvSpPr>
-            <a:spLocks noGrp="1"/>
-          </p:cNvSpPr>
-          <p:nvPr>
-            <p:ph type="sldNum" idx="5"/>
-          </p:nvPr>
-        </p:nvSpPr>
-        <p:spPr>
-          <a:xfrm>
-            <a:off x="3884613" y="8685213"/>
-            <a:ext cx="2971800" cy="457200"/>
-          </a:xfrm>
-          <a:prstGeom prst="rect">
-            <a:avLst/>
-          </a:prstGeom>
-          <a:noFill/>
-          <a:ln w="9525" cap="flat" cmpd="sng">
-            <a:noFill/>
-            <a:prstDash val="solid"/>
-            <a:round/>
-          </a:ln>
-        </p:spPr>
-        <p:txBody>
-          <a:bodyPr vert="horz" wrap="square" lIns="91440" tIns="45720" rIns="91440" bIns="45720" anchor="b" anchorCtr="0">
-            <a:prstTxWarp prst="textNoShape">
-              <a:avLst/>
-            </a:prstTxWarp>
-          </a:bodyPr>
-          <a:lstStyle/>
-          <a:p>
-            <a:pPr algn="r"/>
-            <a:fld id="{CAD2D6BD-DE1B-4B5F-8B41-2702339687B9}" type="slidenum">
-              <a:rPr lang="en-US" altLang="zh-CN" sz="1800" u="none" strike="noStrike" kern="1200" cap="none" spc="0" baseline="0">
-                <a:solidFill>
-                  <a:schemeClr val="tx1"/>
-                </a:solidFill>
-                <a:latin typeface="Calibri" pitchFamily="34" charset="0"/>
-                <a:ea typeface="宋体" pitchFamily="2" charset="-122"/>
-                <a:cs typeface="Calibri" pitchFamily="34" charset="0"/>
-              </a:rPr>
-              <a:pPr algn="r"/>
-              <a:t>30</a:t>
-            </a:fld>
-            <a:endParaRPr lang="zh-CN" altLang="en-US" sz="1200">
-              <a:latin typeface="Calibri" pitchFamily="34" charset="0"/>
-              <a:ea typeface="宋体" pitchFamily="2" charset="-122"/>
-              <a:cs typeface="Calibri" pitchFamily="34" charset="0"/>
-            </a:endParaRPr>
-          </a:p>
-        </p:txBody>
-      </p:sp>
-    </p:spTree>
-    <p:extLst>
-      <p:ext uri="{BB962C8B-B14F-4D97-AF65-F5344CB8AC3E}">
-        <p14:creationId xmlns:p14="http://schemas.microsoft.com/office/powerpoint/2010/main" val="1802842484"/>
-      </p:ext>
-    </p:extLst>
-  </p:cSld>
-  <p:clrMapOvr>
-    <a:masterClrMapping/>
-  </p:clrMapOvr>
-</p:notes>
-</file>
-
-<file path=ppt/notesSlides/notesSlide26.xml><?xml version="1.0" encoding="utf-8"?>
-<p:notes xmlns:a="http://schemas.openxmlformats.org/drawingml/2006/main" xmlns:r="http://schemas.openxmlformats.org/officeDocument/2006/relationships" xmlns:p="http://schemas.openxmlformats.org/presentationml/2006/main">
-  <p:cSld>
-    <p:spTree>
-      <p:nvGrpSpPr>
-        <p:cNvPr id="1" name=""/>
-        <p:cNvGrpSpPr/>
-        <p:nvPr/>
-      </p:nvGrpSpPr>
-      <p:grpSpPr>
-        <a:xfrm>
-          <a:off x="0" y="0"/>
-          <a:ext cx="0" cy="0"/>
-          <a:chOff x="0" y="0"/>
-          <a:chExt cx="0" cy="0"/>
-        </a:xfrm>
-      </p:grpSpPr>
-      <p:sp>
-        <p:nvSpPr>
-          <p:cNvPr id="2" name="文本框"/>
-          <p:cNvSpPr>
-            <a:spLocks noGrp="1" noRot="1" noChangeAspect="1"/>
-          </p:cNvSpPr>
-          <p:nvPr>
-            <p:ph type="sldImg"/>
-          </p:nvPr>
-        </p:nvSpPr>
-        <p:spPr/>
-      </p:sp>
-      <p:sp>
-        <p:nvSpPr>
-          <p:cNvPr id="3" name="文本框"/>
-          <p:cNvSpPr>
-            <a:spLocks noGrp="1"/>
-          </p:cNvSpPr>
-          <p:nvPr>
-            <p:ph type="body" idx="1"/>
-          </p:nvPr>
-        </p:nvSpPr>
-        <p:spPr/>
-        <p:txBody>
-          <a:bodyPr/>
-          <a:lstStyle/>
-          <a:p>
-            <a:endParaRPr lang="zh-CN" altLang="en-US"/>
-          </a:p>
-        </p:txBody>
-      </p:sp>
-      <p:sp>
-        <p:nvSpPr>
-          <p:cNvPr id="9" name="文本框"/>
-          <p:cNvSpPr>
-            <a:spLocks noGrp="1"/>
-          </p:cNvSpPr>
-          <p:nvPr>
-            <p:ph type="sldNum" idx="5"/>
-          </p:nvPr>
-        </p:nvSpPr>
-        <p:spPr>
-          <a:xfrm>
-            <a:off x="3884613" y="8685213"/>
-            <a:ext cx="2971800" cy="457200"/>
-          </a:xfrm>
-          <a:prstGeom prst="rect">
-            <a:avLst/>
-          </a:prstGeom>
-          <a:noFill/>
-          <a:ln w="9525" cap="flat" cmpd="sng">
-            <a:noFill/>
-            <a:prstDash val="solid"/>
-            <a:round/>
-          </a:ln>
-        </p:spPr>
-        <p:txBody>
-          <a:bodyPr vert="horz" wrap="square" lIns="91440" tIns="45720" rIns="91440" bIns="45720" anchor="b" anchorCtr="0">
-            <a:prstTxWarp prst="textNoShape">
-              <a:avLst/>
-            </a:prstTxWarp>
-          </a:bodyPr>
-          <a:lstStyle/>
-          <a:p>
-            <a:pPr algn="r"/>
-            <a:fld id="{CAD2D6BD-DE1B-4B5F-8B41-2702339687B9}" type="slidenum">
-              <a:rPr lang="en-US" altLang="zh-CN" sz="1800" u="none" strike="noStrike" kern="1200" cap="none" spc="0" baseline="0">
-                <a:solidFill>
-                  <a:schemeClr val="tx1"/>
-                </a:solidFill>
-                <a:latin typeface="Calibri" pitchFamily="34" charset="0"/>
-                <a:ea typeface="宋体" pitchFamily="2" charset="-122"/>
-                <a:cs typeface="Calibri" pitchFamily="34" charset="0"/>
-              </a:rPr>
-              <a:pPr algn="r"/>
-              <a:t>31</a:t>
-            </a:fld>
-            <a:endParaRPr lang="zh-CN" altLang="en-US" sz="1200">
-              <a:latin typeface="Calibri" pitchFamily="34" charset="0"/>
-              <a:ea typeface="宋体" pitchFamily="2" charset="-122"/>
-              <a:cs typeface="Calibri" pitchFamily="34" charset="0"/>
-            </a:endParaRPr>
-          </a:p>
-        </p:txBody>
-      </p:sp>
-    </p:spTree>
-    <p:extLst>
-      <p:ext uri="{BB962C8B-B14F-4D97-AF65-F5344CB8AC3E}">
-        <p14:creationId xmlns:p14="http://schemas.microsoft.com/office/powerpoint/2010/main" val="2118616492"/>
       </p:ext>
     </p:extLst>
   </p:cSld>
@@ -3742,7 +2351,7 @@
                 <a:cs typeface="Calibri" pitchFamily="34" charset="0"/>
               </a:rPr>
               <a:pPr algn="r"/>
-              <a:t>14</a:t>
+              <a:t>15</a:t>
             </a:fld>
             <a:endParaRPr lang="zh-CN" altLang="en-US" sz="1200">
               <a:latin typeface="Calibri" pitchFamily="34" charset="0"/>
@@ -3891,7 +2500,7 @@
             <a:fld id="{72514870-5082-4025-BC8A-5E070B8EB77D}" type="datetimeFigureOut">
               <a:rPr lang="zh-CN" altLang="en-US" smtClean="0"/>
               <a:pPr/>
-              <a:t>2018/12/26</a:t>
+              <a:t>2018/12/28</a:t>
             </a:fld>
             <a:endParaRPr lang="zh-CN" altLang="en-US"/>
           </a:p>
@@ -4061,7 +2670,7 @@
             <a:fld id="{72514870-5082-4025-BC8A-5E070B8EB77D}" type="datetimeFigureOut">
               <a:rPr lang="zh-CN" altLang="en-US" smtClean="0"/>
               <a:pPr/>
-              <a:t>2018/12/26</a:t>
+              <a:t>2018/12/28</a:t>
             </a:fld>
             <a:endParaRPr lang="zh-CN" altLang="en-US"/>
           </a:p>
@@ -4241,7 +2850,7 @@
             <a:fld id="{72514870-5082-4025-BC8A-5E070B8EB77D}" type="datetimeFigureOut">
               <a:rPr lang="zh-CN" altLang="en-US" smtClean="0"/>
               <a:pPr/>
-              <a:t>2018/12/26</a:t>
+              <a:t>2018/12/28</a:t>
             </a:fld>
             <a:endParaRPr lang="zh-CN" altLang="en-US"/>
           </a:p>
@@ -4429,7 +3038,7 @@
             <a:fld id="{72514870-5082-4025-BC8A-5E070B8EB77D}" type="datetimeFigureOut">
               <a:rPr lang="zh-CN" altLang="en-US" smtClean="0"/>
               <a:pPr/>
-              <a:t>2018/12/26</a:t>
+              <a:t>2018/12/28</a:t>
             </a:fld>
             <a:endParaRPr lang="zh-CN" altLang="en-US"/>
           </a:p>
@@ -4599,7 +3208,7 @@
             <a:fld id="{72514870-5082-4025-BC8A-5E070B8EB77D}" type="datetimeFigureOut">
               <a:rPr lang="zh-CN" altLang="en-US" smtClean="0"/>
               <a:pPr/>
-              <a:t>2018/12/26</a:t>
+              <a:t>2018/12/28</a:t>
             </a:fld>
             <a:endParaRPr lang="zh-CN" altLang="en-US"/>
           </a:p>
@@ -4792,7 +3401,7 @@
             <a:fld id="{72514870-5082-4025-BC8A-5E070B8EB77D}" type="datetimeFigureOut">
               <a:rPr lang="zh-CN" altLang="en-US" smtClean="0"/>
               <a:pPr/>
-              <a:t>2018/12/26</a:t>
+              <a:t>2018/12/28</a:t>
             </a:fld>
             <a:endParaRPr lang="zh-CN" altLang="en-US"/>
           </a:p>
@@ -5079,7 +3688,7 @@
             <a:fld id="{72514870-5082-4025-BC8A-5E070B8EB77D}" type="datetimeFigureOut">
               <a:rPr lang="zh-CN" altLang="en-US" smtClean="0"/>
               <a:pPr/>
-              <a:t>2018/12/26</a:t>
+              <a:t>2018/12/28</a:t>
             </a:fld>
             <a:endParaRPr lang="zh-CN" altLang="en-US"/>
           </a:p>
@@ -5500,7 +4109,7 @@
             <a:fld id="{72514870-5082-4025-BC8A-5E070B8EB77D}" type="datetimeFigureOut">
               <a:rPr lang="zh-CN" altLang="en-US" smtClean="0"/>
               <a:pPr/>
-              <a:t>2018/12/26</a:t>
+              <a:t>2018/12/28</a:t>
             </a:fld>
             <a:endParaRPr lang="zh-CN" altLang="en-US"/>
           </a:p>
@@ -5619,7 +4228,7 @@
             <a:fld id="{72514870-5082-4025-BC8A-5E070B8EB77D}" type="datetimeFigureOut">
               <a:rPr lang="zh-CN" altLang="en-US" smtClean="0"/>
               <a:pPr/>
-              <a:t>2018/12/26</a:t>
+              <a:t>2018/12/28</a:t>
             </a:fld>
             <a:endParaRPr lang="zh-CN" altLang="en-US"/>
           </a:p>
@@ -5716,7 +4325,7 @@
             <a:fld id="{72514870-5082-4025-BC8A-5E070B8EB77D}" type="datetimeFigureOut">
               <a:rPr lang="zh-CN" altLang="en-US" smtClean="0"/>
               <a:pPr/>
-              <a:t>2018/12/26</a:t>
+              <a:t>2018/12/28</a:t>
             </a:fld>
             <a:endParaRPr lang="zh-CN" altLang="en-US"/>
           </a:p>
@@ -6029,7 +4638,7 @@
             <a:fld id="{72514870-5082-4025-BC8A-5E070B8EB77D}" type="datetimeFigureOut">
               <a:rPr lang="zh-CN" altLang="en-US" smtClean="0"/>
               <a:pPr/>
-              <a:t>2018/12/26</a:t>
+              <a:t>2018/12/28</a:t>
             </a:fld>
             <a:endParaRPr lang="zh-CN" altLang="en-US"/>
           </a:p>
@@ -6199,7 +4808,7 @@
             <a:fld id="{72514870-5082-4025-BC8A-5E070B8EB77D}" type="datetimeFigureOut">
               <a:rPr lang="zh-CN" altLang="en-US" smtClean="0"/>
               <a:pPr/>
-              <a:t>2018/12/26</a:t>
+              <a:t>2018/12/28</a:t>
             </a:fld>
             <a:endParaRPr lang="zh-CN" altLang="en-US"/>
           </a:p>
@@ -6453,7 +5062,7 @@
             <a:fld id="{72514870-5082-4025-BC8A-5E070B8EB77D}" type="datetimeFigureOut">
               <a:rPr lang="zh-CN" altLang="en-US" smtClean="0"/>
               <a:pPr/>
-              <a:t>2018/12/26</a:t>
+              <a:t>2018/12/28</a:t>
             </a:fld>
             <a:endParaRPr lang="zh-CN" altLang="en-US"/>
           </a:p>
@@ -6623,7 +5232,7 @@
             <a:fld id="{72514870-5082-4025-BC8A-5E070B8EB77D}" type="datetimeFigureOut">
               <a:rPr lang="zh-CN" altLang="en-US" smtClean="0"/>
               <a:pPr/>
-              <a:t>2018/12/26</a:t>
+              <a:t>2018/12/28</a:t>
             </a:fld>
             <a:endParaRPr lang="zh-CN" altLang="en-US"/>
           </a:p>
@@ -6803,7 +5412,7 @@
             <a:fld id="{72514870-5082-4025-BC8A-5E070B8EB77D}" type="datetimeFigureOut">
               <a:rPr lang="zh-CN" altLang="en-US" smtClean="0"/>
               <a:pPr/>
-              <a:t>2018/12/26</a:t>
+              <a:t>2018/12/28</a:t>
             </a:fld>
             <a:endParaRPr lang="zh-CN" altLang="en-US"/>
           </a:p>
@@ -6996,7 +5605,7 @@
             <a:fld id="{72514870-5082-4025-BC8A-5E070B8EB77D}" type="datetimeFigureOut">
               <a:rPr lang="zh-CN" altLang="en-US" smtClean="0"/>
               <a:pPr/>
-              <a:t>2018/12/26</a:t>
+              <a:t>2018/12/28</a:t>
             </a:fld>
             <a:endParaRPr lang="zh-CN" altLang="en-US"/>
           </a:p>
@@ -7283,7 +5892,7 @@
             <a:fld id="{72514870-5082-4025-BC8A-5E070B8EB77D}" type="datetimeFigureOut">
               <a:rPr lang="zh-CN" altLang="en-US" smtClean="0"/>
               <a:pPr/>
-              <a:t>2018/12/26</a:t>
+              <a:t>2018/12/28</a:t>
             </a:fld>
             <a:endParaRPr lang="zh-CN" altLang="en-US"/>
           </a:p>
@@ -7704,7 +6313,7 @@
             <a:fld id="{72514870-5082-4025-BC8A-5E070B8EB77D}" type="datetimeFigureOut">
               <a:rPr lang="zh-CN" altLang="en-US" smtClean="0"/>
               <a:pPr/>
-              <a:t>2018/12/26</a:t>
+              <a:t>2018/12/28</a:t>
             </a:fld>
             <a:endParaRPr lang="zh-CN" altLang="en-US"/>
           </a:p>
@@ -7823,7 +6432,7 @@
             <a:fld id="{72514870-5082-4025-BC8A-5E070B8EB77D}" type="datetimeFigureOut">
               <a:rPr lang="zh-CN" altLang="en-US" smtClean="0"/>
               <a:pPr/>
-              <a:t>2018/12/26</a:t>
+              <a:t>2018/12/28</a:t>
             </a:fld>
             <a:endParaRPr lang="zh-CN" altLang="en-US"/>
           </a:p>
@@ -7920,7 +6529,7 @@
             <a:fld id="{72514870-5082-4025-BC8A-5E070B8EB77D}" type="datetimeFigureOut">
               <a:rPr lang="zh-CN" altLang="en-US" smtClean="0"/>
               <a:pPr/>
-              <a:t>2018/12/26</a:t>
+              <a:t>2018/12/28</a:t>
             </a:fld>
             <a:endParaRPr lang="zh-CN" altLang="en-US"/>
           </a:p>
@@ -8197,7 +6806,7 @@
             <a:fld id="{72514870-5082-4025-BC8A-5E070B8EB77D}" type="datetimeFigureOut">
               <a:rPr lang="zh-CN" altLang="en-US" smtClean="0"/>
               <a:pPr/>
-              <a:t>2018/12/26</a:t>
+              <a:t>2018/12/28</a:t>
             </a:fld>
             <a:endParaRPr lang="zh-CN" altLang="en-US"/>
           </a:p>
@@ -8451,7 +7060,7 @@
             <a:fld id="{72514870-5082-4025-BC8A-5E070B8EB77D}" type="datetimeFigureOut">
               <a:rPr lang="zh-CN" altLang="en-US" smtClean="0"/>
               <a:pPr/>
-              <a:t>2018/12/26</a:t>
+              <a:t>2018/12/28</a:t>
             </a:fld>
             <a:endParaRPr lang="zh-CN" altLang="en-US"/>
           </a:p>
@@ -9468,15 +8077,14 @@
               <a:t>、</a:t>
             </a:r>
             <a:r>
-              <a:rPr lang="en-US" altLang="zh-CN" sz="2800" b="1" kern="100" dirty="0" err="1">
+              <a:rPr lang="en-US" altLang="zh-CN" sz="2800" b="1" dirty="0" err="1">
                 <a:solidFill>
                   <a:srgbClr val="C00000"/>
                 </a:solidFill>
                 <a:latin typeface="微软雅黑" panose="020B0503020204020204" pitchFamily="34" charset="-122"/>
                 <a:ea typeface="微软雅黑" panose="020B0503020204020204" pitchFamily="34" charset="-122"/>
-                <a:cs typeface="宋体" panose="02010600030101010101" pitchFamily="2" charset="-122"/>
-              </a:rPr>
-              <a:t>src</a:t>
+              </a:rPr>
+              <a:t>dest</a:t>
             </a:r>
             <a:endParaRPr lang="en-US" altLang="zh-CN" sz="2800" b="1" kern="100" dirty="0">
               <a:solidFill>
@@ -10324,6 +8932,96 @@
           <a:chExt cx="0" cy="0"/>
         </a:xfrm>
       </p:grpSpPr>
+      <p:pic>
+        <p:nvPicPr>
+          <p:cNvPr id="2050" name="图片 23">
+            <a:extLst>
+              <a:ext uri="{FF2B5EF4-FFF2-40B4-BE49-F238E27FC236}">
+                <a16:creationId xmlns:a16="http://schemas.microsoft.com/office/drawing/2014/main" id="{CF0DCBD9-A7A8-43FB-A01D-297CE1B27E55}"/>
+              </a:ext>
+            </a:extLst>
+          </p:cNvPr>
+          <p:cNvPicPr>
+            <a:picLocks noChangeAspect="1" noChangeArrowheads="1"/>
+          </p:cNvPicPr>
+          <p:nvPr/>
+        </p:nvPicPr>
+        <p:blipFill>
+          <a:blip r:embed="rId3">
+            <a:extLst>
+              <a:ext uri="{28A0092B-C50C-407E-A947-70E740481C1C}">
+                <a14:useLocalDpi xmlns:a14="http://schemas.microsoft.com/office/drawing/2010/main" val="0"/>
+              </a:ext>
+            </a:extLst>
+          </a:blip>
+          <a:srcRect/>
+          <a:stretch>
+            <a:fillRect/>
+          </a:stretch>
+        </p:blipFill>
+        <p:spPr bwMode="auto">
+          <a:xfrm>
+            <a:off x="827584" y="774805"/>
+            <a:ext cx="6624736" cy="3593889"/>
+          </a:xfrm>
+          <a:prstGeom prst="rect">
+            <a:avLst/>
+          </a:prstGeom>
+          <a:noFill/>
+          <a:ln>
+            <a:noFill/>
+          </a:ln>
+          <a:extLst>
+            <a:ext uri="{909E8E84-426E-40DD-AFC4-6F175D3DCCD1}">
+              <a14:hiddenFill xmlns:a14="http://schemas.microsoft.com/office/drawing/2010/main">
+                <a:solidFill>
+                  <a:srgbClr val="FFFFFF"/>
+                </a:solidFill>
+              </a14:hiddenFill>
+            </a:ext>
+            <a:ext uri="{91240B29-F687-4F45-9708-019B960494DF}">
+              <a14:hiddenLine xmlns:a14="http://schemas.microsoft.com/office/drawing/2010/main" w="9525">
+                <a:solidFill>
+                  <a:srgbClr val="000000"/>
+                </a:solidFill>
+                <a:miter lim="800000"/>
+                <a:headEnd/>
+                <a:tailEnd/>
+              </a14:hiddenLine>
+            </a:ext>
+          </a:extLst>
+        </p:spPr>
+      </p:pic>
+    </p:spTree>
+    <p:extLst>
+      <p:ext uri="{BB962C8B-B14F-4D97-AF65-F5344CB8AC3E}">
+        <p14:creationId xmlns:p14="http://schemas.microsoft.com/office/powerpoint/2010/main" val="4038195092"/>
+      </p:ext>
+    </p:extLst>
+  </p:cSld>
+  <p:clrMapOvr>
+    <a:masterClrMapping/>
+  </p:clrMapOvr>
+</p:sld>
+</file>
+
+<file path=ppt/slides/slide13.xml><?xml version="1.0" encoding="utf-8"?>
+<p:sld xmlns:a="http://schemas.openxmlformats.org/drawingml/2006/main" xmlns:r="http://schemas.openxmlformats.org/officeDocument/2006/relationships" xmlns:p="http://schemas.openxmlformats.org/presentationml/2006/main">
+  <p:cSld>
+    <p:spTree>
+      <p:nvGrpSpPr>
+        <p:cNvPr id="1" name=""/>
+        <p:cNvGrpSpPr/>
+        <p:nvPr/>
+      </p:nvGrpSpPr>
+      <p:grpSpPr>
+        <a:xfrm>
+          <a:off x="0" y="0"/>
+          <a:ext cx="0" cy="0"/>
+          <a:chOff x="0" y="0"/>
+          <a:chExt cx="0" cy="0"/>
+        </a:xfrm>
+      </p:grpSpPr>
       <p:sp>
         <p:nvSpPr>
           <p:cNvPr id="3" name="矩形 2">
@@ -10338,8 +9036,8 @@
         </p:nvSpPr>
         <p:spPr>
           <a:xfrm>
-            <a:off x="953852" y="1059582"/>
-            <a:ext cx="7236296" cy="3403624"/>
+            <a:off x="179512" y="1056739"/>
+            <a:ext cx="9144000" cy="2308324"/>
           </a:xfrm>
           <a:prstGeom prst="rect">
             <a:avLst/>
@@ -10351,38 +9049,9 @@
           </a:bodyPr>
           <a:lstStyle/>
           <a:p>
-            <a:pPr>
-              <a:lnSpc>
-                <a:spcPct val="150000"/>
-              </a:lnSpc>
-              <a:tabLst>
-                <a:tab pos="479425" algn="l"/>
-              </a:tabLst>
-            </a:pPr>
+            <a:pPr lvl="1"/>
             <a:r>
               <a:rPr lang="en-US" altLang="zh-CN" b="1" kern="100" dirty="0">
-                <a:solidFill>
-                  <a:srgbClr val="212121"/>
-                </a:solidFill>
-                <a:latin typeface="微软雅黑" panose="020B0503020204020204" pitchFamily="34" charset="-122"/>
-                <a:ea typeface="微软雅黑" panose="020B0503020204020204" pitchFamily="34" charset="-122"/>
-                <a:cs typeface="宋体" panose="02010600030101010101" pitchFamily="2" charset="-122"/>
-              </a:rPr>
-              <a:t>3</a:t>
-            </a:r>
-            <a:r>
-              <a:rPr lang="zh-CN" altLang="en-US" b="1" kern="100" dirty="0">
-                <a:solidFill>
-                  <a:srgbClr val="212121"/>
-                </a:solidFill>
-                <a:latin typeface="微软雅黑" panose="020B0503020204020204" pitchFamily="34" charset="-122"/>
-                <a:ea typeface="微软雅黑" panose="020B0503020204020204" pitchFamily="34" charset="-122"/>
-                <a:cs typeface="宋体" panose="02010600030101010101" pitchFamily="2" charset="-122"/>
-              </a:rPr>
-              <a:t>、</a:t>
-            </a:r>
-            <a:r>
-              <a:rPr lang="en-US" altLang="zh-CN" sz="2800" b="1" kern="100" dirty="0" err="1">
                 <a:solidFill>
                   <a:srgbClr val="C00000"/>
                 </a:solidFill>
@@ -10390,222 +9059,81 @@
                 <a:ea typeface="微软雅黑" panose="020B0503020204020204" pitchFamily="34" charset="-122"/>
                 <a:cs typeface="宋体" panose="02010600030101010101" pitchFamily="2" charset="-122"/>
               </a:rPr>
-              <a:t>src</a:t>
-            </a:r>
-            <a:endParaRPr lang="en-US" altLang="zh-CN" sz="2800" b="1" kern="100" dirty="0">
+              <a:t>Watch</a:t>
+            </a:r>
+          </a:p>
+          <a:p>
+            <a:pPr lvl="1"/>
+            <a:endParaRPr lang="en-US" altLang="zh-CN" b="1" kern="100" dirty="0">
               <a:solidFill>
-                <a:srgbClr val="C00000"/>
+                <a:srgbClr val="212121"/>
               </a:solidFill>
               <a:latin typeface="微软雅黑" panose="020B0503020204020204" pitchFamily="34" charset="-122"/>
               <a:ea typeface="微软雅黑" panose="020B0503020204020204" pitchFamily="34" charset="-122"/>
-              <a:cs typeface="宋体" panose="02010600030101010101" pitchFamily="2" charset="-122"/>
             </a:endParaRPr>
           </a:p>
           <a:p>
-            <a:r>
-              <a:rPr lang="en-US" altLang="zh-CN" sz="1600" dirty="0">
-                <a:latin typeface="微软雅黑" panose="020B0503020204020204" pitchFamily="34" charset="-122"/>
-                <a:ea typeface="微软雅黑" panose="020B0503020204020204" pitchFamily="34" charset="-122"/>
-              </a:rPr>
-              <a:t>Destination</a:t>
-            </a:r>
-            <a:r>
-              <a:rPr lang="zh-CN" altLang="zh-CN" sz="1600" dirty="0">
-                <a:latin typeface="微软雅黑" panose="020B0503020204020204" pitchFamily="34" charset="-122"/>
-                <a:ea typeface="微软雅黑" panose="020B0503020204020204" pitchFamily="34" charset="-122"/>
-              </a:rPr>
-              <a:t>的简写，目标。</a:t>
-            </a:r>
-          </a:p>
-          <a:p>
-            <a:r>
-              <a:rPr lang="en-US" altLang="zh-CN" sz="1600" dirty="0">
-                <a:latin typeface="微软雅黑" panose="020B0503020204020204" pitchFamily="34" charset="-122"/>
-                <a:ea typeface="微软雅黑" panose="020B0503020204020204" pitchFamily="34" charset="-122"/>
-              </a:rPr>
+            <a:pPr lvl="1"/>
+            <a:r>
+              <a:rPr lang="zh-CN" altLang="zh-CN" dirty="0"/>
+              <a:t>作用：用于监听文件的变化，一旦文件有变化，就执行指定的相应任务。</a:t>
+            </a:r>
+          </a:p>
+          <a:p>
+            <a:r>
+              <a:rPr lang="zh-CN" altLang="zh-CN" dirty="0"/>
+              <a:t>格式：</a:t>
+            </a:r>
+            <a:r>
+              <a:rPr lang="en-US" altLang="zh-CN" b="1" dirty="0" err="1"/>
+              <a:t>gulp.watch</a:t>
+            </a:r>
+            <a:r>
+              <a:rPr lang="en-US" altLang="zh-CN" b="1" dirty="0"/>
+              <a:t>(glob[, opts], tasks)</a:t>
+            </a:r>
+            <a:endParaRPr lang="zh-CN" altLang="zh-CN" dirty="0"/>
+          </a:p>
+          <a:p>
+            <a:r>
+              <a:rPr lang="en-US" altLang="zh-CN" b="1" dirty="0"/>
               <a:t> </a:t>
             </a:r>
-            <a:endParaRPr lang="zh-CN" altLang="zh-CN" sz="1600" dirty="0">
-              <a:latin typeface="微软雅黑" panose="020B0503020204020204" pitchFamily="34" charset="-122"/>
-              <a:ea typeface="微软雅黑" panose="020B0503020204020204" pitchFamily="34" charset="-122"/>
-            </a:endParaRPr>
-          </a:p>
-          <a:p>
-            <a:r>
-              <a:rPr lang="zh-CN" altLang="zh-CN" sz="1600" dirty="0">
-                <a:latin typeface="微软雅黑" panose="020B0503020204020204" pitchFamily="34" charset="-122"/>
-                <a:ea typeface="微软雅黑" panose="020B0503020204020204" pitchFamily="34" charset="-122"/>
-              </a:rPr>
-              <a:t>作用：用来指定输出结果的路径</a:t>
-            </a:r>
-          </a:p>
-          <a:p>
-            <a:r>
-              <a:rPr lang="zh-CN" altLang="zh-CN" sz="1600" dirty="0">
-                <a:latin typeface="微软雅黑" panose="020B0503020204020204" pitchFamily="34" charset="-122"/>
-                <a:ea typeface="微软雅黑" panose="020B0503020204020204" pitchFamily="34" charset="-122"/>
-              </a:rPr>
-              <a:t>格式：</a:t>
-            </a:r>
-            <a:r>
-              <a:rPr lang="en-US" altLang="zh-CN" sz="1600" dirty="0" err="1">
-                <a:latin typeface="微软雅黑" panose="020B0503020204020204" pitchFamily="34" charset="-122"/>
-                <a:ea typeface="微软雅黑" panose="020B0503020204020204" pitchFamily="34" charset="-122"/>
-              </a:rPr>
-              <a:t>gulp.dest</a:t>
-            </a:r>
-            <a:r>
-              <a:rPr lang="zh-CN" altLang="zh-CN" sz="1600" dirty="0">
-                <a:latin typeface="微软雅黑" panose="020B0503020204020204" pitchFamily="34" charset="-122"/>
-                <a:ea typeface="微软雅黑" panose="020B0503020204020204" pitchFamily="34" charset="-122"/>
-              </a:rPr>
-              <a:t>（路径）</a:t>
-            </a:r>
-          </a:p>
-          <a:p>
-            <a:r>
-              <a:rPr lang="en-US" altLang="zh-CN" sz="1600" dirty="0">
-                <a:latin typeface="微软雅黑" panose="020B0503020204020204" pitchFamily="34" charset="-122"/>
-                <a:ea typeface="微软雅黑" panose="020B0503020204020204" pitchFamily="34" charset="-122"/>
-              </a:rPr>
-              <a:t> </a:t>
-            </a:r>
-            <a:endParaRPr lang="zh-CN" altLang="zh-CN" sz="1600" dirty="0">
-              <a:latin typeface="微软雅黑" panose="020B0503020204020204" pitchFamily="34" charset="-122"/>
-              <a:ea typeface="微软雅黑" panose="020B0503020204020204" pitchFamily="34" charset="-122"/>
-            </a:endParaRPr>
-          </a:p>
-          <a:p>
-            <a:pPr>
-              <a:lnSpc>
-                <a:spcPct val="150000"/>
-              </a:lnSpc>
-            </a:pPr>
-            <a:r>
-              <a:rPr lang="zh-CN" altLang="zh-CN" sz="1600" dirty="0">
-                <a:latin typeface="微软雅黑" panose="020B0503020204020204" pitchFamily="34" charset="-122"/>
-                <a:ea typeface="微软雅黑" panose="020B0503020204020204" pitchFamily="34" charset="-122"/>
-              </a:rPr>
-              <a:t>注意：</a:t>
-            </a:r>
-          </a:p>
-          <a:p>
-            <a:pPr lvl="0">
-              <a:lnSpc>
-                <a:spcPct val="150000"/>
-              </a:lnSpc>
-            </a:pPr>
-            <a:r>
-              <a:rPr lang="zh-CN" altLang="zh-CN" sz="1600" dirty="0">
-                <a:latin typeface="微软雅黑" panose="020B0503020204020204" pitchFamily="34" charset="-122"/>
-                <a:ea typeface="微软雅黑" panose="020B0503020204020204" pitchFamily="34" charset="-122"/>
-              </a:rPr>
-              <a:t>不管是在</a:t>
-            </a:r>
-            <a:r>
-              <a:rPr lang="en-US" altLang="zh-CN" sz="1600" dirty="0" err="1">
-                <a:latin typeface="微软雅黑" panose="020B0503020204020204" pitchFamily="34" charset="-122"/>
-                <a:ea typeface="微软雅黑" panose="020B0503020204020204" pitchFamily="34" charset="-122"/>
-              </a:rPr>
+          </a:p>
+          <a:p>
+            <a:r>
+              <a:rPr lang="en-US" altLang="zh-CN" dirty="0"/>
+              <a:t>glob</a:t>
+            </a:r>
+            <a:r>
+              <a:rPr lang="zh-CN" altLang="zh-CN" dirty="0"/>
+              <a:t>：需要处理的源文件匹配符路径，用来指定具体监控哪些文件的变动，</a:t>
+            </a:r>
+            <a:r>
+              <a:rPr lang="zh-CN" altLang="zh-CN" b="1" dirty="0"/>
+              <a:t>和</a:t>
+            </a:r>
+            <a:r>
+              <a:rPr lang="en-US" altLang="zh-CN" b="1" dirty="0" err="1"/>
               <a:t>src</a:t>
             </a:r>
             <a:r>
-              <a:rPr lang="zh-CN" altLang="zh-CN" sz="1600" dirty="0">
-                <a:latin typeface="微软雅黑" panose="020B0503020204020204" pitchFamily="34" charset="-122"/>
-                <a:ea typeface="微软雅黑" panose="020B0503020204020204" pitchFamily="34" charset="-122"/>
-              </a:rPr>
-              <a:t>，还是在</a:t>
-            </a:r>
-            <a:r>
-              <a:rPr lang="en-US" altLang="zh-CN" sz="1600" dirty="0" err="1">
-                <a:latin typeface="微软雅黑" panose="020B0503020204020204" pitchFamily="34" charset="-122"/>
-                <a:ea typeface="微软雅黑" panose="020B0503020204020204" pitchFamily="34" charset="-122"/>
-              </a:rPr>
-              <a:t>dest</a:t>
-            </a:r>
-            <a:r>
-              <a:rPr lang="zh-CN" altLang="zh-CN" sz="1600" dirty="0">
-                <a:latin typeface="微软雅黑" panose="020B0503020204020204" pitchFamily="34" charset="-122"/>
-                <a:ea typeface="微软雅黑" panose="020B0503020204020204" pitchFamily="34" charset="-122"/>
-              </a:rPr>
-              <a:t>中，我们使用的都是相对路径</a:t>
-            </a:r>
-          </a:p>
-          <a:p>
-            <a:pPr lvl="0">
-              <a:lnSpc>
-                <a:spcPct val="150000"/>
-              </a:lnSpc>
-            </a:pPr>
-            <a:r>
-              <a:rPr lang="en-US" altLang="zh-CN" sz="1600" dirty="0" err="1">
-                <a:latin typeface="微软雅黑" panose="020B0503020204020204" pitchFamily="34" charset="-122"/>
-                <a:ea typeface="微软雅黑" panose="020B0503020204020204" pitchFamily="34" charset="-122"/>
-              </a:rPr>
-              <a:t>src</a:t>
-            </a:r>
-            <a:r>
-              <a:rPr lang="zh-CN" altLang="zh-CN" sz="1600" dirty="0">
-                <a:latin typeface="微软雅黑" panose="020B0503020204020204" pitchFamily="34" charset="-122"/>
-                <a:ea typeface="微软雅黑" panose="020B0503020204020204" pitchFamily="34" charset="-122"/>
-              </a:rPr>
-              <a:t>中，我们要指定具体的文件，如</a:t>
-            </a:r>
-            <a:r>
-              <a:rPr lang="en-US" altLang="zh-CN" sz="1600" dirty="0">
-                <a:latin typeface="微软雅黑" panose="020B0503020204020204" pitchFamily="34" charset="-122"/>
-                <a:ea typeface="微软雅黑" panose="020B0503020204020204" pitchFamily="34" charset="-122"/>
-              </a:rPr>
-              <a:t>less</a:t>
-            </a:r>
-            <a:r>
-              <a:rPr lang="zh-CN" altLang="zh-CN" sz="1600" dirty="0">
-                <a:latin typeface="微软雅黑" panose="020B0503020204020204" pitchFamily="34" charset="-122"/>
-                <a:ea typeface="微软雅黑" panose="020B0503020204020204" pitchFamily="34" charset="-122"/>
-              </a:rPr>
-              <a:t>文件，如</a:t>
-            </a:r>
-            <a:r>
-              <a:rPr lang="en-US" altLang="zh-CN" sz="1600" dirty="0" err="1">
-                <a:latin typeface="微软雅黑" panose="020B0503020204020204" pitchFamily="34" charset="-122"/>
-                <a:ea typeface="微软雅黑" panose="020B0503020204020204" pitchFamily="34" charset="-122"/>
-              </a:rPr>
-              <a:t>js</a:t>
-            </a:r>
-            <a:r>
-              <a:rPr lang="zh-CN" altLang="zh-CN" sz="1600" dirty="0">
-                <a:latin typeface="微软雅黑" panose="020B0503020204020204" pitchFamily="34" charset="-122"/>
-                <a:ea typeface="微软雅黑" panose="020B0503020204020204" pitchFamily="34" charset="-122"/>
-              </a:rPr>
-              <a:t>文件，如</a:t>
-            </a:r>
-            <a:r>
-              <a:rPr lang="en-US" altLang="zh-CN" sz="1600" dirty="0" err="1">
-                <a:latin typeface="微软雅黑" panose="020B0503020204020204" pitchFamily="34" charset="-122"/>
-                <a:ea typeface="微软雅黑" panose="020B0503020204020204" pitchFamily="34" charset="-122"/>
-              </a:rPr>
-              <a:t>css</a:t>
-            </a:r>
-            <a:r>
-              <a:rPr lang="zh-CN" altLang="zh-CN" sz="1600" dirty="0">
-                <a:latin typeface="微软雅黑" panose="020B0503020204020204" pitchFamily="34" charset="-122"/>
-                <a:ea typeface="微软雅黑" panose="020B0503020204020204" pitchFamily="34" charset="-122"/>
-              </a:rPr>
-              <a:t>文件。而在</a:t>
-            </a:r>
-            <a:r>
-              <a:rPr lang="en-US" altLang="zh-CN" sz="1600" dirty="0" err="1">
-                <a:latin typeface="微软雅黑" panose="020B0503020204020204" pitchFamily="34" charset="-122"/>
-                <a:ea typeface="微软雅黑" panose="020B0503020204020204" pitchFamily="34" charset="-122"/>
-              </a:rPr>
-              <a:t>dest</a:t>
-            </a:r>
-            <a:r>
-              <a:rPr lang="zh-CN" altLang="zh-CN" sz="1600" dirty="0">
-                <a:latin typeface="微软雅黑" panose="020B0503020204020204" pitchFamily="34" charset="-122"/>
-                <a:ea typeface="微软雅黑" panose="020B0503020204020204" pitchFamily="34" charset="-122"/>
-              </a:rPr>
-              <a:t>方法中，只需要指定路径即可，不要指定具体的文件。</a:t>
+              <a:rPr lang="zh-CN" altLang="zh-CN" b="1" dirty="0"/>
+              <a:t>中的一致</a:t>
+            </a:r>
+            <a:r>
+              <a:rPr lang="zh-CN" altLang="zh-CN" dirty="0"/>
+              <a:t>。</a:t>
+            </a:r>
+          </a:p>
+          <a:p>
+            <a:r>
+              <a:rPr lang="en-US" altLang="zh-CN" dirty="0"/>
+              <a:t>tasks</a:t>
+            </a:r>
+            <a:r>
+              <a:rPr lang="zh-CN" altLang="zh-CN" dirty="0"/>
+              <a:t>：需要执行的任务的名称数组</a:t>
             </a:r>
           </a:p>
         </p:txBody>
@@ -10661,10 +9189,416 @@
           </a:p>
         </p:txBody>
       </p:sp>
+      <p:pic>
+        <p:nvPicPr>
+          <p:cNvPr id="3074" name="图片 24">
+            <a:extLst>
+              <a:ext uri="{FF2B5EF4-FFF2-40B4-BE49-F238E27FC236}">
+                <a16:creationId xmlns:a16="http://schemas.microsoft.com/office/drawing/2014/main" id="{DEAA22BF-7C64-4C61-87CC-579714EA0173}"/>
+              </a:ext>
+            </a:extLst>
+          </p:cNvPr>
+          <p:cNvPicPr>
+            <a:picLocks noChangeAspect="1" noChangeArrowheads="1"/>
+          </p:cNvPicPr>
+          <p:nvPr/>
+        </p:nvPicPr>
+        <p:blipFill>
+          <a:blip r:embed="rId3">
+            <a:extLst>
+              <a:ext uri="{28A0092B-C50C-407E-A947-70E740481C1C}">
+                <a14:useLocalDpi xmlns:a14="http://schemas.microsoft.com/office/drawing/2010/main" val="0"/>
+              </a:ext>
+            </a:extLst>
+          </a:blip>
+          <a:srcRect/>
+          <a:stretch>
+            <a:fillRect/>
+          </a:stretch>
+        </p:blipFill>
+        <p:spPr bwMode="auto">
+          <a:xfrm>
+            <a:off x="4955779" y="3292616"/>
+            <a:ext cx="4188221" cy="1588290"/>
+          </a:xfrm>
+          <a:prstGeom prst="rect">
+            <a:avLst/>
+          </a:prstGeom>
+          <a:noFill/>
+          <a:ln>
+            <a:noFill/>
+          </a:ln>
+          <a:extLst>
+            <a:ext uri="{909E8E84-426E-40DD-AFC4-6F175D3DCCD1}">
+              <a14:hiddenFill xmlns:a14="http://schemas.microsoft.com/office/drawing/2010/main">
+                <a:solidFill>
+                  <a:srgbClr val="FFFFFF"/>
+                </a:solidFill>
+              </a14:hiddenFill>
+            </a:ext>
+            <a:ext uri="{91240B29-F687-4F45-9708-019B960494DF}">
+              <a14:hiddenLine xmlns:a14="http://schemas.microsoft.com/office/drawing/2010/main" w="9525">
+                <a:solidFill>
+                  <a:srgbClr val="000000"/>
+                </a:solidFill>
+                <a:miter lim="800000"/>
+                <a:headEnd/>
+                <a:tailEnd/>
+              </a14:hiddenLine>
+            </a:ext>
+          </a:extLst>
+        </p:spPr>
+      </p:pic>
+      <p:sp>
+        <p:nvSpPr>
+          <p:cNvPr id="2" name="Rectangle 1">
+            <a:extLst>
+              <a:ext uri="{FF2B5EF4-FFF2-40B4-BE49-F238E27FC236}">
+                <a16:creationId xmlns:a16="http://schemas.microsoft.com/office/drawing/2014/main" id="{C17AA2B1-CA6F-4236-A9EE-76E56503B18A}"/>
+              </a:ext>
+            </a:extLst>
+          </p:cNvPr>
+          <p:cNvSpPr>
+            <a:spLocks noChangeArrowheads="1"/>
+          </p:cNvSpPr>
+          <p:nvPr/>
+        </p:nvSpPr>
+        <p:spPr bwMode="auto">
+          <a:xfrm>
+            <a:off x="0" y="120879"/>
+            <a:ext cx="65" cy="215444"/>
+          </a:xfrm>
+          <a:prstGeom prst="rect">
+            <a:avLst/>
+          </a:prstGeom>
+          <a:solidFill>
+            <a:srgbClr val="F6F8FA"/>
+          </a:solidFill>
+          <a:ln>
+            <a:noFill/>
+          </a:ln>
+          <a:effectLst/>
+          <a:extLst>
+            <a:ext uri="{91240B29-F687-4F45-9708-019B960494DF}">
+              <a14:hiddenLine xmlns:a14="http://schemas.microsoft.com/office/drawing/2010/main" w="9525">
+                <a:solidFill>
+                  <a:schemeClr val="tx1"/>
+                </a:solidFill>
+                <a:miter lim="800000"/>
+                <a:headEnd/>
+                <a:tailEnd/>
+              </a14:hiddenLine>
+            </a:ext>
+            <a:ext uri="{AF507438-7753-43E0-B8FC-AC1667EBCBE1}">
+              <a14:hiddenEffects xmlns:a14="http://schemas.microsoft.com/office/drawing/2010/main">
+                <a:effectLst>
+                  <a:outerShdw dist="35921" dir="2700000" algn="ctr" rotWithShape="0">
+                    <a:schemeClr val="bg2"/>
+                  </a:outerShdw>
+                </a:effectLst>
+              </a14:hiddenEffects>
+            </a:ext>
+          </a:extLst>
+        </p:spPr>
+        <p:txBody>
+          <a:bodyPr vert="horz" wrap="none" lIns="0" tIns="0" rIns="0" bIns="0" numCol="1" anchor="ctr" anchorCtr="0" compatLnSpc="1">
+            <a:prstTxWarp prst="textNoShape">
+              <a:avLst/>
+            </a:prstTxWarp>
+            <a:spAutoFit/>
+          </a:bodyPr>
+          <a:lstStyle/>
+          <a:p>
+            <a:pPr marL="0" marR="0" lvl="0" indent="0" algn="l" defTabSz="914400" rtl="0" eaLnBrk="0" fontAlgn="base" latinLnBrk="0" hangingPunct="0">
+              <a:lnSpc>
+                <a:spcPct val="100000"/>
+              </a:lnSpc>
+              <a:spcBef>
+                <a:spcPct val="0"/>
+              </a:spcBef>
+              <a:spcAft>
+                <a:spcPct val="0"/>
+              </a:spcAft>
+              <a:buClrTx/>
+              <a:buSzTx/>
+              <a:buFontTx/>
+              <a:buNone/>
+              <a:tabLst/>
+            </a:pPr>
+            <a:endParaRPr kumimoji="0" lang="zh-CN" altLang="zh-CN" sz="1400" b="0" i="0" u="none" strike="noStrike" cap="none" normalizeH="0" baseline="0" dirty="0">
+              <a:ln>
+                <a:noFill/>
+              </a:ln>
+              <a:solidFill>
+                <a:schemeClr val="tx1"/>
+              </a:solidFill>
+              <a:effectLst/>
+              <a:latin typeface="微软雅黑" panose="020B0503020204020204" pitchFamily="34" charset="-122"/>
+              <a:ea typeface="微软雅黑" panose="020B0503020204020204" pitchFamily="34" charset="-122"/>
+            </a:endParaRPr>
+          </a:p>
+        </p:txBody>
+      </p:sp>
+      <p:sp>
+        <p:nvSpPr>
+          <p:cNvPr id="4" name="矩形 3">
+            <a:extLst>
+              <a:ext uri="{FF2B5EF4-FFF2-40B4-BE49-F238E27FC236}">
+                <a16:creationId xmlns:a16="http://schemas.microsoft.com/office/drawing/2014/main" id="{F19FDF7B-D64B-4C05-AB92-61B11E3A0400}"/>
+              </a:ext>
+            </a:extLst>
+          </p:cNvPr>
+          <p:cNvSpPr/>
+          <p:nvPr/>
+        </p:nvSpPr>
+        <p:spPr>
+          <a:xfrm>
+            <a:off x="179512" y="3791135"/>
+            <a:ext cx="4572000" cy="1169551"/>
+          </a:xfrm>
+          <a:prstGeom prst="rect">
+            <a:avLst/>
+          </a:prstGeom>
+        </p:spPr>
+        <p:txBody>
+          <a:bodyPr>
+            <a:spAutoFit/>
+          </a:bodyPr>
+          <a:lstStyle/>
+          <a:p>
+            <a:pPr lvl="0" rtl="0">
+              <a:spcBef>
+                <a:spcPct val="0"/>
+              </a:spcBef>
+              <a:spcAft>
+                <a:spcPct val="0"/>
+              </a:spcAft>
+            </a:pPr>
+            <a:r>
+              <a:rPr lang="zh-CN" altLang="zh-CN" sz="1400" i="1" dirty="0">
+                <a:solidFill>
+                  <a:srgbClr val="999988"/>
+                </a:solidFill>
+                <a:latin typeface="微软雅黑" panose="020B0503020204020204" pitchFamily="34" charset="-122"/>
+                <a:ea typeface="微软雅黑" panose="020B0503020204020204" pitchFamily="34" charset="-122"/>
+              </a:rPr>
+              <a:t>//监听文件变更</a:t>
+            </a:r>
+            <a:r>
+              <a:rPr lang="zh-CN" altLang="zh-CN" sz="1400" dirty="0">
+                <a:solidFill>
+                  <a:srgbClr val="333333"/>
+                </a:solidFill>
+                <a:latin typeface="微软雅黑" panose="020B0503020204020204" pitchFamily="34" charset="-122"/>
+                <a:ea typeface="微软雅黑" panose="020B0503020204020204" pitchFamily="34" charset="-122"/>
+              </a:rPr>
+              <a:t> </a:t>
+            </a:r>
+            <a:endParaRPr lang="en-US" altLang="zh-CN" sz="1400" dirty="0">
+              <a:solidFill>
+                <a:srgbClr val="333333"/>
+              </a:solidFill>
+              <a:latin typeface="微软雅黑" panose="020B0503020204020204" pitchFamily="34" charset="-122"/>
+              <a:ea typeface="微软雅黑" panose="020B0503020204020204" pitchFamily="34" charset="-122"/>
+            </a:endParaRPr>
+          </a:p>
+          <a:p>
+            <a:pPr lvl="0" rtl="0">
+              <a:spcBef>
+                <a:spcPct val="0"/>
+              </a:spcBef>
+              <a:spcAft>
+                <a:spcPct val="0"/>
+              </a:spcAft>
+            </a:pPr>
+            <a:r>
+              <a:rPr lang="zh-CN" altLang="zh-CN" sz="1400" b="1" dirty="0">
+                <a:solidFill>
+                  <a:srgbClr val="333333"/>
+                </a:solidFill>
+                <a:latin typeface="微软雅黑" panose="020B0503020204020204" pitchFamily="34" charset="-122"/>
+                <a:ea typeface="微软雅黑" panose="020B0503020204020204" pitchFamily="34" charset="-122"/>
+              </a:rPr>
+              <a:t>gulp</a:t>
+            </a:r>
+            <a:r>
+              <a:rPr lang="zh-CN" altLang="zh-CN" sz="1400" dirty="0">
+                <a:solidFill>
+                  <a:srgbClr val="333333"/>
+                </a:solidFill>
+                <a:latin typeface="微软雅黑" panose="020B0503020204020204" pitchFamily="34" charset="-122"/>
+                <a:ea typeface="微软雅黑" panose="020B0503020204020204" pitchFamily="34" charset="-122"/>
+              </a:rPr>
+              <a:t>.task(</a:t>
+            </a:r>
+            <a:r>
+              <a:rPr lang="zh-CN" altLang="zh-CN" sz="1400" dirty="0">
+                <a:solidFill>
+                  <a:srgbClr val="DD1144"/>
+                </a:solidFill>
+                <a:latin typeface="微软雅黑" panose="020B0503020204020204" pitchFamily="34" charset="-122"/>
+                <a:ea typeface="微软雅黑" panose="020B0503020204020204" pitchFamily="34" charset="-122"/>
+              </a:rPr>
+              <a:t>'任务名'</a:t>
+            </a:r>
+            <a:r>
+              <a:rPr lang="zh-CN" altLang="zh-CN" sz="1400" dirty="0">
+                <a:solidFill>
+                  <a:srgbClr val="333333"/>
+                </a:solidFill>
+                <a:latin typeface="微软雅黑" panose="020B0503020204020204" pitchFamily="34" charset="-122"/>
+                <a:ea typeface="微软雅黑" panose="020B0503020204020204" pitchFamily="34" charset="-122"/>
+              </a:rPr>
+              <a:t>, function () { </a:t>
+            </a:r>
+            <a:endParaRPr lang="en-US" altLang="zh-CN" sz="1400" dirty="0">
+              <a:solidFill>
+                <a:srgbClr val="333333"/>
+              </a:solidFill>
+              <a:latin typeface="微软雅黑" panose="020B0503020204020204" pitchFamily="34" charset="-122"/>
+              <a:ea typeface="微软雅黑" panose="020B0503020204020204" pitchFamily="34" charset="-122"/>
+            </a:endParaRPr>
+          </a:p>
+          <a:p>
+            <a:pPr lvl="0" rtl="0">
+              <a:spcBef>
+                <a:spcPct val="0"/>
+              </a:spcBef>
+              <a:spcAft>
+                <a:spcPct val="0"/>
+              </a:spcAft>
+            </a:pPr>
+            <a:r>
+              <a:rPr lang="en-US" altLang="zh-CN" sz="1400" b="1" dirty="0">
+                <a:solidFill>
+                  <a:srgbClr val="333333"/>
+                </a:solidFill>
+                <a:latin typeface="微软雅黑" panose="020B0503020204020204" pitchFamily="34" charset="-122"/>
+                <a:ea typeface="微软雅黑" panose="020B0503020204020204" pitchFamily="34" charset="-122"/>
+              </a:rPr>
+              <a:t>	</a:t>
+            </a:r>
+            <a:r>
+              <a:rPr lang="zh-CN" altLang="zh-CN" sz="1400" b="1" dirty="0">
+                <a:solidFill>
+                  <a:srgbClr val="333333"/>
+                </a:solidFill>
+                <a:latin typeface="微软雅黑" panose="020B0503020204020204" pitchFamily="34" charset="-122"/>
+                <a:ea typeface="微软雅黑" panose="020B0503020204020204" pitchFamily="34" charset="-122"/>
+              </a:rPr>
+              <a:t>gulp</a:t>
+            </a:r>
+            <a:r>
+              <a:rPr lang="zh-CN" altLang="zh-CN" sz="1400" dirty="0">
+                <a:solidFill>
+                  <a:srgbClr val="333333"/>
+                </a:solidFill>
+                <a:latin typeface="微软雅黑" panose="020B0503020204020204" pitchFamily="34" charset="-122"/>
+                <a:ea typeface="微软雅黑" panose="020B0503020204020204" pitchFamily="34" charset="-122"/>
+              </a:rPr>
+              <a:t>.watch(</a:t>
+            </a:r>
+            <a:r>
+              <a:rPr lang="zh-CN" altLang="zh-CN" sz="1400" dirty="0">
+                <a:solidFill>
+                  <a:srgbClr val="DD1144"/>
+                </a:solidFill>
+                <a:latin typeface="微软雅黑" panose="020B0503020204020204" pitchFamily="34" charset="-122"/>
+                <a:ea typeface="微软雅黑" panose="020B0503020204020204" pitchFamily="34" charset="-122"/>
+              </a:rPr>
+              <a:t>'监听文件目录'</a:t>
+            </a:r>
+            <a:r>
+              <a:rPr lang="zh-CN" altLang="zh-CN" sz="1400" dirty="0">
+                <a:solidFill>
+                  <a:srgbClr val="333333"/>
+                </a:solidFill>
+                <a:latin typeface="微软雅黑" panose="020B0503020204020204" pitchFamily="34" charset="-122"/>
+                <a:ea typeface="微软雅黑" panose="020B0503020204020204" pitchFamily="34" charset="-122"/>
+              </a:rPr>
+              <a:t>, gulp.series(</a:t>
+            </a:r>
+            <a:r>
+              <a:rPr lang="zh-CN" altLang="zh-CN" sz="1400" dirty="0">
+                <a:solidFill>
+                  <a:srgbClr val="DD1144"/>
+                </a:solidFill>
+                <a:latin typeface="微软雅黑" panose="020B0503020204020204" pitchFamily="34" charset="-122"/>
+                <a:ea typeface="微软雅黑" panose="020B0503020204020204" pitchFamily="34" charset="-122"/>
+              </a:rPr>
+              <a:t>'任务名'</a:t>
+            </a:r>
+            <a:r>
+              <a:rPr lang="zh-CN" altLang="zh-CN" sz="1400" dirty="0">
+                <a:solidFill>
+                  <a:srgbClr val="333333"/>
+                </a:solidFill>
+                <a:latin typeface="微软雅黑" panose="020B0503020204020204" pitchFamily="34" charset="-122"/>
+                <a:ea typeface="微软雅黑" panose="020B0503020204020204" pitchFamily="34" charset="-122"/>
+              </a:rPr>
+              <a:t>, </a:t>
+            </a:r>
+            <a:r>
+              <a:rPr lang="zh-CN" altLang="zh-CN" sz="1400" dirty="0">
+                <a:solidFill>
+                  <a:srgbClr val="DD1144"/>
+                </a:solidFill>
+                <a:latin typeface="微软雅黑" panose="020B0503020204020204" pitchFamily="34" charset="-122"/>
+                <a:ea typeface="微软雅黑" panose="020B0503020204020204" pitchFamily="34" charset="-122"/>
+              </a:rPr>
+              <a:t>'任务名'</a:t>
+            </a:r>
+            <a:r>
+              <a:rPr lang="zh-CN" altLang="zh-CN" sz="1400" dirty="0">
+                <a:solidFill>
+                  <a:srgbClr val="333333"/>
+                </a:solidFill>
+                <a:latin typeface="微软雅黑" panose="020B0503020204020204" pitchFamily="34" charset="-122"/>
+                <a:ea typeface="微软雅黑" panose="020B0503020204020204" pitchFamily="34" charset="-122"/>
+              </a:rPr>
+              <a:t>...)); </a:t>
+            </a:r>
+            <a:endParaRPr lang="en-US" altLang="zh-CN" sz="1400" dirty="0">
+              <a:solidFill>
+                <a:srgbClr val="333333"/>
+              </a:solidFill>
+              <a:latin typeface="微软雅黑" panose="020B0503020204020204" pitchFamily="34" charset="-122"/>
+              <a:ea typeface="微软雅黑" panose="020B0503020204020204" pitchFamily="34" charset="-122"/>
+            </a:endParaRPr>
+          </a:p>
+          <a:p>
+            <a:pPr lvl="0" rtl="0">
+              <a:spcBef>
+                <a:spcPct val="0"/>
+              </a:spcBef>
+              <a:spcAft>
+                <a:spcPct val="0"/>
+              </a:spcAft>
+            </a:pPr>
+            <a:r>
+              <a:rPr lang="zh-CN" altLang="zh-CN" sz="1400" dirty="0">
+                <a:solidFill>
+                  <a:srgbClr val="333333"/>
+                </a:solidFill>
+                <a:latin typeface="微软雅黑" panose="020B0503020204020204" pitchFamily="34" charset="-122"/>
+                <a:ea typeface="微软雅黑" panose="020B0503020204020204" pitchFamily="34" charset="-122"/>
+              </a:rPr>
+              <a:t>})</a:t>
+            </a:r>
+            <a:r>
+              <a:rPr lang="zh-CN" altLang="zh-CN" sz="1400" dirty="0">
+                <a:latin typeface="微软雅黑" panose="020B0503020204020204" pitchFamily="34" charset="-122"/>
+                <a:ea typeface="微软雅黑" panose="020B0503020204020204" pitchFamily="34" charset="-122"/>
+              </a:rPr>
+              <a:t> </a:t>
+            </a:r>
+          </a:p>
+        </p:txBody>
+      </p:sp>
     </p:spTree>
     <p:extLst>
       <p:ext uri="{BB962C8B-B14F-4D97-AF65-F5344CB8AC3E}">
-        <p14:creationId xmlns:p14="http://schemas.microsoft.com/office/powerpoint/2010/main" val="4038195092"/>
+        <p14:creationId xmlns:p14="http://schemas.microsoft.com/office/powerpoint/2010/main" val="352848438"/>
       </p:ext>
     </p:extLst>
   </p:cSld>
@@ -10798,909 +9732,6 @@
 </p:sld>
 </file>
 
-<file path=ppt/slides/slide13.xml><?xml version="1.0" encoding="utf-8"?>
-<p:sld xmlns:a="http://schemas.openxmlformats.org/drawingml/2006/main" xmlns:r="http://schemas.openxmlformats.org/officeDocument/2006/relationships" xmlns:p="http://schemas.openxmlformats.org/presentationml/2006/main">
-  <p:cSld>
-    <p:spTree>
-      <p:nvGrpSpPr>
-        <p:cNvPr id="1" name=""/>
-        <p:cNvGrpSpPr/>
-        <p:nvPr/>
-      </p:nvGrpSpPr>
-      <p:grpSpPr>
-        <a:xfrm>
-          <a:off x="0" y="0"/>
-          <a:ext cx="0" cy="0"/>
-          <a:chOff x="0" y="0"/>
-          <a:chExt cx="0" cy="0"/>
-        </a:xfrm>
-      </p:grpSpPr>
-      <p:sp>
-        <p:nvSpPr>
-          <p:cNvPr id="3" name="矩形 2">
-            <a:extLst>
-              <a:ext uri="{FF2B5EF4-FFF2-40B4-BE49-F238E27FC236}">
-                <a16:creationId xmlns:a16="http://schemas.microsoft.com/office/drawing/2014/main" id="{0159E91D-1C4E-44A2-877A-5808C778DA1A}"/>
-              </a:ext>
-            </a:extLst>
-          </p:cNvPr>
-          <p:cNvSpPr/>
-          <p:nvPr/>
-        </p:nvSpPr>
-        <p:spPr>
-          <a:xfrm>
-            <a:off x="0" y="895726"/>
-            <a:ext cx="9144000" cy="3919856"/>
-          </a:xfrm>
-          <a:prstGeom prst="rect">
-            <a:avLst/>
-          </a:prstGeom>
-        </p:spPr>
-        <p:txBody>
-          <a:bodyPr wrap="square">
-            <a:spAutoFit/>
-          </a:bodyPr>
-          <a:lstStyle/>
-          <a:p>
-            <a:pPr>
-              <a:lnSpc>
-                <a:spcPct val="150000"/>
-              </a:lnSpc>
-              <a:tabLst>
-                <a:tab pos="479425" algn="l"/>
-              </a:tabLst>
-            </a:pPr>
-            <a:r>
-              <a:rPr lang="en-US" altLang="zh-CN" b="1" kern="100" dirty="0">
-                <a:solidFill>
-                  <a:srgbClr val="212121"/>
-                </a:solidFill>
-                <a:latin typeface="微软雅黑" panose="020B0503020204020204" pitchFamily="34" charset="-122"/>
-                <a:ea typeface="微软雅黑" panose="020B0503020204020204" pitchFamily="34" charset="-122"/>
-                <a:cs typeface="宋体" panose="02010600030101010101" pitchFamily="2" charset="-122"/>
-              </a:rPr>
-              <a:t>1</a:t>
-            </a:r>
-            <a:r>
-              <a:rPr lang="zh-CN" altLang="en-US" b="1" kern="100" dirty="0">
-                <a:solidFill>
-                  <a:srgbClr val="212121"/>
-                </a:solidFill>
-                <a:latin typeface="微软雅黑" panose="020B0503020204020204" pitchFamily="34" charset="-122"/>
-                <a:ea typeface="微软雅黑" panose="020B0503020204020204" pitchFamily="34" charset="-122"/>
-                <a:cs typeface="宋体" panose="02010600030101010101" pitchFamily="2" charset="-122"/>
-              </a:rPr>
-              <a:t>、</a:t>
-            </a:r>
-            <a:r>
-              <a:rPr lang="en-US" altLang="zh-CN" sz="2800" b="1" kern="100" dirty="0" err="1">
-                <a:solidFill>
-                  <a:srgbClr val="C00000"/>
-                </a:solidFill>
-                <a:latin typeface="微软雅黑" panose="020B0503020204020204" pitchFamily="34" charset="-122"/>
-                <a:ea typeface="微软雅黑" panose="020B0503020204020204" pitchFamily="34" charset="-122"/>
-                <a:cs typeface="宋体" panose="02010600030101010101" pitchFamily="2" charset="-122"/>
-              </a:rPr>
-              <a:t>src</a:t>
-            </a:r>
-            <a:endParaRPr lang="en-US" altLang="zh-CN" sz="2800" b="1" kern="100" dirty="0">
-              <a:solidFill>
-                <a:srgbClr val="C00000"/>
-              </a:solidFill>
-              <a:latin typeface="微软雅黑" panose="020B0503020204020204" pitchFamily="34" charset="-122"/>
-              <a:ea typeface="微软雅黑" panose="020B0503020204020204" pitchFamily="34" charset="-122"/>
-              <a:cs typeface="宋体" panose="02010600030101010101" pitchFamily="2" charset="-122"/>
-            </a:endParaRPr>
-          </a:p>
-          <a:p>
-            <a:pPr>
-              <a:lnSpc>
-                <a:spcPct val="150000"/>
-              </a:lnSpc>
-              <a:tabLst>
-                <a:tab pos="479425" algn="l"/>
-              </a:tabLst>
-            </a:pPr>
-            <a:r>
-              <a:rPr lang="zh-CN" altLang="zh-CN" sz="1400" dirty="0">
-                <a:latin typeface="宋体" panose="02010600030101010101" pitchFamily="2" charset="-122"/>
-              </a:rPr>
-              <a:t>作用：指定需要执行任务的文件。</a:t>
-            </a:r>
-          </a:p>
-          <a:p>
-            <a:pPr>
-              <a:lnSpc>
-                <a:spcPct val="150000"/>
-              </a:lnSpc>
-            </a:pPr>
-            <a:r>
-              <a:rPr lang="zh-CN" altLang="zh-CN" sz="1400" dirty="0">
-                <a:latin typeface="宋体" panose="02010600030101010101" pitchFamily="2" charset="-122"/>
-              </a:rPr>
-              <a:t>格式：</a:t>
-            </a:r>
-            <a:r>
-              <a:rPr lang="en-US" altLang="zh-CN" sz="1400" b="1" dirty="0" err="1">
-                <a:latin typeface="宋体" panose="02010600030101010101" pitchFamily="2" charset="-122"/>
-              </a:rPr>
-              <a:t>gulp.src</a:t>
-            </a:r>
-            <a:r>
-              <a:rPr lang="en-US" altLang="zh-CN" sz="1400" b="1" dirty="0">
-                <a:latin typeface="宋体" panose="02010600030101010101" pitchFamily="2" charset="-122"/>
-              </a:rPr>
-              <a:t>(globs[, options])</a:t>
-            </a:r>
-            <a:endParaRPr lang="zh-CN" altLang="zh-CN" sz="1400" dirty="0">
-              <a:latin typeface="宋体" panose="02010600030101010101" pitchFamily="2" charset="-122"/>
-            </a:endParaRPr>
-          </a:p>
-          <a:p>
-            <a:pPr>
-              <a:lnSpc>
-                <a:spcPct val="150000"/>
-              </a:lnSpc>
-            </a:pPr>
-            <a:r>
-              <a:rPr lang="en-US" altLang="zh-CN" sz="1400" dirty="0">
-                <a:latin typeface="宋体" panose="02010600030101010101" pitchFamily="2" charset="-122"/>
-              </a:rPr>
-              <a:t>globs</a:t>
-            </a:r>
-            <a:r>
-              <a:rPr lang="zh-CN" altLang="zh-CN" sz="1400" dirty="0">
-                <a:latin typeface="宋体" panose="02010600030101010101" pitchFamily="2" charset="-122"/>
-              </a:rPr>
-              <a:t>：需要处理的源文件匹配符路径，字符串或字符串数组。可以使用类似正则的方式来进行文件的匹配。常见的用法有：</a:t>
-            </a:r>
-          </a:p>
-          <a:p>
-            <a:pPr lvl="0">
-              <a:lnSpc>
-                <a:spcPct val="150000"/>
-              </a:lnSpc>
-            </a:pPr>
-            <a:r>
-              <a:rPr lang="zh-CN" altLang="zh-CN" sz="1400" dirty="0">
-                <a:latin typeface="宋体" panose="02010600030101010101" pitchFamily="2" charset="-122"/>
-              </a:rPr>
-              <a:t>“</a:t>
-            </a:r>
-            <a:r>
-              <a:rPr lang="en-US" altLang="zh-CN" sz="1400" dirty="0" err="1">
-                <a:latin typeface="宋体" panose="02010600030101010101" pitchFamily="2" charset="-122"/>
-              </a:rPr>
-              <a:t>src</a:t>
-            </a:r>
-            <a:r>
-              <a:rPr lang="en-US" altLang="zh-CN" sz="1400" dirty="0">
-                <a:latin typeface="宋体" panose="02010600030101010101" pitchFamily="2" charset="-122"/>
-              </a:rPr>
-              <a:t>/a.js"</a:t>
-            </a:r>
-            <a:r>
-              <a:rPr lang="zh-CN" altLang="zh-CN" sz="1400" dirty="0">
-                <a:latin typeface="宋体" panose="02010600030101010101" pitchFamily="2" charset="-122"/>
-              </a:rPr>
-              <a:t>，指定具体某个文件，就是指</a:t>
-            </a:r>
-            <a:r>
-              <a:rPr lang="en-US" altLang="zh-CN" sz="1400" dirty="0" err="1">
-                <a:latin typeface="宋体" panose="02010600030101010101" pitchFamily="2" charset="-122"/>
-              </a:rPr>
-              <a:t>src</a:t>
-            </a:r>
-            <a:r>
-              <a:rPr lang="zh-CN" altLang="zh-CN" sz="1400" dirty="0">
-                <a:latin typeface="宋体" panose="02010600030101010101" pitchFamily="2" charset="-122"/>
-              </a:rPr>
-              <a:t>目录下的</a:t>
-            </a:r>
-            <a:r>
-              <a:rPr lang="en-US" altLang="zh-CN" sz="1400" dirty="0">
-                <a:latin typeface="宋体" panose="02010600030101010101" pitchFamily="2" charset="-122"/>
-              </a:rPr>
-              <a:t>a.js</a:t>
-            </a:r>
-            <a:r>
-              <a:rPr lang="zh-CN" altLang="zh-CN" sz="1400" dirty="0">
-                <a:latin typeface="宋体" panose="02010600030101010101" pitchFamily="2" charset="-122"/>
-              </a:rPr>
-              <a:t>文件</a:t>
-            </a:r>
-          </a:p>
-          <a:p>
-            <a:pPr lvl="0">
-              <a:lnSpc>
-                <a:spcPct val="150000"/>
-              </a:lnSpc>
-            </a:pPr>
-            <a:r>
-              <a:rPr lang="zh-CN" altLang="zh-CN" sz="1400" dirty="0">
-                <a:latin typeface="宋体" panose="02010600030101010101" pitchFamily="2" charset="-122"/>
-              </a:rPr>
-              <a:t>“</a:t>
-            </a:r>
-            <a:r>
-              <a:rPr lang="en-US" altLang="zh-CN" sz="1400" dirty="0">
-                <a:latin typeface="宋体" panose="02010600030101010101" pitchFamily="2" charset="-122"/>
-              </a:rPr>
-              <a:t>*</a:t>
-            </a:r>
-            <a:r>
-              <a:rPr lang="zh-CN" altLang="zh-CN" sz="1400" dirty="0">
-                <a:latin typeface="宋体" panose="02010600030101010101" pitchFamily="2" charset="-122"/>
-              </a:rPr>
-              <a:t>”</a:t>
-            </a:r>
-            <a:r>
-              <a:rPr lang="en-US" altLang="zh-CN" sz="1400" dirty="0">
-                <a:latin typeface="宋体" panose="02010600030101010101" pitchFamily="2" charset="-122"/>
-              </a:rPr>
-              <a:t>, </a:t>
-            </a:r>
-            <a:r>
-              <a:rPr lang="zh-CN" altLang="zh-CN" sz="1400" dirty="0">
-                <a:latin typeface="宋体" panose="02010600030101010101" pitchFamily="2" charset="-122"/>
-              </a:rPr>
-              <a:t>匹配某个文件夹下的所有文件，如</a:t>
-            </a:r>
-            <a:r>
-              <a:rPr lang="en-US" altLang="zh-CN" sz="1400" dirty="0" err="1">
-                <a:latin typeface="宋体" panose="02010600030101010101" pitchFamily="2" charset="-122"/>
-              </a:rPr>
-              <a:t>src</a:t>
-            </a:r>
-            <a:r>
-              <a:rPr lang="en-US" altLang="zh-CN" sz="1400" dirty="0">
-                <a:latin typeface="宋体" panose="02010600030101010101" pitchFamily="2" charset="-122"/>
-              </a:rPr>
-              <a:t>/*.</a:t>
-            </a:r>
-            <a:r>
-              <a:rPr lang="en-US" altLang="zh-CN" sz="1400" dirty="0" err="1">
-                <a:latin typeface="宋体" panose="02010600030101010101" pitchFamily="2" charset="-122"/>
-              </a:rPr>
-              <a:t>js</a:t>
-            </a:r>
-            <a:r>
-              <a:rPr lang="zh-CN" altLang="zh-CN" sz="1400" dirty="0">
-                <a:latin typeface="宋体" panose="02010600030101010101" pitchFamily="2" charset="-122"/>
-              </a:rPr>
-              <a:t>，匹配</a:t>
-            </a:r>
-            <a:r>
-              <a:rPr lang="en-US" altLang="zh-CN" sz="1400" dirty="0" err="1">
-                <a:latin typeface="宋体" panose="02010600030101010101" pitchFamily="2" charset="-122"/>
-              </a:rPr>
-              <a:t>src</a:t>
-            </a:r>
-            <a:r>
-              <a:rPr lang="zh-CN" altLang="zh-CN" sz="1400" dirty="0">
-                <a:latin typeface="宋体" panose="02010600030101010101" pitchFamily="2" charset="-122"/>
-              </a:rPr>
-              <a:t>下所有的</a:t>
-            </a:r>
-            <a:r>
-              <a:rPr lang="en-US" altLang="zh-CN" sz="1400" dirty="0" err="1">
-                <a:latin typeface="宋体" panose="02010600030101010101" pitchFamily="2" charset="-122"/>
-              </a:rPr>
-              <a:t>js</a:t>
-            </a:r>
-            <a:r>
-              <a:rPr lang="zh-CN" altLang="zh-CN" sz="1400" dirty="0">
-                <a:latin typeface="宋体" panose="02010600030101010101" pitchFamily="2" charset="-122"/>
-              </a:rPr>
-              <a:t>文件</a:t>
-            </a:r>
-          </a:p>
-          <a:p>
-            <a:pPr lvl="0">
-              <a:lnSpc>
-                <a:spcPct val="150000"/>
-              </a:lnSpc>
-            </a:pPr>
-            <a:r>
-              <a:rPr lang="zh-CN" altLang="zh-CN" sz="1400" dirty="0">
-                <a:latin typeface="宋体" panose="02010600030101010101" pitchFamily="2" charset="-122"/>
-              </a:rPr>
-              <a:t>“</a:t>
-            </a:r>
-            <a:r>
-              <a:rPr lang="en-US" altLang="zh-CN" sz="1400" dirty="0">
-                <a:latin typeface="宋体" panose="02010600030101010101" pitchFamily="2" charset="-122"/>
-              </a:rPr>
-              <a:t>**</a:t>
-            </a:r>
-            <a:r>
-              <a:rPr lang="zh-CN" altLang="zh-CN" sz="1400" dirty="0">
-                <a:latin typeface="宋体" panose="02010600030101010101" pitchFamily="2" charset="-122"/>
-              </a:rPr>
-              <a:t>”， 匹配</a:t>
-            </a:r>
-            <a:r>
-              <a:rPr lang="en-US" altLang="zh-CN" sz="1400" dirty="0">
-                <a:latin typeface="宋体" panose="02010600030101010101" pitchFamily="2" charset="-122"/>
-              </a:rPr>
-              <a:t>0</a:t>
-            </a:r>
-            <a:r>
-              <a:rPr lang="zh-CN" altLang="zh-CN" sz="1400" dirty="0">
-                <a:latin typeface="宋体" panose="02010600030101010101" pitchFamily="2" charset="-122"/>
-              </a:rPr>
-              <a:t>个或多个子文件夹，如</a:t>
-            </a:r>
-            <a:r>
-              <a:rPr lang="en-US" altLang="zh-CN" sz="1400" dirty="0" err="1">
-                <a:latin typeface="宋体" panose="02010600030101010101" pitchFamily="2" charset="-122"/>
-              </a:rPr>
-              <a:t>src</a:t>
-            </a:r>
-            <a:r>
-              <a:rPr lang="en-US" altLang="zh-CN" sz="1400" dirty="0">
-                <a:latin typeface="宋体" panose="02010600030101010101" pitchFamily="2" charset="-122"/>
-              </a:rPr>
-              <a:t>/**/*.</a:t>
-            </a:r>
-            <a:r>
-              <a:rPr lang="en-US" altLang="zh-CN" sz="1400" dirty="0" err="1">
-                <a:latin typeface="宋体" panose="02010600030101010101" pitchFamily="2" charset="-122"/>
-              </a:rPr>
-              <a:t>js</a:t>
-            </a:r>
-            <a:r>
-              <a:rPr lang="zh-CN" altLang="zh-CN" sz="1400" dirty="0">
-                <a:latin typeface="宋体" panose="02010600030101010101" pitchFamily="2" charset="-122"/>
-              </a:rPr>
-              <a:t>，匹配</a:t>
-            </a:r>
-            <a:r>
-              <a:rPr lang="en-US" altLang="zh-CN" sz="1400" dirty="0" err="1">
-                <a:latin typeface="宋体" panose="02010600030101010101" pitchFamily="2" charset="-122"/>
-              </a:rPr>
-              <a:t>src</a:t>
-            </a:r>
-            <a:r>
-              <a:rPr lang="zh-CN" altLang="zh-CN" sz="1400" dirty="0">
-                <a:latin typeface="宋体" panose="02010600030101010101" pitchFamily="2" charset="-122"/>
-              </a:rPr>
-              <a:t>下的所有</a:t>
-            </a:r>
-            <a:r>
-              <a:rPr lang="en-US" altLang="zh-CN" sz="1400" dirty="0" err="1">
-                <a:latin typeface="宋体" panose="02010600030101010101" pitchFamily="2" charset="-122"/>
-              </a:rPr>
-              <a:t>js</a:t>
-            </a:r>
-            <a:r>
-              <a:rPr lang="zh-CN" altLang="zh-CN" sz="1400" dirty="0">
-                <a:latin typeface="宋体" panose="02010600030101010101" pitchFamily="2" charset="-122"/>
-              </a:rPr>
-              <a:t>文件以及</a:t>
-            </a:r>
-            <a:r>
-              <a:rPr lang="en-US" altLang="zh-CN" sz="1400" dirty="0" err="1">
-                <a:latin typeface="宋体" panose="02010600030101010101" pitchFamily="2" charset="-122"/>
-              </a:rPr>
-              <a:t>src</a:t>
-            </a:r>
-            <a:r>
-              <a:rPr lang="zh-CN" altLang="zh-CN" sz="1400" dirty="0">
-                <a:latin typeface="宋体" panose="02010600030101010101" pitchFamily="2" charset="-122"/>
-              </a:rPr>
-              <a:t>下的子目录中的所有</a:t>
-            </a:r>
-            <a:r>
-              <a:rPr lang="en-US" altLang="zh-CN" sz="1400" dirty="0" err="1">
-                <a:latin typeface="宋体" panose="02010600030101010101" pitchFamily="2" charset="-122"/>
-              </a:rPr>
-              <a:t>js</a:t>
-            </a:r>
-            <a:r>
-              <a:rPr lang="zh-CN" altLang="zh-CN" sz="1400" dirty="0">
-                <a:latin typeface="宋体" panose="02010600030101010101" pitchFamily="2" charset="-122"/>
-              </a:rPr>
-              <a:t>文件</a:t>
-            </a:r>
-          </a:p>
-          <a:p>
-            <a:pPr lvl="0">
-              <a:lnSpc>
-                <a:spcPct val="150000"/>
-              </a:lnSpc>
-            </a:pPr>
-            <a:r>
-              <a:rPr lang="zh-CN" altLang="zh-CN" sz="1400" dirty="0">
-                <a:latin typeface="宋体" panose="02010600030101010101" pitchFamily="2" charset="-122"/>
-              </a:rPr>
-              <a:t>“</a:t>
-            </a:r>
-            <a:r>
-              <a:rPr lang="en-US" altLang="zh-CN" sz="1400" dirty="0">
-                <a:latin typeface="宋体" panose="02010600030101010101" pitchFamily="2" charset="-122"/>
-              </a:rPr>
-              <a:t>{ }</a:t>
-            </a:r>
-            <a:r>
-              <a:rPr lang="zh-CN" altLang="zh-CN" sz="1400" dirty="0">
-                <a:latin typeface="宋体" panose="02010600030101010101" pitchFamily="2" charset="-122"/>
-              </a:rPr>
-              <a:t>”，匹配多个属性，如</a:t>
-            </a:r>
-            <a:r>
-              <a:rPr lang="en-US" altLang="zh-CN" sz="1400" dirty="0" err="1">
-                <a:latin typeface="宋体" panose="02010600030101010101" pitchFamily="2" charset="-122"/>
-              </a:rPr>
-              <a:t>src</a:t>
-            </a:r>
-            <a:r>
-              <a:rPr lang="en-US" altLang="zh-CN" sz="1400" dirty="0">
-                <a:latin typeface="宋体" panose="02010600030101010101" pitchFamily="2" charset="-122"/>
-              </a:rPr>
-              <a:t>/{a,b}.js </a:t>
-            </a:r>
-            <a:r>
-              <a:rPr lang="zh-CN" altLang="zh-CN" sz="1400" dirty="0">
-                <a:latin typeface="宋体" panose="02010600030101010101" pitchFamily="2" charset="-122"/>
-              </a:rPr>
-              <a:t>，包含</a:t>
-            </a:r>
-            <a:r>
-              <a:rPr lang="en-US" altLang="zh-CN" sz="1400" dirty="0">
-                <a:latin typeface="宋体" panose="02010600030101010101" pitchFamily="2" charset="-122"/>
-              </a:rPr>
-              <a:t>a.js</a:t>
-            </a:r>
-            <a:r>
-              <a:rPr lang="zh-CN" altLang="zh-CN" sz="1400" dirty="0">
-                <a:latin typeface="宋体" panose="02010600030101010101" pitchFamily="2" charset="-122"/>
-              </a:rPr>
-              <a:t>和</a:t>
-            </a:r>
-            <a:r>
-              <a:rPr lang="en-US" altLang="zh-CN" sz="1400" dirty="0">
-                <a:latin typeface="宋体" panose="02010600030101010101" pitchFamily="2" charset="-122"/>
-              </a:rPr>
-              <a:t>b.js</a:t>
-            </a:r>
-            <a:r>
-              <a:rPr lang="zh-CN" altLang="zh-CN" sz="1400" dirty="0">
-                <a:latin typeface="宋体" panose="02010600030101010101" pitchFamily="2" charset="-122"/>
-              </a:rPr>
-              <a:t>，再如</a:t>
-            </a:r>
-            <a:r>
-              <a:rPr lang="en-US" altLang="zh-CN" sz="1400" dirty="0">
-                <a:latin typeface="宋体" panose="02010600030101010101" pitchFamily="2" charset="-122"/>
-              </a:rPr>
-              <a:t> </a:t>
-            </a:r>
-            <a:r>
-              <a:rPr lang="en-US" altLang="zh-CN" sz="1400" dirty="0" err="1">
-                <a:latin typeface="宋体" panose="02010600030101010101" pitchFamily="2" charset="-122"/>
-              </a:rPr>
-              <a:t>src</a:t>
-            </a:r>
-            <a:r>
-              <a:rPr lang="en-US" altLang="zh-CN" sz="1400" dirty="0">
-                <a:latin typeface="宋体" panose="02010600030101010101" pitchFamily="2" charset="-122"/>
-              </a:rPr>
-              <a:t>/*.{ jpg, </a:t>
-            </a:r>
-            <a:r>
-              <a:rPr lang="en-US" altLang="zh-CN" sz="1400" dirty="0" err="1">
-                <a:latin typeface="宋体" panose="02010600030101010101" pitchFamily="2" charset="-122"/>
-              </a:rPr>
-              <a:t>png</a:t>
-            </a:r>
-            <a:r>
-              <a:rPr lang="en-US" altLang="zh-CN" sz="1400" dirty="0">
-                <a:latin typeface="宋体" panose="02010600030101010101" pitchFamily="2" charset="-122"/>
-              </a:rPr>
-              <a:t>, gif } </a:t>
-            </a:r>
-            <a:r>
-              <a:rPr lang="zh-CN" altLang="zh-CN" sz="1400" dirty="0">
-                <a:latin typeface="宋体" panose="02010600030101010101" pitchFamily="2" charset="-122"/>
-              </a:rPr>
-              <a:t>表示</a:t>
-            </a:r>
-            <a:r>
-              <a:rPr lang="en-US" altLang="zh-CN" sz="1400" dirty="0" err="1">
-                <a:latin typeface="宋体" panose="02010600030101010101" pitchFamily="2" charset="-122"/>
-              </a:rPr>
-              <a:t>src</a:t>
-            </a:r>
-            <a:r>
-              <a:rPr lang="zh-CN" altLang="zh-CN" sz="1400" dirty="0">
-                <a:latin typeface="宋体" panose="02010600030101010101" pitchFamily="2" charset="-122"/>
-              </a:rPr>
-              <a:t>所有的</a:t>
-            </a:r>
-            <a:r>
-              <a:rPr lang="en-US" altLang="zh-CN" sz="1400" dirty="0">
-                <a:latin typeface="宋体" panose="02010600030101010101" pitchFamily="2" charset="-122"/>
-              </a:rPr>
-              <a:t>jpg/</a:t>
-            </a:r>
-            <a:r>
-              <a:rPr lang="en-US" altLang="zh-CN" sz="1400" dirty="0" err="1">
-                <a:latin typeface="宋体" panose="02010600030101010101" pitchFamily="2" charset="-122"/>
-              </a:rPr>
-              <a:t>png</a:t>
-            </a:r>
-            <a:r>
-              <a:rPr lang="en-US" altLang="zh-CN" sz="1400" dirty="0">
-                <a:latin typeface="宋体" panose="02010600030101010101" pitchFamily="2" charset="-122"/>
-              </a:rPr>
-              <a:t>/gif</a:t>
-            </a:r>
-            <a:r>
-              <a:rPr lang="zh-CN" altLang="zh-CN" sz="1400" dirty="0">
-                <a:latin typeface="宋体" panose="02010600030101010101" pitchFamily="2" charset="-122"/>
-              </a:rPr>
-              <a:t>文件</a:t>
-            </a:r>
-          </a:p>
-          <a:p>
-            <a:pPr lvl="0">
-              <a:lnSpc>
-                <a:spcPct val="150000"/>
-              </a:lnSpc>
-            </a:pPr>
-            <a:r>
-              <a:rPr lang="zh-CN" altLang="zh-CN" sz="1400" dirty="0">
-                <a:latin typeface="宋体" panose="02010600030101010101" pitchFamily="2" charset="-122"/>
-              </a:rPr>
-              <a:t>“！”，排除文件，如 ！</a:t>
-            </a:r>
-            <a:r>
-              <a:rPr lang="en-US" altLang="zh-CN" sz="1400" dirty="0" err="1">
-                <a:latin typeface="宋体" panose="02010600030101010101" pitchFamily="2" charset="-122"/>
-              </a:rPr>
-              <a:t>src</a:t>
-            </a:r>
-            <a:r>
-              <a:rPr lang="en-US" altLang="zh-CN" sz="1400" dirty="0">
-                <a:latin typeface="宋体" panose="02010600030101010101" pitchFamily="2" charset="-122"/>
-              </a:rPr>
-              <a:t>/a.js</a:t>
-            </a:r>
-            <a:r>
-              <a:rPr lang="zh-CN" altLang="zh-CN" sz="1400" dirty="0">
-                <a:latin typeface="宋体" panose="02010600030101010101" pitchFamily="2" charset="-122"/>
-              </a:rPr>
-              <a:t>，不包含</a:t>
-            </a:r>
-            <a:r>
-              <a:rPr lang="en-US" altLang="zh-CN" sz="1400" dirty="0" err="1">
-                <a:latin typeface="宋体" panose="02010600030101010101" pitchFamily="2" charset="-122"/>
-              </a:rPr>
-              <a:t>src</a:t>
-            </a:r>
-            <a:r>
-              <a:rPr lang="zh-CN" altLang="zh-CN" sz="1400" dirty="0">
-                <a:latin typeface="宋体" panose="02010600030101010101" pitchFamily="2" charset="-122"/>
-              </a:rPr>
-              <a:t>下的</a:t>
-            </a:r>
-            <a:r>
-              <a:rPr lang="en-US" altLang="zh-CN" sz="1400" dirty="0">
-                <a:latin typeface="宋体" panose="02010600030101010101" pitchFamily="2" charset="-122"/>
-              </a:rPr>
-              <a:t>a.js</a:t>
-            </a:r>
-            <a:r>
-              <a:rPr lang="zh-CN" altLang="zh-CN" sz="1400" dirty="0">
-                <a:latin typeface="宋体" panose="02010600030101010101" pitchFamily="2" charset="-122"/>
-              </a:rPr>
-              <a:t>文件</a:t>
-            </a:r>
-          </a:p>
-        </p:txBody>
-      </p:sp>
-      <p:sp>
-        <p:nvSpPr>
-          <p:cNvPr id="5" name="文本框 4">
-            <a:extLst>
-              <a:ext uri="{FF2B5EF4-FFF2-40B4-BE49-F238E27FC236}">
-                <a16:creationId xmlns:a16="http://schemas.microsoft.com/office/drawing/2014/main" id="{462D917C-8F36-4E3C-9557-0DF1AD6ADE0A}"/>
-              </a:ext>
-            </a:extLst>
-          </p:cNvPr>
-          <p:cNvSpPr txBox="1"/>
-          <p:nvPr/>
-        </p:nvSpPr>
-        <p:spPr>
-          <a:xfrm>
-            <a:off x="3203848" y="484892"/>
-            <a:ext cx="2238113" cy="461665"/>
-          </a:xfrm>
-          <a:prstGeom prst="rect">
-            <a:avLst/>
-          </a:prstGeom>
-          <a:noFill/>
-        </p:spPr>
-        <p:txBody>
-          <a:bodyPr wrap="none" rtlCol="0">
-            <a:spAutoFit/>
-          </a:bodyPr>
-          <a:lstStyle/>
-          <a:p>
-            <a:r>
-              <a:rPr lang="en-US" altLang="zh-CN" sz="2400" b="1" dirty="0">
-                <a:solidFill>
-                  <a:srgbClr val="C00000"/>
-                </a:solidFill>
-                <a:latin typeface="微软雅黑" panose="020B0503020204020204" pitchFamily="34" charset="-122"/>
-                <a:ea typeface="微软雅黑" panose="020B0503020204020204" pitchFamily="34" charset="-122"/>
-              </a:rPr>
-              <a:t>Gulp </a:t>
-            </a:r>
-            <a:r>
-              <a:rPr lang="zh-CN" altLang="en-US" sz="2400" b="1" dirty="0">
-                <a:solidFill>
-                  <a:srgbClr val="C00000"/>
-                </a:solidFill>
-                <a:latin typeface="微软雅黑" panose="020B0503020204020204" pitchFamily="34" charset="-122"/>
-                <a:ea typeface="微软雅黑" panose="020B0503020204020204" pitchFamily="34" charset="-122"/>
-              </a:rPr>
-              <a:t>方法使用</a:t>
-            </a:r>
-          </a:p>
-        </p:txBody>
-      </p:sp>
-      <p:pic>
-        <p:nvPicPr>
-          <p:cNvPr id="2050" name="图片 18">
-            <a:extLst>
-              <a:ext uri="{FF2B5EF4-FFF2-40B4-BE49-F238E27FC236}">
-                <a16:creationId xmlns:a16="http://schemas.microsoft.com/office/drawing/2014/main" id="{9632DBF9-A9E1-42AD-939C-55B84D07B395}"/>
-              </a:ext>
-            </a:extLst>
-          </p:cNvPr>
-          <p:cNvPicPr>
-            <a:picLocks noChangeAspect="1" noChangeArrowheads="1"/>
-          </p:cNvPicPr>
-          <p:nvPr/>
-        </p:nvPicPr>
-        <p:blipFill>
-          <a:blip r:embed="rId3">
-            <a:extLst>
-              <a:ext uri="{28A0092B-C50C-407E-A947-70E740481C1C}">
-                <a14:useLocalDpi xmlns:a14="http://schemas.microsoft.com/office/drawing/2010/main" val="0"/>
-              </a:ext>
-            </a:extLst>
-          </a:blip>
-          <a:srcRect/>
-          <a:stretch>
-            <a:fillRect/>
-          </a:stretch>
-        </p:blipFill>
-        <p:spPr bwMode="auto">
-          <a:xfrm>
-            <a:off x="3563888" y="2855654"/>
-            <a:ext cx="5267325" cy="1009650"/>
-          </a:xfrm>
-          <a:prstGeom prst="rect">
-            <a:avLst/>
-          </a:prstGeom>
-          <a:noFill/>
-          <a:ln>
-            <a:noFill/>
-          </a:ln>
-          <a:extLst>
-            <a:ext uri="{909E8E84-426E-40DD-AFC4-6F175D3DCCD1}">
-              <a14:hiddenFill xmlns:a14="http://schemas.microsoft.com/office/drawing/2010/main">
-                <a:solidFill>
-                  <a:srgbClr val="FFFFFF"/>
-                </a:solidFill>
-              </a14:hiddenFill>
-            </a:ext>
-            <a:ext uri="{91240B29-F687-4F45-9708-019B960494DF}">
-              <a14:hiddenLine xmlns:a14="http://schemas.microsoft.com/office/drawing/2010/main" w="9525">
-                <a:solidFill>
-                  <a:srgbClr val="000000"/>
-                </a:solidFill>
-                <a:miter lim="800000"/>
-                <a:headEnd/>
-                <a:tailEnd/>
-              </a14:hiddenLine>
-            </a:ext>
-          </a:extLst>
-        </p:spPr>
-      </p:pic>
-    </p:spTree>
-    <p:extLst>
-      <p:ext uri="{BB962C8B-B14F-4D97-AF65-F5344CB8AC3E}">
-        <p14:creationId xmlns:p14="http://schemas.microsoft.com/office/powerpoint/2010/main" val="352848438"/>
-      </p:ext>
-    </p:extLst>
-  </p:cSld>
-  <p:clrMapOvr>
-    <a:masterClrMapping/>
-  </p:clrMapOvr>
-  <p:timing>
-    <p:tnLst>
-      <p:par>
-        <p:cTn id="1" dur="indefinite" restart="never" nodeType="tmRoot">
-          <p:childTnLst>
-            <p:seq concurrent="1" nextAc="seek">
-              <p:cTn id="2" dur="indefinite" nodeType="mainSeq">
-                <p:childTnLst>
-                  <p:par>
-                    <p:cTn id="3" fill="hold">
-                      <p:stCondLst>
-                        <p:cond delay="indefinite"/>
-                      </p:stCondLst>
-                      <p:childTnLst>
-                        <p:par>
-                          <p:cTn id="4" fill="hold">
-                            <p:stCondLst>
-                              <p:cond delay="0"/>
-                            </p:stCondLst>
-                            <p:childTnLst>
-                              <p:par>
-                                <p:cTn id="5" presetID="2" presetClass="entr" presetSubtype="4" fill="hold" grpId="0" nodeType="clickEffect">
-                                  <p:stCondLst>
-                                    <p:cond delay="0"/>
-                                  </p:stCondLst>
-                                  <p:childTnLst>
-                                    <p:set>
-                                      <p:cBhvr>
-                                        <p:cTn id="6" dur="1" fill="hold">
-                                          <p:stCondLst>
-                                            <p:cond delay="0"/>
-                                          </p:stCondLst>
-                                        </p:cTn>
-                                        <p:tgtEl>
-                                          <p:spTgt spid="3"/>
-                                        </p:tgtEl>
-                                        <p:attrNameLst>
-                                          <p:attrName>style.visibility</p:attrName>
-                                        </p:attrNameLst>
-                                      </p:cBhvr>
-                                      <p:to>
-                                        <p:strVal val="visible"/>
-                                      </p:to>
-                                    </p:set>
-                                    <p:anim calcmode="lin" valueType="num">
-                                      <p:cBhvr additive="base">
-                                        <p:cTn id="7" dur="500" fill="hold"/>
-                                        <p:tgtEl>
-                                          <p:spTgt spid="3"/>
-                                        </p:tgtEl>
-                                        <p:attrNameLst>
-                                          <p:attrName>ppt_x</p:attrName>
-                                        </p:attrNameLst>
-                                      </p:cBhvr>
-                                      <p:tavLst>
-                                        <p:tav tm="0">
-                                          <p:val>
-                                            <p:strVal val="#ppt_x"/>
-                                          </p:val>
-                                        </p:tav>
-                                        <p:tav tm="100000">
-                                          <p:val>
-                                            <p:strVal val="#ppt_x"/>
-                                          </p:val>
-                                        </p:tav>
-                                      </p:tavLst>
-                                    </p:anim>
-                                    <p:anim calcmode="lin" valueType="num">
-                                      <p:cBhvr additive="base">
-                                        <p:cTn id="8" dur="500" fill="hold"/>
-                                        <p:tgtEl>
-                                          <p:spTgt spid="3"/>
-                                        </p:tgtEl>
-                                        <p:attrNameLst>
-                                          <p:attrName>ppt_y</p:attrName>
-                                        </p:attrNameLst>
-                                      </p:cBhvr>
-                                      <p:tavLst>
-                                        <p:tav tm="0">
-                                          <p:val>
-                                            <p:strVal val="1+#ppt_h/2"/>
-                                          </p:val>
-                                        </p:tav>
-                                        <p:tav tm="100000">
-                                          <p:val>
-                                            <p:strVal val="#ppt_y"/>
-                                          </p:val>
-                                        </p:tav>
-                                      </p:tavLst>
-                                    </p:anim>
-                                  </p:childTnLst>
-                                </p:cTn>
-                              </p:par>
-                            </p:childTnLst>
-                          </p:cTn>
-                        </p:par>
-                      </p:childTnLst>
-                    </p:cTn>
-                  </p:par>
-                  <p:par>
-                    <p:cTn id="9" fill="hold">
-                      <p:stCondLst>
-                        <p:cond delay="indefinite"/>
-                      </p:stCondLst>
-                      <p:childTnLst>
-                        <p:par>
-                          <p:cTn id="10" fill="hold">
-                            <p:stCondLst>
-                              <p:cond delay="0"/>
-                            </p:stCondLst>
-                            <p:childTnLst>
-                              <p:par>
-                                <p:cTn id="11" presetID="21" presetClass="entr" presetSubtype="1" fill="hold" nodeType="clickEffect">
-                                  <p:stCondLst>
-                                    <p:cond delay="0"/>
-                                  </p:stCondLst>
-                                  <p:childTnLst>
-                                    <p:set>
-                                      <p:cBhvr>
-                                        <p:cTn id="12" dur="1" fill="hold">
-                                          <p:stCondLst>
-                                            <p:cond delay="0"/>
-                                          </p:stCondLst>
-                                        </p:cTn>
-                                        <p:tgtEl>
-                                          <p:spTgt spid="2050"/>
-                                        </p:tgtEl>
-                                        <p:attrNameLst>
-                                          <p:attrName>style.visibility</p:attrName>
-                                        </p:attrNameLst>
-                                      </p:cBhvr>
-                                      <p:to>
-                                        <p:strVal val="visible"/>
-                                      </p:to>
-                                    </p:set>
-                                    <p:animEffect transition="in" filter="wheel(1)">
-                                      <p:cBhvr>
-                                        <p:cTn id="13" dur="2000"/>
-                                        <p:tgtEl>
-                                          <p:spTgt spid="2050"/>
-                                        </p:tgtEl>
-                                      </p:cBhvr>
-                                    </p:animEffect>
-                                  </p:childTnLst>
-                                </p:cTn>
-                              </p:par>
-                            </p:childTnLst>
-                          </p:cTn>
-                        </p:par>
-                      </p:childTnLst>
-                    </p:cTn>
-                  </p:par>
-                </p:childTnLst>
-              </p:cTn>
-              <p:prevCondLst>
-                <p:cond evt="onPrev" delay="0">
-                  <p:tgtEl>
-                    <p:sldTgt/>
-                  </p:tgtEl>
-                </p:cond>
-              </p:prevCondLst>
-              <p:nextCondLst>
-                <p:cond evt="onNext" delay="0">
-                  <p:tgtEl>
-                    <p:sldTgt/>
-                  </p:tgtEl>
-                </p:cond>
-              </p:nextCondLst>
-            </p:seq>
-          </p:childTnLst>
-        </p:cTn>
-      </p:par>
-    </p:tnLst>
-    <p:bldLst>
-      <p:bldP spid="3" grpId="0"/>
-    </p:bldLst>
-  </p:timing>
-</p:sld>
-</file>
-
 <file path=ppt/slides/slide14.xml><?xml version="1.0" encoding="utf-8"?>
 <p:sld xmlns:a="http://schemas.openxmlformats.org/drawingml/2006/main" xmlns:r="http://schemas.openxmlformats.org/officeDocument/2006/relationships" xmlns:p="http://schemas.openxmlformats.org/presentationml/2006/main">
   <p:cSld>
@@ -11723,7 +9754,7 @@
           <p:cNvPr id="3" name="矩形 2">
             <a:extLst>
               <a:ext uri="{FF2B5EF4-FFF2-40B4-BE49-F238E27FC236}">
-                <a16:creationId xmlns:a16="http://schemas.microsoft.com/office/drawing/2014/main" id="{0159E91D-1C4E-44A2-877A-5808C778DA1A}"/>
+                <a16:creationId xmlns:a16="http://schemas.microsoft.com/office/drawing/2014/main" id="{A83DF640-5DB8-4855-B29D-4AFEDC857E22}"/>
               </a:ext>
             </a:extLst>
           </p:cNvPr>
@@ -11732,8 +9763,8 @@
         </p:nvSpPr>
         <p:spPr>
           <a:xfrm>
-            <a:off x="0" y="895726"/>
-            <a:ext cx="9144000" cy="3919856"/>
+            <a:off x="863588" y="771550"/>
+            <a:ext cx="7416824" cy="3970318"/>
           </a:xfrm>
           <a:prstGeom prst="rect">
             <a:avLst/>
@@ -11745,564 +9776,181 @@
           </a:bodyPr>
           <a:lstStyle/>
           <a:p>
-            <a:pPr>
-              <a:lnSpc>
-                <a:spcPct val="150000"/>
-              </a:lnSpc>
-              <a:tabLst>
-                <a:tab pos="479425" algn="l"/>
-              </a:tabLst>
-            </a:pPr>
-            <a:r>
-              <a:rPr lang="en-US" altLang="zh-CN" b="1" kern="100" dirty="0">
-                <a:solidFill>
-                  <a:srgbClr val="212121"/>
-                </a:solidFill>
-                <a:latin typeface="微软雅黑" panose="020B0503020204020204" pitchFamily="34" charset="-122"/>
-                <a:ea typeface="微软雅黑" panose="020B0503020204020204" pitchFamily="34" charset="-122"/>
-                <a:cs typeface="宋体" panose="02010600030101010101" pitchFamily="2" charset="-122"/>
-              </a:rPr>
-              <a:t>1</a:t>
-            </a:r>
-            <a:r>
-              <a:rPr lang="zh-CN" altLang="en-US" b="1" kern="100" dirty="0">
-                <a:solidFill>
-                  <a:srgbClr val="212121"/>
-                </a:solidFill>
-                <a:latin typeface="微软雅黑" panose="020B0503020204020204" pitchFamily="34" charset="-122"/>
-                <a:ea typeface="微软雅黑" panose="020B0503020204020204" pitchFamily="34" charset="-122"/>
-                <a:cs typeface="宋体" panose="02010600030101010101" pitchFamily="2" charset="-122"/>
-              </a:rPr>
-              <a:t>、</a:t>
-            </a:r>
-            <a:r>
-              <a:rPr lang="en-US" altLang="zh-CN" sz="2800" b="1" kern="100" dirty="0" err="1">
+            <a:r>
+              <a:rPr lang="zh-CN" altLang="en-US" b="1" dirty="0">
                 <a:solidFill>
                   <a:srgbClr val="C00000"/>
                 </a:solidFill>
-                <a:latin typeface="微软雅黑" panose="020B0503020204020204" pitchFamily="34" charset="-122"/>
-                <a:ea typeface="微软雅黑" panose="020B0503020204020204" pitchFamily="34" charset="-122"/>
-                <a:cs typeface="宋体" panose="02010600030101010101" pitchFamily="2" charset="-122"/>
-              </a:rPr>
-              <a:t>src</a:t>
-            </a:r>
-            <a:endParaRPr lang="en-US" altLang="zh-CN" sz="2800" b="1" kern="100" dirty="0">
-              <a:solidFill>
-                <a:srgbClr val="C00000"/>
-              </a:solidFill>
-              <a:latin typeface="微软雅黑" panose="020B0503020204020204" pitchFamily="34" charset="-122"/>
-              <a:ea typeface="微软雅黑" panose="020B0503020204020204" pitchFamily="34" charset="-122"/>
-              <a:cs typeface="宋体" panose="02010600030101010101" pitchFamily="2" charset="-122"/>
-            </a:endParaRPr>
-          </a:p>
-          <a:p>
-            <a:pPr>
-              <a:lnSpc>
-                <a:spcPct val="150000"/>
-              </a:lnSpc>
-              <a:tabLst>
-                <a:tab pos="479425" algn="l"/>
-              </a:tabLst>
-            </a:pPr>
-            <a:r>
-              <a:rPr lang="zh-CN" altLang="zh-CN" sz="1400" dirty="0">
-                <a:latin typeface="宋体" panose="02010600030101010101" pitchFamily="2" charset="-122"/>
-              </a:rPr>
-              <a:t>作用：指定需要执行任务的文件。</a:t>
-            </a:r>
-          </a:p>
-          <a:p>
-            <a:pPr>
-              <a:lnSpc>
-                <a:spcPct val="150000"/>
-              </a:lnSpc>
-            </a:pPr>
-            <a:r>
-              <a:rPr lang="zh-CN" altLang="zh-CN" sz="1400" dirty="0">
-                <a:latin typeface="宋体" panose="02010600030101010101" pitchFamily="2" charset="-122"/>
-              </a:rPr>
-              <a:t>格式：</a:t>
-            </a:r>
-            <a:r>
-              <a:rPr lang="en-US" altLang="zh-CN" sz="1400" b="1" dirty="0" err="1">
-                <a:latin typeface="宋体" panose="02010600030101010101" pitchFamily="2" charset="-122"/>
-              </a:rPr>
-              <a:t>gulp.src</a:t>
-            </a:r>
-            <a:r>
-              <a:rPr lang="en-US" altLang="zh-CN" sz="1400" b="1" dirty="0">
-                <a:latin typeface="宋体" panose="02010600030101010101" pitchFamily="2" charset="-122"/>
-              </a:rPr>
-              <a:t>(globs[, options])</a:t>
-            </a:r>
-            <a:endParaRPr lang="zh-CN" altLang="zh-CN" sz="1400" dirty="0">
-              <a:latin typeface="宋体" panose="02010600030101010101" pitchFamily="2" charset="-122"/>
-            </a:endParaRPr>
-          </a:p>
-          <a:p>
-            <a:pPr>
-              <a:lnSpc>
-                <a:spcPct val="150000"/>
-              </a:lnSpc>
-            </a:pPr>
-            <a:r>
-              <a:rPr lang="en-US" altLang="zh-CN" sz="1400" dirty="0">
-                <a:latin typeface="宋体" panose="02010600030101010101" pitchFamily="2" charset="-122"/>
-              </a:rPr>
-              <a:t>globs</a:t>
-            </a:r>
-            <a:r>
-              <a:rPr lang="zh-CN" altLang="zh-CN" sz="1400" dirty="0">
-                <a:latin typeface="宋体" panose="02010600030101010101" pitchFamily="2" charset="-122"/>
-              </a:rPr>
-              <a:t>：需要处理的源文件匹配符路径，字符串或字符串数组。可以使用类似正则的方式来进行文件的匹配。常见的用法有：</a:t>
-            </a:r>
-          </a:p>
-          <a:p>
-            <a:pPr lvl="0">
-              <a:lnSpc>
-                <a:spcPct val="150000"/>
-              </a:lnSpc>
-            </a:pPr>
-            <a:r>
-              <a:rPr lang="zh-CN" altLang="zh-CN" sz="1400" dirty="0">
-                <a:latin typeface="宋体" panose="02010600030101010101" pitchFamily="2" charset="-122"/>
-              </a:rPr>
-              <a:t>“</a:t>
-            </a:r>
-            <a:r>
-              <a:rPr lang="en-US" altLang="zh-CN" sz="1400" dirty="0" err="1">
-                <a:latin typeface="宋体" panose="02010600030101010101" pitchFamily="2" charset="-122"/>
-              </a:rPr>
-              <a:t>src</a:t>
-            </a:r>
-            <a:r>
-              <a:rPr lang="en-US" altLang="zh-CN" sz="1400" dirty="0">
-                <a:latin typeface="宋体" panose="02010600030101010101" pitchFamily="2" charset="-122"/>
-              </a:rPr>
-              <a:t>/a.js"</a:t>
-            </a:r>
-            <a:r>
-              <a:rPr lang="zh-CN" altLang="zh-CN" sz="1400" dirty="0">
-                <a:latin typeface="宋体" panose="02010600030101010101" pitchFamily="2" charset="-122"/>
-              </a:rPr>
-              <a:t>，指定具体某个文件，就是指</a:t>
-            </a:r>
-            <a:r>
-              <a:rPr lang="en-US" altLang="zh-CN" sz="1400" dirty="0" err="1">
-                <a:latin typeface="宋体" panose="02010600030101010101" pitchFamily="2" charset="-122"/>
-              </a:rPr>
-              <a:t>src</a:t>
-            </a:r>
-            <a:r>
-              <a:rPr lang="zh-CN" altLang="zh-CN" sz="1400" dirty="0">
-                <a:latin typeface="宋体" panose="02010600030101010101" pitchFamily="2" charset="-122"/>
-              </a:rPr>
-              <a:t>目录下的</a:t>
-            </a:r>
-            <a:r>
-              <a:rPr lang="en-US" altLang="zh-CN" sz="1400" dirty="0">
-                <a:latin typeface="宋体" panose="02010600030101010101" pitchFamily="2" charset="-122"/>
-              </a:rPr>
-              <a:t>a.js</a:t>
-            </a:r>
-            <a:r>
-              <a:rPr lang="zh-CN" altLang="zh-CN" sz="1400" dirty="0">
-                <a:latin typeface="宋体" panose="02010600030101010101" pitchFamily="2" charset="-122"/>
-              </a:rPr>
-              <a:t>文件</a:t>
-            </a:r>
-          </a:p>
-          <a:p>
-            <a:pPr lvl="0">
-              <a:lnSpc>
-                <a:spcPct val="150000"/>
-              </a:lnSpc>
-            </a:pPr>
-            <a:r>
-              <a:rPr lang="zh-CN" altLang="zh-CN" sz="1400" dirty="0">
-                <a:latin typeface="宋体" panose="02010600030101010101" pitchFamily="2" charset="-122"/>
-              </a:rPr>
-              <a:t>“</a:t>
-            </a:r>
-            <a:r>
-              <a:rPr lang="en-US" altLang="zh-CN" sz="1400" dirty="0">
-                <a:latin typeface="宋体" panose="02010600030101010101" pitchFamily="2" charset="-122"/>
-              </a:rPr>
-              <a:t>*</a:t>
-            </a:r>
-            <a:r>
-              <a:rPr lang="zh-CN" altLang="zh-CN" sz="1400" dirty="0">
-                <a:latin typeface="宋体" panose="02010600030101010101" pitchFamily="2" charset="-122"/>
-              </a:rPr>
-              <a:t>”</a:t>
-            </a:r>
-            <a:r>
-              <a:rPr lang="en-US" altLang="zh-CN" sz="1400" dirty="0">
-                <a:latin typeface="宋体" panose="02010600030101010101" pitchFamily="2" charset="-122"/>
-              </a:rPr>
-              <a:t>, </a:t>
-            </a:r>
-            <a:r>
-              <a:rPr lang="zh-CN" altLang="zh-CN" sz="1400" dirty="0">
-                <a:latin typeface="宋体" panose="02010600030101010101" pitchFamily="2" charset="-122"/>
-              </a:rPr>
-              <a:t>匹配某个文件夹下的所有文件，如</a:t>
-            </a:r>
-            <a:r>
-              <a:rPr lang="en-US" altLang="zh-CN" sz="1400" dirty="0" err="1">
-                <a:latin typeface="宋体" panose="02010600030101010101" pitchFamily="2" charset="-122"/>
-              </a:rPr>
-              <a:t>src</a:t>
-            </a:r>
-            <a:r>
-              <a:rPr lang="en-US" altLang="zh-CN" sz="1400" dirty="0">
-                <a:latin typeface="宋体" panose="02010600030101010101" pitchFamily="2" charset="-122"/>
-              </a:rPr>
-              <a:t>/*.</a:t>
-            </a:r>
-            <a:r>
-              <a:rPr lang="en-US" altLang="zh-CN" sz="1400" dirty="0" err="1">
-                <a:latin typeface="宋体" panose="02010600030101010101" pitchFamily="2" charset="-122"/>
-              </a:rPr>
-              <a:t>js</a:t>
-            </a:r>
-            <a:r>
-              <a:rPr lang="zh-CN" altLang="zh-CN" sz="1400" dirty="0">
-                <a:latin typeface="宋体" panose="02010600030101010101" pitchFamily="2" charset="-122"/>
-              </a:rPr>
-              <a:t>，匹配</a:t>
-            </a:r>
-            <a:r>
-              <a:rPr lang="en-US" altLang="zh-CN" sz="1400" dirty="0" err="1">
-                <a:latin typeface="宋体" panose="02010600030101010101" pitchFamily="2" charset="-122"/>
-              </a:rPr>
-              <a:t>src</a:t>
-            </a:r>
-            <a:r>
-              <a:rPr lang="zh-CN" altLang="zh-CN" sz="1400" dirty="0">
-                <a:latin typeface="宋体" panose="02010600030101010101" pitchFamily="2" charset="-122"/>
-              </a:rPr>
-              <a:t>下所有的</a:t>
-            </a:r>
-            <a:r>
-              <a:rPr lang="en-US" altLang="zh-CN" sz="1400" dirty="0" err="1">
-                <a:latin typeface="宋体" panose="02010600030101010101" pitchFamily="2" charset="-122"/>
-              </a:rPr>
-              <a:t>js</a:t>
-            </a:r>
-            <a:r>
-              <a:rPr lang="zh-CN" altLang="zh-CN" sz="1400" dirty="0">
-                <a:latin typeface="宋体" panose="02010600030101010101" pitchFamily="2" charset="-122"/>
-              </a:rPr>
-              <a:t>文件</a:t>
-            </a:r>
-          </a:p>
-          <a:p>
-            <a:pPr lvl="0">
-              <a:lnSpc>
-                <a:spcPct val="150000"/>
-              </a:lnSpc>
-            </a:pPr>
-            <a:r>
-              <a:rPr lang="zh-CN" altLang="zh-CN" sz="1400" dirty="0">
-                <a:latin typeface="宋体" panose="02010600030101010101" pitchFamily="2" charset="-122"/>
-              </a:rPr>
-              <a:t>“</a:t>
-            </a:r>
-            <a:r>
-              <a:rPr lang="en-US" altLang="zh-CN" sz="1400" dirty="0">
-                <a:latin typeface="宋体" panose="02010600030101010101" pitchFamily="2" charset="-122"/>
-              </a:rPr>
-              <a:t>**</a:t>
-            </a:r>
-            <a:r>
-              <a:rPr lang="zh-CN" altLang="zh-CN" sz="1400" dirty="0">
-                <a:latin typeface="宋体" panose="02010600030101010101" pitchFamily="2" charset="-122"/>
-              </a:rPr>
-              <a:t>”， 匹配</a:t>
-            </a:r>
-            <a:r>
-              <a:rPr lang="en-US" altLang="zh-CN" sz="1400" dirty="0">
-                <a:latin typeface="宋体" panose="02010600030101010101" pitchFamily="2" charset="-122"/>
-              </a:rPr>
-              <a:t>0</a:t>
-            </a:r>
-            <a:r>
-              <a:rPr lang="zh-CN" altLang="zh-CN" sz="1400" dirty="0">
-                <a:latin typeface="宋体" panose="02010600030101010101" pitchFamily="2" charset="-122"/>
-              </a:rPr>
-              <a:t>个或多个子文件夹，如</a:t>
-            </a:r>
-            <a:r>
-              <a:rPr lang="en-US" altLang="zh-CN" sz="1400" dirty="0" err="1">
-                <a:latin typeface="宋体" panose="02010600030101010101" pitchFamily="2" charset="-122"/>
-              </a:rPr>
-              <a:t>src</a:t>
-            </a:r>
-            <a:r>
-              <a:rPr lang="en-US" altLang="zh-CN" sz="1400" dirty="0">
-                <a:latin typeface="宋体" panose="02010600030101010101" pitchFamily="2" charset="-122"/>
-              </a:rPr>
-              <a:t>/**/*.</a:t>
-            </a:r>
-            <a:r>
-              <a:rPr lang="en-US" altLang="zh-CN" sz="1400" dirty="0" err="1">
-                <a:latin typeface="宋体" panose="02010600030101010101" pitchFamily="2" charset="-122"/>
-              </a:rPr>
-              <a:t>js</a:t>
-            </a:r>
-            <a:r>
-              <a:rPr lang="zh-CN" altLang="zh-CN" sz="1400" dirty="0">
-                <a:latin typeface="宋体" panose="02010600030101010101" pitchFamily="2" charset="-122"/>
-              </a:rPr>
-              <a:t>，匹配</a:t>
-            </a:r>
-            <a:r>
-              <a:rPr lang="en-US" altLang="zh-CN" sz="1400" dirty="0" err="1">
-                <a:latin typeface="宋体" panose="02010600030101010101" pitchFamily="2" charset="-122"/>
-              </a:rPr>
-              <a:t>src</a:t>
-            </a:r>
-            <a:r>
-              <a:rPr lang="zh-CN" altLang="zh-CN" sz="1400" dirty="0">
-                <a:latin typeface="宋体" panose="02010600030101010101" pitchFamily="2" charset="-122"/>
-              </a:rPr>
-              <a:t>下的所有</a:t>
-            </a:r>
-            <a:r>
-              <a:rPr lang="en-US" altLang="zh-CN" sz="1400" dirty="0" err="1">
-                <a:latin typeface="宋体" panose="02010600030101010101" pitchFamily="2" charset="-122"/>
-              </a:rPr>
-              <a:t>js</a:t>
-            </a:r>
-            <a:r>
-              <a:rPr lang="zh-CN" altLang="zh-CN" sz="1400" dirty="0">
-                <a:latin typeface="宋体" panose="02010600030101010101" pitchFamily="2" charset="-122"/>
-              </a:rPr>
-              <a:t>文件以及</a:t>
-            </a:r>
-            <a:r>
-              <a:rPr lang="en-US" altLang="zh-CN" sz="1400" dirty="0" err="1">
-                <a:latin typeface="宋体" panose="02010600030101010101" pitchFamily="2" charset="-122"/>
-              </a:rPr>
-              <a:t>src</a:t>
-            </a:r>
-            <a:r>
-              <a:rPr lang="zh-CN" altLang="zh-CN" sz="1400" dirty="0">
-                <a:latin typeface="宋体" panose="02010600030101010101" pitchFamily="2" charset="-122"/>
-              </a:rPr>
-              <a:t>下的子目录中的所有</a:t>
-            </a:r>
-            <a:r>
-              <a:rPr lang="en-US" altLang="zh-CN" sz="1400" dirty="0" err="1">
-                <a:latin typeface="宋体" panose="02010600030101010101" pitchFamily="2" charset="-122"/>
-              </a:rPr>
-              <a:t>js</a:t>
-            </a:r>
-            <a:r>
-              <a:rPr lang="zh-CN" altLang="zh-CN" sz="1400" dirty="0">
-                <a:latin typeface="宋体" panose="02010600030101010101" pitchFamily="2" charset="-122"/>
-              </a:rPr>
-              <a:t>文件</a:t>
-            </a:r>
-          </a:p>
-          <a:p>
-            <a:pPr lvl="0">
-              <a:lnSpc>
-                <a:spcPct val="150000"/>
-              </a:lnSpc>
-            </a:pPr>
-            <a:r>
-              <a:rPr lang="zh-CN" altLang="zh-CN" sz="1400" dirty="0">
-                <a:latin typeface="宋体" panose="02010600030101010101" pitchFamily="2" charset="-122"/>
-              </a:rPr>
-              <a:t>“</a:t>
-            </a:r>
-            <a:r>
-              <a:rPr lang="en-US" altLang="zh-CN" sz="1400" dirty="0">
-                <a:latin typeface="宋体" panose="02010600030101010101" pitchFamily="2" charset="-122"/>
-              </a:rPr>
-              <a:t>{ }</a:t>
-            </a:r>
-            <a:r>
-              <a:rPr lang="zh-CN" altLang="zh-CN" sz="1400" dirty="0">
-                <a:latin typeface="宋体" panose="02010600030101010101" pitchFamily="2" charset="-122"/>
-              </a:rPr>
-              <a:t>”，匹配多个属性，如</a:t>
-            </a:r>
-            <a:r>
-              <a:rPr lang="en-US" altLang="zh-CN" sz="1400" dirty="0" err="1">
-                <a:latin typeface="宋体" panose="02010600030101010101" pitchFamily="2" charset="-122"/>
-              </a:rPr>
-              <a:t>src</a:t>
-            </a:r>
-            <a:r>
-              <a:rPr lang="en-US" altLang="zh-CN" sz="1400" dirty="0">
-                <a:latin typeface="宋体" panose="02010600030101010101" pitchFamily="2" charset="-122"/>
-              </a:rPr>
-              <a:t>/{a,b}.js </a:t>
-            </a:r>
-            <a:r>
-              <a:rPr lang="zh-CN" altLang="zh-CN" sz="1400" dirty="0">
-                <a:latin typeface="宋体" panose="02010600030101010101" pitchFamily="2" charset="-122"/>
-              </a:rPr>
-              <a:t>，包含</a:t>
-            </a:r>
-            <a:r>
-              <a:rPr lang="en-US" altLang="zh-CN" sz="1400" dirty="0">
-                <a:latin typeface="宋体" panose="02010600030101010101" pitchFamily="2" charset="-122"/>
-              </a:rPr>
-              <a:t>a.js</a:t>
-            </a:r>
-            <a:r>
-              <a:rPr lang="zh-CN" altLang="zh-CN" sz="1400" dirty="0">
-                <a:latin typeface="宋体" panose="02010600030101010101" pitchFamily="2" charset="-122"/>
-              </a:rPr>
-              <a:t>和</a:t>
-            </a:r>
-            <a:r>
-              <a:rPr lang="en-US" altLang="zh-CN" sz="1400" dirty="0">
-                <a:latin typeface="宋体" panose="02010600030101010101" pitchFamily="2" charset="-122"/>
-              </a:rPr>
-              <a:t>b.js</a:t>
-            </a:r>
-            <a:r>
-              <a:rPr lang="zh-CN" altLang="zh-CN" sz="1400" dirty="0">
-                <a:latin typeface="宋体" panose="02010600030101010101" pitchFamily="2" charset="-122"/>
-              </a:rPr>
-              <a:t>，再如</a:t>
-            </a:r>
-            <a:r>
-              <a:rPr lang="en-US" altLang="zh-CN" sz="1400" dirty="0">
-                <a:latin typeface="宋体" panose="02010600030101010101" pitchFamily="2" charset="-122"/>
-              </a:rPr>
-              <a:t> </a:t>
-            </a:r>
-            <a:r>
-              <a:rPr lang="en-US" altLang="zh-CN" sz="1400" dirty="0" err="1">
-                <a:latin typeface="宋体" panose="02010600030101010101" pitchFamily="2" charset="-122"/>
-              </a:rPr>
-              <a:t>src</a:t>
-            </a:r>
-            <a:r>
-              <a:rPr lang="en-US" altLang="zh-CN" sz="1400" dirty="0">
-                <a:latin typeface="宋体" panose="02010600030101010101" pitchFamily="2" charset="-122"/>
-              </a:rPr>
-              <a:t>/*.{ jpg, </a:t>
-            </a:r>
-            <a:r>
-              <a:rPr lang="en-US" altLang="zh-CN" sz="1400" dirty="0" err="1">
-                <a:latin typeface="宋体" panose="02010600030101010101" pitchFamily="2" charset="-122"/>
-              </a:rPr>
-              <a:t>png</a:t>
-            </a:r>
-            <a:r>
-              <a:rPr lang="en-US" altLang="zh-CN" sz="1400" dirty="0">
-                <a:latin typeface="宋体" panose="02010600030101010101" pitchFamily="2" charset="-122"/>
-              </a:rPr>
-              <a:t>, gif } </a:t>
-            </a:r>
-            <a:r>
-              <a:rPr lang="zh-CN" altLang="zh-CN" sz="1400" dirty="0">
-                <a:latin typeface="宋体" panose="02010600030101010101" pitchFamily="2" charset="-122"/>
-              </a:rPr>
-              <a:t>表示</a:t>
-            </a:r>
-            <a:r>
-              <a:rPr lang="en-US" altLang="zh-CN" sz="1400" dirty="0" err="1">
-                <a:latin typeface="宋体" panose="02010600030101010101" pitchFamily="2" charset="-122"/>
-              </a:rPr>
-              <a:t>src</a:t>
-            </a:r>
-            <a:r>
-              <a:rPr lang="zh-CN" altLang="zh-CN" sz="1400" dirty="0">
-                <a:latin typeface="宋体" panose="02010600030101010101" pitchFamily="2" charset="-122"/>
-              </a:rPr>
-              <a:t>所有的</a:t>
-            </a:r>
-            <a:r>
-              <a:rPr lang="en-US" altLang="zh-CN" sz="1400" dirty="0">
-                <a:latin typeface="宋体" panose="02010600030101010101" pitchFamily="2" charset="-122"/>
-              </a:rPr>
-              <a:t>jpg/</a:t>
-            </a:r>
-            <a:r>
-              <a:rPr lang="en-US" altLang="zh-CN" sz="1400" dirty="0" err="1">
-                <a:latin typeface="宋体" panose="02010600030101010101" pitchFamily="2" charset="-122"/>
-              </a:rPr>
-              <a:t>png</a:t>
-            </a:r>
-            <a:r>
-              <a:rPr lang="en-US" altLang="zh-CN" sz="1400" dirty="0">
-                <a:latin typeface="宋体" panose="02010600030101010101" pitchFamily="2" charset="-122"/>
-              </a:rPr>
-              <a:t>/gif</a:t>
-            </a:r>
-            <a:r>
-              <a:rPr lang="zh-CN" altLang="zh-CN" sz="1400" dirty="0">
-                <a:latin typeface="宋体" panose="02010600030101010101" pitchFamily="2" charset="-122"/>
-              </a:rPr>
-              <a:t>文件</a:t>
-            </a:r>
-          </a:p>
-          <a:p>
-            <a:pPr lvl="0">
-              <a:lnSpc>
-                <a:spcPct val="150000"/>
-              </a:lnSpc>
-            </a:pPr>
-            <a:r>
-              <a:rPr lang="zh-CN" altLang="zh-CN" sz="1400" dirty="0">
-                <a:latin typeface="宋体" panose="02010600030101010101" pitchFamily="2" charset="-122"/>
-              </a:rPr>
-              <a:t>“！”，排除文件，如 ！</a:t>
-            </a:r>
-            <a:r>
-              <a:rPr lang="en-US" altLang="zh-CN" sz="1400" dirty="0" err="1">
-                <a:latin typeface="宋体" panose="02010600030101010101" pitchFamily="2" charset="-122"/>
-              </a:rPr>
-              <a:t>src</a:t>
-            </a:r>
-            <a:r>
-              <a:rPr lang="en-US" altLang="zh-CN" sz="1400" dirty="0">
-                <a:latin typeface="宋体" panose="02010600030101010101" pitchFamily="2" charset="-122"/>
-              </a:rPr>
-              <a:t>/a.js</a:t>
-            </a:r>
-            <a:r>
-              <a:rPr lang="zh-CN" altLang="zh-CN" sz="1400" dirty="0">
-                <a:latin typeface="宋体" panose="02010600030101010101" pitchFamily="2" charset="-122"/>
-              </a:rPr>
-              <a:t>，不包含</a:t>
-            </a:r>
-            <a:r>
-              <a:rPr lang="en-US" altLang="zh-CN" sz="1400" dirty="0" err="1">
-                <a:latin typeface="宋体" panose="02010600030101010101" pitchFamily="2" charset="-122"/>
-              </a:rPr>
-              <a:t>src</a:t>
-            </a:r>
-            <a:r>
-              <a:rPr lang="zh-CN" altLang="zh-CN" sz="1400" dirty="0">
-                <a:latin typeface="宋体" panose="02010600030101010101" pitchFamily="2" charset="-122"/>
-              </a:rPr>
-              <a:t>下的</a:t>
-            </a:r>
-            <a:r>
-              <a:rPr lang="en-US" altLang="zh-CN" sz="1400" dirty="0">
-                <a:latin typeface="宋体" panose="02010600030101010101" pitchFamily="2" charset="-122"/>
-              </a:rPr>
-              <a:t>a.js</a:t>
-            </a:r>
-            <a:r>
-              <a:rPr lang="zh-CN" altLang="zh-CN" sz="1400" dirty="0">
-                <a:latin typeface="宋体" panose="02010600030101010101" pitchFamily="2" charset="-122"/>
-              </a:rPr>
-              <a:t>文件</a:t>
-            </a:r>
-          </a:p>
-        </p:txBody>
-      </p:sp>
+              </a:rPr>
+              <a:t>//设置执行任务顺序（串行） </a:t>
+            </a:r>
+          </a:p>
+          <a:p>
+            <a:r>
+              <a:rPr lang="zh-CN" altLang="en-US" dirty="0"/>
+              <a:t>gulp.series(task1,task2,...) </a:t>
+            </a:r>
+            <a:endParaRPr lang="en-US" altLang="zh-CN" dirty="0"/>
+          </a:p>
+          <a:p>
+            <a:endParaRPr lang="en-US" altLang="zh-CN" dirty="0"/>
+          </a:p>
+          <a:p>
+            <a:endParaRPr lang="en-US" altLang="zh-CN" dirty="0"/>
+          </a:p>
+          <a:p>
+            <a:r>
+              <a:rPr lang="zh-CN" altLang="en-US" b="1" dirty="0">
+                <a:solidFill>
+                  <a:srgbClr val="C00000"/>
+                </a:solidFill>
+              </a:rPr>
+              <a:t>//设置执行任务顺序（并行）</a:t>
+            </a:r>
+          </a:p>
+          <a:p>
+            <a:r>
+              <a:rPr lang="zh-CN" altLang="en-US" dirty="0"/>
+              <a:t> gulp.parallel(task1,task2,...) </a:t>
+            </a:r>
+          </a:p>
+          <a:p>
+            <a:endParaRPr lang="zh-CN" altLang="en-US" dirty="0"/>
+          </a:p>
+          <a:p>
+            <a:endParaRPr lang="en-US" altLang="zh-CN" dirty="0"/>
+          </a:p>
+          <a:p>
+            <a:r>
+              <a:rPr lang="zh-CN" altLang="en-US" b="1" dirty="0">
+                <a:solidFill>
+                  <a:srgbClr val="C00000"/>
+                </a:solidFill>
+              </a:rPr>
+              <a:t>//注册多个任务 </a:t>
+            </a:r>
+          </a:p>
+          <a:p>
+            <a:r>
+              <a:rPr lang="en-US" altLang="zh-CN" dirty="0" err="1"/>
+              <a:t>gulp.task</a:t>
+            </a:r>
+            <a:r>
+              <a:rPr lang="en-US" altLang="zh-CN" dirty="0"/>
+              <a:t>('default', </a:t>
+            </a:r>
+            <a:r>
+              <a:rPr lang="en-US" altLang="zh-CN" dirty="0" err="1"/>
+              <a:t>gulp.</a:t>
+            </a:r>
+            <a:r>
+              <a:rPr lang="en-US" altLang="zh-CN" dirty="0" err="1">
+                <a:solidFill>
+                  <a:srgbClr val="C00000"/>
+                </a:solidFill>
+              </a:rPr>
+              <a:t>series</a:t>
+            </a:r>
+            <a:r>
+              <a:rPr lang="en-US" altLang="zh-CN" dirty="0"/>
+              <a:t>("</a:t>
+            </a:r>
+            <a:r>
+              <a:rPr lang="zh-CN" altLang="en-US" dirty="0"/>
+              <a:t>任务名</a:t>
+            </a:r>
+            <a:r>
+              <a:rPr lang="en-US" altLang="zh-CN" dirty="0"/>
+              <a:t>","</a:t>
+            </a:r>
+            <a:r>
+              <a:rPr lang="zh-CN" altLang="en-US" dirty="0"/>
+              <a:t>任务名</a:t>
+            </a:r>
+            <a:r>
+              <a:rPr lang="en-US" altLang="zh-CN" dirty="0"/>
+              <a:t>"))</a:t>
+            </a:r>
+          </a:p>
+          <a:p>
+            <a:endParaRPr lang="en-US" altLang="zh-CN" dirty="0"/>
+          </a:p>
+          <a:p>
+            <a:r>
+              <a:rPr lang="en-US" altLang="zh-CN" dirty="0" err="1"/>
+              <a:t>gulp.task</a:t>
+            </a:r>
+            <a:r>
+              <a:rPr lang="en-US" altLang="zh-CN" dirty="0"/>
+              <a:t>('default', gulp.</a:t>
+            </a:r>
+            <a:r>
+              <a:rPr lang="zh-CN" altLang="en-US" dirty="0">
+                <a:solidFill>
+                  <a:srgbClr val="C00000"/>
+                </a:solidFill>
+              </a:rPr>
+              <a:t>parallel</a:t>
+            </a:r>
+            <a:r>
+              <a:rPr lang="en-US" altLang="zh-CN" dirty="0"/>
+              <a:t>("</a:t>
+            </a:r>
+            <a:r>
+              <a:rPr lang="zh-CN" altLang="en-US" dirty="0"/>
+              <a:t>任务名</a:t>
+            </a:r>
+            <a:r>
+              <a:rPr lang="en-US" altLang="zh-CN" dirty="0"/>
+              <a:t>","</a:t>
+            </a:r>
+            <a:r>
+              <a:rPr lang="zh-CN" altLang="en-US" dirty="0"/>
+              <a:t>任务名</a:t>
+            </a:r>
+            <a:r>
+              <a:rPr lang="en-US" altLang="zh-CN" dirty="0"/>
+              <a:t>"))</a:t>
+            </a:r>
+          </a:p>
+          <a:p>
+            <a:endParaRPr lang="zh-CN" altLang="en-US" dirty="0"/>
+          </a:p>
+          <a:p>
+            <a:endParaRPr lang="zh-CN" altLang="en-US" dirty="0"/>
+          </a:p>
+        </p:txBody>
+      </p:sp>
+    </p:spTree>
+    <p:extLst>
+      <p:ext uri="{BB962C8B-B14F-4D97-AF65-F5344CB8AC3E}">
+        <p14:creationId xmlns:p14="http://schemas.microsoft.com/office/powerpoint/2010/main" val="1321412003"/>
+      </p:ext>
+    </p:extLst>
+  </p:cSld>
+  <p:clrMapOvr>
+    <a:masterClrMapping/>
+  </p:clrMapOvr>
+</p:sld>
+</file>
+
+<file path=ppt/slides/slide15.xml><?xml version="1.0" encoding="utf-8"?>
+<p:sld xmlns:a="http://schemas.openxmlformats.org/drawingml/2006/main" xmlns:r="http://schemas.openxmlformats.org/officeDocument/2006/relationships" xmlns:p="http://schemas.openxmlformats.org/presentationml/2006/main">
+  <p:cSld>
+    <p:spTree>
+      <p:nvGrpSpPr>
+        <p:cNvPr id="1" name=""/>
+        <p:cNvGrpSpPr/>
+        <p:nvPr/>
+      </p:nvGrpSpPr>
+      <p:grpSpPr>
+        <a:xfrm>
+          <a:off x="0" y="0"/>
+          <a:ext cx="0" cy="0"/>
+          <a:chOff x="0" y="0"/>
+          <a:chExt cx="0" cy="0"/>
+        </a:xfrm>
+      </p:grpSpPr>
       <p:sp>
         <p:nvSpPr>
           <p:cNvPr id="5" name="文本框 4">
@@ -12318,7 +9966,7 @@
         <p:spPr>
           <a:xfrm>
             <a:off x="3203848" y="484892"/>
-            <a:ext cx="2238113" cy="461665"/>
+            <a:ext cx="2146742" cy="830997"/>
           </a:xfrm>
           <a:prstGeom prst="rect">
             <a:avLst/>
@@ -12339,81 +9987,164 @@
                 <a:latin typeface="微软雅黑" panose="020B0503020204020204" pitchFamily="34" charset="-122"/>
                 <a:ea typeface="微软雅黑" panose="020B0503020204020204" pitchFamily="34" charset="-122"/>
               </a:rPr>
-              <a:t>Gulp </a:t>
-            </a:r>
-            <a:r>
-              <a:rPr lang="zh-CN" altLang="en-US" sz="2400" b="1" dirty="0">
+              <a:t>Gulp</a:t>
+            </a:r>
+            <a:r>
+              <a:rPr lang="zh-CN" altLang="zh-CN" sz="2400" b="1" dirty="0">
                 <a:solidFill>
                   <a:srgbClr val="C00000"/>
                 </a:solidFill>
                 <a:latin typeface="微软雅黑" panose="020B0503020204020204" pitchFamily="34" charset="-122"/>
                 <a:ea typeface="微软雅黑" panose="020B0503020204020204" pitchFamily="34" charset="-122"/>
               </a:rPr>
-              <a:t>方法使用</a:t>
-            </a:r>
-          </a:p>
-        </p:txBody>
-      </p:sp>
-      <p:pic>
-        <p:nvPicPr>
-          <p:cNvPr id="2050" name="图片 18">
+              <a:t>实际运用</a:t>
+            </a:r>
+          </a:p>
+          <a:p>
+            <a:endParaRPr lang="zh-CN" altLang="en-US" sz="2400" b="1" dirty="0">
+              <a:solidFill>
+                <a:srgbClr val="C00000"/>
+              </a:solidFill>
+              <a:latin typeface="微软雅黑" panose="020B0503020204020204" pitchFamily="34" charset="-122"/>
+              <a:ea typeface="微软雅黑" panose="020B0503020204020204" pitchFamily="34" charset="-122"/>
+            </a:endParaRPr>
+          </a:p>
+        </p:txBody>
+      </p:sp>
+      <p:sp>
+        <p:nvSpPr>
+          <p:cNvPr id="2" name="矩形 1">
             <a:extLst>
               <a:ext uri="{FF2B5EF4-FFF2-40B4-BE49-F238E27FC236}">
-                <a16:creationId xmlns:a16="http://schemas.microsoft.com/office/drawing/2014/main" id="{9632DBF9-A9E1-42AD-939C-55B84D07B395}"/>
+                <a16:creationId xmlns:a16="http://schemas.microsoft.com/office/drawing/2014/main" id="{AE6AADF3-4F10-4073-83E5-A8FD43893794}"/>
               </a:ext>
             </a:extLst>
           </p:cNvPr>
-          <p:cNvPicPr>
-            <a:picLocks noChangeAspect="1" noChangeArrowheads="1"/>
-          </p:cNvPicPr>
+          <p:cNvSpPr/>
           <p:nvPr/>
-        </p:nvPicPr>
-        <p:blipFill>
-          <a:blip r:embed="rId3">
-            <a:extLst>
-              <a:ext uri="{28A0092B-C50C-407E-A947-70E740481C1C}">
-                <a14:useLocalDpi xmlns:a14="http://schemas.microsoft.com/office/drawing/2010/main" val="0"/>
-              </a:ext>
-            </a:extLst>
-          </a:blip>
-          <a:srcRect/>
-          <a:stretch>
-            <a:fillRect/>
-          </a:stretch>
-        </p:blipFill>
-        <p:spPr bwMode="auto">
+        </p:nvSpPr>
+        <p:spPr>
           <a:xfrm>
-            <a:off x="3563888" y="2855654"/>
-            <a:ext cx="5267325" cy="1009650"/>
+            <a:off x="2627784" y="1705236"/>
+            <a:ext cx="4572000" cy="2122376"/>
           </a:xfrm>
           <a:prstGeom prst="rect">
             <a:avLst/>
           </a:prstGeom>
-          <a:noFill/>
-          <a:ln>
-            <a:noFill/>
-          </a:ln>
-          <a:extLst>
-            <a:ext uri="{909E8E84-426E-40DD-AFC4-6F175D3DCCD1}">
-              <a14:hiddenFill xmlns:a14="http://schemas.microsoft.com/office/drawing/2010/main">
-                <a:solidFill>
-                  <a:srgbClr val="FFFFFF"/>
-                </a:solidFill>
-              </a14:hiddenFill>
-            </a:ext>
-            <a:ext uri="{91240B29-F687-4F45-9708-019B960494DF}">
-              <a14:hiddenLine xmlns:a14="http://schemas.microsoft.com/office/drawing/2010/main" w="9525">
-                <a:solidFill>
-                  <a:srgbClr val="000000"/>
-                </a:solidFill>
-                <a:miter lim="800000"/>
-                <a:headEnd/>
-                <a:tailEnd/>
-              </a14:hiddenLine>
-            </a:ext>
-          </a:extLst>
         </p:spPr>
-      </p:pic>
+        <p:txBody>
+          <a:bodyPr>
+            <a:spAutoFit/>
+          </a:bodyPr>
+          <a:lstStyle/>
+          <a:p>
+            <a:pPr algn="just">
+              <a:lnSpc>
+                <a:spcPct val="150000"/>
+              </a:lnSpc>
+            </a:pPr>
+            <a:r>
+              <a:rPr lang="zh-CN" altLang="zh-CN" kern="100" dirty="0">
+                <a:cs typeface="Times New Roman" panose="02020603050405020304" pitchFamily="18" charset="0"/>
+              </a:rPr>
+              <a:t>构建一个自动化的流程如下：</a:t>
+            </a:r>
+          </a:p>
+          <a:p>
+            <a:pPr marL="342900" lvl="0" indent="-342900" algn="just">
+              <a:lnSpc>
+                <a:spcPct val="150000"/>
+              </a:lnSpc>
+              <a:buFont typeface="Wingdings" panose="05000000000000000000" pitchFamily="2" charset="2"/>
+              <a:buChar char=""/>
+            </a:pPr>
+            <a:r>
+              <a:rPr lang="zh-CN" altLang="zh-CN" kern="100" dirty="0">
+                <a:cs typeface="Times New Roman" panose="02020603050405020304" pitchFamily="18" charset="0"/>
+              </a:rPr>
+              <a:t>本地安装</a:t>
+            </a:r>
+            <a:r>
+              <a:rPr lang="en-US" altLang="zh-CN" kern="100" dirty="0">
+                <a:cs typeface="Times New Roman" panose="02020603050405020304" pitchFamily="18" charset="0"/>
+              </a:rPr>
+              <a:t>gulp</a:t>
+            </a:r>
+            <a:endParaRPr lang="zh-CN" altLang="zh-CN" kern="100" dirty="0">
+              <a:cs typeface="Times New Roman" panose="02020603050405020304" pitchFamily="18" charset="0"/>
+            </a:endParaRPr>
+          </a:p>
+          <a:p>
+            <a:pPr marL="342900" lvl="0" indent="-342900" algn="just">
+              <a:lnSpc>
+                <a:spcPct val="150000"/>
+              </a:lnSpc>
+              <a:buFont typeface="Wingdings" panose="05000000000000000000" pitchFamily="2" charset="2"/>
+              <a:buChar char=""/>
+            </a:pPr>
+            <a:r>
+              <a:rPr lang="zh-CN" altLang="zh-CN" kern="100" dirty="0">
+                <a:cs typeface="Times New Roman" panose="02020603050405020304" pitchFamily="18" charset="0"/>
+              </a:rPr>
+              <a:t>安装相应的</a:t>
+            </a:r>
+            <a:r>
+              <a:rPr lang="en-US" altLang="zh-CN" kern="100" dirty="0">
+                <a:cs typeface="Times New Roman" panose="02020603050405020304" pitchFamily="18" charset="0"/>
+              </a:rPr>
+              <a:t>gulp</a:t>
+            </a:r>
+            <a:r>
+              <a:rPr lang="zh-CN" altLang="zh-CN" kern="100" dirty="0">
+                <a:cs typeface="Times New Roman" panose="02020603050405020304" pitchFamily="18" charset="0"/>
+              </a:rPr>
+              <a:t>插件</a:t>
+            </a:r>
+          </a:p>
+          <a:p>
+            <a:pPr marL="342900" lvl="0" indent="-342900" algn="just">
+              <a:lnSpc>
+                <a:spcPct val="150000"/>
+              </a:lnSpc>
+              <a:buFont typeface="Wingdings" panose="05000000000000000000" pitchFamily="2" charset="2"/>
+              <a:buChar char=""/>
+            </a:pPr>
+            <a:r>
+              <a:rPr lang="zh-CN" altLang="zh-CN" kern="100" dirty="0">
+                <a:cs typeface="Times New Roman" panose="02020603050405020304" pitchFamily="18" charset="0"/>
+              </a:rPr>
+              <a:t>在</a:t>
+            </a:r>
+            <a:r>
+              <a:rPr lang="en-US" altLang="zh-CN" kern="100" dirty="0">
+                <a:cs typeface="Times New Roman" panose="02020603050405020304" pitchFamily="18" charset="0"/>
+              </a:rPr>
+              <a:t>gulpfile.js</a:t>
+            </a:r>
+            <a:r>
+              <a:rPr lang="zh-CN" altLang="zh-CN" kern="100" dirty="0">
+                <a:cs typeface="Times New Roman" panose="02020603050405020304" pitchFamily="18" charset="0"/>
+              </a:rPr>
+              <a:t>中添加一个任务</a:t>
+            </a:r>
+          </a:p>
+          <a:p>
+            <a:pPr marL="342900" lvl="0" indent="-342900" algn="just">
+              <a:lnSpc>
+                <a:spcPct val="150000"/>
+              </a:lnSpc>
+              <a:buFont typeface="Wingdings" panose="05000000000000000000" pitchFamily="2" charset="2"/>
+              <a:buChar char=""/>
+            </a:pPr>
+            <a:r>
+              <a:rPr lang="zh-CN" altLang="zh-CN" kern="100" dirty="0">
+                <a:cs typeface="Times New Roman" panose="02020603050405020304" pitchFamily="18" charset="0"/>
+              </a:rPr>
+              <a:t>执行任务</a:t>
+            </a:r>
+          </a:p>
+        </p:txBody>
+      </p:sp>
     </p:spTree>
     <p:extLst>
       <p:ext uri="{BB962C8B-B14F-4D97-AF65-F5344CB8AC3E}">
@@ -12424,187 +10155,10 @@
   <p:clrMapOvr>
     <a:masterClrMapping/>
   </p:clrMapOvr>
-  <p:timing>
-    <p:tnLst>
-      <p:par>
-        <p:cTn id="1" dur="indefinite" restart="never" nodeType="tmRoot">
-          <p:childTnLst>
-            <p:seq concurrent="1" nextAc="seek">
-              <p:cTn id="2" dur="indefinite" nodeType="mainSeq">
-                <p:childTnLst>
-                  <p:par>
-                    <p:cTn id="3" fill="hold">
-                      <p:stCondLst>
-                        <p:cond delay="indefinite"/>
-                      </p:stCondLst>
-                      <p:childTnLst>
-                        <p:par>
-                          <p:cTn id="4" fill="hold">
-                            <p:stCondLst>
-                              <p:cond delay="0"/>
-                            </p:stCondLst>
-                            <p:childTnLst>
-                              <p:par>
-                                <p:cTn id="5" presetID="2" presetClass="entr" presetSubtype="4" fill="hold" grpId="0" nodeType="clickEffect">
-                                  <p:stCondLst>
-                                    <p:cond delay="0"/>
-                                  </p:stCondLst>
-                                  <p:childTnLst>
-                                    <p:set>
-                                      <p:cBhvr>
-                                        <p:cTn id="6" dur="1" fill="hold">
-                                          <p:stCondLst>
-                                            <p:cond delay="0"/>
-                                          </p:stCondLst>
-                                        </p:cTn>
-                                        <p:tgtEl>
-                                          <p:spTgt spid="3"/>
-                                        </p:tgtEl>
-                                        <p:attrNameLst>
-                                          <p:attrName>style.visibility</p:attrName>
-                                        </p:attrNameLst>
-                                      </p:cBhvr>
-                                      <p:to>
-                                        <p:strVal val="visible"/>
-                                      </p:to>
-                                    </p:set>
-                                    <p:anim calcmode="lin" valueType="num">
-                                      <p:cBhvr additive="base">
-                                        <p:cTn id="7" dur="500" fill="hold"/>
-                                        <p:tgtEl>
-                                          <p:spTgt spid="3"/>
-                                        </p:tgtEl>
-                                        <p:attrNameLst>
-                                          <p:attrName>ppt_x</p:attrName>
-                                        </p:attrNameLst>
-                                      </p:cBhvr>
-                                      <p:tavLst>
-                                        <p:tav tm="0">
-                                          <p:val>
-                                            <p:strVal val="#ppt_x"/>
-                                          </p:val>
-                                        </p:tav>
-                                        <p:tav tm="100000">
-                                          <p:val>
-                                            <p:strVal val="#ppt_x"/>
-                                          </p:val>
-                                        </p:tav>
-                                      </p:tavLst>
-                                    </p:anim>
-                                    <p:anim calcmode="lin" valueType="num">
-                                      <p:cBhvr additive="base">
-                                        <p:cTn id="8" dur="500" fill="hold"/>
-                                        <p:tgtEl>
-                                          <p:spTgt spid="3"/>
-                                        </p:tgtEl>
-                                        <p:attrNameLst>
-                                          <p:attrName>ppt_y</p:attrName>
-                                        </p:attrNameLst>
-                                      </p:cBhvr>
-                                      <p:tavLst>
-                                        <p:tav tm="0">
-                                          <p:val>
-                                            <p:strVal val="1+#ppt_h/2"/>
-                                          </p:val>
-                                        </p:tav>
-                                        <p:tav tm="100000">
-                                          <p:val>
-                                            <p:strVal val="#ppt_y"/>
-                                          </p:val>
-                                        </p:tav>
-                                      </p:tavLst>
-                                    </p:anim>
-                                  </p:childTnLst>
-                                </p:cTn>
-                              </p:par>
-                            </p:childTnLst>
-                          </p:cTn>
-                        </p:par>
-                      </p:childTnLst>
-                    </p:cTn>
-                  </p:par>
-                  <p:par>
-                    <p:cTn id="9" fill="hold">
-                      <p:stCondLst>
-                        <p:cond delay="indefinite"/>
-                      </p:stCondLst>
-                      <p:childTnLst>
-                        <p:par>
-                          <p:cTn id="10" fill="hold">
-                            <p:stCondLst>
-                              <p:cond delay="0"/>
-                            </p:stCondLst>
-                            <p:childTnLst>
-                              <p:par>
-                                <p:cTn id="11" presetID="21" presetClass="entr" presetSubtype="1" fill="hold" nodeType="clickEffect">
-                                  <p:stCondLst>
-                                    <p:cond delay="0"/>
-                                  </p:stCondLst>
-                                  <p:childTnLst>
-                                    <p:set>
-                                      <p:cBhvr>
-                                        <p:cTn id="12" dur="1" fill="hold">
-                                          <p:stCondLst>
-                                            <p:cond delay="0"/>
-                                          </p:stCondLst>
-                                        </p:cTn>
-                                        <p:tgtEl>
-                                          <p:spTgt spid="2050"/>
-                                        </p:tgtEl>
-                                        <p:attrNameLst>
-                                          <p:attrName>style.visibility</p:attrName>
-                                        </p:attrNameLst>
-                                      </p:cBhvr>
-                                      <p:to>
-                                        <p:strVal val="visible"/>
-                                      </p:to>
-                                    </p:set>
-                                    <p:animEffect transition="in" filter="wheel(1)">
-                                      <p:cBhvr>
-                                        <p:cTn id="13" dur="2000"/>
-                                        <p:tgtEl>
-                                          <p:spTgt spid="2050"/>
-                                        </p:tgtEl>
-                                      </p:cBhvr>
-                                    </p:animEffect>
-                                  </p:childTnLst>
-                                </p:cTn>
-                              </p:par>
-                            </p:childTnLst>
-                          </p:cTn>
-                        </p:par>
-                      </p:childTnLst>
-                    </p:cTn>
-                  </p:par>
-                </p:childTnLst>
-              </p:cTn>
-              <p:prevCondLst>
-                <p:cond evt="onPrev" delay="0">
-                  <p:tgtEl>
-                    <p:sldTgt/>
-                  </p:tgtEl>
-                </p:cond>
-              </p:prevCondLst>
-              <p:nextCondLst>
-                <p:cond evt="onNext" delay="0">
-                  <p:tgtEl>
-                    <p:sldTgt/>
-                  </p:tgtEl>
-                </p:cond>
-              </p:nextCondLst>
-            </p:seq>
-          </p:childTnLst>
-        </p:cTn>
-      </p:par>
-    </p:tnLst>
-    <p:bldLst>
-      <p:bldP spid="3" grpId="0"/>
-    </p:bldLst>
-  </p:timing>
 </p:sld>
 </file>
 
-<file path=ppt/slides/slide15.xml><?xml version="1.0" encoding="utf-8"?>
+<file path=ppt/slides/slide16.xml><?xml version="1.0" encoding="utf-8"?>
 <p:sld xmlns:a="http://schemas.openxmlformats.org/drawingml/2006/main" xmlns:r="http://schemas.openxmlformats.org/officeDocument/2006/relationships" xmlns:p="http://schemas.openxmlformats.org/presentationml/2006/main">
   <p:cSld>
     <p:spTree>
@@ -12735,7 +10289,7 @@
 </p:sld>
 </file>
 
-<file path=ppt/slides/slide16.xml><?xml version="1.0" encoding="utf-8"?>
+<file path=ppt/slides/slide17.xml><?xml version="1.0" encoding="utf-8"?>
 <p:sld xmlns:a="http://schemas.openxmlformats.org/drawingml/2006/main" xmlns:r="http://schemas.openxmlformats.org/officeDocument/2006/relationships" xmlns:p="http://schemas.openxmlformats.org/presentationml/2006/main">
   <p:cSld>
     <p:spTree>
@@ -12825,7 +10379,7 @@
 </p:sld>
 </file>
 
-<file path=ppt/slides/slide17.xml><?xml version="1.0" encoding="utf-8"?>
+<file path=ppt/slides/slide18.xml><?xml version="1.0" encoding="utf-8"?>
 <p:sld xmlns:a="http://schemas.openxmlformats.org/drawingml/2006/main" xmlns:r="http://schemas.openxmlformats.org/officeDocument/2006/relationships" xmlns:p="http://schemas.openxmlformats.org/presentationml/2006/main">
   <p:cSld>
     <p:spTree>
@@ -13293,7 +10847,7 @@
 </p:sld>
 </file>
 
-<file path=ppt/slides/slide18.xml><?xml version="1.0" encoding="utf-8"?>
+<file path=ppt/slides/slide19.xml><?xml version="1.0" encoding="utf-8"?>
 <p:sld xmlns:a="http://schemas.openxmlformats.org/drawingml/2006/main" xmlns:r="http://schemas.openxmlformats.org/officeDocument/2006/relationships" xmlns:p="http://schemas.openxmlformats.org/presentationml/2006/main">
   <p:cSld>
     <p:spTree>
@@ -13310,100 +10864,6 @@
           <a:chExt cx="0" cy="0"/>
         </a:xfrm>
       </p:grpSpPr>
-      <p:sp>
-        <p:nvSpPr>
-          <p:cNvPr id="15" name="矩形"/>
-          <p:cNvSpPr>
-            <a:spLocks/>
-          </p:cNvSpPr>
-          <p:nvPr/>
-        </p:nvSpPr>
-        <p:spPr>
-          <a:xfrm>
-            <a:off x="531261" y="771550"/>
-            <a:ext cx="8565279" cy="615553"/>
-          </a:xfrm>
-          <a:prstGeom prst="rect">
-            <a:avLst/>
-          </a:prstGeom>
-          <a:noFill/>
-          <a:ln w="9525" cap="flat" cmpd="sng">
-            <a:noFill/>
-            <a:prstDash val="solid"/>
-            <a:miter/>
-          </a:ln>
-        </p:spPr>
-        <p:txBody>
-          <a:bodyPr vert="horz" wrap="square" lIns="91440" tIns="45720" rIns="91440" bIns="45720" anchor="ctr" anchorCtr="0">
-            <a:prstTxWarp prst="textNoShape">
-              <a:avLst/>
-            </a:prstTxWarp>
-            <a:spAutoFit/>
-          </a:bodyPr>
-          <a:lstStyle/>
-          <a:p>
-            <a:pPr lvl="1"/>
-            <a:r>
-              <a:rPr lang="zh-CN" altLang="zh-CN" b="1" dirty="0">
-                <a:solidFill>
-                  <a:srgbClr val="FF0000"/>
-                </a:solidFill>
-                <a:latin typeface="微软雅黑" panose="020B0503020204020204" pitchFamily="34" charset="-122"/>
-                <a:ea typeface="微软雅黑" panose="020B0503020204020204" pitchFamily="34" charset="-122"/>
-              </a:rPr>
-              <a:t>使用</a:t>
-            </a:r>
-            <a:r>
-              <a:rPr lang="en-US" altLang="zh-CN" b="1" dirty="0">
-                <a:solidFill>
-                  <a:srgbClr val="FF0000"/>
-                </a:solidFill>
-                <a:latin typeface="微软雅黑" panose="020B0503020204020204" pitchFamily="34" charset="-122"/>
-                <a:ea typeface="微软雅黑" panose="020B0503020204020204" pitchFamily="34" charset="-122"/>
-              </a:rPr>
-              <a:t>gulp</a:t>
-            </a:r>
-            <a:r>
-              <a:rPr lang="zh-CN" altLang="zh-CN" b="1" dirty="0">
-                <a:solidFill>
-                  <a:srgbClr val="FF0000"/>
-                </a:solidFill>
-                <a:latin typeface="微软雅黑" panose="020B0503020204020204" pitchFamily="34" charset="-122"/>
-                <a:ea typeface="微软雅黑" panose="020B0503020204020204" pitchFamily="34" charset="-122"/>
-              </a:rPr>
-              <a:t>编译</a:t>
-            </a:r>
-            <a:r>
-              <a:rPr lang="en-US" altLang="zh-CN" b="1" dirty="0">
-                <a:solidFill>
-                  <a:srgbClr val="FF0000"/>
-                </a:solidFill>
-                <a:latin typeface="微软雅黑" panose="020B0503020204020204" pitchFamily="34" charset="-122"/>
-                <a:ea typeface="微软雅黑" panose="020B0503020204020204" pitchFamily="34" charset="-122"/>
-              </a:rPr>
-              <a:t>less</a:t>
-            </a:r>
-            <a:endParaRPr lang="zh-CN" altLang="zh-CN" b="1" dirty="0">
-              <a:solidFill>
-                <a:srgbClr val="FF0000"/>
-              </a:solidFill>
-              <a:latin typeface="微软雅黑" panose="020B0503020204020204" pitchFamily="34" charset="-122"/>
-              <a:ea typeface="微软雅黑" panose="020B0503020204020204" pitchFamily="34" charset="-122"/>
-            </a:endParaRPr>
-          </a:p>
-          <a:p>
-            <a:pPr lvl="1"/>
-            <a:endParaRPr lang="zh-CN" altLang="en-US" sz="1600" u="none" strike="noStrike" kern="1200" cap="none" spc="0" baseline="0" dirty="0">
-              <a:solidFill>
-                <a:srgbClr val="212121"/>
-              </a:solidFill>
-              <a:latin typeface="微软雅黑" panose="020B0503020204020204" pitchFamily="34" charset="-122"/>
-              <a:ea typeface="微软雅黑" panose="020B0503020204020204" pitchFamily="34" charset="-122"/>
-              <a:cs typeface="微软雅黑" charset="0"/>
-            </a:endParaRPr>
-          </a:p>
-        </p:txBody>
-      </p:sp>
       <p:sp>
         <p:nvSpPr>
           <p:cNvPr id="16" name="矩形"/>
@@ -13549,7 +11009,7 @@
                                           </p:stCondLst>
                                         </p:cTn>
                                         <p:tgtEl>
-                                          <p:spTgt spid="15"/>
+                                          <p:spTgt spid="16"/>
                                         </p:tgtEl>
                                         <p:attrNameLst>
                                           <p:attrName>style.visibility</p:attrName>
@@ -13562,97 +11022,6 @@
                                     <p:anim calcmode="lin" valueType="num">
                                       <p:cBhvr additive="base">
                                         <p:cTn id="7" dur="500" fill="hold"/>
-                                        <p:tgtEl>
-                                          <p:spTgt spid="15"/>
-                                        </p:tgtEl>
-                                        <p:attrNameLst>
-                                          <p:attrName>ppt_x</p:attrName>
-                                        </p:attrNameLst>
-                                      </p:cBhvr>
-                                      <p:tavLst>
-                                        <p:tav tm="0">
-                                          <p:val>
-                                            <p:strVal val="#ppt_x"/>
-                                          </p:val>
-                                        </p:tav>
-                                        <p:tav tm="100000">
-                                          <p:val>
-                                            <p:strVal val="#ppt_x"/>
-                                          </p:val>
-                                        </p:tav>
-                                      </p:tavLst>
-                                    </p:anim>
-                                    <p:anim calcmode="lin" valueType="num">
-                                      <p:cBhvr additive="base">
-                                        <p:cTn id="8" dur="500" fill="hold"/>
-                                        <p:tgtEl>
-                                          <p:spTgt spid="15"/>
-                                        </p:tgtEl>
-                                        <p:attrNameLst>
-                                          <p:attrName>ppt_y</p:attrName>
-                                        </p:attrNameLst>
-                                      </p:cBhvr>
-                                      <p:tavLst>
-                                        <p:tav tm="0">
-                                          <p:val>
-                                            <p:strVal val="1+#ppt_h/2"/>
-                                          </p:val>
-                                        </p:tav>
-                                        <p:tav tm="100000">
-                                          <p:val>
-                                            <p:strVal val="#ppt_y"/>
-                                          </p:val>
-                                        </p:tav>
-                                      </p:tavLst>
-                                    </p:anim>
-                                  </p:childTnLst>
-                                </p:cTn>
-                              </p:par>
-                            </p:childTnLst>
-                          </p:cTn>
-                        </p:par>
-                      </p:childTnLst>
-                    </p:cTn>
-                  </p:par>
-                  <p:par>
-                    <p:cTn id="9" fill="hold">
-                      <p:stCondLst>
-                        <p:cond delay="indefinite"/>
-                      </p:stCondLst>
-                      <p:childTnLst>
-                        <p:par>
-                          <p:cTn id="10" fill="hold">
-                            <p:stCondLst>
-                              <p:cond delay="0"/>
-                            </p:stCondLst>
-                            <p:childTnLst>
-                              <p:par>
-                                <p:cTn id="11" presetID="2" presetClass="entr" presetSubtype="4" fill="hold" grpId="0" nodeType="clickEffect">
-                                  <p:stCondLst>
-                                    <p:cond delay="0"/>
-                                  </p:stCondLst>
-                                  <p:childTnLst>
-                                    <p:set>
-                                      <p:cBhvr>
-                                        <p:cTn id="12" dur="1" fill="hold">
-                                          <p:stCondLst>
-                                            <p:cond delay="0"/>
-                                          </p:stCondLst>
-                                        </p:cTn>
-                                        <p:tgtEl>
-                                          <p:spTgt spid="16"/>
-                                        </p:tgtEl>
-                                        <p:attrNameLst>
-                                          <p:attrName>style.visibility</p:attrName>
-                                        </p:attrNameLst>
-                                      </p:cBhvr>
-                                      <p:to>
-                                        <p:strVal val="visible"/>
-                                      </p:to>
-                                    </p:set>
-                                    <p:anim calcmode="lin" valueType="num">
-                                      <p:cBhvr additive="base">
-                                        <p:cTn id="13" dur="500" fill="hold"/>
                                         <p:tgtEl>
                                           <p:spTgt spid="16"/>
                                         </p:tgtEl>
@@ -13675,7 +11044,7 @@
                                     </p:anim>
                                     <p:anim calcmode="lin" valueType="num">
                                       <p:cBhvr additive="base">
-                                        <p:cTn id="14" dur="500" fill="hold"/>
+                                        <p:cTn id="8" dur="500" fill="hold"/>
                                         <p:tgtEl>
                                           <p:spTgt spid="16"/>
                                         </p:tgtEl>
@@ -13727,430 +11096,6 @@
       </p:par>
     </p:tnLst>
     <p:bldLst>
-      <p:bldP spid="15" grpId="0"/>
-      <p:bldP spid="16" grpId="0"/>
-    </p:bldLst>
-  </p:timing>
-</p:sld>
-</file>
-
-<file path=ppt/slides/slide19.xml><?xml version="1.0" encoding="utf-8"?>
-<p:sld xmlns:a="http://schemas.openxmlformats.org/drawingml/2006/main" xmlns:r="http://schemas.openxmlformats.org/officeDocument/2006/relationships" xmlns:p="http://schemas.openxmlformats.org/presentationml/2006/main">
-  <p:cSld>
-    <p:spTree>
-      <p:nvGrpSpPr>
-        <p:cNvPr id="1" name=""/>
-        <p:cNvGrpSpPr/>
-        <p:nvPr/>
-      </p:nvGrpSpPr>
-      <p:grpSpPr>
-        <a:xfrm>
-          <a:off x="0" y="0"/>
-          <a:ext cx="0" cy="0"/>
-          <a:chOff x="0" y="0"/>
-          <a:chExt cx="0" cy="0"/>
-        </a:xfrm>
-      </p:grpSpPr>
-      <p:sp>
-        <p:nvSpPr>
-          <p:cNvPr id="15" name="矩形"/>
-          <p:cNvSpPr>
-            <a:spLocks/>
-          </p:cNvSpPr>
-          <p:nvPr/>
-        </p:nvSpPr>
-        <p:spPr>
-          <a:xfrm>
-            <a:off x="289360" y="621168"/>
-            <a:ext cx="8565279" cy="338554"/>
-          </a:xfrm>
-          <a:prstGeom prst="rect">
-            <a:avLst/>
-          </a:prstGeom>
-          <a:noFill/>
-          <a:ln w="9525" cap="flat" cmpd="sng">
-            <a:noFill/>
-            <a:prstDash val="solid"/>
-            <a:miter/>
-          </a:ln>
-        </p:spPr>
-        <p:txBody>
-          <a:bodyPr vert="horz" wrap="square" lIns="91440" tIns="45720" rIns="91440" bIns="45720" anchor="ctr" anchorCtr="0">
-            <a:prstTxWarp prst="textNoShape">
-              <a:avLst/>
-            </a:prstTxWarp>
-            <a:spAutoFit/>
-          </a:bodyPr>
-          <a:lstStyle/>
-          <a:p>
-            <a:pPr marL="800100" lvl="1" indent="-342900">
-              <a:buFont typeface="Wingdings" panose="05000000000000000000" pitchFamily="2" charset="2"/>
-              <a:buChar char="u"/>
-            </a:pPr>
-            <a:r>
-              <a:rPr lang="zh-CN" altLang="zh-CN" sz="1600" dirty="0">
-                <a:latin typeface="微软雅黑" panose="020B0503020204020204" pitchFamily="34" charset="-122"/>
-                <a:ea typeface="微软雅黑" panose="020B0503020204020204" pitchFamily="34" charset="-122"/>
-              </a:rPr>
-              <a:t>创建版本库</a:t>
-            </a:r>
-          </a:p>
-        </p:txBody>
-      </p:sp>
-      <p:sp>
-        <p:nvSpPr>
-          <p:cNvPr id="16" name="矩形"/>
-          <p:cNvSpPr>
-            <a:spLocks/>
-          </p:cNvSpPr>
-          <p:nvPr/>
-        </p:nvSpPr>
-        <p:spPr>
-          <a:xfrm>
-            <a:off x="542891" y="3437586"/>
-            <a:ext cx="8565279" cy="707886"/>
-          </a:xfrm>
-          <a:prstGeom prst="rect">
-            <a:avLst/>
-          </a:prstGeom>
-          <a:noFill/>
-          <a:ln w="9525" cap="flat" cmpd="sng">
-            <a:noFill/>
-            <a:prstDash val="solid"/>
-            <a:miter/>
-          </a:ln>
-        </p:spPr>
-        <p:txBody>
-          <a:bodyPr vert="horz" wrap="square" lIns="91440" tIns="45720" rIns="91440" bIns="45720" anchor="ctr" anchorCtr="0">
-            <a:prstTxWarp prst="textNoShape">
-              <a:avLst/>
-            </a:prstTxWarp>
-            <a:spAutoFit/>
-          </a:bodyPr>
-          <a:lstStyle/>
-          <a:p>
-            <a:pPr lvl="1" algn="l">
-              <a:lnSpc>
-                <a:spcPct val="100000"/>
-              </a:lnSpc>
-              <a:spcBef>
-                <a:spcPts val="0"/>
-              </a:spcBef>
-              <a:spcAft>
-                <a:spcPts val="0"/>
-              </a:spcAft>
-            </a:pPr>
-            <a:r>
-              <a:rPr lang="en-US" altLang="zh-CN" sz="2000" u="none" strike="noStrike" kern="1200" cap="none" spc="0" baseline="0" dirty="0">
-                <a:solidFill>
-                  <a:srgbClr val="C9394A"/>
-                </a:solidFill>
-                <a:latin typeface="微软雅黑" charset="0"/>
-                <a:ea typeface="微软雅黑" charset="0"/>
-                <a:cs typeface="微软雅黑" charset="0"/>
-                <a:sym typeface="Calibri" pitchFamily="34" charset="0"/>
-              </a:rPr>
-              <a:t>	</a:t>
-            </a:r>
-            <a:endParaRPr lang="en-US" altLang="zh-CN" sz="2000" dirty="0">
-              <a:solidFill>
-                <a:srgbClr val="C9394A"/>
-              </a:solidFill>
-              <a:latin typeface="微软雅黑" charset="0"/>
-              <a:ea typeface="微软雅黑" charset="0"/>
-              <a:cs typeface="微软雅黑" charset="0"/>
-              <a:sym typeface="Calibri" pitchFamily="34" charset="0"/>
-            </a:endParaRPr>
-          </a:p>
-          <a:p>
-            <a:pPr lvl="1" algn="l">
-              <a:lnSpc>
-                <a:spcPct val="100000"/>
-              </a:lnSpc>
-              <a:spcBef>
-                <a:spcPts val="0"/>
-              </a:spcBef>
-              <a:spcAft>
-                <a:spcPts val="0"/>
-              </a:spcAft>
-            </a:pPr>
-            <a:r>
-              <a:rPr lang="en-US" altLang="zh-CN" sz="2000" u="none" strike="noStrike" kern="1200" cap="none" spc="0" baseline="0" dirty="0">
-                <a:solidFill>
-                  <a:srgbClr val="C9394A"/>
-                </a:solidFill>
-                <a:latin typeface="微软雅黑" charset="0"/>
-                <a:ea typeface="微软雅黑" charset="0"/>
-                <a:cs typeface="微软雅黑" charset="0"/>
-                <a:sym typeface="Calibri" pitchFamily="34" charset="0"/>
-              </a:rPr>
-              <a:t>	</a:t>
-            </a:r>
-            <a:endParaRPr lang="zh-CN" altLang="en-US" sz="2000" u="none" strike="noStrike" kern="1200" cap="none" spc="0" baseline="0" dirty="0">
-              <a:solidFill>
-                <a:srgbClr val="C9394A"/>
-              </a:solidFill>
-              <a:latin typeface="微软雅黑" charset="0"/>
-              <a:ea typeface="微软雅黑" charset="0"/>
-              <a:cs typeface="微软雅黑" charset="0"/>
-              <a:sym typeface="Calibri" pitchFamily="34" charset="0"/>
-            </a:endParaRPr>
-          </a:p>
-        </p:txBody>
-      </p:sp>
-      <p:pic>
-        <p:nvPicPr>
-          <p:cNvPr id="4" name="图片 3">
-            <a:extLst>
-              <a:ext uri="{FF2B5EF4-FFF2-40B4-BE49-F238E27FC236}">
-                <a16:creationId xmlns:a16="http://schemas.microsoft.com/office/drawing/2014/main" id="{3B0D3E17-592D-4E0A-B315-3A9590A83975}"/>
-              </a:ext>
-            </a:extLst>
-          </p:cNvPr>
-          <p:cNvPicPr>
-            <a:picLocks noChangeAspect="1"/>
-          </p:cNvPicPr>
-          <p:nvPr/>
-        </p:nvPicPr>
-        <p:blipFill>
-          <a:blip r:embed="rId3"/>
-          <a:stretch>
-            <a:fillRect/>
-          </a:stretch>
-        </p:blipFill>
-        <p:spPr>
-          <a:xfrm>
-            <a:off x="1234452" y="998028"/>
-            <a:ext cx="6675094" cy="4069160"/>
-          </a:xfrm>
-          <a:prstGeom prst="rect">
-            <a:avLst/>
-          </a:prstGeom>
-        </p:spPr>
-      </p:pic>
-    </p:spTree>
-    <p:extLst>
-      <p:ext uri="{BB962C8B-B14F-4D97-AF65-F5344CB8AC3E}">
-        <p14:creationId xmlns:p14="http://schemas.microsoft.com/office/powerpoint/2010/main" val="294992110"/>
-      </p:ext>
-    </p:extLst>
-  </p:cSld>
-  <p:clrMapOvr>
-    <a:masterClrMapping/>
-  </p:clrMapOvr>
-  <p:timing>
-    <p:tnLst>
-      <p:par>
-        <p:cTn id="1" dur="indefinite" restart="never" nodeType="tmRoot">
-          <p:childTnLst>
-            <p:seq concurrent="1" nextAc="seek">
-              <p:cTn id="2" dur="indefinite" nodeType="mainSeq">
-                <p:childTnLst>
-                  <p:par>
-                    <p:cTn id="3" fill="hold">
-                      <p:stCondLst>
-                        <p:cond delay="indefinite"/>
-                      </p:stCondLst>
-                      <p:childTnLst>
-                        <p:par>
-                          <p:cTn id="4" fill="hold">
-                            <p:stCondLst>
-                              <p:cond delay="0"/>
-                            </p:stCondLst>
-                            <p:childTnLst>
-                              <p:par>
-                                <p:cTn id="5" presetID="2" presetClass="entr" presetSubtype="4" fill="hold" grpId="0" nodeType="clickEffect">
-                                  <p:stCondLst>
-                                    <p:cond delay="0"/>
-                                  </p:stCondLst>
-                                  <p:childTnLst>
-                                    <p:set>
-                                      <p:cBhvr>
-                                        <p:cTn id="6" dur="1" fill="hold">
-                                          <p:stCondLst>
-                                            <p:cond delay="0"/>
-                                          </p:stCondLst>
-                                        </p:cTn>
-                                        <p:tgtEl>
-                                          <p:spTgt spid="15"/>
-                                        </p:tgtEl>
-                                        <p:attrNameLst>
-                                          <p:attrName>style.visibility</p:attrName>
-                                        </p:attrNameLst>
-                                      </p:cBhvr>
-                                      <p:to>
-                                        <p:strVal val="visible"/>
-                                      </p:to>
-                                    </p:set>
-                                    <p:anim calcmode="lin" valueType="num">
-                                      <p:cBhvr additive="base">
-                                        <p:cTn id="7" dur="500" fill="hold"/>
-                                        <p:tgtEl>
-                                          <p:spTgt spid="15"/>
-                                        </p:tgtEl>
-                                        <p:attrNameLst>
-                                          <p:attrName>ppt_x</p:attrName>
-                                        </p:attrNameLst>
-                                      </p:cBhvr>
-                                      <p:tavLst>
-                                        <p:tav tm="0">
-                                          <p:val>
-                                            <p:strVal val="#ppt_x"/>
-                                          </p:val>
-                                        </p:tav>
-                                        <p:tav tm="100000">
-                                          <p:val>
-                                            <p:strVal val="#ppt_x"/>
-                                          </p:val>
-                                        </p:tav>
-                                      </p:tavLst>
-                                    </p:anim>
-                                    <p:anim calcmode="lin" valueType="num">
-                                      <p:cBhvr additive="base">
-                                        <p:cTn id="8" dur="500" fill="hold"/>
-                                        <p:tgtEl>
-                                          <p:spTgt spid="15"/>
-                                        </p:tgtEl>
-                                        <p:attrNameLst>
-                                          <p:attrName>ppt_y</p:attrName>
-                                        </p:attrNameLst>
-                                      </p:cBhvr>
-                                      <p:tavLst>
-                                        <p:tav tm="0">
-                                          <p:val>
-                                            <p:strVal val="1+#ppt_h/2"/>
-                                          </p:val>
-                                        </p:tav>
-                                        <p:tav tm="100000">
-                                          <p:val>
-                                            <p:strVal val="#ppt_y"/>
-                                          </p:val>
-                                        </p:tav>
-                                      </p:tavLst>
-                                    </p:anim>
-                                  </p:childTnLst>
-                                </p:cTn>
-                              </p:par>
-                            </p:childTnLst>
-                          </p:cTn>
-                        </p:par>
-                      </p:childTnLst>
-                    </p:cTn>
-                  </p:par>
-                  <p:par>
-                    <p:cTn id="9" fill="hold">
-                      <p:stCondLst>
-                        <p:cond delay="indefinite"/>
-                      </p:stCondLst>
-                      <p:childTnLst>
-                        <p:par>
-                          <p:cTn id="10" fill="hold">
-                            <p:stCondLst>
-                              <p:cond delay="0"/>
-                            </p:stCondLst>
-                            <p:childTnLst>
-                              <p:par>
-                                <p:cTn id="11" presetID="2" presetClass="entr" presetSubtype="4" fill="hold" grpId="0" nodeType="clickEffect">
-                                  <p:stCondLst>
-                                    <p:cond delay="0"/>
-                                  </p:stCondLst>
-                                  <p:childTnLst>
-                                    <p:set>
-                                      <p:cBhvr>
-                                        <p:cTn id="12" dur="1" fill="hold">
-                                          <p:stCondLst>
-                                            <p:cond delay="0"/>
-                                          </p:stCondLst>
-                                        </p:cTn>
-                                        <p:tgtEl>
-                                          <p:spTgt spid="16"/>
-                                        </p:tgtEl>
-                                        <p:attrNameLst>
-                                          <p:attrName>style.visibility</p:attrName>
-                                        </p:attrNameLst>
-                                      </p:cBhvr>
-                                      <p:to>
-                                        <p:strVal val="visible"/>
-                                      </p:to>
-                                    </p:set>
-                                    <p:anim calcmode="lin" valueType="num">
-                                      <p:cBhvr additive="base">
-                                        <p:cTn id="13" dur="500" fill="hold"/>
-                                        <p:tgtEl>
-                                          <p:spTgt spid="16"/>
-                                        </p:tgtEl>
-                                        <p:attrNameLst>
-                                          <p:attrName>ppt_x</p:attrName>
-                                        </p:attrNameLst>
-                                      </p:cBhvr>
-                                      <p:tavLst>
-                                        <p:tav tm="0">
-                                          <p:val>
-                                            <p:strVal val="#ppt_x"/>
-                                          </p:val>
-                                        </p:tav>
-                                        <p:tav tm="100000">
-                                          <p:val>
-                                            <p:strVal val="#ppt_x"/>
-                                          </p:val>
-                                        </p:tav>
-                                      </p:tavLst>
-                                    </p:anim>
-                                    <p:anim calcmode="lin" valueType="num">
-                                      <p:cBhvr additive="base">
-                                        <p:cTn id="14" dur="500" fill="hold"/>
-                                        <p:tgtEl>
-                                          <p:spTgt spid="16"/>
-                                        </p:tgtEl>
-                                        <p:attrNameLst>
-                                          <p:attrName>ppt_y</p:attrName>
-                                        </p:attrNameLst>
-                                      </p:cBhvr>
-                                      <p:tavLst>
-                                        <p:tav tm="0">
-                                          <p:val>
-                                            <p:strVal val="1+#ppt_h/2"/>
-                                          </p:val>
-                                        </p:tav>
-                                        <p:tav tm="100000">
-                                          <p:val>
-                                            <p:strVal val="#ppt_y"/>
-                                          </p:val>
-                                        </p:tav>
-                                      </p:tavLst>
-                                    </p:anim>
-                                  </p:childTnLst>
-                                </p:cTn>
-                              </p:par>
-                            </p:childTnLst>
-                          </p:cTn>
-                        </p:par>
-                      </p:childTnLst>
-                    </p:cTn>
-                  </p:par>
-                </p:childTnLst>
-              </p:cTn>
-              <p:prevCondLst>
-                <p:cond evt="onPrev" delay="0">
-                  <p:tgtEl>
-                    <p:sldTgt/>
-                  </p:tgtEl>
-                </p:cond>
-              </p:prevCondLst>
-              <p:nextCondLst>
-                <p:cond evt="onNext" delay="0">
-                  <p:tgtEl>
-                    <p:sldTgt/>
-                  </p:tgtEl>
-                </p:cond>
-              </p:nextCondLst>
-            </p:seq>
-          </p:childTnLst>
-        </p:cTn>
-      </p:par>
-    </p:tnLst>
-    <p:bldLst>
-      <p:bldP spid="15" grpId="0"/>
       <p:bldP spid="16" grpId="0"/>
     </p:bldLst>
   </p:timing>
@@ -14464,102 +11409,6 @@
       </p:grpSpPr>
       <p:sp>
         <p:nvSpPr>
-          <p:cNvPr id="14" name="矩形"/>
-          <p:cNvSpPr>
-            <a:spLocks/>
-          </p:cNvSpPr>
-          <p:nvPr/>
-        </p:nvSpPr>
-        <p:spPr>
-          <a:xfrm>
-            <a:off x="1022894" y="2371695"/>
-            <a:ext cx="8565279" cy="400110"/>
-          </a:xfrm>
-          <a:prstGeom prst="rect">
-            <a:avLst/>
-          </a:prstGeom>
-          <a:noFill/>
-          <a:ln w="9525" cap="flat" cmpd="sng">
-            <a:noFill/>
-            <a:prstDash val="solid"/>
-            <a:miter/>
-          </a:ln>
-        </p:spPr>
-        <p:txBody>
-          <a:bodyPr vert="horz" wrap="square" lIns="91440" tIns="45720" rIns="91440" bIns="45720" anchor="ctr" anchorCtr="0">
-            <a:prstTxWarp prst="textNoShape">
-              <a:avLst/>
-            </a:prstTxWarp>
-            <a:spAutoFit/>
-          </a:bodyPr>
-          <a:lstStyle/>
-          <a:p>
-            <a:pPr marL="800100" lvl="1" indent="-342900">
-              <a:buFont typeface="Wingdings" panose="05000000000000000000" pitchFamily="2" charset="2"/>
-              <a:buChar char="u"/>
-            </a:pPr>
-            <a:r>
-              <a:rPr lang="en-US" altLang="zh-CN" sz="2000" dirty="0" err="1">
-                <a:solidFill>
-                  <a:srgbClr val="212121"/>
-                </a:solidFill>
-                <a:latin typeface="微软雅黑" charset="0"/>
-                <a:ea typeface="微软雅黑" charset="0"/>
-                <a:cs typeface="微软雅黑" charset="0"/>
-                <a:sym typeface="Calibri" pitchFamily="34" charset="0"/>
-              </a:rPr>
-              <a:t>github</a:t>
-            </a:r>
-            <a:r>
-              <a:rPr lang="zh-CN" altLang="en-US" sz="2000" dirty="0">
-                <a:solidFill>
-                  <a:srgbClr val="212121"/>
-                </a:solidFill>
-                <a:latin typeface="微软雅黑" charset="0"/>
-                <a:ea typeface="微软雅黑" charset="0"/>
-                <a:cs typeface="微软雅黑" charset="0"/>
-                <a:sym typeface="Calibri" pitchFamily="34" charset="0"/>
-              </a:rPr>
-              <a:t>支持两种加密传输协议：</a:t>
-            </a:r>
-            <a:r>
-              <a:rPr lang="en-US" altLang="zh-CN" sz="2000" dirty="0" err="1">
-                <a:solidFill>
-                  <a:srgbClr val="212121"/>
-                </a:solidFill>
-                <a:latin typeface="微软雅黑" charset="0"/>
-                <a:ea typeface="微软雅黑" charset="0"/>
-                <a:cs typeface="微软雅黑" charset="0"/>
-                <a:sym typeface="Calibri" pitchFamily="34" charset="0"/>
-              </a:rPr>
-              <a:t>ssh</a:t>
-            </a:r>
-            <a:r>
-              <a:rPr lang="en-US" altLang="zh-CN" sz="2000" dirty="0">
-                <a:solidFill>
-                  <a:srgbClr val="212121"/>
-                </a:solidFill>
-                <a:latin typeface="微软雅黑" charset="0"/>
-                <a:ea typeface="微软雅黑" charset="0"/>
-                <a:cs typeface="微软雅黑" charset="0"/>
-                <a:sym typeface="Calibri" pitchFamily="34" charset="0"/>
-              </a:rPr>
-              <a:t>   https</a:t>
-            </a:r>
-            <a:endParaRPr lang="zh-CN" altLang="en-US" sz="2000" u="none" strike="noStrike" kern="1200" cap="none" spc="0" baseline="0" dirty="0">
-              <a:solidFill>
-                <a:srgbClr val="212121"/>
-              </a:solidFill>
-              <a:latin typeface="微软雅黑" charset="0"/>
-              <a:ea typeface="微软雅黑" charset="0"/>
-              <a:cs typeface="微软雅黑" charset="0"/>
-              <a:sym typeface="Calibri" pitchFamily="34" charset="0"/>
-            </a:endParaRPr>
-          </a:p>
-        </p:txBody>
-      </p:sp>
-      <p:sp>
-        <p:nvSpPr>
           <p:cNvPr id="16" name="矩形"/>
           <p:cNvSpPr>
             <a:spLocks/>
@@ -14659,65 +11508,10 @@
           </a:p>
         </p:txBody>
       </p:sp>
-      <p:sp>
-        <p:nvSpPr>
-          <p:cNvPr id="17" name="矩形"/>
-          <p:cNvSpPr>
-            <a:spLocks/>
-          </p:cNvSpPr>
-          <p:nvPr/>
-        </p:nvSpPr>
-        <p:spPr>
-          <a:xfrm>
-            <a:off x="3838466" y="444030"/>
-            <a:ext cx="1467068" cy="553998"/>
-          </a:xfrm>
-          <a:prstGeom prst="rect">
-            <a:avLst/>
-          </a:prstGeom>
-          <a:noFill/>
-          <a:ln w="9525" cap="flat" cmpd="sng">
-            <a:noFill/>
-            <a:prstDash val="solid"/>
-            <a:miter/>
-          </a:ln>
-        </p:spPr>
-        <p:txBody>
-          <a:bodyPr vert="horz" wrap="none" lIns="91440" tIns="45720" rIns="91440" bIns="45720" anchor="t" anchorCtr="0">
-            <a:prstTxWarp prst="textNoShape">
-              <a:avLst/>
-            </a:prstTxWarp>
-            <a:spAutoFit/>
-          </a:bodyPr>
-          <a:lstStyle/>
-          <a:p>
-            <a:r>
-              <a:rPr lang="en-US" altLang="zh-CN" sz="3000" b="1" kern="0" dirty="0" err="1">
-                <a:solidFill>
-                  <a:srgbClr val="C9394A"/>
-                </a:solidFill>
-                <a:latin typeface="微软雅黑" charset="0"/>
-                <a:ea typeface="微软雅黑" charset="0"/>
-                <a:cs typeface="微软雅黑" charset="0"/>
-                <a:sym typeface="Calibri" pitchFamily="34" charset="0"/>
-              </a:rPr>
-              <a:t>github</a:t>
-            </a:r>
-            <a:endParaRPr lang="zh-CN" altLang="en-US" u="none" strike="noStrike" kern="1200" cap="none" spc="0" baseline="0" dirty="0">
-              <a:solidFill>
-                <a:schemeClr val="tx1"/>
-              </a:solidFill>
-              <a:latin typeface="Calibri" pitchFamily="34" charset="0"/>
-              <a:ea typeface="宋体" pitchFamily="2" charset="-122"/>
-              <a:cs typeface="微软雅黑" charset="0"/>
-            </a:endParaRPr>
-          </a:p>
-        </p:txBody>
-      </p:sp>
     </p:spTree>
     <p:extLst>
       <p:ext uri="{BB962C8B-B14F-4D97-AF65-F5344CB8AC3E}">
-        <p14:creationId xmlns:p14="http://schemas.microsoft.com/office/powerpoint/2010/main" val="1536290570"/>
+        <p14:creationId xmlns:p14="http://schemas.microsoft.com/office/powerpoint/2010/main" val="294992110"/>
       </p:ext>
     </p:extLst>
   </p:cSld>
@@ -14758,7 +11552,7 @@
                                           </p:stCondLst>
                                         </p:cTn>
                                         <p:tgtEl>
-                                          <p:spTgt spid="14"/>
+                                          <p:spTgt spid="16"/>
                                         </p:tgtEl>
                                         <p:attrNameLst>
                                           <p:attrName>style.visibility</p:attrName>
@@ -14771,97 +11565,6 @@
                                     <p:anim calcmode="lin" valueType="num">
                                       <p:cBhvr additive="base">
                                         <p:cTn id="7" dur="500" fill="hold"/>
-                                        <p:tgtEl>
-                                          <p:spTgt spid="14"/>
-                                        </p:tgtEl>
-                                        <p:attrNameLst>
-                                          <p:attrName>ppt_x</p:attrName>
-                                        </p:attrNameLst>
-                                      </p:cBhvr>
-                                      <p:tavLst>
-                                        <p:tav tm="0">
-                                          <p:val>
-                                            <p:strVal val="#ppt_x"/>
-                                          </p:val>
-                                        </p:tav>
-                                        <p:tav tm="100000">
-                                          <p:val>
-                                            <p:strVal val="#ppt_x"/>
-                                          </p:val>
-                                        </p:tav>
-                                      </p:tavLst>
-                                    </p:anim>
-                                    <p:anim calcmode="lin" valueType="num">
-                                      <p:cBhvr additive="base">
-                                        <p:cTn id="8" dur="500" fill="hold"/>
-                                        <p:tgtEl>
-                                          <p:spTgt spid="14"/>
-                                        </p:tgtEl>
-                                        <p:attrNameLst>
-                                          <p:attrName>ppt_y</p:attrName>
-                                        </p:attrNameLst>
-                                      </p:cBhvr>
-                                      <p:tavLst>
-                                        <p:tav tm="0">
-                                          <p:val>
-                                            <p:strVal val="1+#ppt_h/2"/>
-                                          </p:val>
-                                        </p:tav>
-                                        <p:tav tm="100000">
-                                          <p:val>
-                                            <p:strVal val="#ppt_y"/>
-                                          </p:val>
-                                        </p:tav>
-                                      </p:tavLst>
-                                    </p:anim>
-                                  </p:childTnLst>
-                                </p:cTn>
-                              </p:par>
-                            </p:childTnLst>
-                          </p:cTn>
-                        </p:par>
-                      </p:childTnLst>
-                    </p:cTn>
-                  </p:par>
-                  <p:par>
-                    <p:cTn id="9" fill="hold">
-                      <p:stCondLst>
-                        <p:cond delay="indefinite"/>
-                      </p:stCondLst>
-                      <p:childTnLst>
-                        <p:par>
-                          <p:cTn id="10" fill="hold">
-                            <p:stCondLst>
-                              <p:cond delay="0"/>
-                            </p:stCondLst>
-                            <p:childTnLst>
-                              <p:par>
-                                <p:cTn id="11" presetID="2" presetClass="entr" presetSubtype="4" fill="hold" grpId="0" nodeType="clickEffect">
-                                  <p:stCondLst>
-                                    <p:cond delay="0"/>
-                                  </p:stCondLst>
-                                  <p:childTnLst>
-                                    <p:set>
-                                      <p:cBhvr>
-                                        <p:cTn id="12" dur="1" fill="hold">
-                                          <p:stCondLst>
-                                            <p:cond delay="0"/>
-                                          </p:stCondLst>
-                                        </p:cTn>
-                                        <p:tgtEl>
-                                          <p:spTgt spid="16"/>
-                                        </p:tgtEl>
-                                        <p:attrNameLst>
-                                          <p:attrName>style.visibility</p:attrName>
-                                        </p:attrNameLst>
-                                      </p:cBhvr>
-                                      <p:to>
-                                        <p:strVal val="visible"/>
-                                      </p:to>
-                                    </p:set>
-                                    <p:anim calcmode="lin" valueType="num">
-                                      <p:cBhvr additive="base">
-                                        <p:cTn id="13" dur="500" fill="hold"/>
                                         <p:tgtEl>
                                           <p:spTgt spid="16"/>
                                         </p:tgtEl>
@@ -14884,7 +11587,7 @@
                                     </p:anim>
                                     <p:anim calcmode="lin" valueType="num">
                                       <p:cBhvr additive="base">
-                                        <p:cTn id="14" dur="500" fill="hold"/>
+                                        <p:cTn id="8" dur="500" fill="hold"/>
                                         <p:tgtEl>
                                           <p:spTgt spid="16"/>
                                         </p:tgtEl>
@@ -14936,3153 +11639,7 @@
       </p:par>
     </p:tnLst>
     <p:bldLst>
-      <p:bldP spid="14" grpId="0"/>
       <p:bldP spid="16" grpId="0"/>
-    </p:bldLst>
-  </p:timing>
-</p:sld>
-</file>
-
-<file path=ppt/slides/slide21.xml><?xml version="1.0" encoding="utf-8"?>
-<p:sld xmlns:a="http://schemas.openxmlformats.org/drawingml/2006/main" xmlns:r="http://schemas.openxmlformats.org/officeDocument/2006/relationships" xmlns:p="http://schemas.openxmlformats.org/presentationml/2006/main">
-  <p:cSld>
-    <p:spTree>
-      <p:nvGrpSpPr>
-        <p:cNvPr id="1" name=""/>
-        <p:cNvGrpSpPr/>
-        <p:nvPr/>
-      </p:nvGrpSpPr>
-      <p:grpSpPr>
-        <a:xfrm>
-          <a:off x="0" y="0"/>
-          <a:ext cx="0" cy="0"/>
-          <a:chOff x="0" y="0"/>
-          <a:chExt cx="0" cy="0"/>
-        </a:xfrm>
-      </p:grpSpPr>
-      <p:sp>
-        <p:nvSpPr>
-          <p:cNvPr id="17" name="矩形"/>
-          <p:cNvSpPr>
-            <a:spLocks/>
-          </p:cNvSpPr>
-          <p:nvPr/>
-        </p:nvSpPr>
-        <p:spPr>
-          <a:xfrm>
-            <a:off x="2938379" y="483518"/>
-            <a:ext cx="3031599" cy="553998"/>
-          </a:xfrm>
-          <a:prstGeom prst="rect">
-            <a:avLst/>
-          </a:prstGeom>
-          <a:noFill/>
-          <a:ln w="9525" cap="flat" cmpd="sng">
-            <a:noFill/>
-            <a:prstDash val="solid"/>
-            <a:miter/>
-          </a:ln>
-        </p:spPr>
-        <p:txBody>
-          <a:bodyPr vert="horz" wrap="none" lIns="91440" tIns="45720" rIns="91440" bIns="45720" anchor="t" anchorCtr="0">
-            <a:prstTxWarp prst="textNoShape">
-              <a:avLst/>
-            </a:prstTxWarp>
-            <a:spAutoFit/>
-          </a:bodyPr>
-          <a:lstStyle/>
-          <a:p>
-            <a:r>
-              <a:rPr lang="en-US" altLang="zh-CN" sz="3000" b="1" kern="0" dirty="0" err="1">
-                <a:solidFill>
-                  <a:srgbClr val="C9394A"/>
-                </a:solidFill>
-                <a:latin typeface="微软雅黑" charset="0"/>
-                <a:ea typeface="微软雅黑" charset="0"/>
-                <a:cs typeface="微软雅黑" charset="0"/>
-                <a:sym typeface="Calibri" pitchFamily="34" charset="0"/>
-              </a:rPr>
-              <a:t>github-ssh</a:t>
-            </a:r>
-            <a:r>
-              <a:rPr lang="zh-CN" altLang="en-US" sz="3000" b="1" kern="0" dirty="0">
-                <a:solidFill>
-                  <a:srgbClr val="C9394A"/>
-                </a:solidFill>
-                <a:latin typeface="微软雅黑" charset="0"/>
-                <a:ea typeface="微软雅黑" charset="0"/>
-                <a:cs typeface="微软雅黑" charset="0"/>
-                <a:sym typeface="Calibri" pitchFamily="34" charset="0"/>
-              </a:rPr>
-              <a:t>协议</a:t>
-            </a:r>
-            <a:endParaRPr lang="zh-CN" altLang="en-US" u="none" strike="noStrike" kern="1200" cap="none" spc="0" baseline="0" dirty="0">
-              <a:solidFill>
-                <a:schemeClr val="tx1"/>
-              </a:solidFill>
-              <a:latin typeface="Calibri" pitchFamily="34" charset="0"/>
-              <a:ea typeface="宋体" pitchFamily="2" charset="-122"/>
-              <a:cs typeface="微软雅黑" charset="0"/>
-            </a:endParaRPr>
-          </a:p>
-        </p:txBody>
-      </p:sp>
-      <p:sp>
-        <p:nvSpPr>
-          <p:cNvPr id="8" name="矩形">
-            <a:extLst>
-              <a:ext uri="{FF2B5EF4-FFF2-40B4-BE49-F238E27FC236}">
-                <a16:creationId xmlns:a16="http://schemas.microsoft.com/office/drawing/2014/main" id="{DD861988-578A-41C1-818C-669E02578C63}"/>
-              </a:ext>
-            </a:extLst>
-          </p:cNvPr>
-          <p:cNvSpPr>
-            <a:spLocks/>
-          </p:cNvSpPr>
-          <p:nvPr/>
-        </p:nvSpPr>
-        <p:spPr>
-          <a:xfrm>
-            <a:off x="289360" y="1275606"/>
-            <a:ext cx="8565279" cy="400110"/>
-          </a:xfrm>
-          <a:prstGeom prst="rect">
-            <a:avLst/>
-          </a:prstGeom>
-          <a:noFill/>
-          <a:ln w="9525" cap="flat" cmpd="sng">
-            <a:noFill/>
-            <a:prstDash val="solid"/>
-            <a:miter/>
-          </a:ln>
-        </p:spPr>
-        <p:txBody>
-          <a:bodyPr vert="horz" wrap="square" lIns="91440" tIns="45720" rIns="91440" bIns="45720" anchor="ctr" anchorCtr="0">
-            <a:prstTxWarp prst="textNoShape">
-              <a:avLst/>
-            </a:prstTxWarp>
-            <a:spAutoFit/>
-          </a:bodyPr>
-          <a:lstStyle/>
-          <a:p>
-            <a:pPr marL="800100" lvl="1" indent="-342900">
-              <a:buFont typeface="Wingdings" panose="05000000000000000000" pitchFamily="2" charset="2"/>
-              <a:buChar char="u"/>
-            </a:pPr>
-            <a:r>
-              <a:rPr lang="en-US" altLang="zh-CN" sz="2000" u="none" strike="noStrike" kern="1200" cap="none" spc="0" baseline="0" dirty="0" err="1">
-                <a:solidFill>
-                  <a:srgbClr val="212121"/>
-                </a:solidFill>
-                <a:latin typeface="微软雅黑" charset="0"/>
-                <a:ea typeface="微软雅黑" charset="0"/>
-                <a:cs typeface="微软雅黑" charset="0"/>
-                <a:sym typeface="Calibri" pitchFamily="34" charset="0"/>
-              </a:rPr>
-              <a:t>ssh</a:t>
-            </a:r>
-            <a:r>
-              <a:rPr lang="zh-CN" altLang="en-US" sz="2000" u="none" strike="noStrike" kern="1200" cap="none" spc="0" baseline="0" dirty="0">
-                <a:solidFill>
-                  <a:srgbClr val="212121"/>
-                </a:solidFill>
-                <a:latin typeface="微软雅黑" charset="0"/>
-                <a:ea typeface="微软雅黑" charset="0"/>
-                <a:cs typeface="微软雅黑" charset="0"/>
-                <a:sym typeface="Calibri" pitchFamily="34" charset="0"/>
-              </a:rPr>
-              <a:t>协议提交代码时需要配置公钥和秘钥</a:t>
-            </a:r>
-          </a:p>
-        </p:txBody>
-      </p:sp>
-      <p:pic>
-        <p:nvPicPr>
-          <p:cNvPr id="3" name="图片 2">
-            <a:extLst>
-              <a:ext uri="{FF2B5EF4-FFF2-40B4-BE49-F238E27FC236}">
-                <a16:creationId xmlns:a16="http://schemas.microsoft.com/office/drawing/2014/main" id="{93B649A4-A7BB-4F54-AAC0-CE8032600649}"/>
-              </a:ext>
-            </a:extLst>
-          </p:cNvPr>
-          <p:cNvPicPr>
-            <a:picLocks noChangeAspect="1"/>
-          </p:cNvPicPr>
-          <p:nvPr/>
-        </p:nvPicPr>
-        <p:blipFill>
-          <a:blip r:embed="rId3"/>
-          <a:stretch>
-            <a:fillRect/>
-          </a:stretch>
-        </p:blipFill>
-        <p:spPr>
-          <a:xfrm>
-            <a:off x="1649416" y="1830847"/>
-            <a:ext cx="5609524" cy="2800000"/>
-          </a:xfrm>
-          <a:prstGeom prst="rect">
-            <a:avLst/>
-          </a:prstGeom>
-        </p:spPr>
-      </p:pic>
-    </p:spTree>
-    <p:extLst>
-      <p:ext uri="{BB962C8B-B14F-4D97-AF65-F5344CB8AC3E}">
-        <p14:creationId xmlns:p14="http://schemas.microsoft.com/office/powerpoint/2010/main" val="858489594"/>
-      </p:ext>
-    </p:extLst>
-  </p:cSld>
-  <p:clrMapOvr>
-    <a:masterClrMapping/>
-  </p:clrMapOvr>
-  <p:timing>
-    <p:tnLst>
-      <p:par>
-        <p:cTn id="1" dur="indefinite" restart="never" nodeType="tmRoot">
-          <p:childTnLst>
-            <p:seq concurrent="1" nextAc="seek">
-              <p:cTn id="2" dur="indefinite" nodeType="mainSeq">
-                <p:childTnLst>
-                  <p:par>
-                    <p:cTn id="3" fill="hold">
-                      <p:stCondLst>
-                        <p:cond delay="indefinite"/>
-                      </p:stCondLst>
-                      <p:childTnLst>
-                        <p:par>
-                          <p:cTn id="4" fill="hold">
-                            <p:stCondLst>
-                              <p:cond delay="0"/>
-                            </p:stCondLst>
-                            <p:childTnLst>
-                              <p:par>
-                                <p:cTn id="5" presetID="2" presetClass="entr" presetSubtype="4" fill="hold" grpId="0" nodeType="clickEffect">
-                                  <p:stCondLst>
-                                    <p:cond delay="0"/>
-                                  </p:stCondLst>
-                                  <p:childTnLst>
-                                    <p:set>
-                                      <p:cBhvr>
-                                        <p:cTn id="6" dur="1" fill="hold">
-                                          <p:stCondLst>
-                                            <p:cond delay="0"/>
-                                          </p:stCondLst>
-                                        </p:cTn>
-                                        <p:tgtEl>
-                                          <p:spTgt spid="8"/>
-                                        </p:tgtEl>
-                                        <p:attrNameLst>
-                                          <p:attrName>style.visibility</p:attrName>
-                                        </p:attrNameLst>
-                                      </p:cBhvr>
-                                      <p:to>
-                                        <p:strVal val="visible"/>
-                                      </p:to>
-                                    </p:set>
-                                    <p:anim calcmode="lin" valueType="num">
-                                      <p:cBhvr additive="base">
-                                        <p:cTn id="7" dur="500" fill="hold"/>
-                                        <p:tgtEl>
-                                          <p:spTgt spid="8"/>
-                                        </p:tgtEl>
-                                        <p:attrNameLst>
-                                          <p:attrName>ppt_x</p:attrName>
-                                        </p:attrNameLst>
-                                      </p:cBhvr>
-                                      <p:tavLst>
-                                        <p:tav tm="0">
-                                          <p:val>
-                                            <p:strVal val="#ppt_x"/>
-                                          </p:val>
-                                        </p:tav>
-                                        <p:tav tm="100000">
-                                          <p:val>
-                                            <p:strVal val="#ppt_x"/>
-                                          </p:val>
-                                        </p:tav>
-                                      </p:tavLst>
-                                    </p:anim>
-                                    <p:anim calcmode="lin" valueType="num">
-                                      <p:cBhvr additive="base">
-                                        <p:cTn id="8" dur="500" fill="hold"/>
-                                        <p:tgtEl>
-                                          <p:spTgt spid="8"/>
-                                        </p:tgtEl>
-                                        <p:attrNameLst>
-                                          <p:attrName>ppt_y</p:attrName>
-                                        </p:attrNameLst>
-                                      </p:cBhvr>
-                                      <p:tavLst>
-                                        <p:tav tm="0">
-                                          <p:val>
-                                            <p:strVal val="1+#ppt_h/2"/>
-                                          </p:val>
-                                        </p:tav>
-                                        <p:tav tm="100000">
-                                          <p:val>
-                                            <p:strVal val="#ppt_y"/>
-                                          </p:val>
-                                        </p:tav>
-                                      </p:tavLst>
-                                    </p:anim>
-                                  </p:childTnLst>
-                                </p:cTn>
-                              </p:par>
-                            </p:childTnLst>
-                          </p:cTn>
-                        </p:par>
-                      </p:childTnLst>
-                    </p:cTn>
-                  </p:par>
-                </p:childTnLst>
-              </p:cTn>
-              <p:prevCondLst>
-                <p:cond evt="onPrev" delay="0">
-                  <p:tgtEl>
-                    <p:sldTgt/>
-                  </p:tgtEl>
-                </p:cond>
-              </p:prevCondLst>
-              <p:nextCondLst>
-                <p:cond evt="onNext" delay="0">
-                  <p:tgtEl>
-                    <p:sldTgt/>
-                  </p:tgtEl>
-                </p:cond>
-              </p:nextCondLst>
-            </p:seq>
-          </p:childTnLst>
-        </p:cTn>
-      </p:par>
-    </p:tnLst>
-    <p:bldLst>
-      <p:bldP spid="8" grpId="0"/>
-    </p:bldLst>
-  </p:timing>
-</p:sld>
-</file>
-
-<file path=ppt/slides/slide22.xml><?xml version="1.0" encoding="utf-8"?>
-<p:sld xmlns:a="http://schemas.openxmlformats.org/drawingml/2006/main" xmlns:r="http://schemas.openxmlformats.org/officeDocument/2006/relationships" xmlns:p="http://schemas.openxmlformats.org/presentationml/2006/main">
-  <p:cSld>
-    <p:spTree>
-      <p:nvGrpSpPr>
-        <p:cNvPr id="1" name=""/>
-        <p:cNvGrpSpPr/>
-        <p:nvPr/>
-      </p:nvGrpSpPr>
-      <p:grpSpPr>
-        <a:xfrm>
-          <a:off x="0" y="0"/>
-          <a:ext cx="0" cy="0"/>
-          <a:chOff x="0" y="0"/>
-          <a:chExt cx="0" cy="0"/>
-        </a:xfrm>
-      </p:grpSpPr>
-      <p:sp>
-        <p:nvSpPr>
-          <p:cNvPr id="17" name="矩形"/>
-          <p:cNvSpPr>
-            <a:spLocks/>
-          </p:cNvSpPr>
-          <p:nvPr/>
-        </p:nvSpPr>
-        <p:spPr>
-          <a:xfrm>
-            <a:off x="2987824" y="334683"/>
-            <a:ext cx="2877711" cy="553998"/>
-          </a:xfrm>
-          <a:prstGeom prst="rect">
-            <a:avLst/>
-          </a:prstGeom>
-          <a:noFill/>
-          <a:ln w="9525" cap="flat" cmpd="sng">
-            <a:noFill/>
-            <a:prstDash val="solid"/>
-            <a:miter/>
-          </a:ln>
-        </p:spPr>
-        <p:txBody>
-          <a:bodyPr vert="horz" wrap="none" lIns="91440" tIns="45720" rIns="91440" bIns="45720" anchor="t" anchorCtr="0">
-            <a:prstTxWarp prst="textNoShape">
-              <a:avLst/>
-            </a:prstTxWarp>
-            <a:spAutoFit/>
-          </a:bodyPr>
-          <a:lstStyle/>
-          <a:p>
-            <a:r>
-              <a:rPr lang="zh-CN" altLang="en-US" sz="3000" b="1" kern="0" dirty="0">
-                <a:solidFill>
-                  <a:srgbClr val="C9394A"/>
-                </a:solidFill>
-                <a:latin typeface="微软雅黑" charset="0"/>
-                <a:ea typeface="微软雅黑" charset="0"/>
-                <a:sym typeface="Calibri" pitchFamily="34" charset="0"/>
-              </a:rPr>
-              <a:t>配置公钥和秘钥</a:t>
-            </a:r>
-            <a:endParaRPr lang="zh-CN" altLang="en-US" u="none" strike="noStrike" kern="1200" cap="none" spc="0" baseline="0" dirty="0">
-              <a:solidFill>
-                <a:schemeClr val="tx1"/>
-              </a:solidFill>
-              <a:latin typeface="Calibri" pitchFamily="34" charset="0"/>
-              <a:ea typeface="宋体" pitchFamily="2" charset="-122"/>
-              <a:cs typeface="微软雅黑" charset="0"/>
-            </a:endParaRPr>
-          </a:p>
-        </p:txBody>
-      </p:sp>
-      <p:pic>
-        <p:nvPicPr>
-          <p:cNvPr id="2" name="图片 1">
-            <a:extLst>
-              <a:ext uri="{FF2B5EF4-FFF2-40B4-BE49-F238E27FC236}">
-                <a16:creationId xmlns:a16="http://schemas.microsoft.com/office/drawing/2014/main" id="{FF257798-0542-433F-A2EE-F0F429AA8876}"/>
-              </a:ext>
-            </a:extLst>
-          </p:cNvPr>
-          <p:cNvPicPr>
-            <a:picLocks noChangeAspect="1"/>
-          </p:cNvPicPr>
-          <p:nvPr/>
-        </p:nvPicPr>
-        <p:blipFill>
-          <a:blip r:embed="rId3"/>
-          <a:stretch>
-            <a:fillRect/>
-          </a:stretch>
-        </p:blipFill>
-        <p:spPr>
-          <a:xfrm>
-            <a:off x="251521" y="987575"/>
-            <a:ext cx="1296144" cy="2031152"/>
-          </a:xfrm>
-          <a:prstGeom prst="rect">
-            <a:avLst/>
-          </a:prstGeom>
-        </p:spPr>
-      </p:pic>
-      <p:pic>
-        <p:nvPicPr>
-          <p:cNvPr id="6" name="图片 5">
-            <a:extLst>
-              <a:ext uri="{FF2B5EF4-FFF2-40B4-BE49-F238E27FC236}">
-                <a16:creationId xmlns:a16="http://schemas.microsoft.com/office/drawing/2014/main" id="{3A6AF597-ACDE-4098-924C-9713E61C6520}"/>
-              </a:ext>
-            </a:extLst>
-          </p:cNvPr>
-          <p:cNvPicPr>
-            <a:picLocks noChangeAspect="1"/>
-          </p:cNvPicPr>
-          <p:nvPr/>
-        </p:nvPicPr>
-        <p:blipFill>
-          <a:blip r:embed="rId4"/>
-          <a:stretch>
-            <a:fillRect/>
-          </a:stretch>
-        </p:blipFill>
-        <p:spPr>
-          <a:xfrm>
-            <a:off x="5508104" y="2787774"/>
-            <a:ext cx="3263517" cy="2181966"/>
-          </a:xfrm>
-          <a:prstGeom prst="rect">
-            <a:avLst/>
-          </a:prstGeom>
-        </p:spPr>
-      </p:pic>
-      <p:pic>
-        <p:nvPicPr>
-          <p:cNvPr id="3" name="图片 2">
-            <a:extLst>
-              <a:ext uri="{FF2B5EF4-FFF2-40B4-BE49-F238E27FC236}">
-                <a16:creationId xmlns:a16="http://schemas.microsoft.com/office/drawing/2014/main" id="{79807997-AE4D-46B5-86F8-8D051F6A4F57}"/>
-              </a:ext>
-            </a:extLst>
-          </p:cNvPr>
-          <p:cNvPicPr>
-            <a:picLocks noChangeAspect="1"/>
-          </p:cNvPicPr>
-          <p:nvPr/>
-        </p:nvPicPr>
-        <p:blipFill>
-          <a:blip r:embed="rId5"/>
-          <a:stretch>
-            <a:fillRect/>
-          </a:stretch>
-        </p:blipFill>
-        <p:spPr>
-          <a:xfrm>
-            <a:off x="1547665" y="987575"/>
-            <a:ext cx="6382703" cy="2031152"/>
-          </a:xfrm>
-          <a:prstGeom prst="rect">
-            <a:avLst/>
-          </a:prstGeom>
-        </p:spPr>
-      </p:pic>
-    </p:spTree>
-    <p:extLst>
-      <p:ext uri="{BB962C8B-B14F-4D97-AF65-F5344CB8AC3E}">
-        <p14:creationId xmlns:p14="http://schemas.microsoft.com/office/powerpoint/2010/main" val="2159600292"/>
-      </p:ext>
-    </p:extLst>
-  </p:cSld>
-  <p:clrMapOvr>
-    <a:masterClrMapping/>
-  </p:clrMapOvr>
-</p:sld>
-</file>
-
-<file path=ppt/slides/slide23.xml><?xml version="1.0" encoding="utf-8"?>
-<p:sld xmlns:a="http://schemas.openxmlformats.org/drawingml/2006/main" xmlns:r="http://schemas.openxmlformats.org/officeDocument/2006/relationships" xmlns:p="http://schemas.openxmlformats.org/presentationml/2006/main">
-  <p:cSld>
-    <p:spTree>
-      <p:nvGrpSpPr>
-        <p:cNvPr id="1" name=""/>
-        <p:cNvGrpSpPr/>
-        <p:nvPr/>
-      </p:nvGrpSpPr>
-      <p:grpSpPr>
-        <a:xfrm>
-          <a:off x="0" y="0"/>
-          <a:ext cx="0" cy="0"/>
-          <a:chOff x="0" y="0"/>
-          <a:chExt cx="0" cy="0"/>
-        </a:xfrm>
-      </p:grpSpPr>
-      <p:sp>
-        <p:nvSpPr>
-          <p:cNvPr id="17" name="矩形"/>
-          <p:cNvSpPr>
-            <a:spLocks/>
-          </p:cNvSpPr>
-          <p:nvPr/>
-        </p:nvSpPr>
-        <p:spPr>
-          <a:xfrm>
-            <a:off x="2958413" y="333687"/>
-            <a:ext cx="3416320" cy="553998"/>
-          </a:xfrm>
-          <a:prstGeom prst="rect">
-            <a:avLst/>
-          </a:prstGeom>
-          <a:noFill/>
-          <a:ln w="9525" cap="flat" cmpd="sng">
-            <a:noFill/>
-            <a:prstDash val="solid"/>
-            <a:miter/>
-          </a:ln>
-        </p:spPr>
-        <p:txBody>
-          <a:bodyPr vert="horz" wrap="none" lIns="91440" tIns="45720" rIns="91440" bIns="45720" anchor="t" anchorCtr="0">
-            <a:prstTxWarp prst="textNoShape">
-              <a:avLst/>
-            </a:prstTxWarp>
-            <a:spAutoFit/>
-          </a:bodyPr>
-          <a:lstStyle/>
-          <a:p>
-            <a:r>
-              <a:rPr lang="en-US" altLang="zh-CN" sz="3000" b="1" kern="0" dirty="0" err="1">
-                <a:solidFill>
-                  <a:srgbClr val="C9394A"/>
-                </a:solidFill>
-                <a:latin typeface="微软雅黑" charset="0"/>
-                <a:ea typeface="微软雅黑" charset="0"/>
-                <a:cs typeface="微软雅黑" charset="0"/>
-                <a:sym typeface="Calibri" pitchFamily="34" charset="0"/>
-              </a:rPr>
-              <a:t>github</a:t>
-            </a:r>
-            <a:r>
-              <a:rPr lang="en-US" altLang="zh-CN" sz="3000" b="1" kern="0" dirty="0">
-                <a:solidFill>
-                  <a:srgbClr val="C9394A"/>
-                </a:solidFill>
-                <a:latin typeface="微软雅黑" charset="0"/>
-                <a:ea typeface="微软雅黑" charset="0"/>
-                <a:cs typeface="微软雅黑" charset="0"/>
-                <a:sym typeface="Calibri" pitchFamily="34" charset="0"/>
-              </a:rPr>
-              <a:t>-https</a:t>
-            </a:r>
-            <a:r>
-              <a:rPr lang="zh-CN" altLang="en-US" sz="3000" b="1" kern="0" dirty="0">
-                <a:solidFill>
-                  <a:srgbClr val="C9394A"/>
-                </a:solidFill>
-                <a:latin typeface="微软雅黑" charset="0"/>
-                <a:ea typeface="微软雅黑" charset="0"/>
-                <a:cs typeface="微软雅黑" charset="0"/>
-                <a:sym typeface="Calibri" pitchFamily="34" charset="0"/>
-              </a:rPr>
-              <a:t>协议</a:t>
-            </a:r>
-            <a:endParaRPr lang="zh-CN" altLang="en-US" u="none" strike="noStrike" kern="1200" cap="none" spc="0" baseline="0" dirty="0">
-              <a:solidFill>
-                <a:schemeClr val="tx1"/>
-              </a:solidFill>
-              <a:latin typeface="Calibri" pitchFamily="34" charset="0"/>
-              <a:ea typeface="宋体" pitchFamily="2" charset="-122"/>
-              <a:cs typeface="微软雅黑" charset="0"/>
-            </a:endParaRPr>
-          </a:p>
-        </p:txBody>
-      </p:sp>
-      <p:pic>
-        <p:nvPicPr>
-          <p:cNvPr id="2" name="图片 1">
-            <a:extLst>
-              <a:ext uri="{FF2B5EF4-FFF2-40B4-BE49-F238E27FC236}">
-                <a16:creationId xmlns:a16="http://schemas.microsoft.com/office/drawing/2014/main" id="{A83DFD1D-604A-4CC1-86FA-039AD96AB95A}"/>
-              </a:ext>
-            </a:extLst>
-          </p:cNvPr>
-          <p:cNvPicPr>
-            <a:picLocks noChangeAspect="1"/>
-          </p:cNvPicPr>
-          <p:nvPr/>
-        </p:nvPicPr>
-        <p:blipFill>
-          <a:blip r:embed="rId3"/>
-          <a:stretch>
-            <a:fillRect/>
-          </a:stretch>
-        </p:blipFill>
-        <p:spPr>
-          <a:xfrm>
-            <a:off x="3131837" y="1779662"/>
-            <a:ext cx="2880320" cy="3031348"/>
-          </a:xfrm>
-          <a:prstGeom prst="rect">
-            <a:avLst/>
-          </a:prstGeom>
-        </p:spPr>
-      </p:pic>
-      <p:sp>
-        <p:nvSpPr>
-          <p:cNvPr id="8" name="矩形">
-            <a:extLst>
-              <a:ext uri="{FF2B5EF4-FFF2-40B4-BE49-F238E27FC236}">
-                <a16:creationId xmlns:a16="http://schemas.microsoft.com/office/drawing/2014/main" id="{DD861988-578A-41C1-818C-669E02578C63}"/>
-              </a:ext>
-            </a:extLst>
-          </p:cNvPr>
-          <p:cNvSpPr>
-            <a:spLocks/>
-          </p:cNvSpPr>
-          <p:nvPr/>
-        </p:nvSpPr>
-        <p:spPr>
-          <a:xfrm>
-            <a:off x="289355" y="1154850"/>
-            <a:ext cx="8565279" cy="400110"/>
-          </a:xfrm>
-          <a:prstGeom prst="rect">
-            <a:avLst/>
-          </a:prstGeom>
-          <a:noFill/>
-          <a:ln w="9525" cap="flat" cmpd="sng">
-            <a:noFill/>
-            <a:prstDash val="solid"/>
-            <a:miter/>
-          </a:ln>
-        </p:spPr>
-        <p:txBody>
-          <a:bodyPr vert="horz" wrap="square" lIns="91440" tIns="45720" rIns="91440" bIns="45720" anchor="ctr" anchorCtr="0">
-            <a:prstTxWarp prst="textNoShape">
-              <a:avLst/>
-            </a:prstTxWarp>
-            <a:spAutoFit/>
-          </a:bodyPr>
-          <a:lstStyle/>
-          <a:p>
-            <a:pPr marL="800100" lvl="1" indent="-342900">
-              <a:buFont typeface="Wingdings" panose="05000000000000000000" pitchFamily="2" charset="2"/>
-              <a:buChar char="u"/>
-            </a:pPr>
-            <a:r>
-              <a:rPr lang="en-US" altLang="zh-CN" sz="2000" u="none" strike="noStrike" kern="1200" cap="none" spc="0" baseline="0" dirty="0">
-                <a:solidFill>
-                  <a:srgbClr val="212121"/>
-                </a:solidFill>
-                <a:latin typeface="微软雅黑" charset="0"/>
-                <a:ea typeface="微软雅黑" charset="0"/>
-                <a:cs typeface="微软雅黑" charset="0"/>
-                <a:sym typeface="Calibri" pitchFamily="34" charset="0"/>
-              </a:rPr>
-              <a:t>https</a:t>
-            </a:r>
-            <a:r>
-              <a:rPr lang="zh-CN" altLang="en-US" sz="2000" u="none" strike="noStrike" kern="1200" cap="none" spc="0" baseline="0" dirty="0">
-                <a:solidFill>
-                  <a:srgbClr val="212121"/>
-                </a:solidFill>
-                <a:latin typeface="微软雅黑" charset="0"/>
-                <a:ea typeface="微软雅黑" charset="0"/>
-                <a:cs typeface="微软雅黑" charset="0"/>
-                <a:sym typeface="Calibri" pitchFamily="34" charset="0"/>
-              </a:rPr>
-              <a:t>协议提交代码时需要用户名和密码</a:t>
-            </a:r>
-          </a:p>
-        </p:txBody>
-      </p:sp>
-    </p:spTree>
-    <p:extLst>
-      <p:ext uri="{BB962C8B-B14F-4D97-AF65-F5344CB8AC3E}">
-        <p14:creationId xmlns:p14="http://schemas.microsoft.com/office/powerpoint/2010/main" val="3804456719"/>
-      </p:ext>
-    </p:extLst>
-  </p:cSld>
-  <p:clrMapOvr>
-    <a:masterClrMapping/>
-  </p:clrMapOvr>
-  <p:timing>
-    <p:tnLst>
-      <p:par>
-        <p:cTn id="1" dur="indefinite" restart="never" nodeType="tmRoot">
-          <p:childTnLst>
-            <p:seq concurrent="1" nextAc="seek">
-              <p:cTn id="2" dur="indefinite" nodeType="mainSeq">
-                <p:childTnLst>
-                  <p:par>
-                    <p:cTn id="3" fill="hold">
-                      <p:stCondLst>
-                        <p:cond delay="indefinite"/>
-                      </p:stCondLst>
-                      <p:childTnLst>
-                        <p:par>
-                          <p:cTn id="4" fill="hold">
-                            <p:stCondLst>
-                              <p:cond delay="0"/>
-                            </p:stCondLst>
-                            <p:childTnLst>
-                              <p:par>
-                                <p:cTn id="5" presetID="2" presetClass="entr" presetSubtype="4" fill="hold" grpId="0" nodeType="clickEffect">
-                                  <p:stCondLst>
-                                    <p:cond delay="0"/>
-                                  </p:stCondLst>
-                                  <p:childTnLst>
-                                    <p:set>
-                                      <p:cBhvr>
-                                        <p:cTn id="6" dur="1" fill="hold">
-                                          <p:stCondLst>
-                                            <p:cond delay="0"/>
-                                          </p:stCondLst>
-                                        </p:cTn>
-                                        <p:tgtEl>
-                                          <p:spTgt spid="8"/>
-                                        </p:tgtEl>
-                                        <p:attrNameLst>
-                                          <p:attrName>style.visibility</p:attrName>
-                                        </p:attrNameLst>
-                                      </p:cBhvr>
-                                      <p:to>
-                                        <p:strVal val="visible"/>
-                                      </p:to>
-                                    </p:set>
-                                    <p:anim calcmode="lin" valueType="num">
-                                      <p:cBhvr additive="base">
-                                        <p:cTn id="7" dur="500" fill="hold"/>
-                                        <p:tgtEl>
-                                          <p:spTgt spid="8"/>
-                                        </p:tgtEl>
-                                        <p:attrNameLst>
-                                          <p:attrName>ppt_x</p:attrName>
-                                        </p:attrNameLst>
-                                      </p:cBhvr>
-                                      <p:tavLst>
-                                        <p:tav tm="0">
-                                          <p:val>
-                                            <p:strVal val="#ppt_x"/>
-                                          </p:val>
-                                        </p:tav>
-                                        <p:tav tm="100000">
-                                          <p:val>
-                                            <p:strVal val="#ppt_x"/>
-                                          </p:val>
-                                        </p:tav>
-                                      </p:tavLst>
-                                    </p:anim>
-                                    <p:anim calcmode="lin" valueType="num">
-                                      <p:cBhvr additive="base">
-                                        <p:cTn id="8" dur="500" fill="hold"/>
-                                        <p:tgtEl>
-                                          <p:spTgt spid="8"/>
-                                        </p:tgtEl>
-                                        <p:attrNameLst>
-                                          <p:attrName>ppt_y</p:attrName>
-                                        </p:attrNameLst>
-                                      </p:cBhvr>
-                                      <p:tavLst>
-                                        <p:tav tm="0">
-                                          <p:val>
-                                            <p:strVal val="1+#ppt_h/2"/>
-                                          </p:val>
-                                        </p:tav>
-                                        <p:tav tm="100000">
-                                          <p:val>
-                                            <p:strVal val="#ppt_y"/>
-                                          </p:val>
-                                        </p:tav>
-                                      </p:tavLst>
-                                    </p:anim>
-                                  </p:childTnLst>
-                                </p:cTn>
-                              </p:par>
-                            </p:childTnLst>
-                          </p:cTn>
-                        </p:par>
-                      </p:childTnLst>
-                    </p:cTn>
-                  </p:par>
-                </p:childTnLst>
-              </p:cTn>
-              <p:prevCondLst>
-                <p:cond evt="onPrev" delay="0">
-                  <p:tgtEl>
-                    <p:sldTgt/>
-                  </p:tgtEl>
-                </p:cond>
-              </p:prevCondLst>
-              <p:nextCondLst>
-                <p:cond evt="onNext" delay="0">
-                  <p:tgtEl>
-                    <p:sldTgt/>
-                  </p:tgtEl>
-                </p:cond>
-              </p:nextCondLst>
-            </p:seq>
-          </p:childTnLst>
-        </p:cTn>
-      </p:par>
-    </p:tnLst>
-    <p:bldLst>
-      <p:bldP spid="8" grpId="0"/>
-    </p:bldLst>
-  </p:timing>
-</p:sld>
-</file>
-
-<file path=ppt/slides/slide24.xml><?xml version="1.0" encoding="utf-8"?>
-<p:sld xmlns:a="http://schemas.openxmlformats.org/drawingml/2006/main" xmlns:r="http://schemas.openxmlformats.org/officeDocument/2006/relationships" xmlns:p="http://schemas.openxmlformats.org/presentationml/2006/main">
-  <p:cSld>
-    <p:spTree>
-      <p:nvGrpSpPr>
-        <p:cNvPr id="1" name=""/>
-        <p:cNvGrpSpPr/>
-        <p:nvPr/>
-      </p:nvGrpSpPr>
-      <p:grpSpPr>
-        <a:xfrm>
-          <a:off x="0" y="0"/>
-          <a:ext cx="0" cy="0"/>
-          <a:chOff x="0" y="0"/>
-          <a:chExt cx="0" cy="0"/>
-        </a:xfrm>
-      </p:grpSpPr>
-      <p:sp>
-        <p:nvSpPr>
-          <p:cNvPr id="17" name="矩形"/>
-          <p:cNvSpPr>
-            <a:spLocks/>
-          </p:cNvSpPr>
-          <p:nvPr/>
-        </p:nvSpPr>
-        <p:spPr>
-          <a:xfrm>
-            <a:off x="3325503" y="627534"/>
-            <a:ext cx="2492990" cy="553998"/>
-          </a:xfrm>
-          <a:prstGeom prst="rect">
-            <a:avLst/>
-          </a:prstGeom>
-          <a:noFill/>
-          <a:ln w="9525" cap="flat" cmpd="sng">
-            <a:noFill/>
-            <a:prstDash val="solid"/>
-            <a:miter/>
-          </a:ln>
-        </p:spPr>
-        <p:txBody>
-          <a:bodyPr vert="horz" wrap="none" lIns="91440" tIns="45720" rIns="91440" bIns="45720" anchor="t" anchorCtr="0">
-            <a:prstTxWarp prst="textNoShape">
-              <a:avLst/>
-            </a:prstTxWarp>
-            <a:spAutoFit/>
-          </a:bodyPr>
-          <a:lstStyle/>
-          <a:p>
-            <a:r>
-              <a:rPr lang="zh-CN" altLang="en-US" sz="3000" b="1" kern="0" dirty="0">
-                <a:solidFill>
-                  <a:srgbClr val="C9394A"/>
-                </a:solidFill>
-                <a:latin typeface="微软雅黑" charset="0"/>
-                <a:ea typeface="微软雅黑" charset="0"/>
-                <a:cs typeface="微软雅黑" charset="0"/>
-                <a:sym typeface="Calibri" pitchFamily="34" charset="0"/>
-              </a:rPr>
-              <a:t>添加远程仓库</a:t>
-            </a:r>
-            <a:endParaRPr lang="zh-CN" altLang="en-US" u="none" strike="noStrike" kern="1200" cap="none" spc="0" baseline="0" dirty="0">
-              <a:solidFill>
-                <a:schemeClr val="tx1"/>
-              </a:solidFill>
-              <a:latin typeface="Calibri" pitchFamily="34" charset="0"/>
-              <a:ea typeface="宋体" pitchFamily="2" charset="-122"/>
-              <a:cs typeface="微软雅黑" charset="0"/>
-            </a:endParaRPr>
-          </a:p>
-        </p:txBody>
-      </p:sp>
-      <p:sp>
-        <p:nvSpPr>
-          <p:cNvPr id="8" name="矩形">
-            <a:extLst>
-              <a:ext uri="{FF2B5EF4-FFF2-40B4-BE49-F238E27FC236}">
-                <a16:creationId xmlns:a16="http://schemas.microsoft.com/office/drawing/2014/main" id="{DD861988-578A-41C1-818C-669E02578C63}"/>
-              </a:ext>
-            </a:extLst>
-          </p:cNvPr>
-          <p:cNvSpPr>
-            <a:spLocks/>
-          </p:cNvSpPr>
-          <p:nvPr/>
-        </p:nvSpPr>
-        <p:spPr>
-          <a:xfrm>
-            <a:off x="289358" y="1707654"/>
-            <a:ext cx="8565279" cy="1323439"/>
-          </a:xfrm>
-          <a:prstGeom prst="rect">
-            <a:avLst/>
-          </a:prstGeom>
-          <a:noFill/>
-          <a:ln w="9525" cap="flat" cmpd="sng">
-            <a:noFill/>
-            <a:prstDash val="solid"/>
-            <a:miter/>
-          </a:ln>
-        </p:spPr>
-        <p:txBody>
-          <a:bodyPr vert="horz" wrap="square" lIns="91440" tIns="45720" rIns="91440" bIns="45720" anchor="ctr" anchorCtr="0">
-            <a:prstTxWarp prst="textNoShape">
-              <a:avLst/>
-            </a:prstTxWarp>
-            <a:spAutoFit/>
-          </a:bodyPr>
-          <a:lstStyle/>
-          <a:p>
-            <a:pPr marL="800100" lvl="1" indent="-342900">
-              <a:buFont typeface="Wingdings" panose="05000000000000000000" pitchFamily="2" charset="2"/>
-              <a:buChar char="u"/>
-            </a:pPr>
-            <a:r>
-              <a:rPr lang="en-US" altLang="zh-CN" sz="2000" dirty="0">
-                <a:solidFill>
-                  <a:srgbClr val="212121"/>
-                </a:solidFill>
-                <a:latin typeface="微软雅黑" charset="0"/>
-                <a:ea typeface="微软雅黑" charset="0"/>
-                <a:cs typeface="微软雅黑" charset="0"/>
-                <a:sym typeface="Calibri" pitchFamily="34" charset="0"/>
-              </a:rPr>
-              <a:t>git remote add origin  </a:t>
-            </a:r>
-            <a:r>
-              <a:rPr lang="zh-CN" altLang="en-US" sz="2000" dirty="0">
-                <a:solidFill>
-                  <a:srgbClr val="212121"/>
-                </a:solidFill>
-                <a:latin typeface="微软雅黑" charset="0"/>
-                <a:ea typeface="微软雅黑" charset="0"/>
-                <a:cs typeface="微软雅黑" charset="0"/>
-                <a:sym typeface="Calibri" pitchFamily="34" charset="0"/>
-              </a:rPr>
-              <a:t>仓库的地址     </a:t>
-            </a:r>
-            <a:r>
-              <a:rPr lang="zh-CN" altLang="en-US" dirty="0">
-                <a:latin typeface="微软雅黑" panose="020B0503020204020204" pitchFamily="34" charset="-122"/>
-                <a:ea typeface="微软雅黑" panose="020B0503020204020204" pitchFamily="34" charset="-122"/>
-              </a:rPr>
-              <a:t>添加远程仓库地址</a:t>
-            </a:r>
-            <a:endParaRPr lang="en-US" altLang="zh-CN" sz="2000" dirty="0">
-              <a:solidFill>
-                <a:srgbClr val="212121"/>
-              </a:solidFill>
-              <a:latin typeface="微软雅黑" panose="020B0503020204020204" pitchFamily="34" charset="-122"/>
-              <a:ea typeface="微软雅黑" panose="020B0503020204020204" pitchFamily="34" charset="-122"/>
-              <a:cs typeface="微软雅黑" charset="0"/>
-              <a:sym typeface="Calibri" pitchFamily="34" charset="0"/>
-            </a:endParaRPr>
-          </a:p>
-          <a:p>
-            <a:pPr lvl="1"/>
-            <a:endParaRPr lang="en-US" altLang="zh-CN" sz="2000" dirty="0">
-              <a:solidFill>
-                <a:srgbClr val="212121"/>
-              </a:solidFill>
-              <a:latin typeface="微软雅黑" charset="0"/>
-              <a:ea typeface="微软雅黑" charset="0"/>
-              <a:cs typeface="微软雅黑" charset="0"/>
-              <a:sym typeface="Calibri" pitchFamily="34" charset="0"/>
-            </a:endParaRPr>
-          </a:p>
-          <a:p>
-            <a:pPr marL="800100" lvl="1" indent="-342900">
-              <a:buFont typeface="Wingdings" panose="05000000000000000000" pitchFamily="2" charset="2"/>
-              <a:buChar char="u"/>
-            </a:pPr>
-            <a:r>
-              <a:rPr lang="en-US" altLang="zh-CN" sz="2000" dirty="0">
-                <a:solidFill>
-                  <a:srgbClr val="212121"/>
-                </a:solidFill>
-                <a:latin typeface="微软雅黑" charset="0"/>
-                <a:ea typeface="微软雅黑" charset="0"/>
-                <a:cs typeface="微软雅黑" charset="0"/>
-                <a:sym typeface="Calibri" pitchFamily="34" charset="0"/>
-              </a:rPr>
-              <a:t>git remote –v    </a:t>
-            </a:r>
-            <a:r>
-              <a:rPr lang="zh-CN" altLang="en-US" sz="2000" dirty="0">
-                <a:solidFill>
-                  <a:srgbClr val="212121"/>
-                </a:solidFill>
-                <a:latin typeface="微软雅黑" charset="0"/>
-                <a:ea typeface="微软雅黑" charset="0"/>
-                <a:cs typeface="微软雅黑" charset="0"/>
-                <a:sym typeface="Calibri" pitchFamily="34" charset="0"/>
-              </a:rPr>
-              <a:t>查看关联的远程仓库</a:t>
-            </a:r>
-            <a:endParaRPr lang="en-US" altLang="zh-CN" sz="2000" dirty="0">
-              <a:solidFill>
-                <a:srgbClr val="212121"/>
-              </a:solidFill>
-              <a:latin typeface="微软雅黑" charset="0"/>
-              <a:ea typeface="微软雅黑" charset="0"/>
-              <a:cs typeface="微软雅黑" charset="0"/>
-              <a:sym typeface="Calibri" pitchFamily="34" charset="0"/>
-            </a:endParaRPr>
-          </a:p>
-          <a:p>
-            <a:pPr lvl="1"/>
-            <a:endParaRPr lang="en-US" altLang="zh-CN" sz="2000" dirty="0">
-              <a:solidFill>
-                <a:srgbClr val="212121"/>
-              </a:solidFill>
-              <a:latin typeface="微软雅黑" charset="0"/>
-              <a:ea typeface="微软雅黑" charset="0"/>
-              <a:cs typeface="微软雅黑" charset="0"/>
-              <a:sym typeface="Calibri" pitchFamily="34" charset="0"/>
-            </a:endParaRPr>
-          </a:p>
-        </p:txBody>
-      </p:sp>
-    </p:spTree>
-    <p:extLst>
-      <p:ext uri="{BB962C8B-B14F-4D97-AF65-F5344CB8AC3E}">
-        <p14:creationId xmlns:p14="http://schemas.microsoft.com/office/powerpoint/2010/main" val="2078395659"/>
-      </p:ext>
-    </p:extLst>
-  </p:cSld>
-  <p:clrMapOvr>
-    <a:masterClrMapping/>
-  </p:clrMapOvr>
-  <p:timing>
-    <p:tnLst>
-      <p:par>
-        <p:cTn id="1" dur="indefinite" restart="never" nodeType="tmRoot">
-          <p:childTnLst>
-            <p:seq concurrent="1" nextAc="seek">
-              <p:cTn id="2" dur="indefinite" nodeType="mainSeq">
-                <p:childTnLst>
-                  <p:par>
-                    <p:cTn id="3" fill="hold">
-                      <p:stCondLst>
-                        <p:cond delay="indefinite"/>
-                      </p:stCondLst>
-                      <p:childTnLst>
-                        <p:par>
-                          <p:cTn id="4" fill="hold">
-                            <p:stCondLst>
-                              <p:cond delay="0"/>
-                            </p:stCondLst>
-                            <p:childTnLst>
-                              <p:par>
-                                <p:cTn id="5" presetID="2" presetClass="entr" presetSubtype="4" fill="hold" grpId="0" nodeType="clickEffect">
-                                  <p:stCondLst>
-                                    <p:cond delay="0"/>
-                                  </p:stCondLst>
-                                  <p:childTnLst>
-                                    <p:set>
-                                      <p:cBhvr>
-                                        <p:cTn id="6" dur="1" fill="hold">
-                                          <p:stCondLst>
-                                            <p:cond delay="0"/>
-                                          </p:stCondLst>
-                                        </p:cTn>
-                                        <p:tgtEl>
-                                          <p:spTgt spid="8"/>
-                                        </p:tgtEl>
-                                        <p:attrNameLst>
-                                          <p:attrName>style.visibility</p:attrName>
-                                        </p:attrNameLst>
-                                      </p:cBhvr>
-                                      <p:to>
-                                        <p:strVal val="visible"/>
-                                      </p:to>
-                                    </p:set>
-                                    <p:anim calcmode="lin" valueType="num">
-                                      <p:cBhvr additive="base">
-                                        <p:cTn id="7" dur="500" fill="hold"/>
-                                        <p:tgtEl>
-                                          <p:spTgt spid="8"/>
-                                        </p:tgtEl>
-                                        <p:attrNameLst>
-                                          <p:attrName>ppt_x</p:attrName>
-                                        </p:attrNameLst>
-                                      </p:cBhvr>
-                                      <p:tavLst>
-                                        <p:tav tm="0">
-                                          <p:val>
-                                            <p:strVal val="#ppt_x"/>
-                                          </p:val>
-                                        </p:tav>
-                                        <p:tav tm="100000">
-                                          <p:val>
-                                            <p:strVal val="#ppt_x"/>
-                                          </p:val>
-                                        </p:tav>
-                                      </p:tavLst>
-                                    </p:anim>
-                                    <p:anim calcmode="lin" valueType="num">
-                                      <p:cBhvr additive="base">
-                                        <p:cTn id="8" dur="500" fill="hold"/>
-                                        <p:tgtEl>
-                                          <p:spTgt spid="8"/>
-                                        </p:tgtEl>
-                                        <p:attrNameLst>
-                                          <p:attrName>ppt_y</p:attrName>
-                                        </p:attrNameLst>
-                                      </p:cBhvr>
-                                      <p:tavLst>
-                                        <p:tav tm="0">
-                                          <p:val>
-                                            <p:strVal val="1+#ppt_h/2"/>
-                                          </p:val>
-                                        </p:tav>
-                                        <p:tav tm="100000">
-                                          <p:val>
-                                            <p:strVal val="#ppt_y"/>
-                                          </p:val>
-                                        </p:tav>
-                                      </p:tavLst>
-                                    </p:anim>
-                                  </p:childTnLst>
-                                </p:cTn>
-                              </p:par>
-                            </p:childTnLst>
-                          </p:cTn>
-                        </p:par>
-                      </p:childTnLst>
-                    </p:cTn>
-                  </p:par>
-                </p:childTnLst>
-              </p:cTn>
-              <p:prevCondLst>
-                <p:cond evt="onPrev" delay="0">
-                  <p:tgtEl>
-                    <p:sldTgt/>
-                  </p:tgtEl>
-                </p:cond>
-              </p:prevCondLst>
-              <p:nextCondLst>
-                <p:cond evt="onNext" delay="0">
-                  <p:tgtEl>
-                    <p:sldTgt/>
-                  </p:tgtEl>
-                </p:cond>
-              </p:nextCondLst>
-            </p:seq>
-          </p:childTnLst>
-        </p:cTn>
-      </p:par>
-    </p:tnLst>
-    <p:bldLst>
-      <p:bldP spid="8" grpId="0"/>
-    </p:bldLst>
-  </p:timing>
-</p:sld>
-</file>
-
-<file path=ppt/slides/slide25.xml><?xml version="1.0" encoding="utf-8"?>
-<p:sld xmlns:a="http://schemas.openxmlformats.org/drawingml/2006/main" xmlns:r="http://schemas.openxmlformats.org/officeDocument/2006/relationships" xmlns:p="http://schemas.openxmlformats.org/presentationml/2006/main">
-  <p:cSld>
-    <p:spTree>
-      <p:nvGrpSpPr>
-        <p:cNvPr id="1" name=""/>
-        <p:cNvGrpSpPr/>
-        <p:nvPr/>
-      </p:nvGrpSpPr>
-      <p:grpSpPr>
-        <a:xfrm>
-          <a:off x="0" y="0"/>
-          <a:ext cx="0" cy="0"/>
-          <a:chOff x="0" y="0"/>
-          <a:chExt cx="0" cy="0"/>
-        </a:xfrm>
-      </p:grpSpPr>
-      <p:sp>
-        <p:nvSpPr>
-          <p:cNvPr id="17" name="矩形"/>
-          <p:cNvSpPr>
-            <a:spLocks/>
-          </p:cNvSpPr>
-          <p:nvPr/>
-        </p:nvSpPr>
-        <p:spPr>
-          <a:xfrm>
-            <a:off x="3325505" y="483518"/>
-            <a:ext cx="2492990" cy="553998"/>
-          </a:xfrm>
-          <a:prstGeom prst="rect">
-            <a:avLst/>
-          </a:prstGeom>
-          <a:noFill/>
-          <a:ln w="9525" cap="flat" cmpd="sng">
-            <a:noFill/>
-            <a:prstDash val="solid"/>
-            <a:miter/>
-          </a:ln>
-        </p:spPr>
-        <p:txBody>
-          <a:bodyPr vert="horz" wrap="none" lIns="91440" tIns="45720" rIns="91440" bIns="45720" anchor="t" anchorCtr="0">
-            <a:prstTxWarp prst="textNoShape">
-              <a:avLst/>
-            </a:prstTxWarp>
-            <a:spAutoFit/>
-          </a:bodyPr>
-          <a:lstStyle/>
-          <a:p>
-            <a:r>
-              <a:rPr lang="zh-CN" altLang="en-US" sz="3000" b="1" kern="0" dirty="0">
-                <a:solidFill>
-                  <a:srgbClr val="C9394A"/>
-                </a:solidFill>
-                <a:latin typeface="微软雅黑" charset="0"/>
-                <a:ea typeface="微软雅黑" charset="0"/>
-                <a:cs typeface="微软雅黑" charset="0"/>
-                <a:sym typeface="Calibri" pitchFamily="34" charset="0"/>
-              </a:rPr>
-              <a:t>克隆远程仓库</a:t>
-            </a:r>
-            <a:endParaRPr lang="zh-CN" altLang="en-US" u="none" strike="noStrike" kern="1200" cap="none" spc="0" baseline="0" dirty="0">
-              <a:solidFill>
-                <a:schemeClr val="tx1"/>
-              </a:solidFill>
-              <a:latin typeface="Calibri" pitchFamily="34" charset="0"/>
-              <a:ea typeface="宋体" pitchFamily="2" charset="-122"/>
-              <a:cs typeface="微软雅黑" charset="0"/>
-            </a:endParaRPr>
-          </a:p>
-        </p:txBody>
-      </p:sp>
-      <p:sp>
-        <p:nvSpPr>
-          <p:cNvPr id="8" name="矩形">
-            <a:extLst>
-              <a:ext uri="{FF2B5EF4-FFF2-40B4-BE49-F238E27FC236}">
-                <a16:creationId xmlns:a16="http://schemas.microsoft.com/office/drawing/2014/main" id="{DD861988-578A-41C1-818C-669E02578C63}"/>
-              </a:ext>
-            </a:extLst>
-          </p:cNvPr>
-          <p:cNvSpPr>
-            <a:spLocks/>
-          </p:cNvSpPr>
-          <p:nvPr/>
-        </p:nvSpPr>
-        <p:spPr>
-          <a:xfrm>
-            <a:off x="395536" y="1635646"/>
-            <a:ext cx="8565279" cy="2523768"/>
-          </a:xfrm>
-          <a:prstGeom prst="rect">
-            <a:avLst/>
-          </a:prstGeom>
-          <a:noFill/>
-          <a:ln w="9525" cap="flat" cmpd="sng">
-            <a:noFill/>
-            <a:prstDash val="solid"/>
-            <a:miter/>
-          </a:ln>
-        </p:spPr>
-        <p:txBody>
-          <a:bodyPr vert="horz" wrap="square" lIns="91440" tIns="45720" rIns="91440" bIns="45720" anchor="ctr" anchorCtr="0">
-            <a:prstTxWarp prst="textNoShape">
-              <a:avLst/>
-            </a:prstTxWarp>
-            <a:spAutoFit/>
-          </a:bodyPr>
-          <a:lstStyle/>
-          <a:p>
-            <a:pPr marL="800100" lvl="1" indent="-342900">
-              <a:buFont typeface="Wingdings" panose="05000000000000000000" pitchFamily="2" charset="2"/>
-              <a:buChar char="u"/>
-            </a:pPr>
-            <a:r>
-              <a:rPr lang="en-US" altLang="zh-CN" sz="2000" dirty="0">
-                <a:solidFill>
-                  <a:srgbClr val="212121"/>
-                </a:solidFill>
-                <a:latin typeface="微软雅黑" panose="020B0503020204020204" pitchFamily="34" charset="-122"/>
-                <a:ea typeface="微软雅黑" panose="020B0503020204020204" pitchFamily="34" charset="-122"/>
-                <a:cs typeface="微软雅黑" charset="0"/>
-                <a:sym typeface="Calibri" pitchFamily="34" charset="0"/>
-              </a:rPr>
-              <a:t>git clone  </a:t>
-            </a:r>
-            <a:r>
-              <a:rPr lang="zh-CN" altLang="en-US" sz="2000" dirty="0">
-                <a:solidFill>
-                  <a:srgbClr val="212121"/>
-                </a:solidFill>
-                <a:latin typeface="微软雅黑" panose="020B0503020204020204" pitchFamily="34" charset="-122"/>
-                <a:ea typeface="微软雅黑" panose="020B0503020204020204" pitchFamily="34" charset="-122"/>
-                <a:cs typeface="微软雅黑" charset="0"/>
-                <a:sym typeface="Calibri" pitchFamily="34" charset="0"/>
-              </a:rPr>
-              <a:t>仓库的地址 </a:t>
-            </a:r>
-            <a:endParaRPr lang="en-US" altLang="zh-CN" sz="2000" dirty="0">
-              <a:solidFill>
-                <a:srgbClr val="212121"/>
-              </a:solidFill>
-              <a:latin typeface="微软雅黑" panose="020B0503020204020204" pitchFamily="34" charset="-122"/>
-              <a:ea typeface="微软雅黑" panose="020B0503020204020204" pitchFamily="34" charset="-122"/>
-              <a:cs typeface="微软雅黑" charset="0"/>
-              <a:sym typeface="Calibri" pitchFamily="34" charset="0"/>
-            </a:endParaRPr>
-          </a:p>
-          <a:p>
-            <a:pPr lvl="1"/>
-            <a:endParaRPr lang="en-US" altLang="zh-CN" sz="2000" dirty="0">
-              <a:solidFill>
-                <a:srgbClr val="212121"/>
-              </a:solidFill>
-              <a:latin typeface="微软雅黑" panose="020B0503020204020204" pitchFamily="34" charset="-122"/>
-              <a:ea typeface="微软雅黑" panose="020B0503020204020204" pitchFamily="34" charset="-122"/>
-              <a:cs typeface="微软雅黑" charset="0"/>
-              <a:sym typeface="Calibri" pitchFamily="34" charset="0"/>
-            </a:endParaRPr>
-          </a:p>
-          <a:p>
-            <a:pPr marL="800100" lvl="1" indent="-342900">
-              <a:buFont typeface="Wingdings" panose="05000000000000000000" pitchFamily="2" charset="2"/>
-              <a:buChar char="u"/>
-            </a:pPr>
-            <a:r>
-              <a:rPr lang="en-US" altLang="zh-CN" sz="2000" dirty="0">
-                <a:solidFill>
-                  <a:srgbClr val="212121"/>
-                </a:solidFill>
-                <a:latin typeface="微软雅黑" panose="020B0503020204020204" pitchFamily="34" charset="-122"/>
-                <a:ea typeface="微软雅黑" panose="020B0503020204020204" pitchFamily="34" charset="-122"/>
-                <a:cs typeface="微软雅黑" charset="0"/>
-                <a:sym typeface="Calibri" pitchFamily="34" charset="0"/>
-              </a:rPr>
-              <a:t>git pull origin master  </a:t>
-            </a:r>
-            <a:r>
-              <a:rPr lang="en-US" altLang="zh-CN" sz="2000" dirty="0">
-                <a:solidFill>
-                  <a:srgbClr val="FF0000"/>
-                </a:solidFill>
-                <a:latin typeface="微软雅黑" panose="020B0503020204020204" pitchFamily="34" charset="-122"/>
-                <a:ea typeface="微软雅黑" panose="020B0503020204020204" pitchFamily="34" charset="-122"/>
-                <a:cs typeface="微软雅黑" charset="0"/>
-                <a:sym typeface="Calibri" pitchFamily="34" charset="0"/>
-              </a:rPr>
-              <a:t>--allow-unrelated-histories </a:t>
-            </a:r>
-            <a:r>
-              <a:rPr lang="zh-CN" altLang="en-US" dirty="0">
-                <a:latin typeface="微软雅黑" panose="020B0503020204020204" pitchFamily="34" charset="-122"/>
-                <a:ea typeface="微软雅黑" panose="020B0503020204020204" pitchFamily="34" charset="-122"/>
-              </a:rPr>
-              <a:t>远程代码拉取到本地工作区 </a:t>
-            </a:r>
-            <a:endParaRPr lang="en-US" altLang="zh-CN" sz="2000" dirty="0">
-              <a:solidFill>
-                <a:srgbClr val="FF0000"/>
-              </a:solidFill>
-              <a:latin typeface="微软雅黑" panose="020B0503020204020204" pitchFamily="34" charset="-122"/>
-              <a:ea typeface="微软雅黑" panose="020B0503020204020204" pitchFamily="34" charset="-122"/>
-              <a:cs typeface="微软雅黑" charset="0"/>
-              <a:sym typeface="Calibri" pitchFamily="34" charset="0"/>
-            </a:endParaRPr>
-          </a:p>
-          <a:p>
-            <a:pPr lvl="1"/>
-            <a:endParaRPr lang="en-US" altLang="zh-CN" sz="2000" dirty="0">
-              <a:solidFill>
-                <a:srgbClr val="FF0000"/>
-              </a:solidFill>
-              <a:latin typeface="微软雅黑" charset="0"/>
-              <a:ea typeface="微软雅黑" charset="0"/>
-              <a:cs typeface="微软雅黑" charset="0"/>
-              <a:sym typeface="Calibri" pitchFamily="34" charset="0"/>
-            </a:endParaRPr>
-          </a:p>
-          <a:p>
-            <a:pPr marL="800100" lvl="1" indent="-342900">
-              <a:buFont typeface="Wingdings" panose="05000000000000000000" pitchFamily="2" charset="2"/>
-              <a:buChar char="u"/>
-            </a:pPr>
-            <a:r>
-              <a:rPr lang="en-US" altLang="zh-CN" sz="2000" dirty="0">
-                <a:solidFill>
-                  <a:srgbClr val="212121"/>
-                </a:solidFill>
-                <a:latin typeface="微软雅黑" charset="0"/>
-                <a:ea typeface="微软雅黑" charset="0"/>
-                <a:cs typeface="微软雅黑" charset="0"/>
-                <a:sym typeface="Calibri" pitchFamily="34" charset="0"/>
-              </a:rPr>
-              <a:t>git push –u origin master   </a:t>
-            </a:r>
-            <a:r>
-              <a:rPr lang="zh-CN" altLang="en-US" sz="2000" dirty="0">
-                <a:solidFill>
-                  <a:srgbClr val="212121"/>
-                </a:solidFill>
-                <a:latin typeface="微软雅黑" charset="0"/>
-                <a:ea typeface="微软雅黑" charset="0"/>
-                <a:cs typeface="微软雅黑" charset="0"/>
-                <a:sym typeface="Calibri" pitchFamily="34" charset="0"/>
-              </a:rPr>
-              <a:t>提交到远程仓库</a:t>
-            </a:r>
-            <a:endParaRPr lang="en-US" altLang="zh-CN" sz="2000" dirty="0">
-              <a:solidFill>
-                <a:srgbClr val="212121"/>
-              </a:solidFill>
-              <a:latin typeface="微软雅黑" charset="0"/>
-              <a:ea typeface="微软雅黑" charset="0"/>
-              <a:cs typeface="微软雅黑" charset="0"/>
-              <a:sym typeface="Calibri" pitchFamily="34" charset="0"/>
-            </a:endParaRPr>
-          </a:p>
-          <a:p>
-            <a:pPr lvl="1"/>
-            <a:endParaRPr lang="zh-CN" altLang="en-US" sz="2000" dirty="0">
-              <a:solidFill>
-                <a:srgbClr val="212121"/>
-              </a:solidFill>
-              <a:latin typeface="微软雅黑" charset="0"/>
-              <a:ea typeface="微软雅黑" charset="0"/>
-              <a:cs typeface="微软雅黑" charset="0"/>
-              <a:sym typeface="Calibri" pitchFamily="34" charset="0"/>
-            </a:endParaRPr>
-          </a:p>
-          <a:p>
-            <a:pPr lvl="1"/>
-            <a:endParaRPr lang="en-US" altLang="zh-CN" sz="2000" dirty="0">
-              <a:solidFill>
-                <a:srgbClr val="212121"/>
-              </a:solidFill>
-              <a:latin typeface="微软雅黑" charset="0"/>
-              <a:ea typeface="微软雅黑" charset="0"/>
-              <a:cs typeface="微软雅黑" charset="0"/>
-              <a:sym typeface="Calibri" pitchFamily="34" charset="0"/>
-            </a:endParaRPr>
-          </a:p>
-        </p:txBody>
-      </p:sp>
-    </p:spTree>
-    <p:extLst>
-      <p:ext uri="{BB962C8B-B14F-4D97-AF65-F5344CB8AC3E}">
-        <p14:creationId xmlns:p14="http://schemas.microsoft.com/office/powerpoint/2010/main" val="1872234643"/>
-      </p:ext>
-    </p:extLst>
-  </p:cSld>
-  <p:clrMapOvr>
-    <a:masterClrMapping/>
-  </p:clrMapOvr>
-  <p:timing>
-    <p:tnLst>
-      <p:par>
-        <p:cTn id="1" dur="indefinite" restart="never" nodeType="tmRoot">
-          <p:childTnLst>
-            <p:seq concurrent="1" nextAc="seek">
-              <p:cTn id="2" dur="indefinite" nodeType="mainSeq">
-                <p:childTnLst>
-                  <p:par>
-                    <p:cTn id="3" fill="hold">
-                      <p:stCondLst>
-                        <p:cond delay="indefinite"/>
-                      </p:stCondLst>
-                      <p:childTnLst>
-                        <p:par>
-                          <p:cTn id="4" fill="hold">
-                            <p:stCondLst>
-                              <p:cond delay="0"/>
-                            </p:stCondLst>
-                            <p:childTnLst>
-                              <p:par>
-                                <p:cTn id="5" presetID="2" presetClass="entr" presetSubtype="4" fill="hold" grpId="0" nodeType="clickEffect">
-                                  <p:stCondLst>
-                                    <p:cond delay="0"/>
-                                  </p:stCondLst>
-                                  <p:childTnLst>
-                                    <p:set>
-                                      <p:cBhvr>
-                                        <p:cTn id="6" dur="1" fill="hold">
-                                          <p:stCondLst>
-                                            <p:cond delay="0"/>
-                                          </p:stCondLst>
-                                        </p:cTn>
-                                        <p:tgtEl>
-                                          <p:spTgt spid="8"/>
-                                        </p:tgtEl>
-                                        <p:attrNameLst>
-                                          <p:attrName>style.visibility</p:attrName>
-                                        </p:attrNameLst>
-                                      </p:cBhvr>
-                                      <p:to>
-                                        <p:strVal val="visible"/>
-                                      </p:to>
-                                    </p:set>
-                                    <p:anim calcmode="lin" valueType="num">
-                                      <p:cBhvr additive="base">
-                                        <p:cTn id="7" dur="500" fill="hold"/>
-                                        <p:tgtEl>
-                                          <p:spTgt spid="8"/>
-                                        </p:tgtEl>
-                                        <p:attrNameLst>
-                                          <p:attrName>ppt_x</p:attrName>
-                                        </p:attrNameLst>
-                                      </p:cBhvr>
-                                      <p:tavLst>
-                                        <p:tav tm="0">
-                                          <p:val>
-                                            <p:strVal val="#ppt_x"/>
-                                          </p:val>
-                                        </p:tav>
-                                        <p:tav tm="100000">
-                                          <p:val>
-                                            <p:strVal val="#ppt_x"/>
-                                          </p:val>
-                                        </p:tav>
-                                      </p:tavLst>
-                                    </p:anim>
-                                    <p:anim calcmode="lin" valueType="num">
-                                      <p:cBhvr additive="base">
-                                        <p:cTn id="8" dur="500" fill="hold"/>
-                                        <p:tgtEl>
-                                          <p:spTgt spid="8"/>
-                                        </p:tgtEl>
-                                        <p:attrNameLst>
-                                          <p:attrName>ppt_y</p:attrName>
-                                        </p:attrNameLst>
-                                      </p:cBhvr>
-                                      <p:tavLst>
-                                        <p:tav tm="0">
-                                          <p:val>
-                                            <p:strVal val="1+#ppt_h/2"/>
-                                          </p:val>
-                                        </p:tav>
-                                        <p:tav tm="100000">
-                                          <p:val>
-                                            <p:strVal val="#ppt_y"/>
-                                          </p:val>
-                                        </p:tav>
-                                      </p:tavLst>
-                                    </p:anim>
-                                  </p:childTnLst>
-                                </p:cTn>
-                              </p:par>
-                            </p:childTnLst>
-                          </p:cTn>
-                        </p:par>
-                      </p:childTnLst>
-                    </p:cTn>
-                  </p:par>
-                </p:childTnLst>
-              </p:cTn>
-              <p:prevCondLst>
-                <p:cond evt="onPrev" delay="0">
-                  <p:tgtEl>
-                    <p:sldTgt/>
-                  </p:tgtEl>
-                </p:cond>
-              </p:prevCondLst>
-              <p:nextCondLst>
-                <p:cond evt="onNext" delay="0">
-                  <p:tgtEl>
-                    <p:sldTgt/>
-                  </p:tgtEl>
-                </p:cond>
-              </p:nextCondLst>
-            </p:seq>
-          </p:childTnLst>
-        </p:cTn>
-      </p:par>
-    </p:tnLst>
-    <p:bldLst>
-      <p:bldP spid="8" grpId="0"/>
-    </p:bldLst>
-  </p:timing>
-</p:sld>
-</file>
-
-<file path=ppt/slides/slide26.xml><?xml version="1.0" encoding="utf-8"?>
-<p:sld xmlns:a="http://schemas.openxmlformats.org/drawingml/2006/main" xmlns:r="http://schemas.openxmlformats.org/officeDocument/2006/relationships" xmlns:p="http://schemas.openxmlformats.org/presentationml/2006/main">
-  <p:cSld>
-    <p:spTree>
-      <p:nvGrpSpPr>
-        <p:cNvPr id="1" name=""/>
-        <p:cNvGrpSpPr/>
-        <p:nvPr/>
-      </p:nvGrpSpPr>
-      <p:grpSpPr>
-        <a:xfrm>
-          <a:off x="0" y="0"/>
-          <a:ext cx="0" cy="0"/>
-          <a:chOff x="0" y="0"/>
-          <a:chExt cx="0" cy="0"/>
-        </a:xfrm>
-      </p:grpSpPr>
-      <p:sp>
-        <p:nvSpPr>
-          <p:cNvPr id="17" name="矩形"/>
-          <p:cNvSpPr>
-            <a:spLocks/>
-          </p:cNvSpPr>
-          <p:nvPr/>
-        </p:nvSpPr>
-        <p:spPr>
-          <a:xfrm>
-            <a:off x="3710225" y="427327"/>
-            <a:ext cx="1723549" cy="553998"/>
-          </a:xfrm>
-          <a:prstGeom prst="rect">
-            <a:avLst/>
-          </a:prstGeom>
-          <a:noFill/>
-          <a:ln w="9525" cap="flat" cmpd="sng">
-            <a:noFill/>
-            <a:prstDash val="solid"/>
-            <a:miter/>
-          </a:ln>
-        </p:spPr>
-        <p:txBody>
-          <a:bodyPr vert="horz" wrap="none" lIns="91440" tIns="45720" rIns="91440" bIns="45720" anchor="t" anchorCtr="0">
-            <a:prstTxWarp prst="textNoShape">
-              <a:avLst/>
-            </a:prstTxWarp>
-            <a:spAutoFit/>
-          </a:bodyPr>
-          <a:lstStyle/>
-          <a:p>
-            <a:r>
-              <a:rPr lang="zh-CN" altLang="en-US" sz="3000" b="1" u="none" strike="noStrike" kern="0" cap="none" spc="0" baseline="0" dirty="0">
-                <a:solidFill>
-                  <a:srgbClr val="C9394A"/>
-                </a:solidFill>
-                <a:latin typeface="微软雅黑" charset="0"/>
-                <a:ea typeface="微软雅黑" charset="0"/>
-                <a:cs typeface="微软雅黑" charset="0"/>
-                <a:sym typeface="Calibri" pitchFamily="34" charset="0"/>
-              </a:rPr>
-              <a:t>分支管理</a:t>
-            </a:r>
-            <a:endParaRPr lang="zh-CN" altLang="en-US" u="none" strike="noStrike" kern="1200" cap="none" spc="0" baseline="0" dirty="0">
-              <a:solidFill>
-                <a:schemeClr val="tx1"/>
-              </a:solidFill>
-              <a:latin typeface="Calibri" pitchFamily="34" charset="0"/>
-              <a:ea typeface="宋体" pitchFamily="2" charset="-122"/>
-              <a:cs typeface="微软雅黑" charset="0"/>
-            </a:endParaRPr>
-          </a:p>
-        </p:txBody>
-      </p:sp>
-      <p:graphicFrame>
-        <p:nvGraphicFramePr>
-          <p:cNvPr id="2" name="对象 1">
-            <a:extLst>
-              <a:ext uri="{FF2B5EF4-FFF2-40B4-BE49-F238E27FC236}">
-                <a16:creationId xmlns:a16="http://schemas.microsoft.com/office/drawing/2014/main" id="{A758C9B9-F3BF-4E37-AE11-015EAD6FFC20}"/>
-              </a:ext>
-            </a:extLst>
-          </p:cNvPr>
-          <p:cNvGraphicFramePr>
-            <a:graphicFrameLocks noChangeAspect="1"/>
-          </p:cNvGraphicFramePr>
-          <p:nvPr>
-            <p:extLst>
-              <p:ext uri="{D42A27DB-BD31-4B8C-83A1-F6EECF244321}">
-                <p14:modId xmlns:p14="http://schemas.microsoft.com/office/powerpoint/2010/main" val="30647641"/>
-              </p:ext>
-            </p:extLst>
-          </p:nvPr>
-        </p:nvGraphicFramePr>
-        <p:xfrm>
-          <a:off x="2051720" y="1059582"/>
-          <a:ext cx="4752528" cy="3876779"/>
-        </p:xfrm>
-        <a:graphic>
-          <a:graphicData uri="http://schemas.openxmlformats.org/presentationml/2006/ole">
-            <mc:AlternateContent xmlns:mc="http://schemas.openxmlformats.org/markup-compatibility/2006">
-              <mc:Choice xmlns:v="urn:schemas-microsoft-com:vml" Requires="v">
-                <p:oleObj spid="_x0000_s1085" r:id="rId4" imgW="5590440" imgH="4561560" progId="">
-                  <p:embed/>
-                </p:oleObj>
-              </mc:Choice>
-              <mc:Fallback>
-                <p:oleObj r:id="rId4" imgW="5590440" imgH="4561560" progId="">
-                  <p:embed/>
-                  <p:pic>
-                    <p:nvPicPr>
-                      <p:cNvPr id="2" name="对象 1">
-                        <a:extLst>
-                          <a:ext uri="{FF2B5EF4-FFF2-40B4-BE49-F238E27FC236}">
-                            <a16:creationId xmlns:a16="http://schemas.microsoft.com/office/drawing/2014/main" id="{A758C9B9-F3BF-4E37-AE11-015EAD6FFC20}"/>
-                          </a:ext>
-                        </a:extLst>
-                      </p:cNvPr>
-                      <p:cNvPicPr/>
-                      <p:nvPr/>
-                    </p:nvPicPr>
-                    <p:blipFill>
-                      <a:blip r:embed="rId5"/>
-                      <a:stretch>
-                        <a:fillRect/>
-                      </a:stretch>
-                    </p:blipFill>
-                    <p:spPr>
-                      <a:xfrm>
-                        <a:off x="2051720" y="1059582"/>
-                        <a:ext cx="4752528" cy="3876779"/>
-                      </a:xfrm>
-                      <a:prstGeom prst="rect">
-                        <a:avLst/>
-                      </a:prstGeom>
-                    </p:spPr>
-                  </p:pic>
-                </p:oleObj>
-              </mc:Fallback>
-            </mc:AlternateContent>
-          </a:graphicData>
-        </a:graphic>
-      </p:graphicFrame>
-    </p:spTree>
-    <p:extLst>
-      <p:ext uri="{BB962C8B-B14F-4D97-AF65-F5344CB8AC3E}">
-        <p14:creationId xmlns:p14="http://schemas.microsoft.com/office/powerpoint/2010/main" val="2656998904"/>
-      </p:ext>
-    </p:extLst>
-  </p:cSld>
-  <p:clrMapOvr>
-    <a:masterClrMapping/>
-  </p:clrMapOvr>
-</p:sld>
-</file>
-
-<file path=ppt/slides/slide27.xml><?xml version="1.0" encoding="utf-8"?>
-<p:sld xmlns:a="http://schemas.openxmlformats.org/drawingml/2006/main" xmlns:r="http://schemas.openxmlformats.org/officeDocument/2006/relationships" xmlns:p="http://schemas.openxmlformats.org/presentationml/2006/main">
-  <p:cSld>
-    <p:spTree>
-      <p:nvGrpSpPr>
-        <p:cNvPr id="1" name=""/>
-        <p:cNvGrpSpPr/>
-        <p:nvPr/>
-      </p:nvGrpSpPr>
-      <p:grpSpPr>
-        <a:xfrm>
-          <a:off x="0" y="0"/>
-          <a:ext cx="0" cy="0"/>
-          <a:chOff x="0" y="0"/>
-          <a:chExt cx="0" cy="0"/>
-        </a:xfrm>
-      </p:grpSpPr>
-      <p:sp>
-        <p:nvSpPr>
-          <p:cNvPr id="14" name="矩形"/>
-          <p:cNvSpPr>
-            <a:spLocks/>
-          </p:cNvSpPr>
-          <p:nvPr/>
-        </p:nvSpPr>
-        <p:spPr>
-          <a:xfrm>
-            <a:off x="578721" y="1491630"/>
-            <a:ext cx="8565279" cy="1015663"/>
-          </a:xfrm>
-          <a:prstGeom prst="rect">
-            <a:avLst/>
-          </a:prstGeom>
-          <a:noFill/>
-          <a:ln w="9525" cap="flat" cmpd="sng">
-            <a:noFill/>
-            <a:prstDash val="solid"/>
-            <a:miter/>
-          </a:ln>
-        </p:spPr>
-        <p:txBody>
-          <a:bodyPr vert="horz" wrap="square" lIns="91440" tIns="45720" rIns="91440" bIns="45720" anchor="ctr" anchorCtr="0">
-            <a:prstTxWarp prst="textNoShape">
-              <a:avLst/>
-            </a:prstTxWarp>
-            <a:spAutoFit/>
-          </a:bodyPr>
-          <a:lstStyle/>
-          <a:p>
-            <a:pPr marL="800100" lvl="1" indent="-342900">
-              <a:buFont typeface="Wingdings" panose="05000000000000000000" pitchFamily="2" charset="2"/>
-              <a:buChar char="u"/>
-            </a:pPr>
-            <a:r>
-              <a:rPr lang="zh-CN" altLang="en-US" sz="2000" dirty="0">
-                <a:solidFill>
-                  <a:srgbClr val="212121"/>
-                </a:solidFill>
-                <a:latin typeface="微软雅黑" charset="0"/>
-                <a:ea typeface="微软雅黑" charset="0"/>
-                <a:cs typeface="微软雅黑" charset="0"/>
-                <a:sym typeface="Calibri" pitchFamily="34" charset="0"/>
-              </a:rPr>
-              <a:t>为什么使用分支？</a:t>
-            </a:r>
-            <a:endParaRPr lang="en-US" altLang="zh-CN" sz="2000" dirty="0">
-              <a:solidFill>
-                <a:srgbClr val="212121"/>
-              </a:solidFill>
-              <a:latin typeface="微软雅黑" charset="0"/>
-              <a:ea typeface="微软雅黑" charset="0"/>
-              <a:cs typeface="微软雅黑" charset="0"/>
-              <a:sym typeface="Calibri" pitchFamily="34" charset="0"/>
-            </a:endParaRPr>
-          </a:p>
-          <a:p>
-            <a:pPr lvl="1"/>
-            <a:endParaRPr lang="en-US" altLang="zh-CN" sz="2000" dirty="0">
-              <a:solidFill>
-                <a:srgbClr val="C9394A"/>
-              </a:solidFill>
-              <a:latin typeface="微软雅黑" charset="0"/>
-              <a:ea typeface="微软雅黑" charset="0"/>
-              <a:cs typeface="微软雅黑" charset="0"/>
-              <a:sym typeface="Calibri" pitchFamily="34" charset="0"/>
-            </a:endParaRPr>
-          </a:p>
-          <a:p>
-            <a:pPr lvl="1"/>
-            <a:r>
-              <a:rPr lang="en-US" altLang="zh-CN" sz="2000" dirty="0">
-                <a:solidFill>
-                  <a:srgbClr val="C9394A"/>
-                </a:solidFill>
-                <a:latin typeface="微软雅黑" charset="0"/>
-                <a:ea typeface="微软雅黑" charset="0"/>
-                <a:cs typeface="微软雅黑" charset="0"/>
-                <a:sym typeface="Calibri" pitchFamily="34" charset="0"/>
-              </a:rPr>
-              <a:t>	</a:t>
-            </a:r>
-          </a:p>
-        </p:txBody>
-      </p:sp>
-      <p:sp>
-        <p:nvSpPr>
-          <p:cNvPr id="17" name="矩形"/>
-          <p:cNvSpPr>
-            <a:spLocks/>
-          </p:cNvSpPr>
-          <p:nvPr/>
-        </p:nvSpPr>
-        <p:spPr>
-          <a:xfrm>
-            <a:off x="3710225" y="427327"/>
-            <a:ext cx="1723549" cy="553998"/>
-          </a:xfrm>
-          <a:prstGeom prst="rect">
-            <a:avLst/>
-          </a:prstGeom>
-          <a:noFill/>
-          <a:ln w="9525" cap="flat" cmpd="sng">
-            <a:noFill/>
-            <a:prstDash val="solid"/>
-            <a:miter/>
-          </a:ln>
-        </p:spPr>
-        <p:txBody>
-          <a:bodyPr vert="horz" wrap="none" lIns="91440" tIns="45720" rIns="91440" bIns="45720" anchor="t" anchorCtr="0">
-            <a:prstTxWarp prst="textNoShape">
-              <a:avLst/>
-            </a:prstTxWarp>
-            <a:spAutoFit/>
-          </a:bodyPr>
-          <a:lstStyle/>
-          <a:p>
-            <a:r>
-              <a:rPr lang="zh-CN" altLang="en-US" sz="3000" b="1" u="none" strike="noStrike" kern="0" cap="none" spc="0" baseline="0" dirty="0">
-                <a:solidFill>
-                  <a:srgbClr val="C9394A"/>
-                </a:solidFill>
-                <a:latin typeface="微软雅黑" charset="0"/>
-                <a:ea typeface="微软雅黑" charset="0"/>
-                <a:cs typeface="微软雅黑" charset="0"/>
-                <a:sym typeface="Calibri" pitchFamily="34" charset="0"/>
-              </a:rPr>
-              <a:t>分支管理</a:t>
-            </a:r>
-            <a:endParaRPr lang="zh-CN" altLang="en-US" u="none" strike="noStrike" kern="1200" cap="none" spc="0" baseline="0" dirty="0">
-              <a:solidFill>
-                <a:schemeClr val="tx1"/>
-              </a:solidFill>
-              <a:latin typeface="Calibri" pitchFamily="34" charset="0"/>
-              <a:ea typeface="宋体" pitchFamily="2" charset="-122"/>
-              <a:cs typeface="微软雅黑" charset="0"/>
-            </a:endParaRPr>
-          </a:p>
-        </p:txBody>
-      </p:sp>
-      <p:sp>
-        <p:nvSpPr>
-          <p:cNvPr id="7" name="矩形">
-            <a:extLst>
-              <a:ext uri="{FF2B5EF4-FFF2-40B4-BE49-F238E27FC236}">
-                <a16:creationId xmlns:a16="http://schemas.microsoft.com/office/drawing/2014/main" id="{EFC72CD9-084D-4474-BB9F-79D9DB9CD824}"/>
-              </a:ext>
-            </a:extLst>
-          </p:cNvPr>
-          <p:cNvSpPr>
-            <a:spLocks/>
-          </p:cNvSpPr>
-          <p:nvPr/>
-        </p:nvSpPr>
-        <p:spPr>
-          <a:xfrm>
-            <a:off x="395536" y="2417433"/>
-            <a:ext cx="8565279" cy="1200329"/>
-          </a:xfrm>
-          <a:prstGeom prst="rect">
-            <a:avLst/>
-          </a:prstGeom>
-          <a:noFill/>
-          <a:ln w="9525" cap="flat" cmpd="sng">
-            <a:noFill/>
-            <a:prstDash val="solid"/>
-            <a:miter/>
-          </a:ln>
-        </p:spPr>
-        <p:txBody>
-          <a:bodyPr vert="horz" wrap="square" lIns="91440" tIns="45720" rIns="91440" bIns="45720" anchor="ctr" anchorCtr="0">
-            <a:prstTxWarp prst="textNoShape">
-              <a:avLst/>
-            </a:prstTxWarp>
-            <a:spAutoFit/>
-          </a:bodyPr>
-          <a:lstStyle/>
-          <a:p>
-            <a:r>
-              <a:rPr lang="zh-CN" altLang="zh-CN" sz="1600" dirty="0">
-                <a:latin typeface="微软雅黑" panose="020B0503020204020204" pitchFamily="34" charset="-122"/>
-                <a:ea typeface="微软雅黑" panose="020B0503020204020204" pitchFamily="34" charset="-122"/>
-              </a:rPr>
-              <a:t>可以创建一个属于自己的分支，别人看不见，在自己的分支上进行开发，等开发完毕，还继续在原来的分支上合并。</a:t>
-            </a:r>
-          </a:p>
-          <a:p>
-            <a:pPr lvl="1"/>
-            <a:endParaRPr lang="en-US" altLang="zh-CN" sz="2000" dirty="0">
-              <a:solidFill>
-                <a:srgbClr val="C9394A"/>
-              </a:solidFill>
-              <a:latin typeface="微软雅黑" charset="0"/>
-              <a:ea typeface="微软雅黑" charset="0"/>
-              <a:cs typeface="微软雅黑" charset="0"/>
-              <a:sym typeface="Calibri" pitchFamily="34" charset="0"/>
-            </a:endParaRPr>
-          </a:p>
-          <a:p>
-            <a:pPr lvl="1"/>
-            <a:r>
-              <a:rPr lang="en-US" altLang="zh-CN" sz="2000" dirty="0">
-                <a:solidFill>
-                  <a:srgbClr val="C9394A"/>
-                </a:solidFill>
-                <a:latin typeface="微软雅黑" charset="0"/>
-                <a:ea typeface="微软雅黑" charset="0"/>
-                <a:cs typeface="微软雅黑" charset="0"/>
-                <a:sym typeface="Calibri" pitchFamily="34" charset="0"/>
-              </a:rPr>
-              <a:t>	</a:t>
-            </a:r>
-          </a:p>
-        </p:txBody>
-      </p:sp>
-    </p:spTree>
-    <p:extLst>
-      <p:ext uri="{BB962C8B-B14F-4D97-AF65-F5344CB8AC3E}">
-        <p14:creationId xmlns:p14="http://schemas.microsoft.com/office/powerpoint/2010/main" val="4098891537"/>
-      </p:ext>
-    </p:extLst>
-  </p:cSld>
-  <p:clrMapOvr>
-    <a:masterClrMapping/>
-  </p:clrMapOvr>
-  <p:timing>
-    <p:tnLst>
-      <p:par>
-        <p:cTn id="1" dur="indefinite" restart="never" nodeType="tmRoot">
-          <p:childTnLst>
-            <p:seq concurrent="1" nextAc="seek">
-              <p:cTn id="2" dur="indefinite" nodeType="mainSeq">
-                <p:childTnLst>
-                  <p:par>
-                    <p:cTn id="3" fill="hold">
-                      <p:stCondLst>
-                        <p:cond delay="indefinite"/>
-                      </p:stCondLst>
-                      <p:childTnLst>
-                        <p:par>
-                          <p:cTn id="4" fill="hold">
-                            <p:stCondLst>
-                              <p:cond delay="0"/>
-                            </p:stCondLst>
-                            <p:childTnLst>
-                              <p:par>
-                                <p:cTn id="5" presetID="2" presetClass="entr" presetSubtype="4" fill="hold" grpId="0" nodeType="clickEffect">
-                                  <p:stCondLst>
-                                    <p:cond delay="0"/>
-                                  </p:stCondLst>
-                                  <p:childTnLst>
-                                    <p:set>
-                                      <p:cBhvr>
-                                        <p:cTn id="6" dur="1" fill="hold">
-                                          <p:stCondLst>
-                                            <p:cond delay="0"/>
-                                          </p:stCondLst>
-                                        </p:cTn>
-                                        <p:tgtEl>
-                                          <p:spTgt spid="14"/>
-                                        </p:tgtEl>
-                                        <p:attrNameLst>
-                                          <p:attrName>style.visibility</p:attrName>
-                                        </p:attrNameLst>
-                                      </p:cBhvr>
-                                      <p:to>
-                                        <p:strVal val="visible"/>
-                                      </p:to>
-                                    </p:set>
-                                    <p:anim calcmode="lin" valueType="num">
-                                      <p:cBhvr additive="base">
-                                        <p:cTn id="7" dur="500" fill="hold"/>
-                                        <p:tgtEl>
-                                          <p:spTgt spid="14"/>
-                                        </p:tgtEl>
-                                        <p:attrNameLst>
-                                          <p:attrName>ppt_x</p:attrName>
-                                        </p:attrNameLst>
-                                      </p:cBhvr>
-                                      <p:tavLst>
-                                        <p:tav tm="0">
-                                          <p:val>
-                                            <p:strVal val="#ppt_x"/>
-                                          </p:val>
-                                        </p:tav>
-                                        <p:tav tm="100000">
-                                          <p:val>
-                                            <p:strVal val="#ppt_x"/>
-                                          </p:val>
-                                        </p:tav>
-                                      </p:tavLst>
-                                    </p:anim>
-                                    <p:anim calcmode="lin" valueType="num">
-                                      <p:cBhvr additive="base">
-                                        <p:cTn id="8" dur="500" fill="hold"/>
-                                        <p:tgtEl>
-                                          <p:spTgt spid="14"/>
-                                        </p:tgtEl>
-                                        <p:attrNameLst>
-                                          <p:attrName>ppt_y</p:attrName>
-                                        </p:attrNameLst>
-                                      </p:cBhvr>
-                                      <p:tavLst>
-                                        <p:tav tm="0">
-                                          <p:val>
-                                            <p:strVal val="1+#ppt_h/2"/>
-                                          </p:val>
-                                        </p:tav>
-                                        <p:tav tm="100000">
-                                          <p:val>
-                                            <p:strVal val="#ppt_y"/>
-                                          </p:val>
-                                        </p:tav>
-                                      </p:tavLst>
-                                    </p:anim>
-                                  </p:childTnLst>
-                                </p:cTn>
-                              </p:par>
-                            </p:childTnLst>
-                          </p:cTn>
-                        </p:par>
-                      </p:childTnLst>
-                    </p:cTn>
-                  </p:par>
-                  <p:par>
-                    <p:cTn id="9" fill="hold">
-                      <p:stCondLst>
-                        <p:cond delay="indefinite"/>
-                      </p:stCondLst>
-                      <p:childTnLst>
-                        <p:par>
-                          <p:cTn id="10" fill="hold">
-                            <p:stCondLst>
-                              <p:cond delay="0"/>
-                            </p:stCondLst>
-                            <p:childTnLst>
-                              <p:par>
-                                <p:cTn id="11" presetID="2" presetClass="entr" presetSubtype="4" fill="hold" grpId="0" nodeType="clickEffect">
-                                  <p:stCondLst>
-                                    <p:cond delay="0"/>
-                                  </p:stCondLst>
-                                  <p:childTnLst>
-                                    <p:set>
-                                      <p:cBhvr>
-                                        <p:cTn id="12" dur="1" fill="hold">
-                                          <p:stCondLst>
-                                            <p:cond delay="0"/>
-                                          </p:stCondLst>
-                                        </p:cTn>
-                                        <p:tgtEl>
-                                          <p:spTgt spid="7"/>
-                                        </p:tgtEl>
-                                        <p:attrNameLst>
-                                          <p:attrName>style.visibility</p:attrName>
-                                        </p:attrNameLst>
-                                      </p:cBhvr>
-                                      <p:to>
-                                        <p:strVal val="visible"/>
-                                      </p:to>
-                                    </p:set>
-                                    <p:anim calcmode="lin" valueType="num">
-                                      <p:cBhvr additive="base">
-                                        <p:cTn id="13" dur="500" fill="hold"/>
-                                        <p:tgtEl>
-                                          <p:spTgt spid="7"/>
-                                        </p:tgtEl>
-                                        <p:attrNameLst>
-                                          <p:attrName>ppt_x</p:attrName>
-                                        </p:attrNameLst>
-                                      </p:cBhvr>
-                                      <p:tavLst>
-                                        <p:tav tm="0">
-                                          <p:val>
-                                            <p:strVal val="#ppt_x"/>
-                                          </p:val>
-                                        </p:tav>
-                                        <p:tav tm="100000">
-                                          <p:val>
-                                            <p:strVal val="#ppt_x"/>
-                                          </p:val>
-                                        </p:tav>
-                                      </p:tavLst>
-                                    </p:anim>
-                                    <p:anim calcmode="lin" valueType="num">
-                                      <p:cBhvr additive="base">
-                                        <p:cTn id="14" dur="500" fill="hold"/>
-                                        <p:tgtEl>
-                                          <p:spTgt spid="7"/>
-                                        </p:tgtEl>
-                                        <p:attrNameLst>
-                                          <p:attrName>ppt_y</p:attrName>
-                                        </p:attrNameLst>
-                                      </p:cBhvr>
-                                      <p:tavLst>
-                                        <p:tav tm="0">
-                                          <p:val>
-                                            <p:strVal val="1+#ppt_h/2"/>
-                                          </p:val>
-                                        </p:tav>
-                                        <p:tav tm="100000">
-                                          <p:val>
-                                            <p:strVal val="#ppt_y"/>
-                                          </p:val>
-                                        </p:tav>
-                                      </p:tavLst>
-                                    </p:anim>
-                                  </p:childTnLst>
-                                </p:cTn>
-                              </p:par>
-                            </p:childTnLst>
-                          </p:cTn>
-                        </p:par>
-                      </p:childTnLst>
-                    </p:cTn>
-                  </p:par>
-                </p:childTnLst>
-              </p:cTn>
-              <p:prevCondLst>
-                <p:cond evt="onPrev" delay="0">
-                  <p:tgtEl>
-                    <p:sldTgt/>
-                  </p:tgtEl>
-                </p:cond>
-              </p:prevCondLst>
-              <p:nextCondLst>
-                <p:cond evt="onNext" delay="0">
-                  <p:tgtEl>
-                    <p:sldTgt/>
-                  </p:tgtEl>
-                </p:cond>
-              </p:nextCondLst>
-            </p:seq>
-          </p:childTnLst>
-        </p:cTn>
-      </p:par>
-    </p:tnLst>
-    <p:bldLst>
-      <p:bldP spid="14" grpId="0"/>
-      <p:bldP spid="7" grpId="0"/>
-    </p:bldLst>
-  </p:timing>
-</p:sld>
-</file>
-
-<file path=ppt/slides/slide28.xml><?xml version="1.0" encoding="utf-8"?>
-<p:sld xmlns:a="http://schemas.openxmlformats.org/drawingml/2006/main" xmlns:r="http://schemas.openxmlformats.org/officeDocument/2006/relationships" xmlns:p="http://schemas.openxmlformats.org/presentationml/2006/main">
-  <p:cSld>
-    <p:spTree>
-      <p:nvGrpSpPr>
-        <p:cNvPr id="1" name=""/>
-        <p:cNvGrpSpPr/>
-        <p:nvPr/>
-      </p:nvGrpSpPr>
-      <p:grpSpPr>
-        <a:xfrm>
-          <a:off x="0" y="0"/>
-          <a:ext cx="0" cy="0"/>
-          <a:chOff x="0" y="0"/>
-          <a:chExt cx="0" cy="0"/>
-        </a:xfrm>
-      </p:grpSpPr>
-      <p:sp>
-        <p:nvSpPr>
-          <p:cNvPr id="17" name="矩形"/>
-          <p:cNvSpPr>
-            <a:spLocks/>
-          </p:cNvSpPr>
-          <p:nvPr/>
-        </p:nvSpPr>
-        <p:spPr>
-          <a:xfrm>
-            <a:off x="3710225" y="427327"/>
-            <a:ext cx="1723549" cy="553998"/>
-          </a:xfrm>
-          <a:prstGeom prst="rect">
-            <a:avLst/>
-          </a:prstGeom>
-          <a:noFill/>
-          <a:ln w="9525" cap="flat" cmpd="sng">
-            <a:noFill/>
-            <a:prstDash val="solid"/>
-            <a:miter/>
-          </a:ln>
-        </p:spPr>
-        <p:txBody>
-          <a:bodyPr vert="horz" wrap="none" lIns="91440" tIns="45720" rIns="91440" bIns="45720" anchor="t" anchorCtr="0">
-            <a:prstTxWarp prst="textNoShape">
-              <a:avLst/>
-            </a:prstTxWarp>
-            <a:spAutoFit/>
-          </a:bodyPr>
-          <a:lstStyle/>
-          <a:p>
-            <a:r>
-              <a:rPr lang="zh-CN" altLang="en-US" sz="3000" b="1" u="none" strike="noStrike" kern="0" cap="none" spc="0" baseline="0" dirty="0">
-                <a:solidFill>
-                  <a:srgbClr val="C9394A"/>
-                </a:solidFill>
-                <a:latin typeface="微软雅黑" charset="0"/>
-                <a:ea typeface="微软雅黑" charset="0"/>
-                <a:cs typeface="微软雅黑" charset="0"/>
-                <a:sym typeface="Calibri" pitchFamily="34" charset="0"/>
-              </a:rPr>
-              <a:t>分支管理</a:t>
-            </a:r>
-            <a:endParaRPr lang="zh-CN" altLang="en-US" u="none" strike="noStrike" kern="1200" cap="none" spc="0" baseline="0" dirty="0">
-              <a:solidFill>
-                <a:schemeClr val="tx1"/>
-              </a:solidFill>
-              <a:latin typeface="Calibri" pitchFamily="34" charset="0"/>
-              <a:ea typeface="宋体" pitchFamily="2" charset="-122"/>
-              <a:cs typeface="微软雅黑" charset="0"/>
-            </a:endParaRPr>
-          </a:p>
-        </p:txBody>
-      </p:sp>
-      <p:pic>
-        <p:nvPicPr>
-          <p:cNvPr id="6" name="图片 5">
-            <a:extLst>
-              <a:ext uri="{FF2B5EF4-FFF2-40B4-BE49-F238E27FC236}">
-                <a16:creationId xmlns:a16="http://schemas.microsoft.com/office/drawing/2014/main" id="{834667EB-CEE9-4ECF-9215-CD5ABCA943E1}"/>
-              </a:ext>
-            </a:extLst>
-          </p:cNvPr>
-          <p:cNvPicPr>
-            <a:picLocks noChangeAspect="1"/>
-          </p:cNvPicPr>
-          <p:nvPr/>
-        </p:nvPicPr>
-        <p:blipFill>
-          <a:blip r:embed="rId3"/>
-          <a:stretch>
-            <a:fillRect/>
-          </a:stretch>
-        </p:blipFill>
-        <p:spPr>
-          <a:xfrm>
-            <a:off x="2411760" y="2316325"/>
-            <a:ext cx="3816424" cy="1979473"/>
-          </a:xfrm>
-          <a:prstGeom prst="rect">
-            <a:avLst/>
-          </a:prstGeom>
-        </p:spPr>
-      </p:pic>
-      <p:sp>
-        <p:nvSpPr>
-          <p:cNvPr id="7" name="矩形">
-            <a:extLst>
-              <a:ext uri="{FF2B5EF4-FFF2-40B4-BE49-F238E27FC236}">
-                <a16:creationId xmlns:a16="http://schemas.microsoft.com/office/drawing/2014/main" id="{EFC72CD9-084D-4474-BB9F-79D9DB9CD824}"/>
-              </a:ext>
-            </a:extLst>
-          </p:cNvPr>
-          <p:cNvSpPr>
-            <a:spLocks/>
-          </p:cNvSpPr>
-          <p:nvPr/>
-        </p:nvSpPr>
-        <p:spPr>
-          <a:xfrm>
-            <a:off x="578721" y="1300662"/>
-            <a:ext cx="8565279" cy="1015663"/>
-          </a:xfrm>
-          <a:prstGeom prst="rect">
-            <a:avLst/>
-          </a:prstGeom>
-          <a:noFill/>
-          <a:ln w="9525" cap="flat" cmpd="sng">
-            <a:noFill/>
-            <a:prstDash val="solid"/>
-            <a:miter/>
-          </a:ln>
-        </p:spPr>
-        <p:txBody>
-          <a:bodyPr vert="horz" wrap="square" lIns="91440" tIns="45720" rIns="91440" bIns="45720" anchor="ctr" anchorCtr="0">
-            <a:prstTxWarp prst="textNoShape">
-              <a:avLst/>
-            </a:prstTxWarp>
-            <a:spAutoFit/>
-          </a:bodyPr>
-          <a:lstStyle/>
-          <a:p>
-            <a:pPr marL="800100" lvl="1" indent="-342900">
-              <a:buFont typeface="Wingdings" panose="05000000000000000000" pitchFamily="2" charset="2"/>
-              <a:buChar char="u"/>
-            </a:pPr>
-            <a:r>
-              <a:rPr lang="zh-CN" altLang="en-US" sz="2000" dirty="0">
-                <a:solidFill>
-                  <a:srgbClr val="212121"/>
-                </a:solidFill>
-                <a:latin typeface="微软雅黑" charset="0"/>
-                <a:ea typeface="微软雅黑" charset="0"/>
-                <a:cs typeface="微软雅黑" charset="0"/>
-                <a:sym typeface="Calibri" pitchFamily="34" charset="0"/>
-              </a:rPr>
-              <a:t>分支管理策略</a:t>
-            </a:r>
-            <a:endParaRPr lang="en-US" altLang="zh-CN" sz="2000" dirty="0">
-              <a:solidFill>
-                <a:srgbClr val="212121"/>
-              </a:solidFill>
-              <a:latin typeface="微软雅黑" charset="0"/>
-              <a:ea typeface="微软雅黑" charset="0"/>
-              <a:cs typeface="微软雅黑" charset="0"/>
-              <a:sym typeface="Calibri" pitchFamily="34" charset="0"/>
-            </a:endParaRPr>
-          </a:p>
-          <a:p>
-            <a:pPr lvl="1"/>
-            <a:endParaRPr lang="en-US" altLang="zh-CN" sz="2000" dirty="0">
-              <a:solidFill>
-                <a:srgbClr val="C9394A"/>
-              </a:solidFill>
-              <a:latin typeface="微软雅黑" charset="0"/>
-              <a:ea typeface="微软雅黑" charset="0"/>
-              <a:cs typeface="微软雅黑" charset="0"/>
-              <a:sym typeface="Calibri" pitchFamily="34" charset="0"/>
-            </a:endParaRPr>
-          </a:p>
-          <a:p>
-            <a:pPr lvl="1"/>
-            <a:r>
-              <a:rPr lang="en-US" altLang="zh-CN" sz="2000" dirty="0">
-                <a:solidFill>
-                  <a:srgbClr val="C9394A"/>
-                </a:solidFill>
-                <a:latin typeface="微软雅黑" charset="0"/>
-                <a:ea typeface="微软雅黑" charset="0"/>
-                <a:cs typeface="微软雅黑" charset="0"/>
-                <a:sym typeface="Calibri" pitchFamily="34" charset="0"/>
-              </a:rPr>
-              <a:t>	</a:t>
-            </a:r>
-          </a:p>
-        </p:txBody>
-      </p:sp>
-    </p:spTree>
-    <p:extLst>
-      <p:ext uri="{BB962C8B-B14F-4D97-AF65-F5344CB8AC3E}">
-        <p14:creationId xmlns:p14="http://schemas.microsoft.com/office/powerpoint/2010/main" val="3774219433"/>
-      </p:ext>
-    </p:extLst>
-  </p:cSld>
-  <p:clrMapOvr>
-    <a:masterClrMapping/>
-  </p:clrMapOvr>
-  <p:timing>
-    <p:tnLst>
-      <p:par>
-        <p:cTn id="1" dur="indefinite" restart="never" nodeType="tmRoot">
-          <p:childTnLst>
-            <p:seq concurrent="1" nextAc="seek">
-              <p:cTn id="2" dur="indefinite" nodeType="mainSeq">
-                <p:childTnLst>
-                  <p:par>
-                    <p:cTn id="3" fill="hold">
-                      <p:stCondLst>
-                        <p:cond delay="indefinite"/>
-                      </p:stCondLst>
-                      <p:childTnLst>
-                        <p:par>
-                          <p:cTn id="4" fill="hold">
-                            <p:stCondLst>
-                              <p:cond delay="0"/>
-                            </p:stCondLst>
-                            <p:childTnLst>
-                              <p:par>
-                                <p:cTn id="5" presetID="2" presetClass="entr" presetSubtype="4" fill="hold" grpId="0" nodeType="clickEffect">
-                                  <p:stCondLst>
-                                    <p:cond delay="0"/>
-                                  </p:stCondLst>
-                                  <p:childTnLst>
-                                    <p:set>
-                                      <p:cBhvr>
-                                        <p:cTn id="6" dur="1" fill="hold">
-                                          <p:stCondLst>
-                                            <p:cond delay="0"/>
-                                          </p:stCondLst>
-                                        </p:cTn>
-                                        <p:tgtEl>
-                                          <p:spTgt spid="7"/>
-                                        </p:tgtEl>
-                                        <p:attrNameLst>
-                                          <p:attrName>style.visibility</p:attrName>
-                                        </p:attrNameLst>
-                                      </p:cBhvr>
-                                      <p:to>
-                                        <p:strVal val="visible"/>
-                                      </p:to>
-                                    </p:set>
-                                    <p:anim calcmode="lin" valueType="num">
-                                      <p:cBhvr additive="base">
-                                        <p:cTn id="7" dur="500" fill="hold"/>
-                                        <p:tgtEl>
-                                          <p:spTgt spid="7"/>
-                                        </p:tgtEl>
-                                        <p:attrNameLst>
-                                          <p:attrName>ppt_x</p:attrName>
-                                        </p:attrNameLst>
-                                      </p:cBhvr>
-                                      <p:tavLst>
-                                        <p:tav tm="0">
-                                          <p:val>
-                                            <p:strVal val="#ppt_x"/>
-                                          </p:val>
-                                        </p:tav>
-                                        <p:tav tm="100000">
-                                          <p:val>
-                                            <p:strVal val="#ppt_x"/>
-                                          </p:val>
-                                        </p:tav>
-                                      </p:tavLst>
-                                    </p:anim>
-                                    <p:anim calcmode="lin" valueType="num">
-                                      <p:cBhvr additive="base">
-                                        <p:cTn id="8" dur="500" fill="hold"/>
-                                        <p:tgtEl>
-                                          <p:spTgt spid="7"/>
-                                        </p:tgtEl>
-                                        <p:attrNameLst>
-                                          <p:attrName>ppt_y</p:attrName>
-                                        </p:attrNameLst>
-                                      </p:cBhvr>
-                                      <p:tavLst>
-                                        <p:tav tm="0">
-                                          <p:val>
-                                            <p:strVal val="1+#ppt_h/2"/>
-                                          </p:val>
-                                        </p:tav>
-                                        <p:tav tm="100000">
-                                          <p:val>
-                                            <p:strVal val="#ppt_y"/>
-                                          </p:val>
-                                        </p:tav>
-                                      </p:tavLst>
-                                    </p:anim>
-                                  </p:childTnLst>
-                                </p:cTn>
-                              </p:par>
-                            </p:childTnLst>
-                          </p:cTn>
-                        </p:par>
-                      </p:childTnLst>
-                    </p:cTn>
-                  </p:par>
-                </p:childTnLst>
-              </p:cTn>
-              <p:prevCondLst>
-                <p:cond evt="onPrev" delay="0">
-                  <p:tgtEl>
-                    <p:sldTgt/>
-                  </p:tgtEl>
-                </p:cond>
-              </p:prevCondLst>
-              <p:nextCondLst>
-                <p:cond evt="onNext" delay="0">
-                  <p:tgtEl>
-                    <p:sldTgt/>
-                  </p:tgtEl>
-                </p:cond>
-              </p:nextCondLst>
-            </p:seq>
-          </p:childTnLst>
-        </p:cTn>
-      </p:par>
-    </p:tnLst>
-    <p:bldLst>
-      <p:bldP spid="7" grpId="0"/>
-    </p:bldLst>
-  </p:timing>
-</p:sld>
-</file>
-
-<file path=ppt/slides/slide29.xml><?xml version="1.0" encoding="utf-8"?>
-<p:sld xmlns:a="http://schemas.openxmlformats.org/drawingml/2006/main" xmlns:r="http://schemas.openxmlformats.org/officeDocument/2006/relationships" xmlns:p="http://schemas.openxmlformats.org/presentationml/2006/main">
-  <p:cSld>
-    <p:spTree>
-      <p:nvGrpSpPr>
-        <p:cNvPr id="1" name=""/>
-        <p:cNvGrpSpPr/>
-        <p:nvPr/>
-      </p:nvGrpSpPr>
-      <p:grpSpPr>
-        <a:xfrm>
-          <a:off x="0" y="0"/>
-          <a:ext cx="0" cy="0"/>
-          <a:chOff x="0" y="0"/>
-          <a:chExt cx="0" cy="0"/>
-        </a:xfrm>
-      </p:grpSpPr>
-      <p:sp>
-        <p:nvSpPr>
-          <p:cNvPr id="17" name="矩形"/>
-          <p:cNvSpPr>
-            <a:spLocks/>
-          </p:cNvSpPr>
-          <p:nvPr/>
-        </p:nvSpPr>
-        <p:spPr>
-          <a:xfrm>
-            <a:off x="2987824" y="494551"/>
-            <a:ext cx="2877711" cy="553998"/>
-          </a:xfrm>
-          <a:prstGeom prst="rect">
-            <a:avLst/>
-          </a:prstGeom>
-          <a:noFill/>
-          <a:ln w="9525" cap="flat" cmpd="sng">
-            <a:noFill/>
-            <a:prstDash val="solid"/>
-            <a:miter/>
-          </a:ln>
-        </p:spPr>
-        <p:txBody>
-          <a:bodyPr vert="horz" wrap="none" lIns="91440" tIns="45720" rIns="91440" bIns="45720" anchor="t" anchorCtr="0">
-            <a:prstTxWarp prst="textNoShape">
-              <a:avLst/>
-            </a:prstTxWarp>
-            <a:spAutoFit/>
-          </a:bodyPr>
-          <a:lstStyle/>
-          <a:p>
-            <a:r>
-              <a:rPr lang="zh-CN" altLang="en-US" sz="3000" b="1" u="none" strike="noStrike" kern="0" cap="none" spc="0" baseline="0" dirty="0">
-                <a:solidFill>
-                  <a:srgbClr val="C9394A"/>
-                </a:solidFill>
-                <a:latin typeface="微软雅黑" charset="0"/>
-                <a:ea typeface="微软雅黑" charset="0"/>
-                <a:cs typeface="微软雅黑" charset="0"/>
-                <a:sym typeface="Calibri" pitchFamily="34" charset="0"/>
-              </a:rPr>
-              <a:t>分支的</a:t>
-            </a:r>
-            <a:r>
-              <a:rPr lang="zh-CN" altLang="en-US" sz="3000" b="1" kern="0" dirty="0">
-                <a:solidFill>
-                  <a:srgbClr val="C9394A"/>
-                </a:solidFill>
-                <a:latin typeface="微软雅黑" charset="0"/>
-                <a:ea typeface="微软雅黑" charset="0"/>
-                <a:cs typeface="微软雅黑" charset="0"/>
-                <a:sym typeface="Calibri" pitchFamily="34" charset="0"/>
-              </a:rPr>
-              <a:t>团队协作</a:t>
-            </a:r>
-          </a:p>
-        </p:txBody>
-      </p:sp>
-      <p:pic>
-        <p:nvPicPr>
-          <p:cNvPr id="3" name="图片 2">
-            <a:extLst>
-              <a:ext uri="{FF2B5EF4-FFF2-40B4-BE49-F238E27FC236}">
-                <a16:creationId xmlns:a16="http://schemas.microsoft.com/office/drawing/2014/main" id="{E0389DF5-C4FA-40B9-A1E1-F40246626487}"/>
-              </a:ext>
-            </a:extLst>
-          </p:cNvPr>
-          <p:cNvPicPr>
-            <a:picLocks noChangeAspect="1"/>
-          </p:cNvPicPr>
-          <p:nvPr/>
-        </p:nvPicPr>
-        <p:blipFill>
-          <a:blip r:embed="rId3"/>
-          <a:stretch>
-            <a:fillRect/>
-          </a:stretch>
-        </p:blipFill>
-        <p:spPr>
-          <a:xfrm>
-            <a:off x="1336365" y="1712631"/>
-            <a:ext cx="6180627" cy="2664296"/>
-          </a:xfrm>
-          <a:prstGeom prst="rect">
-            <a:avLst/>
-          </a:prstGeom>
-        </p:spPr>
-      </p:pic>
-      <p:sp>
-        <p:nvSpPr>
-          <p:cNvPr id="5" name="矩形 4">
-            <a:extLst>
-              <a:ext uri="{FF2B5EF4-FFF2-40B4-BE49-F238E27FC236}">
-                <a16:creationId xmlns:a16="http://schemas.microsoft.com/office/drawing/2014/main" id="{E7BC57D7-2444-4BBF-B2B9-65F50CA624B3}"/>
-              </a:ext>
-            </a:extLst>
-          </p:cNvPr>
-          <p:cNvSpPr/>
-          <p:nvPr/>
-        </p:nvSpPr>
-        <p:spPr>
-          <a:xfrm>
-            <a:off x="5841700" y="3793522"/>
-            <a:ext cx="4572000" cy="1156855"/>
-          </a:xfrm>
-          <a:prstGeom prst="rect">
-            <a:avLst/>
-          </a:prstGeom>
-        </p:spPr>
-        <p:txBody>
-          <a:bodyPr>
-            <a:spAutoFit/>
-          </a:bodyPr>
-          <a:lstStyle/>
-          <a:p>
-            <a:pPr marL="285750" indent="-285750">
-              <a:lnSpc>
-                <a:spcPct val="150000"/>
-              </a:lnSpc>
-              <a:buFont typeface="Arial" panose="020B0604020202020204" pitchFamily="34" charset="0"/>
-              <a:buChar char="•"/>
-            </a:pPr>
-            <a:r>
-              <a:rPr lang="zh-CN" altLang="en-US" sz="1600" dirty="0">
-                <a:solidFill>
-                  <a:srgbClr val="1D8DE5"/>
-                </a:solidFill>
-                <a:latin typeface="微软雅黑" panose="020B0503020204020204" pitchFamily="34" charset="-122"/>
-                <a:ea typeface="微软雅黑" panose="020B0503020204020204" pitchFamily="34" charset="-122"/>
-              </a:rPr>
-              <a:t>提高团队协作开发效率</a:t>
-            </a:r>
-          </a:p>
-          <a:p>
-            <a:pPr marL="285750" indent="-285750">
-              <a:lnSpc>
-                <a:spcPct val="150000"/>
-              </a:lnSpc>
-              <a:buFont typeface="Arial" panose="020B0604020202020204" pitchFamily="34" charset="0"/>
-              <a:buChar char="•"/>
-            </a:pPr>
-            <a:r>
-              <a:rPr lang="zh-CN" altLang="en-US" sz="1600" dirty="0">
-                <a:solidFill>
-                  <a:srgbClr val="1D8DE5"/>
-                </a:solidFill>
-                <a:latin typeface="微软雅黑" panose="020B0503020204020204" pitchFamily="34" charset="-122"/>
-                <a:ea typeface="微软雅黑" panose="020B0503020204020204" pitchFamily="34" charset="-122"/>
-              </a:rPr>
-              <a:t>便于管理维护新功能开发</a:t>
-            </a:r>
-            <a:endParaRPr lang="en-US" altLang="zh-CN" sz="1600" dirty="0">
-              <a:solidFill>
-                <a:srgbClr val="1D8DE5"/>
-              </a:solidFill>
-              <a:latin typeface="微软雅黑" panose="020B0503020204020204" pitchFamily="34" charset="-122"/>
-              <a:ea typeface="微软雅黑" panose="020B0503020204020204" pitchFamily="34" charset="-122"/>
-            </a:endParaRPr>
-          </a:p>
-          <a:p>
-            <a:pPr marL="285750" indent="-285750">
-              <a:lnSpc>
-                <a:spcPct val="150000"/>
-              </a:lnSpc>
-              <a:buFont typeface="Arial" panose="020B0604020202020204" pitchFamily="34" charset="0"/>
-              <a:buChar char="•"/>
-            </a:pPr>
-            <a:r>
-              <a:rPr lang="zh-CN" altLang="en-US" sz="1600" dirty="0">
-                <a:solidFill>
-                  <a:srgbClr val="1D8DE5"/>
-                </a:solidFill>
-                <a:latin typeface="微软雅黑" panose="020B0503020204020204" pitchFamily="34" charset="-122"/>
-                <a:ea typeface="微软雅黑" panose="020B0503020204020204" pitchFamily="34" charset="-122"/>
-              </a:rPr>
-              <a:t>便于协同开发发布管理</a:t>
-            </a:r>
-          </a:p>
-        </p:txBody>
-      </p:sp>
-    </p:spTree>
-    <p:extLst>
-      <p:ext uri="{BB962C8B-B14F-4D97-AF65-F5344CB8AC3E}">
-        <p14:creationId xmlns:p14="http://schemas.microsoft.com/office/powerpoint/2010/main" val="3305718851"/>
-      </p:ext>
-    </p:extLst>
-  </p:cSld>
-  <p:clrMapOvr>
-    <a:masterClrMapping/>
-  </p:clrMapOvr>
-  <p:timing>
-    <p:tnLst>
-      <p:par>
-        <p:cTn id="1" dur="indefinite" restart="never" nodeType="tmRoot">
-          <p:childTnLst>
-            <p:seq concurrent="1" nextAc="seek">
-              <p:cTn id="2" dur="indefinite" nodeType="mainSeq">
-                <p:childTnLst>
-                  <p:par>
-                    <p:cTn id="3" fill="hold">
-                      <p:stCondLst>
-                        <p:cond delay="indefinite"/>
-                      </p:stCondLst>
-                      <p:childTnLst>
-                        <p:par>
-                          <p:cTn id="4" fill="hold">
-                            <p:stCondLst>
-                              <p:cond delay="0"/>
-                            </p:stCondLst>
-                            <p:childTnLst>
-                              <p:par>
-                                <p:cTn id="5" presetID="6" presetClass="entr" presetSubtype="16" fill="hold" nodeType="clickEffect">
-                                  <p:stCondLst>
-                                    <p:cond delay="0"/>
-                                  </p:stCondLst>
-                                  <p:childTnLst>
-                                    <p:set>
-                                      <p:cBhvr>
-                                        <p:cTn id="6" dur="1" fill="hold">
-                                          <p:stCondLst>
-                                            <p:cond delay="0"/>
-                                          </p:stCondLst>
-                                        </p:cTn>
-                                        <p:tgtEl>
-                                          <p:spTgt spid="3"/>
-                                        </p:tgtEl>
-                                        <p:attrNameLst>
-                                          <p:attrName>style.visibility</p:attrName>
-                                        </p:attrNameLst>
-                                      </p:cBhvr>
-                                      <p:to>
-                                        <p:strVal val="visible"/>
-                                      </p:to>
-                                    </p:set>
-                                    <p:animEffect transition="in" filter="circle(in)">
-                                      <p:cBhvr>
-                                        <p:cTn id="7" dur="2000"/>
-                                        <p:tgtEl>
-                                          <p:spTgt spid="3"/>
-                                        </p:tgtEl>
-                                      </p:cBhvr>
-                                    </p:animEffect>
-                                  </p:childTnLst>
-                                </p:cTn>
-                              </p:par>
-                            </p:childTnLst>
-                          </p:cTn>
-                        </p:par>
-                      </p:childTnLst>
-                    </p:cTn>
-                  </p:par>
-                  <p:par>
-                    <p:cTn id="8" fill="hold">
-                      <p:stCondLst>
-                        <p:cond delay="indefinite"/>
-                      </p:stCondLst>
-                      <p:childTnLst>
-                        <p:par>
-                          <p:cTn id="9" fill="hold">
-                            <p:stCondLst>
-                              <p:cond delay="0"/>
-                            </p:stCondLst>
-                            <p:childTnLst>
-                              <p:par>
-                                <p:cTn id="10" presetID="26" presetClass="entr" presetSubtype="0" fill="hold" grpId="0" nodeType="clickEffect">
-                                  <p:stCondLst>
-                                    <p:cond delay="0"/>
-                                  </p:stCondLst>
-                                  <p:childTnLst>
-                                    <p:set>
-                                      <p:cBhvr>
-                                        <p:cTn id="11" dur="1" fill="hold">
-                                          <p:stCondLst>
-                                            <p:cond delay="0"/>
-                                          </p:stCondLst>
-                                        </p:cTn>
-                                        <p:tgtEl>
-                                          <p:spTgt spid="5"/>
-                                        </p:tgtEl>
-                                        <p:attrNameLst>
-                                          <p:attrName>style.visibility</p:attrName>
-                                        </p:attrNameLst>
-                                      </p:cBhvr>
-                                      <p:to>
-                                        <p:strVal val="visible"/>
-                                      </p:to>
-                                    </p:set>
-                                    <p:animEffect transition="in" filter="wipe(down)">
-                                      <p:cBhvr>
-                                        <p:cTn id="12" dur="580">
-                                          <p:stCondLst>
-                                            <p:cond delay="0"/>
-                                          </p:stCondLst>
-                                        </p:cTn>
-                                        <p:tgtEl>
-                                          <p:spTgt spid="5"/>
-                                        </p:tgtEl>
-                                      </p:cBhvr>
-                                    </p:animEffect>
-                                    <p:anim calcmode="lin" valueType="num">
-                                      <p:cBhvr>
-                                        <p:cTn id="13" dur="1822" tmFilter="0,0; 0.14,0.36; 0.43,0.73; 0.71,0.91; 1.0,1.0">
-                                          <p:stCondLst>
-                                            <p:cond delay="0"/>
-                                          </p:stCondLst>
-                                        </p:cTn>
-                                        <p:tgtEl>
-                                          <p:spTgt spid="5"/>
-                                        </p:tgtEl>
-                                        <p:attrNameLst>
-                                          <p:attrName>ppt_x</p:attrName>
-                                        </p:attrNameLst>
-                                      </p:cBhvr>
-                                      <p:tavLst>
-                                        <p:tav tm="0">
-                                          <p:val>
-                                            <p:strVal val="#ppt_x-0.25"/>
-                                          </p:val>
-                                        </p:tav>
-                                        <p:tav tm="100000">
-                                          <p:val>
-                                            <p:strVal val="#ppt_x"/>
-                                          </p:val>
-                                        </p:tav>
-                                      </p:tavLst>
-                                    </p:anim>
-                                    <p:anim calcmode="lin" valueType="num">
-                                      <p:cBhvr>
-                                        <p:cTn id="14" dur="664" tmFilter="0.0,0.0; 0.25,0.07; 0.50,0.2; 0.75,0.467; 1.0,1.0">
-                                          <p:stCondLst>
-                                            <p:cond delay="0"/>
-                                          </p:stCondLst>
-                                        </p:cTn>
-                                        <p:tgtEl>
-                                          <p:spTgt spid="5"/>
-                                        </p:tgtEl>
-                                        <p:attrNameLst>
-                                          <p:attrName>ppt_y</p:attrName>
-                                        </p:attrNameLst>
-                                      </p:cBhvr>
-                                      <p:tavLst>
-                                        <p:tav tm="0" fmla="#ppt_y-sin(pi*$)/3">
-                                          <p:val>
-                                            <p:fltVal val="0.5"/>
-                                          </p:val>
-                                        </p:tav>
-                                        <p:tav tm="100000">
-                                          <p:val>
-                                            <p:fltVal val="1"/>
-                                          </p:val>
-                                        </p:tav>
-                                      </p:tavLst>
-                                    </p:anim>
-                                    <p:anim calcmode="lin" valueType="num">
-                                      <p:cBhvr>
-                                        <p:cTn id="15" dur="664" tmFilter="0, 0; 0.125,0.2665; 0.25,0.4; 0.375,0.465; 0.5,0.5;  0.625,0.535; 0.75,0.6; 0.875,0.7335; 1,1">
-                                          <p:stCondLst>
-                                            <p:cond delay="664"/>
-                                          </p:stCondLst>
-                                        </p:cTn>
-                                        <p:tgtEl>
-                                          <p:spTgt spid="5"/>
-                                        </p:tgtEl>
-                                        <p:attrNameLst>
-                                          <p:attrName>ppt_y</p:attrName>
-                                        </p:attrNameLst>
-                                      </p:cBhvr>
-                                      <p:tavLst>
-                                        <p:tav tm="0" fmla="#ppt_y-sin(pi*$)/9">
-                                          <p:val>
-                                            <p:fltVal val="0"/>
-                                          </p:val>
-                                        </p:tav>
-                                        <p:tav tm="100000">
-                                          <p:val>
-                                            <p:fltVal val="1"/>
-                                          </p:val>
-                                        </p:tav>
-                                      </p:tavLst>
-                                    </p:anim>
-                                    <p:anim calcmode="lin" valueType="num">
-                                      <p:cBhvr>
-                                        <p:cTn id="16" dur="332" tmFilter="0, 0; 0.125,0.2665; 0.25,0.4; 0.375,0.465; 0.5,0.5;  0.625,0.535; 0.75,0.6; 0.875,0.7335; 1,1">
-                                          <p:stCondLst>
-                                            <p:cond delay="1324"/>
-                                          </p:stCondLst>
-                                        </p:cTn>
-                                        <p:tgtEl>
-                                          <p:spTgt spid="5"/>
-                                        </p:tgtEl>
-                                        <p:attrNameLst>
-                                          <p:attrName>ppt_y</p:attrName>
-                                        </p:attrNameLst>
-                                      </p:cBhvr>
-                                      <p:tavLst>
-                                        <p:tav tm="0" fmla="#ppt_y-sin(pi*$)/27">
-                                          <p:val>
-                                            <p:fltVal val="0"/>
-                                          </p:val>
-                                        </p:tav>
-                                        <p:tav tm="100000">
-                                          <p:val>
-                                            <p:fltVal val="1"/>
-                                          </p:val>
-                                        </p:tav>
-                                      </p:tavLst>
-                                    </p:anim>
-                                    <p:anim calcmode="lin" valueType="num">
-                                      <p:cBhvr>
-                                        <p:cTn id="17" dur="164" tmFilter="0, 0; 0.125,0.2665; 0.25,0.4; 0.375,0.465; 0.5,0.5;  0.625,0.535; 0.75,0.6; 0.875,0.7335; 1,1">
-                                          <p:stCondLst>
-                                            <p:cond delay="1656"/>
-                                          </p:stCondLst>
-                                        </p:cTn>
-                                        <p:tgtEl>
-                                          <p:spTgt spid="5"/>
-                                        </p:tgtEl>
-                                        <p:attrNameLst>
-                                          <p:attrName>ppt_y</p:attrName>
-                                        </p:attrNameLst>
-                                      </p:cBhvr>
-                                      <p:tavLst>
-                                        <p:tav tm="0" fmla="#ppt_y-sin(pi*$)/81">
-                                          <p:val>
-                                            <p:fltVal val="0"/>
-                                          </p:val>
-                                        </p:tav>
-                                        <p:tav tm="100000">
-                                          <p:val>
-                                            <p:fltVal val="1"/>
-                                          </p:val>
-                                        </p:tav>
-                                      </p:tavLst>
-                                    </p:anim>
-                                    <p:animScale>
-                                      <p:cBhvr>
-                                        <p:cTn id="18" dur="26">
-                                          <p:stCondLst>
-                                            <p:cond delay="650"/>
-                                          </p:stCondLst>
-                                        </p:cTn>
-                                        <p:tgtEl>
-                                          <p:spTgt spid="5"/>
-                                        </p:tgtEl>
-                                      </p:cBhvr>
-                                      <p:to x="100000" y="60000"/>
-                                    </p:animScale>
-                                    <p:animScale>
-                                      <p:cBhvr>
-                                        <p:cTn id="19" dur="166" decel="50000">
-                                          <p:stCondLst>
-                                            <p:cond delay="676"/>
-                                          </p:stCondLst>
-                                        </p:cTn>
-                                        <p:tgtEl>
-                                          <p:spTgt spid="5"/>
-                                        </p:tgtEl>
-                                      </p:cBhvr>
-                                      <p:to x="100000" y="100000"/>
-                                    </p:animScale>
-                                    <p:animScale>
-                                      <p:cBhvr>
-                                        <p:cTn id="20" dur="26">
-                                          <p:stCondLst>
-                                            <p:cond delay="1312"/>
-                                          </p:stCondLst>
-                                        </p:cTn>
-                                        <p:tgtEl>
-                                          <p:spTgt spid="5"/>
-                                        </p:tgtEl>
-                                      </p:cBhvr>
-                                      <p:to x="100000" y="80000"/>
-                                    </p:animScale>
-                                    <p:animScale>
-                                      <p:cBhvr>
-                                        <p:cTn id="21" dur="166" decel="50000">
-                                          <p:stCondLst>
-                                            <p:cond delay="1338"/>
-                                          </p:stCondLst>
-                                        </p:cTn>
-                                        <p:tgtEl>
-                                          <p:spTgt spid="5"/>
-                                        </p:tgtEl>
-                                      </p:cBhvr>
-                                      <p:to x="100000" y="100000"/>
-                                    </p:animScale>
-                                    <p:animScale>
-                                      <p:cBhvr>
-                                        <p:cTn id="22" dur="26">
-                                          <p:stCondLst>
-                                            <p:cond delay="1642"/>
-                                          </p:stCondLst>
-                                        </p:cTn>
-                                        <p:tgtEl>
-                                          <p:spTgt spid="5"/>
-                                        </p:tgtEl>
-                                      </p:cBhvr>
-                                      <p:to x="100000" y="90000"/>
-                                    </p:animScale>
-                                    <p:animScale>
-                                      <p:cBhvr>
-                                        <p:cTn id="23" dur="166" decel="50000">
-                                          <p:stCondLst>
-                                            <p:cond delay="1668"/>
-                                          </p:stCondLst>
-                                        </p:cTn>
-                                        <p:tgtEl>
-                                          <p:spTgt spid="5"/>
-                                        </p:tgtEl>
-                                      </p:cBhvr>
-                                      <p:to x="100000" y="100000"/>
-                                    </p:animScale>
-                                    <p:animScale>
-                                      <p:cBhvr>
-                                        <p:cTn id="24" dur="26">
-                                          <p:stCondLst>
-                                            <p:cond delay="1808"/>
-                                          </p:stCondLst>
-                                        </p:cTn>
-                                        <p:tgtEl>
-                                          <p:spTgt spid="5"/>
-                                        </p:tgtEl>
-                                      </p:cBhvr>
-                                      <p:to x="100000" y="95000"/>
-                                    </p:animScale>
-                                    <p:animScale>
-                                      <p:cBhvr>
-                                        <p:cTn id="25" dur="166" decel="50000">
-                                          <p:stCondLst>
-                                            <p:cond delay="1834"/>
-                                          </p:stCondLst>
-                                        </p:cTn>
-                                        <p:tgtEl>
-                                          <p:spTgt spid="5"/>
-                                        </p:tgtEl>
-                                      </p:cBhvr>
-                                      <p:to x="100000" y="100000"/>
-                                    </p:animScale>
-                                  </p:childTnLst>
-                                </p:cTn>
-                              </p:par>
-                            </p:childTnLst>
-                          </p:cTn>
-                        </p:par>
-                      </p:childTnLst>
-                    </p:cTn>
-                  </p:par>
-                </p:childTnLst>
-              </p:cTn>
-              <p:prevCondLst>
-                <p:cond evt="onPrev" delay="0">
-                  <p:tgtEl>
-                    <p:sldTgt/>
-                  </p:tgtEl>
-                </p:cond>
-              </p:prevCondLst>
-              <p:nextCondLst>
-                <p:cond evt="onNext" delay="0">
-                  <p:tgtEl>
-                    <p:sldTgt/>
-                  </p:tgtEl>
-                </p:cond>
-              </p:nextCondLst>
-            </p:seq>
-          </p:childTnLst>
-        </p:cTn>
-      </p:par>
-    </p:tnLst>
-    <p:bldLst>
-      <p:bldP spid="5" grpId="0"/>
     </p:bldLst>
   </p:timing>
 </p:sld>
@@ -18792,519 +12349,6 @@
 </p:sld>
 </file>
 
-<file path=ppt/slides/slide30.xml><?xml version="1.0" encoding="utf-8"?>
-<p:sld xmlns:a="http://schemas.openxmlformats.org/drawingml/2006/main" xmlns:r="http://schemas.openxmlformats.org/officeDocument/2006/relationships" xmlns:p="http://schemas.openxmlformats.org/presentationml/2006/main">
-  <p:cSld>
-    <p:spTree>
-      <p:nvGrpSpPr>
-        <p:cNvPr id="1" name=""/>
-        <p:cNvGrpSpPr/>
-        <p:nvPr/>
-      </p:nvGrpSpPr>
-      <p:grpSpPr>
-        <a:xfrm>
-          <a:off x="0" y="0"/>
-          <a:ext cx="0" cy="0"/>
-          <a:chOff x="0" y="0"/>
-          <a:chExt cx="0" cy="0"/>
-        </a:xfrm>
-      </p:grpSpPr>
-      <p:sp>
-        <p:nvSpPr>
-          <p:cNvPr id="17" name="矩形"/>
-          <p:cNvSpPr>
-            <a:spLocks/>
-          </p:cNvSpPr>
-          <p:nvPr/>
-        </p:nvSpPr>
-        <p:spPr>
-          <a:xfrm>
-            <a:off x="3133144" y="448620"/>
-            <a:ext cx="2877711" cy="553998"/>
-          </a:xfrm>
-          <a:prstGeom prst="rect">
-            <a:avLst/>
-          </a:prstGeom>
-          <a:noFill/>
-          <a:ln w="9525" cap="flat" cmpd="sng">
-            <a:noFill/>
-            <a:prstDash val="solid"/>
-            <a:miter/>
-          </a:ln>
-        </p:spPr>
-        <p:txBody>
-          <a:bodyPr vert="horz" wrap="none" lIns="91440" tIns="45720" rIns="91440" bIns="45720" anchor="t" anchorCtr="0">
-            <a:prstTxWarp prst="textNoShape">
-              <a:avLst/>
-            </a:prstTxWarp>
-            <a:spAutoFit/>
-          </a:bodyPr>
-          <a:lstStyle/>
-          <a:p>
-            <a:r>
-              <a:rPr lang="zh-CN" altLang="en-US" sz="3000" b="1" u="none" strike="noStrike" kern="0" cap="none" spc="0" baseline="0" dirty="0">
-                <a:solidFill>
-                  <a:srgbClr val="C9394A"/>
-                </a:solidFill>
-                <a:latin typeface="微软雅黑" charset="0"/>
-                <a:ea typeface="微软雅黑" charset="0"/>
-                <a:cs typeface="微软雅黑" charset="0"/>
-                <a:sym typeface="Calibri" pitchFamily="34" charset="0"/>
-              </a:rPr>
-              <a:t>分支的基本操作</a:t>
-            </a:r>
-            <a:endParaRPr lang="zh-CN" altLang="en-US" u="none" strike="noStrike" kern="1200" cap="none" spc="0" baseline="0" dirty="0">
-              <a:solidFill>
-                <a:schemeClr val="tx1"/>
-              </a:solidFill>
-              <a:latin typeface="Calibri" pitchFamily="34" charset="0"/>
-              <a:ea typeface="宋体" pitchFamily="2" charset="-122"/>
-              <a:cs typeface="微软雅黑" charset="0"/>
-            </a:endParaRPr>
-          </a:p>
-        </p:txBody>
-      </p:sp>
-      <p:sp>
-        <p:nvSpPr>
-          <p:cNvPr id="2" name="文本框 1">
-            <a:extLst>
-              <a:ext uri="{FF2B5EF4-FFF2-40B4-BE49-F238E27FC236}">
-                <a16:creationId xmlns:a16="http://schemas.microsoft.com/office/drawing/2014/main" id="{C1825102-5C26-4825-8D22-274924FDD70B}"/>
-              </a:ext>
-            </a:extLst>
-          </p:cNvPr>
-          <p:cNvSpPr txBox="1"/>
-          <p:nvPr/>
-        </p:nvSpPr>
-        <p:spPr>
-          <a:xfrm>
-            <a:off x="2699792" y="1635646"/>
-            <a:ext cx="4294765" cy="2446824"/>
-          </a:xfrm>
-          <a:prstGeom prst="rect">
-            <a:avLst/>
-          </a:prstGeom>
-          <a:noFill/>
-        </p:spPr>
-        <p:txBody>
-          <a:bodyPr wrap="none" rtlCol="0">
-            <a:spAutoFit/>
-          </a:bodyPr>
-          <a:lstStyle/>
-          <a:p>
-            <a:pPr marL="285750" indent="-285750">
-              <a:lnSpc>
-                <a:spcPct val="150000"/>
-              </a:lnSpc>
-              <a:buFont typeface="Arial" panose="020B0604020202020204" pitchFamily="34" charset="0"/>
-              <a:buChar char="•"/>
-            </a:pPr>
-            <a:r>
-              <a:rPr lang="zh-CN" altLang="zh-CN" dirty="0">
-                <a:latin typeface="微软雅黑" panose="020B0503020204020204" pitchFamily="34" charset="-122"/>
-                <a:ea typeface="微软雅黑" panose="020B0503020204020204" pitchFamily="34" charset="-122"/>
-              </a:rPr>
-              <a:t>创建分支 （</a:t>
-            </a:r>
-            <a:r>
-              <a:rPr lang="en-US" altLang="zh-CN" dirty="0">
-                <a:latin typeface="微软雅黑" panose="020B0503020204020204" pitchFamily="34" charset="-122"/>
-                <a:ea typeface="微软雅黑" panose="020B0503020204020204" pitchFamily="34" charset="-122"/>
-              </a:rPr>
-              <a:t>git branch </a:t>
-            </a:r>
-            <a:r>
-              <a:rPr lang="zh-CN" altLang="zh-CN" dirty="0">
-                <a:latin typeface="微软雅黑" panose="020B0503020204020204" pitchFamily="34" charset="-122"/>
-                <a:ea typeface="微软雅黑" panose="020B0503020204020204" pitchFamily="34" charset="-122"/>
-              </a:rPr>
-              <a:t>分支名）</a:t>
-            </a:r>
-            <a:endParaRPr lang="en-US" altLang="zh-CN" dirty="0">
-              <a:latin typeface="微软雅黑" panose="020B0503020204020204" pitchFamily="34" charset="-122"/>
-              <a:ea typeface="微软雅黑" panose="020B0503020204020204" pitchFamily="34" charset="-122"/>
-            </a:endParaRPr>
-          </a:p>
-          <a:p>
-            <a:pPr marL="285750" lvl="0" indent="-285750">
-              <a:lnSpc>
-                <a:spcPct val="150000"/>
-              </a:lnSpc>
-              <a:buFont typeface="Arial" panose="020B0604020202020204" pitchFamily="34" charset="0"/>
-              <a:buChar char="•"/>
-            </a:pPr>
-            <a:r>
-              <a:rPr lang="zh-CN" altLang="zh-CN" dirty="0">
-                <a:latin typeface="微软雅黑" panose="020B0503020204020204" pitchFamily="34" charset="-122"/>
-                <a:ea typeface="微软雅黑" panose="020B0503020204020204" pitchFamily="34" charset="-122"/>
-              </a:rPr>
-              <a:t>查看当前分支 （</a:t>
-            </a:r>
-            <a:r>
-              <a:rPr lang="en-US" altLang="zh-CN" dirty="0">
-                <a:latin typeface="微软雅黑" panose="020B0503020204020204" pitchFamily="34" charset="-122"/>
-                <a:ea typeface="微软雅黑" panose="020B0503020204020204" pitchFamily="34" charset="-122"/>
-              </a:rPr>
-              <a:t>git branch</a:t>
-            </a:r>
-            <a:r>
-              <a:rPr lang="zh-CN" altLang="zh-CN" dirty="0">
-                <a:latin typeface="微软雅黑" panose="020B0503020204020204" pitchFamily="34" charset="-122"/>
-                <a:ea typeface="微软雅黑" panose="020B0503020204020204" pitchFamily="34" charset="-122"/>
-              </a:rPr>
-              <a:t>）</a:t>
-            </a:r>
-          </a:p>
-          <a:p>
-            <a:pPr marL="285750" lvl="0" indent="-285750">
-              <a:lnSpc>
-                <a:spcPct val="150000"/>
-              </a:lnSpc>
-              <a:buFont typeface="Arial" panose="020B0604020202020204" pitchFamily="34" charset="0"/>
-              <a:buChar char="•"/>
-            </a:pPr>
-            <a:r>
-              <a:rPr lang="zh-CN" altLang="zh-CN" dirty="0">
-                <a:latin typeface="微软雅黑" panose="020B0503020204020204" pitchFamily="34" charset="-122"/>
-                <a:ea typeface="微软雅黑" panose="020B0503020204020204" pitchFamily="34" charset="-122"/>
-              </a:rPr>
-              <a:t>切换分支（</a:t>
-            </a:r>
-            <a:r>
-              <a:rPr lang="en-US" altLang="zh-CN" dirty="0">
-                <a:latin typeface="微软雅黑" panose="020B0503020204020204" pitchFamily="34" charset="-122"/>
-                <a:ea typeface="微软雅黑" panose="020B0503020204020204" pitchFamily="34" charset="-122"/>
-              </a:rPr>
-              <a:t>git checkout </a:t>
-            </a:r>
-            <a:r>
-              <a:rPr lang="zh-CN" altLang="zh-CN" dirty="0">
-                <a:latin typeface="微软雅黑" panose="020B0503020204020204" pitchFamily="34" charset="-122"/>
-                <a:ea typeface="微软雅黑" panose="020B0503020204020204" pitchFamily="34" charset="-122"/>
-              </a:rPr>
-              <a:t>分支名）</a:t>
-            </a:r>
-          </a:p>
-          <a:p>
-            <a:pPr marL="285750" lvl="0" indent="-285750">
-              <a:lnSpc>
-                <a:spcPct val="150000"/>
-              </a:lnSpc>
-              <a:buFont typeface="Arial" panose="020B0604020202020204" pitchFamily="34" charset="0"/>
-              <a:buChar char="•"/>
-            </a:pPr>
-            <a:r>
-              <a:rPr lang="zh-CN" altLang="zh-CN" dirty="0">
-                <a:latin typeface="微软雅黑" panose="020B0503020204020204" pitchFamily="34" charset="-122"/>
-                <a:ea typeface="微软雅黑" panose="020B0503020204020204" pitchFamily="34" charset="-122"/>
-              </a:rPr>
-              <a:t>分支的合并 （</a:t>
-            </a:r>
-            <a:r>
-              <a:rPr lang="en-US" altLang="zh-CN" dirty="0">
-                <a:latin typeface="微软雅黑" panose="020B0503020204020204" pitchFamily="34" charset="-122"/>
-                <a:ea typeface="微软雅黑" panose="020B0503020204020204" pitchFamily="34" charset="-122"/>
-              </a:rPr>
-              <a:t>git merge </a:t>
-            </a:r>
-            <a:r>
-              <a:rPr lang="zh-CN" altLang="zh-CN" dirty="0">
-                <a:latin typeface="微软雅黑" panose="020B0503020204020204" pitchFamily="34" charset="-122"/>
-                <a:ea typeface="微软雅黑" panose="020B0503020204020204" pitchFamily="34" charset="-122"/>
-              </a:rPr>
-              <a:t>分支名）</a:t>
-            </a:r>
-          </a:p>
-          <a:p>
-            <a:pPr marL="285750" lvl="0" indent="-285750">
-              <a:lnSpc>
-                <a:spcPct val="150000"/>
-              </a:lnSpc>
-              <a:buFont typeface="Arial" panose="020B0604020202020204" pitchFamily="34" charset="0"/>
-              <a:buChar char="•"/>
-            </a:pPr>
-            <a:r>
-              <a:rPr lang="zh-CN" altLang="zh-CN" dirty="0">
-                <a:latin typeface="微软雅黑" panose="020B0503020204020204" pitchFamily="34" charset="-122"/>
-                <a:ea typeface="微软雅黑" panose="020B0503020204020204" pitchFamily="34" charset="-122"/>
-              </a:rPr>
-              <a:t>分支的删除（</a:t>
-            </a:r>
-            <a:r>
-              <a:rPr lang="en-US" altLang="zh-CN" dirty="0">
-                <a:latin typeface="微软雅黑" panose="020B0503020204020204" pitchFamily="34" charset="-122"/>
-                <a:ea typeface="微软雅黑" panose="020B0503020204020204" pitchFamily="34" charset="-122"/>
-              </a:rPr>
-              <a:t>git branch -d </a:t>
-            </a:r>
-            <a:r>
-              <a:rPr lang="zh-CN" altLang="zh-CN" dirty="0">
-                <a:latin typeface="微软雅黑" panose="020B0503020204020204" pitchFamily="34" charset="-122"/>
-                <a:ea typeface="微软雅黑" panose="020B0503020204020204" pitchFamily="34" charset="-122"/>
-              </a:rPr>
-              <a:t>分支名）</a:t>
-            </a:r>
-          </a:p>
-          <a:p>
-            <a:pPr marL="285750" indent="-285750">
-              <a:buFont typeface="Arial" panose="020B0604020202020204" pitchFamily="34" charset="0"/>
-              <a:buChar char="•"/>
-            </a:pPr>
-            <a:endParaRPr lang="zh-CN" altLang="en-US" dirty="0"/>
-          </a:p>
-        </p:txBody>
-      </p:sp>
-    </p:spTree>
-    <p:extLst>
-      <p:ext uri="{BB962C8B-B14F-4D97-AF65-F5344CB8AC3E}">
-        <p14:creationId xmlns:p14="http://schemas.microsoft.com/office/powerpoint/2010/main" val="2767580697"/>
-      </p:ext>
-    </p:extLst>
-  </p:cSld>
-  <p:clrMapOvr>
-    <a:masterClrMapping/>
-  </p:clrMapOvr>
-</p:sld>
-</file>
-
-<file path=ppt/slides/slide31.xml><?xml version="1.0" encoding="utf-8"?>
-<p:sld xmlns:a="http://schemas.openxmlformats.org/drawingml/2006/main" xmlns:r="http://schemas.openxmlformats.org/officeDocument/2006/relationships" xmlns:p="http://schemas.openxmlformats.org/presentationml/2006/main">
-  <p:cSld>
-    <p:spTree>
-      <p:nvGrpSpPr>
-        <p:cNvPr id="1" name=""/>
-        <p:cNvGrpSpPr/>
-        <p:nvPr/>
-      </p:nvGrpSpPr>
-      <p:grpSpPr>
-        <a:xfrm>
-          <a:off x="0" y="0"/>
-          <a:ext cx="0" cy="0"/>
-          <a:chOff x="0" y="0"/>
-          <a:chExt cx="0" cy="0"/>
-        </a:xfrm>
-      </p:grpSpPr>
-      <p:sp>
-        <p:nvSpPr>
-          <p:cNvPr id="17" name="矩形"/>
-          <p:cNvSpPr>
-            <a:spLocks/>
-          </p:cNvSpPr>
-          <p:nvPr/>
-        </p:nvSpPr>
-        <p:spPr>
-          <a:xfrm>
-            <a:off x="2771800" y="483518"/>
-            <a:ext cx="3262432" cy="553998"/>
-          </a:xfrm>
-          <a:prstGeom prst="rect">
-            <a:avLst/>
-          </a:prstGeom>
-          <a:noFill/>
-          <a:ln w="9525" cap="flat" cmpd="sng">
-            <a:noFill/>
-            <a:prstDash val="solid"/>
-            <a:miter/>
-          </a:ln>
-        </p:spPr>
-        <p:txBody>
-          <a:bodyPr vert="horz" wrap="none" lIns="91440" tIns="45720" rIns="91440" bIns="45720" anchor="t" anchorCtr="0">
-            <a:prstTxWarp prst="textNoShape">
-              <a:avLst/>
-            </a:prstTxWarp>
-            <a:spAutoFit/>
-          </a:bodyPr>
-          <a:lstStyle/>
-          <a:p>
-            <a:r>
-              <a:rPr lang="zh-CN" altLang="en-US" sz="3000" b="1" kern="0" dirty="0">
-                <a:solidFill>
-                  <a:srgbClr val="C9394A"/>
-                </a:solidFill>
-                <a:latin typeface="微软雅黑" charset="0"/>
-                <a:ea typeface="微软雅黑" charset="0"/>
-                <a:cs typeface="微软雅黑" charset="0"/>
-                <a:sym typeface="Calibri" pitchFamily="34" charset="0"/>
-              </a:rPr>
-              <a:t>如何解决代码冲突</a:t>
-            </a:r>
-            <a:endParaRPr lang="zh-CN" altLang="en-US" u="none" strike="noStrike" kern="1200" cap="none" spc="0" baseline="0" dirty="0">
-              <a:solidFill>
-                <a:schemeClr val="tx1"/>
-              </a:solidFill>
-              <a:latin typeface="Calibri" pitchFamily="34" charset="0"/>
-              <a:ea typeface="宋体" pitchFamily="2" charset="-122"/>
-              <a:cs typeface="微软雅黑" charset="0"/>
-            </a:endParaRPr>
-          </a:p>
-        </p:txBody>
-      </p:sp>
-      <p:pic>
-        <p:nvPicPr>
-          <p:cNvPr id="2" name="图片 1">
-            <a:extLst>
-              <a:ext uri="{FF2B5EF4-FFF2-40B4-BE49-F238E27FC236}">
-                <a16:creationId xmlns:a16="http://schemas.microsoft.com/office/drawing/2014/main" id="{52A2C5DA-2A31-4857-A48B-85DE27864178}"/>
-              </a:ext>
-            </a:extLst>
-          </p:cNvPr>
-          <p:cNvPicPr>
-            <a:picLocks noChangeAspect="1"/>
-          </p:cNvPicPr>
-          <p:nvPr/>
-        </p:nvPicPr>
-        <p:blipFill>
-          <a:blip r:embed="rId3"/>
-          <a:stretch>
-            <a:fillRect/>
-          </a:stretch>
-        </p:blipFill>
-        <p:spPr>
-          <a:xfrm>
-            <a:off x="1187624" y="1776512"/>
-            <a:ext cx="5504762" cy="1590476"/>
-          </a:xfrm>
-          <a:prstGeom prst="rect">
-            <a:avLst/>
-          </a:prstGeom>
-        </p:spPr>
-      </p:pic>
-      <p:sp>
-        <p:nvSpPr>
-          <p:cNvPr id="3" name="文本框 2">
-            <a:extLst>
-              <a:ext uri="{FF2B5EF4-FFF2-40B4-BE49-F238E27FC236}">
-                <a16:creationId xmlns:a16="http://schemas.microsoft.com/office/drawing/2014/main" id="{6DD097DB-FB4C-4E9E-B395-89BCF48A76BF}"/>
-              </a:ext>
-            </a:extLst>
-          </p:cNvPr>
-          <p:cNvSpPr txBox="1"/>
-          <p:nvPr/>
-        </p:nvSpPr>
-        <p:spPr>
-          <a:xfrm>
-            <a:off x="971600" y="1275606"/>
-            <a:ext cx="1529586" cy="369332"/>
-          </a:xfrm>
-          <a:prstGeom prst="rect">
-            <a:avLst/>
-          </a:prstGeom>
-          <a:noFill/>
-        </p:spPr>
-        <p:txBody>
-          <a:bodyPr wrap="none" rtlCol="0">
-            <a:spAutoFit/>
-          </a:bodyPr>
-          <a:lstStyle/>
-          <a:p>
-            <a:r>
-              <a:rPr lang="en-US" altLang="zh-CN" dirty="0">
-                <a:latin typeface="微软雅黑" panose="020B0503020204020204" pitchFamily="34" charset="-122"/>
-                <a:ea typeface="微软雅黑" panose="020B0503020204020204" pitchFamily="34" charset="-122"/>
-              </a:rPr>
-              <a:t>1.</a:t>
-            </a:r>
-            <a:r>
-              <a:rPr lang="zh-CN" altLang="en-US" dirty="0">
-                <a:latin typeface="微软雅黑" panose="020B0503020204020204" pitchFamily="34" charset="-122"/>
-                <a:ea typeface="微软雅黑" panose="020B0503020204020204" pitchFamily="34" charset="-122"/>
-              </a:rPr>
-              <a:t>冲突的代码</a:t>
-            </a:r>
-          </a:p>
-        </p:txBody>
-      </p:sp>
-      <p:sp>
-        <p:nvSpPr>
-          <p:cNvPr id="4" name="文本框 3">
-            <a:extLst>
-              <a:ext uri="{FF2B5EF4-FFF2-40B4-BE49-F238E27FC236}">
-                <a16:creationId xmlns:a16="http://schemas.microsoft.com/office/drawing/2014/main" id="{F604D024-EB4D-4520-A2AA-185851A71D67}"/>
-              </a:ext>
-            </a:extLst>
-          </p:cNvPr>
-          <p:cNvSpPr txBox="1"/>
-          <p:nvPr/>
-        </p:nvSpPr>
-        <p:spPr>
-          <a:xfrm>
-            <a:off x="983380" y="3579862"/>
-            <a:ext cx="4799712" cy="369332"/>
-          </a:xfrm>
-          <a:prstGeom prst="rect">
-            <a:avLst/>
-          </a:prstGeom>
-          <a:noFill/>
-        </p:spPr>
-        <p:txBody>
-          <a:bodyPr wrap="none" rtlCol="0">
-            <a:spAutoFit/>
-          </a:bodyPr>
-          <a:lstStyle/>
-          <a:p>
-            <a:r>
-              <a:rPr lang="zh-CN" altLang="en-US" dirty="0">
-                <a:solidFill>
-                  <a:srgbClr val="C9394A"/>
-                </a:solidFill>
-                <a:latin typeface="微软雅黑" panose="020B0503020204020204" pitchFamily="34" charset="-122"/>
-                <a:ea typeface="微软雅黑" panose="020B0503020204020204" pitchFamily="34" charset="-122"/>
-              </a:rPr>
-              <a:t>手动解决冲突文件，再次</a:t>
-            </a:r>
-            <a:r>
-              <a:rPr lang="en-US" altLang="zh-CN" dirty="0">
-                <a:solidFill>
-                  <a:srgbClr val="C9394A"/>
-                </a:solidFill>
-                <a:latin typeface="微软雅黑" panose="020B0503020204020204" pitchFamily="34" charset="-122"/>
-                <a:ea typeface="微软雅黑" panose="020B0503020204020204" pitchFamily="34" charset="-122"/>
-              </a:rPr>
-              <a:t>commit</a:t>
-            </a:r>
-            <a:r>
-              <a:rPr lang="zh-CN" altLang="en-US" dirty="0">
-                <a:solidFill>
-                  <a:srgbClr val="C9394A"/>
-                </a:solidFill>
-                <a:latin typeface="微软雅黑" panose="020B0503020204020204" pitchFamily="34" charset="-122"/>
-                <a:ea typeface="微软雅黑" panose="020B0503020204020204" pitchFamily="34" charset="-122"/>
-              </a:rPr>
-              <a:t>，然后</a:t>
-            </a:r>
-            <a:r>
-              <a:rPr lang="en-US" altLang="zh-CN" dirty="0">
-                <a:solidFill>
-                  <a:srgbClr val="C9394A"/>
-                </a:solidFill>
-                <a:latin typeface="微软雅黑" panose="020B0503020204020204" pitchFamily="34" charset="-122"/>
-                <a:ea typeface="微软雅黑" panose="020B0503020204020204" pitchFamily="34" charset="-122"/>
-              </a:rPr>
-              <a:t>push</a:t>
-            </a:r>
-            <a:endParaRPr lang="zh-CN" altLang="en-US" dirty="0">
-              <a:solidFill>
-                <a:srgbClr val="C9394A"/>
-              </a:solidFill>
-              <a:latin typeface="微软雅黑" panose="020B0503020204020204" pitchFamily="34" charset="-122"/>
-              <a:ea typeface="微软雅黑" panose="020B0503020204020204" pitchFamily="34" charset="-122"/>
-            </a:endParaRPr>
-          </a:p>
-        </p:txBody>
-      </p:sp>
-    </p:spTree>
-    <p:extLst>
-      <p:ext uri="{BB962C8B-B14F-4D97-AF65-F5344CB8AC3E}">
-        <p14:creationId xmlns:p14="http://schemas.microsoft.com/office/powerpoint/2010/main" val="861469350"/>
-      </p:ext>
-    </p:extLst>
-  </p:cSld>
-  <p:clrMapOvr>
-    <a:masterClrMapping/>
-  </p:clrMapOvr>
-</p:sld>
-</file>
-
 <file path=ppt/slides/slide4.xml><?xml version="1.0" encoding="utf-8"?>
 <p:sld xmlns:a="http://schemas.openxmlformats.org/drawingml/2006/main" xmlns:r="http://schemas.openxmlformats.org/officeDocument/2006/relationships" xmlns:p="http://schemas.openxmlformats.org/presentationml/2006/main">
   <p:cSld>
@@ -21218,7 +14262,7 @@
         </p:blipFill>
         <p:spPr bwMode="auto">
           <a:xfrm>
-            <a:off x="3563888" y="3934819"/>
+            <a:off x="3491880" y="3723109"/>
             <a:ext cx="5267325" cy="1009650"/>
           </a:xfrm>
           <a:prstGeom prst="rect">

--- a/gulp.pptx
+++ b/gulp.pptx
@@ -355,7 +355,7 @@
                 <a:cs typeface="Calibri" pitchFamily="34" charset="0"/>
               </a:rPr>
               <a:pPr algn="r"/>
-              <a:t>2018/12/28</a:t>
+              <a:t>2019/2/15</a:t>
             </a:fld>
             <a:endParaRPr lang="zh-CN" altLang="en-US" sz="1200">
               <a:latin typeface="Calibri" pitchFamily="34" charset="0"/>
@@ -2500,7 +2500,7 @@
             <a:fld id="{72514870-5082-4025-BC8A-5E070B8EB77D}" type="datetimeFigureOut">
               <a:rPr lang="zh-CN" altLang="en-US" smtClean="0"/>
               <a:pPr/>
-              <a:t>2018/12/28</a:t>
+              <a:t>2019/2/15</a:t>
             </a:fld>
             <a:endParaRPr lang="zh-CN" altLang="en-US"/>
           </a:p>
@@ -2670,7 +2670,7 @@
             <a:fld id="{72514870-5082-4025-BC8A-5E070B8EB77D}" type="datetimeFigureOut">
               <a:rPr lang="zh-CN" altLang="en-US" smtClean="0"/>
               <a:pPr/>
-              <a:t>2018/12/28</a:t>
+              <a:t>2019/2/15</a:t>
             </a:fld>
             <a:endParaRPr lang="zh-CN" altLang="en-US"/>
           </a:p>
@@ -2850,7 +2850,7 @@
             <a:fld id="{72514870-5082-4025-BC8A-5E070B8EB77D}" type="datetimeFigureOut">
               <a:rPr lang="zh-CN" altLang="en-US" smtClean="0"/>
               <a:pPr/>
-              <a:t>2018/12/28</a:t>
+              <a:t>2019/2/15</a:t>
             </a:fld>
             <a:endParaRPr lang="zh-CN" altLang="en-US"/>
           </a:p>
@@ -3038,7 +3038,7 @@
             <a:fld id="{72514870-5082-4025-BC8A-5E070B8EB77D}" type="datetimeFigureOut">
               <a:rPr lang="zh-CN" altLang="en-US" smtClean="0"/>
               <a:pPr/>
-              <a:t>2018/12/28</a:t>
+              <a:t>2019/2/15</a:t>
             </a:fld>
             <a:endParaRPr lang="zh-CN" altLang="en-US"/>
           </a:p>
@@ -3208,7 +3208,7 @@
             <a:fld id="{72514870-5082-4025-BC8A-5E070B8EB77D}" type="datetimeFigureOut">
               <a:rPr lang="zh-CN" altLang="en-US" smtClean="0"/>
               <a:pPr/>
-              <a:t>2018/12/28</a:t>
+              <a:t>2019/2/15</a:t>
             </a:fld>
             <a:endParaRPr lang="zh-CN" altLang="en-US"/>
           </a:p>
@@ -3401,7 +3401,7 @@
             <a:fld id="{72514870-5082-4025-BC8A-5E070B8EB77D}" type="datetimeFigureOut">
               <a:rPr lang="zh-CN" altLang="en-US" smtClean="0"/>
               <a:pPr/>
-              <a:t>2018/12/28</a:t>
+              <a:t>2019/2/15</a:t>
             </a:fld>
             <a:endParaRPr lang="zh-CN" altLang="en-US"/>
           </a:p>
@@ -3688,7 +3688,7 @@
             <a:fld id="{72514870-5082-4025-BC8A-5E070B8EB77D}" type="datetimeFigureOut">
               <a:rPr lang="zh-CN" altLang="en-US" smtClean="0"/>
               <a:pPr/>
-              <a:t>2018/12/28</a:t>
+              <a:t>2019/2/15</a:t>
             </a:fld>
             <a:endParaRPr lang="zh-CN" altLang="en-US"/>
           </a:p>
@@ -4109,7 +4109,7 @@
             <a:fld id="{72514870-5082-4025-BC8A-5E070B8EB77D}" type="datetimeFigureOut">
               <a:rPr lang="zh-CN" altLang="en-US" smtClean="0"/>
               <a:pPr/>
-              <a:t>2018/12/28</a:t>
+              <a:t>2019/2/15</a:t>
             </a:fld>
             <a:endParaRPr lang="zh-CN" altLang="en-US"/>
           </a:p>
@@ -4228,7 +4228,7 @@
             <a:fld id="{72514870-5082-4025-BC8A-5E070B8EB77D}" type="datetimeFigureOut">
               <a:rPr lang="zh-CN" altLang="en-US" smtClean="0"/>
               <a:pPr/>
-              <a:t>2018/12/28</a:t>
+              <a:t>2019/2/15</a:t>
             </a:fld>
             <a:endParaRPr lang="zh-CN" altLang="en-US"/>
           </a:p>
@@ -4325,7 +4325,7 @@
             <a:fld id="{72514870-5082-4025-BC8A-5E070B8EB77D}" type="datetimeFigureOut">
               <a:rPr lang="zh-CN" altLang="en-US" smtClean="0"/>
               <a:pPr/>
-              <a:t>2018/12/28</a:t>
+              <a:t>2019/2/15</a:t>
             </a:fld>
             <a:endParaRPr lang="zh-CN" altLang="en-US"/>
           </a:p>
@@ -4638,7 +4638,7 @@
             <a:fld id="{72514870-5082-4025-BC8A-5E070B8EB77D}" type="datetimeFigureOut">
               <a:rPr lang="zh-CN" altLang="en-US" smtClean="0"/>
               <a:pPr/>
-              <a:t>2018/12/28</a:t>
+              <a:t>2019/2/15</a:t>
             </a:fld>
             <a:endParaRPr lang="zh-CN" altLang="en-US"/>
           </a:p>
@@ -4808,7 +4808,7 @@
             <a:fld id="{72514870-5082-4025-BC8A-5E070B8EB77D}" type="datetimeFigureOut">
               <a:rPr lang="zh-CN" altLang="en-US" smtClean="0"/>
               <a:pPr/>
-              <a:t>2018/12/28</a:t>
+              <a:t>2019/2/15</a:t>
             </a:fld>
             <a:endParaRPr lang="zh-CN" altLang="en-US"/>
           </a:p>
@@ -5062,7 +5062,7 @@
             <a:fld id="{72514870-5082-4025-BC8A-5E070B8EB77D}" type="datetimeFigureOut">
               <a:rPr lang="zh-CN" altLang="en-US" smtClean="0"/>
               <a:pPr/>
-              <a:t>2018/12/28</a:t>
+              <a:t>2019/2/15</a:t>
             </a:fld>
             <a:endParaRPr lang="zh-CN" altLang="en-US"/>
           </a:p>
@@ -5232,7 +5232,7 @@
             <a:fld id="{72514870-5082-4025-BC8A-5E070B8EB77D}" type="datetimeFigureOut">
               <a:rPr lang="zh-CN" altLang="en-US" smtClean="0"/>
               <a:pPr/>
-              <a:t>2018/12/28</a:t>
+              <a:t>2019/2/15</a:t>
             </a:fld>
             <a:endParaRPr lang="zh-CN" altLang="en-US"/>
           </a:p>
@@ -5412,7 +5412,7 @@
             <a:fld id="{72514870-5082-4025-BC8A-5E070B8EB77D}" type="datetimeFigureOut">
               <a:rPr lang="zh-CN" altLang="en-US" smtClean="0"/>
               <a:pPr/>
-              <a:t>2018/12/28</a:t>
+              <a:t>2019/2/15</a:t>
             </a:fld>
             <a:endParaRPr lang="zh-CN" altLang="en-US"/>
           </a:p>
@@ -5605,7 +5605,7 @@
             <a:fld id="{72514870-5082-4025-BC8A-5E070B8EB77D}" type="datetimeFigureOut">
               <a:rPr lang="zh-CN" altLang="en-US" smtClean="0"/>
               <a:pPr/>
-              <a:t>2018/12/28</a:t>
+              <a:t>2019/2/15</a:t>
             </a:fld>
             <a:endParaRPr lang="zh-CN" altLang="en-US"/>
           </a:p>
@@ -5892,7 +5892,7 @@
             <a:fld id="{72514870-5082-4025-BC8A-5E070B8EB77D}" type="datetimeFigureOut">
               <a:rPr lang="zh-CN" altLang="en-US" smtClean="0"/>
               <a:pPr/>
-              <a:t>2018/12/28</a:t>
+              <a:t>2019/2/15</a:t>
             </a:fld>
             <a:endParaRPr lang="zh-CN" altLang="en-US"/>
           </a:p>
@@ -6313,7 +6313,7 @@
             <a:fld id="{72514870-5082-4025-BC8A-5E070B8EB77D}" type="datetimeFigureOut">
               <a:rPr lang="zh-CN" altLang="en-US" smtClean="0"/>
               <a:pPr/>
-              <a:t>2018/12/28</a:t>
+              <a:t>2019/2/15</a:t>
             </a:fld>
             <a:endParaRPr lang="zh-CN" altLang="en-US"/>
           </a:p>
@@ -6432,7 +6432,7 @@
             <a:fld id="{72514870-5082-4025-BC8A-5E070B8EB77D}" type="datetimeFigureOut">
               <a:rPr lang="zh-CN" altLang="en-US" smtClean="0"/>
               <a:pPr/>
-              <a:t>2018/12/28</a:t>
+              <a:t>2019/2/15</a:t>
             </a:fld>
             <a:endParaRPr lang="zh-CN" altLang="en-US"/>
           </a:p>
@@ -6529,7 +6529,7 @@
             <a:fld id="{72514870-5082-4025-BC8A-5E070B8EB77D}" type="datetimeFigureOut">
               <a:rPr lang="zh-CN" altLang="en-US" smtClean="0"/>
               <a:pPr/>
-              <a:t>2018/12/28</a:t>
+              <a:t>2019/2/15</a:t>
             </a:fld>
             <a:endParaRPr lang="zh-CN" altLang="en-US"/>
           </a:p>
@@ -6806,7 +6806,7 @@
             <a:fld id="{72514870-5082-4025-BC8A-5E070B8EB77D}" type="datetimeFigureOut">
               <a:rPr lang="zh-CN" altLang="en-US" smtClean="0"/>
               <a:pPr/>
-              <a:t>2018/12/28</a:t>
+              <a:t>2019/2/15</a:t>
             </a:fld>
             <a:endParaRPr lang="zh-CN" altLang="en-US"/>
           </a:p>
@@ -7060,7 +7060,7 @@
             <a:fld id="{72514870-5082-4025-BC8A-5E070B8EB77D}" type="datetimeFigureOut">
               <a:rPr lang="zh-CN" altLang="en-US" smtClean="0"/>
               <a:pPr/>
-              <a:t>2018/12/28</a:t>
+              <a:t>2019/2/15</a:t>
             </a:fld>
             <a:endParaRPr lang="zh-CN" altLang="en-US"/>
           </a:p>
@@ -9763,7 +9763,7 @@
         </p:nvSpPr>
         <p:spPr>
           <a:xfrm>
-            <a:off x="863588" y="771550"/>
+            <a:off x="755576" y="843558"/>
             <a:ext cx="7416824" cy="3970318"/>
           </a:xfrm>
           <a:prstGeom prst="rect">
@@ -10965,6 +10965,198 @@
           </a:p>
         </p:txBody>
       </p:sp>
+      <p:sp>
+        <p:nvSpPr>
+          <p:cNvPr id="2" name="矩形 1">
+            <a:extLst>
+              <a:ext uri="{FF2B5EF4-FFF2-40B4-BE49-F238E27FC236}">
+                <a16:creationId xmlns:a16="http://schemas.microsoft.com/office/drawing/2014/main" id="{DF1F02FF-68C9-46EE-A0A7-1518624583E1}"/>
+              </a:ext>
+            </a:extLst>
+          </p:cNvPr>
+          <p:cNvSpPr/>
+          <p:nvPr/>
+        </p:nvSpPr>
+        <p:spPr>
+          <a:xfrm>
+            <a:off x="1751558" y="1498594"/>
+            <a:ext cx="6708874" cy="2308324"/>
+          </a:xfrm>
+          <a:prstGeom prst="rect">
+            <a:avLst/>
+          </a:prstGeom>
+        </p:spPr>
+        <p:txBody>
+          <a:bodyPr wrap="square">
+            <a:spAutoFit/>
+          </a:bodyPr>
+          <a:lstStyle/>
+          <a:p>
+            <a:endParaRPr lang="en-US" altLang="zh-CN" sz="2400" i="1" dirty="0">
+              <a:latin typeface="微软雅黑" panose="020B0503020204020204" pitchFamily="34" charset="-122"/>
+              <a:ea typeface="微软雅黑" panose="020B0503020204020204" pitchFamily="34" charset="-122"/>
+            </a:endParaRPr>
+          </a:p>
+          <a:p>
+            <a:r>
+              <a:rPr lang="en-US" altLang="zh-CN" sz="2400" i="1" dirty="0">
+                <a:latin typeface="微软雅黑" panose="020B0503020204020204" pitchFamily="34" charset="-122"/>
+                <a:ea typeface="微软雅黑" panose="020B0503020204020204" pitchFamily="34" charset="-122"/>
+              </a:rPr>
+              <a:t>var</a:t>
+            </a:r>
+            <a:r>
+              <a:rPr lang="en-US" altLang="zh-CN" sz="2400" dirty="0">
+                <a:latin typeface="微软雅黑" panose="020B0503020204020204" pitchFamily="34" charset="-122"/>
+                <a:ea typeface="微软雅黑" panose="020B0503020204020204" pitchFamily="34" charset="-122"/>
+              </a:rPr>
+              <a:t> </a:t>
+            </a:r>
+            <a:r>
+              <a:rPr lang="en-US" altLang="zh-CN" sz="2400" dirty="0" err="1">
+                <a:latin typeface="微软雅黑" panose="020B0503020204020204" pitchFamily="34" charset="-122"/>
+                <a:ea typeface="微软雅黑" panose="020B0503020204020204" pitchFamily="34" charset="-122"/>
+              </a:rPr>
+              <a:t>url</a:t>
+            </a:r>
+            <a:r>
+              <a:rPr lang="en-US" altLang="zh-CN" sz="2400" dirty="0">
+                <a:latin typeface="微软雅黑" panose="020B0503020204020204" pitchFamily="34" charset="-122"/>
+                <a:ea typeface="微软雅黑" panose="020B0503020204020204" pitchFamily="34" charset="-122"/>
+              </a:rPr>
+              <a:t> = require(‘</a:t>
+            </a:r>
+            <a:r>
+              <a:rPr lang="en-US" altLang="zh-CN" sz="2400" dirty="0" err="1">
+                <a:latin typeface="微软雅黑" panose="020B0503020204020204" pitchFamily="34" charset="-122"/>
+                <a:ea typeface="微软雅黑" panose="020B0503020204020204" pitchFamily="34" charset="-122"/>
+              </a:rPr>
+              <a:t>url</a:t>
+            </a:r>
+            <a:r>
+              <a:rPr lang="en-US" altLang="zh-CN" sz="2400" dirty="0">
+                <a:latin typeface="微软雅黑" panose="020B0503020204020204" pitchFamily="34" charset="-122"/>
+                <a:ea typeface="微软雅黑" panose="020B0503020204020204" pitchFamily="34" charset="-122"/>
+              </a:rPr>
+              <a:t>’) //</a:t>
+            </a:r>
+            <a:r>
+              <a:rPr lang="zh-CN" altLang="en-US" sz="2400" dirty="0">
+                <a:latin typeface="微软雅黑" panose="020B0503020204020204" pitchFamily="34" charset="-122"/>
+                <a:ea typeface="微软雅黑" panose="020B0503020204020204" pitchFamily="34" charset="-122"/>
+              </a:rPr>
+              <a:t>地址模块</a:t>
+            </a:r>
+            <a:endParaRPr lang="en-US" altLang="zh-CN" sz="2400" dirty="0">
+              <a:latin typeface="微软雅黑" panose="020B0503020204020204" pitchFamily="34" charset="-122"/>
+              <a:ea typeface="微软雅黑" panose="020B0503020204020204" pitchFamily="34" charset="-122"/>
+            </a:endParaRPr>
+          </a:p>
+          <a:p>
+            <a:endParaRPr lang="en-US" altLang="zh-CN" sz="2400" dirty="0">
+              <a:latin typeface="微软雅黑" panose="020B0503020204020204" pitchFamily="34" charset="-122"/>
+              <a:ea typeface="微软雅黑" panose="020B0503020204020204" pitchFamily="34" charset="-122"/>
+            </a:endParaRPr>
+          </a:p>
+          <a:p>
+            <a:r>
+              <a:rPr lang="en-US" altLang="zh-CN" sz="2400" i="1" dirty="0">
+                <a:latin typeface="微软雅黑" panose="020B0503020204020204" pitchFamily="34" charset="-122"/>
+                <a:ea typeface="微软雅黑" panose="020B0503020204020204" pitchFamily="34" charset="-122"/>
+              </a:rPr>
+              <a:t>var</a:t>
+            </a:r>
+            <a:r>
+              <a:rPr lang="en-US" altLang="zh-CN" sz="2400" dirty="0">
+                <a:latin typeface="微软雅黑" panose="020B0503020204020204" pitchFamily="34" charset="-122"/>
+                <a:ea typeface="微软雅黑" panose="020B0503020204020204" pitchFamily="34" charset="-122"/>
+              </a:rPr>
+              <a:t> fs = require(‘fs’) //</a:t>
+            </a:r>
+            <a:r>
+              <a:rPr lang="zh-CN" altLang="en-US" sz="2400" dirty="0">
+                <a:latin typeface="微软雅黑" panose="020B0503020204020204" pitchFamily="34" charset="-122"/>
+                <a:ea typeface="微软雅黑" panose="020B0503020204020204" pitchFamily="34" charset="-122"/>
+              </a:rPr>
+              <a:t>读写模块</a:t>
+            </a:r>
+            <a:endParaRPr lang="en-US" altLang="zh-CN" sz="2400" dirty="0">
+              <a:latin typeface="微软雅黑" panose="020B0503020204020204" pitchFamily="34" charset="-122"/>
+              <a:ea typeface="微软雅黑" panose="020B0503020204020204" pitchFamily="34" charset="-122"/>
+            </a:endParaRPr>
+          </a:p>
+          <a:p>
+            <a:endParaRPr lang="en-US" altLang="zh-CN" sz="2400" dirty="0">
+              <a:latin typeface="微软雅黑" panose="020B0503020204020204" pitchFamily="34" charset="-122"/>
+              <a:ea typeface="微软雅黑" panose="020B0503020204020204" pitchFamily="34" charset="-122"/>
+            </a:endParaRPr>
+          </a:p>
+          <a:p>
+            <a:r>
+              <a:rPr lang="en-US" altLang="zh-CN" sz="2400" i="1" dirty="0">
+                <a:latin typeface="微软雅黑" panose="020B0503020204020204" pitchFamily="34" charset="-122"/>
+                <a:ea typeface="微软雅黑" panose="020B0503020204020204" pitchFamily="34" charset="-122"/>
+              </a:rPr>
+              <a:t>var</a:t>
+            </a:r>
+            <a:r>
+              <a:rPr lang="en-US" altLang="zh-CN" sz="2400" dirty="0">
+                <a:latin typeface="微软雅黑" panose="020B0503020204020204" pitchFamily="34" charset="-122"/>
+                <a:ea typeface="微软雅黑" panose="020B0503020204020204" pitchFamily="34" charset="-122"/>
+              </a:rPr>
+              <a:t> path = require(‘path’) //</a:t>
+            </a:r>
+            <a:r>
+              <a:rPr lang="zh-CN" altLang="en-US" sz="2400" dirty="0">
+                <a:latin typeface="微软雅黑" panose="020B0503020204020204" pitchFamily="34" charset="-122"/>
+                <a:ea typeface="微软雅黑" panose="020B0503020204020204" pitchFamily="34" charset="-122"/>
+              </a:rPr>
+              <a:t>路径模块</a:t>
+            </a:r>
+            <a:endParaRPr lang="en-US" altLang="zh-CN" sz="2400" b="0" dirty="0">
+              <a:effectLst/>
+              <a:latin typeface="微软雅黑" panose="020B0503020204020204" pitchFamily="34" charset="-122"/>
+              <a:ea typeface="微软雅黑" panose="020B0503020204020204" pitchFamily="34" charset="-122"/>
+            </a:endParaRPr>
+          </a:p>
+        </p:txBody>
+      </p:sp>
+      <p:sp>
+        <p:nvSpPr>
+          <p:cNvPr id="3" name="文本框 2">
+            <a:extLst>
+              <a:ext uri="{FF2B5EF4-FFF2-40B4-BE49-F238E27FC236}">
+                <a16:creationId xmlns:a16="http://schemas.microsoft.com/office/drawing/2014/main" id="{5BEE73C5-6995-4325-9014-9544C84C9D2F}"/>
+              </a:ext>
+            </a:extLst>
+          </p:cNvPr>
+          <p:cNvSpPr txBox="1"/>
+          <p:nvPr/>
+        </p:nvSpPr>
+        <p:spPr>
+          <a:xfrm>
+            <a:off x="1619672" y="813362"/>
+            <a:ext cx="1311256" cy="369332"/>
+          </a:xfrm>
+          <a:prstGeom prst="rect">
+            <a:avLst/>
+          </a:prstGeom>
+          <a:noFill/>
+        </p:spPr>
+        <p:txBody>
+          <a:bodyPr wrap="none" rtlCol="0">
+            <a:spAutoFit/>
+          </a:bodyPr>
+          <a:lstStyle/>
+          <a:p>
+            <a:r>
+              <a:rPr lang="en-US" altLang="zh-CN" dirty="0"/>
+              <a:t>Middleware</a:t>
+            </a:r>
+            <a:endParaRPr lang="zh-CN" altLang="en-US" dirty="0"/>
+          </a:p>
+        </p:txBody>
+      </p:sp>
     </p:spTree>
     <p:extLst>
       <p:ext uri="{BB962C8B-B14F-4D97-AF65-F5344CB8AC3E}">
@@ -11508,6 +11700,36 @@
           </a:p>
         </p:txBody>
       </p:sp>
+      <p:pic>
+        <p:nvPicPr>
+          <p:cNvPr id="3" name="图片 2">
+            <a:extLst>
+              <a:ext uri="{FF2B5EF4-FFF2-40B4-BE49-F238E27FC236}">
+                <a16:creationId xmlns:a16="http://schemas.microsoft.com/office/drawing/2014/main" id="{A03C2AEF-AE9E-482D-A518-B9AF8E27E36F}"/>
+              </a:ext>
+            </a:extLst>
+          </p:cNvPr>
+          <p:cNvPicPr>
+            <a:picLocks noChangeAspect="1"/>
+          </p:cNvPicPr>
+          <p:nvPr/>
+        </p:nvPicPr>
+        <p:blipFill>
+          <a:blip r:embed="rId3"/>
+          <a:stretch>
+            <a:fillRect/>
+          </a:stretch>
+        </p:blipFill>
+        <p:spPr>
+          <a:xfrm>
+            <a:off x="-396552" y="483518"/>
+            <a:ext cx="9737855" cy="4973738"/>
+          </a:xfrm>
+          <a:prstGeom prst="rect">
+            <a:avLst/>
+          </a:prstGeom>
+        </p:spPr>
+      </p:pic>
     </p:spTree>
     <p:extLst>
       <p:ext uri="{BB962C8B-B14F-4D97-AF65-F5344CB8AC3E}">
@@ -14514,8 +14736,8 @@
         </p:nvSpPr>
         <p:spPr>
           <a:xfrm>
-            <a:off x="0" y="895726"/>
-            <a:ext cx="9144000" cy="3919856"/>
+            <a:off x="179512" y="878501"/>
+            <a:ext cx="8964488" cy="3919856"/>
           </a:xfrm>
           <a:prstGeom prst="rect">
             <a:avLst/>
